--- a/pptFigures.pptx
+++ b/pptFigures.pptx
@@ -16,6 +16,7 @@
     <p:sldId id="272" r:id="rId10"/>
     <p:sldId id="273" r:id="rId11"/>
     <p:sldId id="274" r:id="rId12"/>
+    <p:sldId id="275" r:id="rId13"/>
   </p:sldIdLst>
   <p:sldSz cx="9144000" cy="6858000" type="screen4x3"/>
   <p:notesSz cx="6858000" cy="9144000"/>
@@ -8956,14 +8957,7 @@
               <a:latin typeface="Times New Roman" pitchFamily="18" charset="0"/>
               <a:cs typeface="Times New Roman" pitchFamily="18" charset="0"/>
             </a:rPr>
-            <a:t>C++ routines </a:t>
-          </a:r>
-          <a:r>
-            <a:rPr lang="en-US" sz="1800" dirty="0" smtClean="0">
-              <a:latin typeface="Times New Roman" pitchFamily="18" charset="0"/>
-              <a:cs typeface="Times New Roman" pitchFamily="18" charset="0"/>
-            </a:rPr>
-            <a:t>to access FSDB values in time-based fashion</a:t>
+            <a:t>C++ routines to access FSDB values in time-based fashion</a:t>
           </a:r>
           <a:endParaRPr lang="en-US" sz="1800" dirty="0">
             <a:latin typeface="Times New Roman" pitchFamily="18" charset="0"/>
@@ -9013,14 +9007,7 @@
               <a:latin typeface="Times New Roman" pitchFamily="18" charset="0"/>
               <a:cs typeface="Times New Roman" pitchFamily="18" charset="0"/>
             </a:rPr>
-            <a:t> </a:t>
-          </a:r>
-          <a:r>
-            <a:rPr lang="en-US" sz="1800" dirty="0" smtClean="0">
-              <a:latin typeface="Times New Roman" pitchFamily="18" charset="0"/>
-              <a:cs typeface="Times New Roman" pitchFamily="18" charset="0"/>
-            </a:rPr>
-            <a:t>Simulation</a:t>
+            <a:t> Simulation</a:t>
           </a:r>
           <a:endParaRPr lang="en-US" sz="1800" dirty="0">
             <a:latin typeface="Times New Roman" pitchFamily="18" charset="0"/>
@@ -10448,8 +10435,8 @@
     </dgm:pt>
   </dgm:ptLst>
   <dgm:cxnLst>
+    <dgm:cxn modelId="{A4402CF1-D7F3-4A43-BD41-312AD0923CFA}" srcId="{499B4954-A313-4AF2-9233-36F9EB1F2E28}" destId="{F36B2088-3179-46DA-9456-3BDEB8FCBA63}" srcOrd="1" destOrd="0" parTransId="{32F82BB0-BE5B-4E09-ACC9-FB23E8743A44}" sibTransId="{57109239-AC17-43B5-8360-44E48BD9DD16}"/>
     <dgm:cxn modelId="{0D1D0075-53F8-45F9-B671-A4169E370B49}" type="presOf" srcId="{39EB69AF-086C-4F08-9188-08B527843E3B}" destId="{5AC14FB5-BFFF-42E7-80BB-5CB2D5CC2E48}" srcOrd="0" destOrd="0" presId="urn:microsoft.com/office/officeart/2005/8/layout/vList5"/>
-    <dgm:cxn modelId="{A4402CF1-D7F3-4A43-BD41-312AD0923CFA}" srcId="{499B4954-A313-4AF2-9233-36F9EB1F2E28}" destId="{F36B2088-3179-46DA-9456-3BDEB8FCBA63}" srcOrd="1" destOrd="0" parTransId="{32F82BB0-BE5B-4E09-ACC9-FB23E8743A44}" sibTransId="{57109239-AC17-43B5-8360-44E48BD9DD16}"/>
     <dgm:cxn modelId="{C1B953F0-7653-48EC-94C8-0D1B318B198A}" type="presOf" srcId="{7CF64C3A-3FE2-4C56-819B-D7FC2CA1EAB3}" destId="{03C447E2-9E25-435B-BEEA-50663D1FA8CF}" srcOrd="0" destOrd="1" presId="urn:microsoft.com/office/officeart/2005/8/layout/vList5"/>
     <dgm:cxn modelId="{43A68E9E-FEF4-4B7C-A618-4CE279261582}" type="presOf" srcId="{F36B2088-3179-46DA-9456-3BDEB8FCBA63}" destId="{9A93DBA7-36F9-4CEB-8555-A1DD1399CFCB}" srcOrd="0" destOrd="1" presId="urn:microsoft.com/office/officeart/2005/8/layout/vList5"/>
     <dgm:cxn modelId="{AF01E660-EC81-4AC5-A300-547F7BB042FA}" srcId="{62DA3143-94B0-43B7-8D3D-119FB3F6FCFE}" destId="{7CF64C3A-3FE2-4C56-819B-D7FC2CA1EAB3}" srcOrd="1" destOrd="0" parTransId="{BF6308D9-F409-4908-BAE3-89D3AD1FDC01}" sibTransId="{92686665-9936-432B-BA9C-C2EB8482E27D}"/>
@@ -10872,8 +10859,8 @@
     <dgm:cxn modelId="{D21AD0A9-0B8D-4617-AA40-103334E006C1}" type="presOf" srcId="{C65B8FFD-7749-43A7-8258-1D175F603E75}" destId="{60818678-16B8-424C-B058-4B37B19986DD}" srcOrd="0" destOrd="0" presId="urn:microsoft.com/office/officeart/2005/8/layout/radial5"/>
     <dgm:cxn modelId="{418404D4-664C-4EBF-8506-4F8F8F08062C}" type="presOf" srcId="{E25F5A64-D615-441D-871C-2F98FD45C38A}" destId="{41B33C7F-498B-404D-BCA2-F55E36982E6B}" srcOrd="0" destOrd="0" presId="urn:microsoft.com/office/officeart/2005/8/layout/radial5"/>
     <dgm:cxn modelId="{AC42AAD4-9116-4208-BFF2-484DD11CB82E}" srcId="{E25F5A64-D615-441D-871C-2F98FD45C38A}" destId="{8D4367E3-2529-46A2-BC03-6C4D59C546CF}" srcOrd="0" destOrd="0" parTransId="{C65B8FFD-7749-43A7-8258-1D175F603E75}" sibTransId="{565C72AF-DA91-4EFF-8D72-D3A895FAA89B}"/>
+    <dgm:cxn modelId="{DCF3FA9B-C2EC-48C9-932E-0B1FC8ED0480}" type="presOf" srcId="{8D4367E3-2529-46A2-BC03-6C4D59C546CF}" destId="{4EAF56E9-1DD7-4CB7-87A1-A24E0435FB05}" srcOrd="0" destOrd="0" presId="urn:microsoft.com/office/officeart/2005/8/layout/radial5"/>
     <dgm:cxn modelId="{7B6548F0-F781-4D84-9CD1-36A0CD94F6C5}" type="presOf" srcId="{831A9A8B-77DF-458C-89B9-01BFAFC31E59}" destId="{E9C5A999-3778-4121-B93D-10AC77B59712}" srcOrd="0" destOrd="0" presId="urn:microsoft.com/office/officeart/2005/8/layout/radial5"/>
-    <dgm:cxn modelId="{DCF3FA9B-C2EC-48C9-932E-0B1FC8ED0480}" type="presOf" srcId="{8D4367E3-2529-46A2-BC03-6C4D59C546CF}" destId="{4EAF56E9-1DD7-4CB7-87A1-A24E0435FB05}" srcOrd="0" destOrd="0" presId="urn:microsoft.com/office/officeart/2005/8/layout/radial5"/>
     <dgm:cxn modelId="{B95AB3E5-4B89-4EB4-BDF6-89AC8587F72E}" type="presParOf" srcId="{E9C5A999-3778-4121-B93D-10AC77B59712}" destId="{41B33C7F-498B-404D-BCA2-F55E36982E6B}" srcOrd="0" destOrd="0" presId="urn:microsoft.com/office/officeart/2005/8/layout/radial5"/>
     <dgm:cxn modelId="{AE20B47C-9640-4760-A9C3-2D94C5021A87}" type="presParOf" srcId="{E9C5A999-3778-4121-B93D-10AC77B59712}" destId="{60818678-16B8-424C-B058-4B37B19986DD}" srcOrd="1" destOrd="0" presId="urn:microsoft.com/office/officeart/2005/8/layout/radial5"/>
     <dgm:cxn modelId="{41B22264-8350-486C-A543-4FB3E75FCFAA}" type="presParOf" srcId="{60818678-16B8-424C-B058-4B37B19986DD}" destId="{515CDF60-CC45-4FBD-BFD0-1A94A474E676}" srcOrd="0" destOrd="0" presId="urn:microsoft.com/office/officeart/2005/8/layout/radial5"/>
@@ -11086,25 +11073,7 @@
               </a:solidFill>
               <a:latin typeface="Times New Roman" pitchFamily="18" charset="0"/>
             </a:rPr>
-            <a:t> </a:t>
-          </a:r>
-          <a:r>
-            <a:rPr lang="en-US" sz="1800" cap="all" baseline="0" dirty="0" smtClean="0">
-              <a:solidFill>
-                <a:schemeClr val="tx1"/>
-              </a:solidFill>
-              <a:latin typeface="Times New Roman" pitchFamily="18" charset="0"/>
-            </a:rPr>
-            <a:t>Sims, </a:t>
-          </a:r>
-          <a:r>
-            <a:rPr lang="en-US" sz="1800" cap="all" baseline="0" dirty="0" smtClean="0">
-              <a:solidFill>
-                <a:schemeClr val="tx1"/>
-              </a:solidFill>
-              <a:latin typeface="Times New Roman" pitchFamily="18" charset="0"/>
-            </a:rPr>
-            <a:t>with FSDB </a:t>
+            <a:t> Sims, with FSDB </a:t>
           </a:r>
           <a:endParaRPr lang="en-US" sz="1800" cap="all" baseline="0" dirty="0">
             <a:solidFill>
@@ -12148,14 +12117,7 @@
               <a:latin typeface="Times New Roman" pitchFamily="18" charset="0"/>
               <a:cs typeface="Times New Roman" pitchFamily="18" charset="0"/>
             </a:rPr>
-            <a:t>C++ routines </a:t>
-          </a:r>
-          <a:r>
-            <a:rPr lang="en-US" sz="1800" kern="1200" dirty="0" smtClean="0">
-              <a:latin typeface="Times New Roman" pitchFamily="18" charset="0"/>
-              <a:cs typeface="Times New Roman" pitchFamily="18" charset="0"/>
-            </a:rPr>
-            <a:t>to access FSDB values in time-based fashion</a:t>
+            <a:t>C++ routines to access FSDB values in time-based fashion</a:t>
           </a:r>
           <a:endParaRPr lang="en-US" sz="1800" kern="1200" dirty="0">
             <a:latin typeface="Times New Roman" pitchFamily="18" charset="0"/>
@@ -12406,14 +12368,7 @@
               <a:latin typeface="Times New Roman" pitchFamily="18" charset="0"/>
               <a:cs typeface="Times New Roman" pitchFamily="18" charset="0"/>
             </a:rPr>
-            <a:t> </a:t>
-          </a:r>
-          <a:r>
-            <a:rPr lang="en-US" sz="1800" kern="1200" dirty="0" smtClean="0">
-              <a:latin typeface="Times New Roman" pitchFamily="18" charset="0"/>
-              <a:cs typeface="Times New Roman" pitchFamily="18" charset="0"/>
-            </a:rPr>
-            <a:t>Simulation</a:t>
+            <a:t> Simulation</a:t>
           </a:r>
           <a:endParaRPr lang="en-US" sz="1800" kern="1200" dirty="0">
             <a:latin typeface="Times New Roman" pitchFamily="18" charset="0"/>
@@ -14904,25 +14859,7 @@
               </a:solidFill>
               <a:latin typeface="Times New Roman" pitchFamily="18" charset="0"/>
             </a:rPr>
-            <a:t> </a:t>
-          </a:r>
-          <a:r>
-            <a:rPr lang="en-US" sz="1800" kern="1200" cap="all" baseline="0" dirty="0" smtClean="0">
-              <a:solidFill>
-                <a:schemeClr val="tx1"/>
-              </a:solidFill>
-              <a:latin typeface="Times New Roman" pitchFamily="18" charset="0"/>
-            </a:rPr>
-            <a:t>Sims, </a:t>
-          </a:r>
-          <a:r>
-            <a:rPr lang="en-US" sz="1800" kern="1200" cap="all" baseline="0" dirty="0" smtClean="0">
-              <a:solidFill>
-                <a:schemeClr val="tx1"/>
-              </a:solidFill>
-              <a:latin typeface="Times New Roman" pitchFamily="18" charset="0"/>
-            </a:rPr>
-            <a:t>with FSDB </a:t>
+            <a:t> Sims, with FSDB </a:t>
           </a:r>
           <a:endParaRPr lang="en-US" sz="1800" kern="1200" cap="all" baseline="0" dirty="0">
             <a:solidFill>
@@ -31851,7 +31788,7 @@
           <a:bodyPr/>
           <a:lstStyle/>
           <a:p>
-            <a:endParaRPr lang="en-US"/>
+            <a:endParaRPr lang="en-US" dirty="0"/>
           </a:p>
         </p:txBody>
       </p:sp>
@@ -32099,6 +32036,152 @@
     <p:extLst>
       <p:ext uri="{BB962C8B-B14F-4D97-AF65-F5344CB8AC3E}">
         <p14:creationId xmlns:p14="http://schemas.microsoft.com/office/powerpoint/2010/main" val="704232541"/>
+      </p:ext>
+    </p:extLst>
+  </p:cSld>
+  <p:clrMapOvr>
+    <a:masterClrMapping/>
+  </p:clrMapOvr>
+  <p:timing>
+    <p:tnLst>
+      <p:par>
+        <p:cTn id="1" dur="indefinite" restart="never" nodeType="tmRoot"/>
+      </p:par>
+    </p:tnLst>
+  </p:timing>
+</p:sld>
+</file>
+
+<file path=ppt/slides/slide12.xml><?xml version="1.0" encoding="utf-8"?>
+<p:sld xmlns:a="http://schemas.openxmlformats.org/drawingml/2006/main" xmlns:r="http://schemas.openxmlformats.org/officeDocument/2006/relationships" xmlns:p="http://schemas.openxmlformats.org/presentationml/2006/main">
+  <p:cSld>
+    <p:spTree>
+      <p:nvGrpSpPr>
+        <p:cNvPr id="1" name=""/>
+        <p:cNvGrpSpPr/>
+        <p:nvPr/>
+      </p:nvGrpSpPr>
+      <p:grpSpPr>
+        <a:xfrm>
+          <a:off x="0" y="0"/>
+          <a:ext cx="0" cy="0"/>
+          <a:chOff x="0" y="0"/>
+          <a:chExt cx="0" cy="0"/>
+        </a:xfrm>
+      </p:grpSpPr>
+      <p:sp>
+        <p:nvSpPr>
+          <p:cNvPr id="2" name="Title 1"/>
+          <p:cNvSpPr>
+            <a:spLocks noGrp="1"/>
+          </p:cNvSpPr>
+          <p:nvPr>
+            <p:ph type="title"/>
+          </p:nvPr>
+        </p:nvSpPr>
+        <p:spPr/>
+        <p:txBody>
+          <a:bodyPr/>
+          <a:lstStyle/>
+          <a:p>
+            <a:endParaRPr lang="en-US"/>
+          </a:p>
+        </p:txBody>
+      </p:sp>
+      <p:sp>
+        <p:nvSpPr>
+          <p:cNvPr id="3" name="Content Placeholder 2"/>
+          <p:cNvSpPr>
+            <a:spLocks noGrp="1"/>
+          </p:cNvSpPr>
+          <p:nvPr>
+            <p:ph idx="1"/>
+          </p:nvPr>
+        </p:nvSpPr>
+        <p:spPr/>
+        <p:txBody>
+          <a:bodyPr/>
+          <a:lstStyle/>
+          <a:p>
+            <a:endParaRPr lang="en-US"/>
+          </a:p>
+        </p:txBody>
+      </p:sp>
+      <p:sp>
+        <p:nvSpPr>
+          <p:cNvPr id="4" name="Rectangle 3"/>
+          <p:cNvSpPr/>
+          <p:nvPr/>
+        </p:nvSpPr>
+        <p:spPr>
+          <a:xfrm>
+            <a:off x="971600" y="2204864"/>
+            <a:ext cx="2520280" cy="3744416"/>
+          </a:xfrm>
+          <a:prstGeom prst="rect">
+            <a:avLst/>
+          </a:prstGeom>
+          <a:solidFill>
+            <a:schemeClr val="bg1">
+              <a:lumMod val="95000"/>
+            </a:schemeClr>
+          </a:solidFill>
+        </p:spPr>
+        <p:style>
+          <a:lnRef idx="2">
+            <a:schemeClr val="accent1">
+              <a:shade val="50000"/>
+            </a:schemeClr>
+          </a:lnRef>
+          <a:fillRef idx="1">
+            <a:schemeClr val="accent1"/>
+          </a:fillRef>
+          <a:effectRef idx="0">
+            <a:schemeClr val="accent1"/>
+          </a:effectRef>
+          <a:fontRef idx="minor">
+            <a:schemeClr val="lt1"/>
+          </a:fontRef>
+        </p:style>
+        <p:txBody>
+          <a:bodyPr rtlCol="0" anchor="ctr"/>
+          <a:lstStyle/>
+          <a:p>
+            <a:pPr algn="ctr"/>
+            <a:endParaRPr lang="en-US"/>
+          </a:p>
+        </p:txBody>
+      </p:sp>
+      <p:sp>
+        <p:nvSpPr>
+          <p:cNvPr id="5" name="TextBox 4"/>
+          <p:cNvSpPr txBox="1"/>
+          <p:nvPr/>
+        </p:nvSpPr>
+        <p:spPr>
+          <a:xfrm>
+            <a:off x="1331640" y="2708920"/>
+            <a:ext cx="1872208" cy="369332"/>
+          </a:xfrm>
+          <a:prstGeom prst="rect">
+            <a:avLst/>
+          </a:prstGeom>
+          <a:noFill/>
+        </p:spPr>
+        <p:txBody>
+          <a:bodyPr wrap="square" rtlCol="0">
+            <a:spAutoFit/>
+          </a:bodyPr>
+          <a:lstStyle/>
+          <a:p>
+            <a:endParaRPr lang="en-US" dirty="0"/>
+          </a:p>
+        </p:txBody>
+      </p:sp>
+    </p:spTree>
+    <p:extLst>
+      <p:ext uri="{BB962C8B-B14F-4D97-AF65-F5344CB8AC3E}">
+        <p14:creationId xmlns:p14="http://schemas.microsoft.com/office/powerpoint/2010/main" val="368266723"/>
       </p:ext>
     </p:extLst>
   </p:cSld>
@@ -34530,17 +34613,7 @@
                     <a:latin typeface="Times New Roman" pitchFamily="18" charset="0"/>
                     <a:cs typeface="Times New Roman" pitchFamily="18" charset="0"/>
                   </a:rPr>
-                  <a:t>Compare</a:t>
-                </a:r>
-                <a:r>
-                  <a:rPr lang="en-US" dirty="0" err="1" smtClean="0">
-                    <a:solidFill>
-                      <a:schemeClr val="tx1"/>
-                    </a:solidFill>
-                    <a:latin typeface="Times New Roman" pitchFamily="18" charset="0"/>
-                    <a:cs typeface="Times New Roman" pitchFamily="18" charset="0"/>
-                  </a:rPr>
-                  <a:t>.v</a:t>
+                  <a:t>Compare.v</a:t>
                 </a:r>
                 <a:endParaRPr lang="en-US" kern="1200" dirty="0">
                   <a:solidFill>

--- a/pptFigures.pptx
+++ b/pptFigures.pptx
@@ -4,22 +4,26 @@
   <p:sldMasterIdLst>
     <p:sldMasterId id="2147483648" r:id="rId1"/>
   </p:sldMasterIdLst>
+  <p:notesMasterIdLst>
+    <p:notesMasterId r:id="rId18"/>
+  </p:notesMasterIdLst>
   <p:sldIdLst>
-    <p:sldId id="256" r:id="rId2"/>
-    <p:sldId id="260" r:id="rId3"/>
-    <p:sldId id="268" r:id="rId4"/>
-    <p:sldId id="261" r:id="rId5"/>
-    <p:sldId id="267" r:id="rId6"/>
-    <p:sldId id="278" r:id="rId7"/>
-    <p:sldId id="277" r:id="rId8"/>
-    <p:sldId id="275" r:id="rId9"/>
-    <p:sldId id="276" r:id="rId10"/>
-    <p:sldId id="273" r:id="rId11"/>
-    <p:sldId id="274" r:id="rId12"/>
-    <p:sldId id="269" r:id="rId13"/>
-    <p:sldId id="270" r:id="rId14"/>
-    <p:sldId id="272" r:id="rId15"/>
-    <p:sldId id="271" r:id="rId16"/>
+    <p:sldId id="260" r:id="rId2"/>
+    <p:sldId id="268" r:id="rId3"/>
+    <p:sldId id="261" r:id="rId4"/>
+    <p:sldId id="267" r:id="rId5"/>
+    <p:sldId id="279" r:id="rId6"/>
+    <p:sldId id="280" r:id="rId7"/>
+    <p:sldId id="278" r:id="rId8"/>
+    <p:sldId id="277" r:id="rId9"/>
+    <p:sldId id="275" r:id="rId10"/>
+    <p:sldId id="276" r:id="rId11"/>
+    <p:sldId id="273" r:id="rId12"/>
+    <p:sldId id="274" r:id="rId13"/>
+    <p:sldId id="269" r:id="rId14"/>
+    <p:sldId id="270" r:id="rId15"/>
+    <p:sldId id="272" r:id="rId16"/>
+    <p:sldId id="271" r:id="rId17"/>
   </p:sldIdLst>
   <p:sldSz cx="9144000" cy="6858000" type="screen4x3"/>
   <p:notesSz cx="6858000" cy="9144000"/>
@@ -10904,17 +10908,17 @@
     </dgm:pt>
   </dgm:ptLst>
   <dgm:cxnLst>
+    <dgm:cxn modelId="{3616B001-E806-4D34-AA91-FE8665E4E628}" type="presOf" srcId="{88EC2CBB-9666-42CE-A1B2-02AAE54B3473}" destId="{64FB9533-3BCE-4314-B213-043AB87CC857}" srcOrd="1" destOrd="0" presId="urn:microsoft.com/office/officeart/2005/8/layout/process1"/>
+    <dgm:cxn modelId="{4A883A21-3A11-42E1-9549-FB001E47C41E}" type="presOf" srcId="{2EDCD22E-947A-43D0-91A9-7297886A3B93}" destId="{6EBD7517-7CA2-46FA-9668-C29FC2966AEF}" srcOrd="1" destOrd="0" presId="urn:microsoft.com/office/officeart/2005/8/layout/process1"/>
     <dgm:cxn modelId="{10776486-6492-40E5-A44D-E43F21A17C66}" type="presOf" srcId="{730EEAE0-9EE2-4120-BEB1-C512EB73C0D9}" destId="{C7D4D5CC-7CFD-45A4-A599-1B0437CCE134}" srcOrd="0" destOrd="0" presId="urn:microsoft.com/office/officeart/2005/8/layout/process1"/>
+    <dgm:cxn modelId="{2C4B3E49-399F-45E0-9795-F74F876792D2}" srcId="{76797018-2011-432C-A31B-8628685EEADA}" destId="{78E6CBFA-83BF-4CA9-8867-1524AD75B803}" srcOrd="0" destOrd="0" parTransId="{58B11131-469E-4D7D-8459-63252DDFAF48}" sibTransId="{2EDCD22E-947A-43D0-91A9-7297886A3B93}"/>
+    <dgm:cxn modelId="{DD9892AD-41A1-4B13-B04E-AE7C6AAB978F}" type="presOf" srcId="{76797018-2011-432C-A31B-8628685EEADA}" destId="{A2DB7F26-DC4C-465F-9F2F-ACFAB31B5C71}" srcOrd="0" destOrd="0" presId="urn:microsoft.com/office/officeart/2005/8/layout/process1"/>
     <dgm:cxn modelId="{6BEEA322-D0D7-4D41-B837-505D9D0F8FC8}" type="presOf" srcId="{78E6CBFA-83BF-4CA9-8867-1524AD75B803}" destId="{56511406-F64F-4E28-9382-44815A3844DE}" srcOrd="0" destOrd="0" presId="urn:microsoft.com/office/officeart/2005/8/layout/process1"/>
+    <dgm:cxn modelId="{CDF1D839-D9B4-4FCA-BEAE-737E0F0321EA}" srcId="{76797018-2011-432C-A31B-8628685EEADA}" destId="{4BECA1FE-E605-49F4-B154-D8A3D9F7D81F}" srcOrd="1" destOrd="0" parTransId="{5C67565C-016B-49F6-92FF-5A83F4E3D36B}" sibTransId="{88EC2CBB-9666-42CE-A1B2-02AAE54B3473}"/>
+    <dgm:cxn modelId="{2D4E6184-1C97-4B54-BC10-EBB149C63845}" srcId="{76797018-2011-432C-A31B-8628685EEADA}" destId="{730EEAE0-9EE2-4120-BEB1-C512EB73C0D9}" srcOrd="2" destOrd="0" parTransId="{D08ECE66-0F35-49BA-8472-9F7B25AE0353}" sibTransId="{827D7664-DB45-4D96-ADCF-60E954796151}"/>
+    <dgm:cxn modelId="{1FFD596D-EE98-49DF-9F53-586CE5D0B274}" type="presOf" srcId="{88EC2CBB-9666-42CE-A1B2-02AAE54B3473}" destId="{FA5582EA-7F1C-48E6-B9B3-C29909A9D6C2}" srcOrd="0" destOrd="0" presId="urn:microsoft.com/office/officeart/2005/8/layout/process1"/>
+    <dgm:cxn modelId="{E88BB607-AA85-4668-B1B0-15EEF1671FBE}" type="presOf" srcId="{2EDCD22E-947A-43D0-91A9-7297886A3B93}" destId="{35D29E25-0966-45A5-9F99-621D4207AB84}" srcOrd="0" destOrd="0" presId="urn:microsoft.com/office/officeart/2005/8/layout/process1"/>
     <dgm:cxn modelId="{5A4E449F-87E2-4E99-9D32-B9C6AA22128B}" type="presOf" srcId="{4BECA1FE-E605-49F4-B154-D8A3D9F7D81F}" destId="{61581FCC-C561-4977-A4CD-6B5760308E1F}" srcOrd="0" destOrd="0" presId="urn:microsoft.com/office/officeart/2005/8/layout/process1"/>
-    <dgm:cxn modelId="{2D4E6184-1C97-4B54-BC10-EBB149C63845}" srcId="{76797018-2011-432C-A31B-8628685EEADA}" destId="{730EEAE0-9EE2-4120-BEB1-C512EB73C0D9}" srcOrd="2" destOrd="0" parTransId="{D08ECE66-0F35-49BA-8472-9F7B25AE0353}" sibTransId="{827D7664-DB45-4D96-ADCF-60E954796151}"/>
-    <dgm:cxn modelId="{DD9892AD-41A1-4B13-B04E-AE7C6AAB978F}" type="presOf" srcId="{76797018-2011-432C-A31B-8628685EEADA}" destId="{A2DB7F26-DC4C-465F-9F2F-ACFAB31B5C71}" srcOrd="0" destOrd="0" presId="urn:microsoft.com/office/officeart/2005/8/layout/process1"/>
-    <dgm:cxn modelId="{4A883A21-3A11-42E1-9549-FB001E47C41E}" type="presOf" srcId="{2EDCD22E-947A-43D0-91A9-7297886A3B93}" destId="{6EBD7517-7CA2-46FA-9668-C29FC2966AEF}" srcOrd="1" destOrd="0" presId="urn:microsoft.com/office/officeart/2005/8/layout/process1"/>
-    <dgm:cxn modelId="{E88BB607-AA85-4668-B1B0-15EEF1671FBE}" type="presOf" srcId="{2EDCD22E-947A-43D0-91A9-7297886A3B93}" destId="{35D29E25-0966-45A5-9F99-621D4207AB84}" srcOrd="0" destOrd="0" presId="urn:microsoft.com/office/officeart/2005/8/layout/process1"/>
-    <dgm:cxn modelId="{2C4B3E49-399F-45E0-9795-F74F876792D2}" srcId="{76797018-2011-432C-A31B-8628685EEADA}" destId="{78E6CBFA-83BF-4CA9-8867-1524AD75B803}" srcOrd="0" destOrd="0" parTransId="{58B11131-469E-4D7D-8459-63252DDFAF48}" sibTransId="{2EDCD22E-947A-43D0-91A9-7297886A3B93}"/>
-    <dgm:cxn modelId="{CDF1D839-D9B4-4FCA-BEAE-737E0F0321EA}" srcId="{76797018-2011-432C-A31B-8628685EEADA}" destId="{4BECA1FE-E605-49F4-B154-D8A3D9F7D81F}" srcOrd="1" destOrd="0" parTransId="{5C67565C-016B-49F6-92FF-5A83F4E3D36B}" sibTransId="{88EC2CBB-9666-42CE-A1B2-02AAE54B3473}"/>
-    <dgm:cxn modelId="{1FFD596D-EE98-49DF-9F53-586CE5D0B274}" type="presOf" srcId="{88EC2CBB-9666-42CE-A1B2-02AAE54B3473}" destId="{FA5582EA-7F1C-48E6-B9B3-C29909A9D6C2}" srcOrd="0" destOrd="0" presId="urn:microsoft.com/office/officeart/2005/8/layout/process1"/>
-    <dgm:cxn modelId="{3616B001-E806-4D34-AA91-FE8665E4E628}" type="presOf" srcId="{88EC2CBB-9666-42CE-A1B2-02AAE54B3473}" destId="{64FB9533-3BCE-4314-B213-043AB87CC857}" srcOrd="1" destOrd="0" presId="urn:microsoft.com/office/officeart/2005/8/layout/process1"/>
     <dgm:cxn modelId="{58E1B84A-69E9-43D5-A248-667A32843B31}" type="presParOf" srcId="{A2DB7F26-DC4C-465F-9F2F-ACFAB31B5C71}" destId="{56511406-F64F-4E28-9382-44815A3844DE}" srcOrd="0" destOrd="0" presId="urn:microsoft.com/office/officeart/2005/8/layout/process1"/>
     <dgm:cxn modelId="{644EC9E3-2E06-4DED-B729-876B404184A3}" type="presParOf" srcId="{A2DB7F26-DC4C-465F-9F2F-ACFAB31B5C71}" destId="{35D29E25-0966-45A5-9F99-621D4207AB84}" srcOrd="1" destOrd="0" presId="urn:microsoft.com/office/officeart/2005/8/layout/process1"/>
     <dgm:cxn modelId="{59B7A1AF-61DF-46F5-8F6E-20E0E64782BC}" type="presParOf" srcId="{35D29E25-0966-45A5-9F99-621D4207AB84}" destId="{6EBD7517-7CA2-46FA-9668-C29FC2966AEF}" srcOrd="0" destOrd="0" presId="urn:microsoft.com/office/officeart/2005/8/layout/process1"/>
@@ -10942,7 +10946,7 @@
   </dgm:whole>
   <dgm:extLst>
     <a:ext uri="http://schemas.microsoft.com/office/drawing/2008/diagram">
-      <dsp:dataModelExt xmlns:dsp="http://schemas.microsoft.com/office/drawing/2008/diagram" relId="rId6" minVer="http://schemas.openxmlformats.org/drawingml/2006/diagram"/>
+      <dsp:dataModelExt xmlns:dsp="http://schemas.microsoft.com/office/drawing/2008/diagram" xmlns="" relId="rId7" minVer="http://schemas.openxmlformats.org/drawingml/2006/diagram"/>
     </a:ext>
   </dgm:extLst>
 </dgm:dataModel>
@@ -11130,14 +11134,35 @@
         </dgm:presLayoutVars>
       </dgm:prSet>
       <dgm:spPr/>
+      <dgm:t>
+        <a:bodyPr/>
+        <a:lstStyle/>
+        <a:p>
+          <a:endParaRPr lang="en-US"/>
+        </a:p>
+      </dgm:t>
     </dgm:pt>
     <dgm:pt modelId="{ACDD777E-616D-4627-B044-7217812A7475}" type="pres">
       <dgm:prSet presAssocID="{213682CD-5A0C-46D0-8D0A-A157EA3D75C4}" presName="sibTrans" presStyleLbl="sibTrans2D1" presStyleIdx="0" presStyleCnt="2"/>
       <dgm:spPr/>
+      <dgm:t>
+        <a:bodyPr/>
+        <a:lstStyle/>
+        <a:p>
+          <a:endParaRPr lang="en-US"/>
+        </a:p>
+      </dgm:t>
     </dgm:pt>
     <dgm:pt modelId="{2E552843-51B8-4539-867E-DB0008ECB290}" type="pres">
       <dgm:prSet presAssocID="{213682CD-5A0C-46D0-8D0A-A157EA3D75C4}" presName="connectorText" presStyleLbl="sibTrans2D1" presStyleIdx="0" presStyleCnt="2"/>
       <dgm:spPr/>
+      <dgm:t>
+        <a:bodyPr/>
+        <a:lstStyle/>
+        <a:p>
+          <a:endParaRPr lang="en-US"/>
+        </a:p>
+      </dgm:t>
     </dgm:pt>
     <dgm:pt modelId="{356D6E8B-A560-45F2-9615-2AB1D1D8DD49}" type="pres">
       <dgm:prSet presAssocID="{0DEB4AF2-D7B6-4549-808C-B09289FC55F0}" presName="node" presStyleLbl="node1" presStyleIdx="1" presStyleCnt="3">
@@ -11157,10 +11182,24 @@
     <dgm:pt modelId="{44E1CC85-F952-463A-B4F5-84933423D36B}" type="pres">
       <dgm:prSet presAssocID="{4E3C9D28-2339-48A4-BF97-62907CB98818}" presName="sibTrans" presStyleLbl="sibTrans2D1" presStyleIdx="1" presStyleCnt="2"/>
       <dgm:spPr/>
+      <dgm:t>
+        <a:bodyPr/>
+        <a:lstStyle/>
+        <a:p>
+          <a:endParaRPr lang="en-US"/>
+        </a:p>
+      </dgm:t>
     </dgm:pt>
     <dgm:pt modelId="{40CD8A24-AE84-4699-9478-7D9CB074302D}" type="pres">
       <dgm:prSet presAssocID="{4E3C9D28-2339-48A4-BF97-62907CB98818}" presName="connectorText" presStyleLbl="sibTrans2D1" presStyleIdx="1" presStyleCnt="2"/>
       <dgm:spPr/>
+      <dgm:t>
+        <a:bodyPr/>
+        <a:lstStyle/>
+        <a:p>
+          <a:endParaRPr lang="en-US"/>
+        </a:p>
+      </dgm:t>
     </dgm:pt>
     <dgm:pt modelId="{8C681921-4B5F-47D7-969B-DA400ECA5000}" type="pres">
       <dgm:prSet presAssocID="{464DAC7B-DAC2-48FC-B8A0-0505D7FAE28F}" presName="node" presStyleLbl="node1" presStyleIdx="2" presStyleCnt="3">
@@ -11169,20 +11208,27 @@
         </dgm:presLayoutVars>
       </dgm:prSet>
       <dgm:spPr/>
+      <dgm:t>
+        <a:bodyPr/>
+        <a:lstStyle/>
+        <a:p>
+          <a:endParaRPr lang="en-US"/>
+        </a:p>
+      </dgm:t>
     </dgm:pt>
   </dgm:ptLst>
   <dgm:cxnLst>
+    <dgm:cxn modelId="{796BD7D4-D742-4645-A4A1-1CEA456E89AD}" srcId="{59F35A3C-A44D-499C-97C9-A69EEE6BD993}" destId="{1F9627F3-E19B-443C-A65C-27EB6D630BCC}" srcOrd="0" destOrd="0" parTransId="{DF267BAD-A938-4F2B-91E0-9513B7E79185}" sibTransId="{213682CD-5A0C-46D0-8D0A-A157EA3D75C4}"/>
+    <dgm:cxn modelId="{0222AB1C-ABD4-4CA9-B606-9BC629EC98EE}" srcId="{59F35A3C-A44D-499C-97C9-A69EEE6BD993}" destId="{464DAC7B-DAC2-48FC-B8A0-0505D7FAE28F}" srcOrd="2" destOrd="0" parTransId="{669272A2-C98F-482F-AD6F-206D6072CD07}" sibTransId="{60408868-E7AA-4815-B282-18BCF9650D72}"/>
+    <dgm:cxn modelId="{6376AC21-CA46-4FC0-A856-E6FD34DC2E25}" type="presOf" srcId="{0DEB4AF2-D7B6-4549-808C-B09289FC55F0}" destId="{356D6E8B-A560-45F2-9615-2AB1D1D8DD49}" srcOrd="0" destOrd="0" presId="urn:microsoft.com/office/officeart/2005/8/layout/process1"/>
     <dgm:cxn modelId="{69D974CF-9BFC-4E76-AA90-6A088E51EF1B}" type="presOf" srcId="{4E3C9D28-2339-48A4-BF97-62907CB98818}" destId="{40CD8A24-AE84-4699-9478-7D9CB074302D}" srcOrd="1" destOrd="0" presId="urn:microsoft.com/office/officeart/2005/8/layout/process1"/>
+    <dgm:cxn modelId="{7B8F5C17-65CC-49A4-9E6A-9D0FBA92DBD8}" type="presOf" srcId="{1F9627F3-E19B-443C-A65C-27EB6D630BCC}" destId="{3EF16662-8924-4B4A-8F00-CEBF630CD211}" srcOrd="0" destOrd="0" presId="urn:microsoft.com/office/officeart/2005/8/layout/process1"/>
+    <dgm:cxn modelId="{999A8577-77E2-49BA-A13C-B29E3455785D}" type="presOf" srcId="{213682CD-5A0C-46D0-8D0A-A157EA3D75C4}" destId="{ACDD777E-616D-4627-B044-7217812A7475}" srcOrd="0" destOrd="0" presId="urn:microsoft.com/office/officeart/2005/8/layout/process1"/>
     <dgm:cxn modelId="{309555B4-4D05-4067-A925-1FCD5D889A0D}" type="presOf" srcId="{464DAC7B-DAC2-48FC-B8A0-0505D7FAE28F}" destId="{8C681921-4B5F-47D7-969B-DA400ECA5000}" srcOrd="0" destOrd="0" presId="urn:microsoft.com/office/officeart/2005/8/layout/process1"/>
+    <dgm:cxn modelId="{910FA03D-7BDF-45E0-B397-F14F9740D504}" type="presOf" srcId="{213682CD-5A0C-46D0-8D0A-A157EA3D75C4}" destId="{2E552843-51B8-4539-867E-DB0008ECB290}" srcOrd="1" destOrd="0" presId="urn:microsoft.com/office/officeart/2005/8/layout/process1"/>
     <dgm:cxn modelId="{38F0D408-A48E-4941-B3B1-DC14D9C6B0D1}" type="presOf" srcId="{4E3C9D28-2339-48A4-BF97-62907CB98818}" destId="{44E1CC85-F952-463A-B4F5-84933423D36B}" srcOrd="0" destOrd="0" presId="urn:microsoft.com/office/officeart/2005/8/layout/process1"/>
-    <dgm:cxn modelId="{6376AC21-CA46-4FC0-A856-E6FD34DC2E25}" type="presOf" srcId="{0DEB4AF2-D7B6-4549-808C-B09289FC55F0}" destId="{356D6E8B-A560-45F2-9615-2AB1D1D8DD49}" srcOrd="0" destOrd="0" presId="urn:microsoft.com/office/officeart/2005/8/layout/process1"/>
-    <dgm:cxn modelId="{796BD7D4-D742-4645-A4A1-1CEA456E89AD}" srcId="{59F35A3C-A44D-499C-97C9-A69EEE6BD993}" destId="{1F9627F3-E19B-443C-A65C-27EB6D630BCC}" srcOrd="0" destOrd="0" parTransId="{DF267BAD-A938-4F2B-91E0-9513B7E79185}" sibTransId="{213682CD-5A0C-46D0-8D0A-A157EA3D75C4}"/>
-    <dgm:cxn modelId="{910FA03D-7BDF-45E0-B397-F14F9740D504}" type="presOf" srcId="{213682CD-5A0C-46D0-8D0A-A157EA3D75C4}" destId="{2E552843-51B8-4539-867E-DB0008ECB290}" srcOrd="1" destOrd="0" presId="urn:microsoft.com/office/officeart/2005/8/layout/process1"/>
-    <dgm:cxn modelId="{999A8577-77E2-49BA-A13C-B29E3455785D}" type="presOf" srcId="{213682CD-5A0C-46D0-8D0A-A157EA3D75C4}" destId="{ACDD777E-616D-4627-B044-7217812A7475}" srcOrd="0" destOrd="0" presId="urn:microsoft.com/office/officeart/2005/8/layout/process1"/>
-    <dgm:cxn modelId="{0222AB1C-ABD4-4CA9-B606-9BC629EC98EE}" srcId="{59F35A3C-A44D-499C-97C9-A69EEE6BD993}" destId="{464DAC7B-DAC2-48FC-B8A0-0505D7FAE28F}" srcOrd="2" destOrd="0" parTransId="{669272A2-C98F-482F-AD6F-206D6072CD07}" sibTransId="{60408868-E7AA-4815-B282-18BCF9650D72}"/>
+    <dgm:cxn modelId="{59A65549-11C3-4FE2-96B9-4C80E11B925D}" srcId="{59F35A3C-A44D-499C-97C9-A69EEE6BD993}" destId="{0DEB4AF2-D7B6-4549-808C-B09289FC55F0}" srcOrd="1" destOrd="0" parTransId="{0B070E1D-7CC9-4E47-B743-F84683593A6B}" sibTransId="{4E3C9D28-2339-48A4-BF97-62907CB98818}"/>
     <dgm:cxn modelId="{12A8E9DE-868F-4ABD-B979-8BC74D46837B}" type="presOf" srcId="{59F35A3C-A44D-499C-97C9-A69EEE6BD993}" destId="{4503D1D3-223F-4127-A7C1-A7178B02DD58}" srcOrd="0" destOrd="0" presId="urn:microsoft.com/office/officeart/2005/8/layout/process1"/>
-    <dgm:cxn modelId="{59A65549-11C3-4FE2-96B9-4C80E11B925D}" srcId="{59F35A3C-A44D-499C-97C9-A69EEE6BD993}" destId="{0DEB4AF2-D7B6-4549-808C-B09289FC55F0}" srcOrd="1" destOrd="0" parTransId="{0B070E1D-7CC9-4E47-B743-F84683593A6B}" sibTransId="{4E3C9D28-2339-48A4-BF97-62907CB98818}"/>
-    <dgm:cxn modelId="{7B8F5C17-65CC-49A4-9E6A-9D0FBA92DBD8}" type="presOf" srcId="{1F9627F3-E19B-443C-A65C-27EB6D630BCC}" destId="{3EF16662-8924-4B4A-8F00-CEBF630CD211}" srcOrd="0" destOrd="0" presId="urn:microsoft.com/office/officeart/2005/8/layout/process1"/>
     <dgm:cxn modelId="{30F4394C-D27B-4BE9-8D84-C6FB260B6953}" type="presParOf" srcId="{4503D1D3-223F-4127-A7C1-A7178B02DD58}" destId="{3EF16662-8924-4B4A-8F00-CEBF630CD211}" srcOrd="0" destOrd="0" presId="urn:microsoft.com/office/officeart/2005/8/layout/process1"/>
     <dgm:cxn modelId="{963DEC12-E2A8-494D-9E10-D89C16595C62}" type="presParOf" srcId="{4503D1D3-223F-4127-A7C1-A7178B02DD58}" destId="{ACDD777E-616D-4627-B044-7217812A7475}" srcOrd="1" destOrd="0" presId="urn:microsoft.com/office/officeart/2005/8/layout/process1"/>
     <dgm:cxn modelId="{3294050B-7DB9-47CB-8407-F9EE4DB50133}" type="presParOf" srcId="{ACDD777E-616D-4627-B044-7217812A7475}" destId="{2E552843-51B8-4539-867E-DB0008ECB290}" srcOrd="0" destOrd="0" presId="urn:microsoft.com/office/officeart/2005/8/layout/process1"/>
@@ -11201,7 +11247,7 @@
   <dgm:whole/>
   <dgm:extLst>
     <a:ext uri="http://schemas.microsoft.com/office/drawing/2008/diagram">
-      <dsp:dataModelExt xmlns:dsp="http://schemas.microsoft.com/office/drawing/2008/diagram" relId="rId6" minVer="http://schemas.openxmlformats.org/drawingml/2006/diagram"/>
+      <dsp:dataModelExt xmlns:dsp="http://schemas.microsoft.com/office/drawing/2008/diagram" xmlns="" relId="rId7" minVer="http://schemas.openxmlformats.org/drawingml/2006/diagram"/>
     </a:ext>
   </dgm:extLst>
 </dgm:dataModel>
@@ -11556,17 +11602,17 @@
     </dgm:pt>
   </dgm:ptLst>
   <dgm:cxnLst>
+    <dgm:cxn modelId="{A3D3F576-E0BE-4EC7-BCBC-A330B1C538AC}" type="presOf" srcId="{6DB6DE26-1159-4C42-AA9C-C2C9040357D2}" destId="{AC35DC6D-FD57-4788-921C-D646C6BA4865}" srcOrd="0" destOrd="0" presId="urn:microsoft.com/office/officeart/2005/8/layout/process5"/>
+    <dgm:cxn modelId="{B848B630-9E77-4F14-9D6C-6B7B345F5F7E}" type="presOf" srcId="{66694CC5-7120-4F35-9FF6-3EE8026C4947}" destId="{0AB4EDA0-9F54-4714-812F-071E44D53E91}" srcOrd="0" destOrd="0" presId="urn:microsoft.com/office/officeart/2005/8/layout/process5"/>
+    <dgm:cxn modelId="{7B4B5BF2-3BB0-4B6D-B656-F24D29AF1C4B}" type="presOf" srcId="{66694CC5-7120-4F35-9FF6-3EE8026C4947}" destId="{FB35634F-DB1F-469C-8A8F-6FBEF04C6C7B}" srcOrd="1" destOrd="0" presId="urn:microsoft.com/office/officeart/2005/8/layout/process5"/>
     <dgm:cxn modelId="{3D5DB84A-28AC-4B00-A322-344ACBD665A1}" type="presOf" srcId="{60A634FA-D51E-4DFA-A8B7-6627332F3222}" destId="{8D048A75-E83A-48D6-A855-C4FE5D533639}" srcOrd="0" destOrd="0" presId="urn:microsoft.com/office/officeart/2005/8/layout/process5"/>
-    <dgm:cxn modelId="{A3D3F576-E0BE-4EC7-BCBC-A330B1C538AC}" type="presOf" srcId="{6DB6DE26-1159-4C42-AA9C-C2C9040357D2}" destId="{AC35DC6D-FD57-4788-921C-D646C6BA4865}" srcOrd="0" destOrd="0" presId="urn:microsoft.com/office/officeart/2005/8/layout/process5"/>
-    <dgm:cxn modelId="{7B4B5BF2-3BB0-4B6D-B656-F24D29AF1C4B}" type="presOf" srcId="{66694CC5-7120-4F35-9FF6-3EE8026C4947}" destId="{FB35634F-DB1F-469C-8A8F-6FBEF04C6C7B}" srcOrd="1" destOrd="0" presId="urn:microsoft.com/office/officeart/2005/8/layout/process5"/>
-    <dgm:cxn modelId="{B848B630-9E77-4F14-9D6C-6B7B345F5F7E}" type="presOf" srcId="{66694CC5-7120-4F35-9FF6-3EE8026C4947}" destId="{0AB4EDA0-9F54-4714-812F-071E44D53E91}" srcOrd="0" destOrd="0" presId="urn:microsoft.com/office/officeart/2005/8/layout/process5"/>
+    <dgm:cxn modelId="{70746F17-67B3-49C6-ADF5-8DA5442091FE}" type="presOf" srcId="{6D9A60DC-AD23-4395-A2B6-098A85C95DAF}" destId="{53DC6053-EF4C-4ACD-B03F-8CF667438B89}" srcOrd="0" destOrd="0" presId="urn:microsoft.com/office/officeart/2005/8/layout/process5"/>
+    <dgm:cxn modelId="{C22CA8C5-D445-4FC2-A1B5-DF7B3C7C381E}" srcId="{6D9A60DC-AD23-4395-A2B6-098A85C95DAF}" destId="{6DB6DE26-1159-4C42-AA9C-C2C9040357D2}" srcOrd="1" destOrd="0" parTransId="{30913342-7ABF-4DA0-837F-C1F2F887444C}" sibTransId="{60A634FA-D51E-4DFA-A8B7-6627332F3222}"/>
     <dgm:cxn modelId="{14C0939A-1E32-4001-B316-3100411C1C85}" srcId="{6D9A60DC-AD23-4395-A2B6-098A85C95DAF}" destId="{3AD45C46-17C9-46AB-BDDD-469FA601C13C}" srcOrd="0" destOrd="0" parTransId="{FF2AF0DB-6D32-4F43-A798-AEA6016B4D3A}" sibTransId="{66694CC5-7120-4F35-9FF6-3EE8026C4947}"/>
+    <dgm:cxn modelId="{FE51332D-46FF-43BD-8477-AAFF77C5ECF4}" type="presOf" srcId="{EB43B6EF-5A5A-4A68-96D7-24989EB4F565}" destId="{08139FAF-B268-4BD6-BAAC-2DCE292E9DA9}" srcOrd="0" destOrd="0" presId="urn:microsoft.com/office/officeart/2005/8/layout/process5"/>
+    <dgm:cxn modelId="{03A4D65C-936F-4543-9246-EEACAE1F55F1}" type="presOf" srcId="{3AD45C46-17C9-46AB-BDDD-469FA601C13C}" destId="{C54D33F4-3F41-4981-8216-E1E6D78F10B6}" srcOrd="0" destOrd="0" presId="urn:microsoft.com/office/officeart/2005/8/layout/process5"/>
+    <dgm:cxn modelId="{03D97DCF-1082-4534-8B6A-0F4C3D73CAA0}" srcId="{6D9A60DC-AD23-4395-A2B6-098A85C95DAF}" destId="{EB43B6EF-5A5A-4A68-96D7-24989EB4F565}" srcOrd="2" destOrd="0" parTransId="{499405AF-CC85-48D8-8E6D-22C6B9CDDA23}" sibTransId="{72BE0F66-E742-44D1-B94F-41B3B8262BE8}"/>
     <dgm:cxn modelId="{C983FE68-AC44-4AF2-8B9A-F5A71BD5C399}" type="presOf" srcId="{60A634FA-D51E-4DFA-A8B7-6627332F3222}" destId="{193C265C-C4B1-48F6-97B8-E418DD8A9806}" srcOrd="1" destOrd="0" presId="urn:microsoft.com/office/officeart/2005/8/layout/process5"/>
-    <dgm:cxn modelId="{C22CA8C5-D445-4FC2-A1B5-DF7B3C7C381E}" srcId="{6D9A60DC-AD23-4395-A2B6-098A85C95DAF}" destId="{6DB6DE26-1159-4C42-AA9C-C2C9040357D2}" srcOrd="1" destOrd="0" parTransId="{30913342-7ABF-4DA0-837F-C1F2F887444C}" sibTransId="{60A634FA-D51E-4DFA-A8B7-6627332F3222}"/>
-    <dgm:cxn modelId="{03D97DCF-1082-4534-8B6A-0F4C3D73CAA0}" srcId="{6D9A60DC-AD23-4395-A2B6-098A85C95DAF}" destId="{EB43B6EF-5A5A-4A68-96D7-24989EB4F565}" srcOrd="2" destOrd="0" parTransId="{499405AF-CC85-48D8-8E6D-22C6B9CDDA23}" sibTransId="{72BE0F66-E742-44D1-B94F-41B3B8262BE8}"/>
-    <dgm:cxn modelId="{03A4D65C-936F-4543-9246-EEACAE1F55F1}" type="presOf" srcId="{3AD45C46-17C9-46AB-BDDD-469FA601C13C}" destId="{C54D33F4-3F41-4981-8216-E1E6D78F10B6}" srcOrd="0" destOrd="0" presId="urn:microsoft.com/office/officeart/2005/8/layout/process5"/>
-    <dgm:cxn modelId="{FE51332D-46FF-43BD-8477-AAFF77C5ECF4}" type="presOf" srcId="{EB43B6EF-5A5A-4A68-96D7-24989EB4F565}" destId="{08139FAF-B268-4BD6-BAAC-2DCE292E9DA9}" srcOrd="0" destOrd="0" presId="urn:microsoft.com/office/officeart/2005/8/layout/process5"/>
-    <dgm:cxn modelId="{70746F17-67B3-49C6-ADF5-8DA5442091FE}" type="presOf" srcId="{6D9A60DC-AD23-4395-A2B6-098A85C95DAF}" destId="{53DC6053-EF4C-4ACD-B03F-8CF667438B89}" srcOrd="0" destOrd="0" presId="urn:microsoft.com/office/officeart/2005/8/layout/process5"/>
     <dgm:cxn modelId="{100D9084-3CBF-45A3-A769-501E740C21D3}" type="presParOf" srcId="{53DC6053-EF4C-4ACD-B03F-8CF667438B89}" destId="{C54D33F4-3F41-4981-8216-E1E6D78F10B6}" srcOrd="0" destOrd="0" presId="urn:microsoft.com/office/officeart/2005/8/layout/process5"/>
     <dgm:cxn modelId="{DBA2A3D3-9832-4D34-A56C-C54DA6BF6901}" type="presParOf" srcId="{53DC6053-EF4C-4ACD-B03F-8CF667438B89}" destId="{0AB4EDA0-9F54-4714-812F-071E44D53E91}" srcOrd="1" destOrd="0" presId="urn:microsoft.com/office/officeart/2005/8/layout/process5"/>
     <dgm:cxn modelId="{2724C232-EC6A-4C11-86C2-9E20ED1C6D49}" type="presParOf" srcId="{0AB4EDA0-9F54-4714-812F-071E44D53E91}" destId="{FB35634F-DB1F-469C-8A8F-6FBEF04C6C7B}" srcOrd="0" destOrd="0" presId="urn:microsoft.com/office/officeart/2005/8/layout/process5"/>
@@ -11586,7 +11632,7 @@
   <dgm:whole/>
   <dgm:extLst>
     <a:ext uri="http://schemas.microsoft.com/office/drawing/2008/diagram">
-      <dsp:dataModelExt xmlns:dsp="http://schemas.microsoft.com/office/drawing/2008/diagram" relId="rId6" minVer="http://schemas.openxmlformats.org/drawingml/2006/diagram"/>
+      <dsp:dataModelExt xmlns:dsp="http://schemas.microsoft.com/office/drawing/2008/diagram" xmlns="" relId="rId7" minVer="http://schemas.openxmlformats.org/drawingml/2006/diagram"/>
     </a:ext>
   </dgm:extLst>
 </dgm:dataModel>
@@ -11727,7 +11773,7 @@
   <dgm:whole/>
   <dgm:extLst>
     <a:ext uri="http://schemas.microsoft.com/office/drawing/2008/diagram">
-      <dsp:dataModelExt xmlns:dsp="http://schemas.microsoft.com/office/drawing/2008/diagram" relId="rId11" minVer="http://schemas.openxmlformats.org/drawingml/2006/diagram"/>
+      <dsp:dataModelExt xmlns:dsp="http://schemas.microsoft.com/office/drawing/2008/diagram" xmlns="" relId="rId12" minVer="http://schemas.openxmlformats.org/drawingml/2006/diagram"/>
     </a:ext>
   </dgm:extLst>
 </dgm:dataModel>
@@ -12106,17 +12152,17 @@
     </dgm:pt>
   </dgm:ptLst>
   <dgm:cxnLst>
+    <dgm:cxn modelId="{67944321-9E16-4B68-82C5-5E5FD940C64E}" type="presOf" srcId="{59EF23FB-0B82-43C1-9B8D-4699E675E0FB}" destId="{3DD52E65-2217-47DF-A607-061BC38D9280}" srcOrd="0" destOrd="0" presId="urn:microsoft.com/office/officeart/2005/8/layout/venn3"/>
+    <dgm:cxn modelId="{7218BF9F-B6FA-41D3-8F5F-BA4D784091BA}" type="presOf" srcId="{E25F5A64-D615-441D-871C-2F98FD45C38A}" destId="{636A51F0-6295-4CA8-96A6-0D169E362853}" srcOrd="0" destOrd="0" presId="urn:microsoft.com/office/officeart/2005/8/layout/venn3"/>
+    <dgm:cxn modelId="{7FF114FF-3F69-49B0-B776-978A559B907E}" type="presOf" srcId="{8D4367E3-2529-46A2-BC03-6C4D59C546CF}" destId="{2F16B66C-A703-43E0-A87B-BDB5F215B3EC}" srcOrd="0" destOrd="0" presId="urn:microsoft.com/office/officeart/2005/8/layout/venn3"/>
+    <dgm:cxn modelId="{AC42AAD4-9116-4208-BFF2-484DD11CB82E}" srcId="{831A9A8B-77DF-458C-89B9-01BFAFC31E59}" destId="{8D4367E3-2529-46A2-BC03-6C4D59C546CF}" srcOrd="1" destOrd="0" parTransId="{C65B8FFD-7749-43A7-8258-1D175F603E75}" sibTransId="{565C72AF-DA91-4EFF-8D72-D3A895FAA89B}"/>
+    <dgm:cxn modelId="{6AF896A6-0BAA-4ABD-BAAB-3FA15BC652A6}" type="presOf" srcId="{831A9A8B-77DF-458C-89B9-01BFAFC31E59}" destId="{094B4B43-B41C-40A1-B00E-AA52CC6575B8}" srcOrd="0" destOrd="0" presId="urn:microsoft.com/office/officeart/2005/8/layout/venn3"/>
+    <dgm:cxn modelId="{31ADECD6-5F27-47CB-BCD0-8F4E585D7057}" type="presOf" srcId="{3A89A78D-EEE5-4464-ADCA-9AE16F74A365}" destId="{A9CDDF6E-DECC-441B-AB37-2DFAEC4BAD99}" srcOrd="0" destOrd="0" presId="urn:microsoft.com/office/officeart/2005/8/layout/venn3"/>
     <dgm:cxn modelId="{F8E55061-8FDB-4783-9BF9-6A540F478B05}" srcId="{831A9A8B-77DF-458C-89B9-01BFAFC31E59}" destId="{E25F5A64-D615-441D-871C-2F98FD45C38A}" srcOrd="0" destOrd="0" parTransId="{B8EE3BAE-AA5D-4B1B-9C07-8397D778A849}" sibTransId="{1963EF57-0EF1-4E2B-AB07-F7B9A2C9E0FB}"/>
-    <dgm:cxn modelId="{67944321-9E16-4B68-82C5-5E5FD940C64E}" type="presOf" srcId="{59EF23FB-0B82-43C1-9B8D-4699E675E0FB}" destId="{3DD52E65-2217-47DF-A607-061BC38D9280}" srcOrd="0" destOrd="0" presId="urn:microsoft.com/office/officeart/2005/8/layout/venn3"/>
+    <dgm:cxn modelId="{90C85B38-1D44-49ED-8A2B-0A933E964438}" srcId="{831A9A8B-77DF-458C-89B9-01BFAFC31E59}" destId="{3A89A78D-EEE5-4464-ADCA-9AE16F74A365}" srcOrd="4" destOrd="0" parTransId="{74F48581-1E01-4A29-BA3D-9E7CE457BE5D}" sibTransId="{F75D59D3-2836-48C5-A1BA-1DE86FCF6BD4}"/>
+    <dgm:cxn modelId="{043F98C3-41AC-4DA4-9386-54A271E4117E}" srcId="{831A9A8B-77DF-458C-89B9-01BFAFC31E59}" destId="{59EF23FB-0B82-43C1-9B8D-4699E675E0FB}" srcOrd="3" destOrd="0" parTransId="{815E8CDB-5D28-42DA-ABE4-32730E73959A}" sibTransId="{832EE177-EFB4-48EF-8E82-41D14DE19A0A}"/>
     <dgm:cxn modelId="{0B6C47A8-1E54-409E-9D64-3A3DBE8B3CD0}" type="presOf" srcId="{903A2478-20BB-4411-84C2-B0FA529AAB60}" destId="{ABFAB522-FA90-4144-98B8-19AD84267685}" srcOrd="0" destOrd="0" presId="urn:microsoft.com/office/officeart/2005/8/layout/venn3"/>
-    <dgm:cxn modelId="{AC42AAD4-9116-4208-BFF2-484DD11CB82E}" srcId="{831A9A8B-77DF-458C-89B9-01BFAFC31E59}" destId="{8D4367E3-2529-46A2-BC03-6C4D59C546CF}" srcOrd="1" destOrd="0" parTransId="{C65B8FFD-7749-43A7-8258-1D175F603E75}" sibTransId="{565C72AF-DA91-4EFF-8D72-D3A895FAA89B}"/>
-    <dgm:cxn modelId="{043F98C3-41AC-4DA4-9386-54A271E4117E}" srcId="{831A9A8B-77DF-458C-89B9-01BFAFC31E59}" destId="{59EF23FB-0B82-43C1-9B8D-4699E675E0FB}" srcOrd="3" destOrd="0" parTransId="{815E8CDB-5D28-42DA-ABE4-32730E73959A}" sibTransId="{832EE177-EFB4-48EF-8E82-41D14DE19A0A}"/>
-    <dgm:cxn modelId="{31ADECD6-5F27-47CB-BCD0-8F4E585D7057}" type="presOf" srcId="{3A89A78D-EEE5-4464-ADCA-9AE16F74A365}" destId="{A9CDDF6E-DECC-441B-AB37-2DFAEC4BAD99}" srcOrd="0" destOrd="0" presId="urn:microsoft.com/office/officeart/2005/8/layout/venn3"/>
     <dgm:cxn modelId="{DAC2B495-1E4A-4377-9782-74C5FE6A6270}" srcId="{831A9A8B-77DF-458C-89B9-01BFAFC31E59}" destId="{903A2478-20BB-4411-84C2-B0FA529AAB60}" srcOrd="2" destOrd="0" parTransId="{BA30126A-2109-450B-A7E9-C81E535B66B5}" sibTransId="{02820742-A529-4E00-A6F6-204773384FF8}"/>
-    <dgm:cxn modelId="{7FF114FF-3F69-49B0-B776-978A559B907E}" type="presOf" srcId="{8D4367E3-2529-46A2-BC03-6C4D59C546CF}" destId="{2F16B66C-A703-43E0-A87B-BDB5F215B3EC}" srcOrd="0" destOrd="0" presId="urn:microsoft.com/office/officeart/2005/8/layout/venn3"/>
-    <dgm:cxn modelId="{6AF896A6-0BAA-4ABD-BAAB-3FA15BC652A6}" type="presOf" srcId="{831A9A8B-77DF-458C-89B9-01BFAFC31E59}" destId="{094B4B43-B41C-40A1-B00E-AA52CC6575B8}" srcOrd="0" destOrd="0" presId="urn:microsoft.com/office/officeart/2005/8/layout/venn3"/>
-    <dgm:cxn modelId="{7218BF9F-B6FA-41D3-8F5F-BA4D784091BA}" type="presOf" srcId="{E25F5A64-D615-441D-871C-2F98FD45C38A}" destId="{636A51F0-6295-4CA8-96A6-0D169E362853}" srcOrd="0" destOrd="0" presId="urn:microsoft.com/office/officeart/2005/8/layout/venn3"/>
-    <dgm:cxn modelId="{90C85B38-1D44-49ED-8A2B-0A933E964438}" srcId="{831A9A8B-77DF-458C-89B9-01BFAFC31E59}" destId="{3A89A78D-EEE5-4464-ADCA-9AE16F74A365}" srcOrd="4" destOrd="0" parTransId="{74F48581-1E01-4A29-BA3D-9E7CE457BE5D}" sibTransId="{F75D59D3-2836-48C5-A1BA-1DE86FCF6BD4}"/>
     <dgm:cxn modelId="{48646377-5B48-4CC9-AF37-9D3EC4045BFC}" type="presParOf" srcId="{094B4B43-B41C-40A1-B00E-AA52CC6575B8}" destId="{636A51F0-6295-4CA8-96A6-0D169E362853}" srcOrd="0" destOrd="0" presId="urn:microsoft.com/office/officeart/2005/8/layout/venn3"/>
     <dgm:cxn modelId="{85421499-732C-44DD-9DF3-85297A0C4015}" type="presParOf" srcId="{094B4B43-B41C-40A1-B00E-AA52CC6575B8}" destId="{B03C5855-C102-4D49-B477-DE1D3ABA0085}" srcOrd="1" destOrd="0" presId="urn:microsoft.com/office/officeart/2005/8/layout/venn3"/>
     <dgm:cxn modelId="{272054C9-3737-4F8C-AF50-B7BCC830A9DC}" type="presParOf" srcId="{094B4B43-B41C-40A1-B00E-AA52CC6575B8}" destId="{2F16B66C-A703-43E0-A87B-BDB5F215B3EC}" srcOrd="2" destOrd="0" presId="urn:microsoft.com/office/officeart/2005/8/layout/venn3"/>
@@ -12131,7 +12177,7 @@
   <dgm:whole/>
   <dgm:extLst>
     <a:ext uri="http://schemas.microsoft.com/office/drawing/2008/diagram">
-      <dsp:dataModelExt xmlns:dsp="http://schemas.microsoft.com/office/drawing/2008/diagram" relId="rId6" minVer="http://schemas.openxmlformats.org/drawingml/2006/diagram"/>
+      <dsp:dataModelExt xmlns:dsp="http://schemas.microsoft.com/office/drawing/2008/diagram" xmlns="" relId="rId7" minVer="http://schemas.openxmlformats.org/drawingml/2006/diagram"/>
     </a:ext>
   </dgm:extLst>
 </dgm:dataModel>
@@ -12327,13 +12373,13 @@
     </dgm:pt>
   </dgm:ptLst>
   <dgm:cxnLst>
-    <dgm:cxn modelId="{F4D1A857-2B77-4A27-B8CC-1EA5B338F057}" type="presOf" srcId="{C65B8FFD-7749-43A7-8258-1D175F603E75}" destId="{515CDF60-CC45-4FBD-BFD0-1A94A474E676}" srcOrd="1" destOrd="0" presId="urn:microsoft.com/office/officeart/2005/8/layout/radial5"/>
+    <dgm:cxn modelId="{AC42AAD4-9116-4208-BFF2-484DD11CB82E}" srcId="{E25F5A64-D615-441D-871C-2F98FD45C38A}" destId="{8D4367E3-2529-46A2-BC03-6C4D59C546CF}" srcOrd="0" destOrd="0" parTransId="{C65B8FFD-7749-43A7-8258-1D175F603E75}" sibTransId="{565C72AF-DA91-4EFF-8D72-D3A895FAA89B}"/>
+    <dgm:cxn modelId="{D21AD0A9-0B8D-4617-AA40-103334E006C1}" type="presOf" srcId="{C65B8FFD-7749-43A7-8258-1D175F603E75}" destId="{60818678-16B8-424C-B058-4B37B19986DD}" srcOrd="0" destOrd="0" presId="urn:microsoft.com/office/officeart/2005/8/layout/radial5"/>
     <dgm:cxn modelId="{F8E55061-8FDB-4783-9BF9-6A540F478B05}" srcId="{831A9A8B-77DF-458C-89B9-01BFAFC31E59}" destId="{E25F5A64-D615-441D-871C-2F98FD45C38A}" srcOrd="0" destOrd="0" parTransId="{B8EE3BAE-AA5D-4B1B-9C07-8397D778A849}" sibTransId="{1963EF57-0EF1-4E2B-AB07-F7B9A2C9E0FB}"/>
-    <dgm:cxn modelId="{D21AD0A9-0B8D-4617-AA40-103334E006C1}" type="presOf" srcId="{C65B8FFD-7749-43A7-8258-1D175F603E75}" destId="{60818678-16B8-424C-B058-4B37B19986DD}" srcOrd="0" destOrd="0" presId="urn:microsoft.com/office/officeart/2005/8/layout/radial5"/>
     <dgm:cxn modelId="{418404D4-664C-4EBF-8506-4F8F8F08062C}" type="presOf" srcId="{E25F5A64-D615-441D-871C-2F98FD45C38A}" destId="{41B33C7F-498B-404D-BCA2-F55E36982E6B}" srcOrd="0" destOrd="0" presId="urn:microsoft.com/office/officeart/2005/8/layout/radial5"/>
-    <dgm:cxn modelId="{AC42AAD4-9116-4208-BFF2-484DD11CB82E}" srcId="{E25F5A64-D615-441D-871C-2F98FD45C38A}" destId="{8D4367E3-2529-46A2-BC03-6C4D59C546CF}" srcOrd="0" destOrd="0" parTransId="{C65B8FFD-7749-43A7-8258-1D175F603E75}" sibTransId="{565C72AF-DA91-4EFF-8D72-D3A895FAA89B}"/>
     <dgm:cxn modelId="{DCF3FA9B-C2EC-48C9-932E-0B1FC8ED0480}" type="presOf" srcId="{8D4367E3-2529-46A2-BC03-6C4D59C546CF}" destId="{4EAF56E9-1DD7-4CB7-87A1-A24E0435FB05}" srcOrd="0" destOrd="0" presId="urn:microsoft.com/office/officeart/2005/8/layout/radial5"/>
     <dgm:cxn modelId="{7B6548F0-F781-4D84-9CD1-36A0CD94F6C5}" type="presOf" srcId="{831A9A8B-77DF-458C-89B9-01BFAFC31E59}" destId="{E9C5A999-3778-4121-B93D-10AC77B59712}" srcOrd="0" destOrd="0" presId="urn:microsoft.com/office/officeart/2005/8/layout/radial5"/>
+    <dgm:cxn modelId="{F4D1A857-2B77-4A27-B8CC-1EA5B338F057}" type="presOf" srcId="{C65B8FFD-7749-43A7-8258-1D175F603E75}" destId="{515CDF60-CC45-4FBD-BFD0-1A94A474E676}" srcOrd="1" destOrd="0" presId="urn:microsoft.com/office/officeart/2005/8/layout/radial5"/>
     <dgm:cxn modelId="{B95AB3E5-4B89-4EB4-BDF6-89AC8587F72E}" type="presParOf" srcId="{E9C5A999-3778-4121-B93D-10AC77B59712}" destId="{41B33C7F-498B-404D-BCA2-F55E36982E6B}" srcOrd="0" destOrd="0" presId="urn:microsoft.com/office/officeart/2005/8/layout/radial5"/>
     <dgm:cxn modelId="{AE20B47C-9640-4760-A9C3-2D94C5021A87}" type="presParOf" srcId="{E9C5A999-3778-4121-B93D-10AC77B59712}" destId="{60818678-16B8-424C-B058-4B37B19986DD}" srcOrd="1" destOrd="0" presId="urn:microsoft.com/office/officeart/2005/8/layout/radial5"/>
     <dgm:cxn modelId="{41B22264-8350-486C-A543-4FB3E75FCFAA}" type="presParOf" srcId="{60818678-16B8-424C-B058-4B37B19986DD}" destId="{515CDF60-CC45-4FBD-BFD0-1A94A474E676}" srcOrd="0" destOrd="0" presId="urn:microsoft.com/office/officeart/2005/8/layout/radial5"/>
@@ -12343,7 +12389,7 @@
   <dgm:whole/>
   <dgm:extLst>
     <a:ext uri="http://schemas.microsoft.com/office/drawing/2008/diagram">
-      <dsp:dataModelExt xmlns:dsp="http://schemas.microsoft.com/office/drawing/2008/diagram" relId="rId6" minVer="http://schemas.openxmlformats.org/drawingml/2006/diagram"/>
+      <dsp:dataModelExt xmlns:dsp="http://schemas.microsoft.com/office/drawing/2008/diagram" xmlns="" relId="rId7" minVer="http://schemas.openxmlformats.org/drawingml/2006/diagram"/>
     </a:ext>
   </dgm:extLst>
 </dgm:dataModel>
@@ -12431,7 +12477,7 @@
   <dgm:whole/>
   <dgm:extLst>
     <a:ext uri="http://schemas.microsoft.com/office/drawing/2008/diagram">
-      <dsp:dataModelExt xmlns:dsp="http://schemas.microsoft.com/office/drawing/2008/diagram" relId="rId6" minVer="http://schemas.openxmlformats.org/drawingml/2006/diagram"/>
+      <dsp:dataModelExt xmlns:dsp="http://schemas.microsoft.com/office/drawing/2008/diagram" xmlns="" relId="rId7" minVer="http://schemas.openxmlformats.org/drawingml/2006/diagram"/>
     </a:ext>
   </dgm:extLst>
 </dgm:dataModel>
@@ -12519,7 +12565,7 @@
   <dgm:whole/>
   <dgm:extLst>
     <a:ext uri="http://schemas.microsoft.com/office/drawing/2008/diagram">
-      <dsp:dataModelExt xmlns:dsp="http://schemas.microsoft.com/office/drawing/2008/diagram" relId="rId11" minVer="http://schemas.openxmlformats.org/drawingml/2006/diagram"/>
+      <dsp:dataModelExt xmlns:dsp="http://schemas.microsoft.com/office/drawing/2008/diagram" xmlns="" relId="rId12" minVer="http://schemas.openxmlformats.org/drawingml/2006/diagram"/>
     </a:ext>
   </dgm:extLst>
 </dgm:dataModel>
@@ -12970,20 +13016,20 @@
   </dgm:ptLst>
   <dgm:cxnLst>
     <dgm:cxn modelId="{459F3571-032A-4495-8ABC-19E5DC1ED144}" type="presOf" srcId="{BE00A5A6-308A-46D5-BD5A-0B323F47F13F}" destId="{A497B385-EBB7-4667-B86A-2C16F7685D0D}" srcOrd="0" destOrd="0" presId="urn:microsoft.com/office/officeart/2005/8/layout/radial4"/>
-    <dgm:cxn modelId="{214E35C2-7D65-478A-8A8F-F36CB2AFBF83}" type="presOf" srcId="{23F37D44-4B1A-4BD6-9E75-C62E7D900C4A}" destId="{3A8DB876-3295-4771-915B-47CA1FB93B42}" srcOrd="0" destOrd="0" presId="urn:microsoft.com/office/officeart/2005/8/layout/radial4"/>
-    <dgm:cxn modelId="{0772E6F0-39BA-44D5-9D2F-3A90A62E3B47}" type="presOf" srcId="{51404F99-6616-492C-86CE-352231288269}" destId="{A8D681BB-369D-4769-9F03-109FF3C39C96}" srcOrd="0" destOrd="0" presId="urn:microsoft.com/office/officeart/2005/8/layout/radial4"/>
-    <dgm:cxn modelId="{419510B4-33AD-4C25-A6EC-430446607831}" srcId="{F24FEC6D-07A1-47A1-96FC-ED8C83255B09}" destId="{51404F99-6616-492C-86CE-352231288269}" srcOrd="1" destOrd="0" parTransId="{0EE9F469-090F-46E1-ABC2-09BD96234DF3}" sibTransId="{C57ABC00-3475-4454-BBE5-AF6787BAF720}"/>
+    <dgm:cxn modelId="{35EFF5AA-4905-4B74-A3FF-BDEB83CE681E}" srcId="{23F37D44-4B1A-4BD6-9E75-C62E7D900C4A}" destId="{F24FEC6D-07A1-47A1-96FC-ED8C83255B09}" srcOrd="0" destOrd="0" parTransId="{23F32D5A-ED1B-41B8-B018-BE70F5E741E4}" sibTransId="{17562F94-EDA6-4FF3-9DFF-B8B5DC62AEB4}"/>
     <dgm:cxn modelId="{D51FCFCF-A099-403C-B6C3-E0443F0D15B2}" srcId="{F24FEC6D-07A1-47A1-96FC-ED8C83255B09}" destId="{6DF56DCD-3DDE-443C-910C-0F7AB24387BB}" srcOrd="2" destOrd="0" parTransId="{A6C49565-F519-4542-BF98-870261B124FA}" sibTransId="{850A4AA8-B279-457C-9C3C-EB8DD0772371}"/>
     <dgm:cxn modelId="{5F869347-E138-4CB8-AB6E-C343C0009BAA}" type="presOf" srcId="{284B9274-2047-4B8C-9936-F9913333047C}" destId="{29AA9764-D645-4913-BA66-1A208AC75DAF}" srcOrd="0" destOrd="0" presId="urn:microsoft.com/office/officeart/2005/8/layout/radial4"/>
+    <dgm:cxn modelId="{5C9438A1-7A30-4550-BB8B-90C0BDEBABC4}" type="presOf" srcId="{A6C49565-F519-4542-BF98-870261B124FA}" destId="{58C112E9-B04B-49F3-8D98-591AEB55C9C0}" srcOrd="0" destOrd="0" presId="urn:microsoft.com/office/officeart/2005/8/layout/radial4"/>
+    <dgm:cxn modelId="{0772E6F0-39BA-44D5-9D2F-3A90A62E3B47}" type="presOf" srcId="{51404F99-6616-492C-86CE-352231288269}" destId="{A8D681BB-369D-4769-9F03-109FF3C39C96}" srcOrd="0" destOrd="0" presId="urn:microsoft.com/office/officeart/2005/8/layout/radial4"/>
+    <dgm:cxn modelId="{9FFFD23D-47B5-47E1-AF28-88DE763D3267}" type="presOf" srcId="{0EE9F469-090F-46E1-ABC2-09BD96234DF3}" destId="{FBE4C170-3664-419C-B0EB-3DCEFB167F5C}" srcOrd="0" destOrd="0" presId="urn:microsoft.com/office/officeart/2005/8/layout/radial4"/>
+    <dgm:cxn modelId="{065FFCAA-41E6-4C85-AFAC-64A9EE77B730}" srcId="{F24FEC6D-07A1-47A1-96FC-ED8C83255B09}" destId="{4959CA43-C147-403A-AEC2-1032C38D1C08}" srcOrd="3" destOrd="0" parTransId="{284B9274-2047-4B8C-9936-F9913333047C}" sibTransId="{25FB47C5-60B0-40C1-819C-1A8643099C4B}"/>
+    <dgm:cxn modelId="{419510B4-33AD-4C25-A6EC-430446607831}" srcId="{F24FEC6D-07A1-47A1-96FC-ED8C83255B09}" destId="{51404F99-6616-492C-86CE-352231288269}" srcOrd="1" destOrd="0" parTransId="{0EE9F469-090F-46E1-ABC2-09BD96234DF3}" sibTransId="{C57ABC00-3475-4454-BBE5-AF6787BAF720}"/>
+    <dgm:cxn modelId="{4536C01F-ACD1-4559-97D8-F47ACB34EB8F}" type="presOf" srcId="{4959CA43-C147-403A-AEC2-1032C38D1C08}" destId="{EE01AE8D-B608-4914-9828-57481EE0CDA9}" srcOrd="0" destOrd="0" presId="urn:microsoft.com/office/officeart/2005/8/layout/radial4"/>
+    <dgm:cxn modelId="{214E35C2-7D65-478A-8A8F-F36CB2AFBF83}" type="presOf" srcId="{23F37D44-4B1A-4BD6-9E75-C62E7D900C4A}" destId="{3A8DB876-3295-4771-915B-47CA1FB93B42}" srcOrd="0" destOrd="0" presId="urn:microsoft.com/office/officeart/2005/8/layout/radial4"/>
+    <dgm:cxn modelId="{936775AD-2066-4278-A39E-F0712EA99F9D}" type="presOf" srcId="{995C6AA6-1A23-44A8-9C25-72A7CCD99CCC}" destId="{AA6BF470-6AC6-4764-A29C-A7248968739D}" srcOrd="0" destOrd="0" presId="urn:microsoft.com/office/officeart/2005/8/layout/radial4"/>
     <dgm:cxn modelId="{5030C186-072A-40D9-8256-6B41F838FC56}" type="presOf" srcId="{6DF56DCD-3DDE-443C-910C-0F7AB24387BB}" destId="{61797ADA-1213-49A1-A716-011E44B4ADD2}" srcOrd="0" destOrd="0" presId="urn:microsoft.com/office/officeart/2005/8/layout/radial4"/>
     <dgm:cxn modelId="{5C462583-14F3-4913-9AA5-1FCEADE8DE20}" srcId="{F24FEC6D-07A1-47A1-96FC-ED8C83255B09}" destId="{995C6AA6-1A23-44A8-9C25-72A7CCD99CCC}" srcOrd="0" destOrd="0" parTransId="{BE00A5A6-308A-46D5-BD5A-0B323F47F13F}" sibTransId="{909F1B93-E6E7-4D43-A528-EC7A9A812643}"/>
-    <dgm:cxn modelId="{9FFFD23D-47B5-47E1-AF28-88DE763D3267}" type="presOf" srcId="{0EE9F469-090F-46E1-ABC2-09BD96234DF3}" destId="{FBE4C170-3664-419C-B0EB-3DCEFB167F5C}" srcOrd="0" destOrd="0" presId="urn:microsoft.com/office/officeart/2005/8/layout/radial4"/>
-    <dgm:cxn modelId="{5C9438A1-7A30-4550-BB8B-90C0BDEBABC4}" type="presOf" srcId="{A6C49565-F519-4542-BF98-870261B124FA}" destId="{58C112E9-B04B-49F3-8D98-591AEB55C9C0}" srcOrd="0" destOrd="0" presId="urn:microsoft.com/office/officeart/2005/8/layout/radial4"/>
-    <dgm:cxn modelId="{936775AD-2066-4278-A39E-F0712EA99F9D}" type="presOf" srcId="{995C6AA6-1A23-44A8-9C25-72A7CCD99CCC}" destId="{AA6BF470-6AC6-4764-A29C-A7248968739D}" srcOrd="0" destOrd="0" presId="urn:microsoft.com/office/officeart/2005/8/layout/radial4"/>
     <dgm:cxn modelId="{2974A611-3558-4F85-A83D-FC56AA8DADF1}" type="presOf" srcId="{F24FEC6D-07A1-47A1-96FC-ED8C83255B09}" destId="{9730531C-F32D-4B76-B15A-D1C4FDB69FD3}" srcOrd="0" destOrd="0" presId="urn:microsoft.com/office/officeart/2005/8/layout/radial4"/>
-    <dgm:cxn modelId="{35EFF5AA-4905-4B74-A3FF-BDEB83CE681E}" srcId="{23F37D44-4B1A-4BD6-9E75-C62E7D900C4A}" destId="{F24FEC6D-07A1-47A1-96FC-ED8C83255B09}" srcOrd="0" destOrd="0" parTransId="{23F32D5A-ED1B-41B8-B018-BE70F5E741E4}" sibTransId="{17562F94-EDA6-4FF3-9DFF-B8B5DC62AEB4}"/>
-    <dgm:cxn modelId="{065FFCAA-41E6-4C85-AFAC-64A9EE77B730}" srcId="{F24FEC6D-07A1-47A1-96FC-ED8C83255B09}" destId="{4959CA43-C147-403A-AEC2-1032C38D1C08}" srcOrd="3" destOrd="0" parTransId="{284B9274-2047-4B8C-9936-F9913333047C}" sibTransId="{25FB47C5-60B0-40C1-819C-1A8643099C4B}"/>
-    <dgm:cxn modelId="{4536C01F-ACD1-4559-97D8-F47ACB34EB8F}" type="presOf" srcId="{4959CA43-C147-403A-AEC2-1032C38D1C08}" destId="{EE01AE8D-B608-4914-9828-57481EE0CDA9}" srcOrd="0" destOrd="0" presId="urn:microsoft.com/office/officeart/2005/8/layout/radial4"/>
     <dgm:cxn modelId="{F4052602-D9C6-4646-B718-F9896D18E6EC}" type="presParOf" srcId="{3A8DB876-3295-4771-915B-47CA1FB93B42}" destId="{9730531C-F32D-4B76-B15A-D1C4FDB69FD3}" srcOrd="0" destOrd="0" presId="urn:microsoft.com/office/officeart/2005/8/layout/radial4"/>
     <dgm:cxn modelId="{F1B8A726-112E-4973-86D9-CAE457C0720A}" type="presParOf" srcId="{3A8DB876-3295-4771-915B-47CA1FB93B42}" destId="{A497B385-EBB7-4667-B86A-2C16F7685D0D}" srcOrd="1" destOrd="0" presId="urn:microsoft.com/office/officeart/2005/8/layout/radial4"/>
     <dgm:cxn modelId="{389008DA-F171-4AFB-A6C9-2DA1903B27BA}" type="presParOf" srcId="{3A8DB876-3295-4771-915B-47CA1FB93B42}" destId="{AA6BF470-6AC6-4764-A29C-A7248968739D}" srcOrd="2" destOrd="0" presId="urn:microsoft.com/office/officeart/2005/8/layout/radial4"/>
@@ -12998,7 +13044,7 @@
   <dgm:whole/>
   <dgm:extLst>
     <a:ext uri="http://schemas.microsoft.com/office/drawing/2008/diagram">
-      <dsp:dataModelExt xmlns:dsp="http://schemas.microsoft.com/office/drawing/2008/diagram" relId="rId6" minVer="http://schemas.openxmlformats.org/drawingml/2006/diagram"/>
+      <dsp:dataModelExt xmlns:dsp="http://schemas.microsoft.com/office/drawing/2008/diagram" xmlns="" relId="rId7" minVer="http://schemas.openxmlformats.org/drawingml/2006/diagram"/>
     </a:ext>
   </dgm:extLst>
 </dgm:dataModel>
@@ -13063,7 +13109,7 @@
       <dgm:spPr/>
     </dgm:pt>
     <dgm:pt modelId="{19534C57-D135-4442-A902-30D76676158A}" type="pres">
-      <dgm:prSet presAssocID="{60A1F7A4-CDB6-4E8B-9A50-F8E571BA3491}" presName="parTxOnly" presStyleLbl="node1" presStyleIdx="0" presStyleCnt="1" custLinFactNeighborX="43175">
+      <dgm:prSet presAssocID="{60A1F7A4-CDB6-4E8B-9A50-F8E571BA3491}" presName="parTxOnly" presStyleLbl="node1" presStyleIdx="0" presStyleCnt="1" custLinFactNeighborX="78404" custLinFactNeighborY="2358">
         <dgm:presLayoutVars>
           <dgm:chMax val="0"/>
           <dgm:chPref val="0"/>
@@ -13090,7 +13136,7 @@
   <dgm:whole/>
   <dgm:extLst>
     <a:ext uri="http://schemas.microsoft.com/office/drawing/2008/diagram">
-      <dsp:dataModelExt xmlns:dsp="http://schemas.microsoft.com/office/drawing/2008/diagram" relId="rId6" minVer="http://schemas.openxmlformats.org/drawingml/2006/diagram"/>
+      <dsp:dataModelExt xmlns:dsp="http://schemas.microsoft.com/office/drawing/2008/diagram" xmlns="" relId="rId7" minVer="http://schemas.openxmlformats.org/drawingml/2006/diagram"/>
     </a:ext>
   </dgm:extLst>
 </dgm:dataModel>
@@ -13179,7 +13225,7 @@
   <dgm:whole/>
   <dgm:extLst>
     <a:ext uri="http://schemas.microsoft.com/office/drawing/2008/diagram">
-      <dsp:dataModelExt xmlns:dsp="http://schemas.microsoft.com/office/drawing/2008/diagram" relId="rId11" minVer="http://schemas.openxmlformats.org/drawingml/2006/diagram"/>
+      <dsp:dataModelExt xmlns:dsp="http://schemas.microsoft.com/office/drawing/2008/diagram" xmlns="" relId="rId12" minVer="http://schemas.openxmlformats.org/drawingml/2006/diagram"/>
     </a:ext>
   </dgm:extLst>
 </dgm:dataModel>
@@ -13711,25 +13757,25 @@
     </dgm:pt>
   </dgm:ptLst>
   <dgm:cxnLst>
-    <dgm:cxn modelId="{A4402CF1-D7F3-4A43-BD41-312AD0923CFA}" srcId="{499B4954-A313-4AF2-9233-36F9EB1F2E28}" destId="{F36B2088-3179-46DA-9456-3BDEB8FCBA63}" srcOrd="1" destOrd="0" parTransId="{32F82BB0-BE5B-4E09-ACC9-FB23E8743A44}" sibTransId="{57109239-AC17-43B5-8360-44E48BD9DD16}"/>
-    <dgm:cxn modelId="{0D1D0075-53F8-45F9-B671-A4169E370B49}" type="presOf" srcId="{39EB69AF-086C-4F08-9188-08B527843E3B}" destId="{5AC14FB5-BFFF-42E7-80BB-5CB2D5CC2E48}" srcOrd="0" destOrd="0" presId="urn:microsoft.com/office/officeart/2005/8/layout/vList5"/>
-    <dgm:cxn modelId="{C1B953F0-7653-48EC-94C8-0D1B318B198A}" type="presOf" srcId="{7CF64C3A-3FE2-4C56-819B-D7FC2CA1EAB3}" destId="{03C447E2-9E25-435B-BEEA-50663D1FA8CF}" srcOrd="0" destOrd="1" presId="urn:microsoft.com/office/officeart/2005/8/layout/vList5"/>
-    <dgm:cxn modelId="{43A68E9E-FEF4-4B7C-A618-4CE279261582}" type="presOf" srcId="{F36B2088-3179-46DA-9456-3BDEB8FCBA63}" destId="{9A93DBA7-36F9-4CEB-8555-A1DD1399CFCB}" srcOrd="0" destOrd="1" presId="urn:microsoft.com/office/officeart/2005/8/layout/vList5"/>
+    <dgm:cxn modelId="{B875B1BF-59F6-4244-9B23-FC3A17DFB386}" type="presOf" srcId="{450BB2FB-E6F5-4FB7-932E-985994FE6A80}" destId="{0670FEEE-F7AF-4AED-9012-363BC48189C2}" srcOrd="0" destOrd="0" presId="urn:microsoft.com/office/officeart/2005/8/layout/vList5"/>
+    <dgm:cxn modelId="{BB96A486-082C-4407-BF4C-3CA7813E7BDB}" srcId="{62DA3143-94B0-43B7-8D3D-119FB3F6FCFE}" destId="{C2FF67EB-9BDC-4D79-8339-437566B9C203}" srcOrd="0" destOrd="0" parTransId="{8F9D5CA3-DA3C-4DF9-948F-169FAFE64900}" sibTransId="{B6CB8224-F543-4C81-99B0-B2785612EC6B}"/>
+    <dgm:cxn modelId="{9B480DC6-37BB-4A56-BFFD-379E0DC4E0D1}" srcId="{BF89F98F-0A80-4F30-9DE4-C088946202B7}" destId="{39EB69AF-086C-4F08-9188-08B527843E3B}" srcOrd="1" destOrd="0" parTransId="{43FF8FF7-5F46-4F86-BFF0-CC138300F95E}" sibTransId="{D834F24A-157C-40CD-9171-3F3F6C20FE73}"/>
+    <dgm:cxn modelId="{3E57156B-4DA3-450E-A431-5FED2E1A6BC2}" srcId="{499B4954-A313-4AF2-9233-36F9EB1F2E28}" destId="{A73BAFCD-EF25-4935-A06A-B26ED8C4C3A5}" srcOrd="0" destOrd="0" parTransId="{4E817A58-C00D-4830-B074-030858C97C7C}" sibTransId="{B7E5E64E-D150-42A3-8200-8FEBEBE6A584}"/>
     <dgm:cxn modelId="{AF01E660-EC81-4AC5-A300-547F7BB042FA}" srcId="{62DA3143-94B0-43B7-8D3D-119FB3F6FCFE}" destId="{7CF64C3A-3FE2-4C56-819B-D7FC2CA1EAB3}" srcOrd="1" destOrd="0" parTransId="{BF6308D9-F409-4908-BAE3-89D3AD1FDC01}" sibTransId="{92686665-9936-432B-BA9C-C2EB8482E27D}"/>
-    <dgm:cxn modelId="{3E57156B-4DA3-450E-A431-5FED2E1A6BC2}" srcId="{499B4954-A313-4AF2-9233-36F9EB1F2E28}" destId="{A73BAFCD-EF25-4935-A06A-B26ED8C4C3A5}" srcOrd="0" destOrd="0" parTransId="{4E817A58-C00D-4830-B074-030858C97C7C}" sibTransId="{B7E5E64E-D150-42A3-8200-8FEBEBE6A584}"/>
-    <dgm:cxn modelId="{A09BDB71-147E-4D1B-BF4E-14A817314A81}" type="presOf" srcId="{A73BAFCD-EF25-4935-A06A-B26ED8C4C3A5}" destId="{9A93DBA7-36F9-4CEB-8555-A1DD1399CFCB}" srcOrd="0" destOrd="0" presId="urn:microsoft.com/office/officeart/2005/8/layout/vList5"/>
+    <dgm:cxn modelId="{4BA3B278-F188-4FBC-9961-F1FBAE94836D}" srcId="{39EB69AF-086C-4F08-9188-08B527843E3B}" destId="{450BB2FB-E6F5-4FB7-932E-985994FE6A80}" srcOrd="0" destOrd="0" parTransId="{9A8D3FB4-1BED-4DED-A73B-C395FE3D44B0}" sibTransId="{913C64AA-B237-46F8-B125-7E6DEB138BC7}"/>
+    <dgm:cxn modelId="{AA5E6032-CDB8-47D6-B1C9-4DAA057EE901}" type="presOf" srcId="{291E5144-73A5-486F-9193-5D319AF3BE45}" destId="{0670FEEE-F7AF-4AED-9012-363BC48189C2}" srcOrd="0" destOrd="1" presId="urn:microsoft.com/office/officeart/2005/8/layout/vList5"/>
     <dgm:cxn modelId="{7F09B8A0-1B3F-4320-A35C-4763F7777D9F}" type="presOf" srcId="{BF89F98F-0A80-4F30-9DE4-C088946202B7}" destId="{95ABC759-3090-4CC9-B73B-90342CFBB381}" srcOrd="0" destOrd="0" presId="urn:microsoft.com/office/officeart/2005/8/layout/vList5"/>
     <dgm:cxn modelId="{E6E328FF-B29E-493B-9719-B08EAABF1866}" srcId="{BF89F98F-0A80-4F30-9DE4-C088946202B7}" destId="{62DA3143-94B0-43B7-8D3D-119FB3F6FCFE}" srcOrd="2" destOrd="0" parTransId="{85CB1296-35BF-4F3F-AA1E-7EE99638C09B}" sibTransId="{5B038825-474C-4FB7-8A4A-91B28F1180EA}"/>
+    <dgm:cxn modelId="{2B52F338-087D-49EA-AB44-B5011E4C0870}" type="presOf" srcId="{499B4954-A313-4AF2-9233-36F9EB1F2E28}" destId="{02488AD4-9946-4F35-8BA6-8E72F9CDB87E}" srcOrd="0" destOrd="0" presId="urn:microsoft.com/office/officeart/2005/8/layout/vList5"/>
+    <dgm:cxn modelId="{43A68E9E-FEF4-4B7C-A618-4CE279261582}" type="presOf" srcId="{F36B2088-3179-46DA-9456-3BDEB8FCBA63}" destId="{9A93DBA7-36F9-4CEB-8555-A1DD1399CFCB}" srcOrd="0" destOrd="1" presId="urn:microsoft.com/office/officeart/2005/8/layout/vList5"/>
     <dgm:cxn modelId="{1E2AC893-2C52-4BC4-9D99-436745CEBA38}" srcId="{39EB69AF-086C-4F08-9188-08B527843E3B}" destId="{291E5144-73A5-486F-9193-5D319AF3BE45}" srcOrd="1" destOrd="0" parTransId="{7FF10263-9F84-4265-A544-45D5CD0870B9}" sibTransId="{32686A01-99A6-4708-99AA-0C32E7270378}"/>
+    <dgm:cxn modelId="{0BB31A5F-32E8-4965-9E6E-73264F069462}" type="presOf" srcId="{C2FF67EB-9BDC-4D79-8339-437566B9C203}" destId="{03C447E2-9E25-435B-BEEA-50663D1FA8CF}" srcOrd="0" destOrd="0" presId="urn:microsoft.com/office/officeart/2005/8/layout/vList5"/>
+    <dgm:cxn modelId="{5F68BE17-2F2A-43D3-8DD8-E3656EA30E1B}" type="presOf" srcId="{62DA3143-94B0-43B7-8D3D-119FB3F6FCFE}" destId="{C386F76F-043F-4D44-83DB-ACD58E698EB6}" srcOrd="0" destOrd="0" presId="urn:microsoft.com/office/officeart/2005/8/layout/vList5"/>
+    <dgm:cxn modelId="{C1B953F0-7653-48EC-94C8-0D1B318B198A}" type="presOf" srcId="{7CF64C3A-3FE2-4C56-819B-D7FC2CA1EAB3}" destId="{03C447E2-9E25-435B-BEEA-50663D1FA8CF}" srcOrd="0" destOrd="1" presId="urn:microsoft.com/office/officeart/2005/8/layout/vList5"/>
+    <dgm:cxn modelId="{0D1D0075-53F8-45F9-B671-A4169E370B49}" type="presOf" srcId="{39EB69AF-086C-4F08-9188-08B527843E3B}" destId="{5AC14FB5-BFFF-42E7-80BB-5CB2D5CC2E48}" srcOrd="0" destOrd="0" presId="urn:microsoft.com/office/officeart/2005/8/layout/vList5"/>
+    <dgm:cxn modelId="{A09BDB71-147E-4D1B-BF4E-14A817314A81}" type="presOf" srcId="{A73BAFCD-EF25-4935-A06A-B26ED8C4C3A5}" destId="{9A93DBA7-36F9-4CEB-8555-A1DD1399CFCB}" srcOrd="0" destOrd="0" presId="urn:microsoft.com/office/officeart/2005/8/layout/vList5"/>
+    <dgm:cxn modelId="{A4402CF1-D7F3-4A43-BD41-312AD0923CFA}" srcId="{499B4954-A313-4AF2-9233-36F9EB1F2E28}" destId="{F36B2088-3179-46DA-9456-3BDEB8FCBA63}" srcOrd="1" destOrd="0" parTransId="{32F82BB0-BE5B-4E09-ACC9-FB23E8743A44}" sibTransId="{57109239-AC17-43B5-8360-44E48BD9DD16}"/>
     <dgm:cxn modelId="{2FA3F369-955D-4B9F-B0F2-848BC95AF75F}" srcId="{BF89F98F-0A80-4F30-9DE4-C088946202B7}" destId="{499B4954-A313-4AF2-9233-36F9EB1F2E28}" srcOrd="0" destOrd="0" parTransId="{DBDA9EB4-E982-4C10-84B4-B5FDDF30F578}" sibTransId="{49D9A7F3-71DA-4580-817C-B1B1275AF8E6}"/>
-    <dgm:cxn modelId="{0BB31A5F-32E8-4965-9E6E-73264F069462}" type="presOf" srcId="{C2FF67EB-9BDC-4D79-8339-437566B9C203}" destId="{03C447E2-9E25-435B-BEEA-50663D1FA8CF}" srcOrd="0" destOrd="0" presId="urn:microsoft.com/office/officeart/2005/8/layout/vList5"/>
-    <dgm:cxn modelId="{2B52F338-087D-49EA-AB44-B5011E4C0870}" type="presOf" srcId="{499B4954-A313-4AF2-9233-36F9EB1F2E28}" destId="{02488AD4-9946-4F35-8BA6-8E72F9CDB87E}" srcOrd="0" destOrd="0" presId="urn:microsoft.com/office/officeart/2005/8/layout/vList5"/>
-    <dgm:cxn modelId="{BB96A486-082C-4407-BF4C-3CA7813E7BDB}" srcId="{62DA3143-94B0-43B7-8D3D-119FB3F6FCFE}" destId="{C2FF67EB-9BDC-4D79-8339-437566B9C203}" srcOrd="0" destOrd="0" parTransId="{8F9D5CA3-DA3C-4DF9-948F-169FAFE64900}" sibTransId="{B6CB8224-F543-4C81-99B0-B2785612EC6B}"/>
-    <dgm:cxn modelId="{5F68BE17-2F2A-43D3-8DD8-E3656EA30E1B}" type="presOf" srcId="{62DA3143-94B0-43B7-8D3D-119FB3F6FCFE}" destId="{C386F76F-043F-4D44-83DB-ACD58E698EB6}" srcOrd="0" destOrd="0" presId="urn:microsoft.com/office/officeart/2005/8/layout/vList5"/>
-    <dgm:cxn modelId="{4BA3B278-F188-4FBC-9961-F1FBAE94836D}" srcId="{39EB69AF-086C-4F08-9188-08B527843E3B}" destId="{450BB2FB-E6F5-4FB7-932E-985994FE6A80}" srcOrd="0" destOrd="0" parTransId="{9A8D3FB4-1BED-4DED-A73B-C395FE3D44B0}" sibTransId="{913C64AA-B237-46F8-B125-7E6DEB138BC7}"/>
-    <dgm:cxn modelId="{AA5E6032-CDB8-47D6-B1C9-4DAA057EE901}" type="presOf" srcId="{291E5144-73A5-486F-9193-5D319AF3BE45}" destId="{0670FEEE-F7AF-4AED-9012-363BC48189C2}" srcOrd="0" destOrd="1" presId="urn:microsoft.com/office/officeart/2005/8/layout/vList5"/>
-    <dgm:cxn modelId="{9B480DC6-37BB-4A56-BFFD-379E0DC4E0D1}" srcId="{BF89F98F-0A80-4F30-9DE4-C088946202B7}" destId="{39EB69AF-086C-4F08-9188-08B527843E3B}" srcOrd="1" destOrd="0" parTransId="{43FF8FF7-5F46-4F86-BFF0-CC138300F95E}" sibTransId="{D834F24A-157C-40CD-9171-3F3F6C20FE73}"/>
-    <dgm:cxn modelId="{B875B1BF-59F6-4244-9B23-FC3A17DFB386}" type="presOf" srcId="{450BB2FB-E6F5-4FB7-932E-985994FE6A80}" destId="{0670FEEE-F7AF-4AED-9012-363BC48189C2}" srcOrd="0" destOrd="0" presId="urn:microsoft.com/office/officeart/2005/8/layout/vList5"/>
     <dgm:cxn modelId="{CA10E1BA-F32D-41E6-9AE2-5DEBBA27AED6}" type="presParOf" srcId="{95ABC759-3090-4CC9-B73B-90342CFBB381}" destId="{5B413501-42AE-40DD-BC1B-BCC50F73FD3C}" srcOrd="0" destOrd="0" presId="urn:microsoft.com/office/officeart/2005/8/layout/vList5"/>
     <dgm:cxn modelId="{55F5D8F8-1ACE-4179-977F-8D6D46DC83E9}" type="presParOf" srcId="{5B413501-42AE-40DD-BC1B-BCC50F73FD3C}" destId="{02488AD4-9946-4F35-8BA6-8E72F9CDB87E}" srcOrd="0" destOrd="0" presId="urn:microsoft.com/office/officeart/2005/8/layout/vList5"/>
     <dgm:cxn modelId="{7B107423-196D-4A8F-ABE6-3ED0893D2192}" type="presParOf" srcId="{5B413501-42AE-40DD-BC1B-BCC50F73FD3C}" destId="{9A93DBA7-36F9-4CEB-8555-A1DD1399CFCB}" srcOrd="1" destOrd="0" presId="urn:microsoft.com/office/officeart/2005/8/layout/vList5"/>
@@ -13758,7 +13804,7 @@
   </dgm:whole>
   <dgm:extLst>
     <a:ext uri="http://schemas.microsoft.com/office/drawing/2008/diagram">
-      <dsp:dataModelExt xmlns:dsp="http://schemas.microsoft.com/office/drawing/2008/diagram" relId="rId16" minVer="http://schemas.openxmlformats.org/drawingml/2006/diagram"/>
+      <dsp:dataModelExt xmlns:dsp="http://schemas.microsoft.com/office/drawing/2008/diagram" xmlns="" relId="rId17" minVer="http://schemas.openxmlformats.org/drawingml/2006/diagram"/>
     </a:ext>
   </dgm:extLst>
 </dgm:dataModel>
@@ -13902,10 +13948,24 @@
     <dgm:pt modelId="{F3B92CFB-CCCE-4BC2-81C0-C168EE61C560}" type="pres">
       <dgm:prSet presAssocID="{95FB0FFD-8D39-4E12-925E-5006A9468E78}" presName="sibTrans" presStyleLbl="sibTrans2D1" presStyleIdx="0" presStyleCnt="1"/>
       <dgm:spPr/>
+      <dgm:t>
+        <a:bodyPr/>
+        <a:lstStyle/>
+        <a:p>
+          <a:endParaRPr lang="en-US"/>
+        </a:p>
+      </dgm:t>
     </dgm:pt>
     <dgm:pt modelId="{7320EF33-BBB0-4C74-87BB-F94AC6998961}" type="pres">
       <dgm:prSet presAssocID="{95FB0FFD-8D39-4E12-925E-5006A9468E78}" presName="connectorText" presStyleLbl="sibTrans2D1" presStyleIdx="0" presStyleCnt="1"/>
       <dgm:spPr/>
+      <dgm:t>
+        <a:bodyPr/>
+        <a:lstStyle/>
+        <a:p>
+          <a:endParaRPr lang="en-US"/>
+        </a:p>
+      </dgm:t>
     </dgm:pt>
     <dgm:pt modelId="{CA81988A-48EA-4A63-BACE-B8FFA50DCF2A}" type="pres">
       <dgm:prSet presAssocID="{1B9F2D15-F933-4F06-BBC5-33B7B59C0CEE}" presName="node" presStyleLbl="node1" presStyleIdx="1" presStyleCnt="2">
@@ -13925,11 +13985,11 @@
   </dgm:ptLst>
   <dgm:cxnLst>
     <dgm:cxn modelId="{472FDC53-7742-4FC6-883C-A6D006178313}" type="presOf" srcId="{F857C67B-824B-40CE-A698-3AEA4AD9F969}" destId="{3987172C-B811-4773-995F-8978522EB406}" srcOrd="0" destOrd="0" presId="urn:microsoft.com/office/officeart/2005/8/layout/process1"/>
-    <dgm:cxn modelId="{2BCDAC85-D3DB-49A7-BEF5-10EDB684B5CD}" type="presOf" srcId="{1B9F2D15-F933-4F06-BBC5-33B7B59C0CEE}" destId="{CA81988A-48EA-4A63-BACE-B8FFA50DCF2A}" srcOrd="0" destOrd="0" presId="urn:microsoft.com/office/officeart/2005/8/layout/process1"/>
-    <dgm:cxn modelId="{D153CECF-E439-4421-AAFF-C9DD032083A3}" srcId="{F857C67B-824B-40CE-A698-3AEA4AD9F969}" destId="{D3FB31C7-1F00-441E-AD8C-482317F4E01A}" srcOrd="0" destOrd="0" parTransId="{B141B223-E921-4E84-8E8F-2644A1F159B0}" sibTransId="{95FB0FFD-8D39-4E12-925E-5006A9468E78}"/>
     <dgm:cxn modelId="{CF27219C-42B9-4653-88ED-2F83169427BA}" type="presOf" srcId="{95FB0FFD-8D39-4E12-925E-5006A9468E78}" destId="{F3B92CFB-CCCE-4BC2-81C0-C168EE61C560}" srcOrd="0" destOrd="0" presId="urn:microsoft.com/office/officeart/2005/8/layout/process1"/>
     <dgm:cxn modelId="{CF42A7CC-35BB-4613-97B2-E02EE970E498}" type="presOf" srcId="{D3FB31C7-1F00-441E-AD8C-482317F4E01A}" destId="{DF06A2D1-F78F-4A1A-99C9-92AFDC5AB650}" srcOrd="0" destOrd="0" presId="urn:microsoft.com/office/officeart/2005/8/layout/process1"/>
+    <dgm:cxn modelId="{D153CECF-E439-4421-AAFF-C9DD032083A3}" srcId="{F857C67B-824B-40CE-A698-3AEA4AD9F969}" destId="{D3FB31C7-1F00-441E-AD8C-482317F4E01A}" srcOrd="0" destOrd="0" parTransId="{B141B223-E921-4E84-8E8F-2644A1F159B0}" sibTransId="{95FB0FFD-8D39-4E12-925E-5006A9468E78}"/>
     <dgm:cxn modelId="{BE2EBC8F-F65C-4F2E-AEE5-6C6D1C9884BB}" type="presOf" srcId="{95FB0FFD-8D39-4E12-925E-5006A9468E78}" destId="{7320EF33-BBB0-4C74-87BB-F94AC6998961}" srcOrd="1" destOrd="0" presId="urn:microsoft.com/office/officeart/2005/8/layout/process1"/>
+    <dgm:cxn modelId="{2BCDAC85-D3DB-49A7-BEF5-10EDB684B5CD}" type="presOf" srcId="{1B9F2D15-F933-4F06-BBC5-33B7B59C0CEE}" destId="{CA81988A-48EA-4A63-BACE-B8FFA50DCF2A}" srcOrd="0" destOrd="0" presId="urn:microsoft.com/office/officeart/2005/8/layout/process1"/>
     <dgm:cxn modelId="{B714A4B6-F5D9-423A-88DA-FB8C899F7A6E}" srcId="{F857C67B-824B-40CE-A698-3AEA4AD9F969}" destId="{1B9F2D15-F933-4F06-BBC5-33B7B59C0CEE}" srcOrd="1" destOrd="0" parTransId="{8E66DFE4-8476-4495-B48E-A775C4140727}" sibTransId="{FB8D6577-DE45-4520-B3D0-B8E729C3DF44}"/>
     <dgm:cxn modelId="{422B30BB-B75B-4F0F-9FA1-997CC4F08EFE}" type="presParOf" srcId="{3987172C-B811-4773-995F-8978522EB406}" destId="{DF06A2D1-F78F-4A1A-99C9-92AFDC5AB650}" srcOrd="0" destOrd="0" presId="urn:microsoft.com/office/officeart/2005/8/layout/process1"/>
     <dgm:cxn modelId="{4423D302-E7AA-47DA-8FDE-8C7C745BDAB2}" type="presParOf" srcId="{3987172C-B811-4773-995F-8978522EB406}" destId="{F3B92CFB-CCCE-4BC2-81C0-C168EE61C560}" srcOrd="1" destOrd="0" presId="urn:microsoft.com/office/officeart/2005/8/layout/process1"/>
@@ -13946,7 +14006,7 @@
   <dgm:whole/>
   <dgm:extLst>
     <a:ext uri="http://schemas.microsoft.com/office/drawing/2008/diagram">
-      <dsp:dataModelExt xmlns:dsp="http://schemas.microsoft.com/office/drawing/2008/diagram" relId="rId6" minVer="http://schemas.openxmlformats.org/drawingml/2006/diagram"/>
+      <dsp:dataModelExt xmlns:dsp="http://schemas.microsoft.com/office/drawing/2008/diagram" xmlns="" relId="rId7" minVer="http://schemas.openxmlformats.org/drawingml/2006/diagram"/>
     </a:ext>
   </dgm:extLst>
 </dgm:dataModel>
@@ -14079,14 +14139,35 @@
         </dgm:presLayoutVars>
       </dgm:prSet>
       <dgm:spPr/>
+      <dgm:t>
+        <a:bodyPr/>
+        <a:lstStyle/>
+        <a:p>
+          <a:endParaRPr lang="en-US"/>
+        </a:p>
+      </dgm:t>
     </dgm:pt>
     <dgm:pt modelId="{F3B92CFB-CCCE-4BC2-81C0-C168EE61C560}" type="pres">
       <dgm:prSet presAssocID="{95FB0FFD-8D39-4E12-925E-5006A9468E78}" presName="sibTrans" presStyleLbl="sibTrans2D1" presStyleIdx="0" presStyleCnt="1"/>
       <dgm:spPr/>
+      <dgm:t>
+        <a:bodyPr/>
+        <a:lstStyle/>
+        <a:p>
+          <a:endParaRPr lang="en-US"/>
+        </a:p>
+      </dgm:t>
     </dgm:pt>
     <dgm:pt modelId="{7320EF33-BBB0-4C74-87BB-F94AC6998961}" type="pres">
       <dgm:prSet presAssocID="{95FB0FFD-8D39-4E12-925E-5006A9468E78}" presName="connectorText" presStyleLbl="sibTrans2D1" presStyleIdx="0" presStyleCnt="1"/>
       <dgm:spPr/>
+      <dgm:t>
+        <a:bodyPr/>
+        <a:lstStyle/>
+        <a:p>
+          <a:endParaRPr lang="en-US"/>
+        </a:p>
+      </dgm:t>
     </dgm:pt>
     <dgm:pt modelId="{CA81988A-48EA-4A63-BACE-B8FFA50DCF2A}" type="pres">
       <dgm:prSet presAssocID="{1B9F2D15-F933-4F06-BBC5-33B7B59C0CEE}" presName="node" presStyleLbl="node1" presStyleIdx="1" presStyleCnt="2">
@@ -14095,16 +14176,23 @@
         </dgm:presLayoutVars>
       </dgm:prSet>
       <dgm:spPr/>
+      <dgm:t>
+        <a:bodyPr/>
+        <a:lstStyle/>
+        <a:p>
+          <a:endParaRPr lang="en-US"/>
+        </a:p>
+      </dgm:t>
     </dgm:pt>
   </dgm:ptLst>
   <dgm:cxnLst>
-    <dgm:cxn modelId="{A6BD2D43-F197-4397-94FB-EB30EF40F6A4}" type="presOf" srcId="{95FB0FFD-8D39-4E12-925E-5006A9468E78}" destId="{F3B92CFB-CCCE-4BC2-81C0-C168EE61C560}" srcOrd="0" destOrd="0" presId="urn:microsoft.com/office/officeart/2005/8/layout/process1"/>
-    <dgm:cxn modelId="{6FCF0C87-EE02-474C-A5F8-CC36BE5C3B34}" type="presOf" srcId="{F857C67B-824B-40CE-A698-3AEA4AD9F969}" destId="{3987172C-B811-4773-995F-8978522EB406}" srcOrd="0" destOrd="0" presId="urn:microsoft.com/office/officeart/2005/8/layout/process1"/>
     <dgm:cxn modelId="{F82FE2FF-CB65-41A3-BD88-5BBD63EE7F35}" type="presOf" srcId="{1B9F2D15-F933-4F06-BBC5-33B7B59C0CEE}" destId="{CA81988A-48EA-4A63-BACE-B8FFA50DCF2A}" srcOrd="0" destOrd="0" presId="urn:microsoft.com/office/officeart/2005/8/layout/process1"/>
     <dgm:cxn modelId="{5F7A6F0B-8AD9-49BD-A578-CCBCDEB89349}" type="presOf" srcId="{95FB0FFD-8D39-4E12-925E-5006A9468E78}" destId="{7320EF33-BBB0-4C74-87BB-F94AC6998961}" srcOrd="1" destOrd="0" presId="urn:microsoft.com/office/officeart/2005/8/layout/process1"/>
+    <dgm:cxn modelId="{A6BD2D43-F197-4397-94FB-EB30EF40F6A4}" type="presOf" srcId="{95FB0FFD-8D39-4E12-925E-5006A9468E78}" destId="{F3B92CFB-CCCE-4BC2-81C0-C168EE61C560}" srcOrd="0" destOrd="0" presId="urn:microsoft.com/office/officeart/2005/8/layout/process1"/>
+    <dgm:cxn modelId="{D153CECF-E439-4421-AAFF-C9DD032083A3}" srcId="{F857C67B-824B-40CE-A698-3AEA4AD9F969}" destId="{D3FB31C7-1F00-441E-AD8C-482317F4E01A}" srcOrd="0" destOrd="0" parTransId="{B141B223-E921-4E84-8E8F-2644A1F159B0}" sibTransId="{95FB0FFD-8D39-4E12-925E-5006A9468E78}"/>
+    <dgm:cxn modelId="{6FCF0C87-EE02-474C-A5F8-CC36BE5C3B34}" type="presOf" srcId="{F857C67B-824B-40CE-A698-3AEA4AD9F969}" destId="{3987172C-B811-4773-995F-8978522EB406}" srcOrd="0" destOrd="0" presId="urn:microsoft.com/office/officeart/2005/8/layout/process1"/>
+    <dgm:cxn modelId="{88241C08-4A94-44FF-B2DF-96711D78B711}" type="presOf" srcId="{D3FB31C7-1F00-441E-AD8C-482317F4E01A}" destId="{DF06A2D1-F78F-4A1A-99C9-92AFDC5AB650}" srcOrd="0" destOrd="0" presId="urn:microsoft.com/office/officeart/2005/8/layout/process1"/>
     <dgm:cxn modelId="{B714A4B6-F5D9-423A-88DA-FB8C899F7A6E}" srcId="{F857C67B-824B-40CE-A698-3AEA4AD9F969}" destId="{1B9F2D15-F933-4F06-BBC5-33B7B59C0CEE}" srcOrd="1" destOrd="0" parTransId="{8E66DFE4-8476-4495-B48E-A775C4140727}" sibTransId="{FB8D6577-DE45-4520-B3D0-B8E729C3DF44}"/>
-    <dgm:cxn modelId="{D153CECF-E439-4421-AAFF-C9DD032083A3}" srcId="{F857C67B-824B-40CE-A698-3AEA4AD9F969}" destId="{D3FB31C7-1F00-441E-AD8C-482317F4E01A}" srcOrd="0" destOrd="0" parTransId="{B141B223-E921-4E84-8E8F-2644A1F159B0}" sibTransId="{95FB0FFD-8D39-4E12-925E-5006A9468E78}"/>
-    <dgm:cxn modelId="{88241C08-4A94-44FF-B2DF-96711D78B711}" type="presOf" srcId="{D3FB31C7-1F00-441E-AD8C-482317F4E01A}" destId="{DF06A2D1-F78F-4A1A-99C9-92AFDC5AB650}" srcOrd="0" destOrd="0" presId="urn:microsoft.com/office/officeart/2005/8/layout/process1"/>
     <dgm:cxn modelId="{F18AF956-3D16-4599-A094-BBF0F48655ED}" type="presParOf" srcId="{3987172C-B811-4773-995F-8978522EB406}" destId="{DF06A2D1-F78F-4A1A-99C9-92AFDC5AB650}" srcOrd="0" destOrd="0" presId="urn:microsoft.com/office/officeart/2005/8/layout/process1"/>
     <dgm:cxn modelId="{7EAB49AD-A461-4C36-A66D-2683A5F9F961}" type="presParOf" srcId="{3987172C-B811-4773-995F-8978522EB406}" destId="{F3B92CFB-CCCE-4BC2-81C0-C168EE61C560}" srcOrd="1" destOrd="0" presId="urn:microsoft.com/office/officeart/2005/8/layout/process1"/>
     <dgm:cxn modelId="{8021ADF9-0C97-4A96-95A6-6FE3CB8687B9}" type="presParOf" srcId="{F3B92CFB-CCCE-4BC2-81C0-C168EE61C560}" destId="{7320EF33-BBB0-4C74-87BB-F94AC6998961}" srcOrd="0" destOrd="0" presId="urn:microsoft.com/office/officeart/2005/8/layout/process1"/>
@@ -14120,14 +14208,14 @@
   <dgm:whole/>
   <dgm:extLst>
     <a:ext uri="http://schemas.microsoft.com/office/drawing/2008/diagram">
-      <dsp:dataModelExt xmlns:dsp="http://schemas.microsoft.com/office/drawing/2008/diagram" relId="rId11" minVer="http://schemas.openxmlformats.org/drawingml/2006/diagram"/>
+      <dsp:dataModelExt xmlns:dsp="http://schemas.microsoft.com/office/drawing/2008/diagram" xmlns="" relId="rId12" minVer="http://schemas.openxmlformats.org/drawingml/2006/diagram"/>
     </a:ext>
   </dgm:extLst>
 </dgm:dataModel>
 </file>
 
 <file path=ppt/diagrams/drawing1.xml><?xml version="1.0" encoding="utf-8"?>
-<dsp:drawing xmlns:dgm="http://schemas.openxmlformats.org/drawingml/2006/diagram" xmlns:dsp="http://schemas.microsoft.com/office/drawing/2008/diagram" xmlns:a="http://schemas.openxmlformats.org/drawingml/2006/main">
+<dsp:drawing xmlns:dgm="http://schemas.openxmlformats.org/drawingml/2006/diagram" xmlns:a="http://schemas.openxmlformats.org/drawingml/2006/main" xmlns:dsp="http://schemas.microsoft.com/office/drawing/2008/diagram">
   <dsp:spTree>
     <dsp:nvGrpSpPr>
       <dsp:cNvPr id="0" name=""/>
@@ -14212,8 +14300,8 @@
         </a:p>
       </dsp:txBody>
       <dsp:txXfrm>
-        <a:off x="37291" y="799293"/>
-        <a:ext cx="2047266" cy="1198529"/>
+        <a:off x="3" y="762005"/>
+        <a:ext cx="2121842" cy="1273105"/>
       </dsp:txXfrm>
     </dsp:sp>
     <dsp:sp modelId="{35D29E25-0966-45A5-9F99-621D4207AB84}">
@@ -14278,8 +14366,8 @@
         </a:p>
       </dsp:txBody>
       <dsp:txXfrm>
-        <a:off x="2334333" y="1240693"/>
-        <a:ext cx="315331" cy="315730"/>
+        <a:off x="2334333" y="1135450"/>
+        <a:ext cx="450473" cy="526216"/>
       </dsp:txXfrm>
     </dsp:sp>
     <dsp:sp modelId="{61581FCC-C561-4977-A4CD-6B5760308E1F}">
@@ -14360,8 +14448,8 @@
         </a:p>
       </dsp:txBody>
       <dsp:txXfrm>
-        <a:off x="3009084" y="799293"/>
-        <a:ext cx="2047266" cy="1198529"/>
+        <a:off x="2971796" y="762005"/>
+        <a:ext cx="2121842" cy="1273105"/>
       </dsp:txXfrm>
     </dsp:sp>
     <dsp:sp modelId="{FA5582EA-7F1C-48E6-B9B3-C29909A9D6C2}">
@@ -14426,8 +14514,8 @@
         </a:p>
       </dsp:txBody>
       <dsp:txXfrm>
-        <a:off x="5306129" y="1240693"/>
-        <a:ext cx="315335" cy="315730"/>
+        <a:off x="5306129" y="1135450"/>
+        <a:ext cx="450478" cy="526216"/>
       </dsp:txXfrm>
     </dsp:sp>
     <dsp:sp modelId="{C7D4D5CC-7CFD-45A4-A599-1B0437CCE134}">
@@ -14508,8 +14596,8 @@
         </a:p>
       </dsp:txBody>
       <dsp:txXfrm>
-        <a:off x="5980886" y="799293"/>
-        <a:ext cx="2047266" cy="1198529"/>
+        <a:off x="5943598" y="762005"/>
+        <a:ext cx="2121842" cy="1273105"/>
       </dsp:txXfrm>
     </dsp:sp>
   </dsp:spTree>
@@ -14517,7 +14605,7 @@
 </file>
 
 <file path=ppt/diagrams/drawing10.xml><?xml version="1.0" encoding="utf-8"?>
-<dsp:drawing xmlns:dgm="http://schemas.openxmlformats.org/drawingml/2006/diagram" xmlns:dsp="http://schemas.microsoft.com/office/drawing/2008/diagram" xmlns:a="http://schemas.openxmlformats.org/drawingml/2006/main">
+<dsp:drawing xmlns:dgm="http://schemas.openxmlformats.org/drawingml/2006/diagram" xmlns:a="http://schemas.openxmlformats.org/drawingml/2006/main" xmlns:dsp="http://schemas.microsoft.com/office/drawing/2008/diagram">
   <dsp:spTree>
     <dsp:nvGrpSpPr>
       <dsp:cNvPr id="0" name=""/>
@@ -14611,8 +14699,8 @@
         </a:p>
       </dsp:txBody>
       <dsp:txXfrm>
-        <a:off x="45225" y="411840"/>
-        <a:ext cx="2085893" cy="1221142"/>
+        <a:off x="7233" y="373848"/>
+        <a:ext cx="2161877" cy="1297126"/>
       </dsp:txXfrm>
     </dsp:sp>
     <dsp:sp modelId="{ACDD777E-616D-4627-B044-7217812A7475}">
@@ -14676,8 +14764,8 @@
         </a:p>
       </dsp:txBody>
       <dsp:txXfrm>
-        <a:off x="2385298" y="861567"/>
-        <a:ext cx="320822" cy="321687"/>
+        <a:off x="2385298" y="754338"/>
+        <a:ext cx="458317" cy="536145"/>
       </dsp:txXfrm>
     </dsp:sp>
     <dsp:sp modelId="{356D6E8B-A560-45F2-9615-2AB1D1D8DD49}">
@@ -14767,8 +14855,8 @@
         </a:p>
       </dsp:txBody>
       <dsp:txXfrm>
-        <a:off x="3071853" y="411840"/>
-        <a:ext cx="2085893" cy="1221142"/>
+        <a:off x="3033861" y="373848"/>
+        <a:ext cx="2161877" cy="1297126"/>
       </dsp:txXfrm>
     </dsp:sp>
     <dsp:sp modelId="{44E1CC85-F952-463A-B4F5-84933423D36B}">
@@ -14832,8 +14920,8 @@
         </a:p>
       </dsp:txBody>
       <dsp:txXfrm>
-        <a:off x="5411926" y="861567"/>
-        <a:ext cx="320822" cy="321687"/>
+        <a:off x="5411926" y="754338"/>
+        <a:ext cx="458317" cy="536145"/>
       </dsp:txXfrm>
     </dsp:sp>
     <dsp:sp modelId="{8C681921-4B5F-47D7-969B-DA400ECA5000}">
@@ -14923,8 +15011,8 @@
         </a:p>
       </dsp:txBody>
       <dsp:txXfrm>
-        <a:off x="6098481" y="411840"/>
-        <a:ext cx="2085893" cy="1221142"/>
+        <a:off x="6060489" y="373848"/>
+        <a:ext cx="2161877" cy="1297126"/>
       </dsp:txXfrm>
     </dsp:sp>
   </dsp:spTree>
@@ -14932,7 +15020,7 @@
 </file>
 
 <file path=ppt/diagrams/drawing11.xml><?xml version="1.0" encoding="utf-8"?>
-<dsp:drawing xmlns:dgm="http://schemas.openxmlformats.org/drawingml/2006/diagram" xmlns:dsp="http://schemas.microsoft.com/office/drawing/2008/diagram" xmlns:a="http://schemas.openxmlformats.org/drawingml/2006/main">
+<dsp:drawing xmlns:dgm="http://schemas.openxmlformats.org/drawingml/2006/diagram" xmlns:a="http://schemas.openxmlformats.org/drawingml/2006/main" xmlns:dsp="http://schemas.microsoft.com/office/drawing/2008/diagram">
   <dsp:spTree>
     <dsp:nvGrpSpPr>
       <dsp:cNvPr id="0" name=""/>
@@ -15022,8 +15110,8 @@
         </a:p>
       </dsp:txBody>
       <dsp:txXfrm>
-        <a:off x="35497" y="837400"/>
-        <a:ext cx="1708749" cy="1000351"/>
+        <a:off x="4375" y="806278"/>
+        <a:ext cx="1770993" cy="1062595"/>
       </dsp:txXfrm>
     </dsp:sp>
     <dsp:sp modelId="{0AB4EDA0-9F54-4714-812F-071E44D53E91}">
@@ -15087,8 +15175,8 @@
         </a:p>
       </dsp:txBody>
       <dsp:txXfrm>
-        <a:off x="1931216" y="1205813"/>
-        <a:ext cx="262815" cy="263524"/>
+        <a:off x="1931216" y="1117972"/>
+        <a:ext cx="375450" cy="439206"/>
       </dsp:txXfrm>
     </dsp:sp>
     <dsp:sp modelId="{AC35DC6D-FD57-4788-921C-D646C6BA4865}">
@@ -15210,8 +15298,8 @@
         </a:p>
       </dsp:txBody>
       <dsp:txXfrm>
-        <a:off x="2530523" y="586132"/>
-        <a:ext cx="1887217" cy="1502887"/>
+        <a:off x="2483766" y="539375"/>
+        <a:ext cx="1980731" cy="1596401"/>
       </dsp:txXfrm>
     </dsp:sp>
     <dsp:sp modelId="{8D048A75-E83A-48D6-A855-C4FE5D533639}">
@@ -15275,8 +15363,8 @@
         </a:p>
       </dsp:txBody>
       <dsp:txXfrm>
-        <a:off x="4620345" y="1205813"/>
-        <a:ext cx="262815" cy="263524"/>
+        <a:off x="4620345" y="1117972"/>
+        <a:ext cx="375450" cy="439206"/>
       </dsp:txXfrm>
     </dsp:sp>
     <dsp:sp modelId="{08139FAF-B268-4BD6-BAAC-2DCE292E9DA9}">
@@ -15380,8 +15468,8 @@
         </a:p>
       </dsp:txBody>
       <dsp:txXfrm>
-        <a:off x="5204017" y="837400"/>
-        <a:ext cx="1708749" cy="1000351"/>
+        <a:off x="5172895" y="806278"/>
+        <a:ext cx="1770993" cy="1062595"/>
       </dsp:txXfrm>
     </dsp:sp>
   </dsp:spTree>
@@ -15389,7 +15477,7 @@
 </file>
 
 <file path=ppt/diagrams/drawing12.xml><?xml version="1.0" encoding="utf-8"?>
-<dsp:drawing xmlns:dgm="http://schemas.openxmlformats.org/drawingml/2006/diagram" xmlns:dsp="http://schemas.microsoft.com/office/drawing/2008/diagram" xmlns:a="http://schemas.openxmlformats.org/drawingml/2006/main">
+<dsp:drawing xmlns:dgm="http://schemas.openxmlformats.org/drawingml/2006/diagram" xmlns:a="http://schemas.openxmlformats.org/drawingml/2006/main" xmlns:dsp="http://schemas.microsoft.com/office/drawing/2008/diagram">
   <dsp:spTree>
     <dsp:nvGrpSpPr>
       <dsp:cNvPr id="0" name=""/>
@@ -15497,8 +15585,8 @@
         </a:p>
       </dsp:txBody>
       <dsp:txXfrm>
-        <a:off x="30347" y="849856"/>
-        <a:ext cx="1666195" cy="975439"/>
+        <a:off x="0" y="819509"/>
+        <a:ext cx="1726889" cy="1036133"/>
       </dsp:txXfrm>
     </dsp:sp>
   </dsp:spTree>
@@ -15506,7 +15594,7 @@
 </file>
 
 <file path=ppt/diagrams/drawing13.xml><?xml version="1.0" encoding="utf-8"?>
-<dsp:drawing xmlns:dgm="http://schemas.openxmlformats.org/drawingml/2006/diagram" xmlns:dsp="http://schemas.microsoft.com/office/drawing/2008/diagram" xmlns:a="http://schemas.openxmlformats.org/drawingml/2006/main">
+<dsp:drawing xmlns:dgm="http://schemas.openxmlformats.org/drawingml/2006/diagram" xmlns:a="http://schemas.openxmlformats.org/drawingml/2006/main" xmlns:dsp="http://schemas.microsoft.com/office/drawing/2008/diagram">
   <dsp:spTree>
     <dsp:nvGrpSpPr>
       <dsp:cNvPr id="0" name=""/>
@@ -15520,7 +15608,7 @@
       </dsp:nvSpPr>
       <dsp:spPr>
         <a:xfrm>
-          <a:off x="1004" y="1283506"/>
+          <a:off x="1004" y="460387"/>
           <a:ext cx="1958950" cy="1958950"/>
         </a:xfrm>
         <a:prstGeom prst="ellipse">
@@ -15631,8 +15719,8 @@
         </a:p>
       </dsp:txBody>
       <dsp:txXfrm>
-        <a:off x="287886" y="1570388"/>
-        <a:ext cx="1385186" cy="1385186"/>
+        <a:off x="1004" y="460387"/>
+        <a:ext cx="1958950" cy="1958950"/>
       </dsp:txXfrm>
     </dsp:sp>
     <dsp:sp modelId="{2F16B66C-A703-43E0-A87B-BDB5F215B3EC}">
@@ -15642,7 +15730,7 @@
       </dsp:nvSpPr>
       <dsp:spPr>
         <a:xfrm>
-          <a:off x="1568164" y="1283506"/>
+          <a:off x="1568164" y="460387"/>
           <a:ext cx="1958950" cy="1958950"/>
         </a:xfrm>
         <a:prstGeom prst="ellipse">
@@ -15753,8 +15841,8 @@
         </a:p>
       </dsp:txBody>
       <dsp:txXfrm>
-        <a:off x="1855046" y="1570388"/>
-        <a:ext cx="1385186" cy="1385186"/>
+        <a:off x="1568164" y="460387"/>
+        <a:ext cx="1958950" cy="1958950"/>
       </dsp:txXfrm>
     </dsp:sp>
     <dsp:sp modelId="{ABFAB522-FA90-4144-98B8-19AD84267685}">
@@ -15764,7 +15852,7 @@
       </dsp:nvSpPr>
       <dsp:spPr>
         <a:xfrm>
-          <a:off x="3135324" y="1283506"/>
+          <a:off x="3135324" y="460387"/>
           <a:ext cx="1958950" cy="1958950"/>
         </a:xfrm>
         <a:prstGeom prst="ellipse">
@@ -15875,8 +15963,8 @@
         </a:p>
       </dsp:txBody>
       <dsp:txXfrm>
-        <a:off x="3422206" y="1570388"/>
-        <a:ext cx="1385186" cy="1385186"/>
+        <a:off x="3135324" y="460387"/>
+        <a:ext cx="1958950" cy="1958950"/>
       </dsp:txXfrm>
     </dsp:sp>
     <dsp:sp modelId="{3DD52E65-2217-47DF-A607-061BC38D9280}">
@@ -15886,7 +15974,7 @@
       </dsp:nvSpPr>
       <dsp:spPr>
         <a:xfrm>
-          <a:off x="4702485" y="1283506"/>
+          <a:off x="4702485" y="460387"/>
           <a:ext cx="1958950" cy="1958950"/>
         </a:xfrm>
         <a:prstGeom prst="ellipse">
@@ -15997,8 +16085,8 @@
         </a:p>
       </dsp:txBody>
       <dsp:txXfrm>
-        <a:off x="4989367" y="1570388"/>
-        <a:ext cx="1385186" cy="1385186"/>
+        <a:off x="4702485" y="460387"/>
+        <a:ext cx="1958950" cy="1958950"/>
       </dsp:txXfrm>
     </dsp:sp>
     <dsp:sp modelId="{A9CDDF6E-DECC-441B-AB37-2DFAEC4BAD99}">
@@ -16008,7 +16096,7 @@
       </dsp:nvSpPr>
       <dsp:spPr>
         <a:xfrm>
-          <a:off x="6269645" y="1283506"/>
+          <a:off x="6269645" y="460387"/>
           <a:ext cx="1958950" cy="1958950"/>
         </a:xfrm>
         <a:prstGeom prst="ellipse">
@@ -16126,8 +16214,8 @@
         </a:p>
       </dsp:txBody>
       <dsp:txXfrm>
-        <a:off x="6556527" y="1570388"/>
-        <a:ext cx="1385186" cy="1385186"/>
+        <a:off x="6269645" y="460387"/>
+        <a:ext cx="1958950" cy="1958950"/>
       </dsp:txXfrm>
     </dsp:sp>
   </dsp:spTree>
@@ -16135,7 +16223,7 @@
 </file>
 
 <file path=ppt/diagrams/drawing14.xml><?xml version="1.0" encoding="utf-8"?>
-<dsp:drawing xmlns:dgm="http://schemas.openxmlformats.org/drawingml/2006/diagram" xmlns:dsp="http://schemas.microsoft.com/office/drawing/2008/diagram" xmlns:a="http://schemas.openxmlformats.org/drawingml/2006/main">
+<dsp:drawing xmlns:dgm="http://schemas.openxmlformats.org/drawingml/2006/diagram" xmlns:a="http://schemas.openxmlformats.org/drawingml/2006/main" xmlns:dsp="http://schemas.microsoft.com/office/drawing/2008/diagram">
   <dsp:spTree>
     <dsp:nvGrpSpPr>
       <dsp:cNvPr id="0" name=""/>
@@ -16232,8 +16320,8 @@
         </a:p>
       </dsp:txBody>
       <dsp:txXfrm>
-        <a:off x="762813" y="2383377"/>
-        <a:ext cx="1088504" cy="1088504"/>
+        <a:off x="537377" y="2157941"/>
+        <a:ext cx="1539376" cy="1539376"/>
       </dsp:txXfrm>
     </dsp:sp>
     <dsp:sp modelId="{60818678-16B8-424C-B058-4B37B19986DD}">
@@ -16346,9 +16434,9 @@
           <a:endParaRPr lang="en-US" sz="2200" kern="1200"/>
         </a:p>
       </dsp:txBody>
-      <dsp:txXfrm>
-        <a:off x="1192619" y="1750746"/>
-        <a:ext cx="228894" cy="314032"/>
+      <dsp:txXfrm rot="16200000">
+        <a:off x="1143570" y="1597019"/>
+        <a:ext cx="326991" cy="523388"/>
       </dsp:txXfrm>
     </dsp:sp>
     <dsp:sp modelId="{4EAF56E9-1DD7-4CB7-87A1-A24E0435FB05}">
@@ -16441,8 +16529,8 @@
         </a:p>
       </dsp:txBody>
       <dsp:txXfrm>
-        <a:off x="762813" y="227036"/>
-        <a:ext cx="1088504" cy="1088504"/>
+        <a:off x="537377" y="1600"/>
+        <a:ext cx="1539376" cy="1539376"/>
       </dsp:txXfrm>
     </dsp:sp>
   </dsp:spTree>
@@ -16450,7 +16538,7 @@
 </file>
 
 <file path=ppt/diagrams/drawing2.xml><?xml version="1.0" encoding="utf-8"?>
-<dsp:drawing xmlns:dgm="http://schemas.openxmlformats.org/drawingml/2006/diagram" xmlns:dsp="http://schemas.microsoft.com/office/drawing/2008/diagram" xmlns:a="http://schemas.openxmlformats.org/drawingml/2006/main">
+<dsp:drawing xmlns:dgm="http://schemas.openxmlformats.org/drawingml/2006/diagram" xmlns:a="http://schemas.openxmlformats.org/drawingml/2006/main" xmlns:dsp="http://schemas.microsoft.com/office/drawing/2008/diagram">
   <dsp:spTree>
     <dsp:nvGrpSpPr>
       <dsp:cNvPr id="0" name=""/>
@@ -16530,8 +16618,8 @@
         </a:p>
       </dsp:txBody>
       <dsp:txXfrm>
-        <a:off x="400053" y="0"/>
-        <a:ext cx="1200159" cy="800105"/>
+        <a:off x="0" y="0"/>
+        <a:ext cx="2000264" cy="800105"/>
       </dsp:txXfrm>
     </dsp:sp>
   </dsp:spTree>
@@ -16539,7 +16627,7 @@
 </file>
 
 <file path=ppt/diagrams/drawing3.xml><?xml version="1.0" encoding="utf-8"?>
-<dsp:drawing xmlns:dgm="http://schemas.openxmlformats.org/drawingml/2006/diagram" xmlns:dsp="http://schemas.microsoft.com/office/drawing/2008/diagram" xmlns:a="http://schemas.openxmlformats.org/drawingml/2006/main">
+<dsp:drawing xmlns:dgm="http://schemas.openxmlformats.org/drawingml/2006/diagram" xmlns:a="http://schemas.openxmlformats.org/drawingml/2006/main" xmlns:dsp="http://schemas.microsoft.com/office/drawing/2008/diagram">
   <dsp:spTree>
     <dsp:nvGrpSpPr>
       <dsp:cNvPr id="0" name=""/>
@@ -16619,8 +16707,8 @@
         </a:p>
       </dsp:txBody>
       <dsp:txXfrm>
-        <a:off x="400053" y="128588"/>
-        <a:ext cx="1200159" cy="800105"/>
+        <a:off x="0" y="128588"/>
+        <a:ext cx="2000264" cy="800105"/>
       </dsp:txXfrm>
     </dsp:sp>
   </dsp:spTree>
@@ -16628,7 +16716,7 @@
 </file>
 
 <file path=ppt/diagrams/drawing4.xml><?xml version="1.0" encoding="utf-8"?>
-<dsp:drawing xmlns:dgm="http://schemas.openxmlformats.org/drawingml/2006/diagram" xmlns:dsp="http://schemas.microsoft.com/office/drawing/2008/diagram" xmlns:a="http://schemas.openxmlformats.org/drawingml/2006/main">
+<dsp:drawing xmlns:dgm="http://schemas.openxmlformats.org/drawingml/2006/diagram" xmlns:a="http://schemas.openxmlformats.org/drawingml/2006/main" xmlns:dsp="http://schemas.microsoft.com/office/drawing/2008/diagram">
   <dsp:spTree>
     <dsp:nvGrpSpPr>
       <dsp:cNvPr id="0" name=""/>
@@ -16711,8 +16799,8 @@
         </a:p>
       </dsp:txBody>
       <dsp:txXfrm>
-        <a:off x="3525805" y="2077987"/>
-        <a:ext cx="1571186" cy="1571186"/>
+        <a:off x="3200402" y="1752584"/>
+        <a:ext cx="2221992" cy="2221992"/>
       </dsp:txXfrm>
     </dsp:sp>
     <dsp:sp modelId="{A497B385-EBB7-4667-B86A-2C16F7685D0D}">
@@ -16838,8 +16926,8 @@
         </a:p>
       </dsp:txBody>
       <dsp:txXfrm>
-        <a:off x="1192451" y="4011869"/>
-        <a:ext cx="2011970" cy="1589791"/>
+        <a:off x="1142990" y="3962408"/>
+        <a:ext cx="2110892" cy="1688713"/>
       </dsp:txXfrm>
     </dsp:sp>
     <dsp:sp modelId="{FBE4C170-3664-419C-B0EB-3DCEFB167F5C}">
@@ -16965,8 +17053,8 @@
         </a:p>
       </dsp:txBody>
       <dsp:txXfrm>
-        <a:off x="49469" y="2030655"/>
-        <a:ext cx="2011970" cy="1589791"/>
+        <a:off x="8" y="1981194"/>
+        <a:ext cx="2110892" cy="1688713"/>
       </dsp:txXfrm>
     </dsp:sp>
     <dsp:sp modelId="{58C112E9-B04B-49F3-8D98-591AEB55C9C0}">
@@ -17092,8 +17180,8 @@
         </a:p>
       </dsp:txBody>
       <dsp:txXfrm>
-        <a:off x="1192455" y="49461"/>
-        <a:ext cx="2011970" cy="1589791"/>
+        <a:off x="1142994" y="0"/>
+        <a:ext cx="2110892" cy="1688713"/>
       </dsp:txXfrm>
     </dsp:sp>
     <dsp:sp modelId="{29AA9764-D645-4913-BA66-1A208AC75DAF}">
@@ -17219,8 +17307,8 @@
         </a:p>
       </dsp:txBody>
       <dsp:txXfrm>
-        <a:off x="6145479" y="2106867"/>
-        <a:ext cx="2011970" cy="1589791"/>
+        <a:off x="6096018" y="2057406"/>
+        <a:ext cx="2110892" cy="1688713"/>
       </dsp:txXfrm>
     </dsp:sp>
   </dsp:spTree>
@@ -17228,7 +17316,7 @@
 </file>
 
 <file path=ppt/diagrams/drawing5.xml><?xml version="1.0" encoding="utf-8"?>
-<dsp:drawing xmlns:dgm="http://schemas.openxmlformats.org/drawingml/2006/diagram" xmlns:dsp="http://schemas.microsoft.com/office/drawing/2008/diagram" xmlns:a="http://schemas.openxmlformats.org/drawingml/2006/main">
+<dsp:drawing xmlns:dgm="http://schemas.openxmlformats.org/drawingml/2006/diagram" xmlns:a="http://schemas.openxmlformats.org/drawingml/2006/main" xmlns:dsp="http://schemas.microsoft.com/office/drawing/2008/diagram">
   <dsp:spTree>
     <dsp:nvGrpSpPr>
       <dsp:cNvPr id="0" name=""/>
@@ -17243,7 +17331,7 @@
       <dsp:spPr>
         <a:xfrm>
           <a:off x="3274" y="0"/>
-          <a:ext cx="3349525" cy="1066799"/>
+          <a:ext cx="3349525" cy="1066800"/>
         </a:xfrm>
         <a:prstGeom prst="chevron">
           <a:avLst/>
@@ -17345,8 +17433,8 @@
         </a:p>
       </dsp:txBody>
       <dsp:txXfrm>
-        <a:off x="536674" y="0"/>
-        <a:ext cx="2282726" cy="1066799"/>
+        <a:off x="3274" y="0"/>
+        <a:ext cx="3349525" cy="1066800"/>
       </dsp:txXfrm>
     </dsp:sp>
   </dsp:spTree>
@@ -17354,7 +17442,7 @@
 </file>
 
 <file path=ppt/diagrams/drawing6.xml><?xml version="1.0" encoding="utf-8"?>
-<dsp:drawing xmlns:dgm="http://schemas.openxmlformats.org/drawingml/2006/diagram" xmlns:dsp="http://schemas.microsoft.com/office/drawing/2008/diagram" xmlns:a="http://schemas.openxmlformats.org/drawingml/2006/main">
+<dsp:drawing xmlns:dgm="http://schemas.openxmlformats.org/drawingml/2006/diagram" xmlns:a="http://schemas.openxmlformats.org/drawingml/2006/main" xmlns:dsp="http://schemas.microsoft.com/office/drawing/2008/diagram">
   <dsp:spTree>
     <dsp:nvGrpSpPr>
       <dsp:cNvPr id="0" name=""/>
@@ -17476,8 +17564,8 @@
         </a:p>
       </dsp:txBody>
       <dsp:txXfrm>
-        <a:off x="66955" y="219355"/>
-        <a:ext cx="2152090" cy="2812492"/>
+        <a:off x="0" y="152400"/>
+        <a:ext cx="2286000" cy="2946402"/>
       </dsp:txXfrm>
     </dsp:sp>
   </dsp:spTree>
@@ -17485,7 +17573,7 @@
 </file>
 
 <file path=ppt/diagrams/drawing7.xml><?xml version="1.0" encoding="utf-8"?>
-<dsp:drawing xmlns:dgm="http://schemas.openxmlformats.org/drawingml/2006/diagram" xmlns:dsp="http://schemas.microsoft.com/office/drawing/2008/diagram" xmlns:a="http://schemas.openxmlformats.org/drawingml/2006/main">
+<dsp:drawing xmlns:dgm="http://schemas.openxmlformats.org/drawingml/2006/diagram" xmlns:a="http://schemas.openxmlformats.org/drawingml/2006/main" xmlns:dsp="http://schemas.microsoft.com/office/drawing/2008/diagram">
   <dsp:spTree>
     <dsp:nvGrpSpPr>
       <dsp:cNvPr id="0" name=""/>
@@ -17596,9 +17684,9 @@
           <a:endParaRPr lang="en-IN" sz="1300" kern="1200" dirty="0"/>
         </a:p>
       </dsp:txBody>
-      <dsp:txXfrm rot="-5400000">
-        <a:off x="905241" y="187823"/>
-        <a:ext cx="1572123" cy="687543"/>
+      <dsp:txXfrm rot="5400000">
+        <a:off x="1328933" y="-273064"/>
+        <a:ext cx="761933" cy="1609318"/>
       </dsp:txXfrm>
     </dsp:sp>
     <dsp:sp modelId="{02488AD4-9946-4F35-8BA6-8E72F9CDB87E}">
@@ -17710,8 +17798,8 @@
         </a:p>
       </dsp:txBody>
       <dsp:txXfrm>
-        <a:off x="44190" y="46285"/>
-        <a:ext cx="816861" cy="970617"/>
+        <a:off x="0" y="2095"/>
+        <a:ext cx="905241" cy="1058997"/>
       </dsp:txXfrm>
     </dsp:sp>
     <dsp:sp modelId="{0670FEEE-F7AF-4AED-9012-363BC48189C2}">
@@ -17818,9 +17906,9 @@
           <a:endParaRPr lang="en-IN" sz="1800" kern="1200" dirty="0"/>
         </a:p>
       </dsp:txBody>
-      <dsp:txXfrm rot="-5400000">
-        <a:off x="905241" y="1504322"/>
-        <a:ext cx="1530758" cy="1787779"/>
+      <dsp:txXfrm rot="5400000">
+        <a:off x="737451" y="1593552"/>
+        <a:ext cx="1944899" cy="1609318"/>
       </dsp:txXfrm>
     </dsp:sp>
     <dsp:sp modelId="{5AC14FB5-BFFF-42E7-80BB-5CB2D5CC2E48}">
@@ -17932,8 +18020,8 @@
         </a:p>
       </dsp:txBody>
       <dsp:txXfrm>
-        <a:off x="44190" y="1226839"/>
-        <a:ext cx="816861" cy="2342744"/>
+        <a:off x="0" y="1182649"/>
+        <a:ext cx="905241" cy="2431124"/>
       </dsp:txXfrm>
     </dsp:sp>
     <dsp:sp modelId="{03C447E2-9E25-435B-BEEA-50663D1FA8CF}">
@@ -18040,9 +18128,9 @@
           <a:endParaRPr lang="en-IN" sz="1300" kern="1200" dirty="0"/>
         </a:p>
       </dsp:txBody>
-      <dsp:txXfrm rot="-5400000">
-        <a:off x="905241" y="3893426"/>
-        <a:ext cx="1573544" cy="661290"/>
+      <dsp:txXfrm rot="5400000">
+        <a:off x="1343481" y="3419412"/>
+        <a:ext cx="732838" cy="1609318"/>
       </dsp:txXfrm>
     </dsp:sp>
     <dsp:sp modelId="{C386F76F-043F-4D44-83DB-ACD58E698EB6}">
@@ -18154,8 +18242,8 @@
         </a:p>
       </dsp:txBody>
       <dsp:txXfrm>
-        <a:off x="44190" y="3779520"/>
-        <a:ext cx="816861" cy="889102"/>
+        <a:off x="0" y="3735330"/>
+        <a:ext cx="905241" cy="977482"/>
       </dsp:txXfrm>
     </dsp:sp>
   </dsp:spTree>
@@ -18163,7 +18251,7 @@
 </file>
 
 <file path=ppt/diagrams/drawing8.xml><?xml version="1.0" encoding="utf-8"?>
-<dsp:drawing xmlns:dgm="http://schemas.openxmlformats.org/drawingml/2006/diagram" xmlns:dsp="http://schemas.microsoft.com/office/drawing/2008/diagram" xmlns:a="http://schemas.openxmlformats.org/drawingml/2006/main">
+<dsp:drawing xmlns:dgm="http://schemas.openxmlformats.org/drawingml/2006/diagram" xmlns:a="http://schemas.openxmlformats.org/drawingml/2006/main" xmlns:dsp="http://schemas.microsoft.com/office/drawing/2008/diagram">
   <dsp:spTree>
     <dsp:nvGrpSpPr>
       <dsp:cNvPr id="0" name=""/>
@@ -18257,8 +18345,8 @@
         </a:p>
       </dsp:txBody>
       <dsp:txXfrm>
-        <a:off x="37878" y="415181"/>
-        <a:ext cx="2025624" cy="1185859"/>
+        <a:off x="984" y="378287"/>
+        <a:ext cx="2099412" cy="1259647"/>
       </dsp:txXfrm>
     </dsp:sp>
     <dsp:sp modelId="{F3B92CFB-CCCE-4BC2-81C0-C168EE61C560}">
@@ -18322,8 +18410,8 @@
         </a:p>
       </dsp:txBody>
       <dsp:txXfrm>
-        <a:off x="2310338" y="851915"/>
-        <a:ext cx="311553" cy="312392"/>
+        <a:off x="2310338" y="747784"/>
+        <a:ext cx="445075" cy="520654"/>
       </dsp:txXfrm>
     </dsp:sp>
     <dsp:sp modelId="{CA81988A-48EA-4A63-BACE-B8FFA50DCF2A}">
@@ -18413,8 +18501,8 @@
         </a:p>
       </dsp:txBody>
       <dsp:txXfrm>
-        <a:off x="2977056" y="415181"/>
-        <a:ext cx="2025624" cy="1185859"/>
+        <a:off x="2940162" y="378287"/>
+        <a:ext cx="2099412" cy="1259647"/>
       </dsp:txXfrm>
     </dsp:sp>
   </dsp:spTree>
@@ -18422,7 +18510,7 @@
 </file>
 
 <file path=ppt/diagrams/drawing9.xml><?xml version="1.0" encoding="utf-8"?>
-<dsp:drawing xmlns:dgm="http://schemas.openxmlformats.org/drawingml/2006/diagram" xmlns:dsp="http://schemas.microsoft.com/office/drawing/2008/diagram" xmlns:a="http://schemas.openxmlformats.org/drawingml/2006/main">
+<dsp:drawing xmlns:dgm="http://schemas.openxmlformats.org/drawingml/2006/diagram" xmlns:a="http://schemas.openxmlformats.org/drawingml/2006/main" xmlns:dsp="http://schemas.microsoft.com/office/drawing/2008/diagram">
   <dsp:spTree>
     <dsp:nvGrpSpPr>
       <dsp:cNvPr id="0" name=""/>
@@ -18516,8 +18604,8 @@
         </a:p>
       </dsp:txBody>
       <dsp:txXfrm>
-        <a:off x="37878" y="415181"/>
-        <a:ext cx="2025624" cy="1185859"/>
+        <a:off x="984" y="378287"/>
+        <a:ext cx="2099412" cy="1259647"/>
       </dsp:txXfrm>
     </dsp:sp>
     <dsp:sp modelId="{F3B92CFB-CCCE-4BC2-81C0-C168EE61C560}">
@@ -18581,8 +18669,8 @@
         </a:p>
       </dsp:txBody>
       <dsp:txXfrm>
-        <a:off x="2310338" y="851915"/>
-        <a:ext cx="311553" cy="312392"/>
+        <a:off x="2310338" y="747784"/>
+        <a:ext cx="445075" cy="520654"/>
       </dsp:txXfrm>
     </dsp:sp>
     <dsp:sp modelId="{CA81988A-48EA-4A63-BACE-B8FFA50DCF2A}">
@@ -18672,8 +18760,8 @@
         </a:p>
       </dsp:txBody>
       <dsp:txXfrm>
-        <a:off x="2977056" y="415181"/>
-        <a:ext cx="2025624" cy="1185859"/>
+        <a:off x="2940162" y="378287"/>
+        <a:ext cx="2099412" cy="1259647"/>
       </dsp:txXfrm>
     </dsp:sp>
   </dsp:spTree>
@@ -36028,6 +36116,1649 @@
 </dgm:styleDef>
 </file>
 
+<file path=ppt/notesMasters/notesMaster1.xml><?xml version="1.0" encoding="utf-8"?>
+<p:notesMaster xmlns:a="http://schemas.openxmlformats.org/drawingml/2006/main" xmlns:r="http://schemas.openxmlformats.org/officeDocument/2006/relationships" xmlns:p="http://schemas.openxmlformats.org/presentationml/2006/main">
+  <p:cSld>
+    <p:bg>
+      <p:bgRef idx="1001">
+        <a:schemeClr val="bg1"/>
+      </p:bgRef>
+    </p:bg>
+    <p:spTree>
+      <p:nvGrpSpPr>
+        <p:cNvPr id="1" name=""/>
+        <p:cNvGrpSpPr/>
+        <p:nvPr/>
+      </p:nvGrpSpPr>
+      <p:grpSpPr>
+        <a:xfrm>
+          <a:off x="0" y="0"/>
+          <a:ext cx="0" cy="0"/>
+          <a:chOff x="0" y="0"/>
+          <a:chExt cx="0" cy="0"/>
+        </a:xfrm>
+      </p:grpSpPr>
+      <p:sp>
+        <p:nvSpPr>
+          <p:cNvPr id="2" name="Header Placeholder 1"/>
+          <p:cNvSpPr>
+            <a:spLocks noGrp="1"/>
+          </p:cNvSpPr>
+          <p:nvPr>
+            <p:ph type="hdr" sz="quarter"/>
+          </p:nvPr>
+        </p:nvSpPr>
+        <p:spPr>
+          <a:xfrm>
+            <a:off x="0" y="0"/>
+            <a:ext cx="2971800" cy="457200"/>
+          </a:xfrm>
+          <a:prstGeom prst="rect">
+            <a:avLst/>
+          </a:prstGeom>
+        </p:spPr>
+        <p:txBody>
+          <a:bodyPr vert="horz" lIns="91440" tIns="45720" rIns="91440" bIns="45720" rtlCol="0"/>
+          <a:lstStyle>
+            <a:lvl1pPr algn="l">
+              <a:defRPr sz="1200"/>
+            </a:lvl1pPr>
+          </a:lstStyle>
+          <a:p>
+            <a:endParaRPr lang="en-US"/>
+          </a:p>
+        </p:txBody>
+      </p:sp>
+      <p:sp>
+        <p:nvSpPr>
+          <p:cNvPr id="3" name="Date Placeholder 2"/>
+          <p:cNvSpPr>
+            <a:spLocks noGrp="1"/>
+          </p:cNvSpPr>
+          <p:nvPr>
+            <p:ph type="dt" idx="1"/>
+          </p:nvPr>
+        </p:nvSpPr>
+        <p:spPr>
+          <a:xfrm>
+            <a:off x="3884613" y="0"/>
+            <a:ext cx="2971800" cy="457200"/>
+          </a:xfrm>
+          <a:prstGeom prst="rect">
+            <a:avLst/>
+          </a:prstGeom>
+        </p:spPr>
+        <p:txBody>
+          <a:bodyPr vert="horz" lIns="91440" tIns="45720" rIns="91440" bIns="45720" rtlCol="0"/>
+          <a:lstStyle>
+            <a:lvl1pPr algn="r">
+              <a:defRPr sz="1200"/>
+            </a:lvl1pPr>
+          </a:lstStyle>
+          <a:p>
+            <a:fld id="{62660B3D-FE32-4980-9033-73A0F366DFAF}" type="datetimeFigureOut">
+              <a:rPr lang="en-US" smtClean="0"/>
+              <a:t>6/15/2013</a:t>
+            </a:fld>
+            <a:endParaRPr lang="en-US"/>
+          </a:p>
+        </p:txBody>
+      </p:sp>
+      <p:sp>
+        <p:nvSpPr>
+          <p:cNvPr id="4" name="Slide Image Placeholder 3"/>
+          <p:cNvSpPr>
+            <a:spLocks noGrp="1" noRot="1" noChangeAspect="1"/>
+          </p:cNvSpPr>
+          <p:nvPr>
+            <p:ph type="sldImg" idx="2"/>
+          </p:nvPr>
+        </p:nvSpPr>
+        <p:spPr>
+          <a:xfrm>
+            <a:off x="1143000" y="685800"/>
+            <a:ext cx="4572000" cy="3429000"/>
+          </a:xfrm>
+          <a:prstGeom prst="rect">
+            <a:avLst/>
+          </a:prstGeom>
+          <a:noFill/>
+          <a:ln w="12700">
+            <a:solidFill>
+              <a:prstClr val="black"/>
+            </a:solidFill>
+          </a:ln>
+        </p:spPr>
+        <p:txBody>
+          <a:bodyPr vert="horz" lIns="91440" tIns="45720" rIns="91440" bIns="45720" rtlCol="0" anchor="ctr"/>
+          <a:lstStyle/>
+          <a:p>
+            <a:endParaRPr lang="en-US"/>
+          </a:p>
+        </p:txBody>
+      </p:sp>
+      <p:sp>
+        <p:nvSpPr>
+          <p:cNvPr id="5" name="Notes Placeholder 4"/>
+          <p:cNvSpPr>
+            <a:spLocks noGrp="1"/>
+          </p:cNvSpPr>
+          <p:nvPr>
+            <p:ph type="body" sz="quarter" idx="3"/>
+          </p:nvPr>
+        </p:nvSpPr>
+        <p:spPr>
+          <a:xfrm>
+            <a:off x="685800" y="4343400"/>
+            <a:ext cx="5486400" cy="4114800"/>
+          </a:xfrm>
+          <a:prstGeom prst="rect">
+            <a:avLst/>
+          </a:prstGeom>
+        </p:spPr>
+        <p:txBody>
+          <a:bodyPr vert="horz" lIns="91440" tIns="45720" rIns="91440" bIns="45720" rtlCol="0">
+            <a:normAutofit/>
+          </a:bodyPr>
+          <a:lstStyle/>
+          <a:p>
+            <a:pPr lvl="0"/>
+            <a:r>
+              <a:rPr lang="en-US" smtClean="0"/>
+              <a:t>Click to edit Master text styles</a:t>
+            </a:r>
+          </a:p>
+          <a:p>
+            <a:pPr lvl="1"/>
+            <a:r>
+              <a:rPr lang="en-US" smtClean="0"/>
+              <a:t>Second level</a:t>
+            </a:r>
+          </a:p>
+          <a:p>
+            <a:pPr lvl="2"/>
+            <a:r>
+              <a:rPr lang="en-US" smtClean="0"/>
+              <a:t>Third level</a:t>
+            </a:r>
+          </a:p>
+          <a:p>
+            <a:pPr lvl="3"/>
+            <a:r>
+              <a:rPr lang="en-US" smtClean="0"/>
+              <a:t>Fourth level</a:t>
+            </a:r>
+          </a:p>
+          <a:p>
+            <a:pPr lvl="4"/>
+            <a:r>
+              <a:rPr lang="en-US" smtClean="0"/>
+              <a:t>Fifth level</a:t>
+            </a:r>
+            <a:endParaRPr lang="en-US"/>
+          </a:p>
+        </p:txBody>
+      </p:sp>
+      <p:sp>
+        <p:nvSpPr>
+          <p:cNvPr id="6" name="Footer Placeholder 5"/>
+          <p:cNvSpPr>
+            <a:spLocks noGrp="1"/>
+          </p:cNvSpPr>
+          <p:nvPr>
+            <p:ph type="ftr" sz="quarter" idx="4"/>
+          </p:nvPr>
+        </p:nvSpPr>
+        <p:spPr>
+          <a:xfrm>
+            <a:off x="0" y="8685213"/>
+            <a:ext cx="2971800" cy="457200"/>
+          </a:xfrm>
+          <a:prstGeom prst="rect">
+            <a:avLst/>
+          </a:prstGeom>
+        </p:spPr>
+        <p:txBody>
+          <a:bodyPr vert="horz" lIns="91440" tIns="45720" rIns="91440" bIns="45720" rtlCol="0" anchor="b"/>
+          <a:lstStyle>
+            <a:lvl1pPr algn="l">
+              <a:defRPr sz="1200"/>
+            </a:lvl1pPr>
+          </a:lstStyle>
+          <a:p>
+            <a:endParaRPr lang="en-US"/>
+          </a:p>
+        </p:txBody>
+      </p:sp>
+      <p:sp>
+        <p:nvSpPr>
+          <p:cNvPr id="7" name="Slide Number Placeholder 6"/>
+          <p:cNvSpPr>
+            <a:spLocks noGrp="1"/>
+          </p:cNvSpPr>
+          <p:nvPr>
+            <p:ph type="sldNum" sz="quarter" idx="5"/>
+          </p:nvPr>
+        </p:nvSpPr>
+        <p:spPr>
+          <a:xfrm>
+            <a:off x="3884613" y="8685213"/>
+            <a:ext cx="2971800" cy="457200"/>
+          </a:xfrm>
+          <a:prstGeom prst="rect">
+            <a:avLst/>
+          </a:prstGeom>
+        </p:spPr>
+        <p:txBody>
+          <a:bodyPr vert="horz" lIns="91440" tIns="45720" rIns="91440" bIns="45720" rtlCol="0" anchor="b"/>
+          <a:lstStyle>
+            <a:lvl1pPr algn="r">
+              <a:defRPr sz="1200"/>
+            </a:lvl1pPr>
+          </a:lstStyle>
+          <a:p>
+            <a:fld id="{1038B51E-4605-4D7A-81F3-593EC1AC8611}" type="slidenum">
+              <a:rPr lang="en-US" smtClean="0"/>
+              <a:t>‹#›</a:t>
+            </a:fld>
+            <a:endParaRPr lang="en-US"/>
+          </a:p>
+        </p:txBody>
+      </p:sp>
+    </p:spTree>
+  </p:cSld>
+  <p:clrMap bg1="lt1" tx1="dk1" bg2="lt2" tx2="dk2" accent1="accent1" accent2="accent2" accent3="accent3" accent4="accent4" accent5="accent5" accent6="accent6" hlink="hlink" folHlink="folHlink"/>
+  <p:notesStyle>
+    <a:lvl1pPr marL="0" algn="l" defTabSz="914400" rtl="0" eaLnBrk="1" latinLnBrk="0" hangingPunct="1">
+      <a:defRPr sz="1200" kern="1200">
+        <a:solidFill>
+          <a:schemeClr val="tx1"/>
+        </a:solidFill>
+        <a:latin typeface="+mn-lt"/>
+        <a:ea typeface="+mn-ea"/>
+        <a:cs typeface="+mn-cs"/>
+      </a:defRPr>
+    </a:lvl1pPr>
+    <a:lvl2pPr marL="457200" algn="l" defTabSz="914400" rtl="0" eaLnBrk="1" latinLnBrk="0" hangingPunct="1">
+      <a:defRPr sz="1200" kern="1200">
+        <a:solidFill>
+          <a:schemeClr val="tx1"/>
+        </a:solidFill>
+        <a:latin typeface="+mn-lt"/>
+        <a:ea typeface="+mn-ea"/>
+        <a:cs typeface="+mn-cs"/>
+      </a:defRPr>
+    </a:lvl2pPr>
+    <a:lvl3pPr marL="914400" algn="l" defTabSz="914400" rtl="0" eaLnBrk="1" latinLnBrk="0" hangingPunct="1">
+      <a:defRPr sz="1200" kern="1200">
+        <a:solidFill>
+          <a:schemeClr val="tx1"/>
+        </a:solidFill>
+        <a:latin typeface="+mn-lt"/>
+        <a:ea typeface="+mn-ea"/>
+        <a:cs typeface="+mn-cs"/>
+      </a:defRPr>
+    </a:lvl3pPr>
+    <a:lvl4pPr marL="1371600" algn="l" defTabSz="914400" rtl="0" eaLnBrk="1" latinLnBrk="0" hangingPunct="1">
+      <a:defRPr sz="1200" kern="1200">
+        <a:solidFill>
+          <a:schemeClr val="tx1"/>
+        </a:solidFill>
+        <a:latin typeface="+mn-lt"/>
+        <a:ea typeface="+mn-ea"/>
+        <a:cs typeface="+mn-cs"/>
+      </a:defRPr>
+    </a:lvl4pPr>
+    <a:lvl5pPr marL="1828800" algn="l" defTabSz="914400" rtl="0" eaLnBrk="1" latinLnBrk="0" hangingPunct="1">
+      <a:defRPr sz="1200" kern="1200">
+        <a:solidFill>
+          <a:schemeClr val="tx1"/>
+        </a:solidFill>
+        <a:latin typeface="+mn-lt"/>
+        <a:ea typeface="+mn-ea"/>
+        <a:cs typeface="+mn-cs"/>
+      </a:defRPr>
+    </a:lvl5pPr>
+    <a:lvl6pPr marL="2286000" algn="l" defTabSz="914400" rtl="0" eaLnBrk="1" latinLnBrk="0" hangingPunct="1">
+      <a:defRPr sz="1200" kern="1200">
+        <a:solidFill>
+          <a:schemeClr val="tx1"/>
+        </a:solidFill>
+        <a:latin typeface="+mn-lt"/>
+        <a:ea typeface="+mn-ea"/>
+        <a:cs typeface="+mn-cs"/>
+      </a:defRPr>
+    </a:lvl6pPr>
+    <a:lvl7pPr marL="2743200" algn="l" defTabSz="914400" rtl="0" eaLnBrk="1" latinLnBrk="0" hangingPunct="1">
+      <a:defRPr sz="1200" kern="1200">
+        <a:solidFill>
+          <a:schemeClr val="tx1"/>
+        </a:solidFill>
+        <a:latin typeface="+mn-lt"/>
+        <a:ea typeface="+mn-ea"/>
+        <a:cs typeface="+mn-cs"/>
+      </a:defRPr>
+    </a:lvl7pPr>
+    <a:lvl8pPr marL="3200400" algn="l" defTabSz="914400" rtl="0" eaLnBrk="1" latinLnBrk="0" hangingPunct="1">
+      <a:defRPr sz="1200" kern="1200">
+        <a:solidFill>
+          <a:schemeClr val="tx1"/>
+        </a:solidFill>
+        <a:latin typeface="+mn-lt"/>
+        <a:ea typeface="+mn-ea"/>
+        <a:cs typeface="+mn-cs"/>
+      </a:defRPr>
+    </a:lvl8pPr>
+    <a:lvl9pPr marL="3657600" algn="l" defTabSz="914400" rtl="0" eaLnBrk="1" latinLnBrk="0" hangingPunct="1">
+      <a:defRPr sz="1200" kern="1200">
+        <a:solidFill>
+          <a:schemeClr val="tx1"/>
+        </a:solidFill>
+        <a:latin typeface="+mn-lt"/>
+        <a:ea typeface="+mn-ea"/>
+        <a:cs typeface="+mn-cs"/>
+      </a:defRPr>
+    </a:lvl9pPr>
+  </p:notesStyle>
+</p:notesMaster>
+</file>
+
+<file path=ppt/notesSlides/notesSlide1.xml><?xml version="1.0" encoding="utf-8"?>
+<p:notes xmlns:a="http://schemas.openxmlformats.org/drawingml/2006/main" xmlns:r="http://schemas.openxmlformats.org/officeDocument/2006/relationships" xmlns:p="http://schemas.openxmlformats.org/presentationml/2006/main">
+  <p:cSld>
+    <p:spTree>
+      <p:nvGrpSpPr>
+        <p:cNvPr id="1" name=""/>
+        <p:cNvGrpSpPr/>
+        <p:nvPr/>
+      </p:nvGrpSpPr>
+      <p:grpSpPr>
+        <a:xfrm>
+          <a:off x="0" y="0"/>
+          <a:ext cx="0" cy="0"/>
+          <a:chOff x="0" y="0"/>
+          <a:chExt cx="0" cy="0"/>
+        </a:xfrm>
+      </p:grpSpPr>
+      <p:sp>
+        <p:nvSpPr>
+          <p:cNvPr id="2" name="Slide Image Placeholder 1"/>
+          <p:cNvSpPr>
+            <a:spLocks noGrp="1" noRot="1" noChangeAspect="1"/>
+          </p:cNvSpPr>
+          <p:nvPr>
+            <p:ph type="sldImg"/>
+          </p:nvPr>
+        </p:nvSpPr>
+        <p:spPr/>
+      </p:sp>
+      <p:sp>
+        <p:nvSpPr>
+          <p:cNvPr id="3" name="Notes Placeholder 2"/>
+          <p:cNvSpPr>
+            <a:spLocks noGrp="1"/>
+          </p:cNvSpPr>
+          <p:nvPr>
+            <p:ph type="body" idx="1"/>
+          </p:nvPr>
+        </p:nvSpPr>
+        <p:spPr/>
+        <p:txBody>
+          <a:bodyPr>
+            <a:normAutofit/>
+          </a:bodyPr>
+          <a:lstStyle/>
+          <a:p>
+            <a:endParaRPr lang="en-US"/>
+          </a:p>
+        </p:txBody>
+      </p:sp>
+      <p:sp>
+        <p:nvSpPr>
+          <p:cNvPr id="4" name="Slide Number Placeholder 3"/>
+          <p:cNvSpPr>
+            <a:spLocks noGrp="1"/>
+          </p:cNvSpPr>
+          <p:nvPr>
+            <p:ph type="sldNum" sz="quarter" idx="10"/>
+          </p:nvPr>
+        </p:nvSpPr>
+        <p:spPr/>
+        <p:txBody>
+          <a:bodyPr/>
+          <a:lstStyle/>
+          <a:p>
+            <a:fld id="{1038B51E-4605-4D7A-81F3-593EC1AC8611}" type="slidenum">
+              <a:rPr lang="en-US" smtClean="0"/>
+              <a:t>1</a:t>
+            </a:fld>
+            <a:endParaRPr lang="en-US"/>
+          </a:p>
+        </p:txBody>
+      </p:sp>
+    </p:spTree>
+  </p:cSld>
+  <p:clrMapOvr>
+    <a:masterClrMapping/>
+  </p:clrMapOvr>
+</p:notes>
+</file>
+
+<file path=ppt/notesSlides/notesSlide10.xml><?xml version="1.0" encoding="utf-8"?>
+<p:notes xmlns:a="http://schemas.openxmlformats.org/drawingml/2006/main" xmlns:r="http://schemas.openxmlformats.org/officeDocument/2006/relationships" xmlns:p="http://schemas.openxmlformats.org/presentationml/2006/main">
+  <p:cSld>
+    <p:spTree>
+      <p:nvGrpSpPr>
+        <p:cNvPr id="1" name=""/>
+        <p:cNvGrpSpPr/>
+        <p:nvPr/>
+      </p:nvGrpSpPr>
+      <p:grpSpPr>
+        <a:xfrm>
+          <a:off x="0" y="0"/>
+          <a:ext cx="0" cy="0"/>
+          <a:chOff x="0" y="0"/>
+          <a:chExt cx="0" cy="0"/>
+        </a:xfrm>
+      </p:grpSpPr>
+      <p:sp>
+        <p:nvSpPr>
+          <p:cNvPr id="2" name="Slide Image Placeholder 1"/>
+          <p:cNvSpPr>
+            <a:spLocks noGrp="1" noRot="1" noChangeAspect="1"/>
+          </p:cNvSpPr>
+          <p:nvPr>
+            <p:ph type="sldImg"/>
+          </p:nvPr>
+        </p:nvSpPr>
+        <p:spPr/>
+      </p:sp>
+      <p:sp>
+        <p:nvSpPr>
+          <p:cNvPr id="3" name="Notes Placeholder 2"/>
+          <p:cNvSpPr>
+            <a:spLocks noGrp="1"/>
+          </p:cNvSpPr>
+          <p:nvPr>
+            <p:ph type="body" idx="1"/>
+          </p:nvPr>
+        </p:nvSpPr>
+        <p:spPr/>
+        <p:txBody>
+          <a:bodyPr>
+            <a:normAutofit/>
+          </a:bodyPr>
+          <a:lstStyle/>
+          <a:p>
+            <a:endParaRPr lang="en-US"/>
+          </a:p>
+        </p:txBody>
+      </p:sp>
+      <p:sp>
+        <p:nvSpPr>
+          <p:cNvPr id="4" name="Slide Number Placeholder 3"/>
+          <p:cNvSpPr>
+            <a:spLocks noGrp="1"/>
+          </p:cNvSpPr>
+          <p:nvPr>
+            <p:ph type="sldNum" sz="quarter" idx="10"/>
+          </p:nvPr>
+        </p:nvSpPr>
+        <p:spPr/>
+        <p:txBody>
+          <a:bodyPr/>
+          <a:lstStyle/>
+          <a:p>
+            <a:fld id="{1038B51E-4605-4D7A-81F3-593EC1AC8611}" type="slidenum">
+              <a:rPr lang="en-US" smtClean="0"/>
+              <a:t>10</a:t>
+            </a:fld>
+            <a:endParaRPr lang="en-US"/>
+          </a:p>
+        </p:txBody>
+      </p:sp>
+    </p:spTree>
+  </p:cSld>
+  <p:clrMapOvr>
+    <a:masterClrMapping/>
+  </p:clrMapOvr>
+</p:notes>
+</file>
+
+<file path=ppt/notesSlides/notesSlide11.xml><?xml version="1.0" encoding="utf-8"?>
+<p:notes xmlns:a="http://schemas.openxmlformats.org/drawingml/2006/main" xmlns:r="http://schemas.openxmlformats.org/officeDocument/2006/relationships" xmlns:p="http://schemas.openxmlformats.org/presentationml/2006/main">
+  <p:cSld>
+    <p:spTree>
+      <p:nvGrpSpPr>
+        <p:cNvPr id="1" name=""/>
+        <p:cNvGrpSpPr/>
+        <p:nvPr/>
+      </p:nvGrpSpPr>
+      <p:grpSpPr>
+        <a:xfrm>
+          <a:off x="0" y="0"/>
+          <a:ext cx="0" cy="0"/>
+          <a:chOff x="0" y="0"/>
+          <a:chExt cx="0" cy="0"/>
+        </a:xfrm>
+      </p:grpSpPr>
+      <p:sp>
+        <p:nvSpPr>
+          <p:cNvPr id="2" name="Slide Image Placeholder 1"/>
+          <p:cNvSpPr>
+            <a:spLocks noGrp="1" noRot="1" noChangeAspect="1"/>
+          </p:cNvSpPr>
+          <p:nvPr>
+            <p:ph type="sldImg"/>
+          </p:nvPr>
+        </p:nvSpPr>
+        <p:spPr/>
+      </p:sp>
+      <p:sp>
+        <p:nvSpPr>
+          <p:cNvPr id="3" name="Notes Placeholder 2"/>
+          <p:cNvSpPr>
+            <a:spLocks noGrp="1"/>
+          </p:cNvSpPr>
+          <p:nvPr>
+            <p:ph type="body" idx="1"/>
+          </p:nvPr>
+        </p:nvSpPr>
+        <p:spPr/>
+        <p:txBody>
+          <a:bodyPr>
+            <a:normAutofit/>
+          </a:bodyPr>
+          <a:lstStyle/>
+          <a:p>
+            <a:endParaRPr lang="en-US"/>
+          </a:p>
+        </p:txBody>
+      </p:sp>
+      <p:sp>
+        <p:nvSpPr>
+          <p:cNvPr id="4" name="Slide Number Placeholder 3"/>
+          <p:cNvSpPr>
+            <a:spLocks noGrp="1"/>
+          </p:cNvSpPr>
+          <p:nvPr>
+            <p:ph type="sldNum" sz="quarter" idx="10"/>
+          </p:nvPr>
+        </p:nvSpPr>
+        <p:spPr/>
+        <p:txBody>
+          <a:bodyPr/>
+          <a:lstStyle/>
+          <a:p>
+            <a:fld id="{1038B51E-4605-4D7A-81F3-593EC1AC8611}" type="slidenum">
+              <a:rPr lang="en-US" smtClean="0"/>
+              <a:t>11</a:t>
+            </a:fld>
+            <a:endParaRPr lang="en-US"/>
+          </a:p>
+        </p:txBody>
+      </p:sp>
+    </p:spTree>
+  </p:cSld>
+  <p:clrMapOvr>
+    <a:masterClrMapping/>
+  </p:clrMapOvr>
+</p:notes>
+</file>
+
+<file path=ppt/notesSlides/notesSlide12.xml><?xml version="1.0" encoding="utf-8"?>
+<p:notes xmlns:a="http://schemas.openxmlformats.org/drawingml/2006/main" xmlns:r="http://schemas.openxmlformats.org/officeDocument/2006/relationships" xmlns:p="http://schemas.openxmlformats.org/presentationml/2006/main">
+  <p:cSld>
+    <p:spTree>
+      <p:nvGrpSpPr>
+        <p:cNvPr id="1" name=""/>
+        <p:cNvGrpSpPr/>
+        <p:nvPr/>
+      </p:nvGrpSpPr>
+      <p:grpSpPr>
+        <a:xfrm>
+          <a:off x="0" y="0"/>
+          <a:ext cx="0" cy="0"/>
+          <a:chOff x="0" y="0"/>
+          <a:chExt cx="0" cy="0"/>
+        </a:xfrm>
+      </p:grpSpPr>
+      <p:sp>
+        <p:nvSpPr>
+          <p:cNvPr id="2" name="Slide Image Placeholder 1"/>
+          <p:cNvSpPr>
+            <a:spLocks noGrp="1" noRot="1" noChangeAspect="1"/>
+          </p:cNvSpPr>
+          <p:nvPr>
+            <p:ph type="sldImg"/>
+          </p:nvPr>
+        </p:nvSpPr>
+        <p:spPr/>
+      </p:sp>
+      <p:sp>
+        <p:nvSpPr>
+          <p:cNvPr id="3" name="Notes Placeholder 2"/>
+          <p:cNvSpPr>
+            <a:spLocks noGrp="1"/>
+          </p:cNvSpPr>
+          <p:nvPr>
+            <p:ph type="body" idx="1"/>
+          </p:nvPr>
+        </p:nvSpPr>
+        <p:spPr/>
+        <p:txBody>
+          <a:bodyPr>
+            <a:normAutofit/>
+          </a:bodyPr>
+          <a:lstStyle/>
+          <a:p>
+            <a:endParaRPr lang="en-US"/>
+          </a:p>
+        </p:txBody>
+      </p:sp>
+      <p:sp>
+        <p:nvSpPr>
+          <p:cNvPr id="4" name="Slide Number Placeholder 3"/>
+          <p:cNvSpPr>
+            <a:spLocks noGrp="1"/>
+          </p:cNvSpPr>
+          <p:nvPr>
+            <p:ph type="sldNum" sz="quarter" idx="10"/>
+          </p:nvPr>
+        </p:nvSpPr>
+        <p:spPr/>
+        <p:txBody>
+          <a:bodyPr/>
+          <a:lstStyle/>
+          <a:p>
+            <a:fld id="{1038B51E-4605-4D7A-81F3-593EC1AC8611}" type="slidenum">
+              <a:rPr lang="en-US" smtClean="0"/>
+              <a:t>12</a:t>
+            </a:fld>
+            <a:endParaRPr lang="en-US"/>
+          </a:p>
+        </p:txBody>
+      </p:sp>
+    </p:spTree>
+  </p:cSld>
+  <p:clrMapOvr>
+    <a:masterClrMapping/>
+  </p:clrMapOvr>
+</p:notes>
+</file>
+
+<file path=ppt/notesSlides/notesSlide13.xml><?xml version="1.0" encoding="utf-8"?>
+<p:notes xmlns:a="http://schemas.openxmlformats.org/drawingml/2006/main" xmlns:r="http://schemas.openxmlformats.org/officeDocument/2006/relationships" xmlns:p="http://schemas.openxmlformats.org/presentationml/2006/main">
+  <p:cSld>
+    <p:spTree>
+      <p:nvGrpSpPr>
+        <p:cNvPr id="1" name=""/>
+        <p:cNvGrpSpPr/>
+        <p:nvPr/>
+      </p:nvGrpSpPr>
+      <p:grpSpPr>
+        <a:xfrm>
+          <a:off x="0" y="0"/>
+          <a:ext cx="0" cy="0"/>
+          <a:chOff x="0" y="0"/>
+          <a:chExt cx="0" cy="0"/>
+        </a:xfrm>
+      </p:grpSpPr>
+      <p:sp>
+        <p:nvSpPr>
+          <p:cNvPr id="2" name="Slide Image Placeholder 1"/>
+          <p:cNvSpPr>
+            <a:spLocks noGrp="1" noRot="1" noChangeAspect="1"/>
+          </p:cNvSpPr>
+          <p:nvPr>
+            <p:ph type="sldImg"/>
+          </p:nvPr>
+        </p:nvSpPr>
+        <p:spPr/>
+      </p:sp>
+      <p:sp>
+        <p:nvSpPr>
+          <p:cNvPr id="3" name="Notes Placeholder 2"/>
+          <p:cNvSpPr>
+            <a:spLocks noGrp="1"/>
+          </p:cNvSpPr>
+          <p:nvPr>
+            <p:ph type="body" idx="1"/>
+          </p:nvPr>
+        </p:nvSpPr>
+        <p:spPr/>
+        <p:txBody>
+          <a:bodyPr>
+            <a:normAutofit/>
+          </a:bodyPr>
+          <a:lstStyle/>
+          <a:p>
+            <a:endParaRPr lang="en-US"/>
+          </a:p>
+        </p:txBody>
+      </p:sp>
+      <p:sp>
+        <p:nvSpPr>
+          <p:cNvPr id="4" name="Slide Number Placeholder 3"/>
+          <p:cNvSpPr>
+            <a:spLocks noGrp="1"/>
+          </p:cNvSpPr>
+          <p:nvPr>
+            <p:ph type="sldNum" sz="quarter" idx="10"/>
+          </p:nvPr>
+        </p:nvSpPr>
+        <p:spPr/>
+        <p:txBody>
+          <a:bodyPr/>
+          <a:lstStyle/>
+          <a:p>
+            <a:fld id="{1038B51E-4605-4D7A-81F3-593EC1AC8611}" type="slidenum">
+              <a:rPr lang="en-US" smtClean="0"/>
+              <a:t>13</a:t>
+            </a:fld>
+            <a:endParaRPr lang="en-US"/>
+          </a:p>
+        </p:txBody>
+      </p:sp>
+    </p:spTree>
+  </p:cSld>
+  <p:clrMapOvr>
+    <a:masterClrMapping/>
+  </p:clrMapOvr>
+</p:notes>
+</file>
+
+<file path=ppt/notesSlides/notesSlide14.xml><?xml version="1.0" encoding="utf-8"?>
+<p:notes xmlns:a="http://schemas.openxmlformats.org/drawingml/2006/main" xmlns:r="http://schemas.openxmlformats.org/officeDocument/2006/relationships" xmlns:p="http://schemas.openxmlformats.org/presentationml/2006/main">
+  <p:cSld>
+    <p:spTree>
+      <p:nvGrpSpPr>
+        <p:cNvPr id="1" name=""/>
+        <p:cNvGrpSpPr/>
+        <p:nvPr/>
+      </p:nvGrpSpPr>
+      <p:grpSpPr>
+        <a:xfrm>
+          <a:off x="0" y="0"/>
+          <a:ext cx="0" cy="0"/>
+          <a:chOff x="0" y="0"/>
+          <a:chExt cx="0" cy="0"/>
+        </a:xfrm>
+      </p:grpSpPr>
+      <p:sp>
+        <p:nvSpPr>
+          <p:cNvPr id="2" name="Slide Image Placeholder 1"/>
+          <p:cNvSpPr>
+            <a:spLocks noGrp="1" noRot="1" noChangeAspect="1"/>
+          </p:cNvSpPr>
+          <p:nvPr>
+            <p:ph type="sldImg"/>
+          </p:nvPr>
+        </p:nvSpPr>
+        <p:spPr/>
+      </p:sp>
+      <p:sp>
+        <p:nvSpPr>
+          <p:cNvPr id="3" name="Notes Placeholder 2"/>
+          <p:cNvSpPr>
+            <a:spLocks noGrp="1"/>
+          </p:cNvSpPr>
+          <p:nvPr>
+            <p:ph type="body" idx="1"/>
+          </p:nvPr>
+        </p:nvSpPr>
+        <p:spPr/>
+        <p:txBody>
+          <a:bodyPr>
+            <a:normAutofit/>
+          </a:bodyPr>
+          <a:lstStyle/>
+          <a:p>
+            <a:endParaRPr lang="en-US"/>
+          </a:p>
+        </p:txBody>
+      </p:sp>
+      <p:sp>
+        <p:nvSpPr>
+          <p:cNvPr id="4" name="Slide Number Placeholder 3"/>
+          <p:cNvSpPr>
+            <a:spLocks noGrp="1"/>
+          </p:cNvSpPr>
+          <p:nvPr>
+            <p:ph type="sldNum" sz="quarter" idx="10"/>
+          </p:nvPr>
+        </p:nvSpPr>
+        <p:spPr/>
+        <p:txBody>
+          <a:bodyPr/>
+          <a:lstStyle/>
+          <a:p>
+            <a:fld id="{1038B51E-4605-4D7A-81F3-593EC1AC8611}" type="slidenum">
+              <a:rPr lang="en-US" smtClean="0"/>
+              <a:t>14</a:t>
+            </a:fld>
+            <a:endParaRPr lang="en-US"/>
+          </a:p>
+        </p:txBody>
+      </p:sp>
+    </p:spTree>
+  </p:cSld>
+  <p:clrMapOvr>
+    <a:masterClrMapping/>
+  </p:clrMapOvr>
+</p:notes>
+</file>
+
+<file path=ppt/notesSlides/notesSlide15.xml><?xml version="1.0" encoding="utf-8"?>
+<p:notes xmlns:a="http://schemas.openxmlformats.org/drawingml/2006/main" xmlns:r="http://schemas.openxmlformats.org/officeDocument/2006/relationships" xmlns:p="http://schemas.openxmlformats.org/presentationml/2006/main">
+  <p:cSld>
+    <p:spTree>
+      <p:nvGrpSpPr>
+        <p:cNvPr id="1" name=""/>
+        <p:cNvGrpSpPr/>
+        <p:nvPr/>
+      </p:nvGrpSpPr>
+      <p:grpSpPr>
+        <a:xfrm>
+          <a:off x="0" y="0"/>
+          <a:ext cx="0" cy="0"/>
+          <a:chOff x="0" y="0"/>
+          <a:chExt cx="0" cy="0"/>
+        </a:xfrm>
+      </p:grpSpPr>
+      <p:sp>
+        <p:nvSpPr>
+          <p:cNvPr id="2" name="Slide Image Placeholder 1"/>
+          <p:cNvSpPr>
+            <a:spLocks noGrp="1" noRot="1" noChangeAspect="1"/>
+          </p:cNvSpPr>
+          <p:nvPr>
+            <p:ph type="sldImg"/>
+          </p:nvPr>
+        </p:nvSpPr>
+        <p:spPr/>
+      </p:sp>
+      <p:sp>
+        <p:nvSpPr>
+          <p:cNvPr id="3" name="Notes Placeholder 2"/>
+          <p:cNvSpPr>
+            <a:spLocks noGrp="1"/>
+          </p:cNvSpPr>
+          <p:nvPr>
+            <p:ph type="body" idx="1"/>
+          </p:nvPr>
+        </p:nvSpPr>
+        <p:spPr/>
+        <p:txBody>
+          <a:bodyPr>
+            <a:normAutofit/>
+          </a:bodyPr>
+          <a:lstStyle/>
+          <a:p>
+            <a:endParaRPr lang="en-US"/>
+          </a:p>
+        </p:txBody>
+      </p:sp>
+      <p:sp>
+        <p:nvSpPr>
+          <p:cNvPr id="4" name="Slide Number Placeholder 3"/>
+          <p:cNvSpPr>
+            <a:spLocks noGrp="1"/>
+          </p:cNvSpPr>
+          <p:nvPr>
+            <p:ph type="sldNum" sz="quarter" idx="10"/>
+          </p:nvPr>
+        </p:nvSpPr>
+        <p:spPr/>
+        <p:txBody>
+          <a:bodyPr/>
+          <a:lstStyle/>
+          <a:p>
+            <a:fld id="{1038B51E-4605-4D7A-81F3-593EC1AC8611}" type="slidenum">
+              <a:rPr lang="en-US" smtClean="0"/>
+              <a:t>15</a:t>
+            </a:fld>
+            <a:endParaRPr lang="en-US"/>
+          </a:p>
+        </p:txBody>
+      </p:sp>
+    </p:spTree>
+  </p:cSld>
+  <p:clrMapOvr>
+    <a:masterClrMapping/>
+  </p:clrMapOvr>
+</p:notes>
+</file>
+
+<file path=ppt/notesSlides/notesSlide16.xml><?xml version="1.0" encoding="utf-8"?>
+<p:notes xmlns:a="http://schemas.openxmlformats.org/drawingml/2006/main" xmlns:r="http://schemas.openxmlformats.org/officeDocument/2006/relationships" xmlns:p="http://schemas.openxmlformats.org/presentationml/2006/main">
+  <p:cSld>
+    <p:spTree>
+      <p:nvGrpSpPr>
+        <p:cNvPr id="1" name=""/>
+        <p:cNvGrpSpPr/>
+        <p:nvPr/>
+      </p:nvGrpSpPr>
+      <p:grpSpPr>
+        <a:xfrm>
+          <a:off x="0" y="0"/>
+          <a:ext cx="0" cy="0"/>
+          <a:chOff x="0" y="0"/>
+          <a:chExt cx="0" cy="0"/>
+        </a:xfrm>
+      </p:grpSpPr>
+      <p:sp>
+        <p:nvSpPr>
+          <p:cNvPr id="2" name="Slide Image Placeholder 1"/>
+          <p:cNvSpPr>
+            <a:spLocks noGrp="1" noRot="1" noChangeAspect="1"/>
+          </p:cNvSpPr>
+          <p:nvPr>
+            <p:ph type="sldImg"/>
+          </p:nvPr>
+        </p:nvSpPr>
+        <p:spPr/>
+      </p:sp>
+      <p:sp>
+        <p:nvSpPr>
+          <p:cNvPr id="3" name="Notes Placeholder 2"/>
+          <p:cNvSpPr>
+            <a:spLocks noGrp="1"/>
+          </p:cNvSpPr>
+          <p:nvPr>
+            <p:ph type="body" idx="1"/>
+          </p:nvPr>
+        </p:nvSpPr>
+        <p:spPr/>
+        <p:txBody>
+          <a:bodyPr>
+            <a:normAutofit/>
+          </a:bodyPr>
+          <a:lstStyle/>
+          <a:p>
+            <a:endParaRPr lang="en-US"/>
+          </a:p>
+        </p:txBody>
+      </p:sp>
+      <p:sp>
+        <p:nvSpPr>
+          <p:cNvPr id="4" name="Slide Number Placeholder 3"/>
+          <p:cNvSpPr>
+            <a:spLocks noGrp="1"/>
+          </p:cNvSpPr>
+          <p:nvPr>
+            <p:ph type="sldNum" sz="quarter" idx="10"/>
+          </p:nvPr>
+        </p:nvSpPr>
+        <p:spPr/>
+        <p:txBody>
+          <a:bodyPr/>
+          <a:lstStyle/>
+          <a:p>
+            <a:fld id="{1038B51E-4605-4D7A-81F3-593EC1AC8611}" type="slidenum">
+              <a:rPr lang="en-US" smtClean="0"/>
+              <a:t>16</a:t>
+            </a:fld>
+            <a:endParaRPr lang="en-US"/>
+          </a:p>
+        </p:txBody>
+      </p:sp>
+    </p:spTree>
+  </p:cSld>
+  <p:clrMapOvr>
+    <a:masterClrMapping/>
+  </p:clrMapOvr>
+</p:notes>
+</file>
+
+<file path=ppt/notesSlides/notesSlide2.xml><?xml version="1.0" encoding="utf-8"?>
+<p:notes xmlns:a="http://schemas.openxmlformats.org/drawingml/2006/main" xmlns:r="http://schemas.openxmlformats.org/officeDocument/2006/relationships" xmlns:p="http://schemas.openxmlformats.org/presentationml/2006/main">
+  <p:cSld>
+    <p:spTree>
+      <p:nvGrpSpPr>
+        <p:cNvPr id="1" name=""/>
+        <p:cNvGrpSpPr/>
+        <p:nvPr/>
+      </p:nvGrpSpPr>
+      <p:grpSpPr>
+        <a:xfrm>
+          <a:off x="0" y="0"/>
+          <a:ext cx="0" cy="0"/>
+          <a:chOff x="0" y="0"/>
+          <a:chExt cx="0" cy="0"/>
+        </a:xfrm>
+      </p:grpSpPr>
+      <p:sp>
+        <p:nvSpPr>
+          <p:cNvPr id="2" name="Slide Image Placeholder 1"/>
+          <p:cNvSpPr>
+            <a:spLocks noGrp="1" noRot="1" noChangeAspect="1"/>
+          </p:cNvSpPr>
+          <p:nvPr>
+            <p:ph type="sldImg"/>
+          </p:nvPr>
+        </p:nvSpPr>
+        <p:spPr/>
+      </p:sp>
+      <p:sp>
+        <p:nvSpPr>
+          <p:cNvPr id="3" name="Notes Placeholder 2"/>
+          <p:cNvSpPr>
+            <a:spLocks noGrp="1"/>
+          </p:cNvSpPr>
+          <p:nvPr>
+            <p:ph type="body" idx="1"/>
+          </p:nvPr>
+        </p:nvSpPr>
+        <p:spPr/>
+        <p:txBody>
+          <a:bodyPr>
+            <a:normAutofit/>
+          </a:bodyPr>
+          <a:lstStyle/>
+          <a:p>
+            <a:endParaRPr lang="en-US"/>
+          </a:p>
+        </p:txBody>
+      </p:sp>
+      <p:sp>
+        <p:nvSpPr>
+          <p:cNvPr id="4" name="Slide Number Placeholder 3"/>
+          <p:cNvSpPr>
+            <a:spLocks noGrp="1"/>
+          </p:cNvSpPr>
+          <p:nvPr>
+            <p:ph type="sldNum" sz="quarter" idx="10"/>
+          </p:nvPr>
+        </p:nvSpPr>
+        <p:spPr/>
+        <p:txBody>
+          <a:bodyPr/>
+          <a:lstStyle/>
+          <a:p>
+            <a:fld id="{1038B51E-4605-4D7A-81F3-593EC1AC8611}" type="slidenum">
+              <a:rPr lang="en-US" smtClean="0"/>
+              <a:t>2</a:t>
+            </a:fld>
+            <a:endParaRPr lang="en-US"/>
+          </a:p>
+        </p:txBody>
+      </p:sp>
+    </p:spTree>
+  </p:cSld>
+  <p:clrMapOvr>
+    <a:masterClrMapping/>
+  </p:clrMapOvr>
+</p:notes>
+</file>
+
+<file path=ppt/notesSlides/notesSlide3.xml><?xml version="1.0" encoding="utf-8"?>
+<p:notes xmlns:a="http://schemas.openxmlformats.org/drawingml/2006/main" xmlns:r="http://schemas.openxmlformats.org/officeDocument/2006/relationships" xmlns:p="http://schemas.openxmlformats.org/presentationml/2006/main">
+  <p:cSld>
+    <p:spTree>
+      <p:nvGrpSpPr>
+        <p:cNvPr id="1" name=""/>
+        <p:cNvGrpSpPr/>
+        <p:nvPr/>
+      </p:nvGrpSpPr>
+      <p:grpSpPr>
+        <a:xfrm>
+          <a:off x="0" y="0"/>
+          <a:ext cx="0" cy="0"/>
+          <a:chOff x="0" y="0"/>
+          <a:chExt cx="0" cy="0"/>
+        </a:xfrm>
+      </p:grpSpPr>
+      <p:sp>
+        <p:nvSpPr>
+          <p:cNvPr id="2" name="Slide Image Placeholder 1"/>
+          <p:cNvSpPr>
+            <a:spLocks noGrp="1" noRot="1" noChangeAspect="1"/>
+          </p:cNvSpPr>
+          <p:nvPr>
+            <p:ph type="sldImg"/>
+          </p:nvPr>
+        </p:nvSpPr>
+        <p:spPr/>
+      </p:sp>
+      <p:sp>
+        <p:nvSpPr>
+          <p:cNvPr id="3" name="Notes Placeholder 2"/>
+          <p:cNvSpPr>
+            <a:spLocks noGrp="1"/>
+          </p:cNvSpPr>
+          <p:nvPr>
+            <p:ph type="body" idx="1"/>
+          </p:nvPr>
+        </p:nvSpPr>
+        <p:spPr/>
+        <p:txBody>
+          <a:bodyPr>
+            <a:normAutofit/>
+          </a:bodyPr>
+          <a:lstStyle/>
+          <a:p>
+            <a:endParaRPr lang="en-US"/>
+          </a:p>
+        </p:txBody>
+      </p:sp>
+      <p:sp>
+        <p:nvSpPr>
+          <p:cNvPr id="4" name="Slide Number Placeholder 3"/>
+          <p:cNvSpPr>
+            <a:spLocks noGrp="1"/>
+          </p:cNvSpPr>
+          <p:nvPr>
+            <p:ph type="sldNum" sz="quarter" idx="10"/>
+          </p:nvPr>
+        </p:nvSpPr>
+        <p:spPr/>
+        <p:txBody>
+          <a:bodyPr/>
+          <a:lstStyle/>
+          <a:p>
+            <a:fld id="{1038B51E-4605-4D7A-81F3-593EC1AC8611}" type="slidenum">
+              <a:rPr lang="en-US" smtClean="0"/>
+              <a:t>3</a:t>
+            </a:fld>
+            <a:endParaRPr lang="en-US"/>
+          </a:p>
+        </p:txBody>
+      </p:sp>
+    </p:spTree>
+  </p:cSld>
+  <p:clrMapOvr>
+    <a:masterClrMapping/>
+  </p:clrMapOvr>
+</p:notes>
+</file>
+
+<file path=ppt/notesSlides/notesSlide4.xml><?xml version="1.0" encoding="utf-8"?>
+<p:notes xmlns:a="http://schemas.openxmlformats.org/drawingml/2006/main" xmlns:r="http://schemas.openxmlformats.org/officeDocument/2006/relationships" xmlns:p="http://schemas.openxmlformats.org/presentationml/2006/main">
+  <p:cSld>
+    <p:spTree>
+      <p:nvGrpSpPr>
+        <p:cNvPr id="1" name=""/>
+        <p:cNvGrpSpPr/>
+        <p:nvPr/>
+      </p:nvGrpSpPr>
+      <p:grpSpPr>
+        <a:xfrm>
+          <a:off x="0" y="0"/>
+          <a:ext cx="0" cy="0"/>
+          <a:chOff x="0" y="0"/>
+          <a:chExt cx="0" cy="0"/>
+        </a:xfrm>
+      </p:grpSpPr>
+      <p:sp>
+        <p:nvSpPr>
+          <p:cNvPr id="2" name="Slide Image Placeholder 1"/>
+          <p:cNvSpPr>
+            <a:spLocks noGrp="1" noRot="1" noChangeAspect="1"/>
+          </p:cNvSpPr>
+          <p:nvPr>
+            <p:ph type="sldImg"/>
+          </p:nvPr>
+        </p:nvSpPr>
+        <p:spPr/>
+      </p:sp>
+      <p:sp>
+        <p:nvSpPr>
+          <p:cNvPr id="3" name="Notes Placeholder 2"/>
+          <p:cNvSpPr>
+            <a:spLocks noGrp="1"/>
+          </p:cNvSpPr>
+          <p:nvPr>
+            <p:ph type="body" idx="1"/>
+          </p:nvPr>
+        </p:nvSpPr>
+        <p:spPr/>
+        <p:txBody>
+          <a:bodyPr>
+            <a:normAutofit/>
+          </a:bodyPr>
+          <a:lstStyle/>
+          <a:p>
+            <a:endParaRPr lang="en-US"/>
+          </a:p>
+        </p:txBody>
+      </p:sp>
+      <p:sp>
+        <p:nvSpPr>
+          <p:cNvPr id="4" name="Slide Number Placeholder 3"/>
+          <p:cNvSpPr>
+            <a:spLocks noGrp="1"/>
+          </p:cNvSpPr>
+          <p:nvPr>
+            <p:ph type="sldNum" sz="quarter" idx="10"/>
+          </p:nvPr>
+        </p:nvSpPr>
+        <p:spPr/>
+        <p:txBody>
+          <a:bodyPr/>
+          <a:lstStyle/>
+          <a:p>
+            <a:fld id="{1038B51E-4605-4D7A-81F3-593EC1AC8611}" type="slidenum">
+              <a:rPr lang="en-US" smtClean="0"/>
+              <a:t>4</a:t>
+            </a:fld>
+            <a:endParaRPr lang="en-US"/>
+          </a:p>
+        </p:txBody>
+      </p:sp>
+    </p:spTree>
+  </p:cSld>
+  <p:clrMapOvr>
+    <a:masterClrMapping/>
+  </p:clrMapOvr>
+</p:notes>
+</file>
+
+<file path=ppt/notesSlides/notesSlide5.xml><?xml version="1.0" encoding="utf-8"?>
+<p:notes xmlns:a="http://schemas.openxmlformats.org/drawingml/2006/main" xmlns:r="http://schemas.openxmlformats.org/officeDocument/2006/relationships" xmlns:p="http://schemas.openxmlformats.org/presentationml/2006/main">
+  <p:cSld>
+    <p:spTree>
+      <p:nvGrpSpPr>
+        <p:cNvPr id="1" name=""/>
+        <p:cNvGrpSpPr/>
+        <p:nvPr/>
+      </p:nvGrpSpPr>
+      <p:grpSpPr>
+        <a:xfrm>
+          <a:off x="0" y="0"/>
+          <a:ext cx="0" cy="0"/>
+          <a:chOff x="0" y="0"/>
+          <a:chExt cx="0" cy="0"/>
+        </a:xfrm>
+      </p:grpSpPr>
+      <p:sp>
+        <p:nvSpPr>
+          <p:cNvPr id="2" name="Slide Image Placeholder 1"/>
+          <p:cNvSpPr>
+            <a:spLocks noGrp="1" noRot="1" noChangeAspect="1"/>
+          </p:cNvSpPr>
+          <p:nvPr>
+            <p:ph type="sldImg"/>
+          </p:nvPr>
+        </p:nvSpPr>
+        <p:spPr/>
+      </p:sp>
+      <p:sp>
+        <p:nvSpPr>
+          <p:cNvPr id="3" name="Notes Placeholder 2"/>
+          <p:cNvSpPr>
+            <a:spLocks noGrp="1"/>
+          </p:cNvSpPr>
+          <p:nvPr>
+            <p:ph type="body" idx="1"/>
+          </p:nvPr>
+        </p:nvSpPr>
+        <p:spPr/>
+        <p:txBody>
+          <a:bodyPr>
+            <a:normAutofit/>
+          </a:bodyPr>
+          <a:lstStyle/>
+          <a:p>
+            <a:endParaRPr lang="en-US"/>
+          </a:p>
+        </p:txBody>
+      </p:sp>
+      <p:sp>
+        <p:nvSpPr>
+          <p:cNvPr id="4" name="Slide Number Placeholder 3"/>
+          <p:cNvSpPr>
+            <a:spLocks noGrp="1"/>
+          </p:cNvSpPr>
+          <p:nvPr>
+            <p:ph type="sldNum" sz="quarter" idx="10"/>
+          </p:nvPr>
+        </p:nvSpPr>
+        <p:spPr/>
+        <p:txBody>
+          <a:bodyPr/>
+          <a:lstStyle/>
+          <a:p>
+            <a:fld id="{1038B51E-4605-4D7A-81F3-593EC1AC8611}" type="slidenum">
+              <a:rPr lang="en-US" smtClean="0"/>
+              <a:t>5</a:t>
+            </a:fld>
+            <a:endParaRPr lang="en-US"/>
+          </a:p>
+        </p:txBody>
+      </p:sp>
+    </p:spTree>
+  </p:cSld>
+  <p:clrMapOvr>
+    <a:masterClrMapping/>
+  </p:clrMapOvr>
+</p:notes>
+</file>
+
+<file path=ppt/notesSlides/notesSlide6.xml><?xml version="1.0" encoding="utf-8"?>
+<p:notes xmlns:a="http://schemas.openxmlformats.org/drawingml/2006/main" xmlns:r="http://schemas.openxmlformats.org/officeDocument/2006/relationships" xmlns:p="http://schemas.openxmlformats.org/presentationml/2006/main">
+  <p:cSld>
+    <p:spTree>
+      <p:nvGrpSpPr>
+        <p:cNvPr id="1" name=""/>
+        <p:cNvGrpSpPr/>
+        <p:nvPr/>
+      </p:nvGrpSpPr>
+      <p:grpSpPr>
+        <a:xfrm>
+          <a:off x="0" y="0"/>
+          <a:ext cx="0" cy="0"/>
+          <a:chOff x="0" y="0"/>
+          <a:chExt cx="0" cy="0"/>
+        </a:xfrm>
+      </p:grpSpPr>
+      <p:sp>
+        <p:nvSpPr>
+          <p:cNvPr id="2" name="Slide Image Placeholder 1"/>
+          <p:cNvSpPr>
+            <a:spLocks noGrp="1" noRot="1" noChangeAspect="1"/>
+          </p:cNvSpPr>
+          <p:nvPr>
+            <p:ph type="sldImg"/>
+          </p:nvPr>
+        </p:nvSpPr>
+        <p:spPr/>
+      </p:sp>
+      <p:sp>
+        <p:nvSpPr>
+          <p:cNvPr id="3" name="Notes Placeholder 2"/>
+          <p:cNvSpPr>
+            <a:spLocks noGrp="1"/>
+          </p:cNvSpPr>
+          <p:nvPr>
+            <p:ph type="body" idx="1"/>
+          </p:nvPr>
+        </p:nvSpPr>
+        <p:spPr/>
+        <p:txBody>
+          <a:bodyPr>
+            <a:normAutofit/>
+          </a:bodyPr>
+          <a:lstStyle/>
+          <a:p>
+            <a:endParaRPr lang="en-US"/>
+          </a:p>
+        </p:txBody>
+      </p:sp>
+      <p:sp>
+        <p:nvSpPr>
+          <p:cNvPr id="4" name="Slide Number Placeholder 3"/>
+          <p:cNvSpPr>
+            <a:spLocks noGrp="1"/>
+          </p:cNvSpPr>
+          <p:nvPr>
+            <p:ph type="sldNum" sz="quarter" idx="10"/>
+          </p:nvPr>
+        </p:nvSpPr>
+        <p:spPr/>
+        <p:txBody>
+          <a:bodyPr/>
+          <a:lstStyle/>
+          <a:p>
+            <a:fld id="{1038B51E-4605-4D7A-81F3-593EC1AC8611}" type="slidenum">
+              <a:rPr lang="en-US" smtClean="0"/>
+              <a:t>6</a:t>
+            </a:fld>
+            <a:endParaRPr lang="en-US"/>
+          </a:p>
+        </p:txBody>
+      </p:sp>
+    </p:spTree>
+  </p:cSld>
+  <p:clrMapOvr>
+    <a:masterClrMapping/>
+  </p:clrMapOvr>
+</p:notes>
+</file>
+
+<file path=ppt/notesSlides/notesSlide7.xml><?xml version="1.0" encoding="utf-8"?>
+<p:notes xmlns:a="http://schemas.openxmlformats.org/drawingml/2006/main" xmlns:r="http://schemas.openxmlformats.org/officeDocument/2006/relationships" xmlns:p="http://schemas.openxmlformats.org/presentationml/2006/main">
+  <p:cSld>
+    <p:spTree>
+      <p:nvGrpSpPr>
+        <p:cNvPr id="1" name=""/>
+        <p:cNvGrpSpPr/>
+        <p:nvPr/>
+      </p:nvGrpSpPr>
+      <p:grpSpPr>
+        <a:xfrm>
+          <a:off x="0" y="0"/>
+          <a:ext cx="0" cy="0"/>
+          <a:chOff x="0" y="0"/>
+          <a:chExt cx="0" cy="0"/>
+        </a:xfrm>
+      </p:grpSpPr>
+      <p:sp>
+        <p:nvSpPr>
+          <p:cNvPr id="2" name="Slide Image Placeholder 1"/>
+          <p:cNvSpPr>
+            <a:spLocks noGrp="1" noRot="1" noChangeAspect="1"/>
+          </p:cNvSpPr>
+          <p:nvPr>
+            <p:ph type="sldImg"/>
+          </p:nvPr>
+        </p:nvSpPr>
+        <p:spPr/>
+      </p:sp>
+      <p:sp>
+        <p:nvSpPr>
+          <p:cNvPr id="3" name="Notes Placeholder 2"/>
+          <p:cNvSpPr>
+            <a:spLocks noGrp="1"/>
+          </p:cNvSpPr>
+          <p:nvPr>
+            <p:ph type="body" idx="1"/>
+          </p:nvPr>
+        </p:nvSpPr>
+        <p:spPr/>
+        <p:txBody>
+          <a:bodyPr>
+            <a:normAutofit/>
+          </a:bodyPr>
+          <a:lstStyle/>
+          <a:p>
+            <a:endParaRPr lang="en-US"/>
+          </a:p>
+        </p:txBody>
+      </p:sp>
+      <p:sp>
+        <p:nvSpPr>
+          <p:cNvPr id="4" name="Slide Number Placeholder 3"/>
+          <p:cNvSpPr>
+            <a:spLocks noGrp="1"/>
+          </p:cNvSpPr>
+          <p:nvPr>
+            <p:ph type="sldNum" sz="quarter" idx="10"/>
+          </p:nvPr>
+        </p:nvSpPr>
+        <p:spPr/>
+        <p:txBody>
+          <a:bodyPr/>
+          <a:lstStyle/>
+          <a:p>
+            <a:fld id="{1038B51E-4605-4D7A-81F3-593EC1AC8611}" type="slidenum">
+              <a:rPr lang="en-US" smtClean="0"/>
+              <a:t>7</a:t>
+            </a:fld>
+            <a:endParaRPr lang="en-US"/>
+          </a:p>
+        </p:txBody>
+      </p:sp>
+    </p:spTree>
+  </p:cSld>
+  <p:clrMapOvr>
+    <a:masterClrMapping/>
+  </p:clrMapOvr>
+</p:notes>
+</file>
+
+<file path=ppt/notesSlides/notesSlide8.xml><?xml version="1.0" encoding="utf-8"?>
+<p:notes xmlns:a="http://schemas.openxmlformats.org/drawingml/2006/main" xmlns:r="http://schemas.openxmlformats.org/officeDocument/2006/relationships" xmlns:p="http://schemas.openxmlformats.org/presentationml/2006/main">
+  <p:cSld>
+    <p:spTree>
+      <p:nvGrpSpPr>
+        <p:cNvPr id="1" name=""/>
+        <p:cNvGrpSpPr/>
+        <p:nvPr/>
+      </p:nvGrpSpPr>
+      <p:grpSpPr>
+        <a:xfrm>
+          <a:off x="0" y="0"/>
+          <a:ext cx="0" cy="0"/>
+          <a:chOff x="0" y="0"/>
+          <a:chExt cx="0" cy="0"/>
+        </a:xfrm>
+      </p:grpSpPr>
+      <p:sp>
+        <p:nvSpPr>
+          <p:cNvPr id="2" name="Slide Image Placeholder 1"/>
+          <p:cNvSpPr>
+            <a:spLocks noGrp="1" noRot="1" noChangeAspect="1"/>
+          </p:cNvSpPr>
+          <p:nvPr>
+            <p:ph type="sldImg"/>
+          </p:nvPr>
+        </p:nvSpPr>
+        <p:spPr/>
+      </p:sp>
+      <p:sp>
+        <p:nvSpPr>
+          <p:cNvPr id="3" name="Notes Placeholder 2"/>
+          <p:cNvSpPr>
+            <a:spLocks noGrp="1"/>
+          </p:cNvSpPr>
+          <p:nvPr>
+            <p:ph type="body" idx="1"/>
+          </p:nvPr>
+        </p:nvSpPr>
+        <p:spPr/>
+        <p:txBody>
+          <a:bodyPr>
+            <a:normAutofit/>
+          </a:bodyPr>
+          <a:lstStyle/>
+          <a:p>
+            <a:endParaRPr lang="en-US"/>
+          </a:p>
+        </p:txBody>
+      </p:sp>
+      <p:sp>
+        <p:nvSpPr>
+          <p:cNvPr id="4" name="Slide Number Placeholder 3"/>
+          <p:cNvSpPr>
+            <a:spLocks noGrp="1"/>
+          </p:cNvSpPr>
+          <p:nvPr>
+            <p:ph type="sldNum" sz="quarter" idx="10"/>
+          </p:nvPr>
+        </p:nvSpPr>
+        <p:spPr/>
+        <p:txBody>
+          <a:bodyPr/>
+          <a:lstStyle/>
+          <a:p>
+            <a:fld id="{1038B51E-4605-4D7A-81F3-593EC1AC8611}" type="slidenum">
+              <a:rPr lang="en-US" smtClean="0"/>
+              <a:t>8</a:t>
+            </a:fld>
+            <a:endParaRPr lang="en-US"/>
+          </a:p>
+        </p:txBody>
+      </p:sp>
+    </p:spTree>
+  </p:cSld>
+  <p:clrMapOvr>
+    <a:masterClrMapping/>
+  </p:clrMapOvr>
+</p:notes>
+</file>
+
+<file path=ppt/notesSlides/notesSlide9.xml><?xml version="1.0" encoding="utf-8"?>
+<p:notes xmlns:a="http://schemas.openxmlformats.org/drawingml/2006/main" xmlns:r="http://schemas.openxmlformats.org/officeDocument/2006/relationships" xmlns:p="http://schemas.openxmlformats.org/presentationml/2006/main">
+  <p:cSld>
+    <p:spTree>
+      <p:nvGrpSpPr>
+        <p:cNvPr id="1" name=""/>
+        <p:cNvGrpSpPr/>
+        <p:nvPr/>
+      </p:nvGrpSpPr>
+      <p:grpSpPr>
+        <a:xfrm>
+          <a:off x="0" y="0"/>
+          <a:ext cx="0" cy="0"/>
+          <a:chOff x="0" y="0"/>
+          <a:chExt cx="0" cy="0"/>
+        </a:xfrm>
+      </p:grpSpPr>
+      <p:sp>
+        <p:nvSpPr>
+          <p:cNvPr id="2" name="Slide Image Placeholder 1"/>
+          <p:cNvSpPr>
+            <a:spLocks noGrp="1" noRot="1" noChangeAspect="1"/>
+          </p:cNvSpPr>
+          <p:nvPr>
+            <p:ph type="sldImg"/>
+          </p:nvPr>
+        </p:nvSpPr>
+        <p:spPr/>
+      </p:sp>
+      <p:sp>
+        <p:nvSpPr>
+          <p:cNvPr id="3" name="Notes Placeholder 2"/>
+          <p:cNvSpPr>
+            <a:spLocks noGrp="1"/>
+          </p:cNvSpPr>
+          <p:nvPr>
+            <p:ph type="body" idx="1"/>
+          </p:nvPr>
+        </p:nvSpPr>
+        <p:spPr/>
+        <p:txBody>
+          <a:bodyPr>
+            <a:normAutofit/>
+          </a:bodyPr>
+          <a:lstStyle/>
+          <a:p>
+            <a:endParaRPr lang="en-US"/>
+          </a:p>
+        </p:txBody>
+      </p:sp>
+      <p:sp>
+        <p:nvSpPr>
+          <p:cNvPr id="4" name="Slide Number Placeholder 3"/>
+          <p:cNvSpPr>
+            <a:spLocks noGrp="1"/>
+          </p:cNvSpPr>
+          <p:nvPr>
+            <p:ph type="sldNum" sz="quarter" idx="10"/>
+          </p:nvPr>
+        </p:nvSpPr>
+        <p:spPr/>
+        <p:txBody>
+          <a:bodyPr/>
+          <a:lstStyle/>
+          <a:p>
+            <a:fld id="{1038B51E-4605-4D7A-81F3-593EC1AC8611}" type="slidenum">
+              <a:rPr lang="en-US" smtClean="0"/>
+              <a:t>9</a:t>
+            </a:fld>
+            <a:endParaRPr lang="en-US"/>
+          </a:p>
+        </p:txBody>
+      </p:sp>
+    </p:spTree>
+  </p:cSld>
+  <p:clrMapOvr>
+    <a:masterClrMapping/>
+  </p:clrMapOvr>
+</p:notes>
+</file>
+
 <file path=ppt/slideLayouts/slideLayout1.xml><?xml version="1.0" encoding="utf-8"?>
 <p:sldLayout xmlns:a="http://schemas.openxmlformats.org/drawingml/2006/main" xmlns:r="http://schemas.openxmlformats.org/officeDocument/2006/relationships" xmlns:p="http://schemas.openxmlformats.org/presentationml/2006/main" type="title" preserve="1">
   <p:cSld name="Title Slide">
@@ -36210,7 +37941,7 @@
             <a:fld id="{DC12352C-5ED9-4E71-90CF-ECB7A4C6C11A}" type="datetimeFigureOut">
               <a:rPr lang="en-US" smtClean="0"/>
               <a:pPr/>
-              <a:t>6/14/2013</a:t>
+              <a:t>6/15/2013</a:t>
             </a:fld>
             <a:endParaRPr lang="en-US"/>
           </a:p>
@@ -36262,7 +37993,7 @@
     </p:spTree>
     <p:extLst>
       <p:ext uri="{BB962C8B-B14F-4D97-AF65-F5344CB8AC3E}">
-        <p14:creationId xmlns:p14="http://schemas.microsoft.com/office/powerpoint/2010/main" val="1359784228"/>
+        <p14:creationId xmlns:p14="http://schemas.microsoft.com/office/powerpoint/2010/main" xmlns="" val="1359784228"/>
       </p:ext>
     </p:extLst>
   </p:cSld>
@@ -36382,7 +38113,7 @@
             <a:fld id="{DC12352C-5ED9-4E71-90CF-ECB7A4C6C11A}" type="datetimeFigureOut">
               <a:rPr lang="en-US" smtClean="0"/>
               <a:pPr/>
-              <a:t>6/14/2013</a:t>
+              <a:t>6/15/2013</a:t>
             </a:fld>
             <a:endParaRPr lang="en-US"/>
           </a:p>
@@ -36434,7 +38165,7 @@
     </p:spTree>
     <p:extLst>
       <p:ext uri="{BB962C8B-B14F-4D97-AF65-F5344CB8AC3E}">
-        <p14:creationId xmlns:p14="http://schemas.microsoft.com/office/powerpoint/2010/main" val="1535817038"/>
+        <p14:creationId xmlns:p14="http://schemas.microsoft.com/office/powerpoint/2010/main" xmlns="" val="1535817038"/>
       </p:ext>
     </p:extLst>
   </p:cSld>
@@ -36564,7 +38295,7 @@
             <a:fld id="{DC12352C-5ED9-4E71-90CF-ECB7A4C6C11A}" type="datetimeFigureOut">
               <a:rPr lang="en-US" smtClean="0"/>
               <a:pPr/>
-              <a:t>6/14/2013</a:t>
+              <a:t>6/15/2013</a:t>
             </a:fld>
             <a:endParaRPr lang="en-US"/>
           </a:p>
@@ -36616,7 +38347,7 @@
     </p:spTree>
     <p:extLst>
       <p:ext uri="{BB962C8B-B14F-4D97-AF65-F5344CB8AC3E}">
-        <p14:creationId xmlns:p14="http://schemas.microsoft.com/office/powerpoint/2010/main" val="3305786099"/>
+        <p14:creationId xmlns:p14="http://schemas.microsoft.com/office/powerpoint/2010/main" xmlns="" val="3305786099"/>
       </p:ext>
     </p:extLst>
   </p:cSld>
@@ -36736,7 +38467,7 @@
             <a:fld id="{DC12352C-5ED9-4E71-90CF-ECB7A4C6C11A}" type="datetimeFigureOut">
               <a:rPr lang="en-US" smtClean="0"/>
               <a:pPr/>
-              <a:t>6/14/2013</a:t>
+              <a:t>6/15/2013</a:t>
             </a:fld>
             <a:endParaRPr lang="en-US"/>
           </a:p>
@@ -36788,7 +38519,7 @@
     </p:spTree>
     <p:extLst>
       <p:ext uri="{BB962C8B-B14F-4D97-AF65-F5344CB8AC3E}">
-        <p14:creationId xmlns:p14="http://schemas.microsoft.com/office/powerpoint/2010/main" val="2808464794"/>
+        <p14:creationId xmlns:p14="http://schemas.microsoft.com/office/powerpoint/2010/main" xmlns="" val="2808464794"/>
       </p:ext>
     </p:extLst>
   </p:cSld>
@@ -36984,7 +38715,7 @@
             <a:fld id="{DC12352C-5ED9-4E71-90CF-ECB7A4C6C11A}" type="datetimeFigureOut">
               <a:rPr lang="en-US" smtClean="0"/>
               <a:pPr/>
-              <a:t>6/14/2013</a:t>
+              <a:t>6/15/2013</a:t>
             </a:fld>
             <a:endParaRPr lang="en-US"/>
           </a:p>
@@ -37036,7 +38767,7 @@
     </p:spTree>
     <p:extLst>
       <p:ext uri="{BB962C8B-B14F-4D97-AF65-F5344CB8AC3E}">
-        <p14:creationId xmlns:p14="http://schemas.microsoft.com/office/powerpoint/2010/main" val="3350234395"/>
+        <p14:creationId xmlns:p14="http://schemas.microsoft.com/office/powerpoint/2010/main" xmlns="" val="3350234395"/>
       </p:ext>
     </p:extLst>
   </p:cSld>
@@ -37274,7 +39005,7 @@
             <a:fld id="{DC12352C-5ED9-4E71-90CF-ECB7A4C6C11A}" type="datetimeFigureOut">
               <a:rPr lang="en-US" smtClean="0"/>
               <a:pPr/>
-              <a:t>6/14/2013</a:t>
+              <a:t>6/15/2013</a:t>
             </a:fld>
             <a:endParaRPr lang="en-US"/>
           </a:p>
@@ -37326,7 +39057,7 @@
     </p:spTree>
     <p:extLst>
       <p:ext uri="{BB962C8B-B14F-4D97-AF65-F5344CB8AC3E}">
-        <p14:creationId xmlns:p14="http://schemas.microsoft.com/office/powerpoint/2010/main" val="2876325978"/>
+        <p14:creationId xmlns:p14="http://schemas.microsoft.com/office/powerpoint/2010/main" xmlns="" val="2876325978"/>
       </p:ext>
     </p:extLst>
   </p:cSld>
@@ -37698,7 +39429,7 @@
             <a:fld id="{DC12352C-5ED9-4E71-90CF-ECB7A4C6C11A}" type="datetimeFigureOut">
               <a:rPr lang="en-US" smtClean="0"/>
               <a:pPr/>
-              <a:t>6/14/2013</a:t>
+              <a:t>6/15/2013</a:t>
             </a:fld>
             <a:endParaRPr lang="en-US"/>
           </a:p>
@@ -37750,7 +39481,7 @@
     </p:spTree>
     <p:extLst>
       <p:ext uri="{BB962C8B-B14F-4D97-AF65-F5344CB8AC3E}">
-        <p14:creationId xmlns:p14="http://schemas.microsoft.com/office/powerpoint/2010/main" val="2581016330"/>
+        <p14:creationId xmlns:p14="http://schemas.microsoft.com/office/powerpoint/2010/main" xmlns="" val="2581016330"/>
       </p:ext>
     </p:extLst>
   </p:cSld>
@@ -37818,7 +39549,7 @@
             <a:fld id="{DC12352C-5ED9-4E71-90CF-ECB7A4C6C11A}" type="datetimeFigureOut">
               <a:rPr lang="en-US" smtClean="0"/>
               <a:pPr/>
-              <a:t>6/14/2013</a:t>
+              <a:t>6/15/2013</a:t>
             </a:fld>
             <a:endParaRPr lang="en-US"/>
           </a:p>
@@ -37870,7 +39601,7 @@
     </p:spTree>
     <p:extLst>
       <p:ext uri="{BB962C8B-B14F-4D97-AF65-F5344CB8AC3E}">
-        <p14:creationId xmlns:p14="http://schemas.microsoft.com/office/powerpoint/2010/main" val="2219315351"/>
+        <p14:creationId xmlns:p14="http://schemas.microsoft.com/office/powerpoint/2010/main" xmlns="" val="2219315351"/>
       </p:ext>
     </p:extLst>
   </p:cSld>
@@ -37915,7 +39646,7 @@
             <a:fld id="{DC12352C-5ED9-4E71-90CF-ECB7A4C6C11A}" type="datetimeFigureOut">
               <a:rPr lang="en-US" smtClean="0"/>
               <a:pPr/>
-              <a:t>6/14/2013</a:t>
+              <a:t>6/15/2013</a:t>
             </a:fld>
             <a:endParaRPr lang="en-US"/>
           </a:p>
@@ -37967,7 +39698,7 @@
     </p:spTree>
     <p:extLst>
       <p:ext uri="{BB962C8B-B14F-4D97-AF65-F5344CB8AC3E}">
-        <p14:creationId xmlns:p14="http://schemas.microsoft.com/office/powerpoint/2010/main" val="4149962164"/>
+        <p14:creationId xmlns:p14="http://schemas.microsoft.com/office/powerpoint/2010/main" xmlns="" val="4149962164"/>
       </p:ext>
     </p:extLst>
   </p:cSld>
@@ -38194,7 +39925,7 @@
             <a:fld id="{DC12352C-5ED9-4E71-90CF-ECB7A4C6C11A}" type="datetimeFigureOut">
               <a:rPr lang="en-US" smtClean="0"/>
               <a:pPr/>
-              <a:t>6/14/2013</a:t>
+              <a:t>6/15/2013</a:t>
             </a:fld>
             <a:endParaRPr lang="en-US"/>
           </a:p>
@@ -38246,7 +39977,7 @@
     </p:spTree>
     <p:extLst>
       <p:ext uri="{BB962C8B-B14F-4D97-AF65-F5344CB8AC3E}">
-        <p14:creationId xmlns:p14="http://schemas.microsoft.com/office/powerpoint/2010/main" val="2318772332"/>
+        <p14:creationId xmlns:p14="http://schemas.microsoft.com/office/powerpoint/2010/main" xmlns="" val="2318772332"/>
       </p:ext>
     </p:extLst>
   </p:cSld>
@@ -38449,7 +40180,7 @@
             <a:fld id="{DC12352C-5ED9-4E71-90CF-ECB7A4C6C11A}" type="datetimeFigureOut">
               <a:rPr lang="en-US" smtClean="0"/>
               <a:pPr/>
-              <a:t>6/14/2013</a:t>
+              <a:t>6/15/2013</a:t>
             </a:fld>
             <a:endParaRPr lang="en-US"/>
           </a:p>
@@ -38501,7 +40232,7 @@
     </p:spTree>
     <p:extLst>
       <p:ext uri="{BB962C8B-B14F-4D97-AF65-F5344CB8AC3E}">
-        <p14:creationId xmlns:p14="http://schemas.microsoft.com/office/powerpoint/2010/main" val="2574223405"/>
+        <p14:creationId xmlns:p14="http://schemas.microsoft.com/office/powerpoint/2010/main" xmlns="" val="2574223405"/>
       </p:ext>
     </p:extLst>
   </p:cSld>
@@ -38664,7 +40395,7 @@
             <a:fld id="{DC12352C-5ED9-4E71-90CF-ECB7A4C6C11A}" type="datetimeFigureOut">
               <a:rPr lang="en-US" smtClean="0"/>
               <a:pPr/>
-              <a:t>6/14/2013</a:t>
+              <a:t>6/15/2013</a:t>
             </a:fld>
             <a:endParaRPr lang="en-US"/>
           </a:p>
@@ -38752,7 +40483,7 @@
     </p:spTree>
     <p:extLst>
       <p:ext uri="{BB962C8B-B14F-4D97-AF65-F5344CB8AC3E}">
-        <p14:creationId xmlns:p14="http://schemas.microsoft.com/office/powerpoint/2010/main" val="3383897187"/>
+        <p14:creationId xmlns:p14="http://schemas.microsoft.com/office/powerpoint/2010/main" xmlns="" val="3383897187"/>
       </p:ext>
     </p:extLst>
   </p:cSld>
@@ -39040,48 +40771,70 @@
           <a:chExt cx="0" cy="0"/>
         </a:xfrm>
       </p:grpSpPr>
+      <p:graphicFrame>
+        <p:nvGraphicFramePr>
+          <p:cNvPr id="4" name="Content Placeholder 3"/>
+          <p:cNvGraphicFramePr>
+            <a:graphicFrameLocks noGrp="1"/>
+          </p:cNvGraphicFramePr>
+          <p:nvPr>
+            <p:ph idx="1"/>
+            <p:extLst>
+              <p:ext uri="{D42A27DB-BD31-4B8C-83A1-F6EECF244321}">
+                <p14:modId xmlns:p14="http://schemas.microsoft.com/office/powerpoint/2010/main" xmlns="" val="812163987"/>
+              </p:ext>
+            </p:extLst>
+          </p:nvPr>
+        </p:nvGraphicFramePr>
+        <p:xfrm>
+          <a:off x="533400" y="2362201"/>
+          <a:ext cx="8077200" cy="2362199"/>
+        </p:xfrm>
+        <a:graphic>
+          <a:graphicData uri="http://schemas.openxmlformats.org/drawingml/2006/diagram">
+            <dgm:relIds xmlns:dgm="http://schemas.openxmlformats.org/drawingml/2006/diagram" xmlns:r="http://schemas.openxmlformats.org/officeDocument/2006/relationships" r:dm="rId3" r:lo="rId4" r:qs="rId5" r:cs="rId6"/>
+          </a:graphicData>
+        </a:graphic>
+      </p:graphicFrame>
       <p:sp>
         <p:nvSpPr>
-          <p:cNvPr id="2" name="Title 1"/>
-          <p:cNvSpPr>
-            <a:spLocks noGrp="1"/>
-          </p:cNvSpPr>
-          <p:nvPr>
-            <p:ph type="ctrTitle"/>
-          </p:nvPr>
+          <p:cNvPr id="6" name="TextBox 5"/>
+          <p:cNvSpPr txBox="1"/>
+          <p:nvPr/>
         </p:nvSpPr>
-        <p:spPr/>
+        <p:spPr>
+          <a:xfrm>
+            <a:off x="3352800" y="2514600"/>
+            <a:ext cx="2438400" cy="369332"/>
+          </a:xfrm>
+          <a:prstGeom prst="rect">
+            <a:avLst/>
+          </a:prstGeom>
+          <a:noFill/>
+        </p:spPr>
         <p:txBody>
-          <a:bodyPr/>
+          <a:bodyPr wrap="square" rtlCol="0">
+            <a:spAutoFit/>
+          </a:bodyPr>
           <a:lstStyle/>
           <a:p>
-            <a:endParaRPr lang="en-US"/>
-          </a:p>
-        </p:txBody>
-      </p:sp>
-      <p:sp>
-        <p:nvSpPr>
-          <p:cNvPr id="3" name="Subtitle 2"/>
-          <p:cNvSpPr>
-            <a:spLocks noGrp="1"/>
-          </p:cNvSpPr>
-          <p:nvPr>
-            <p:ph type="subTitle" idx="1"/>
-          </p:nvPr>
-        </p:nvSpPr>
-        <p:spPr/>
-        <p:txBody>
-          <a:bodyPr/>
-          <a:lstStyle/>
-          <a:p>
-            <a:endParaRPr lang="en-US"/>
+            <a:pPr algn="ctr"/>
+            <a:r>
+              <a:rPr lang="en-US" cap="all" dirty="0" smtClean="0">
+                <a:latin typeface="Times New Roman" pitchFamily="18" charset="0"/>
+              </a:rPr>
+              <a:t>SELF TEST</a:t>
+            </a:r>
+            <a:endParaRPr lang="en-US" cap="all" dirty="0">
+              <a:latin typeface="Times New Roman" pitchFamily="18" charset="0"/>
+            </a:endParaRPr>
           </a:p>
         </p:txBody>
       </p:sp>
     </p:spTree>
     <p:extLst>
       <p:ext uri="{BB962C8B-B14F-4D97-AF65-F5344CB8AC3E}">
-        <p14:creationId xmlns:p14="http://schemas.microsoft.com/office/powerpoint/2010/main" val="2398501569"/>
+        <p14:creationId xmlns:p14="http://schemas.microsoft.com/office/powerpoint/2010/main" xmlns="" val="3929008511"/>
       </p:ext>
     </p:extLst>
   </p:cSld>
@@ -39099,6 +40852,87 @@
 </file>
 
 <file path=ppt/slides/slide10.xml><?xml version="1.0" encoding="utf-8"?>
+<p:sld xmlns:a="http://schemas.openxmlformats.org/drawingml/2006/main" xmlns:r="http://schemas.openxmlformats.org/officeDocument/2006/relationships" xmlns:p="http://schemas.openxmlformats.org/presentationml/2006/main">
+  <p:cSld>
+    <p:spTree>
+      <p:nvGrpSpPr>
+        <p:cNvPr id="1" name=""/>
+        <p:cNvGrpSpPr/>
+        <p:nvPr/>
+      </p:nvGrpSpPr>
+      <p:grpSpPr>
+        <a:xfrm>
+          <a:off x="0" y="0"/>
+          <a:ext cx="0" cy="0"/>
+          <a:chOff x="0" y="0"/>
+          <a:chExt cx="0" cy="0"/>
+        </a:xfrm>
+      </p:grpSpPr>
+      <p:sp>
+        <p:nvSpPr>
+          <p:cNvPr id="2" name="Title 1"/>
+          <p:cNvSpPr>
+            <a:spLocks noGrp="1"/>
+          </p:cNvSpPr>
+          <p:nvPr>
+            <p:ph type="title"/>
+          </p:nvPr>
+        </p:nvSpPr>
+        <p:spPr/>
+        <p:txBody>
+          <a:bodyPr/>
+          <a:lstStyle/>
+          <a:p>
+            <a:endParaRPr lang="en-US"/>
+          </a:p>
+        </p:txBody>
+      </p:sp>
+      <p:graphicFrame>
+        <p:nvGraphicFramePr>
+          <p:cNvPr id="4" name="Content Placeholder 3"/>
+          <p:cNvGraphicFramePr>
+            <a:graphicFrameLocks noGrp="1"/>
+          </p:cNvGraphicFramePr>
+          <p:nvPr>
+            <p:ph idx="1"/>
+            <p:extLst>
+              <p:ext uri="{D42A27DB-BD31-4B8C-83A1-F6EECF244321}">
+                <p14:modId xmlns:p14="http://schemas.microsoft.com/office/powerpoint/2010/main" xmlns="" val="545708058"/>
+              </p:ext>
+            </p:extLst>
+          </p:nvPr>
+        </p:nvGraphicFramePr>
+        <p:xfrm>
+          <a:off x="457200" y="1600201"/>
+          <a:ext cx="8229600" cy="2044823"/>
+        </p:xfrm>
+        <a:graphic>
+          <a:graphicData uri="http://schemas.openxmlformats.org/drawingml/2006/diagram">
+            <dgm:relIds xmlns:dgm="http://schemas.openxmlformats.org/drawingml/2006/diagram" xmlns:r="http://schemas.openxmlformats.org/officeDocument/2006/relationships" r:dm="rId3" r:lo="rId4" r:qs="rId5" r:cs="rId6"/>
+          </a:graphicData>
+        </a:graphic>
+      </p:graphicFrame>
+    </p:spTree>
+    <p:extLst>
+      <p:ext uri="{BB962C8B-B14F-4D97-AF65-F5344CB8AC3E}">
+        <p14:creationId xmlns:p14="http://schemas.microsoft.com/office/powerpoint/2010/main" xmlns="" val="2992830619"/>
+      </p:ext>
+    </p:extLst>
+  </p:cSld>
+  <p:clrMapOvr>
+    <a:masterClrMapping/>
+  </p:clrMapOvr>
+  <p:timing>
+    <p:tnLst>
+      <p:par>
+        <p:cTn id="1" dur="indefinite" restart="never" nodeType="tmRoot"/>
+      </p:par>
+    </p:tnLst>
+  </p:timing>
+</p:sld>
+</file>
+
+<file path=ppt/slides/slide11.xml><?xml version="1.0" encoding="utf-8"?>
 <p:sld xmlns:a="http://schemas.openxmlformats.org/drawingml/2006/main" xmlns:r="http://schemas.openxmlformats.org/officeDocument/2006/relationships" xmlns:p="http://schemas.openxmlformats.org/presentationml/2006/main">
   <p:cSld>
     <p:spTree>
@@ -39162,7 +40996,7 @@
           <p:nvPr>
             <p:extLst>
               <p:ext uri="{D42A27DB-BD31-4B8C-83A1-F6EECF244321}">
-                <p14:modId xmlns:p14="http://schemas.microsoft.com/office/powerpoint/2010/main" val="2621353938"/>
+                <p14:modId xmlns:p14="http://schemas.microsoft.com/office/powerpoint/2010/main" xmlns="" val="2621353938"/>
               </p:ext>
             </p:extLst>
           </p:nvPr>
@@ -39173,7 +41007,7 @@
         </p:xfrm>
         <a:graphic>
           <a:graphicData uri="http://schemas.openxmlformats.org/drawingml/2006/diagram">
-            <dgm:relIds xmlns:dgm="http://schemas.openxmlformats.org/drawingml/2006/diagram" xmlns:r="http://schemas.openxmlformats.org/officeDocument/2006/relationships" r:dm="rId2" r:lo="rId3" r:qs="rId4" r:cs="rId5"/>
+            <dgm:relIds xmlns:dgm="http://schemas.openxmlformats.org/drawingml/2006/diagram" xmlns:r="http://schemas.openxmlformats.org/officeDocument/2006/relationships" r:dm="rId3" r:lo="rId4" r:qs="rId5" r:cs="rId6"/>
           </a:graphicData>
         </a:graphic>
       </p:graphicFrame>
@@ -39186,7 +41020,7 @@
           <p:nvPr>
             <p:extLst>
               <p:ext uri="{D42A27DB-BD31-4B8C-83A1-F6EECF244321}">
-                <p14:modId xmlns:p14="http://schemas.microsoft.com/office/powerpoint/2010/main" val="1248215537"/>
+                <p14:modId xmlns:p14="http://schemas.microsoft.com/office/powerpoint/2010/main" xmlns="" val="1248215537"/>
               </p:ext>
             </p:extLst>
           </p:nvPr>
@@ -39197,7 +41031,7 @@
         </p:xfrm>
         <a:graphic>
           <a:graphicData uri="http://schemas.openxmlformats.org/drawingml/2006/diagram">
-            <dgm:relIds xmlns:dgm="http://schemas.openxmlformats.org/drawingml/2006/diagram" xmlns:r="http://schemas.openxmlformats.org/officeDocument/2006/relationships" r:dm="rId7" r:lo="rId8" r:qs="rId9" r:cs="rId10"/>
+            <dgm:relIds xmlns:dgm="http://schemas.openxmlformats.org/drawingml/2006/diagram" xmlns:r="http://schemas.openxmlformats.org/officeDocument/2006/relationships" r:dm="rId8" r:lo="rId9" r:qs="rId10" r:cs="rId11"/>
           </a:graphicData>
         </a:graphic>
       </p:graphicFrame>
@@ -39296,88 +41130,7 @@
     </p:spTree>
     <p:extLst>
       <p:ext uri="{BB962C8B-B14F-4D97-AF65-F5344CB8AC3E}">
-        <p14:creationId xmlns:p14="http://schemas.microsoft.com/office/powerpoint/2010/main" val="1557959741"/>
-      </p:ext>
-    </p:extLst>
-  </p:cSld>
-  <p:clrMapOvr>
-    <a:masterClrMapping/>
-  </p:clrMapOvr>
-  <p:timing>
-    <p:tnLst>
-      <p:par>
-        <p:cTn id="1" dur="indefinite" restart="never" nodeType="tmRoot"/>
-      </p:par>
-    </p:tnLst>
-  </p:timing>
-</p:sld>
-</file>
-
-<file path=ppt/slides/slide11.xml><?xml version="1.0" encoding="utf-8"?>
-<p:sld xmlns:a="http://schemas.openxmlformats.org/drawingml/2006/main" xmlns:r="http://schemas.openxmlformats.org/officeDocument/2006/relationships" xmlns:p="http://schemas.openxmlformats.org/presentationml/2006/main">
-  <p:cSld>
-    <p:spTree>
-      <p:nvGrpSpPr>
-        <p:cNvPr id="1" name=""/>
-        <p:cNvGrpSpPr/>
-        <p:nvPr/>
-      </p:nvGrpSpPr>
-      <p:grpSpPr>
-        <a:xfrm>
-          <a:off x="0" y="0"/>
-          <a:ext cx="0" cy="0"/>
-          <a:chOff x="0" y="0"/>
-          <a:chExt cx="0" cy="0"/>
-        </a:xfrm>
-      </p:grpSpPr>
-      <p:sp>
-        <p:nvSpPr>
-          <p:cNvPr id="2" name="Title 1"/>
-          <p:cNvSpPr>
-            <a:spLocks noGrp="1"/>
-          </p:cNvSpPr>
-          <p:nvPr>
-            <p:ph type="title"/>
-          </p:nvPr>
-        </p:nvSpPr>
-        <p:spPr/>
-        <p:txBody>
-          <a:bodyPr/>
-          <a:lstStyle/>
-          <a:p>
-            <a:endParaRPr lang="en-US"/>
-          </a:p>
-        </p:txBody>
-      </p:sp>
-      <p:graphicFrame>
-        <p:nvGraphicFramePr>
-          <p:cNvPr id="5" name="Content Placeholder 3"/>
-          <p:cNvGraphicFramePr>
-            <a:graphicFrameLocks noGrp="1"/>
-          </p:cNvGraphicFramePr>
-          <p:nvPr>
-            <p:ph idx="1"/>
-            <p:extLst>
-              <p:ext uri="{D42A27DB-BD31-4B8C-83A1-F6EECF244321}">
-                <p14:modId xmlns:p14="http://schemas.microsoft.com/office/powerpoint/2010/main" val="3607291589"/>
-              </p:ext>
-            </p:extLst>
-          </p:nvPr>
-        </p:nvGraphicFramePr>
-        <p:xfrm>
-          <a:off x="457200" y="1600200"/>
-          <a:ext cx="8229600" cy="4525963"/>
-        </p:xfrm>
-        <a:graphic>
-          <a:graphicData uri="http://schemas.openxmlformats.org/drawingml/2006/diagram">
-            <dgm:relIds xmlns:dgm="http://schemas.openxmlformats.org/drawingml/2006/diagram" xmlns:r="http://schemas.openxmlformats.org/officeDocument/2006/relationships" r:dm="rId2" r:lo="rId3" r:qs="rId4" r:cs="rId5"/>
-          </a:graphicData>
-        </a:graphic>
-      </p:graphicFrame>
-    </p:spTree>
-    <p:extLst>
-      <p:ext uri="{BB962C8B-B14F-4D97-AF65-F5344CB8AC3E}">
-        <p14:creationId xmlns:p14="http://schemas.microsoft.com/office/powerpoint/2010/main" val="704232541"/>
+        <p14:creationId xmlns:p14="http://schemas.microsoft.com/office/powerpoint/2010/main" xmlns="" val="1557959741"/>
       </p:ext>
     </p:extLst>
   </p:cSld>
@@ -39413,7 +41166,7 @@
       </p:grpSpPr>
       <p:sp>
         <p:nvSpPr>
-          <p:cNvPr id="2" name="Title 1"/>
+          <p:cNvPr id="4" name="Title 3"/>
           <p:cNvSpPr>
             <a:spLocks noGrp="1"/>
           </p:cNvSpPr>
@@ -39426,29 +41179,76 @@
           <a:bodyPr/>
           <a:lstStyle/>
           <a:p>
-            <a:endParaRPr lang="en-IN" dirty="0"/>
+            <a:r>
+              <a:rPr lang="en-US" dirty="0" smtClean="0"/>
+              <a:t>Fsdb.tif</a:t>
+            </a:r>
+            <a:endParaRPr lang="en-US" dirty="0"/>
           </a:p>
         </p:txBody>
       </p:sp>
-      <p:sp>
-        <p:nvSpPr>
-          <p:cNvPr id="3" name="Content Placeholder 2"/>
-          <p:cNvSpPr>
-            <a:spLocks noGrp="1"/>
-          </p:cNvSpPr>
+      <p:graphicFrame>
+        <p:nvGraphicFramePr>
+          <p:cNvPr id="5" name="Content Placeholder 3"/>
+          <p:cNvGraphicFramePr>
+            <a:graphicFrameLocks noGrp="1"/>
+          </p:cNvGraphicFramePr>
           <p:nvPr>
-            <p:ph idx="1"/>
+            <p:ph idx="4294967295"/>
+            <p:extLst>
+              <p:ext uri="{D42A27DB-BD31-4B8C-83A1-F6EECF244321}">
+                <p14:modId xmlns:p14="http://schemas.microsoft.com/office/powerpoint/2010/main" xmlns="" val="3607291589"/>
+              </p:ext>
+            </p:extLst>
           </p:nvPr>
-        </p:nvSpPr>
-        <p:spPr/>
-        <p:txBody>
-          <a:bodyPr/>
-          <a:lstStyle/>
-          <a:p>
-            <a:endParaRPr lang="en-IN" dirty="0"/>
-          </a:p>
-        </p:txBody>
-      </p:sp>
+        </p:nvGraphicFramePr>
+        <p:xfrm>
+          <a:off x="539552" y="2060848"/>
+          <a:ext cx="8229600" cy="2879725"/>
+        </p:xfrm>
+        <a:graphic>
+          <a:graphicData uri="http://schemas.openxmlformats.org/drawingml/2006/diagram">
+            <dgm:relIds xmlns:dgm="http://schemas.openxmlformats.org/drawingml/2006/diagram" xmlns:r="http://schemas.openxmlformats.org/officeDocument/2006/relationships" r:dm="rId3" r:lo="rId4" r:qs="rId5" r:cs="rId6"/>
+          </a:graphicData>
+        </a:graphic>
+      </p:graphicFrame>
+    </p:spTree>
+    <p:extLst>
+      <p:ext uri="{BB962C8B-B14F-4D97-AF65-F5344CB8AC3E}">
+        <p14:creationId xmlns:p14="http://schemas.microsoft.com/office/powerpoint/2010/main" xmlns="" val="704232541"/>
+      </p:ext>
+    </p:extLst>
+  </p:cSld>
+  <p:clrMapOvr>
+    <a:masterClrMapping/>
+  </p:clrMapOvr>
+  <p:timing>
+    <p:tnLst>
+      <p:par>
+        <p:cTn id="1" dur="indefinite" restart="never" nodeType="tmRoot"/>
+      </p:par>
+    </p:tnLst>
+  </p:timing>
+</p:sld>
+</file>
+
+<file path=ppt/slides/slide13.xml><?xml version="1.0" encoding="utf-8"?>
+<p:sld xmlns:a="http://schemas.openxmlformats.org/drawingml/2006/main" xmlns:r="http://schemas.openxmlformats.org/officeDocument/2006/relationships" xmlns:p="http://schemas.openxmlformats.org/presentationml/2006/main">
+  <p:cSld>
+    <p:spTree>
+      <p:nvGrpSpPr>
+        <p:cNvPr id="1" name=""/>
+        <p:cNvGrpSpPr/>
+        <p:nvPr/>
+      </p:nvGrpSpPr>
+      <p:grpSpPr>
+        <a:xfrm>
+          <a:off x="0" y="0"/>
+          <a:ext cx="0" cy="0"/>
+          <a:chOff x="0" y="0"/>
+          <a:chExt cx="0" cy="0"/>
+        </a:xfrm>
+      </p:grpSpPr>
       <p:sp>
         <p:nvSpPr>
           <p:cNvPr id="4" name="Flowchart: Document 3"/>
@@ -39946,7 +41746,7 @@
 </p:sld>
 </file>
 
-<file path=ppt/slides/slide13.xml><?xml version="1.0" encoding="utf-8"?>
+<file path=ppt/slides/slide14.xml><?xml version="1.0" encoding="utf-8"?>
 <p:sld xmlns:a="http://schemas.openxmlformats.org/drawingml/2006/main" xmlns:r="http://schemas.openxmlformats.org/officeDocument/2006/relationships" xmlns:p="http://schemas.openxmlformats.org/presentationml/2006/main">
   <p:cSld>
     <p:spTree>
@@ -39963,44 +41763,6 @@
           <a:chExt cx="0" cy="0"/>
         </a:xfrm>
       </p:grpSpPr>
-      <p:sp>
-        <p:nvSpPr>
-          <p:cNvPr id="2" name="Title 1"/>
-          <p:cNvSpPr>
-            <a:spLocks noGrp="1"/>
-          </p:cNvSpPr>
-          <p:nvPr>
-            <p:ph type="title"/>
-          </p:nvPr>
-        </p:nvSpPr>
-        <p:spPr/>
-        <p:txBody>
-          <a:bodyPr/>
-          <a:lstStyle/>
-          <a:p>
-            <a:endParaRPr lang="en-IN" dirty="0"/>
-          </a:p>
-        </p:txBody>
-      </p:sp>
-      <p:sp>
-        <p:nvSpPr>
-          <p:cNvPr id="3" name="Content Placeholder 2"/>
-          <p:cNvSpPr>
-            <a:spLocks noGrp="1"/>
-          </p:cNvSpPr>
-          <p:nvPr>
-            <p:ph idx="1"/>
-          </p:nvPr>
-        </p:nvSpPr>
-        <p:spPr/>
-        <p:txBody>
-          <a:bodyPr/>
-          <a:lstStyle/>
-          <a:p>
-            <a:endParaRPr lang="en-IN" dirty="0"/>
-          </a:p>
-        </p:txBody>
-      </p:sp>
       <p:sp>
         <p:nvSpPr>
           <p:cNvPr id="4" name="Rounded Rectangle 3"/>
@@ -40474,7 +42236,7 @@
 </p:sld>
 </file>
 
-<file path=ppt/slides/slide14.xml><?xml version="1.0" encoding="utf-8"?>
+<file path=ppt/slides/slide15.xml><?xml version="1.0" encoding="utf-8"?>
 <p:sld xmlns:a="http://schemas.openxmlformats.org/drawingml/2006/main" xmlns:r="http://schemas.openxmlformats.org/officeDocument/2006/relationships" xmlns:p="http://schemas.openxmlformats.org/presentationml/2006/main">
   <p:cSld>
     <p:spTree>
@@ -41605,7 +43367,7 @@
     </p:spTree>
     <p:extLst>
       <p:ext uri="{BB962C8B-B14F-4D97-AF65-F5344CB8AC3E}">
-        <p14:creationId xmlns:p14="http://schemas.microsoft.com/office/powerpoint/2010/main" val="1650756672"/>
+        <p14:creationId xmlns:p14="http://schemas.microsoft.com/office/powerpoint/2010/main" xmlns="" val="1650756672"/>
       </p:ext>
     </p:extLst>
   </p:cSld>
@@ -41622,7 +43384,7 @@
 </p:sld>
 </file>
 
-<file path=ppt/slides/slide15.xml><?xml version="1.0" encoding="utf-8"?>
+<file path=ppt/slides/slide16.xml><?xml version="1.0" encoding="utf-8"?>
 <p:sld xmlns:a="http://schemas.openxmlformats.org/drawingml/2006/main" xmlns:r="http://schemas.openxmlformats.org/officeDocument/2006/relationships" xmlns:p="http://schemas.openxmlformats.org/presentationml/2006/main">
   <p:cSld>
     <p:spTree>
@@ -41639,44 +43401,6 @@
           <a:chExt cx="0" cy="0"/>
         </a:xfrm>
       </p:grpSpPr>
-      <p:sp>
-        <p:nvSpPr>
-          <p:cNvPr id="2" name="Title 1"/>
-          <p:cNvSpPr>
-            <a:spLocks noGrp="1"/>
-          </p:cNvSpPr>
-          <p:nvPr>
-            <p:ph type="title"/>
-          </p:nvPr>
-        </p:nvSpPr>
-        <p:spPr/>
-        <p:txBody>
-          <a:bodyPr/>
-          <a:lstStyle/>
-          <a:p>
-            <a:endParaRPr lang="en-US" dirty="0"/>
-          </a:p>
-        </p:txBody>
-      </p:sp>
-      <p:sp>
-        <p:nvSpPr>
-          <p:cNvPr id="3" name="Content Placeholder 2"/>
-          <p:cNvSpPr>
-            <a:spLocks noGrp="1"/>
-          </p:cNvSpPr>
-          <p:nvPr>
-            <p:ph idx="1"/>
-          </p:nvPr>
-        </p:nvSpPr>
-        <p:spPr/>
-        <p:txBody>
-          <a:bodyPr/>
-          <a:lstStyle/>
-          <a:p>
-            <a:endParaRPr lang="en-US" dirty="0"/>
-          </a:p>
-        </p:txBody>
-      </p:sp>
       <p:grpSp>
         <p:nvGrpSpPr>
           <p:cNvPr id="4" name="Group 3"/>
@@ -41700,7 +43424,7 @@
             <p:nvPr>
               <p:extLst>
                 <p:ext uri="{D42A27DB-BD31-4B8C-83A1-F6EECF244321}">
-                  <p14:modId xmlns:p14="http://schemas.microsoft.com/office/powerpoint/2010/main" val="2598465583"/>
+                  <p14:modId xmlns:p14="http://schemas.microsoft.com/office/powerpoint/2010/main" xmlns="" val="2598465583"/>
                 </p:ext>
               </p:extLst>
             </p:nvPr>
@@ -41711,7 +43435,7 @@
           </p:xfrm>
           <a:graphic>
             <a:graphicData uri="http://schemas.openxmlformats.org/drawingml/2006/diagram">
-              <dgm:relIds xmlns:dgm="http://schemas.openxmlformats.org/drawingml/2006/diagram" xmlns:r="http://schemas.openxmlformats.org/officeDocument/2006/relationships" r:dm="rId2" r:lo="rId3" r:qs="rId4" r:cs="rId5"/>
+              <dgm:relIds xmlns:dgm="http://schemas.openxmlformats.org/drawingml/2006/diagram" xmlns:r="http://schemas.openxmlformats.org/officeDocument/2006/relationships" r:dm="rId3" r:lo="rId4" r:qs="rId5" r:cs="rId6"/>
             </a:graphicData>
           </a:graphic>
         </p:graphicFrame>
@@ -42629,7 +44353,7 @@
     </p:spTree>
     <p:extLst>
       <p:ext uri="{BB962C8B-B14F-4D97-AF65-F5344CB8AC3E}">
-        <p14:creationId xmlns:p14="http://schemas.microsoft.com/office/powerpoint/2010/main" val="1633000113"/>
+        <p14:creationId xmlns:p14="http://schemas.microsoft.com/office/powerpoint/2010/main" xmlns="" val="1633000113"/>
       </p:ext>
     </p:extLst>
   </p:cSld>
@@ -42663,141 +44387,6 @@
           <a:chExt cx="0" cy="0"/>
         </a:xfrm>
       </p:grpSpPr>
-      <p:sp>
-        <p:nvSpPr>
-          <p:cNvPr id="2" name="Title 1"/>
-          <p:cNvSpPr>
-            <a:spLocks noGrp="1"/>
-          </p:cNvSpPr>
-          <p:nvPr>
-            <p:ph type="title"/>
-          </p:nvPr>
-        </p:nvSpPr>
-        <p:spPr/>
-        <p:txBody>
-          <a:bodyPr/>
-          <a:lstStyle/>
-          <a:p>
-            <a:endParaRPr lang="en-US"/>
-          </a:p>
-        </p:txBody>
-      </p:sp>
-      <p:graphicFrame>
-        <p:nvGraphicFramePr>
-          <p:cNvPr id="4" name="Content Placeholder 3"/>
-          <p:cNvGraphicFramePr>
-            <a:graphicFrameLocks noGrp="1"/>
-          </p:cNvGraphicFramePr>
-          <p:nvPr>
-            <p:ph idx="1"/>
-            <p:extLst>
-              <p:ext uri="{D42A27DB-BD31-4B8C-83A1-F6EECF244321}">
-                <p14:modId xmlns:p14="http://schemas.microsoft.com/office/powerpoint/2010/main" val="812163987"/>
-              </p:ext>
-            </p:extLst>
-          </p:nvPr>
-        </p:nvGraphicFramePr>
-        <p:xfrm>
-          <a:off x="533400" y="2362201"/>
-          <a:ext cx="8077200" cy="2362199"/>
-        </p:xfrm>
-        <a:graphic>
-          <a:graphicData uri="http://schemas.openxmlformats.org/drawingml/2006/diagram">
-            <dgm:relIds xmlns:dgm="http://schemas.openxmlformats.org/drawingml/2006/diagram" xmlns:r="http://schemas.openxmlformats.org/officeDocument/2006/relationships" r:dm="rId2" r:lo="rId3" r:qs="rId4" r:cs="rId5"/>
-          </a:graphicData>
-        </a:graphic>
-      </p:graphicFrame>
-      <p:sp>
-        <p:nvSpPr>
-          <p:cNvPr id="6" name="TextBox 5"/>
-          <p:cNvSpPr txBox="1"/>
-          <p:nvPr/>
-        </p:nvSpPr>
-        <p:spPr>
-          <a:xfrm>
-            <a:off x="3352800" y="2514600"/>
-            <a:ext cx="2438400" cy="369332"/>
-          </a:xfrm>
-          <a:prstGeom prst="rect">
-            <a:avLst/>
-          </a:prstGeom>
-          <a:noFill/>
-        </p:spPr>
-        <p:txBody>
-          <a:bodyPr wrap="square" rtlCol="0">
-            <a:spAutoFit/>
-          </a:bodyPr>
-          <a:lstStyle/>
-          <a:p>
-            <a:pPr algn="ctr"/>
-            <a:r>
-              <a:rPr lang="en-US" cap="all" dirty="0" smtClean="0">
-                <a:latin typeface="Times New Roman" pitchFamily="18" charset="0"/>
-              </a:rPr>
-              <a:t>SELF TEST</a:t>
-            </a:r>
-            <a:endParaRPr lang="en-US" cap="all" dirty="0">
-              <a:latin typeface="Times New Roman" pitchFamily="18" charset="0"/>
-            </a:endParaRPr>
-          </a:p>
-        </p:txBody>
-      </p:sp>
-    </p:spTree>
-    <p:extLst>
-      <p:ext uri="{BB962C8B-B14F-4D97-AF65-F5344CB8AC3E}">
-        <p14:creationId xmlns:p14="http://schemas.microsoft.com/office/powerpoint/2010/main" val="3929008511"/>
-      </p:ext>
-    </p:extLst>
-  </p:cSld>
-  <p:clrMapOvr>
-    <a:masterClrMapping/>
-  </p:clrMapOvr>
-  <p:timing>
-    <p:tnLst>
-      <p:par>
-        <p:cTn id="1" dur="indefinite" restart="never" nodeType="tmRoot"/>
-      </p:par>
-    </p:tnLst>
-  </p:timing>
-</p:sld>
-</file>
-
-<file path=ppt/slides/slide3.xml><?xml version="1.0" encoding="utf-8"?>
-<p:sld xmlns:a="http://schemas.openxmlformats.org/drawingml/2006/main" xmlns:r="http://schemas.openxmlformats.org/officeDocument/2006/relationships" xmlns:p="http://schemas.openxmlformats.org/presentationml/2006/main">
-  <p:cSld>
-    <p:spTree>
-      <p:nvGrpSpPr>
-        <p:cNvPr id="1" name=""/>
-        <p:cNvGrpSpPr/>
-        <p:nvPr/>
-      </p:nvGrpSpPr>
-      <p:grpSpPr>
-        <a:xfrm>
-          <a:off x="0" y="0"/>
-          <a:ext cx="0" cy="0"/>
-          <a:chOff x="0" y="0"/>
-          <a:chExt cx="0" cy="0"/>
-        </a:xfrm>
-      </p:grpSpPr>
-      <p:sp>
-        <p:nvSpPr>
-          <p:cNvPr id="2" name="Title 1"/>
-          <p:cNvSpPr>
-            <a:spLocks noGrp="1"/>
-          </p:cNvSpPr>
-          <p:nvPr>
-            <p:ph type="title"/>
-          </p:nvPr>
-        </p:nvSpPr>
-        <p:spPr/>
-        <p:txBody>
-          <a:bodyPr/>
-          <a:lstStyle/>
-          <a:p>
-            <a:endParaRPr lang="en-IN"/>
-          </a:p>
-        </p:txBody>
-      </p:sp>
       <p:graphicFrame>
         <p:nvGraphicFramePr>
           <p:cNvPr id="4" name="Content Placeholder 3"/>
@@ -42814,7 +44403,7 @@
         </p:xfrm>
         <a:graphic>
           <a:graphicData uri="http://schemas.openxmlformats.org/drawingml/2006/diagram">
-            <dgm:relIds xmlns:dgm="http://schemas.openxmlformats.org/drawingml/2006/diagram" xmlns:r="http://schemas.openxmlformats.org/officeDocument/2006/relationships" r:dm="rId2" r:lo="rId3" r:qs="rId4" r:cs="rId5"/>
+            <dgm:relIds xmlns:dgm="http://schemas.openxmlformats.org/drawingml/2006/diagram" xmlns:r="http://schemas.openxmlformats.org/officeDocument/2006/relationships" r:dm="rId3" r:lo="rId4" r:qs="rId5" r:cs="rId6"/>
           </a:graphicData>
         </a:graphic>
       </p:graphicFrame>
@@ -42930,7 +44519,7 @@
         </p:xfrm>
         <a:graphic>
           <a:graphicData uri="http://schemas.openxmlformats.org/drawingml/2006/diagram">
-            <dgm:relIds xmlns:dgm="http://schemas.openxmlformats.org/drawingml/2006/diagram" xmlns:r="http://schemas.openxmlformats.org/officeDocument/2006/relationships" r:dm="rId7" r:lo="rId8" r:qs="rId9" r:cs="rId10"/>
+            <dgm:relIds xmlns:dgm="http://schemas.openxmlformats.org/drawingml/2006/diagram" xmlns:r="http://schemas.openxmlformats.org/officeDocument/2006/relationships" r:dm="rId8" r:lo="rId9" r:qs="rId10" r:cs="rId11"/>
           </a:graphicData>
         </a:graphic>
       </p:graphicFrame>
@@ -43179,7 +44768,7 @@
 </p:sld>
 </file>
 
-<file path=ppt/slides/slide4.xml><?xml version="1.0" encoding="utf-8"?>
+<file path=ppt/slides/slide3.xml><?xml version="1.0" encoding="utf-8"?>
 <p:sld xmlns:a="http://schemas.openxmlformats.org/drawingml/2006/main" xmlns:r="http://schemas.openxmlformats.org/officeDocument/2006/relationships" xmlns:p="http://schemas.openxmlformats.org/presentationml/2006/main">
   <p:cSld>
     <p:spTree>
@@ -43225,7 +44814,7 @@
             <p:ph idx="1"/>
             <p:extLst>
               <p:ext uri="{D42A27DB-BD31-4B8C-83A1-F6EECF244321}">
-                <p14:modId xmlns:p14="http://schemas.microsoft.com/office/powerpoint/2010/main" val="3537299332"/>
+                <p14:modId xmlns:p14="http://schemas.microsoft.com/office/powerpoint/2010/main" xmlns="" val="3537299332"/>
               </p:ext>
             </p:extLst>
           </p:nvPr>
@@ -43236,14 +44825,14 @@
         </p:xfrm>
         <a:graphic>
           <a:graphicData uri="http://schemas.openxmlformats.org/drawingml/2006/diagram">
-            <dgm:relIds xmlns:dgm="http://schemas.openxmlformats.org/drawingml/2006/diagram" xmlns:r="http://schemas.openxmlformats.org/officeDocument/2006/relationships" r:dm="rId2" r:lo="rId3" r:qs="rId4" r:cs="rId5"/>
+            <dgm:relIds xmlns:dgm="http://schemas.openxmlformats.org/drawingml/2006/diagram" xmlns:r="http://schemas.openxmlformats.org/officeDocument/2006/relationships" r:dm="rId3" r:lo="rId4" r:qs="rId5" r:cs="rId6"/>
           </a:graphicData>
         </a:graphic>
       </p:graphicFrame>
     </p:spTree>
     <p:extLst>
       <p:ext uri="{BB962C8B-B14F-4D97-AF65-F5344CB8AC3E}">
-        <p14:creationId xmlns:p14="http://schemas.microsoft.com/office/powerpoint/2010/main" val="2350175017"/>
+        <p14:creationId xmlns:p14="http://schemas.microsoft.com/office/powerpoint/2010/main" xmlns="" val="2350175017"/>
       </p:ext>
     </p:extLst>
   </p:cSld>
@@ -43260,7 +44849,7 @@
 </p:sld>
 </file>
 
-<file path=ppt/slides/slide5.xml><?xml version="1.0" encoding="utf-8"?>
+<file path=ppt/slides/slide4.xml><?xml version="1.0" encoding="utf-8"?>
 <p:sld xmlns:a="http://schemas.openxmlformats.org/drawingml/2006/main" xmlns:r="http://schemas.openxmlformats.org/officeDocument/2006/relationships" xmlns:p="http://schemas.openxmlformats.org/presentationml/2006/main">
   <p:cSld>
     <p:spTree>
@@ -43279,7 +44868,7 @@
       </p:grpSpPr>
       <p:sp>
         <p:nvSpPr>
-          <p:cNvPr id="2" name="Title 1"/>
+          <p:cNvPr id="9" name="Title 8"/>
           <p:cNvSpPr>
             <a:spLocks noGrp="1"/>
           </p:cNvSpPr>
@@ -43287,12 +44876,7 @@
             <p:ph type="title"/>
           </p:nvPr>
         </p:nvSpPr>
-        <p:spPr>
-          <a:xfrm>
-            <a:off x="533400" y="381000"/>
-            <a:ext cx="8305800" cy="990600"/>
-          </a:xfrm>
-        </p:spPr>
+        <p:spPr/>
         <p:txBody>
           <a:bodyPr/>
           <a:lstStyle/>
@@ -43308,21 +44892,21 @@
             <a:graphicFrameLocks noGrp="1"/>
           </p:cNvGraphicFramePr>
           <p:nvPr>
-            <p:ph idx="1"/>
+            <p:ph idx="4294967295"/>
             <p:extLst>
               <p:ext uri="{D42A27DB-BD31-4B8C-83A1-F6EECF244321}">
-                <p14:modId xmlns:p14="http://schemas.microsoft.com/office/powerpoint/2010/main" val="2475547916"/>
+                <p14:modId xmlns:p14="http://schemas.microsoft.com/office/powerpoint/2010/main" xmlns="" val="2475547916"/>
               </p:ext>
             </p:extLst>
           </p:nvPr>
         </p:nvGraphicFramePr>
         <p:xfrm>
-          <a:off x="2895600" y="2971800"/>
-          <a:ext cx="3352800" cy="1066799"/>
+          <a:off x="0" y="2971800"/>
+          <a:ext cx="3352800" cy="1066800"/>
         </p:xfrm>
         <a:graphic>
           <a:graphicData uri="http://schemas.openxmlformats.org/drawingml/2006/diagram">
-            <dgm:relIds xmlns:dgm="http://schemas.openxmlformats.org/drawingml/2006/diagram" xmlns:r="http://schemas.openxmlformats.org/officeDocument/2006/relationships" r:dm="rId2" r:lo="rId3" r:qs="rId4" r:cs="rId5"/>
+            <dgm:relIds xmlns:dgm="http://schemas.openxmlformats.org/drawingml/2006/diagram" xmlns:r="http://schemas.openxmlformats.org/officeDocument/2006/relationships" r:dm="rId3" r:lo="rId4" r:qs="rId5" r:cs="rId6"/>
           </a:graphicData>
         </a:graphic>
       </p:graphicFrame>
@@ -43333,7 +44917,7 @@
           <p:nvPr>
             <p:extLst>
               <p:ext uri="{D42A27DB-BD31-4B8C-83A1-F6EECF244321}">
-                <p14:modId xmlns:p14="http://schemas.microsoft.com/office/powerpoint/2010/main" val="1761478570"/>
+                <p14:modId xmlns:p14="http://schemas.microsoft.com/office/powerpoint/2010/main" xmlns="" val="1761478570"/>
               </p:ext>
             </p:extLst>
           </p:nvPr>
@@ -43344,7 +44928,7 @@
         </p:xfrm>
         <a:graphic>
           <a:graphicData uri="http://schemas.openxmlformats.org/drawingml/2006/diagram">
-            <dgm:relIds xmlns:dgm="http://schemas.openxmlformats.org/drawingml/2006/diagram" xmlns:r="http://schemas.openxmlformats.org/officeDocument/2006/relationships" r:dm="rId7" r:lo="rId8" r:qs="rId9" r:cs="rId10"/>
+            <dgm:relIds xmlns:dgm="http://schemas.openxmlformats.org/drawingml/2006/diagram" xmlns:r="http://schemas.openxmlformats.org/officeDocument/2006/relationships" r:dm="rId8" r:lo="rId9" r:qs="rId10" r:cs="rId11"/>
           </a:graphicData>
         </a:graphic>
       </p:graphicFrame>
@@ -43357,7 +44941,7 @@
           <p:nvPr>
             <p:extLst>
               <p:ext uri="{D42A27DB-BD31-4B8C-83A1-F6EECF244321}">
-                <p14:modId xmlns:p14="http://schemas.microsoft.com/office/powerpoint/2010/main" val="1111039397"/>
+                <p14:modId xmlns:p14="http://schemas.microsoft.com/office/powerpoint/2010/main" xmlns="" val="1111039397"/>
               </p:ext>
             </p:extLst>
           </p:nvPr>
@@ -43368,7 +44952,7 @@
         </p:xfrm>
         <a:graphic>
           <a:graphicData uri="http://schemas.openxmlformats.org/drawingml/2006/diagram">
-            <dgm:relIds xmlns:dgm="http://schemas.openxmlformats.org/drawingml/2006/diagram" xmlns:r="http://schemas.openxmlformats.org/officeDocument/2006/relationships" r:dm="rId12" r:lo="rId13" r:qs="rId14" r:cs="rId15"/>
+            <dgm:relIds xmlns:dgm="http://schemas.openxmlformats.org/drawingml/2006/diagram" xmlns:r="http://schemas.openxmlformats.org/officeDocument/2006/relationships" r:dm="rId13" r:lo="rId14" r:qs="rId15" r:cs="rId16"/>
           </a:graphicData>
         </a:graphic>
       </p:graphicFrame>
@@ -43484,7 +45068,7 @@
     </p:spTree>
     <p:extLst>
       <p:ext uri="{BB962C8B-B14F-4D97-AF65-F5344CB8AC3E}">
-        <p14:creationId xmlns:p14="http://schemas.microsoft.com/office/powerpoint/2010/main" val="2434108879"/>
+        <p14:creationId xmlns:p14="http://schemas.microsoft.com/office/powerpoint/2010/main" xmlns="" val="2434108879"/>
       </p:ext>
     </p:extLst>
   </p:cSld>
@@ -43498,6 +45082,2158 @@
       </p:par>
     </p:tnLst>
   </p:timing>
+</p:sld>
+</file>
+
+<file path=ppt/slides/slide5.xml><?xml version="1.0" encoding="utf-8"?>
+<p:sld xmlns:a="http://schemas.openxmlformats.org/drawingml/2006/main" xmlns:r="http://schemas.openxmlformats.org/officeDocument/2006/relationships" xmlns:p="http://schemas.openxmlformats.org/presentationml/2006/main">
+  <p:cSld>
+    <p:spTree>
+      <p:nvGrpSpPr>
+        <p:cNvPr id="1" name=""/>
+        <p:cNvGrpSpPr/>
+        <p:nvPr/>
+      </p:nvGrpSpPr>
+      <p:grpSpPr>
+        <a:xfrm>
+          <a:off x="0" y="0"/>
+          <a:ext cx="0" cy="0"/>
+          <a:chOff x="0" y="0"/>
+          <a:chExt cx="0" cy="0"/>
+        </a:xfrm>
+      </p:grpSpPr>
+      <p:sp>
+        <p:nvSpPr>
+          <p:cNvPr id="18" name="TextBox 17"/>
+          <p:cNvSpPr txBox="1"/>
+          <p:nvPr/>
+        </p:nvSpPr>
+        <p:spPr>
+          <a:xfrm>
+            <a:off x="4211960" y="3429000"/>
+            <a:ext cx="325730" cy="215444"/>
+          </a:xfrm>
+          <a:prstGeom prst="rect">
+            <a:avLst/>
+          </a:prstGeom>
+          <a:noFill/>
+          <a:ln>
+            <a:noFill/>
+          </a:ln>
+        </p:spPr>
+        <p:style>
+          <a:lnRef idx="1">
+            <a:schemeClr val="accent1"/>
+          </a:lnRef>
+          <a:fillRef idx="2">
+            <a:schemeClr val="accent1"/>
+          </a:fillRef>
+          <a:effectRef idx="1">
+            <a:schemeClr val="accent1"/>
+          </a:effectRef>
+          <a:fontRef idx="minor">
+            <a:schemeClr val="dk1"/>
+          </a:fontRef>
+        </p:style>
+        <p:txBody>
+          <a:bodyPr wrap="none" rtlCol="0">
+            <a:spAutoFit/>
+          </a:bodyPr>
+          <a:lstStyle/>
+          <a:p>
+            <a:r>
+              <a:rPr lang="en-US" sz="800" dirty="0" smtClean="0"/>
+              <a:t>Yes</a:t>
+            </a:r>
+            <a:endParaRPr lang="en-US" sz="800" dirty="0"/>
+          </a:p>
+        </p:txBody>
+      </p:sp>
+      <p:sp>
+        <p:nvSpPr>
+          <p:cNvPr id="2" name="Title 1"/>
+          <p:cNvSpPr>
+            <a:spLocks noGrp="1"/>
+          </p:cNvSpPr>
+          <p:nvPr>
+            <p:ph type="title"/>
+          </p:nvPr>
+        </p:nvSpPr>
+        <p:spPr>
+          <a:xfrm>
+            <a:off x="457200" y="274638"/>
+            <a:ext cx="8229600" cy="562074"/>
+          </a:xfrm>
+        </p:spPr>
+        <p:txBody>
+          <a:bodyPr>
+            <a:normAutofit fontScale="90000"/>
+          </a:bodyPr>
+          <a:lstStyle/>
+          <a:p>
+            <a:r>
+              <a:rPr lang="en-US" dirty="0" smtClean="0"/>
+              <a:t>Mrw_debug.tif</a:t>
+            </a:r>
+            <a:endParaRPr lang="en-US" dirty="0"/>
+          </a:p>
+        </p:txBody>
+      </p:sp>
+      <p:sp>
+        <p:nvSpPr>
+          <p:cNvPr id="3" name="Flowchart: Predefined Process 2"/>
+          <p:cNvSpPr/>
+          <p:nvPr/>
+        </p:nvSpPr>
+        <p:spPr>
+          <a:xfrm>
+            <a:off x="3815916" y="1844824"/>
+            <a:ext cx="864096" cy="360040"/>
+          </a:xfrm>
+          <a:prstGeom prst="flowChartPredefinedProcess">
+            <a:avLst/>
+          </a:prstGeom>
+        </p:spPr>
+        <p:style>
+          <a:lnRef idx="1">
+            <a:schemeClr val="accent1"/>
+          </a:lnRef>
+          <a:fillRef idx="2">
+            <a:schemeClr val="accent1"/>
+          </a:fillRef>
+          <a:effectRef idx="1">
+            <a:schemeClr val="accent1"/>
+          </a:effectRef>
+          <a:fontRef idx="minor">
+            <a:schemeClr val="dk1"/>
+          </a:fontRef>
+        </p:style>
+        <p:txBody>
+          <a:bodyPr rtlCol="0" anchor="ctr"/>
+          <a:lstStyle/>
+          <a:p>
+            <a:pPr algn="ctr"/>
+            <a:r>
+              <a:rPr lang="en-US" sz="800" dirty="0" smtClean="0"/>
+              <a:t>Read</a:t>
+            </a:r>
+          </a:p>
+          <a:p>
+            <a:pPr algn="ctr"/>
+            <a:r>
+              <a:rPr lang="en-US" sz="800" dirty="0" smtClean="0"/>
+              <a:t>error</a:t>
+            </a:r>
+            <a:endParaRPr lang="en-US" sz="800" dirty="0"/>
+          </a:p>
+        </p:txBody>
+      </p:sp>
+      <p:sp>
+        <p:nvSpPr>
+          <p:cNvPr id="4" name="Flowchart: Alternate Process 3"/>
+          <p:cNvSpPr/>
+          <p:nvPr/>
+        </p:nvSpPr>
+        <p:spPr>
+          <a:xfrm>
+            <a:off x="3671900" y="2420888"/>
+            <a:ext cx="1152128" cy="288032"/>
+          </a:xfrm>
+          <a:prstGeom prst="flowChartAlternateProcess">
+            <a:avLst/>
+          </a:prstGeom>
+        </p:spPr>
+        <p:style>
+          <a:lnRef idx="1">
+            <a:schemeClr val="accent1"/>
+          </a:lnRef>
+          <a:fillRef idx="2">
+            <a:schemeClr val="accent1"/>
+          </a:fillRef>
+          <a:effectRef idx="1">
+            <a:schemeClr val="accent1"/>
+          </a:effectRef>
+          <a:fontRef idx="minor">
+            <a:schemeClr val="dk1"/>
+          </a:fontRef>
+        </p:style>
+        <p:txBody>
+          <a:bodyPr rtlCol="0" anchor="ctr"/>
+          <a:lstStyle/>
+          <a:p>
+            <a:pPr algn="ctr"/>
+            <a:r>
+              <a:rPr lang="en-US" sz="800" dirty="0" smtClean="0"/>
+              <a:t>Find Address of Read</a:t>
+            </a:r>
+            <a:endParaRPr lang="en-US" sz="800" dirty="0"/>
+          </a:p>
+        </p:txBody>
+      </p:sp>
+      <p:sp>
+        <p:nvSpPr>
+          <p:cNvPr id="6" name="Flowchart: Decision 5"/>
+          <p:cNvSpPr/>
+          <p:nvPr/>
+        </p:nvSpPr>
+        <p:spPr>
+          <a:xfrm>
+            <a:off x="3419872" y="3645025"/>
+            <a:ext cx="1656184" cy="432047"/>
+          </a:xfrm>
+          <a:prstGeom prst="flowChartDecision">
+            <a:avLst/>
+          </a:prstGeom>
+        </p:spPr>
+        <p:style>
+          <a:lnRef idx="1">
+            <a:schemeClr val="accent1"/>
+          </a:lnRef>
+          <a:fillRef idx="2">
+            <a:schemeClr val="accent1"/>
+          </a:fillRef>
+          <a:effectRef idx="1">
+            <a:schemeClr val="accent1"/>
+          </a:effectRef>
+          <a:fontRef idx="minor">
+            <a:schemeClr val="dk1"/>
+          </a:fontRef>
+        </p:style>
+        <p:txBody>
+          <a:bodyPr rtlCol="0" anchor="ctr"/>
+          <a:lstStyle/>
+          <a:p>
+            <a:pPr algn="ctr"/>
+            <a:r>
+              <a:rPr lang="en-US" sz="800" dirty="0" smtClean="0"/>
+              <a:t>Previous write data matches?</a:t>
+            </a:r>
+            <a:endParaRPr lang="en-US" sz="800" dirty="0"/>
+          </a:p>
+        </p:txBody>
+      </p:sp>
+      <p:sp>
+        <p:nvSpPr>
+          <p:cNvPr id="7" name="Flowchart: Decision 6"/>
+          <p:cNvSpPr/>
+          <p:nvPr/>
+        </p:nvSpPr>
+        <p:spPr>
+          <a:xfrm>
+            <a:off x="3455876" y="2924944"/>
+            <a:ext cx="1584176" cy="504055"/>
+          </a:xfrm>
+          <a:prstGeom prst="flowChartDecision">
+            <a:avLst/>
+          </a:prstGeom>
+        </p:spPr>
+        <p:style>
+          <a:lnRef idx="1">
+            <a:schemeClr val="accent1"/>
+          </a:lnRef>
+          <a:fillRef idx="2">
+            <a:schemeClr val="accent1"/>
+          </a:fillRef>
+          <a:effectRef idx="1">
+            <a:schemeClr val="accent1"/>
+          </a:effectRef>
+          <a:fontRef idx="minor">
+            <a:schemeClr val="dk1"/>
+          </a:fontRef>
+        </p:style>
+        <p:txBody>
+          <a:bodyPr rtlCol="0" anchor="ctr"/>
+          <a:lstStyle/>
+          <a:p>
+            <a:pPr algn="ctr"/>
+            <a:r>
+              <a:rPr lang="en-US" sz="800" dirty="0" smtClean="0"/>
+              <a:t>Was there write to same address?</a:t>
+            </a:r>
+            <a:endParaRPr lang="en-US" sz="800" dirty="0"/>
+          </a:p>
+        </p:txBody>
+      </p:sp>
+      <p:cxnSp>
+        <p:nvCxnSpPr>
+          <p:cNvPr id="9" name="Straight Arrow Connector 8"/>
+          <p:cNvCxnSpPr>
+            <a:stCxn id="3" idx="2"/>
+            <a:endCxn id="4" idx="0"/>
+          </p:cNvCxnSpPr>
+          <p:nvPr/>
+        </p:nvCxnSpPr>
+        <p:spPr>
+          <a:xfrm rot="5400000">
+            <a:off x="4139952" y="2312876"/>
+            <a:ext cx="216024" cy="1588"/>
+          </a:xfrm>
+          <a:prstGeom prst="straightConnector1">
+            <a:avLst/>
+          </a:prstGeom>
+          <a:ln>
+            <a:headEnd type="none"/>
+            <a:tailEnd type="triangle"/>
+          </a:ln>
+        </p:spPr>
+        <p:style>
+          <a:lnRef idx="1">
+            <a:schemeClr val="accent1"/>
+          </a:lnRef>
+          <a:fillRef idx="2">
+            <a:schemeClr val="accent1"/>
+          </a:fillRef>
+          <a:effectRef idx="1">
+            <a:schemeClr val="accent1"/>
+          </a:effectRef>
+          <a:fontRef idx="minor">
+            <a:schemeClr val="dk1"/>
+          </a:fontRef>
+        </p:style>
+      </p:cxnSp>
+      <p:cxnSp>
+        <p:nvCxnSpPr>
+          <p:cNvPr id="12" name="Straight Arrow Connector 11"/>
+          <p:cNvCxnSpPr>
+            <a:stCxn id="4" idx="2"/>
+            <a:endCxn id="7" idx="0"/>
+          </p:cNvCxnSpPr>
+          <p:nvPr/>
+        </p:nvCxnSpPr>
+        <p:spPr>
+          <a:xfrm rot="5400000">
+            <a:off x="4139952" y="2816932"/>
+            <a:ext cx="216024" cy="1588"/>
+          </a:xfrm>
+          <a:prstGeom prst="straightConnector1">
+            <a:avLst/>
+          </a:prstGeom>
+          <a:ln>
+            <a:headEnd type="none"/>
+            <a:tailEnd type="triangle"/>
+          </a:ln>
+        </p:spPr>
+        <p:style>
+          <a:lnRef idx="1">
+            <a:schemeClr val="accent1"/>
+          </a:lnRef>
+          <a:fillRef idx="2">
+            <a:schemeClr val="accent1"/>
+          </a:fillRef>
+          <a:effectRef idx="1">
+            <a:schemeClr val="accent1"/>
+          </a:effectRef>
+          <a:fontRef idx="minor">
+            <a:schemeClr val="dk1"/>
+          </a:fontRef>
+        </p:style>
+      </p:cxnSp>
+      <p:cxnSp>
+        <p:nvCxnSpPr>
+          <p:cNvPr id="15" name="Straight Arrow Connector 14"/>
+          <p:cNvCxnSpPr>
+            <a:stCxn id="7" idx="2"/>
+            <a:endCxn id="6" idx="0"/>
+          </p:cNvCxnSpPr>
+          <p:nvPr/>
+        </p:nvCxnSpPr>
+        <p:spPr>
+          <a:xfrm rot="5400000">
+            <a:off x="4139951" y="3537012"/>
+            <a:ext cx="216026" cy="1588"/>
+          </a:xfrm>
+          <a:prstGeom prst="straightConnector1">
+            <a:avLst/>
+          </a:prstGeom>
+          <a:ln>
+            <a:headEnd type="none"/>
+            <a:tailEnd type="triangle"/>
+          </a:ln>
+        </p:spPr>
+        <p:style>
+          <a:lnRef idx="1">
+            <a:schemeClr val="accent1"/>
+          </a:lnRef>
+          <a:fillRef idx="2">
+            <a:schemeClr val="accent1"/>
+          </a:fillRef>
+          <a:effectRef idx="1">
+            <a:schemeClr val="accent1"/>
+          </a:effectRef>
+          <a:fontRef idx="minor">
+            <a:schemeClr val="dk1"/>
+          </a:fontRef>
+        </p:style>
+      </p:cxnSp>
+      <p:sp>
+        <p:nvSpPr>
+          <p:cNvPr id="19" name="TextBox 18"/>
+          <p:cNvSpPr txBox="1"/>
+          <p:nvPr/>
+        </p:nvSpPr>
+        <p:spPr>
+          <a:xfrm>
+            <a:off x="3186988" y="2997532"/>
+            <a:ext cx="304892" cy="215444"/>
+          </a:xfrm>
+          <a:prstGeom prst="rect">
+            <a:avLst/>
+          </a:prstGeom>
+          <a:noFill/>
+          <a:ln>
+            <a:noFill/>
+          </a:ln>
+        </p:spPr>
+        <p:style>
+          <a:lnRef idx="1">
+            <a:schemeClr val="accent1"/>
+          </a:lnRef>
+          <a:fillRef idx="2">
+            <a:schemeClr val="accent1"/>
+          </a:fillRef>
+          <a:effectRef idx="1">
+            <a:schemeClr val="accent1"/>
+          </a:effectRef>
+          <a:fontRef idx="minor">
+            <a:schemeClr val="dk1"/>
+          </a:fontRef>
+        </p:style>
+        <p:txBody>
+          <a:bodyPr wrap="none" rtlCol="0">
+            <a:spAutoFit/>
+          </a:bodyPr>
+          <a:lstStyle/>
+          <a:p>
+            <a:r>
+              <a:rPr lang="en-US" sz="800" dirty="0" smtClean="0"/>
+              <a:t>No</a:t>
+            </a:r>
+            <a:endParaRPr lang="en-US" sz="800" dirty="0"/>
+          </a:p>
+        </p:txBody>
+      </p:sp>
+      <p:sp>
+        <p:nvSpPr>
+          <p:cNvPr id="21" name="Flowchart: Decision 20"/>
+          <p:cNvSpPr/>
+          <p:nvPr/>
+        </p:nvSpPr>
+        <p:spPr>
+          <a:xfrm>
+            <a:off x="1403648" y="2924944"/>
+            <a:ext cx="1584176" cy="504055"/>
+          </a:xfrm>
+          <a:prstGeom prst="flowChartDecision">
+            <a:avLst/>
+          </a:prstGeom>
+        </p:spPr>
+        <p:style>
+          <a:lnRef idx="1">
+            <a:schemeClr val="accent1"/>
+          </a:lnRef>
+          <a:fillRef idx="2">
+            <a:schemeClr val="accent1"/>
+          </a:fillRef>
+          <a:effectRef idx="1">
+            <a:schemeClr val="accent1"/>
+          </a:effectRef>
+          <a:fontRef idx="minor">
+            <a:schemeClr val="dk1"/>
+          </a:fontRef>
+        </p:style>
+        <p:txBody>
+          <a:bodyPr rtlCol="0" anchor="ctr"/>
+          <a:lstStyle/>
+          <a:p>
+            <a:pPr algn="ctr"/>
+            <a:r>
+              <a:rPr lang="en-US" sz="800" dirty="0" smtClean="0"/>
+              <a:t>Is address in range of </a:t>
+            </a:r>
+            <a:r>
+              <a:rPr lang="en-US" sz="800" dirty="0" err="1" smtClean="0"/>
+              <a:t>mem</a:t>
+            </a:r>
+            <a:endParaRPr lang="en-US" sz="800" dirty="0"/>
+          </a:p>
+        </p:txBody>
+      </p:sp>
+      <p:cxnSp>
+        <p:nvCxnSpPr>
+          <p:cNvPr id="23" name="Straight Arrow Connector 22"/>
+          <p:cNvCxnSpPr>
+            <a:stCxn id="7" idx="1"/>
+            <a:endCxn id="21" idx="3"/>
+          </p:cNvCxnSpPr>
+          <p:nvPr/>
+        </p:nvCxnSpPr>
+        <p:spPr>
+          <a:xfrm rot="10800000">
+            <a:off x="2987824" y="3176972"/>
+            <a:ext cx="468052" cy="1588"/>
+          </a:xfrm>
+          <a:prstGeom prst="straightConnector1">
+            <a:avLst/>
+          </a:prstGeom>
+          <a:ln>
+            <a:tailEnd type="triangle"/>
+          </a:ln>
+        </p:spPr>
+        <p:style>
+          <a:lnRef idx="1">
+            <a:schemeClr val="accent1"/>
+          </a:lnRef>
+          <a:fillRef idx="2">
+            <a:schemeClr val="accent1"/>
+          </a:fillRef>
+          <a:effectRef idx="1">
+            <a:schemeClr val="accent1"/>
+          </a:effectRef>
+          <a:fontRef idx="minor">
+            <a:schemeClr val="dk1"/>
+          </a:fontRef>
+        </p:style>
+      </p:cxnSp>
+      <p:sp>
+        <p:nvSpPr>
+          <p:cNvPr id="24" name="Flowchart: Terminator 23"/>
+          <p:cNvSpPr/>
+          <p:nvPr/>
+        </p:nvSpPr>
+        <p:spPr>
+          <a:xfrm>
+            <a:off x="3743908" y="5517232"/>
+            <a:ext cx="1008112" cy="288032"/>
+          </a:xfrm>
+          <a:prstGeom prst="flowChartTerminator">
+            <a:avLst/>
+          </a:prstGeom>
+        </p:spPr>
+        <p:style>
+          <a:lnRef idx="1">
+            <a:schemeClr val="accent1"/>
+          </a:lnRef>
+          <a:fillRef idx="2">
+            <a:schemeClr val="accent1"/>
+          </a:fillRef>
+          <a:effectRef idx="1">
+            <a:schemeClr val="accent1"/>
+          </a:effectRef>
+          <a:fontRef idx="minor">
+            <a:schemeClr val="dk1"/>
+          </a:fontRef>
+        </p:style>
+        <p:txBody>
+          <a:bodyPr rtlCol="0" anchor="ctr"/>
+          <a:lstStyle/>
+          <a:p>
+            <a:pPr algn="ctr"/>
+            <a:r>
+              <a:rPr lang="en-US" sz="800" dirty="0" smtClean="0"/>
+              <a:t>Debugged</a:t>
+            </a:r>
+            <a:endParaRPr lang="en-US" sz="800" dirty="0"/>
+          </a:p>
+        </p:txBody>
+      </p:sp>
+      <p:sp>
+        <p:nvSpPr>
+          <p:cNvPr id="25" name="TextBox 24"/>
+          <p:cNvSpPr txBox="1"/>
+          <p:nvPr/>
+        </p:nvSpPr>
+        <p:spPr>
+          <a:xfrm>
+            <a:off x="2178876" y="3429000"/>
+            <a:ext cx="304892" cy="215444"/>
+          </a:xfrm>
+          <a:prstGeom prst="rect">
+            <a:avLst/>
+          </a:prstGeom>
+          <a:noFill/>
+          <a:ln>
+            <a:noFill/>
+          </a:ln>
+        </p:spPr>
+        <p:style>
+          <a:lnRef idx="1">
+            <a:schemeClr val="accent1"/>
+          </a:lnRef>
+          <a:fillRef idx="2">
+            <a:schemeClr val="accent1"/>
+          </a:fillRef>
+          <a:effectRef idx="1">
+            <a:schemeClr val="accent1"/>
+          </a:effectRef>
+          <a:fontRef idx="minor">
+            <a:schemeClr val="dk1"/>
+          </a:fontRef>
+        </p:style>
+        <p:txBody>
+          <a:bodyPr wrap="none" rtlCol="0">
+            <a:spAutoFit/>
+          </a:bodyPr>
+          <a:lstStyle/>
+          <a:p>
+            <a:r>
+              <a:rPr lang="en-US" sz="800" dirty="0" smtClean="0"/>
+              <a:t>No</a:t>
+            </a:r>
+            <a:endParaRPr lang="en-US" sz="800" dirty="0"/>
+          </a:p>
+        </p:txBody>
+      </p:sp>
+      <p:sp>
+        <p:nvSpPr>
+          <p:cNvPr id="27" name="TextBox 26"/>
+          <p:cNvSpPr txBox="1"/>
+          <p:nvPr/>
+        </p:nvSpPr>
+        <p:spPr>
+          <a:xfrm>
+            <a:off x="2123728" y="2708920"/>
+            <a:ext cx="325730" cy="215444"/>
+          </a:xfrm>
+          <a:prstGeom prst="rect">
+            <a:avLst/>
+          </a:prstGeom>
+          <a:noFill/>
+          <a:ln>
+            <a:noFill/>
+          </a:ln>
+        </p:spPr>
+        <p:style>
+          <a:lnRef idx="1">
+            <a:schemeClr val="accent1"/>
+          </a:lnRef>
+          <a:fillRef idx="2">
+            <a:schemeClr val="accent1"/>
+          </a:fillRef>
+          <a:effectRef idx="1">
+            <a:schemeClr val="accent1"/>
+          </a:effectRef>
+          <a:fontRef idx="minor">
+            <a:schemeClr val="dk1"/>
+          </a:fontRef>
+        </p:style>
+        <p:txBody>
+          <a:bodyPr wrap="none" rtlCol="0">
+            <a:spAutoFit/>
+          </a:bodyPr>
+          <a:lstStyle/>
+          <a:p>
+            <a:r>
+              <a:rPr lang="en-US" sz="800" dirty="0" smtClean="0"/>
+              <a:t>Yes</a:t>
+            </a:r>
+            <a:endParaRPr lang="en-US" sz="800" dirty="0"/>
+          </a:p>
+        </p:txBody>
+      </p:sp>
+      <p:cxnSp>
+        <p:nvCxnSpPr>
+          <p:cNvPr id="28" name="Straight Arrow Connector 27"/>
+          <p:cNvCxnSpPr>
+            <a:stCxn id="21" idx="0"/>
+          </p:cNvCxnSpPr>
+          <p:nvPr/>
+        </p:nvCxnSpPr>
+        <p:spPr>
+          <a:xfrm rot="5400000" flipH="1" flipV="1">
+            <a:off x="2052514" y="2780928"/>
+            <a:ext cx="287238" cy="794"/>
+          </a:xfrm>
+          <a:prstGeom prst="straightConnector1">
+            <a:avLst/>
+          </a:prstGeom>
+          <a:ln>
+            <a:headEnd type="none"/>
+            <a:tailEnd type="triangle"/>
+          </a:ln>
+        </p:spPr>
+        <p:style>
+          <a:lnRef idx="1">
+            <a:schemeClr val="accent1"/>
+          </a:lnRef>
+          <a:fillRef idx="2">
+            <a:schemeClr val="accent1"/>
+          </a:fillRef>
+          <a:effectRef idx="1">
+            <a:schemeClr val="accent1"/>
+          </a:effectRef>
+          <a:fontRef idx="minor">
+            <a:schemeClr val="dk1"/>
+          </a:fontRef>
+        </p:style>
+      </p:cxnSp>
+      <p:sp>
+        <p:nvSpPr>
+          <p:cNvPr id="31" name="Flowchart: Off-page Connector 30"/>
+          <p:cNvSpPr/>
+          <p:nvPr/>
+        </p:nvSpPr>
+        <p:spPr>
+          <a:xfrm>
+            <a:off x="1835696" y="2348880"/>
+            <a:ext cx="720080" cy="288032"/>
+          </a:xfrm>
+          <a:prstGeom prst="flowChartOffpageConnector">
+            <a:avLst/>
+          </a:prstGeom>
+        </p:spPr>
+        <p:style>
+          <a:lnRef idx="1">
+            <a:schemeClr val="accent1"/>
+          </a:lnRef>
+          <a:fillRef idx="2">
+            <a:schemeClr val="accent1"/>
+          </a:fillRef>
+          <a:effectRef idx="1">
+            <a:schemeClr val="accent1"/>
+          </a:effectRef>
+          <a:fontRef idx="minor">
+            <a:schemeClr val="dk1"/>
+          </a:fontRef>
+        </p:style>
+        <p:txBody>
+          <a:bodyPr rtlCol="0" anchor="ctr"/>
+          <a:lstStyle/>
+          <a:p>
+            <a:pPr algn="ctr"/>
+            <a:r>
+              <a:rPr lang="en-US" sz="800" dirty="0" smtClean="0"/>
+              <a:t>Another cause</a:t>
+            </a:r>
+            <a:endParaRPr lang="en-US" sz="800" dirty="0"/>
+          </a:p>
+        </p:txBody>
+      </p:sp>
+      <p:sp>
+        <p:nvSpPr>
+          <p:cNvPr id="32" name="Flowchart: Alternate Process 31"/>
+          <p:cNvSpPr/>
+          <p:nvPr/>
+        </p:nvSpPr>
+        <p:spPr>
+          <a:xfrm>
+            <a:off x="1619672" y="3645024"/>
+            <a:ext cx="1152128" cy="288032"/>
+          </a:xfrm>
+          <a:prstGeom prst="flowChartAlternateProcess">
+            <a:avLst/>
+          </a:prstGeom>
+        </p:spPr>
+        <p:style>
+          <a:lnRef idx="1">
+            <a:schemeClr val="accent1"/>
+          </a:lnRef>
+          <a:fillRef idx="2">
+            <a:schemeClr val="accent1"/>
+          </a:fillRef>
+          <a:effectRef idx="1">
+            <a:schemeClr val="accent1"/>
+          </a:effectRef>
+          <a:fontRef idx="minor">
+            <a:schemeClr val="dk1"/>
+          </a:fontRef>
+        </p:style>
+        <p:txBody>
+          <a:bodyPr rtlCol="0" anchor="ctr"/>
+          <a:lstStyle/>
+          <a:p>
+            <a:pPr algn="ctr"/>
+            <a:r>
+              <a:rPr lang="en-US" sz="800" dirty="0" smtClean="0"/>
+              <a:t>Find error in </a:t>
+            </a:r>
+            <a:r>
+              <a:rPr lang="en-US" sz="800" dirty="0" err="1" smtClean="0"/>
+              <a:t>addr</a:t>
+            </a:r>
+            <a:r>
+              <a:rPr lang="en-US" sz="800" dirty="0" smtClean="0"/>
+              <a:t> gen logic</a:t>
+            </a:r>
+            <a:endParaRPr lang="en-US" sz="800" dirty="0"/>
+          </a:p>
+        </p:txBody>
+      </p:sp>
+      <p:cxnSp>
+        <p:nvCxnSpPr>
+          <p:cNvPr id="33" name="Straight Arrow Connector 32"/>
+          <p:cNvCxnSpPr>
+            <a:stCxn id="21" idx="2"/>
+            <a:endCxn id="32" idx="0"/>
+          </p:cNvCxnSpPr>
+          <p:nvPr/>
+        </p:nvCxnSpPr>
+        <p:spPr>
+          <a:xfrm rot="5400000">
+            <a:off x="2087724" y="3537011"/>
+            <a:ext cx="216025" cy="1588"/>
+          </a:xfrm>
+          <a:prstGeom prst="straightConnector1">
+            <a:avLst/>
+          </a:prstGeom>
+          <a:ln>
+            <a:headEnd type="none"/>
+            <a:tailEnd type="triangle"/>
+          </a:ln>
+        </p:spPr>
+        <p:style>
+          <a:lnRef idx="1">
+            <a:schemeClr val="accent1"/>
+          </a:lnRef>
+          <a:fillRef idx="2">
+            <a:schemeClr val="accent1"/>
+          </a:fillRef>
+          <a:effectRef idx="1">
+            <a:schemeClr val="accent1"/>
+          </a:effectRef>
+          <a:fontRef idx="minor">
+            <a:schemeClr val="dk1"/>
+          </a:fontRef>
+        </p:style>
+      </p:cxnSp>
+      <p:cxnSp>
+        <p:nvCxnSpPr>
+          <p:cNvPr id="38" name="Straight Arrow Connector 37"/>
+          <p:cNvCxnSpPr>
+            <a:stCxn id="32" idx="2"/>
+            <a:endCxn id="24" idx="1"/>
+          </p:cNvCxnSpPr>
+          <p:nvPr/>
+        </p:nvCxnSpPr>
+        <p:spPr>
+          <a:xfrm rot="16200000" flipH="1">
+            <a:off x="2105726" y="4023066"/>
+            <a:ext cx="1728192" cy="1548172"/>
+          </a:xfrm>
+          <a:prstGeom prst="bentConnector2">
+            <a:avLst/>
+          </a:prstGeom>
+          <a:ln>
+            <a:headEnd type="none"/>
+            <a:tailEnd type="triangle"/>
+          </a:ln>
+        </p:spPr>
+        <p:style>
+          <a:lnRef idx="1">
+            <a:schemeClr val="accent1"/>
+          </a:lnRef>
+          <a:fillRef idx="2">
+            <a:schemeClr val="accent1"/>
+          </a:fillRef>
+          <a:effectRef idx="1">
+            <a:schemeClr val="accent1"/>
+          </a:effectRef>
+          <a:fontRef idx="minor">
+            <a:schemeClr val="dk1"/>
+          </a:fontRef>
+        </p:style>
+      </p:cxnSp>
+      <p:sp>
+        <p:nvSpPr>
+          <p:cNvPr id="41" name="TextBox 40"/>
+          <p:cNvSpPr txBox="1"/>
+          <p:nvPr/>
+        </p:nvSpPr>
+        <p:spPr>
+          <a:xfrm>
+            <a:off x="4195100" y="4077072"/>
+            <a:ext cx="304892" cy="215444"/>
+          </a:xfrm>
+          <a:prstGeom prst="rect">
+            <a:avLst/>
+          </a:prstGeom>
+          <a:noFill/>
+          <a:ln>
+            <a:noFill/>
+          </a:ln>
+        </p:spPr>
+        <p:style>
+          <a:lnRef idx="1">
+            <a:schemeClr val="accent1"/>
+          </a:lnRef>
+          <a:fillRef idx="2">
+            <a:schemeClr val="accent1"/>
+          </a:fillRef>
+          <a:effectRef idx="1">
+            <a:schemeClr val="accent1"/>
+          </a:effectRef>
+          <a:fontRef idx="minor">
+            <a:schemeClr val="dk1"/>
+          </a:fontRef>
+        </p:style>
+        <p:txBody>
+          <a:bodyPr wrap="none" rtlCol="0">
+            <a:spAutoFit/>
+          </a:bodyPr>
+          <a:lstStyle/>
+          <a:p>
+            <a:r>
+              <a:rPr lang="en-US" sz="800" dirty="0" smtClean="0"/>
+              <a:t>No</a:t>
+            </a:r>
+            <a:endParaRPr lang="en-US" sz="800" dirty="0"/>
+          </a:p>
+        </p:txBody>
+      </p:sp>
+      <p:sp>
+        <p:nvSpPr>
+          <p:cNvPr id="44" name="Flowchart: Decision 43"/>
+          <p:cNvSpPr/>
+          <p:nvPr/>
+        </p:nvSpPr>
+        <p:spPr>
+          <a:xfrm>
+            <a:off x="3419872" y="4293096"/>
+            <a:ext cx="1656184" cy="432047"/>
+          </a:xfrm>
+          <a:prstGeom prst="flowChartDecision">
+            <a:avLst/>
+          </a:prstGeom>
+        </p:spPr>
+        <p:style>
+          <a:lnRef idx="1">
+            <a:schemeClr val="accent1"/>
+          </a:lnRef>
+          <a:fillRef idx="2">
+            <a:schemeClr val="accent1"/>
+          </a:fillRef>
+          <a:effectRef idx="1">
+            <a:schemeClr val="accent1"/>
+          </a:effectRef>
+          <a:fontRef idx="minor">
+            <a:schemeClr val="dk1"/>
+          </a:fontRef>
+        </p:style>
+        <p:txBody>
+          <a:bodyPr rtlCol="0" anchor="ctr"/>
+          <a:lstStyle/>
+          <a:p>
+            <a:pPr algn="ctr"/>
+            <a:r>
+              <a:rPr lang="en-US" sz="800" dirty="0" smtClean="0"/>
+              <a:t>Did bank change during write, read</a:t>
+            </a:r>
+            <a:endParaRPr lang="en-US" sz="800" dirty="0"/>
+          </a:p>
+        </p:txBody>
+      </p:sp>
+      <p:cxnSp>
+        <p:nvCxnSpPr>
+          <p:cNvPr id="45" name="Straight Arrow Connector 44"/>
+          <p:cNvCxnSpPr>
+            <a:stCxn id="6" idx="2"/>
+            <a:endCxn id="44" idx="0"/>
+          </p:cNvCxnSpPr>
+          <p:nvPr/>
+        </p:nvCxnSpPr>
+        <p:spPr>
+          <a:xfrm rot="5400000">
+            <a:off x="4139952" y="4185084"/>
+            <a:ext cx="216024" cy="1588"/>
+          </a:xfrm>
+          <a:prstGeom prst="straightConnector1">
+            <a:avLst/>
+          </a:prstGeom>
+          <a:ln>
+            <a:headEnd type="none"/>
+            <a:tailEnd type="triangle"/>
+          </a:ln>
+        </p:spPr>
+        <p:style>
+          <a:lnRef idx="1">
+            <a:schemeClr val="accent1"/>
+          </a:lnRef>
+          <a:fillRef idx="2">
+            <a:schemeClr val="accent1"/>
+          </a:fillRef>
+          <a:effectRef idx="1">
+            <a:schemeClr val="accent1"/>
+          </a:effectRef>
+          <a:fontRef idx="minor">
+            <a:schemeClr val="dk1"/>
+          </a:fontRef>
+        </p:style>
+      </p:cxnSp>
+      <p:sp>
+        <p:nvSpPr>
+          <p:cNvPr id="48" name="Flowchart: Alternate Process 47"/>
+          <p:cNvSpPr/>
+          <p:nvPr/>
+        </p:nvSpPr>
+        <p:spPr>
+          <a:xfrm>
+            <a:off x="3671900" y="4941168"/>
+            <a:ext cx="1152128" cy="288032"/>
+          </a:xfrm>
+          <a:prstGeom prst="flowChartAlternateProcess">
+            <a:avLst/>
+          </a:prstGeom>
+        </p:spPr>
+        <p:style>
+          <a:lnRef idx="1">
+            <a:schemeClr val="accent1"/>
+          </a:lnRef>
+          <a:fillRef idx="2">
+            <a:schemeClr val="accent1"/>
+          </a:fillRef>
+          <a:effectRef idx="1">
+            <a:schemeClr val="accent1"/>
+          </a:effectRef>
+          <a:fontRef idx="minor">
+            <a:schemeClr val="dk1"/>
+          </a:fontRef>
+        </p:style>
+        <p:txBody>
+          <a:bodyPr rtlCol="0" anchor="ctr"/>
+          <a:lstStyle/>
+          <a:p>
+            <a:pPr algn="ctr"/>
+            <a:r>
+              <a:rPr lang="en-US" sz="800" dirty="0" smtClean="0"/>
+              <a:t>Find Cause of bank change</a:t>
+            </a:r>
+            <a:endParaRPr lang="en-US" sz="800" dirty="0"/>
+          </a:p>
+        </p:txBody>
+      </p:sp>
+      <p:cxnSp>
+        <p:nvCxnSpPr>
+          <p:cNvPr id="49" name="Straight Arrow Connector 48"/>
+          <p:cNvCxnSpPr>
+            <a:stCxn id="44" idx="2"/>
+            <a:endCxn id="48" idx="0"/>
+          </p:cNvCxnSpPr>
+          <p:nvPr/>
+        </p:nvCxnSpPr>
+        <p:spPr>
+          <a:xfrm rot="5400000">
+            <a:off x="4139952" y="4833155"/>
+            <a:ext cx="216025" cy="1588"/>
+          </a:xfrm>
+          <a:prstGeom prst="straightConnector1">
+            <a:avLst/>
+          </a:prstGeom>
+          <a:ln>
+            <a:headEnd type="none"/>
+            <a:tailEnd type="triangle"/>
+          </a:ln>
+        </p:spPr>
+        <p:style>
+          <a:lnRef idx="1">
+            <a:schemeClr val="accent1"/>
+          </a:lnRef>
+          <a:fillRef idx="2">
+            <a:schemeClr val="accent1"/>
+          </a:fillRef>
+          <a:effectRef idx="1">
+            <a:schemeClr val="accent1"/>
+          </a:effectRef>
+          <a:fontRef idx="minor">
+            <a:schemeClr val="dk1"/>
+          </a:fontRef>
+        </p:style>
+      </p:cxnSp>
+      <p:sp>
+        <p:nvSpPr>
+          <p:cNvPr id="52" name="TextBox 51"/>
+          <p:cNvSpPr txBox="1"/>
+          <p:nvPr/>
+        </p:nvSpPr>
+        <p:spPr>
+          <a:xfrm>
+            <a:off x="4211960" y="4725144"/>
+            <a:ext cx="325730" cy="215444"/>
+          </a:xfrm>
+          <a:prstGeom prst="rect">
+            <a:avLst/>
+          </a:prstGeom>
+          <a:noFill/>
+          <a:ln>
+            <a:noFill/>
+          </a:ln>
+        </p:spPr>
+        <p:style>
+          <a:lnRef idx="1">
+            <a:schemeClr val="accent1"/>
+          </a:lnRef>
+          <a:fillRef idx="2">
+            <a:schemeClr val="accent1"/>
+          </a:fillRef>
+          <a:effectRef idx="1">
+            <a:schemeClr val="accent1"/>
+          </a:effectRef>
+          <a:fontRef idx="minor">
+            <a:schemeClr val="dk1"/>
+          </a:fontRef>
+        </p:style>
+        <p:txBody>
+          <a:bodyPr wrap="none" rtlCol="0">
+            <a:spAutoFit/>
+          </a:bodyPr>
+          <a:lstStyle/>
+          <a:p>
+            <a:r>
+              <a:rPr lang="en-US" sz="800" dirty="0" smtClean="0"/>
+              <a:t>Yes</a:t>
+            </a:r>
+            <a:endParaRPr lang="en-US" sz="800" dirty="0"/>
+          </a:p>
+        </p:txBody>
+      </p:sp>
+      <p:cxnSp>
+        <p:nvCxnSpPr>
+          <p:cNvPr id="53" name="Straight Arrow Connector 52"/>
+          <p:cNvCxnSpPr>
+            <a:stCxn id="48" idx="2"/>
+            <a:endCxn id="24" idx="0"/>
+          </p:cNvCxnSpPr>
+          <p:nvPr/>
+        </p:nvCxnSpPr>
+        <p:spPr>
+          <a:xfrm rot="5400000">
+            <a:off x="4103948" y="5373216"/>
+            <a:ext cx="288032" cy="1588"/>
+          </a:xfrm>
+          <a:prstGeom prst="straightConnector1">
+            <a:avLst/>
+          </a:prstGeom>
+          <a:ln>
+            <a:headEnd type="none"/>
+            <a:tailEnd type="triangle"/>
+          </a:ln>
+        </p:spPr>
+        <p:style>
+          <a:lnRef idx="1">
+            <a:schemeClr val="accent1"/>
+          </a:lnRef>
+          <a:fillRef idx="2">
+            <a:schemeClr val="accent1"/>
+          </a:fillRef>
+          <a:effectRef idx="1">
+            <a:schemeClr val="accent1"/>
+          </a:effectRef>
+          <a:fontRef idx="minor">
+            <a:schemeClr val="dk1"/>
+          </a:fontRef>
+        </p:style>
+      </p:cxnSp>
+      <p:sp>
+        <p:nvSpPr>
+          <p:cNvPr id="56" name="TextBox 55"/>
+          <p:cNvSpPr txBox="1"/>
+          <p:nvPr/>
+        </p:nvSpPr>
+        <p:spPr>
+          <a:xfrm>
+            <a:off x="5004048" y="4293096"/>
+            <a:ext cx="304892" cy="215444"/>
+          </a:xfrm>
+          <a:prstGeom prst="rect">
+            <a:avLst/>
+          </a:prstGeom>
+          <a:noFill/>
+          <a:ln>
+            <a:noFill/>
+          </a:ln>
+        </p:spPr>
+        <p:style>
+          <a:lnRef idx="1">
+            <a:schemeClr val="accent1"/>
+          </a:lnRef>
+          <a:fillRef idx="2">
+            <a:schemeClr val="accent1"/>
+          </a:fillRef>
+          <a:effectRef idx="1">
+            <a:schemeClr val="accent1"/>
+          </a:effectRef>
+          <a:fontRef idx="minor">
+            <a:schemeClr val="dk1"/>
+          </a:fontRef>
+        </p:style>
+        <p:txBody>
+          <a:bodyPr wrap="none" rtlCol="0">
+            <a:spAutoFit/>
+          </a:bodyPr>
+          <a:lstStyle/>
+          <a:p>
+            <a:r>
+              <a:rPr lang="en-US" sz="800" dirty="0" smtClean="0"/>
+              <a:t>No</a:t>
+            </a:r>
+            <a:endParaRPr lang="en-US" sz="800" dirty="0"/>
+          </a:p>
+        </p:txBody>
+      </p:sp>
+      <p:sp>
+        <p:nvSpPr>
+          <p:cNvPr id="57" name="Flowchart: Decision 56"/>
+          <p:cNvSpPr/>
+          <p:nvPr/>
+        </p:nvSpPr>
+        <p:spPr>
+          <a:xfrm>
+            <a:off x="5292080" y="4293096"/>
+            <a:ext cx="1656184" cy="432047"/>
+          </a:xfrm>
+          <a:prstGeom prst="flowChartDecision">
+            <a:avLst/>
+          </a:prstGeom>
+        </p:spPr>
+        <p:style>
+          <a:lnRef idx="1">
+            <a:schemeClr val="accent1"/>
+          </a:lnRef>
+          <a:fillRef idx="2">
+            <a:schemeClr val="accent1"/>
+          </a:fillRef>
+          <a:effectRef idx="1">
+            <a:schemeClr val="accent1"/>
+          </a:effectRef>
+          <a:fontRef idx="minor">
+            <a:schemeClr val="dk1"/>
+          </a:fontRef>
+        </p:style>
+        <p:txBody>
+          <a:bodyPr rtlCol="0" anchor="ctr"/>
+          <a:lstStyle/>
+          <a:p>
+            <a:pPr algn="ctr"/>
+            <a:r>
+              <a:rPr lang="en-US" sz="800" dirty="0" smtClean="0"/>
+              <a:t>Is processor executing in correct mode?</a:t>
+            </a:r>
+            <a:endParaRPr lang="en-US" sz="800" dirty="0"/>
+          </a:p>
+        </p:txBody>
+      </p:sp>
+      <p:cxnSp>
+        <p:nvCxnSpPr>
+          <p:cNvPr id="58" name="Straight Arrow Connector 57"/>
+          <p:cNvCxnSpPr>
+            <a:stCxn id="44" idx="3"/>
+            <a:endCxn id="57" idx="1"/>
+          </p:cNvCxnSpPr>
+          <p:nvPr/>
+        </p:nvCxnSpPr>
+        <p:spPr>
+          <a:xfrm>
+            <a:off x="5076056" y="4509120"/>
+            <a:ext cx="216024" cy="1588"/>
+          </a:xfrm>
+          <a:prstGeom prst="straightConnector1">
+            <a:avLst/>
+          </a:prstGeom>
+          <a:ln>
+            <a:headEnd type="none"/>
+            <a:tailEnd type="triangle"/>
+          </a:ln>
+        </p:spPr>
+        <p:style>
+          <a:lnRef idx="1">
+            <a:schemeClr val="accent1"/>
+          </a:lnRef>
+          <a:fillRef idx="2">
+            <a:schemeClr val="accent1"/>
+          </a:fillRef>
+          <a:effectRef idx="1">
+            <a:schemeClr val="accent1"/>
+          </a:effectRef>
+          <a:fontRef idx="minor">
+            <a:schemeClr val="dk1"/>
+          </a:fontRef>
+        </p:style>
+      </p:cxnSp>
+      <p:sp>
+        <p:nvSpPr>
+          <p:cNvPr id="62" name="TextBox 61"/>
+          <p:cNvSpPr txBox="1"/>
+          <p:nvPr/>
+        </p:nvSpPr>
+        <p:spPr>
+          <a:xfrm>
+            <a:off x="5724128" y="4725144"/>
+            <a:ext cx="304892" cy="215444"/>
+          </a:xfrm>
+          <a:prstGeom prst="rect">
+            <a:avLst/>
+          </a:prstGeom>
+          <a:noFill/>
+          <a:ln>
+            <a:noFill/>
+          </a:ln>
+        </p:spPr>
+        <p:style>
+          <a:lnRef idx="1">
+            <a:schemeClr val="accent1"/>
+          </a:lnRef>
+          <a:fillRef idx="2">
+            <a:schemeClr val="accent1"/>
+          </a:fillRef>
+          <a:effectRef idx="1">
+            <a:schemeClr val="accent1"/>
+          </a:effectRef>
+          <a:fontRef idx="minor">
+            <a:schemeClr val="dk1"/>
+          </a:fontRef>
+        </p:style>
+        <p:txBody>
+          <a:bodyPr wrap="none" rtlCol="0">
+            <a:spAutoFit/>
+          </a:bodyPr>
+          <a:lstStyle/>
+          <a:p>
+            <a:r>
+              <a:rPr lang="en-US" sz="800" dirty="0" smtClean="0"/>
+              <a:t>No</a:t>
+            </a:r>
+            <a:endParaRPr lang="en-US" sz="800" dirty="0"/>
+          </a:p>
+        </p:txBody>
+      </p:sp>
+      <p:cxnSp>
+        <p:nvCxnSpPr>
+          <p:cNvPr id="63" name="Straight Arrow Connector 37"/>
+          <p:cNvCxnSpPr>
+            <a:stCxn id="57" idx="2"/>
+            <a:endCxn id="24" idx="3"/>
+          </p:cNvCxnSpPr>
+          <p:nvPr/>
+        </p:nvCxnSpPr>
+        <p:spPr>
+          <a:xfrm rot="5400000">
+            <a:off x="4968044" y="4509119"/>
+            <a:ext cx="936105" cy="1368152"/>
+          </a:xfrm>
+          <a:prstGeom prst="bentConnector2">
+            <a:avLst/>
+          </a:prstGeom>
+          <a:ln>
+            <a:headEnd type="none"/>
+            <a:tailEnd type="triangle"/>
+          </a:ln>
+        </p:spPr>
+        <p:style>
+          <a:lnRef idx="1">
+            <a:schemeClr val="accent1"/>
+          </a:lnRef>
+          <a:fillRef idx="2">
+            <a:schemeClr val="accent1"/>
+          </a:fillRef>
+          <a:effectRef idx="1">
+            <a:schemeClr val="accent1"/>
+          </a:effectRef>
+          <a:fontRef idx="minor">
+            <a:schemeClr val="dk1"/>
+          </a:fontRef>
+        </p:style>
+      </p:cxnSp>
+      <p:sp>
+        <p:nvSpPr>
+          <p:cNvPr id="66" name="Flowchart: Off-page Connector 65"/>
+          <p:cNvSpPr/>
+          <p:nvPr/>
+        </p:nvSpPr>
+        <p:spPr>
+          <a:xfrm>
+            <a:off x="7020272" y="4005064"/>
+            <a:ext cx="720080" cy="288032"/>
+          </a:xfrm>
+          <a:prstGeom prst="flowChartOffpageConnector">
+            <a:avLst/>
+          </a:prstGeom>
+        </p:spPr>
+        <p:style>
+          <a:lnRef idx="1">
+            <a:schemeClr val="accent1"/>
+          </a:lnRef>
+          <a:fillRef idx="2">
+            <a:schemeClr val="accent1"/>
+          </a:fillRef>
+          <a:effectRef idx="1">
+            <a:schemeClr val="accent1"/>
+          </a:effectRef>
+          <a:fontRef idx="minor">
+            <a:schemeClr val="dk1"/>
+          </a:fontRef>
+        </p:style>
+        <p:txBody>
+          <a:bodyPr rtlCol="0" anchor="ctr"/>
+          <a:lstStyle/>
+          <a:p>
+            <a:pPr algn="ctr"/>
+            <a:r>
+              <a:rPr lang="en-US" sz="800" dirty="0" smtClean="0"/>
+              <a:t>Another cause</a:t>
+            </a:r>
+            <a:endParaRPr lang="en-US" sz="800" dirty="0"/>
+          </a:p>
+        </p:txBody>
+      </p:sp>
+      <p:cxnSp>
+        <p:nvCxnSpPr>
+          <p:cNvPr id="67" name="Straight Arrow Connector 37"/>
+          <p:cNvCxnSpPr>
+            <a:stCxn id="57" idx="3"/>
+            <a:endCxn id="66" idx="2"/>
+          </p:cNvCxnSpPr>
+          <p:nvPr/>
+        </p:nvCxnSpPr>
+        <p:spPr>
+          <a:xfrm flipV="1">
+            <a:off x="6948264" y="4293096"/>
+            <a:ext cx="432048" cy="216024"/>
+          </a:xfrm>
+          <a:prstGeom prst="bentConnector2">
+            <a:avLst/>
+          </a:prstGeom>
+          <a:ln>
+            <a:headEnd type="none"/>
+            <a:tailEnd type="triangle"/>
+          </a:ln>
+        </p:spPr>
+        <p:style>
+          <a:lnRef idx="1">
+            <a:schemeClr val="accent1"/>
+          </a:lnRef>
+          <a:fillRef idx="2">
+            <a:schemeClr val="accent1"/>
+          </a:fillRef>
+          <a:effectRef idx="1">
+            <a:schemeClr val="accent1"/>
+          </a:effectRef>
+          <a:fontRef idx="minor">
+            <a:schemeClr val="dk1"/>
+          </a:fontRef>
+        </p:style>
+      </p:cxnSp>
+      <p:sp>
+        <p:nvSpPr>
+          <p:cNvPr id="70" name="TextBox 69"/>
+          <p:cNvSpPr txBox="1"/>
+          <p:nvPr/>
+        </p:nvSpPr>
+        <p:spPr>
+          <a:xfrm>
+            <a:off x="6948264" y="4293096"/>
+            <a:ext cx="325730" cy="215444"/>
+          </a:xfrm>
+          <a:prstGeom prst="rect">
+            <a:avLst/>
+          </a:prstGeom>
+          <a:noFill/>
+          <a:ln>
+            <a:noFill/>
+          </a:ln>
+        </p:spPr>
+        <p:style>
+          <a:lnRef idx="1">
+            <a:schemeClr val="accent1"/>
+          </a:lnRef>
+          <a:fillRef idx="2">
+            <a:schemeClr val="accent1"/>
+          </a:fillRef>
+          <a:effectRef idx="1">
+            <a:schemeClr val="accent1"/>
+          </a:effectRef>
+          <a:fontRef idx="minor">
+            <a:schemeClr val="dk1"/>
+          </a:fontRef>
+        </p:style>
+        <p:txBody>
+          <a:bodyPr wrap="none" rtlCol="0">
+            <a:spAutoFit/>
+          </a:bodyPr>
+          <a:lstStyle/>
+          <a:p>
+            <a:r>
+              <a:rPr lang="en-US" sz="800" dirty="0" smtClean="0"/>
+              <a:t>Yes</a:t>
+            </a:r>
+            <a:endParaRPr lang="en-US" sz="800" dirty="0"/>
+          </a:p>
+        </p:txBody>
+      </p:sp>
+      <p:sp>
+        <p:nvSpPr>
+          <p:cNvPr id="71" name="Flowchart: Off-page Connector 70"/>
+          <p:cNvSpPr/>
+          <p:nvPr/>
+        </p:nvSpPr>
+        <p:spPr>
+          <a:xfrm>
+            <a:off x="5508104" y="3429000"/>
+            <a:ext cx="720080" cy="288032"/>
+          </a:xfrm>
+          <a:prstGeom prst="flowChartOffpageConnector">
+            <a:avLst/>
+          </a:prstGeom>
+        </p:spPr>
+        <p:style>
+          <a:lnRef idx="1">
+            <a:schemeClr val="accent1"/>
+          </a:lnRef>
+          <a:fillRef idx="2">
+            <a:schemeClr val="accent1"/>
+          </a:fillRef>
+          <a:effectRef idx="1">
+            <a:schemeClr val="accent1"/>
+          </a:effectRef>
+          <a:fontRef idx="minor">
+            <a:schemeClr val="dk1"/>
+          </a:fontRef>
+        </p:style>
+        <p:txBody>
+          <a:bodyPr rtlCol="0" anchor="ctr"/>
+          <a:lstStyle/>
+          <a:p>
+            <a:pPr algn="ctr"/>
+            <a:r>
+              <a:rPr lang="en-US" sz="800" dirty="0" smtClean="0"/>
+              <a:t>Another cause</a:t>
+            </a:r>
+            <a:endParaRPr lang="en-US" sz="800" dirty="0"/>
+          </a:p>
+        </p:txBody>
+      </p:sp>
+      <p:sp>
+        <p:nvSpPr>
+          <p:cNvPr id="72" name="TextBox 71"/>
+          <p:cNvSpPr txBox="1"/>
+          <p:nvPr/>
+        </p:nvSpPr>
+        <p:spPr>
+          <a:xfrm>
+            <a:off x="5220072" y="3645024"/>
+            <a:ext cx="360040" cy="215444"/>
+          </a:xfrm>
+          <a:prstGeom prst="rect">
+            <a:avLst/>
+          </a:prstGeom>
+          <a:noFill/>
+          <a:ln>
+            <a:noFill/>
+          </a:ln>
+        </p:spPr>
+        <p:style>
+          <a:lnRef idx="1">
+            <a:schemeClr val="accent1"/>
+          </a:lnRef>
+          <a:fillRef idx="2">
+            <a:schemeClr val="accent1"/>
+          </a:fillRef>
+          <a:effectRef idx="1">
+            <a:schemeClr val="accent1"/>
+          </a:effectRef>
+          <a:fontRef idx="minor">
+            <a:schemeClr val="dk1"/>
+          </a:fontRef>
+        </p:style>
+        <p:txBody>
+          <a:bodyPr wrap="square" rtlCol="0">
+            <a:spAutoFit/>
+          </a:bodyPr>
+          <a:lstStyle/>
+          <a:p>
+            <a:r>
+              <a:rPr lang="en-US" sz="800" dirty="0" smtClean="0"/>
+              <a:t>Yes</a:t>
+            </a:r>
+            <a:endParaRPr lang="en-US" sz="800" dirty="0"/>
+          </a:p>
+        </p:txBody>
+      </p:sp>
+      <p:cxnSp>
+        <p:nvCxnSpPr>
+          <p:cNvPr id="74" name="Straight Arrow Connector 37"/>
+          <p:cNvCxnSpPr>
+            <a:stCxn id="6" idx="3"/>
+            <a:endCxn id="71" idx="2"/>
+          </p:cNvCxnSpPr>
+          <p:nvPr/>
+        </p:nvCxnSpPr>
+        <p:spPr>
+          <a:xfrm flipV="1">
+            <a:off x="5076056" y="3717032"/>
+            <a:ext cx="792088" cy="144017"/>
+          </a:xfrm>
+          <a:prstGeom prst="bentConnector2">
+            <a:avLst/>
+          </a:prstGeom>
+          <a:ln>
+            <a:headEnd type="none"/>
+            <a:tailEnd type="triangle"/>
+          </a:ln>
+        </p:spPr>
+        <p:style>
+          <a:lnRef idx="1">
+            <a:schemeClr val="accent1"/>
+          </a:lnRef>
+          <a:fillRef idx="2">
+            <a:schemeClr val="accent1"/>
+          </a:fillRef>
+          <a:effectRef idx="1">
+            <a:schemeClr val="accent1"/>
+          </a:effectRef>
+          <a:fontRef idx="minor">
+            <a:schemeClr val="dk1"/>
+          </a:fontRef>
+        </p:style>
+      </p:cxnSp>
+      <p:sp>
+        <p:nvSpPr>
+          <p:cNvPr id="77" name="Flowchart: Connector 76"/>
+          <p:cNvSpPr/>
+          <p:nvPr/>
+        </p:nvSpPr>
+        <p:spPr>
+          <a:xfrm>
+            <a:off x="3635896" y="2060848"/>
+            <a:ext cx="144016" cy="144016"/>
+          </a:xfrm>
+          <a:prstGeom prst="flowChartConnector">
+            <a:avLst/>
+          </a:prstGeom>
+        </p:spPr>
+        <p:style>
+          <a:lnRef idx="1">
+            <a:schemeClr val="dk1"/>
+          </a:lnRef>
+          <a:fillRef idx="2">
+            <a:schemeClr val="dk1"/>
+          </a:fillRef>
+          <a:effectRef idx="1">
+            <a:schemeClr val="dk1"/>
+          </a:effectRef>
+          <a:fontRef idx="minor">
+            <a:schemeClr val="dk1"/>
+          </a:fontRef>
+        </p:style>
+        <p:txBody>
+          <a:bodyPr rtlCol="0" anchor="ctr"/>
+          <a:lstStyle/>
+          <a:p>
+            <a:pPr algn="ctr"/>
+            <a:r>
+              <a:rPr lang="en-US" sz="800" dirty="0" smtClean="0"/>
+              <a:t>a</a:t>
+            </a:r>
+            <a:endParaRPr lang="en-US" sz="800" dirty="0"/>
+          </a:p>
+        </p:txBody>
+      </p:sp>
+      <p:sp>
+        <p:nvSpPr>
+          <p:cNvPr id="78" name="Flowchart: Connector 77"/>
+          <p:cNvSpPr/>
+          <p:nvPr/>
+        </p:nvSpPr>
+        <p:spPr>
+          <a:xfrm>
+            <a:off x="3491880" y="2564904"/>
+            <a:ext cx="144016" cy="144016"/>
+          </a:xfrm>
+          <a:prstGeom prst="flowChartConnector">
+            <a:avLst/>
+          </a:prstGeom>
+        </p:spPr>
+        <p:style>
+          <a:lnRef idx="1">
+            <a:schemeClr val="dk1"/>
+          </a:lnRef>
+          <a:fillRef idx="2">
+            <a:schemeClr val="dk1"/>
+          </a:fillRef>
+          <a:effectRef idx="1">
+            <a:schemeClr val="dk1"/>
+          </a:effectRef>
+          <a:fontRef idx="minor">
+            <a:schemeClr val="dk1"/>
+          </a:fontRef>
+        </p:style>
+        <p:txBody>
+          <a:bodyPr rtlCol="0" anchor="ctr"/>
+          <a:lstStyle/>
+          <a:p>
+            <a:pPr algn="ctr"/>
+            <a:r>
+              <a:rPr lang="en-US" sz="800" dirty="0" smtClean="0"/>
+              <a:t>b</a:t>
+            </a:r>
+            <a:endParaRPr lang="en-US" sz="800" dirty="0"/>
+          </a:p>
+        </p:txBody>
+      </p:sp>
+      <p:sp>
+        <p:nvSpPr>
+          <p:cNvPr id="79" name="Flowchart: Connector 78"/>
+          <p:cNvSpPr/>
+          <p:nvPr/>
+        </p:nvSpPr>
+        <p:spPr>
+          <a:xfrm>
+            <a:off x="3707904" y="2924944"/>
+            <a:ext cx="144016" cy="144016"/>
+          </a:xfrm>
+          <a:prstGeom prst="flowChartConnector">
+            <a:avLst/>
+          </a:prstGeom>
+        </p:spPr>
+        <p:style>
+          <a:lnRef idx="1">
+            <a:schemeClr val="dk1"/>
+          </a:lnRef>
+          <a:fillRef idx="2">
+            <a:schemeClr val="dk1"/>
+          </a:fillRef>
+          <a:effectRef idx="1">
+            <a:schemeClr val="dk1"/>
+          </a:effectRef>
+          <a:fontRef idx="minor">
+            <a:schemeClr val="dk1"/>
+          </a:fontRef>
+        </p:style>
+        <p:txBody>
+          <a:bodyPr rtlCol="0" anchor="ctr"/>
+          <a:lstStyle/>
+          <a:p>
+            <a:pPr algn="ctr"/>
+            <a:r>
+              <a:rPr lang="en-US" sz="800" dirty="0" smtClean="0"/>
+              <a:t>c</a:t>
+            </a:r>
+            <a:endParaRPr lang="en-US" sz="800" dirty="0"/>
+          </a:p>
+        </p:txBody>
+      </p:sp>
+      <p:sp>
+        <p:nvSpPr>
+          <p:cNvPr id="80" name="Flowchart: Connector 79"/>
+          <p:cNvSpPr/>
+          <p:nvPr/>
+        </p:nvSpPr>
+        <p:spPr>
+          <a:xfrm>
+            <a:off x="3635896" y="3645024"/>
+            <a:ext cx="144016" cy="144016"/>
+          </a:xfrm>
+          <a:prstGeom prst="flowChartConnector">
+            <a:avLst/>
+          </a:prstGeom>
+        </p:spPr>
+        <p:style>
+          <a:lnRef idx="1">
+            <a:schemeClr val="dk1"/>
+          </a:lnRef>
+          <a:fillRef idx="2">
+            <a:schemeClr val="dk1"/>
+          </a:fillRef>
+          <a:effectRef idx="1">
+            <a:schemeClr val="dk1"/>
+          </a:effectRef>
+          <a:fontRef idx="minor">
+            <a:schemeClr val="dk1"/>
+          </a:fontRef>
+        </p:style>
+        <p:txBody>
+          <a:bodyPr rtlCol="0" anchor="ctr"/>
+          <a:lstStyle/>
+          <a:p>
+            <a:pPr algn="ctr"/>
+            <a:r>
+              <a:rPr lang="en-US" sz="800" dirty="0" smtClean="0"/>
+              <a:t>d</a:t>
+            </a:r>
+            <a:endParaRPr lang="en-US" sz="800" dirty="0"/>
+          </a:p>
+        </p:txBody>
+      </p:sp>
+      <p:sp>
+        <p:nvSpPr>
+          <p:cNvPr id="81" name="Flowchart: Connector 80"/>
+          <p:cNvSpPr/>
+          <p:nvPr/>
+        </p:nvSpPr>
+        <p:spPr>
+          <a:xfrm>
+            <a:off x="3635896" y="4293096"/>
+            <a:ext cx="144016" cy="144016"/>
+          </a:xfrm>
+          <a:prstGeom prst="flowChartConnector">
+            <a:avLst/>
+          </a:prstGeom>
+        </p:spPr>
+        <p:style>
+          <a:lnRef idx="1">
+            <a:schemeClr val="dk1"/>
+          </a:lnRef>
+          <a:fillRef idx="2">
+            <a:schemeClr val="dk1"/>
+          </a:fillRef>
+          <a:effectRef idx="1">
+            <a:schemeClr val="dk1"/>
+          </a:effectRef>
+          <a:fontRef idx="minor">
+            <a:schemeClr val="dk1"/>
+          </a:fontRef>
+        </p:style>
+        <p:txBody>
+          <a:bodyPr rtlCol="0" anchor="ctr"/>
+          <a:lstStyle/>
+          <a:p>
+            <a:pPr algn="ctr"/>
+            <a:r>
+              <a:rPr lang="en-US" sz="800" dirty="0" smtClean="0"/>
+              <a:t>e</a:t>
+            </a:r>
+            <a:endParaRPr lang="en-US" sz="800" dirty="0"/>
+          </a:p>
+        </p:txBody>
+      </p:sp>
+      <p:sp>
+        <p:nvSpPr>
+          <p:cNvPr id="82" name="Flowchart: Connector 81"/>
+          <p:cNvSpPr/>
+          <p:nvPr/>
+        </p:nvSpPr>
+        <p:spPr>
+          <a:xfrm>
+            <a:off x="3491880" y="5013176"/>
+            <a:ext cx="144016" cy="144016"/>
+          </a:xfrm>
+          <a:prstGeom prst="flowChartConnector">
+            <a:avLst/>
+          </a:prstGeom>
+        </p:spPr>
+        <p:style>
+          <a:lnRef idx="1">
+            <a:schemeClr val="dk1"/>
+          </a:lnRef>
+          <a:fillRef idx="2">
+            <a:schemeClr val="dk1"/>
+          </a:fillRef>
+          <a:effectRef idx="1">
+            <a:schemeClr val="dk1"/>
+          </a:effectRef>
+          <a:fontRef idx="minor">
+            <a:schemeClr val="dk1"/>
+          </a:fontRef>
+        </p:style>
+        <p:txBody>
+          <a:bodyPr rtlCol="0" anchor="ctr"/>
+          <a:lstStyle/>
+          <a:p>
+            <a:pPr algn="ctr"/>
+            <a:r>
+              <a:rPr lang="en-US" sz="800" dirty="0" smtClean="0"/>
+              <a:t>f</a:t>
+            </a:r>
+            <a:endParaRPr lang="en-US" sz="800" dirty="0"/>
+          </a:p>
+        </p:txBody>
+      </p:sp>
+      <p:sp>
+        <p:nvSpPr>
+          <p:cNvPr id="83" name="Flowchart: Connector 82"/>
+          <p:cNvSpPr/>
+          <p:nvPr/>
+        </p:nvSpPr>
+        <p:spPr>
+          <a:xfrm>
+            <a:off x="3635896" y="5445224"/>
+            <a:ext cx="144016" cy="144016"/>
+          </a:xfrm>
+          <a:prstGeom prst="flowChartConnector">
+            <a:avLst/>
+          </a:prstGeom>
+        </p:spPr>
+        <p:style>
+          <a:lnRef idx="1">
+            <a:schemeClr val="dk1"/>
+          </a:lnRef>
+          <a:fillRef idx="2">
+            <a:schemeClr val="dk1"/>
+          </a:fillRef>
+          <a:effectRef idx="1">
+            <a:schemeClr val="dk1"/>
+          </a:effectRef>
+          <a:fontRef idx="minor">
+            <a:schemeClr val="dk1"/>
+          </a:fontRef>
+        </p:style>
+        <p:txBody>
+          <a:bodyPr rtlCol="0" anchor="ctr"/>
+          <a:lstStyle/>
+          <a:p>
+            <a:pPr algn="ctr"/>
+            <a:r>
+              <a:rPr lang="en-US" sz="800" dirty="0" smtClean="0"/>
+              <a:t>g</a:t>
+            </a:r>
+            <a:endParaRPr lang="en-US" sz="800" dirty="0"/>
+          </a:p>
+        </p:txBody>
+      </p:sp>
+      <p:sp>
+        <p:nvSpPr>
+          <p:cNvPr id="84" name="Flowchart: Connector 83"/>
+          <p:cNvSpPr/>
+          <p:nvPr/>
+        </p:nvSpPr>
+        <p:spPr>
+          <a:xfrm>
+            <a:off x="1619672" y="2924944"/>
+            <a:ext cx="144016" cy="144016"/>
+          </a:xfrm>
+          <a:prstGeom prst="flowChartConnector">
+            <a:avLst/>
+          </a:prstGeom>
+        </p:spPr>
+        <p:style>
+          <a:lnRef idx="1">
+            <a:schemeClr val="dk1"/>
+          </a:lnRef>
+          <a:fillRef idx="2">
+            <a:schemeClr val="dk1"/>
+          </a:fillRef>
+          <a:effectRef idx="1">
+            <a:schemeClr val="dk1"/>
+          </a:effectRef>
+          <a:fontRef idx="minor">
+            <a:schemeClr val="dk1"/>
+          </a:fontRef>
+        </p:style>
+        <p:txBody>
+          <a:bodyPr rtlCol="0" anchor="ctr"/>
+          <a:lstStyle/>
+          <a:p>
+            <a:pPr algn="ctr"/>
+            <a:r>
+              <a:rPr lang="en-US" sz="800" dirty="0" smtClean="0"/>
+              <a:t>h</a:t>
+            </a:r>
+            <a:endParaRPr lang="en-US" sz="800" dirty="0"/>
+          </a:p>
+        </p:txBody>
+      </p:sp>
+      <p:sp>
+        <p:nvSpPr>
+          <p:cNvPr id="85" name="Flowchart: Connector 84"/>
+          <p:cNvSpPr/>
+          <p:nvPr/>
+        </p:nvSpPr>
+        <p:spPr>
+          <a:xfrm>
+            <a:off x="1475656" y="3717032"/>
+            <a:ext cx="144016" cy="144016"/>
+          </a:xfrm>
+          <a:prstGeom prst="flowChartConnector">
+            <a:avLst/>
+          </a:prstGeom>
+        </p:spPr>
+        <p:style>
+          <a:lnRef idx="1">
+            <a:schemeClr val="dk1"/>
+          </a:lnRef>
+          <a:fillRef idx="2">
+            <a:schemeClr val="dk1"/>
+          </a:fillRef>
+          <a:effectRef idx="1">
+            <a:schemeClr val="dk1"/>
+          </a:effectRef>
+          <a:fontRef idx="minor">
+            <a:schemeClr val="dk1"/>
+          </a:fontRef>
+        </p:style>
+        <p:txBody>
+          <a:bodyPr rtlCol="0" anchor="ctr"/>
+          <a:lstStyle/>
+          <a:p>
+            <a:pPr algn="ctr"/>
+            <a:r>
+              <a:rPr lang="en-US" sz="800" dirty="0" smtClean="0"/>
+              <a:t>i</a:t>
+            </a:r>
+            <a:endParaRPr lang="en-US" sz="800" dirty="0"/>
+          </a:p>
+        </p:txBody>
+      </p:sp>
+      <p:sp>
+        <p:nvSpPr>
+          <p:cNvPr id="86" name="Flowchart: Connector 85"/>
+          <p:cNvSpPr/>
+          <p:nvPr/>
+        </p:nvSpPr>
+        <p:spPr>
+          <a:xfrm>
+            <a:off x="1691680" y="2420888"/>
+            <a:ext cx="144016" cy="144016"/>
+          </a:xfrm>
+          <a:prstGeom prst="flowChartConnector">
+            <a:avLst/>
+          </a:prstGeom>
+        </p:spPr>
+        <p:style>
+          <a:lnRef idx="1">
+            <a:schemeClr val="dk1"/>
+          </a:lnRef>
+          <a:fillRef idx="2">
+            <a:schemeClr val="dk1"/>
+          </a:fillRef>
+          <a:effectRef idx="1">
+            <a:schemeClr val="dk1"/>
+          </a:effectRef>
+          <a:fontRef idx="minor">
+            <a:schemeClr val="dk1"/>
+          </a:fontRef>
+        </p:style>
+        <p:txBody>
+          <a:bodyPr rtlCol="0" anchor="ctr"/>
+          <a:lstStyle/>
+          <a:p>
+            <a:pPr algn="ctr"/>
+            <a:r>
+              <a:rPr lang="en-US" sz="800" dirty="0" smtClean="0"/>
+              <a:t>j</a:t>
+            </a:r>
+            <a:endParaRPr lang="en-US" sz="800" dirty="0"/>
+          </a:p>
+        </p:txBody>
+      </p:sp>
+      <p:sp>
+        <p:nvSpPr>
+          <p:cNvPr id="87" name="Flowchart: Connector 86"/>
+          <p:cNvSpPr/>
+          <p:nvPr/>
+        </p:nvSpPr>
+        <p:spPr>
+          <a:xfrm>
+            <a:off x="5364088" y="3501008"/>
+            <a:ext cx="144016" cy="144016"/>
+          </a:xfrm>
+          <a:prstGeom prst="flowChartConnector">
+            <a:avLst/>
+          </a:prstGeom>
+        </p:spPr>
+        <p:style>
+          <a:lnRef idx="1">
+            <a:schemeClr val="dk1"/>
+          </a:lnRef>
+          <a:fillRef idx="2">
+            <a:schemeClr val="dk1"/>
+          </a:fillRef>
+          <a:effectRef idx="1">
+            <a:schemeClr val="dk1"/>
+          </a:effectRef>
+          <a:fontRef idx="minor">
+            <a:schemeClr val="dk1"/>
+          </a:fontRef>
+        </p:style>
+        <p:txBody>
+          <a:bodyPr rtlCol="0" anchor="ctr"/>
+          <a:lstStyle/>
+          <a:p>
+            <a:pPr algn="ctr"/>
+            <a:r>
+              <a:rPr lang="en-US" sz="800" dirty="0" smtClean="0"/>
+              <a:t>k</a:t>
+            </a:r>
+            <a:endParaRPr lang="en-US" sz="800" dirty="0"/>
+          </a:p>
+        </p:txBody>
+      </p:sp>
+      <p:sp>
+        <p:nvSpPr>
+          <p:cNvPr id="88" name="Flowchart: Connector 87"/>
+          <p:cNvSpPr/>
+          <p:nvPr/>
+        </p:nvSpPr>
+        <p:spPr>
+          <a:xfrm>
+            <a:off x="5580112" y="4221088"/>
+            <a:ext cx="144016" cy="144016"/>
+          </a:xfrm>
+          <a:prstGeom prst="flowChartConnector">
+            <a:avLst/>
+          </a:prstGeom>
+        </p:spPr>
+        <p:style>
+          <a:lnRef idx="1">
+            <a:schemeClr val="dk1"/>
+          </a:lnRef>
+          <a:fillRef idx="2">
+            <a:schemeClr val="dk1"/>
+          </a:fillRef>
+          <a:effectRef idx="1">
+            <a:schemeClr val="dk1"/>
+          </a:effectRef>
+          <a:fontRef idx="minor">
+            <a:schemeClr val="dk1"/>
+          </a:fontRef>
+        </p:style>
+        <p:txBody>
+          <a:bodyPr rtlCol="0" anchor="ctr"/>
+          <a:lstStyle/>
+          <a:p>
+            <a:pPr algn="ctr"/>
+            <a:r>
+              <a:rPr lang="en-US" sz="800" dirty="0" smtClean="0"/>
+              <a:t>l</a:t>
+            </a:r>
+            <a:endParaRPr lang="en-US" sz="800" dirty="0"/>
+          </a:p>
+        </p:txBody>
+      </p:sp>
+      <p:sp>
+        <p:nvSpPr>
+          <p:cNvPr id="89" name="Flowchart: Connector 88"/>
+          <p:cNvSpPr/>
+          <p:nvPr/>
+        </p:nvSpPr>
+        <p:spPr>
+          <a:xfrm>
+            <a:off x="6876256" y="4077072"/>
+            <a:ext cx="144016" cy="144016"/>
+          </a:xfrm>
+          <a:prstGeom prst="flowChartConnector">
+            <a:avLst/>
+          </a:prstGeom>
+        </p:spPr>
+        <p:style>
+          <a:lnRef idx="1">
+            <a:schemeClr val="dk1"/>
+          </a:lnRef>
+          <a:fillRef idx="2">
+            <a:schemeClr val="dk1"/>
+          </a:fillRef>
+          <a:effectRef idx="1">
+            <a:schemeClr val="dk1"/>
+          </a:effectRef>
+          <a:fontRef idx="minor">
+            <a:schemeClr val="dk1"/>
+          </a:fontRef>
+        </p:style>
+        <p:txBody>
+          <a:bodyPr rtlCol="0" anchor="ctr"/>
+          <a:lstStyle/>
+          <a:p>
+            <a:pPr algn="ctr"/>
+            <a:r>
+              <a:rPr lang="en-US" sz="800" dirty="0" smtClean="0"/>
+              <a:t>m</a:t>
+            </a:r>
+            <a:endParaRPr lang="en-US" sz="800" dirty="0"/>
+          </a:p>
+        </p:txBody>
+      </p:sp>
+    </p:spTree>
+  </p:cSld>
+  <p:clrMapOvr>
+    <a:masterClrMapping/>
+  </p:clrMapOvr>
 </p:sld>
 </file>
 
@@ -43520,6 +47256,53 @@
       </p:grpSpPr>
       <p:sp>
         <p:nvSpPr>
+          <p:cNvPr id="18" name="TextBox 17"/>
+          <p:cNvSpPr txBox="1"/>
+          <p:nvPr/>
+        </p:nvSpPr>
+        <p:spPr>
+          <a:xfrm>
+            <a:off x="4211960" y="3429000"/>
+            <a:ext cx="325730" cy="215444"/>
+          </a:xfrm>
+          <a:prstGeom prst="rect">
+            <a:avLst/>
+          </a:prstGeom>
+          <a:noFill/>
+          <a:ln>
+            <a:noFill/>
+          </a:ln>
+        </p:spPr>
+        <p:style>
+          <a:lnRef idx="1">
+            <a:schemeClr val="accent1"/>
+          </a:lnRef>
+          <a:fillRef idx="2">
+            <a:schemeClr val="accent1"/>
+          </a:fillRef>
+          <a:effectRef idx="1">
+            <a:schemeClr val="accent1"/>
+          </a:effectRef>
+          <a:fontRef idx="minor">
+            <a:schemeClr val="dk1"/>
+          </a:fontRef>
+        </p:style>
+        <p:txBody>
+          <a:bodyPr wrap="none" rtlCol="0">
+            <a:spAutoFit/>
+          </a:bodyPr>
+          <a:lstStyle/>
+          <a:p>
+            <a:r>
+              <a:rPr lang="en-US" sz="800" dirty="0" smtClean="0"/>
+              <a:t>Yes</a:t>
+            </a:r>
+            <a:endParaRPr lang="en-US" sz="800" dirty="0"/>
+          </a:p>
+        </p:txBody>
+      </p:sp>
+      <p:sp>
+        <p:nvSpPr>
           <p:cNvPr id="2" name="Title 1"/>
           <p:cNvSpPr>
             <a:spLocks noGrp="1"/>
@@ -43528,40 +47311,1155 @@
             <p:ph type="title"/>
           </p:nvPr>
         </p:nvSpPr>
-        <p:spPr/>
+        <p:spPr>
+          <a:xfrm>
+            <a:off x="457200" y="274638"/>
+            <a:ext cx="8229600" cy="562074"/>
+          </a:xfrm>
+        </p:spPr>
         <p:txBody>
-          <a:bodyPr/>
+          <a:bodyPr>
+            <a:normAutofit fontScale="90000"/>
+          </a:bodyPr>
           <a:lstStyle/>
           <a:p>
-            <a:endParaRPr lang="en-US"/>
+            <a:r>
+              <a:rPr lang="en-US" dirty="0" smtClean="0"/>
+              <a:t>tolower_debug.tif</a:t>
+            </a:r>
+            <a:endParaRPr lang="en-US" dirty="0"/>
           </a:p>
         </p:txBody>
       </p:sp>
       <p:sp>
         <p:nvSpPr>
-          <p:cNvPr id="3" name="Content Placeholder 2"/>
-          <p:cNvSpPr>
-            <a:spLocks noGrp="1"/>
-          </p:cNvSpPr>
-          <p:nvPr>
-            <p:ph idx="1"/>
-          </p:nvPr>
+          <p:cNvPr id="3" name="Flowchart: Predefined Process 2"/>
+          <p:cNvSpPr/>
+          <p:nvPr/>
         </p:nvSpPr>
-        <p:spPr/>
+        <p:spPr>
+          <a:xfrm>
+            <a:off x="3815916" y="1844824"/>
+            <a:ext cx="864096" cy="360040"/>
+          </a:xfrm>
+          <a:prstGeom prst="flowChartPredefinedProcess">
+            <a:avLst/>
+          </a:prstGeom>
+        </p:spPr>
+        <p:style>
+          <a:lnRef idx="1">
+            <a:schemeClr val="accent1"/>
+          </a:lnRef>
+          <a:fillRef idx="2">
+            <a:schemeClr val="accent1"/>
+          </a:fillRef>
+          <a:effectRef idx="1">
+            <a:schemeClr val="accent1"/>
+          </a:effectRef>
+          <a:fontRef idx="minor">
+            <a:schemeClr val="dk1"/>
+          </a:fontRef>
+        </p:style>
         <p:txBody>
-          <a:bodyPr/>
+          <a:bodyPr rtlCol="0" anchor="ctr"/>
           <a:lstStyle/>
           <a:p>
-            <a:endParaRPr lang="en-US"/>
+            <a:pPr algn="ctr"/>
+            <a:r>
+              <a:rPr lang="en-US" sz="800" dirty="0" smtClean="0"/>
+              <a:t>Conversion </a:t>
+            </a:r>
+            <a:r>
+              <a:rPr lang="en-US" sz="800" dirty="0" err="1" smtClean="0"/>
+              <a:t>eror</a:t>
+            </a:r>
+            <a:endParaRPr lang="en-US" sz="800" dirty="0"/>
+          </a:p>
+        </p:txBody>
+      </p:sp>
+      <p:sp>
+        <p:nvSpPr>
+          <p:cNvPr id="4" name="Flowchart: Alternate Process 3"/>
+          <p:cNvSpPr/>
+          <p:nvPr/>
+        </p:nvSpPr>
+        <p:spPr>
+          <a:xfrm>
+            <a:off x="3671900" y="2420888"/>
+            <a:ext cx="1152128" cy="288032"/>
+          </a:xfrm>
+          <a:prstGeom prst="flowChartAlternateProcess">
+            <a:avLst/>
+          </a:prstGeom>
+        </p:spPr>
+        <p:style>
+          <a:lnRef idx="1">
+            <a:schemeClr val="accent1"/>
+          </a:lnRef>
+          <a:fillRef idx="2">
+            <a:schemeClr val="accent1"/>
+          </a:fillRef>
+          <a:effectRef idx="1">
+            <a:schemeClr val="accent1"/>
+          </a:effectRef>
+          <a:fontRef idx="minor">
+            <a:schemeClr val="dk1"/>
+          </a:fontRef>
+        </p:style>
+        <p:txBody>
+          <a:bodyPr rtlCol="0" anchor="ctr"/>
+          <a:lstStyle/>
+          <a:p>
+            <a:pPr algn="ctr"/>
+            <a:r>
+              <a:rPr lang="en-US" sz="800" dirty="0" smtClean="0"/>
+              <a:t>Find Address of loop </a:t>
+            </a:r>
+            <a:r>
+              <a:rPr lang="en-US" sz="800" dirty="0" err="1" smtClean="0"/>
+              <a:t>var</a:t>
+            </a:r>
+            <a:endParaRPr lang="en-US" sz="800" dirty="0"/>
+          </a:p>
+        </p:txBody>
+      </p:sp>
+      <p:sp>
+        <p:nvSpPr>
+          <p:cNvPr id="6" name="Flowchart: Decision 5"/>
+          <p:cNvSpPr/>
+          <p:nvPr/>
+        </p:nvSpPr>
+        <p:spPr>
+          <a:xfrm>
+            <a:off x="3419872" y="3645025"/>
+            <a:ext cx="1656184" cy="432047"/>
+          </a:xfrm>
+          <a:prstGeom prst="flowChartDecision">
+            <a:avLst/>
+          </a:prstGeom>
+        </p:spPr>
+        <p:style>
+          <a:lnRef idx="1">
+            <a:schemeClr val="accent1"/>
+          </a:lnRef>
+          <a:fillRef idx="2">
+            <a:schemeClr val="accent1"/>
+          </a:fillRef>
+          <a:effectRef idx="1">
+            <a:schemeClr val="accent1"/>
+          </a:effectRef>
+          <a:fontRef idx="minor">
+            <a:schemeClr val="dk1"/>
+          </a:fontRef>
+        </p:style>
+        <p:txBody>
+          <a:bodyPr rtlCol="0" anchor="ctr"/>
+          <a:lstStyle/>
+          <a:p>
+            <a:pPr algn="ctr"/>
+            <a:r>
+              <a:rPr lang="en-US" sz="800" dirty="0" smtClean="0"/>
+              <a:t>Did the loop exit correctly</a:t>
+            </a:r>
+            <a:endParaRPr lang="en-US" sz="800" dirty="0"/>
+          </a:p>
+        </p:txBody>
+      </p:sp>
+      <p:sp>
+        <p:nvSpPr>
+          <p:cNvPr id="7" name="Flowchart: Decision 6"/>
+          <p:cNvSpPr/>
+          <p:nvPr/>
+        </p:nvSpPr>
+        <p:spPr>
+          <a:xfrm>
+            <a:off x="3455876" y="2924944"/>
+            <a:ext cx="1584176" cy="504055"/>
+          </a:xfrm>
+          <a:prstGeom prst="flowChartDecision">
+            <a:avLst/>
+          </a:prstGeom>
+        </p:spPr>
+        <p:style>
+          <a:lnRef idx="1">
+            <a:schemeClr val="accent1"/>
+          </a:lnRef>
+          <a:fillRef idx="2">
+            <a:schemeClr val="accent1"/>
+          </a:fillRef>
+          <a:effectRef idx="1">
+            <a:schemeClr val="accent1"/>
+          </a:effectRef>
+          <a:fontRef idx="minor">
+            <a:schemeClr val="dk1"/>
+          </a:fontRef>
+        </p:style>
+        <p:txBody>
+          <a:bodyPr rtlCol="0" anchor="ctr"/>
+          <a:lstStyle/>
+          <a:p>
+            <a:pPr algn="ctr"/>
+            <a:r>
+              <a:rPr lang="en-US" sz="800" dirty="0" smtClean="0"/>
+              <a:t>loop </a:t>
+            </a:r>
+            <a:r>
+              <a:rPr lang="en-US" sz="800" dirty="0" err="1" smtClean="0"/>
+              <a:t>var</a:t>
+            </a:r>
+            <a:r>
+              <a:rPr lang="en-US" sz="800" dirty="0" smtClean="0"/>
+              <a:t> init correct?</a:t>
+            </a:r>
+            <a:endParaRPr lang="en-US" sz="800" dirty="0"/>
+          </a:p>
+        </p:txBody>
+      </p:sp>
+      <p:cxnSp>
+        <p:nvCxnSpPr>
+          <p:cNvPr id="9" name="Straight Arrow Connector 8"/>
+          <p:cNvCxnSpPr>
+            <a:stCxn id="3" idx="2"/>
+            <a:endCxn id="4" idx="0"/>
+          </p:cNvCxnSpPr>
+          <p:nvPr/>
+        </p:nvCxnSpPr>
+        <p:spPr>
+          <a:xfrm rot="5400000">
+            <a:off x="4139952" y="2312876"/>
+            <a:ext cx="216024" cy="1588"/>
+          </a:xfrm>
+          <a:prstGeom prst="straightConnector1">
+            <a:avLst/>
+          </a:prstGeom>
+          <a:ln>
+            <a:headEnd type="none"/>
+            <a:tailEnd type="triangle"/>
+          </a:ln>
+        </p:spPr>
+        <p:style>
+          <a:lnRef idx="1">
+            <a:schemeClr val="accent1"/>
+          </a:lnRef>
+          <a:fillRef idx="2">
+            <a:schemeClr val="accent1"/>
+          </a:fillRef>
+          <a:effectRef idx="1">
+            <a:schemeClr val="accent1"/>
+          </a:effectRef>
+          <a:fontRef idx="minor">
+            <a:schemeClr val="dk1"/>
+          </a:fontRef>
+        </p:style>
+      </p:cxnSp>
+      <p:cxnSp>
+        <p:nvCxnSpPr>
+          <p:cNvPr id="12" name="Straight Arrow Connector 11"/>
+          <p:cNvCxnSpPr>
+            <a:stCxn id="4" idx="2"/>
+            <a:endCxn id="7" idx="0"/>
+          </p:cNvCxnSpPr>
+          <p:nvPr/>
+        </p:nvCxnSpPr>
+        <p:spPr>
+          <a:xfrm rot="5400000">
+            <a:off x="4139952" y="2816932"/>
+            <a:ext cx="216024" cy="1588"/>
+          </a:xfrm>
+          <a:prstGeom prst="straightConnector1">
+            <a:avLst/>
+          </a:prstGeom>
+          <a:ln>
+            <a:headEnd type="none"/>
+            <a:tailEnd type="triangle"/>
+          </a:ln>
+        </p:spPr>
+        <p:style>
+          <a:lnRef idx="1">
+            <a:schemeClr val="accent1"/>
+          </a:lnRef>
+          <a:fillRef idx="2">
+            <a:schemeClr val="accent1"/>
+          </a:fillRef>
+          <a:effectRef idx="1">
+            <a:schemeClr val="accent1"/>
+          </a:effectRef>
+          <a:fontRef idx="minor">
+            <a:schemeClr val="dk1"/>
+          </a:fontRef>
+        </p:style>
+      </p:cxnSp>
+      <p:cxnSp>
+        <p:nvCxnSpPr>
+          <p:cNvPr id="15" name="Straight Arrow Connector 14"/>
+          <p:cNvCxnSpPr>
+            <a:stCxn id="7" idx="2"/>
+            <a:endCxn id="6" idx="0"/>
+          </p:cNvCxnSpPr>
+          <p:nvPr/>
+        </p:nvCxnSpPr>
+        <p:spPr>
+          <a:xfrm rot="5400000">
+            <a:off x="4139951" y="3537012"/>
+            <a:ext cx="216026" cy="1588"/>
+          </a:xfrm>
+          <a:prstGeom prst="straightConnector1">
+            <a:avLst/>
+          </a:prstGeom>
+          <a:ln>
+            <a:headEnd type="none"/>
+            <a:tailEnd type="triangle"/>
+          </a:ln>
+        </p:spPr>
+        <p:style>
+          <a:lnRef idx="1">
+            <a:schemeClr val="accent1"/>
+          </a:lnRef>
+          <a:fillRef idx="2">
+            <a:schemeClr val="accent1"/>
+          </a:fillRef>
+          <a:effectRef idx="1">
+            <a:schemeClr val="accent1"/>
+          </a:effectRef>
+          <a:fontRef idx="minor">
+            <a:schemeClr val="dk1"/>
+          </a:fontRef>
+        </p:style>
+      </p:cxnSp>
+      <p:sp>
+        <p:nvSpPr>
+          <p:cNvPr id="19" name="TextBox 18"/>
+          <p:cNvSpPr txBox="1"/>
+          <p:nvPr/>
+        </p:nvSpPr>
+        <p:spPr>
+          <a:xfrm>
+            <a:off x="3186988" y="2997532"/>
+            <a:ext cx="304892" cy="215444"/>
+          </a:xfrm>
+          <a:prstGeom prst="rect">
+            <a:avLst/>
+          </a:prstGeom>
+          <a:noFill/>
+          <a:ln>
+            <a:noFill/>
+          </a:ln>
+        </p:spPr>
+        <p:style>
+          <a:lnRef idx="1">
+            <a:schemeClr val="accent1"/>
+          </a:lnRef>
+          <a:fillRef idx="2">
+            <a:schemeClr val="accent1"/>
+          </a:fillRef>
+          <a:effectRef idx="1">
+            <a:schemeClr val="accent1"/>
+          </a:effectRef>
+          <a:fontRef idx="minor">
+            <a:schemeClr val="dk1"/>
+          </a:fontRef>
+        </p:style>
+        <p:txBody>
+          <a:bodyPr wrap="none" rtlCol="0">
+            <a:spAutoFit/>
+          </a:bodyPr>
+          <a:lstStyle/>
+          <a:p>
+            <a:r>
+              <a:rPr lang="en-US" sz="800" dirty="0" smtClean="0"/>
+              <a:t>No</a:t>
+            </a:r>
+            <a:endParaRPr lang="en-US" sz="800" dirty="0"/>
+          </a:p>
+        </p:txBody>
+      </p:sp>
+      <p:cxnSp>
+        <p:nvCxnSpPr>
+          <p:cNvPr id="23" name="Straight Arrow Connector 22"/>
+          <p:cNvCxnSpPr>
+            <a:stCxn id="7" idx="1"/>
+            <a:endCxn id="32" idx="3"/>
+          </p:cNvCxnSpPr>
+          <p:nvPr/>
+        </p:nvCxnSpPr>
+        <p:spPr>
+          <a:xfrm rot="10800000">
+            <a:off x="2771800" y="3176972"/>
+            <a:ext cx="684076" cy="1"/>
+          </a:xfrm>
+          <a:prstGeom prst="straightConnector1">
+            <a:avLst/>
+          </a:prstGeom>
+          <a:ln>
+            <a:tailEnd type="triangle"/>
+          </a:ln>
+        </p:spPr>
+        <p:style>
+          <a:lnRef idx="1">
+            <a:schemeClr val="accent1"/>
+          </a:lnRef>
+          <a:fillRef idx="2">
+            <a:schemeClr val="accent1"/>
+          </a:fillRef>
+          <a:effectRef idx="1">
+            <a:schemeClr val="accent1"/>
+          </a:effectRef>
+          <a:fontRef idx="minor">
+            <a:schemeClr val="dk1"/>
+          </a:fontRef>
+        </p:style>
+      </p:cxnSp>
+      <p:sp>
+        <p:nvSpPr>
+          <p:cNvPr id="24" name="Flowchart: Terminator 23"/>
+          <p:cNvSpPr/>
+          <p:nvPr/>
+        </p:nvSpPr>
+        <p:spPr>
+          <a:xfrm>
+            <a:off x="3743908" y="4941168"/>
+            <a:ext cx="1008112" cy="288032"/>
+          </a:xfrm>
+          <a:prstGeom prst="flowChartTerminator">
+            <a:avLst/>
+          </a:prstGeom>
+        </p:spPr>
+        <p:style>
+          <a:lnRef idx="1">
+            <a:schemeClr val="accent1"/>
+          </a:lnRef>
+          <a:fillRef idx="2">
+            <a:schemeClr val="accent1"/>
+          </a:fillRef>
+          <a:effectRef idx="1">
+            <a:schemeClr val="accent1"/>
+          </a:effectRef>
+          <a:fontRef idx="minor">
+            <a:schemeClr val="dk1"/>
+          </a:fontRef>
+        </p:style>
+        <p:txBody>
+          <a:bodyPr rtlCol="0" anchor="ctr"/>
+          <a:lstStyle/>
+          <a:p>
+            <a:pPr algn="ctr"/>
+            <a:r>
+              <a:rPr lang="en-US" sz="800" dirty="0" smtClean="0"/>
+              <a:t>Debugged</a:t>
+            </a:r>
+            <a:endParaRPr lang="en-US" sz="800" dirty="0"/>
+          </a:p>
+        </p:txBody>
+      </p:sp>
+      <p:sp>
+        <p:nvSpPr>
+          <p:cNvPr id="32" name="Flowchart: Alternate Process 31"/>
+          <p:cNvSpPr/>
+          <p:nvPr/>
+        </p:nvSpPr>
+        <p:spPr>
+          <a:xfrm>
+            <a:off x="1619672" y="3032955"/>
+            <a:ext cx="1152128" cy="288032"/>
+          </a:xfrm>
+          <a:prstGeom prst="flowChartAlternateProcess">
+            <a:avLst/>
+          </a:prstGeom>
+        </p:spPr>
+        <p:style>
+          <a:lnRef idx="1">
+            <a:schemeClr val="accent1"/>
+          </a:lnRef>
+          <a:fillRef idx="2">
+            <a:schemeClr val="accent1"/>
+          </a:fillRef>
+          <a:effectRef idx="1">
+            <a:schemeClr val="accent1"/>
+          </a:effectRef>
+          <a:fontRef idx="minor">
+            <a:schemeClr val="dk1"/>
+          </a:fontRef>
+        </p:style>
+        <p:txBody>
+          <a:bodyPr rtlCol="0" anchor="ctr"/>
+          <a:lstStyle/>
+          <a:p>
+            <a:pPr algn="ctr"/>
+            <a:r>
+              <a:rPr lang="en-US" sz="800" dirty="0" smtClean="0"/>
+              <a:t>Find error in init of loop </a:t>
+            </a:r>
+            <a:r>
+              <a:rPr lang="en-US" sz="800" dirty="0" err="1" smtClean="0"/>
+              <a:t>var</a:t>
+            </a:r>
+            <a:endParaRPr lang="en-US" sz="800" dirty="0"/>
+          </a:p>
+        </p:txBody>
+      </p:sp>
+      <p:cxnSp>
+        <p:nvCxnSpPr>
+          <p:cNvPr id="38" name="Straight Arrow Connector 37"/>
+          <p:cNvCxnSpPr>
+            <a:stCxn id="32" idx="2"/>
+            <a:endCxn id="24" idx="1"/>
+          </p:cNvCxnSpPr>
+          <p:nvPr/>
+        </p:nvCxnSpPr>
+        <p:spPr>
+          <a:xfrm rot="16200000" flipH="1">
+            <a:off x="2087724" y="3428999"/>
+            <a:ext cx="1764197" cy="1548172"/>
+          </a:xfrm>
+          <a:prstGeom prst="bentConnector2">
+            <a:avLst/>
+          </a:prstGeom>
+          <a:ln>
+            <a:headEnd type="none"/>
+            <a:tailEnd type="triangle"/>
+          </a:ln>
+        </p:spPr>
+        <p:style>
+          <a:lnRef idx="1">
+            <a:schemeClr val="accent1"/>
+          </a:lnRef>
+          <a:fillRef idx="2">
+            <a:schemeClr val="accent1"/>
+          </a:fillRef>
+          <a:effectRef idx="1">
+            <a:schemeClr val="accent1"/>
+          </a:effectRef>
+          <a:fontRef idx="minor">
+            <a:schemeClr val="dk1"/>
+          </a:fontRef>
+        </p:style>
+      </p:cxnSp>
+      <p:sp>
+        <p:nvSpPr>
+          <p:cNvPr id="41" name="TextBox 40"/>
+          <p:cNvSpPr txBox="1"/>
+          <p:nvPr/>
+        </p:nvSpPr>
+        <p:spPr>
+          <a:xfrm>
+            <a:off x="4195100" y="4077072"/>
+            <a:ext cx="304892" cy="215444"/>
+          </a:xfrm>
+          <a:prstGeom prst="rect">
+            <a:avLst/>
+          </a:prstGeom>
+          <a:noFill/>
+          <a:ln>
+            <a:noFill/>
+          </a:ln>
+        </p:spPr>
+        <p:style>
+          <a:lnRef idx="1">
+            <a:schemeClr val="accent1"/>
+          </a:lnRef>
+          <a:fillRef idx="2">
+            <a:schemeClr val="accent1"/>
+          </a:fillRef>
+          <a:effectRef idx="1">
+            <a:schemeClr val="accent1"/>
+          </a:effectRef>
+          <a:fontRef idx="minor">
+            <a:schemeClr val="dk1"/>
+          </a:fontRef>
+        </p:style>
+        <p:txBody>
+          <a:bodyPr wrap="none" rtlCol="0">
+            <a:spAutoFit/>
+          </a:bodyPr>
+          <a:lstStyle/>
+          <a:p>
+            <a:r>
+              <a:rPr lang="en-US" sz="800" dirty="0" smtClean="0"/>
+              <a:t>No</a:t>
+            </a:r>
+            <a:endParaRPr lang="en-US" sz="800" dirty="0"/>
+          </a:p>
+        </p:txBody>
+      </p:sp>
+      <p:cxnSp>
+        <p:nvCxnSpPr>
+          <p:cNvPr id="45" name="Straight Arrow Connector 44"/>
+          <p:cNvCxnSpPr>
+            <a:stCxn id="6" idx="2"/>
+            <a:endCxn id="48" idx="0"/>
+          </p:cNvCxnSpPr>
+          <p:nvPr/>
+        </p:nvCxnSpPr>
+        <p:spPr>
+          <a:xfrm rot="5400000">
+            <a:off x="4103948" y="4221088"/>
+            <a:ext cx="288032" cy="1588"/>
+          </a:xfrm>
+          <a:prstGeom prst="straightConnector1">
+            <a:avLst/>
+          </a:prstGeom>
+          <a:ln>
+            <a:headEnd type="none"/>
+            <a:tailEnd type="triangle"/>
+          </a:ln>
+        </p:spPr>
+        <p:style>
+          <a:lnRef idx="1">
+            <a:schemeClr val="accent1"/>
+          </a:lnRef>
+          <a:fillRef idx="2">
+            <a:schemeClr val="accent1"/>
+          </a:fillRef>
+          <a:effectRef idx="1">
+            <a:schemeClr val="accent1"/>
+          </a:effectRef>
+          <a:fontRef idx="minor">
+            <a:schemeClr val="dk1"/>
+          </a:fontRef>
+        </p:style>
+      </p:cxnSp>
+      <p:sp>
+        <p:nvSpPr>
+          <p:cNvPr id="48" name="Flowchart: Alternate Process 47"/>
+          <p:cNvSpPr/>
+          <p:nvPr/>
+        </p:nvSpPr>
+        <p:spPr>
+          <a:xfrm>
+            <a:off x="3671900" y="4365104"/>
+            <a:ext cx="1152128" cy="288032"/>
+          </a:xfrm>
+          <a:prstGeom prst="flowChartAlternateProcess">
+            <a:avLst/>
+          </a:prstGeom>
+        </p:spPr>
+        <p:style>
+          <a:lnRef idx="1">
+            <a:schemeClr val="accent1"/>
+          </a:lnRef>
+          <a:fillRef idx="2">
+            <a:schemeClr val="accent1"/>
+          </a:fillRef>
+          <a:effectRef idx="1">
+            <a:schemeClr val="accent1"/>
+          </a:effectRef>
+          <a:fontRef idx="minor">
+            <a:schemeClr val="dk1"/>
+          </a:fontRef>
+        </p:style>
+        <p:txBody>
+          <a:bodyPr rtlCol="0" anchor="ctr"/>
+          <a:lstStyle/>
+          <a:p>
+            <a:pPr algn="ctr"/>
+            <a:r>
+              <a:rPr lang="en-US" sz="800" dirty="0" smtClean="0"/>
+              <a:t>Find Cause of improper exit of loop</a:t>
+            </a:r>
+            <a:endParaRPr lang="en-US" sz="800" dirty="0"/>
+          </a:p>
+        </p:txBody>
+      </p:sp>
+      <p:cxnSp>
+        <p:nvCxnSpPr>
+          <p:cNvPr id="53" name="Straight Arrow Connector 52"/>
+          <p:cNvCxnSpPr>
+            <a:stCxn id="48" idx="2"/>
+            <a:endCxn id="24" idx="0"/>
+          </p:cNvCxnSpPr>
+          <p:nvPr/>
+        </p:nvCxnSpPr>
+        <p:spPr>
+          <a:xfrm rot="5400000">
+            <a:off x="4103948" y="4797152"/>
+            <a:ext cx="288032" cy="1588"/>
+          </a:xfrm>
+          <a:prstGeom prst="straightConnector1">
+            <a:avLst/>
+          </a:prstGeom>
+          <a:ln>
+            <a:headEnd type="none"/>
+            <a:tailEnd type="triangle"/>
+          </a:ln>
+        </p:spPr>
+        <p:style>
+          <a:lnRef idx="1">
+            <a:schemeClr val="accent1"/>
+          </a:lnRef>
+          <a:fillRef idx="2">
+            <a:schemeClr val="accent1"/>
+          </a:fillRef>
+          <a:effectRef idx="1">
+            <a:schemeClr val="accent1"/>
+          </a:effectRef>
+          <a:fontRef idx="minor">
+            <a:schemeClr val="dk1"/>
+          </a:fontRef>
+        </p:style>
+      </p:cxnSp>
+      <p:sp>
+        <p:nvSpPr>
+          <p:cNvPr id="71" name="Flowchart: Off-page Connector 70"/>
+          <p:cNvSpPr/>
+          <p:nvPr/>
+        </p:nvSpPr>
+        <p:spPr>
+          <a:xfrm>
+            <a:off x="5508104" y="3429000"/>
+            <a:ext cx="720080" cy="288032"/>
+          </a:xfrm>
+          <a:prstGeom prst="flowChartOffpageConnector">
+            <a:avLst/>
+          </a:prstGeom>
+        </p:spPr>
+        <p:style>
+          <a:lnRef idx="1">
+            <a:schemeClr val="accent1"/>
+          </a:lnRef>
+          <a:fillRef idx="2">
+            <a:schemeClr val="accent1"/>
+          </a:fillRef>
+          <a:effectRef idx="1">
+            <a:schemeClr val="accent1"/>
+          </a:effectRef>
+          <a:fontRef idx="minor">
+            <a:schemeClr val="dk1"/>
+          </a:fontRef>
+        </p:style>
+        <p:txBody>
+          <a:bodyPr rtlCol="0" anchor="ctr"/>
+          <a:lstStyle/>
+          <a:p>
+            <a:pPr algn="ctr"/>
+            <a:r>
+              <a:rPr lang="en-US" sz="800" dirty="0" smtClean="0"/>
+              <a:t>Another cause</a:t>
+            </a:r>
+            <a:endParaRPr lang="en-US" sz="800" dirty="0"/>
+          </a:p>
+        </p:txBody>
+      </p:sp>
+      <p:sp>
+        <p:nvSpPr>
+          <p:cNvPr id="72" name="TextBox 71"/>
+          <p:cNvSpPr txBox="1"/>
+          <p:nvPr/>
+        </p:nvSpPr>
+        <p:spPr>
+          <a:xfrm>
+            <a:off x="5220072" y="3645024"/>
+            <a:ext cx="360040" cy="215444"/>
+          </a:xfrm>
+          <a:prstGeom prst="rect">
+            <a:avLst/>
+          </a:prstGeom>
+          <a:noFill/>
+          <a:ln>
+            <a:noFill/>
+          </a:ln>
+        </p:spPr>
+        <p:style>
+          <a:lnRef idx="1">
+            <a:schemeClr val="accent1"/>
+          </a:lnRef>
+          <a:fillRef idx="2">
+            <a:schemeClr val="accent1"/>
+          </a:fillRef>
+          <a:effectRef idx="1">
+            <a:schemeClr val="accent1"/>
+          </a:effectRef>
+          <a:fontRef idx="minor">
+            <a:schemeClr val="dk1"/>
+          </a:fontRef>
+        </p:style>
+        <p:txBody>
+          <a:bodyPr wrap="square" rtlCol="0">
+            <a:spAutoFit/>
+          </a:bodyPr>
+          <a:lstStyle/>
+          <a:p>
+            <a:r>
+              <a:rPr lang="en-US" sz="800" dirty="0" smtClean="0"/>
+              <a:t>Yes</a:t>
+            </a:r>
+            <a:endParaRPr lang="en-US" sz="800" dirty="0"/>
+          </a:p>
+        </p:txBody>
+      </p:sp>
+      <p:cxnSp>
+        <p:nvCxnSpPr>
+          <p:cNvPr id="74" name="Straight Arrow Connector 37"/>
+          <p:cNvCxnSpPr>
+            <a:stCxn id="6" idx="3"/>
+            <a:endCxn id="71" idx="2"/>
+          </p:cNvCxnSpPr>
+          <p:nvPr/>
+        </p:nvCxnSpPr>
+        <p:spPr>
+          <a:xfrm flipV="1">
+            <a:off x="5076056" y="3717032"/>
+            <a:ext cx="792088" cy="144017"/>
+          </a:xfrm>
+          <a:prstGeom prst="bentConnector2">
+            <a:avLst/>
+          </a:prstGeom>
+          <a:ln>
+            <a:headEnd type="none"/>
+            <a:tailEnd type="triangle"/>
+          </a:ln>
+        </p:spPr>
+        <p:style>
+          <a:lnRef idx="1">
+            <a:schemeClr val="accent1"/>
+          </a:lnRef>
+          <a:fillRef idx="2">
+            <a:schemeClr val="accent1"/>
+          </a:fillRef>
+          <a:effectRef idx="1">
+            <a:schemeClr val="accent1"/>
+          </a:effectRef>
+          <a:fontRef idx="minor">
+            <a:schemeClr val="dk1"/>
+          </a:fontRef>
+        </p:style>
+      </p:cxnSp>
+      <p:sp>
+        <p:nvSpPr>
+          <p:cNvPr id="77" name="Flowchart: Connector 76"/>
+          <p:cNvSpPr/>
+          <p:nvPr/>
+        </p:nvSpPr>
+        <p:spPr>
+          <a:xfrm>
+            <a:off x="3635896" y="2060848"/>
+            <a:ext cx="144016" cy="144016"/>
+          </a:xfrm>
+          <a:prstGeom prst="flowChartConnector">
+            <a:avLst/>
+          </a:prstGeom>
+        </p:spPr>
+        <p:style>
+          <a:lnRef idx="1">
+            <a:schemeClr val="dk1"/>
+          </a:lnRef>
+          <a:fillRef idx="2">
+            <a:schemeClr val="dk1"/>
+          </a:fillRef>
+          <a:effectRef idx="1">
+            <a:schemeClr val="dk1"/>
+          </a:effectRef>
+          <a:fontRef idx="minor">
+            <a:schemeClr val="dk1"/>
+          </a:fontRef>
+        </p:style>
+        <p:txBody>
+          <a:bodyPr rtlCol="0" anchor="ctr"/>
+          <a:lstStyle/>
+          <a:p>
+            <a:pPr algn="ctr"/>
+            <a:r>
+              <a:rPr lang="en-US" sz="800" dirty="0" smtClean="0"/>
+              <a:t>a</a:t>
+            </a:r>
+            <a:endParaRPr lang="en-US" sz="800" dirty="0"/>
+          </a:p>
+        </p:txBody>
+      </p:sp>
+      <p:sp>
+        <p:nvSpPr>
+          <p:cNvPr id="78" name="Flowchart: Connector 77"/>
+          <p:cNvSpPr/>
+          <p:nvPr/>
+        </p:nvSpPr>
+        <p:spPr>
+          <a:xfrm>
+            <a:off x="3491880" y="2564904"/>
+            <a:ext cx="144016" cy="144016"/>
+          </a:xfrm>
+          <a:prstGeom prst="flowChartConnector">
+            <a:avLst/>
+          </a:prstGeom>
+        </p:spPr>
+        <p:style>
+          <a:lnRef idx="1">
+            <a:schemeClr val="dk1"/>
+          </a:lnRef>
+          <a:fillRef idx="2">
+            <a:schemeClr val="dk1"/>
+          </a:fillRef>
+          <a:effectRef idx="1">
+            <a:schemeClr val="dk1"/>
+          </a:effectRef>
+          <a:fontRef idx="minor">
+            <a:schemeClr val="dk1"/>
+          </a:fontRef>
+        </p:style>
+        <p:txBody>
+          <a:bodyPr rtlCol="0" anchor="ctr"/>
+          <a:lstStyle/>
+          <a:p>
+            <a:pPr algn="ctr"/>
+            <a:r>
+              <a:rPr lang="en-US" sz="800" dirty="0" smtClean="0"/>
+              <a:t>b</a:t>
+            </a:r>
+            <a:endParaRPr lang="en-US" sz="800" dirty="0"/>
+          </a:p>
+        </p:txBody>
+      </p:sp>
+      <p:sp>
+        <p:nvSpPr>
+          <p:cNvPr id="79" name="Flowchart: Connector 78"/>
+          <p:cNvSpPr/>
+          <p:nvPr/>
+        </p:nvSpPr>
+        <p:spPr>
+          <a:xfrm>
+            <a:off x="3707904" y="2924944"/>
+            <a:ext cx="144016" cy="144016"/>
+          </a:xfrm>
+          <a:prstGeom prst="flowChartConnector">
+            <a:avLst/>
+          </a:prstGeom>
+        </p:spPr>
+        <p:style>
+          <a:lnRef idx="1">
+            <a:schemeClr val="dk1"/>
+          </a:lnRef>
+          <a:fillRef idx="2">
+            <a:schemeClr val="dk1"/>
+          </a:fillRef>
+          <a:effectRef idx="1">
+            <a:schemeClr val="dk1"/>
+          </a:effectRef>
+          <a:fontRef idx="minor">
+            <a:schemeClr val="dk1"/>
+          </a:fontRef>
+        </p:style>
+        <p:txBody>
+          <a:bodyPr rtlCol="0" anchor="ctr"/>
+          <a:lstStyle/>
+          <a:p>
+            <a:pPr algn="ctr"/>
+            <a:r>
+              <a:rPr lang="en-US" sz="800" dirty="0" smtClean="0"/>
+              <a:t>c</a:t>
+            </a:r>
+            <a:endParaRPr lang="en-US" sz="800" dirty="0"/>
+          </a:p>
+        </p:txBody>
+      </p:sp>
+      <p:sp>
+        <p:nvSpPr>
+          <p:cNvPr id="80" name="Flowchart: Connector 79"/>
+          <p:cNvSpPr/>
+          <p:nvPr/>
+        </p:nvSpPr>
+        <p:spPr>
+          <a:xfrm>
+            <a:off x="3707904" y="3573016"/>
+            <a:ext cx="144016" cy="144016"/>
+          </a:xfrm>
+          <a:prstGeom prst="flowChartConnector">
+            <a:avLst/>
+          </a:prstGeom>
+        </p:spPr>
+        <p:style>
+          <a:lnRef idx="1">
+            <a:schemeClr val="dk1"/>
+          </a:lnRef>
+          <a:fillRef idx="2">
+            <a:schemeClr val="dk1"/>
+          </a:fillRef>
+          <a:effectRef idx="1">
+            <a:schemeClr val="dk1"/>
+          </a:effectRef>
+          <a:fontRef idx="minor">
+            <a:schemeClr val="dk1"/>
+          </a:fontRef>
+        </p:style>
+        <p:txBody>
+          <a:bodyPr rtlCol="0" anchor="ctr"/>
+          <a:lstStyle/>
+          <a:p>
+            <a:pPr algn="ctr"/>
+            <a:r>
+              <a:rPr lang="en-US" sz="800" dirty="0" smtClean="0"/>
+              <a:t>d</a:t>
+            </a:r>
+            <a:endParaRPr lang="en-US" sz="800" dirty="0"/>
+          </a:p>
+        </p:txBody>
+      </p:sp>
+      <p:sp>
+        <p:nvSpPr>
+          <p:cNvPr id="81" name="Flowchart: Connector 80"/>
+          <p:cNvSpPr/>
+          <p:nvPr/>
+        </p:nvSpPr>
+        <p:spPr>
+          <a:xfrm>
+            <a:off x="3635896" y="4149080"/>
+            <a:ext cx="144016" cy="144016"/>
+          </a:xfrm>
+          <a:prstGeom prst="flowChartConnector">
+            <a:avLst/>
+          </a:prstGeom>
+        </p:spPr>
+        <p:style>
+          <a:lnRef idx="1">
+            <a:schemeClr val="dk1"/>
+          </a:lnRef>
+          <a:fillRef idx="2">
+            <a:schemeClr val="dk1"/>
+          </a:fillRef>
+          <a:effectRef idx="1">
+            <a:schemeClr val="dk1"/>
+          </a:effectRef>
+          <a:fontRef idx="minor">
+            <a:schemeClr val="dk1"/>
+          </a:fontRef>
+        </p:style>
+        <p:txBody>
+          <a:bodyPr rtlCol="0" anchor="ctr"/>
+          <a:lstStyle/>
+          <a:p>
+            <a:pPr algn="ctr"/>
+            <a:r>
+              <a:rPr lang="en-US" sz="800" dirty="0" smtClean="0"/>
+              <a:t>e</a:t>
+            </a:r>
+            <a:endParaRPr lang="en-US" sz="800" dirty="0"/>
+          </a:p>
+        </p:txBody>
+      </p:sp>
+      <p:sp>
+        <p:nvSpPr>
+          <p:cNvPr id="82" name="Flowchart: Connector 81"/>
+          <p:cNvSpPr/>
+          <p:nvPr/>
+        </p:nvSpPr>
+        <p:spPr>
+          <a:xfrm>
+            <a:off x="3563888" y="4869160"/>
+            <a:ext cx="144016" cy="144016"/>
+          </a:xfrm>
+          <a:prstGeom prst="flowChartConnector">
+            <a:avLst/>
+          </a:prstGeom>
+        </p:spPr>
+        <p:style>
+          <a:lnRef idx="1">
+            <a:schemeClr val="dk1"/>
+          </a:lnRef>
+          <a:fillRef idx="2">
+            <a:schemeClr val="dk1"/>
+          </a:fillRef>
+          <a:effectRef idx="1">
+            <a:schemeClr val="dk1"/>
+          </a:effectRef>
+          <a:fontRef idx="minor">
+            <a:schemeClr val="dk1"/>
+          </a:fontRef>
+        </p:style>
+        <p:txBody>
+          <a:bodyPr rtlCol="0" anchor="ctr"/>
+          <a:lstStyle/>
+          <a:p>
+            <a:pPr algn="ctr"/>
+            <a:r>
+              <a:rPr lang="en-US" sz="800" dirty="0" smtClean="0"/>
+              <a:t>f</a:t>
+            </a:r>
+            <a:endParaRPr lang="en-US" sz="800" dirty="0"/>
+          </a:p>
+        </p:txBody>
+      </p:sp>
+      <p:sp>
+        <p:nvSpPr>
+          <p:cNvPr id="83" name="Flowchart: Connector 82"/>
+          <p:cNvSpPr/>
+          <p:nvPr/>
+        </p:nvSpPr>
+        <p:spPr>
+          <a:xfrm>
+            <a:off x="5364088" y="3501008"/>
+            <a:ext cx="144016" cy="144016"/>
+          </a:xfrm>
+          <a:prstGeom prst="flowChartConnector">
+            <a:avLst/>
+          </a:prstGeom>
+        </p:spPr>
+        <p:style>
+          <a:lnRef idx="1">
+            <a:schemeClr val="dk1"/>
+          </a:lnRef>
+          <a:fillRef idx="2">
+            <a:schemeClr val="dk1"/>
+          </a:fillRef>
+          <a:effectRef idx="1">
+            <a:schemeClr val="dk1"/>
+          </a:effectRef>
+          <a:fontRef idx="minor">
+            <a:schemeClr val="dk1"/>
+          </a:fontRef>
+        </p:style>
+        <p:txBody>
+          <a:bodyPr rtlCol="0" anchor="ctr"/>
+          <a:lstStyle/>
+          <a:p>
+            <a:pPr algn="ctr"/>
+            <a:r>
+              <a:rPr lang="en-US" sz="800" dirty="0" smtClean="0"/>
+              <a:t>g</a:t>
+            </a:r>
+            <a:endParaRPr lang="en-US" sz="800" dirty="0"/>
+          </a:p>
+        </p:txBody>
+      </p:sp>
+      <p:sp>
+        <p:nvSpPr>
+          <p:cNvPr id="84" name="Flowchart: Connector 83"/>
+          <p:cNvSpPr/>
+          <p:nvPr/>
+        </p:nvSpPr>
+        <p:spPr>
+          <a:xfrm>
+            <a:off x="1691680" y="3356992"/>
+            <a:ext cx="144016" cy="144016"/>
+          </a:xfrm>
+          <a:prstGeom prst="flowChartConnector">
+            <a:avLst/>
+          </a:prstGeom>
+        </p:spPr>
+        <p:style>
+          <a:lnRef idx="1">
+            <a:schemeClr val="dk1"/>
+          </a:lnRef>
+          <a:fillRef idx="2">
+            <a:schemeClr val="dk1"/>
+          </a:fillRef>
+          <a:effectRef idx="1">
+            <a:schemeClr val="dk1"/>
+          </a:effectRef>
+          <a:fontRef idx="minor">
+            <a:schemeClr val="dk1"/>
+          </a:fontRef>
+        </p:style>
+        <p:txBody>
+          <a:bodyPr rtlCol="0" anchor="ctr"/>
+          <a:lstStyle/>
+          <a:p>
+            <a:pPr algn="ctr"/>
+            <a:r>
+              <a:rPr lang="en-US" sz="800" dirty="0" smtClean="0"/>
+              <a:t>h</a:t>
+            </a:r>
+            <a:endParaRPr lang="en-US" sz="800" dirty="0"/>
           </a:p>
         </p:txBody>
       </p:sp>
     </p:spTree>
-    <p:extLst>
-      <p:ext uri="{BB962C8B-B14F-4D97-AF65-F5344CB8AC3E}">
-        <p14:creationId xmlns:p14="http://schemas.microsoft.com/office/powerpoint/2010/main" val="1734076018"/>
-      </p:ext>
-    </p:extLst>
   </p:cSld>
   <p:clrMapOvr>
     <a:masterClrMapping/>
@@ -43588,7 +48486,7 @@
       </p:grpSpPr>
       <p:sp>
         <p:nvSpPr>
-          <p:cNvPr id="2" name="Title 1"/>
+          <p:cNvPr id="4" name="Title 3"/>
           <p:cNvSpPr>
             <a:spLocks noGrp="1"/>
           </p:cNvSpPr>
@@ -43598,40 +48496,43 @@
         </p:nvSpPr>
         <p:spPr/>
         <p:txBody>
-          <a:bodyPr>
-            <a:normAutofit/>
-          </a:bodyPr>
+          <a:bodyPr/>
           <a:lstStyle/>
           <a:p>
-            <a:endParaRPr lang="en-US" sz="1800" dirty="0">
-              <a:solidFill>
-                <a:schemeClr val="bg1"/>
-              </a:solidFill>
-              <a:latin typeface="Times New Roman" pitchFamily="18" charset="0"/>
-              <a:cs typeface="Times New Roman" pitchFamily="18" charset="0"/>
-            </a:endParaRPr>
+            <a:endParaRPr lang="en-US"/>
           </a:p>
         </p:txBody>
       </p:sp>
-      <p:sp>
-        <p:nvSpPr>
-          <p:cNvPr id="5" name="Content Placeholder 4"/>
-          <p:cNvSpPr>
-            <a:spLocks noGrp="1"/>
-          </p:cNvSpPr>
-          <p:nvPr>
-            <p:ph idx="1"/>
-          </p:nvPr>
-        </p:nvSpPr>
-        <p:spPr/>
-        <p:txBody>
-          <a:bodyPr/>
-          <a:lstStyle/>
-          <a:p>
-            <a:endParaRPr lang="en-US" dirty="0"/>
-          </a:p>
-        </p:txBody>
-      </p:sp>
+    </p:spTree>
+    <p:extLst>
+      <p:ext uri="{BB962C8B-B14F-4D97-AF65-F5344CB8AC3E}">
+        <p14:creationId xmlns:p14="http://schemas.microsoft.com/office/powerpoint/2010/main" xmlns="" val="1734076018"/>
+      </p:ext>
+    </p:extLst>
+  </p:cSld>
+  <p:clrMapOvr>
+    <a:masterClrMapping/>
+  </p:clrMapOvr>
+</p:sld>
+</file>
+
+<file path=ppt/slides/slide8.xml><?xml version="1.0" encoding="utf-8"?>
+<p:sld xmlns:a="http://schemas.openxmlformats.org/drawingml/2006/main" xmlns:r="http://schemas.openxmlformats.org/officeDocument/2006/relationships" xmlns:p="http://schemas.openxmlformats.org/presentationml/2006/main">
+  <p:cSld>
+    <p:spTree>
+      <p:nvGrpSpPr>
+        <p:cNvPr id="1" name=""/>
+        <p:cNvGrpSpPr/>
+        <p:nvPr/>
+      </p:nvGrpSpPr>
+      <p:grpSpPr>
+        <a:xfrm>
+          <a:off x="0" y="0"/>
+          <a:ext cx="0" cy="0"/>
+          <a:chOff x="0" y="0"/>
+          <a:chExt cx="0" cy="0"/>
+        </a:xfrm>
+      </p:grpSpPr>
       <p:sp>
         <p:nvSpPr>
           <p:cNvPr id="6" name="Rounded Rectangle 5"/>
@@ -44245,7 +49146,7 @@
     </p:spTree>
     <p:extLst>
       <p:ext uri="{BB962C8B-B14F-4D97-AF65-F5344CB8AC3E}">
-        <p14:creationId xmlns:p14="http://schemas.microsoft.com/office/powerpoint/2010/main" val="2601577110"/>
+        <p14:creationId xmlns:p14="http://schemas.microsoft.com/office/powerpoint/2010/main" xmlns="" val="2601577110"/>
       </p:ext>
     </p:extLst>
   </p:cSld>
@@ -44262,7 +49163,7 @@
 </p:sld>
 </file>
 
-<file path=ppt/slides/slide8.xml><?xml version="1.0" encoding="utf-8"?>
+<file path=ppt/slides/slide9.xml><?xml version="1.0" encoding="utf-8"?>
 <p:sld xmlns:a="http://schemas.openxmlformats.org/drawingml/2006/main" xmlns:r="http://schemas.openxmlformats.org/officeDocument/2006/relationships" xmlns:p="http://schemas.openxmlformats.org/presentationml/2006/main">
   <p:cSld>
     <p:spTree>
@@ -44308,7 +49209,7 @@
             <p:ph idx="1"/>
             <p:extLst>
               <p:ext uri="{D42A27DB-BD31-4B8C-83A1-F6EECF244321}">
-                <p14:modId xmlns:p14="http://schemas.microsoft.com/office/powerpoint/2010/main" val="2177100673"/>
+                <p14:modId xmlns:p14="http://schemas.microsoft.com/office/powerpoint/2010/main" xmlns="" val="2177100673"/>
               </p:ext>
             </p:extLst>
           </p:nvPr>
@@ -44319,7 +49220,7 @@
         </p:xfrm>
         <a:graphic>
           <a:graphicData uri="http://schemas.openxmlformats.org/drawingml/2006/diagram">
-            <dgm:relIds xmlns:dgm="http://schemas.openxmlformats.org/drawingml/2006/diagram" xmlns:r="http://schemas.openxmlformats.org/officeDocument/2006/relationships" r:dm="rId2" r:lo="rId3" r:qs="rId4" r:cs="rId5"/>
+            <dgm:relIds xmlns:dgm="http://schemas.openxmlformats.org/drawingml/2006/diagram" xmlns:r="http://schemas.openxmlformats.org/officeDocument/2006/relationships" r:dm="rId3" r:lo="rId4" r:qs="rId5" r:cs="rId6"/>
           </a:graphicData>
         </a:graphic>
       </p:graphicFrame>
@@ -44332,7 +49233,7 @@
           <p:nvPr>
             <p:extLst>
               <p:ext uri="{D42A27DB-BD31-4B8C-83A1-F6EECF244321}">
-                <p14:modId xmlns:p14="http://schemas.microsoft.com/office/powerpoint/2010/main" val="3880500600"/>
+                <p14:modId xmlns:p14="http://schemas.microsoft.com/office/powerpoint/2010/main" xmlns="" val="3880500600"/>
               </p:ext>
             </p:extLst>
           </p:nvPr>
@@ -44343,7 +49244,7 @@
         </p:xfrm>
         <a:graphic>
           <a:graphicData uri="http://schemas.openxmlformats.org/drawingml/2006/diagram">
-            <dgm:relIds xmlns:dgm="http://schemas.openxmlformats.org/drawingml/2006/diagram" xmlns:r="http://schemas.openxmlformats.org/officeDocument/2006/relationships" r:dm="rId7" r:lo="rId8" r:qs="rId9" r:cs="rId10"/>
+            <dgm:relIds xmlns:dgm="http://schemas.openxmlformats.org/drawingml/2006/diagram" xmlns:r="http://schemas.openxmlformats.org/officeDocument/2006/relationships" r:dm="rId8" r:lo="rId9" r:qs="rId10" r:cs="rId11"/>
           </a:graphicData>
         </a:graphic>
       </p:graphicFrame>
@@ -44470,88 +49371,7 @@
     </p:spTree>
     <p:extLst>
       <p:ext uri="{BB962C8B-B14F-4D97-AF65-F5344CB8AC3E}">
-        <p14:creationId xmlns:p14="http://schemas.microsoft.com/office/powerpoint/2010/main" val="686433211"/>
-      </p:ext>
-    </p:extLst>
-  </p:cSld>
-  <p:clrMapOvr>
-    <a:masterClrMapping/>
-  </p:clrMapOvr>
-  <p:timing>
-    <p:tnLst>
-      <p:par>
-        <p:cTn id="1" dur="indefinite" restart="never" nodeType="tmRoot"/>
-      </p:par>
-    </p:tnLst>
-  </p:timing>
-</p:sld>
-</file>
-
-<file path=ppt/slides/slide9.xml><?xml version="1.0" encoding="utf-8"?>
-<p:sld xmlns:a="http://schemas.openxmlformats.org/drawingml/2006/main" xmlns:r="http://schemas.openxmlformats.org/officeDocument/2006/relationships" xmlns:p="http://schemas.openxmlformats.org/presentationml/2006/main">
-  <p:cSld>
-    <p:spTree>
-      <p:nvGrpSpPr>
-        <p:cNvPr id="1" name=""/>
-        <p:cNvGrpSpPr/>
-        <p:nvPr/>
-      </p:nvGrpSpPr>
-      <p:grpSpPr>
-        <a:xfrm>
-          <a:off x="0" y="0"/>
-          <a:ext cx="0" cy="0"/>
-          <a:chOff x="0" y="0"/>
-          <a:chExt cx="0" cy="0"/>
-        </a:xfrm>
-      </p:grpSpPr>
-      <p:sp>
-        <p:nvSpPr>
-          <p:cNvPr id="2" name="Title 1"/>
-          <p:cNvSpPr>
-            <a:spLocks noGrp="1"/>
-          </p:cNvSpPr>
-          <p:nvPr>
-            <p:ph type="title"/>
-          </p:nvPr>
-        </p:nvSpPr>
-        <p:spPr/>
-        <p:txBody>
-          <a:bodyPr/>
-          <a:lstStyle/>
-          <a:p>
-            <a:endParaRPr lang="en-US"/>
-          </a:p>
-        </p:txBody>
-      </p:sp>
-      <p:graphicFrame>
-        <p:nvGraphicFramePr>
-          <p:cNvPr id="4" name="Content Placeholder 3"/>
-          <p:cNvGraphicFramePr>
-            <a:graphicFrameLocks noGrp="1"/>
-          </p:cNvGraphicFramePr>
-          <p:nvPr>
-            <p:ph idx="1"/>
-            <p:extLst>
-              <p:ext uri="{D42A27DB-BD31-4B8C-83A1-F6EECF244321}">
-                <p14:modId xmlns:p14="http://schemas.microsoft.com/office/powerpoint/2010/main" val="545708058"/>
-              </p:ext>
-            </p:extLst>
-          </p:nvPr>
-        </p:nvGraphicFramePr>
-        <p:xfrm>
-          <a:off x="457200" y="1600201"/>
-          <a:ext cx="8229600" cy="2044823"/>
-        </p:xfrm>
-        <a:graphic>
-          <a:graphicData uri="http://schemas.openxmlformats.org/drawingml/2006/diagram">
-            <dgm:relIds xmlns:dgm="http://schemas.openxmlformats.org/drawingml/2006/diagram" xmlns:r="http://schemas.openxmlformats.org/officeDocument/2006/relationships" r:dm="rId2" r:lo="rId3" r:qs="rId4" r:cs="rId5"/>
-          </a:graphicData>
-        </a:graphic>
-      </p:graphicFrame>
-    </p:spTree>
-    <p:extLst>
-      <p:ext uri="{BB962C8B-B14F-4D97-AF65-F5344CB8AC3E}">
-        <p14:creationId xmlns:p14="http://schemas.microsoft.com/office/powerpoint/2010/main" val="2992830619"/>
+        <p14:creationId xmlns:p14="http://schemas.microsoft.com/office/powerpoint/2010/main" xmlns="" val="686433211"/>
       </p:ext>
     </p:extLst>
   </p:cSld>
@@ -44901,4 +49721,287 @@
   </a:objectDefaults>
   <a:extraClrSchemeLst/>
 </a:theme>
+</file>
+
+<file path=ppt/theme/theme2.xml><?xml version="1.0" encoding="utf-8"?>
+<a:theme xmlns:a="http://schemas.openxmlformats.org/drawingml/2006/main" name="Office Theme">
+  <a:themeElements>
+    <a:clrScheme name="Office">
+      <a:dk1>
+        <a:sysClr val="windowText" lastClr="000000"/>
+      </a:dk1>
+      <a:lt1>
+        <a:sysClr val="window" lastClr="FFFFFF"/>
+      </a:lt1>
+      <a:dk2>
+        <a:srgbClr val="1F497D"/>
+      </a:dk2>
+      <a:lt2>
+        <a:srgbClr val="EEECE1"/>
+      </a:lt2>
+      <a:accent1>
+        <a:srgbClr val="4F81BD"/>
+      </a:accent1>
+      <a:accent2>
+        <a:srgbClr val="C0504D"/>
+      </a:accent2>
+      <a:accent3>
+        <a:srgbClr val="9BBB59"/>
+      </a:accent3>
+      <a:accent4>
+        <a:srgbClr val="8064A2"/>
+      </a:accent4>
+      <a:accent5>
+        <a:srgbClr val="4BACC6"/>
+      </a:accent5>
+      <a:accent6>
+        <a:srgbClr val="F79646"/>
+      </a:accent6>
+      <a:hlink>
+        <a:srgbClr val="0000FF"/>
+      </a:hlink>
+      <a:folHlink>
+        <a:srgbClr val="800080"/>
+      </a:folHlink>
+    </a:clrScheme>
+    <a:fontScheme name="Office">
+      <a:majorFont>
+        <a:latin typeface="Calibri"/>
+        <a:ea typeface=""/>
+        <a:cs typeface=""/>
+        <a:font script="Jpan" typeface="ＭＳ Ｐゴシック"/>
+        <a:font script="Hang" typeface="맑은 고딕"/>
+        <a:font script="Hans" typeface="宋体"/>
+        <a:font script="Hant" typeface="新細明體"/>
+        <a:font script="Arab" typeface="Times New Roman"/>
+        <a:font script="Hebr" typeface="Times New Roman"/>
+        <a:font script="Thai" typeface="Angsana New"/>
+        <a:font script="Ethi" typeface="Nyala"/>
+        <a:font script="Beng" typeface="Vrinda"/>
+        <a:font script="Gujr" typeface="Shruti"/>
+        <a:font script="Khmr" typeface="MoolBoran"/>
+        <a:font script="Knda" typeface="Tunga"/>
+        <a:font script="Guru" typeface="Raavi"/>
+        <a:font script="Cans" typeface="Euphemia"/>
+        <a:font script="Cher" typeface="Plantagenet Cherokee"/>
+        <a:font script="Yiii" typeface="Microsoft Yi Baiti"/>
+        <a:font script="Tibt" typeface="Microsoft Himalaya"/>
+        <a:font script="Thaa" typeface="MV Boli"/>
+        <a:font script="Deva" typeface="Mangal"/>
+        <a:font script="Telu" typeface="Gautami"/>
+        <a:font script="Taml" typeface="Latha"/>
+        <a:font script="Syrc" typeface="Estrangelo Edessa"/>
+        <a:font script="Orya" typeface="Kalinga"/>
+        <a:font script="Mlym" typeface="Kartika"/>
+        <a:font script="Laoo" typeface="DokChampa"/>
+        <a:font script="Sinh" typeface="Iskoola Pota"/>
+        <a:font script="Mong" typeface="Mongolian Baiti"/>
+        <a:font script="Viet" typeface="Times New Roman"/>
+        <a:font script="Uigh" typeface="Microsoft Uighur"/>
+      </a:majorFont>
+      <a:minorFont>
+        <a:latin typeface="Calibri"/>
+        <a:ea typeface=""/>
+        <a:cs typeface=""/>
+        <a:font script="Jpan" typeface="ＭＳ Ｐゴシック"/>
+        <a:font script="Hang" typeface="맑은 고딕"/>
+        <a:font script="Hans" typeface="宋体"/>
+        <a:font script="Hant" typeface="新細明體"/>
+        <a:font script="Arab" typeface="Arial"/>
+        <a:font script="Hebr" typeface="Arial"/>
+        <a:font script="Thai" typeface="Cordia New"/>
+        <a:font script="Ethi" typeface="Nyala"/>
+        <a:font script="Beng" typeface="Vrinda"/>
+        <a:font script="Gujr" typeface="Shruti"/>
+        <a:font script="Khmr" typeface="DaunPenh"/>
+        <a:font script="Knda" typeface="Tunga"/>
+        <a:font script="Guru" typeface="Raavi"/>
+        <a:font script="Cans" typeface="Euphemia"/>
+        <a:font script="Cher" typeface="Plantagenet Cherokee"/>
+        <a:font script="Yiii" typeface="Microsoft Yi Baiti"/>
+        <a:font script="Tibt" typeface="Microsoft Himalaya"/>
+        <a:font script="Thaa" typeface="MV Boli"/>
+        <a:font script="Deva" typeface="Mangal"/>
+        <a:font script="Telu" typeface="Gautami"/>
+        <a:font script="Taml" typeface="Latha"/>
+        <a:font script="Syrc" typeface="Estrangelo Edessa"/>
+        <a:font script="Orya" typeface="Kalinga"/>
+        <a:font script="Mlym" typeface="Kartika"/>
+        <a:font script="Laoo" typeface="DokChampa"/>
+        <a:font script="Sinh" typeface="Iskoola Pota"/>
+        <a:font script="Mong" typeface="Mongolian Baiti"/>
+        <a:font script="Viet" typeface="Arial"/>
+        <a:font script="Uigh" typeface="Microsoft Uighur"/>
+      </a:minorFont>
+    </a:fontScheme>
+    <a:fmtScheme name="Office">
+      <a:fillStyleLst>
+        <a:solidFill>
+          <a:schemeClr val="phClr"/>
+        </a:solidFill>
+        <a:gradFill rotWithShape="1">
+          <a:gsLst>
+            <a:gs pos="0">
+              <a:schemeClr val="phClr">
+                <a:tint val="50000"/>
+                <a:satMod val="300000"/>
+              </a:schemeClr>
+            </a:gs>
+            <a:gs pos="35000">
+              <a:schemeClr val="phClr">
+                <a:tint val="37000"/>
+                <a:satMod val="300000"/>
+              </a:schemeClr>
+            </a:gs>
+            <a:gs pos="100000">
+              <a:schemeClr val="phClr">
+                <a:tint val="15000"/>
+                <a:satMod val="350000"/>
+              </a:schemeClr>
+            </a:gs>
+          </a:gsLst>
+          <a:lin ang="16200000" scaled="1"/>
+        </a:gradFill>
+        <a:gradFill rotWithShape="1">
+          <a:gsLst>
+            <a:gs pos="0">
+              <a:schemeClr val="phClr">
+                <a:shade val="51000"/>
+                <a:satMod val="130000"/>
+              </a:schemeClr>
+            </a:gs>
+            <a:gs pos="80000">
+              <a:schemeClr val="phClr">
+                <a:shade val="93000"/>
+                <a:satMod val="130000"/>
+              </a:schemeClr>
+            </a:gs>
+            <a:gs pos="100000">
+              <a:schemeClr val="phClr">
+                <a:shade val="94000"/>
+                <a:satMod val="135000"/>
+              </a:schemeClr>
+            </a:gs>
+          </a:gsLst>
+          <a:lin ang="16200000" scaled="0"/>
+        </a:gradFill>
+      </a:fillStyleLst>
+      <a:lnStyleLst>
+        <a:ln w="9525" cap="flat" cmpd="sng" algn="ctr">
+          <a:solidFill>
+            <a:schemeClr val="phClr">
+              <a:shade val="95000"/>
+              <a:satMod val="105000"/>
+            </a:schemeClr>
+          </a:solidFill>
+          <a:prstDash val="solid"/>
+        </a:ln>
+        <a:ln w="25400" cap="flat" cmpd="sng" algn="ctr">
+          <a:solidFill>
+            <a:schemeClr val="phClr"/>
+          </a:solidFill>
+          <a:prstDash val="solid"/>
+        </a:ln>
+        <a:ln w="38100" cap="flat" cmpd="sng" algn="ctr">
+          <a:solidFill>
+            <a:schemeClr val="phClr"/>
+          </a:solidFill>
+          <a:prstDash val="solid"/>
+        </a:ln>
+      </a:lnStyleLst>
+      <a:effectStyleLst>
+        <a:effectStyle>
+          <a:effectLst>
+            <a:outerShdw blurRad="40000" dist="20000" dir="5400000" rotWithShape="0">
+              <a:srgbClr val="000000">
+                <a:alpha val="38000"/>
+              </a:srgbClr>
+            </a:outerShdw>
+          </a:effectLst>
+        </a:effectStyle>
+        <a:effectStyle>
+          <a:effectLst>
+            <a:outerShdw blurRad="40000" dist="23000" dir="5400000" rotWithShape="0">
+              <a:srgbClr val="000000">
+                <a:alpha val="35000"/>
+              </a:srgbClr>
+            </a:outerShdw>
+          </a:effectLst>
+        </a:effectStyle>
+        <a:effectStyle>
+          <a:effectLst>
+            <a:outerShdw blurRad="40000" dist="23000" dir="5400000" rotWithShape="0">
+              <a:srgbClr val="000000">
+                <a:alpha val="35000"/>
+              </a:srgbClr>
+            </a:outerShdw>
+          </a:effectLst>
+          <a:scene3d>
+            <a:camera prst="orthographicFront">
+              <a:rot lat="0" lon="0" rev="0"/>
+            </a:camera>
+            <a:lightRig rig="threePt" dir="t">
+              <a:rot lat="0" lon="0" rev="1200000"/>
+            </a:lightRig>
+          </a:scene3d>
+          <a:sp3d>
+            <a:bevelT w="63500" h="25400"/>
+          </a:sp3d>
+        </a:effectStyle>
+      </a:effectStyleLst>
+      <a:bgFillStyleLst>
+        <a:solidFill>
+          <a:schemeClr val="phClr"/>
+        </a:solidFill>
+        <a:gradFill rotWithShape="1">
+          <a:gsLst>
+            <a:gs pos="0">
+              <a:schemeClr val="phClr">
+                <a:tint val="40000"/>
+                <a:satMod val="350000"/>
+              </a:schemeClr>
+            </a:gs>
+            <a:gs pos="40000">
+              <a:schemeClr val="phClr">
+                <a:tint val="45000"/>
+                <a:shade val="99000"/>
+                <a:satMod val="350000"/>
+              </a:schemeClr>
+            </a:gs>
+            <a:gs pos="100000">
+              <a:schemeClr val="phClr">
+                <a:shade val="20000"/>
+                <a:satMod val="255000"/>
+              </a:schemeClr>
+            </a:gs>
+          </a:gsLst>
+          <a:path path="circle">
+            <a:fillToRect l="50000" t="-80000" r="50000" b="180000"/>
+          </a:path>
+        </a:gradFill>
+        <a:gradFill rotWithShape="1">
+          <a:gsLst>
+            <a:gs pos="0">
+              <a:schemeClr val="phClr">
+                <a:tint val="80000"/>
+                <a:satMod val="300000"/>
+              </a:schemeClr>
+            </a:gs>
+            <a:gs pos="100000">
+              <a:schemeClr val="phClr">
+                <a:shade val="30000"/>
+                <a:satMod val="200000"/>
+              </a:schemeClr>
+            </a:gs>
+          </a:gsLst>
+          <a:path path="circle">
+            <a:fillToRect l="50000" t="50000" r="50000" b="50000"/>
+          </a:path>
+        </a:gradFill>
+      </a:bgFillStyleLst>
+    </a:fmtScheme>
+  </a:themeElements>
+  <a:objectDefaults/>
+  <a:extraClrSchemeLst/>
+</a:theme>
 </file>
--- a/pptFigures.pptx
+++ b/pptFigures.pptx
@@ -5,25 +5,26 @@
     <p:sldMasterId id="2147483648" r:id="rId1"/>
   </p:sldMasterIdLst>
   <p:notesMasterIdLst>
-    <p:notesMasterId r:id="rId18"/>
+    <p:notesMasterId r:id="rId19"/>
   </p:notesMasterIdLst>
   <p:sldIdLst>
-    <p:sldId id="260" r:id="rId2"/>
-    <p:sldId id="268" r:id="rId3"/>
-    <p:sldId id="261" r:id="rId4"/>
-    <p:sldId id="267" r:id="rId5"/>
-    <p:sldId id="279" r:id="rId6"/>
-    <p:sldId id="280" r:id="rId7"/>
-    <p:sldId id="278" r:id="rId8"/>
-    <p:sldId id="277" r:id="rId9"/>
-    <p:sldId id="275" r:id="rId10"/>
-    <p:sldId id="276" r:id="rId11"/>
-    <p:sldId id="273" r:id="rId12"/>
-    <p:sldId id="274" r:id="rId13"/>
-    <p:sldId id="269" r:id="rId14"/>
-    <p:sldId id="270" r:id="rId15"/>
-    <p:sldId id="272" r:id="rId16"/>
-    <p:sldId id="271" r:id="rId17"/>
+    <p:sldId id="256" r:id="rId2"/>
+    <p:sldId id="260" r:id="rId3"/>
+    <p:sldId id="268" r:id="rId4"/>
+    <p:sldId id="261" r:id="rId5"/>
+    <p:sldId id="267" r:id="rId6"/>
+    <p:sldId id="279" r:id="rId7"/>
+    <p:sldId id="280" r:id="rId8"/>
+    <p:sldId id="278" r:id="rId9"/>
+    <p:sldId id="277" r:id="rId10"/>
+    <p:sldId id="275" r:id="rId11"/>
+    <p:sldId id="276" r:id="rId12"/>
+    <p:sldId id="273" r:id="rId13"/>
+    <p:sldId id="274" r:id="rId14"/>
+    <p:sldId id="269" r:id="rId15"/>
+    <p:sldId id="270" r:id="rId16"/>
+    <p:sldId id="272" r:id="rId17"/>
+    <p:sldId id="271" r:id="rId18"/>
   </p:sldIdLst>
   <p:sldSz cx="9144000" cy="6858000" type="screen4x3"/>
   <p:notesSz cx="6858000" cy="9144000"/>
@@ -13109,7 +13110,7 @@
       <dgm:spPr/>
     </dgm:pt>
     <dgm:pt modelId="{19534C57-D135-4442-A902-30D76676158A}" type="pres">
-      <dgm:prSet presAssocID="{60A1F7A4-CDB6-4E8B-9A50-F8E571BA3491}" presName="parTxOnly" presStyleLbl="node1" presStyleIdx="0" presStyleCnt="1" custLinFactNeighborX="78404" custLinFactNeighborY="2358">
+      <dgm:prSet presAssocID="{60A1F7A4-CDB6-4E8B-9A50-F8E571BA3491}" presName="parTxOnly" presStyleLbl="node1" presStyleIdx="0" presStyleCnt="1" custLinFactNeighborX="43175">
         <dgm:presLayoutVars>
           <dgm:chMax val="0"/>
           <dgm:chPref val="0"/>
@@ -15608,7 +15609,7 @@
       </dsp:nvSpPr>
       <dsp:spPr>
         <a:xfrm>
-          <a:off x="1004" y="460387"/>
+          <a:off x="1004" y="1283506"/>
           <a:ext cx="1958950" cy="1958950"/>
         </a:xfrm>
         <a:prstGeom prst="ellipse">
@@ -15719,7 +15720,7 @@
         </a:p>
       </dsp:txBody>
       <dsp:txXfrm>
-        <a:off x="1004" y="460387"/>
+        <a:off x="1004" y="1283506"/>
         <a:ext cx="1958950" cy="1958950"/>
       </dsp:txXfrm>
     </dsp:sp>
@@ -15730,7 +15731,7 @@
       </dsp:nvSpPr>
       <dsp:spPr>
         <a:xfrm>
-          <a:off x="1568164" y="460387"/>
+          <a:off x="1568164" y="1283506"/>
           <a:ext cx="1958950" cy="1958950"/>
         </a:xfrm>
         <a:prstGeom prst="ellipse">
@@ -15841,7 +15842,7 @@
         </a:p>
       </dsp:txBody>
       <dsp:txXfrm>
-        <a:off x="1568164" y="460387"/>
+        <a:off x="1568164" y="1283506"/>
         <a:ext cx="1958950" cy="1958950"/>
       </dsp:txXfrm>
     </dsp:sp>
@@ -15852,7 +15853,7 @@
       </dsp:nvSpPr>
       <dsp:spPr>
         <a:xfrm>
-          <a:off x="3135324" y="460387"/>
+          <a:off x="3135324" y="1283506"/>
           <a:ext cx="1958950" cy="1958950"/>
         </a:xfrm>
         <a:prstGeom prst="ellipse">
@@ -15963,7 +15964,7 @@
         </a:p>
       </dsp:txBody>
       <dsp:txXfrm>
-        <a:off x="3135324" y="460387"/>
+        <a:off x="3135324" y="1283506"/>
         <a:ext cx="1958950" cy="1958950"/>
       </dsp:txXfrm>
     </dsp:sp>
@@ -15974,7 +15975,7 @@
       </dsp:nvSpPr>
       <dsp:spPr>
         <a:xfrm>
-          <a:off x="4702485" y="460387"/>
+          <a:off x="4702485" y="1283506"/>
           <a:ext cx="1958950" cy="1958950"/>
         </a:xfrm>
         <a:prstGeom prst="ellipse">
@@ -16085,7 +16086,7 @@
         </a:p>
       </dsp:txBody>
       <dsp:txXfrm>
-        <a:off x="4702485" y="460387"/>
+        <a:off x="4702485" y="1283506"/>
         <a:ext cx="1958950" cy="1958950"/>
       </dsp:txXfrm>
     </dsp:sp>
@@ -16096,7 +16097,7 @@
       </dsp:nvSpPr>
       <dsp:spPr>
         <a:xfrm>
-          <a:off x="6269645" y="460387"/>
+          <a:off x="6269645" y="1283506"/>
           <a:ext cx="1958950" cy="1958950"/>
         </a:xfrm>
         <a:prstGeom prst="ellipse">
@@ -16214,7 +16215,7 @@
         </a:p>
       </dsp:txBody>
       <dsp:txXfrm>
-        <a:off x="6269645" y="460387"/>
+        <a:off x="6269645" y="1283506"/>
         <a:ext cx="1958950" cy="1958950"/>
       </dsp:txXfrm>
     </dsp:sp>
@@ -17331,7 +17332,7 @@
       <dsp:spPr>
         <a:xfrm>
           <a:off x="3274" y="0"/>
-          <a:ext cx="3349525" cy="1066800"/>
+          <a:ext cx="3349525" cy="1066799"/>
         </a:xfrm>
         <a:prstGeom prst="chevron">
           <a:avLst/>
@@ -17434,7 +17435,7 @@
       </dsp:txBody>
       <dsp:txXfrm>
         <a:off x="3274" y="0"/>
-        <a:ext cx="3349525" cy="1066800"/>
+        <a:ext cx="3349525" cy="1066799"/>
       </dsp:txXfrm>
     </dsp:sp>
   </dsp:spTree>
@@ -36196,7 +36197,7 @@
             </a:lvl1pPr>
           </a:lstStyle>
           <a:p>
-            <a:fld id="{62660B3D-FE32-4980-9033-73A0F366DFAF}" type="datetimeFigureOut">
+            <a:fld id="{B4D587CB-4639-4B7A-9F0F-841F955FE3A0}" type="datetimeFigureOut">
               <a:rPr lang="en-US" smtClean="0"/>
               <a:t>6/15/2013</a:t>
             </a:fld>
@@ -36357,7 +36358,7 @@
             </a:lvl1pPr>
           </a:lstStyle>
           <a:p>
-            <a:fld id="{1038B51E-4605-4D7A-81F3-593EC1AC8611}" type="slidenum">
+            <a:fld id="{C7638540-05FF-4C33-A664-B971BAFF3076}" type="slidenum">
               <a:rPr lang="en-US" smtClean="0"/>
               <a:t>‹#›</a:t>
             </a:fld>
@@ -36528,7 +36529,7 @@
           <a:bodyPr/>
           <a:lstStyle/>
           <a:p>
-            <a:fld id="{1038B51E-4605-4D7A-81F3-593EC1AC8611}" type="slidenum">
+            <a:fld id="{C7638540-05FF-4C33-A664-B971BAFF3076}" type="slidenum">
               <a:rPr lang="en-US" smtClean="0"/>
               <a:t>1</a:t>
             </a:fld>
@@ -36609,7 +36610,7 @@
           <a:bodyPr/>
           <a:lstStyle/>
           <a:p>
-            <a:fld id="{1038B51E-4605-4D7A-81F3-593EC1AC8611}" type="slidenum">
+            <a:fld id="{C7638540-05FF-4C33-A664-B971BAFF3076}" type="slidenum">
               <a:rPr lang="en-US" smtClean="0"/>
               <a:t>10</a:t>
             </a:fld>
@@ -36690,7 +36691,7 @@
           <a:bodyPr/>
           <a:lstStyle/>
           <a:p>
-            <a:fld id="{1038B51E-4605-4D7A-81F3-593EC1AC8611}" type="slidenum">
+            <a:fld id="{C7638540-05FF-4C33-A664-B971BAFF3076}" type="slidenum">
               <a:rPr lang="en-US" smtClean="0"/>
               <a:t>11</a:t>
             </a:fld>
@@ -36771,7 +36772,7 @@
           <a:bodyPr/>
           <a:lstStyle/>
           <a:p>
-            <a:fld id="{1038B51E-4605-4D7A-81F3-593EC1AC8611}" type="slidenum">
+            <a:fld id="{C7638540-05FF-4C33-A664-B971BAFF3076}" type="slidenum">
               <a:rPr lang="en-US" smtClean="0"/>
               <a:t>12</a:t>
             </a:fld>
@@ -36852,7 +36853,7 @@
           <a:bodyPr/>
           <a:lstStyle/>
           <a:p>
-            <a:fld id="{1038B51E-4605-4D7A-81F3-593EC1AC8611}" type="slidenum">
+            <a:fld id="{C7638540-05FF-4C33-A664-B971BAFF3076}" type="slidenum">
               <a:rPr lang="en-US" smtClean="0"/>
               <a:t>13</a:t>
             </a:fld>
@@ -36933,7 +36934,7 @@
           <a:bodyPr/>
           <a:lstStyle/>
           <a:p>
-            <a:fld id="{1038B51E-4605-4D7A-81F3-593EC1AC8611}" type="slidenum">
+            <a:fld id="{C7638540-05FF-4C33-A664-B971BAFF3076}" type="slidenum">
               <a:rPr lang="en-US" smtClean="0"/>
               <a:t>14</a:t>
             </a:fld>
@@ -37014,7 +37015,7 @@
           <a:bodyPr/>
           <a:lstStyle/>
           <a:p>
-            <a:fld id="{1038B51E-4605-4D7A-81F3-593EC1AC8611}" type="slidenum">
+            <a:fld id="{C7638540-05FF-4C33-A664-B971BAFF3076}" type="slidenum">
               <a:rPr lang="en-US" smtClean="0"/>
               <a:t>15</a:t>
             </a:fld>
@@ -37095,9 +37096,90 @@
           <a:bodyPr/>
           <a:lstStyle/>
           <a:p>
-            <a:fld id="{1038B51E-4605-4D7A-81F3-593EC1AC8611}" type="slidenum">
+            <a:fld id="{C7638540-05FF-4C33-A664-B971BAFF3076}" type="slidenum">
               <a:rPr lang="en-US" smtClean="0"/>
               <a:t>16</a:t>
+            </a:fld>
+            <a:endParaRPr lang="en-US"/>
+          </a:p>
+        </p:txBody>
+      </p:sp>
+    </p:spTree>
+  </p:cSld>
+  <p:clrMapOvr>
+    <a:masterClrMapping/>
+  </p:clrMapOvr>
+</p:notes>
+</file>
+
+<file path=ppt/notesSlides/notesSlide17.xml><?xml version="1.0" encoding="utf-8"?>
+<p:notes xmlns:a="http://schemas.openxmlformats.org/drawingml/2006/main" xmlns:r="http://schemas.openxmlformats.org/officeDocument/2006/relationships" xmlns:p="http://schemas.openxmlformats.org/presentationml/2006/main">
+  <p:cSld>
+    <p:spTree>
+      <p:nvGrpSpPr>
+        <p:cNvPr id="1" name=""/>
+        <p:cNvGrpSpPr/>
+        <p:nvPr/>
+      </p:nvGrpSpPr>
+      <p:grpSpPr>
+        <a:xfrm>
+          <a:off x="0" y="0"/>
+          <a:ext cx="0" cy="0"/>
+          <a:chOff x="0" y="0"/>
+          <a:chExt cx="0" cy="0"/>
+        </a:xfrm>
+      </p:grpSpPr>
+      <p:sp>
+        <p:nvSpPr>
+          <p:cNvPr id="2" name="Slide Image Placeholder 1"/>
+          <p:cNvSpPr>
+            <a:spLocks noGrp="1" noRot="1" noChangeAspect="1"/>
+          </p:cNvSpPr>
+          <p:nvPr>
+            <p:ph type="sldImg"/>
+          </p:nvPr>
+        </p:nvSpPr>
+        <p:spPr/>
+      </p:sp>
+      <p:sp>
+        <p:nvSpPr>
+          <p:cNvPr id="3" name="Notes Placeholder 2"/>
+          <p:cNvSpPr>
+            <a:spLocks noGrp="1"/>
+          </p:cNvSpPr>
+          <p:nvPr>
+            <p:ph type="body" idx="1"/>
+          </p:nvPr>
+        </p:nvSpPr>
+        <p:spPr/>
+        <p:txBody>
+          <a:bodyPr>
+            <a:normAutofit/>
+          </a:bodyPr>
+          <a:lstStyle/>
+          <a:p>
+            <a:endParaRPr lang="en-US"/>
+          </a:p>
+        </p:txBody>
+      </p:sp>
+      <p:sp>
+        <p:nvSpPr>
+          <p:cNvPr id="4" name="Slide Number Placeholder 3"/>
+          <p:cNvSpPr>
+            <a:spLocks noGrp="1"/>
+          </p:cNvSpPr>
+          <p:nvPr>
+            <p:ph type="sldNum" sz="quarter" idx="10"/>
+          </p:nvPr>
+        </p:nvSpPr>
+        <p:spPr/>
+        <p:txBody>
+          <a:bodyPr/>
+          <a:lstStyle/>
+          <a:p>
+            <a:fld id="{C7638540-05FF-4C33-A664-B971BAFF3076}" type="slidenum">
+              <a:rPr lang="en-US" smtClean="0"/>
+              <a:t>17</a:t>
             </a:fld>
             <a:endParaRPr lang="en-US"/>
           </a:p>
@@ -37176,7 +37258,7 @@
           <a:bodyPr/>
           <a:lstStyle/>
           <a:p>
-            <a:fld id="{1038B51E-4605-4D7A-81F3-593EC1AC8611}" type="slidenum">
+            <a:fld id="{C7638540-05FF-4C33-A664-B971BAFF3076}" type="slidenum">
               <a:rPr lang="en-US" smtClean="0"/>
               <a:t>2</a:t>
             </a:fld>
@@ -37257,7 +37339,7 @@
           <a:bodyPr/>
           <a:lstStyle/>
           <a:p>
-            <a:fld id="{1038B51E-4605-4D7A-81F3-593EC1AC8611}" type="slidenum">
+            <a:fld id="{C7638540-05FF-4C33-A664-B971BAFF3076}" type="slidenum">
               <a:rPr lang="en-US" smtClean="0"/>
               <a:t>3</a:t>
             </a:fld>
@@ -37338,7 +37420,7 @@
           <a:bodyPr/>
           <a:lstStyle/>
           <a:p>
-            <a:fld id="{1038B51E-4605-4D7A-81F3-593EC1AC8611}" type="slidenum">
+            <a:fld id="{C7638540-05FF-4C33-A664-B971BAFF3076}" type="slidenum">
               <a:rPr lang="en-US" smtClean="0"/>
               <a:t>4</a:t>
             </a:fld>
@@ -37419,7 +37501,7 @@
           <a:bodyPr/>
           <a:lstStyle/>
           <a:p>
-            <a:fld id="{1038B51E-4605-4D7A-81F3-593EC1AC8611}" type="slidenum">
+            <a:fld id="{C7638540-05FF-4C33-A664-B971BAFF3076}" type="slidenum">
               <a:rPr lang="en-US" smtClean="0"/>
               <a:t>5</a:t>
             </a:fld>
@@ -37502,6 +37584,7 @@
           <a:p>
             <a:fld id="{1038B51E-4605-4D7A-81F3-593EC1AC8611}" type="slidenum">
               <a:rPr lang="en-US" smtClean="0"/>
+              <a:pPr/>
               <a:t>6</a:t>
             </a:fld>
             <a:endParaRPr lang="en-US"/>
@@ -37583,6 +37666,7 @@
           <a:p>
             <a:fld id="{1038B51E-4605-4D7A-81F3-593EC1AC8611}" type="slidenum">
               <a:rPr lang="en-US" smtClean="0"/>
+              <a:pPr/>
               <a:t>7</a:t>
             </a:fld>
             <a:endParaRPr lang="en-US"/>
@@ -37662,7 +37746,7 @@
           <a:bodyPr/>
           <a:lstStyle/>
           <a:p>
-            <a:fld id="{1038B51E-4605-4D7A-81F3-593EC1AC8611}" type="slidenum">
+            <a:fld id="{C7638540-05FF-4C33-A664-B971BAFF3076}" type="slidenum">
               <a:rPr lang="en-US" smtClean="0"/>
               <a:t>8</a:t>
             </a:fld>
@@ -37743,7 +37827,7 @@
           <a:bodyPr/>
           <a:lstStyle/>
           <a:p>
-            <a:fld id="{1038B51E-4605-4D7A-81F3-593EC1AC8611}" type="slidenum">
+            <a:fld id="{C7638540-05FF-4C33-A664-B971BAFF3076}" type="slidenum">
               <a:rPr lang="en-US" smtClean="0"/>
               <a:t>9</a:t>
             </a:fld>
@@ -40771,70 +40855,48 @@
           <a:chExt cx="0" cy="0"/>
         </a:xfrm>
       </p:grpSpPr>
-      <p:graphicFrame>
-        <p:nvGraphicFramePr>
-          <p:cNvPr id="4" name="Content Placeholder 3"/>
-          <p:cNvGraphicFramePr>
-            <a:graphicFrameLocks noGrp="1"/>
-          </p:cNvGraphicFramePr>
-          <p:nvPr>
-            <p:ph idx="1"/>
-            <p:extLst>
-              <p:ext uri="{D42A27DB-BD31-4B8C-83A1-F6EECF244321}">
-                <p14:modId xmlns:p14="http://schemas.microsoft.com/office/powerpoint/2010/main" xmlns="" val="812163987"/>
-              </p:ext>
-            </p:extLst>
-          </p:nvPr>
-        </p:nvGraphicFramePr>
-        <p:xfrm>
-          <a:off x="533400" y="2362201"/>
-          <a:ext cx="8077200" cy="2362199"/>
-        </p:xfrm>
-        <a:graphic>
-          <a:graphicData uri="http://schemas.openxmlformats.org/drawingml/2006/diagram">
-            <dgm:relIds xmlns:dgm="http://schemas.openxmlformats.org/drawingml/2006/diagram" xmlns:r="http://schemas.openxmlformats.org/officeDocument/2006/relationships" r:dm="rId3" r:lo="rId4" r:qs="rId5" r:cs="rId6"/>
-          </a:graphicData>
-        </a:graphic>
-      </p:graphicFrame>
       <p:sp>
         <p:nvSpPr>
-          <p:cNvPr id="6" name="TextBox 5"/>
-          <p:cNvSpPr txBox="1"/>
-          <p:nvPr/>
+          <p:cNvPr id="2" name="Title 1"/>
+          <p:cNvSpPr>
+            <a:spLocks noGrp="1"/>
+          </p:cNvSpPr>
+          <p:nvPr>
+            <p:ph type="ctrTitle"/>
+          </p:nvPr>
         </p:nvSpPr>
-        <p:spPr>
-          <a:xfrm>
-            <a:off x="3352800" y="2514600"/>
-            <a:ext cx="2438400" cy="369332"/>
-          </a:xfrm>
-          <a:prstGeom prst="rect">
-            <a:avLst/>
-          </a:prstGeom>
-          <a:noFill/>
-        </p:spPr>
+        <p:spPr/>
         <p:txBody>
-          <a:bodyPr wrap="square" rtlCol="0">
-            <a:spAutoFit/>
-          </a:bodyPr>
+          <a:bodyPr/>
           <a:lstStyle/>
           <a:p>
-            <a:pPr algn="ctr"/>
-            <a:r>
-              <a:rPr lang="en-US" cap="all" dirty="0" smtClean="0">
-                <a:latin typeface="Times New Roman" pitchFamily="18" charset="0"/>
-              </a:rPr>
-              <a:t>SELF TEST</a:t>
-            </a:r>
-            <a:endParaRPr lang="en-US" cap="all" dirty="0">
-              <a:latin typeface="Times New Roman" pitchFamily="18" charset="0"/>
-            </a:endParaRPr>
+            <a:endParaRPr lang="en-US"/>
+          </a:p>
+        </p:txBody>
+      </p:sp>
+      <p:sp>
+        <p:nvSpPr>
+          <p:cNvPr id="3" name="Subtitle 2"/>
+          <p:cNvSpPr>
+            <a:spLocks noGrp="1"/>
+          </p:cNvSpPr>
+          <p:nvPr>
+            <p:ph type="subTitle" idx="1"/>
+          </p:nvPr>
+        </p:nvSpPr>
+        <p:spPr/>
+        <p:txBody>
+          <a:bodyPr/>
+          <a:lstStyle/>
+          <a:p>
+            <a:endParaRPr lang="en-US"/>
           </a:p>
         </p:txBody>
       </p:sp>
     </p:spTree>
     <p:extLst>
       <p:ext uri="{BB962C8B-B14F-4D97-AF65-F5344CB8AC3E}">
-        <p14:creationId xmlns:p14="http://schemas.microsoft.com/office/powerpoint/2010/main" xmlns="" val="3929008511"/>
+        <p14:creationId xmlns:p14="http://schemas.microsoft.com/office/powerpoint/2010/main" xmlns="" val="2398501569"/>
       </p:ext>
     </p:extLst>
   </p:cSld>
@@ -40852,6 +40914,231 @@
 </file>
 
 <file path=ppt/slides/slide10.xml><?xml version="1.0" encoding="utf-8"?>
+<p:sld xmlns:a="http://schemas.openxmlformats.org/drawingml/2006/main" xmlns:r="http://schemas.openxmlformats.org/officeDocument/2006/relationships" xmlns:p="http://schemas.openxmlformats.org/presentationml/2006/main">
+  <p:cSld>
+    <p:spTree>
+      <p:nvGrpSpPr>
+        <p:cNvPr id="1" name=""/>
+        <p:cNvGrpSpPr/>
+        <p:nvPr/>
+      </p:nvGrpSpPr>
+      <p:grpSpPr>
+        <a:xfrm>
+          <a:off x="0" y="0"/>
+          <a:ext cx="0" cy="0"/>
+          <a:chOff x="0" y="0"/>
+          <a:chExt cx="0" cy="0"/>
+        </a:xfrm>
+      </p:grpSpPr>
+      <p:sp>
+        <p:nvSpPr>
+          <p:cNvPr id="2" name="Title 1"/>
+          <p:cNvSpPr>
+            <a:spLocks noGrp="1"/>
+          </p:cNvSpPr>
+          <p:nvPr>
+            <p:ph type="title"/>
+          </p:nvPr>
+        </p:nvSpPr>
+        <p:spPr/>
+        <p:txBody>
+          <a:bodyPr/>
+          <a:lstStyle/>
+          <a:p>
+            <a:endParaRPr lang="en-US"/>
+          </a:p>
+        </p:txBody>
+      </p:sp>
+      <p:graphicFrame>
+        <p:nvGraphicFramePr>
+          <p:cNvPr id="4" name="Content Placeholder 3"/>
+          <p:cNvGraphicFramePr>
+            <a:graphicFrameLocks noGrp="1"/>
+          </p:cNvGraphicFramePr>
+          <p:nvPr>
+            <p:ph idx="1"/>
+            <p:extLst>
+              <p:ext uri="{D42A27DB-BD31-4B8C-83A1-F6EECF244321}">
+                <p14:modId xmlns:p14="http://schemas.microsoft.com/office/powerpoint/2010/main" xmlns="" val="2177100673"/>
+              </p:ext>
+            </p:extLst>
+          </p:nvPr>
+        </p:nvGraphicFramePr>
+        <p:xfrm>
+          <a:off x="467544" y="692697"/>
+          <a:ext cx="5040560" cy="2016223"/>
+        </p:xfrm>
+        <a:graphic>
+          <a:graphicData uri="http://schemas.openxmlformats.org/drawingml/2006/diagram">
+            <dgm:relIds xmlns:dgm="http://schemas.openxmlformats.org/drawingml/2006/diagram" xmlns:r="http://schemas.openxmlformats.org/officeDocument/2006/relationships" r:dm="rId3" r:lo="rId4" r:qs="rId5" r:cs="rId6"/>
+          </a:graphicData>
+        </a:graphic>
+      </p:graphicFrame>
+      <p:graphicFrame>
+        <p:nvGraphicFramePr>
+          <p:cNvPr id="7" name="Content Placeholder 3"/>
+          <p:cNvGraphicFramePr>
+            <a:graphicFrameLocks/>
+          </p:cNvGraphicFramePr>
+          <p:nvPr>
+            <p:extLst>
+              <p:ext uri="{D42A27DB-BD31-4B8C-83A1-F6EECF244321}">
+                <p14:modId xmlns:p14="http://schemas.microsoft.com/office/powerpoint/2010/main" xmlns="" val="3880500600"/>
+              </p:ext>
+            </p:extLst>
+          </p:nvPr>
+        </p:nvGraphicFramePr>
+        <p:xfrm>
+          <a:off x="3419872" y="2924944"/>
+          <a:ext cx="5040560" cy="2016223"/>
+        </p:xfrm>
+        <a:graphic>
+          <a:graphicData uri="http://schemas.openxmlformats.org/drawingml/2006/diagram">
+            <dgm:relIds xmlns:dgm="http://schemas.openxmlformats.org/drawingml/2006/diagram" xmlns:r="http://schemas.openxmlformats.org/officeDocument/2006/relationships" r:dm="rId8" r:lo="rId9" r:qs="rId10" r:cs="rId11"/>
+          </a:graphicData>
+        </a:graphic>
+      </p:graphicFrame>
+      <p:sp>
+        <p:nvSpPr>
+          <p:cNvPr id="5" name="Down Arrow 4"/>
+          <p:cNvSpPr/>
+          <p:nvPr/>
+        </p:nvSpPr>
+        <p:spPr>
+          <a:xfrm>
+            <a:off x="4211960" y="2420888"/>
+            <a:ext cx="648072" cy="792088"/>
+          </a:xfrm>
+          <a:prstGeom prst="downArrow">
+            <a:avLst/>
+          </a:prstGeom>
+          <a:solidFill>
+            <a:schemeClr val="tx2">
+              <a:lumMod val="75000"/>
+            </a:schemeClr>
+          </a:solidFill>
+          <a:ln>
+            <a:noFill/>
+          </a:ln>
+        </p:spPr>
+        <p:style>
+          <a:lnRef idx="2">
+            <a:schemeClr val="accent1">
+              <a:shade val="50000"/>
+            </a:schemeClr>
+          </a:lnRef>
+          <a:fillRef idx="1">
+            <a:schemeClr val="accent1"/>
+          </a:fillRef>
+          <a:effectRef idx="0">
+            <a:schemeClr val="accent1"/>
+          </a:effectRef>
+          <a:fontRef idx="minor">
+            <a:schemeClr val="lt1"/>
+          </a:fontRef>
+        </p:style>
+        <p:txBody>
+          <a:bodyPr rtlCol="0" anchor="ctr"/>
+          <a:lstStyle/>
+          <a:p>
+            <a:pPr algn="ctr"/>
+            <a:endParaRPr lang="en-US"/>
+          </a:p>
+        </p:txBody>
+      </p:sp>
+      <p:sp>
+        <p:nvSpPr>
+          <p:cNvPr id="8" name="TextBox 7"/>
+          <p:cNvSpPr txBox="1"/>
+          <p:nvPr/>
+        </p:nvSpPr>
+        <p:spPr>
+          <a:xfrm>
+            <a:off x="5796136" y="2420888"/>
+            <a:ext cx="2664296" cy="338554"/>
+          </a:xfrm>
+          <a:prstGeom prst="rect">
+            <a:avLst/>
+          </a:prstGeom>
+          <a:noFill/>
+        </p:spPr>
+        <p:txBody>
+          <a:bodyPr wrap="square" rtlCol="0">
+            <a:spAutoFit/>
+          </a:bodyPr>
+          <a:lstStyle/>
+          <a:p>
+            <a:r>
+              <a:rPr lang="en-US" sz="1600" i="1" dirty="0" smtClean="0">
+                <a:latin typeface="Times New Roman" pitchFamily="18" charset="0"/>
+                <a:cs typeface="Times New Roman" pitchFamily="18" charset="0"/>
+              </a:rPr>
+              <a:t>STAGE 1: RTL SIMULATION</a:t>
+            </a:r>
+            <a:endParaRPr lang="en-US" sz="1600" i="1" dirty="0">
+              <a:latin typeface="Times New Roman" pitchFamily="18" charset="0"/>
+              <a:cs typeface="Times New Roman" pitchFamily="18" charset="0"/>
+            </a:endParaRPr>
+          </a:p>
+        </p:txBody>
+      </p:sp>
+      <p:sp>
+        <p:nvSpPr>
+          <p:cNvPr id="10" name="TextBox 9"/>
+          <p:cNvSpPr txBox="1"/>
+          <p:nvPr/>
+        </p:nvSpPr>
+        <p:spPr>
+          <a:xfrm>
+            <a:off x="5508104" y="5085184"/>
+            <a:ext cx="3104728" cy="338554"/>
+          </a:xfrm>
+          <a:prstGeom prst="rect">
+            <a:avLst/>
+          </a:prstGeom>
+          <a:noFill/>
+        </p:spPr>
+        <p:txBody>
+          <a:bodyPr wrap="square" rtlCol="0">
+            <a:spAutoFit/>
+          </a:bodyPr>
+          <a:lstStyle/>
+          <a:p>
+            <a:r>
+              <a:rPr lang="en-US" sz="1600" i="1" dirty="0" smtClean="0">
+                <a:latin typeface="Times New Roman" pitchFamily="18" charset="0"/>
+                <a:cs typeface="Times New Roman" pitchFamily="18" charset="0"/>
+              </a:rPr>
+              <a:t>STAGE 2: NETLIST SIMULATION</a:t>
+            </a:r>
+            <a:endParaRPr lang="en-US" sz="1600" i="1" dirty="0">
+              <a:latin typeface="Times New Roman" pitchFamily="18" charset="0"/>
+              <a:cs typeface="Times New Roman" pitchFamily="18" charset="0"/>
+            </a:endParaRPr>
+          </a:p>
+        </p:txBody>
+      </p:sp>
+    </p:spTree>
+    <p:extLst>
+      <p:ext uri="{BB962C8B-B14F-4D97-AF65-F5344CB8AC3E}">
+        <p14:creationId xmlns:p14="http://schemas.microsoft.com/office/powerpoint/2010/main" xmlns="" val="686433211"/>
+      </p:ext>
+    </p:extLst>
+  </p:cSld>
+  <p:clrMapOvr>
+    <a:masterClrMapping/>
+  </p:clrMapOvr>
+  <p:timing>
+    <p:tnLst>
+      <p:par>
+        <p:cTn id="1" dur="indefinite" restart="never" nodeType="tmRoot"/>
+      </p:par>
+    </p:tnLst>
+  </p:timing>
+</p:sld>
+</file>
+
+<file path=ppt/slides/slide11.xml><?xml version="1.0" encoding="utf-8"?>
 <p:sld xmlns:a="http://schemas.openxmlformats.org/drawingml/2006/main" xmlns:r="http://schemas.openxmlformats.org/officeDocument/2006/relationships" xmlns:p="http://schemas.openxmlformats.org/presentationml/2006/main">
   <p:cSld>
     <p:spTree>
@@ -40932,7 +41219,7 @@
 </p:sld>
 </file>
 
-<file path=ppt/slides/slide11.xml><?xml version="1.0" encoding="utf-8"?>
+<file path=ppt/slides/slide12.xml><?xml version="1.0" encoding="utf-8"?>
 <p:sld xmlns:a="http://schemas.openxmlformats.org/drawingml/2006/main" xmlns:r="http://schemas.openxmlformats.org/officeDocument/2006/relationships" xmlns:p="http://schemas.openxmlformats.org/presentationml/2006/main">
   <p:cSld>
     <p:spTree>
@@ -41147,7 +41434,7 @@
 </p:sld>
 </file>
 
-<file path=ppt/slides/slide12.xml><?xml version="1.0" encoding="utf-8"?>
+<file path=ppt/slides/slide13.xml><?xml version="1.0" encoding="utf-8"?>
 <p:sld xmlns:a="http://schemas.openxmlformats.org/drawingml/2006/main" xmlns:r="http://schemas.openxmlformats.org/officeDocument/2006/relationships" xmlns:p="http://schemas.openxmlformats.org/presentationml/2006/main">
   <p:cSld>
     <p:spTree>
@@ -41166,7 +41453,7 @@
       </p:grpSpPr>
       <p:sp>
         <p:nvSpPr>
-          <p:cNvPr id="4" name="Title 3"/>
+          <p:cNvPr id="2" name="Title 1"/>
           <p:cNvSpPr>
             <a:spLocks noGrp="1"/>
           </p:cNvSpPr>
@@ -41179,11 +41466,7 @@
           <a:bodyPr/>
           <a:lstStyle/>
           <a:p>
-            <a:r>
-              <a:rPr lang="en-US" dirty="0" smtClean="0"/>
-              <a:t>Fsdb.tif</a:t>
-            </a:r>
-            <a:endParaRPr lang="en-US" dirty="0"/>
+            <a:endParaRPr lang="en-US"/>
           </a:p>
         </p:txBody>
       </p:sp>
@@ -41194,7 +41477,7 @@
             <a:graphicFrameLocks noGrp="1"/>
           </p:cNvGraphicFramePr>
           <p:nvPr>
-            <p:ph idx="4294967295"/>
+            <p:ph idx="1"/>
             <p:extLst>
               <p:ext uri="{D42A27DB-BD31-4B8C-83A1-F6EECF244321}">
                 <p14:modId xmlns:p14="http://schemas.microsoft.com/office/powerpoint/2010/main" xmlns="" val="3607291589"/>
@@ -41203,8 +41486,8 @@
           </p:nvPr>
         </p:nvGraphicFramePr>
         <p:xfrm>
-          <a:off x="539552" y="2060848"/>
-          <a:ext cx="8229600" cy="2879725"/>
+          <a:off x="457200" y="1600200"/>
+          <a:ext cx="8229600" cy="4525963"/>
         </p:xfrm>
         <a:graphic>
           <a:graphicData uri="http://schemas.openxmlformats.org/drawingml/2006/diagram">
@@ -41232,7 +41515,7 @@
 </p:sld>
 </file>
 
-<file path=ppt/slides/slide13.xml><?xml version="1.0" encoding="utf-8"?>
+<file path=ppt/slides/slide14.xml><?xml version="1.0" encoding="utf-8"?>
 <p:sld xmlns:a="http://schemas.openxmlformats.org/drawingml/2006/main" xmlns:r="http://schemas.openxmlformats.org/officeDocument/2006/relationships" xmlns:p="http://schemas.openxmlformats.org/presentationml/2006/main">
   <p:cSld>
     <p:spTree>
@@ -41249,6 +41532,44 @@
           <a:chExt cx="0" cy="0"/>
         </a:xfrm>
       </p:grpSpPr>
+      <p:sp>
+        <p:nvSpPr>
+          <p:cNvPr id="2" name="Title 1"/>
+          <p:cNvSpPr>
+            <a:spLocks noGrp="1"/>
+          </p:cNvSpPr>
+          <p:nvPr>
+            <p:ph type="title"/>
+          </p:nvPr>
+        </p:nvSpPr>
+        <p:spPr/>
+        <p:txBody>
+          <a:bodyPr/>
+          <a:lstStyle/>
+          <a:p>
+            <a:endParaRPr lang="en-IN" dirty="0"/>
+          </a:p>
+        </p:txBody>
+      </p:sp>
+      <p:sp>
+        <p:nvSpPr>
+          <p:cNvPr id="3" name="Content Placeholder 2"/>
+          <p:cNvSpPr>
+            <a:spLocks noGrp="1"/>
+          </p:cNvSpPr>
+          <p:nvPr>
+            <p:ph idx="1"/>
+          </p:nvPr>
+        </p:nvSpPr>
+        <p:spPr/>
+        <p:txBody>
+          <a:bodyPr/>
+          <a:lstStyle/>
+          <a:p>
+            <a:endParaRPr lang="en-IN" dirty="0"/>
+          </a:p>
+        </p:txBody>
+      </p:sp>
       <p:sp>
         <p:nvSpPr>
           <p:cNvPr id="4" name="Flowchart: Document 3"/>
@@ -41746,7 +42067,7 @@
 </p:sld>
 </file>
 
-<file path=ppt/slides/slide14.xml><?xml version="1.0" encoding="utf-8"?>
+<file path=ppt/slides/slide15.xml><?xml version="1.0" encoding="utf-8"?>
 <p:sld xmlns:a="http://schemas.openxmlformats.org/drawingml/2006/main" xmlns:r="http://schemas.openxmlformats.org/officeDocument/2006/relationships" xmlns:p="http://schemas.openxmlformats.org/presentationml/2006/main">
   <p:cSld>
     <p:spTree>
@@ -41763,6 +42084,44 @@
           <a:chExt cx="0" cy="0"/>
         </a:xfrm>
       </p:grpSpPr>
+      <p:sp>
+        <p:nvSpPr>
+          <p:cNvPr id="2" name="Title 1"/>
+          <p:cNvSpPr>
+            <a:spLocks noGrp="1"/>
+          </p:cNvSpPr>
+          <p:nvPr>
+            <p:ph type="title"/>
+          </p:nvPr>
+        </p:nvSpPr>
+        <p:spPr/>
+        <p:txBody>
+          <a:bodyPr/>
+          <a:lstStyle/>
+          <a:p>
+            <a:endParaRPr lang="en-IN" dirty="0"/>
+          </a:p>
+        </p:txBody>
+      </p:sp>
+      <p:sp>
+        <p:nvSpPr>
+          <p:cNvPr id="3" name="Content Placeholder 2"/>
+          <p:cNvSpPr>
+            <a:spLocks noGrp="1"/>
+          </p:cNvSpPr>
+          <p:nvPr>
+            <p:ph idx="1"/>
+          </p:nvPr>
+        </p:nvSpPr>
+        <p:spPr/>
+        <p:txBody>
+          <a:bodyPr/>
+          <a:lstStyle/>
+          <a:p>
+            <a:endParaRPr lang="en-IN" dirty="0"/>
+          </a:p>
+        </p:txBody>
+      </p:sp>
       <p:sp>
         <p:nvSpPr>
           <p:cNvPr id="4" name="Rounded Rectangle 3"/>
@@ -42236,7 +42595,7 @@
 </p:sld>
 </file>
 
-<file path=ppt/slides/slide15.xml><?xml version="1.0" encoding="utf-8"?>
+<file path=ppt/slides/slide16.xml><?xml version="1.0" encoding="utf-8"?>
 <p:sld xmlns:a="http://schemas.openxmlformats.org/drawingml/2006/main" xmlns:r="http://schemas.openxmlformats.org/officeDocument/2006/relationships" xmlns:p="http://schemas.openxmlformats.org/presentationml/2006/main">
   <p:cSld>
     <p:spTree>
@@ -43384,7 +43743,7 @@
 </p:sld>
 </file>
 
-<file path=ppt/slides/slide16.xml><?xml version="1.0" encoding="utf-8"?>
+<file path=ppt/slides/slide17.xml><?xml version="1.0" encoding="utf-8"?>
 <p:sld xmlns:a="http://schemas.openxmlformats.org/drawingml/2006/main" xmlns:r="http://schemas.openxmlformats.org/officeDocument/2006/relationships" xmlns:p="http://schemas.openxmlformats.org/presentationml/2006/main">
   <p:cSld>
     <p:spTree>
@@ -43401,6 +43760,44 @@
           <a:chExt cx="0" cy="0"/>
         </a:xfrm>
       </p:grpSpPr>
+      <p:sp>
+        <p:nvSpPr>
+          <p:cNvPr id="2" name="Title 1"/>
+          <p:cNvSpPr>
+            <a:spLocks noGrp="1"/>
+          </p:cNvSpPr>
+          <p:nvPr>
+            <p:ph type="title"/>
+          </p:nvPr>
+        </p:nvSpPr>
+        <p:spPr/>
+        <p:txBody>
+          <a:bodyPr/>
+          <a:lstStyle/>
+          <a:p>
+            <a:endParaRPr lang="en-US" dirty="0"/>
+          </a:p>
+        </p:txBody>
+      </p:sp>
+      <p:sp>
+        <p:nvSpPr>
+          <p:cNvPr id="3" name="Content Placeholder 2"/>
+          <p:cNvSpPr>
+            <a:spLocks noGrp="1"/>
+          </p:cNvSpPr>
+          <p:nvPr>
+            <p:ph idx="1"/>
+          </p:nvPr>
+        </p:nvSpPr>
+        <p:spPr/>
+        <p:txBody>
+          <a:bodyPr/>
+          <a:lstStyle/>
+          <a:p>
+            <a:endParaRPr lang="en-US" dirty="0"/>
+          </a:p>
+        </p:txBody>
+      </p:sp>
       <p:grpSp>
         <p:nvGrpSpPr>
           <p:cNvPr id="4" name="Group 3"/>
@@ -44387,6 +44784,141 @@
           <a:chExt cx="0" cy="0"/>
         </a:xfrm>
       </p:grpSpPr>
+      <p:sp>
+        <p:nvSpPr>
+          <p:cNvPr id="2" name="Title 1"/>
+          <p:cNvSpPr>
+            <a:spLocks noGrp="1"/>
+          </p:cNvSpPr>
+          <p:nvPr>
+            <p:ph type="title"/>
+          </p:nvPr>
+        </p:nvSpPr>
+        <p:spPr/>
+        <p:txBody>
+          <a:bodyPr/>
+          <a:lstStyle/>
+          <a:p>
+            <a:endParaRPr lang="en-US"/>
+          </a:p>
+        </p:txBody>
+      </p:sp>
+      <p:graphicFrame>
+        <p:nvGraphicFramePr>
+          <p:cNvPr id="4" name="Content Placeholder 3"/>
+          <p:cNvGraphicFramePr>
+            <a:graphicFrameLocks noGrp="1"/>
+          </p:cNvGraphicFramePr>
+          <p:nvPr>
+            <p:ph idx="1"/>
+            <p:extLst>
+              <p:ext uri="{D42A27DB-BD31-4B8C-83A1-F6EECF244321}">
+                <p14:modId xmlns:p14="http://schemas.microsoft.com/office/powerpoint/2010/main" xmlns="" val="812163987"/>
+              </p:ext>
+            </p:extLst>
+          </p:nvPr>
+        </p:nvGraphicFramePr>
+        <p:xfrm>
+          <a:off x="533400" y="2362201"/>
+          <a:ext cx="8077200" cy="2362199"/>
+        </p:xfrm>
+        <a:graphic>
+          <a:graphicData uri="http://schemas.openxmlformats.org/drawingml/2006/diagram">
+            <dgm:relIds xmlns:dgm="http://schemas.openxmlformats.org/drawingml/2006/diagram" xmlns:r="http://schemas.openxmlformats.org/officeDocument/2006/relationships" r:dm="rId3" r:lo="rId4" r:qs="rId5" r:cs="rId6"/>
+          </a:graphicData>
+        </a:graphic>
+      </p:graphicFrame>
+      <p:sp>
+        <p:nvSpPr>
+          <p:cNvPr id="6" name="TextBox 5"/>
+          <p:cNvSpPr txBox="1"/>
+          <p:nvPr/>
+        </p:nvSpPr>
+        <p:spPr>
+          <a:xfrm>
+            <a:off x="3352800" y="2514600"/>
+            <a:ext cx="2438400" cy="369332"/>
+          </a:xfrm>
+          <a:prstGeom prst="rect">
+            <a:avLst/>
+          </a:prstGeom>
+          <a:noFill/>
+        </p:spPr>
+        <p:txBody>
+          <a:bodyPr wrap="square" rtlCol="0">
+            <a:spAutoFit/>
+          </a:bodyPr>
+          <a:lstStyle/>
+          <a:p>
+            <a:pPr algn="ctr"/>
+            <a:r>
+              <a:rPr lang="en-US" cap="all" dirty="0" smtClean="0">
+                <a:latin typeface="Times New Roman" pitchFamily="18" charset="0"/>
+              </a:rPr>
+              <a:t>SELF TEST</a:t>
+            </a:r>
+            <a:endParaRPr lang="en-US" cap="all" dirty="0">
+              <a:latin typeface="Times New Roman" pitchFamily="18" charset="0"/>
+            </a:endParaRPr>
+          </a:p>
+        </p:txBody>
+      </p:sp>
+    </p:spTree>
+    <p:extLst>
+      <p:ext uri="{BB962C8B-B14F-4D97-AF65-F5344CB8AC3E}">
+        <p14:creationId xmlns:p14="http://schemas.microsoft.com/office/powerpoint/2010/main" xmlns="" val="3929008511"/>
+      </p:ext>
+    </p:extLst>
+  </p:cSld>
+  <p:clrMapOvr>
+    <a:masterClrMapping/>
+  </p:clrMapOvr>
+  <p:timing>
+    <p:tnLst>
+      <p:par>
+        <p:cTn id="1" dur="indefinite" restart="never" nodeType="tmRoot"/>
+      </p:par>
+    </p:tnLst>
+  </p:timing>
+</p:sld>
+</file>
+
+<file path=ppt/slides/slide3.xml><?xml version="1.0" encoding="utf-8"?>
+<p:sld xmlns:a="http://schemas.openxmlformats.org/drawingml/2006/main" xmlns:r="http://schemas.openxmlformats.org/officeDocument/2006/relationships" xmlns:p="http://schemas.openxmlformats.org/presentationml/2006/main">
+  <p:cSld>
+    <p:spTree>
+      <p:nvGrpSpPr>
+        <p:cNvPr id="1" name=""/>
+        <p:cNvGrpSpPr/>
+        <p:nvPr/>
+      </p:nvGrpSpPr>
+      <p:grpSpPr>
+        <a:xfrm>
+          <a:off x="0" y="0"/>
+          <a:ext cx="0" cy="0"/>
+          <a:chOff x="0" y="0"/>
+          <a:chExt cx="0" cy="0"/>
+        </a:xfrm>
+      </p:grpSpPr>
+      <p:sp>
+        <p:nvSpPr>
+          <p:cNvPr id="2" name="Title 1"/>
+          <p:cNvSpPr>
+            <a:spLocks noGrp="1"/>
+          </p:cNvSpPr>
+          <p:nvPr>
+            <p:ph type="title"/>
+          </p:nvPr>
+        </p:nvSpPr>
+        <p:spPr/>
+        <p:txBody>
+          <a:bodyPr/>
+          <a:lstStyle/>
+          <a:p>
+            <a:endParaRPr lang="en-IN"/>
+          </a:p>
+        </p:txBody>
+      </p:sp>
       <p:graphicFrame>
         <p:nvGraphicFramePr>
           <p:cNvPr id="4" name="Content Placeholder 3"/>
@@ -44768,7 +45300,7 @@
 </p:sld>
 </file>
 
-<file path=ppt/slides/slide3.xml><?xml version="1.0" encoding="utf-8"?>
+<file path=ppt/slides/slide4.xml><?xml version="1.0" encoding="utf-8"?>
 <p:sld xmlns:a="http://schemas.openxmlformats.org/drawingml/2006/main" xmlns:r="http://schemas.openxmlformats.org/officeDocument/2006/relationships" xmlns:p="http://schemas.openxmlformats.org/presentationml/2006/main">
   <p:cSld>
     <p:spTree>
@@ -44849,7 +45381,7 @@
 </p:sld>
 </file>
 
-<file path=ppt/slides/slide4.xml><?xml version="1.0" encoding="utf-8"?>
+<file path=ppt/slides/slide5.xml><?xml version="1.0" encoding="utf-8"?>
 <p:sld xmlns:a="http://schemas.openxmlformats.org/drawingml/2006/main" xmlns:r="http://schemas.openxmlformats.org/officeDocument/2006/relationships" xmlns:p="http://schemas.openxmlformats.org/presentationml/2006/main">
   <p:cSld>
     <p:spTree>
@@ -44868,7 +45400,7 @@
       </p:grpSpPr>
       <p:sp>
         <p:nvSpPr>
-          <p:cNvPr id="9" name="Title 8"/>
+          <p:cNvPr id="2" name="Title 1"/>
           <p:cNvSpPr>
             <a:spLocks noGrp="1"/>
           </p:cNvSpPr>
@@ -44876,7 +45408,12 @@
             <p:ph type="title"/>
           </p:nvPr>
         </p:nvSpPr>
-        <p:spPr/>
+        <p:spPr>
+          <a:xfrm>
+            <a:off x="533400" y="381000"/>
+            <a:ext cx="8305800" cy="990600"/>
+          </a:xfrm>
+        </p:spPr>
         <p:txBody>
           <a:bodyPr/>
           <a:lstStyle/>
@@ -44892,7 +45429,7 @@
             <a:graphicFrameLocks noGrp="1"/>
           </p:cNvGraphicFramePr>
           <p:nvPr>
-            <p:ph idx="4294967295"/>
+            <p:ph idx="1"/>
             <p:extLst>
               <p:ext uri="{D42A27DB-BD31-4B8C-83A1-F6EECF244321}">
                 <p14:modId xmlns:p14="http://schemas.microsoft.com/office/powerpoint/2010/main" xmlns="" val="2475547916"/>
@@ -44901,8 +45438,8 @@
           </p:nvPr>
         </p:nvGraphicFramePr>
         <p:xfrm>
-          <a:off x="0" y="2971800"/>
-          <a:ext cx="3352800" cy="1066800"/>
+          <a:off x="2895600" y="2971800"/>
+          <a:ext cx="3352800" cy="1066799"/>
         </p:xfrm>
         <a:graphic>
           <a:graphicData uri="http://schemas.openxmlformats.org/drawingml/2006/diagram">
@@ -45085,7 +45622,7 @@
 </p:sld>
 </file>
 
-<file path=ppt/slides/slide5.xml><?xml version="1.0" encoding="utf-8"?>
+<file path=ppt/slides/slide6.xml><?xml version="1.0" encoding="utf-8"?>
 <p:sld xmlns:a="http://schemas.openxmlformats.org/drawingml/2006/main" xmlns:r="http://schemas.openxmlformats.org/officeDocument/2006/relationships" xmlns:p="http://schemas.openxmlformats.org/presentationml/2006/main">
   <p:cSld>
     <p:spTree>
@@ -47237,7 +47774,7 @@
 </p:sld>
 </file>
 
-<file path=ppt/slides/slide6.xml><?xml version="1.0" encoding="utf-8"?>
+<file path=ppt/slides/slide7.xml><?xml version="1.0" encoding="utf-8"?>
 <p:sld xmlns:a="http://schemas.openxmlformats.org/drawingml/2006/main" xmlns:r="http://schemas.openxmlformats.org/officeDocument/2006/relationships" xmlns:p="http://schemas.openxmlformats.org/presentationml/2006/main">
   <p:cSld>
     <p:spTree>
@@ -48467,7 +49004,7 @@
 </p:sld>
 </file>
 
-<file path=ppt/slides/slide7.xml><?xml version="1.0" encoding="utf-8"?>
+<file path=ppt/slides/slide8.xml><?xml version="1.0" encoding="utf-8"?>
 <p:sld xmlns:a="http://schemas.openxmlformats.org/drawingml/2006/main" xmlns:r="http://schemas.openxmlformats.org/officeDocument/2006/relationships" xmlns:p="http://schemas.openxmlformats.org/presentationml/2006/main">
   <p:cSld>
     <p:spTree>
@@ -48486,12 +49023,31 @@
       </p:grpSpPr>
       <p:sp>
         <p:nvSpPr>
-          <p:cNvPr id="4" name="Title 3"/>
+          <p:cNvPr id="2" name="Title 1"/>
           <p:cNvSpPr>
             <a:spLocks noGrp="1"/>
           </p:cNvSpPr>
           <p:nvPr>
             <p:ph type="title"/>
+          </p:nvPr>
+        </p:nvSpPr>
+        <p:spPr/>
+        <p:txBody>
+          <a:bodyPr/>
+          <a:lstStyle/>
+          <a:p>
+            <a:endParaRPr lang="en-US"/>
+          </a:p>
+        </p:txBody>
+      </p:sp>
+      <p:sp>
+        <p:nvSpPr>
+          <p:cNvPr id="3" name="Content Placeholder 2"/>
+          <p:cNvSpPr>
+            <a:spLocks noGrp="1"/>
+          </p:cNvSpPr>
+          <p:nvPr>
+            <p:ph idx="1"/>
           </p:nvPr>
         </p:nvSpPr>
         <p:spPr/>
@@ -48516,7 +49072,7 @@
 </p:sld>
 </file>
 
-<file path=ppt/slides/slide8.xml><?xml version="1.0" encoding="utf-8"?>
+<file path=ppt/slides/slide9.xml><?xml version="1.0" encoding="utf-8"?>
 <p:sld xmlns:a="http://schemas.openxmlformats.org/drawingml/2006/main" xmlns:r="http://schemas.openxmlformats.org/officeDocument/2006/relationships" xmlns:p="http://schemas.openxmlformats.org/presentationml/2006/main">
   <p:cSld>
     <p:spTree>
@@ -48533,6 +49089,52 @@
           <a:chExt cx="0" cy="0"/>
         </a:xfrm>
       </p:grpSpPr>
+      <p:sp>
+        <p:nvSpPr>
+          <p:cNvPr id="2" name="Title 1"/>
+          <p:cNvSpPr>
+            <a:spLocks noGrp="1"/>
+          </p:cNvSpPr>
+          <p:nvPr>
+            <p:ph type="title"/>
+          </p:nvPr>
+        </p:nvSpPr>
+        <p:spPr/>
+        <p:txBody>
+          <a:bodyPr>
+            <a:normAutofit/>
+          </a:bodyPr>
+          <a:lstStyle/>
+          <a:p>
+            <a:endParaRPr lang="en-US" sz="1800" dirty="0">
+              <a:solidFill>
+                <a:schemeClr val="bg1"/>
+              </a:solidFill>
+              <a:latin typeface="Times New Roman" pitchFamily="18" charset="0"/>
+              <a:cs typeface="Times New Roman" pitchFamily="18" charset="0"/>
+            </a:endParaRPr>
+          </a:p>
+        </p:txBody>
+      </p:sp>
+      <p:sp>
+        <p:nvSpPr>
+          <p:cNvPr id="5" name="Content Placeholder 4"/>
+          <p:cNvSpPr>
+            <a:spLocks noGrp="1"/>
+          </p:cNvSpPr>
+          <p:nvPr>
+            <p:ph idx="1"/>
+          </p:nvPr>
+        </p:nvSpPr>
+        <p:spPr/>
+        <p:txBody>
+          <a:bodyPr/>
+          <a:lstStyle/>
+          <a:p>
+            <a:endParaRPr lang="en-US" dirty="0"/>
+          </a:p>
+        </p:txBody>
+      </p:sp>
       <p:sp>
         <p:nvSpPr>
           <p:cNvPr id="6" name="Rounded Rectangle 5"/>
@@ -49147,231 +49749,6 @@
     <p:extLst>
       <p:ext uri="{BB962C8B-B14F-4D97-AF65-F5344CB8AC3E}">
         <p14:creationId xmlns:p14="http://schemas.microsoft.com/office/powerpoint/2010/main" xmlns="" val="2601577110"/>
-      </p:ext>
-    </p:extLst>
-  </p:cSld>
-  <p:clrMapOvr>
-    <a:masterClrMapping/>
-  </p:clrMapOvr>
-  <p:timing>
-    <p:tnLst>
-      <p:par>
-        <p:cTn id="1" dur="indefinite" restart="never" nodeType="tmRoot"/>
-      </p:par>
-    </p:tnLst>
-  </p:timing>
-</p:sld>
-</file>
-
-<file path=ppt/slides/slide9.xml><?xml version="1.0" encoding="utf-8"?>
-<p:sld xmlns:a="http://schemas.openxmlformats.org/drawingml/2006/main" xmlns:r="http://schemas.openxmlformats.org/officeDocument/2006/relationships" xmlns:p="http://schemas.openxmlformats.org/presentationml/2006/main">
-  <p:cSld>
-    <p:spTree>
-      <p:nvGrpSpPr>
-        <p:cNvPr id="1" name=""/>
-        <p:cNvGrpSpPr/>
-        <p:nvPr/>
-      </p:nvGrpSpPr>
-      <p:grpSpPr>
-        <a:xfrm>
-          <a:off x="0" y="0"/>
-          <a:ext cx="0" cy="0"/>
-          <a:chOff x="0" y="0"/>
-          <a:chExt cx="0" cy="0"/>
-        </a:xfrm>
-      </p:grpSpPr>
-      <p:sp>
-        <p:nvSpPr>
-          <p:cNvPr id="2" name="Title 1"/>
-          <p:cNvSpPr>
-            <a:spLocks noGrp="1"/>
-          </p:cNvSpPr>
-          <p:nvPr>
-            <p:ph type="title"/>
-          </p:nvPr>
-        </p:nvSpPr>
-        <p:spPr/>
-        <p:txBody>
-          <a:bodyPr/>
-          <a:lstStyle/>
-          <a:p>
-            <a:endParaRPr lang="en-US"/>
-          </a:p>
-        </p:txBody>
-      </p:sp>
-      <p:graphicFrame>
-        <p:nvGraphicFramePr>
-          <p:cNvPr id="4" name="Content Placeholder 3"/>
-          <p:cNvGraphicFramePr>
-            <a:graphicFrameLocks noGrp="1"/>
-          </p:cNvGraphicFramePr>
-          <p:nvPr>
-            <p:ph idx="1"/>
-            <p:extLst>
-              <p:ext uri="{D42A27DB-BD31-4B8C-83A1-F6EECF244321}">
-                <p14:modId xmlns:p14="http://schemas.microsoft.com/office/powerpoint/2010/main" xmlns="" val="2177100673"/>
-              </p:ext>
-            </p:extLst>
-          </p:nvPr>
-        </p:nvGraphicFramePr>
-        <p:xfrm>
-          <a:off x="467544" y="692697"/>
-          <a:ext cx="5040560" cy="2016223"/>
-        </p:xfrm>
-        <a:graphic>
-          <a:graphicData uri="http://schemas.openxmlformats.org/drawingml/2006/diagram">
-            <dgm:relIds xmlns:dgm="http://schemas.openxmlformats.org/drawingml/2006/diagram" xmlns:r="http://schemas.openxmlformats.org/officeDocument/2006/relationships" r:dm="rId3" r:lo="rId4" r:qs="rId5" r:cs="rId6"/>
-          </a:graphicData>
-        </a:graphic>
-      </p:graphicFrame>
-      <p:graphicFrame>
-        <p:nvGraphicFramePr>
-          <p:cNvPr id="7" name="Content Placeholder 3"/>
-          <p:cNvGraphicFramePr>
-            <a:graphicFrameLocks/>
-          </p:cNvGraphicFramePr>
-          <p:nvPr>
-            <p:extLst>
-              <p:ext uri="{D42A27DB-BD31-4B8C-83A1-F6EECF244321}">
-                <p14:modId xmlns:p14="http://schemas.microsoft.com/office/powerpoint/2010/main" xmlns="" val="3880500600"/>
-              </p:ext>
-            </p:extLst>
-          </p:nvPr>
-        </p:nvGraphicFramePr>
-        <p:xfrm>
-          <a:off x="3419872" y="2924944"/>
-          <a:ext cx="5040560" cy="2016223"/>
-        </p:xfrm>
-        <a:graphic>
-          <a:graphicData uri="http://schemas.openxmlformats.org/drawingml/2006/diagram">
-            <dgm:relIds xmlns:dgm="http://schemas.openxmlformats.org/drawingml/2006/diagram" xmlns:r="http://schemas.openxmlformats.org/officeDocument/2006/relationships" r:dm="rId8" r:lo="rId9" r:qs="rId10" r:cs="rId11"/>
-          </a:graphicData>
-        </a:graphic>
-      </p:graphicFrame>
-      <p:sp>
-        <p:nvSpPr>
-          <p:cNvPr id="5" name="Down Arrow 4"/>
-          <p:cNvSpPr/>
-          <p:nvPr/>
-        </p:nvSpPr>
-        <p:spPr>
-          <a:xfrm>
-            <a:off x="4211960" y="2420888"/>
-            <a:ext cx="648072" cy="792088"/>
-          </a:xfrm>
-          <a:prstGeom prst="downArrow">
-            <a:avLst/>
-          </a:prstGeom>
-          <a:solidFill>
-            <a:schemeClr val="tx2">
-              <a:lumMod val="75000"/>
-            </a:schemeClr>
-          </a:solidFill>
-          <a:ln>
-            <a:noFill/>
-          </a:ln>
-        </p:spPr>
-        <p:style>
-          <a:lnRef idx="2">
-            <a:schemeClr val="accent1">
-              <a:shade val="50000"/>
-            </a:schemeClr>
-          </a:lnRef>
-          <a:fillRef idx="1">
-            <a:schemeClr val="accent1"/>
-          </a:fillRef>
-          <a:effectRef idx="0">
-            <a:schemeClr val="accent1"/>
-          </a:effectRef>
-          <a:fontRef idx="minor">
-            <a:schemeClr val="lt1"/>
-          </a:fontRef>
-        </p:style>
-        <p:txBody>
-          <a:bodyPr rtlCol="0" anchor="ctr"/>
-          <a:lstStyle/>
-          <a:p>
-            <a:pPr algn="ctr"/>
-            <a:endParaRPr lang="en-US"/>
-          </a:p>
-        </p:txBody>
-      </p:sp>
-      <p:sp>
-        <p:nvSpPr>
-          <p:cNvPr id="8" name="TextBox 7"/>
-          <p:cNvSpPr txBox="1"/>
-          <p:nvPr/>
-        </p:nvSpPr>
-        <p:spPr>
-          <a:xfrm>
-            <a:off x="5796136" y="2420888"/>
-            <a:ext cx="2664296" cy="338554"/>
-          </a:xfrm>
-          <a:prstGeom prst="rect">
-            <a:avLst/>
-          </a:prstGeom>
-          <a:noFill/>
-        </p:spPr>
-        <p:txBody>
-          <a:bodyPr wrap="square" rtlCol="0">
-            <a:spAutoFit/>
-          </a:bodyPr>
-          <a:lstStyle/>
-          <a:p>
-            <a:r>
-              <a:rPr lang="en-US" sz="1600" i="1" dirty="0" smtClean="0">
-                <a:latin typeface="Times New Roman" pitchFamily="18" charset="0"/>
-                <a:cs typeface="Times New Roman" pitchFamily="18" charset="0"/>
-              </a:rPr>
-              <a:t>STAGE 1: RTL SIMULATION</a:t>
-            </a:r>
-            <a:endParaRPr lang="en-US" sz="1600" i="1" dirty="0">
-              <a:latin typeface="Times New Roman" pitchFamily="18" charset="0"/>
-              <a:cs typeface="Times New Roman" pitchFamily="18" charset="0"/>
-            </a:endParaRPr>
-          </a:p>
-        </p:txBody>
-      </p:sp>
-      <p:sp>
-        <p:nvSpPr>
-          <p:cNvPr id="10" name="TextBox 9"/>
-          <p:cNvSpPr txBox="1"/>
-          <p:nvPr/>
-        </p:nvSpPr>
-        <p:spPr>
-          <a:xfrm>
-            <a:off x="5508104" y="5085184"/>
-            <a:ext cx="3104728" cy="338554"/>
-          </a:xfrm>
-          <a:prstGeom prst="rect">
-            <a:avLst/>
-          </a:prstGeom>
-          <a:noFill/>
-        </p:spPr>
-        <p:txBody>
-          <a:bodyPr wrap="square" rtlCol="0">
-            <a:spAutoFit/>
-          </a:bodyPr>
-          <a:lstStyle/>
-          <a:p>
-            <a:r>
-              <a:rPr lang="en-US" sz="1600" i="1" dirty="0" smtClean="0">
-                <a:latin typeface="Times New Roman" pitchFamily="18" charset="0"/>
-                <a:cs typeface="Times New Roman" pitchFamily="18" charset="0"/>
-              </a:rPr>
-              <a:t>STAGE 2: NETLIST SIMULATION</a:t>
-            </a:r>
-            <a:endParaRPr lang="en-US" sz="1600" i="1" dirty="0">
-              <a:latin typeface="Times New Roman" pitchFamily="18" charset="0"/>
-              <a:cs typeface="Times New Roman" pitchFamily="18" charset="0"/>
-            </a:endParaRPr>
-          </a:p>
-        </p:txBody>
-      </p:sp>
-    </p:spTree>
-    <p:extLst>
-      <p:ext uri="{BB962C8B-B14F-4D97-AF65-F5344CB8AC3E}">
-        <p14:creationId xmlns:p14="http://schemas.microsoft.com/office/powerpoint/2010/main" xmlns="" val="686433211"/>
       </p:ext>
     </p:extLst>
   </p:cSld>

--- a/pptFigures.pptx
+++ b/pptFigures.pptx
@@ -11609,8 +11609,8 @@
     <dgm:cxn modelId="{3D5DB84A-28AC-4B00-A322-344ACBD665A1}" type="presOf" srcId="{60A634FA-D51E-4DFA-A8B7-6627332F3222}" destId="{8D048A75-E83A-48D6-A855-C4FE5D533639}" srcOrd="0" destOrd="0" presId="urn:microsoft.com/office/officeart/2005/8/layout/process5"/>
     <dgm:cxn modelId="{70746F17-67B3-49C6-ADF5-8DA5442091FE}" type="presOf" srcId="{6D9A60DC-AD23-4395-A2B6-098A85C95DAF}" destId="{53DC6053-EF4C-4ACD-B03F-8CF667438B89}" srcOrd="0" destOrd="0" presId="urn:microsoft.com/office/officeart/2005/8/layout/process5"/>
     <dgm:cxn modelId="{C22CA8C5-D445-4FC2-A1B5-DF7B3C7C381E}" srcId="{6D9A60DC-AD23-4395-A2B6-098A85C95DAF}" destId="{6DB6DE26-1159-4C42-AA9C-C2C9040357D2}" srcOrd="1" destOrd="0" parTransId="{30913342-7ABF-4DA0-837F-C1F2F887444C}" sibTransId="{60A634FA-D51E-4DFA-A8B7-6627332F3222}"/>
+    <dgm:cxn modelId="{FE51332D-46FF-43BD-8477-AAFF77C5ECF4}" type="presOf" srcId="{EB43B6EF-5A5A-4A68-96D7-24989EB4F565}" destId="{08139FAF-B268-4BD6-BAAC-2DCE292E9DA9}" srcOrd="0" destOrd="0" presId="urn:microsoft.com/office/officeart/2005/8/layout/process5"/>
     <dgm:cxn modelId="{14C0939A-1E32-4001-B316-3100411C1C85}" srcId="{6D9A60DC-AD23-4395-A2B6-098A85C95DAF}" destId="{3AD45C46-17C9-46AB-BDDD-469FA601C13C}" srcOrd="0" destOrd="0" parTransId="{FF2AF0DB-6D32-4F43-A798-AEA6016B4D3A}" sibTransId="{66694CC5-7120-4F35-9FF6-3EE8026C4947}"/>
-    <dgm:cxn modelId="{FE51332D-46FF-43BD-8477-AAFF77C5ECF4}" type="presOf" srcId="{EB43B6EF-5A5A-4A68-96D7-24989EB4F565}" destId="{08139FAF-B268-4BD6-BAAC-2DCE292E9DA9}" srcOrd="0" destOrd="0" presId="urn:microsoft.com/office/officeart/2005/8/layout/process5"/>
     <dgm:cxn modelId="{03A4D65C-936F-4543-9246-EEACAE1F55F1}" type="presOf" srcId="{3AD45C46-17C9-46AB-BDDD-469FA601C13C}" destId="{C54D33F4-3F41-4981-8216-E1E6D78F10B6}" srcOrd="0" destOrd="0" presId="urn:microsoft.com/office/officeart/2005/8/layout/process5"/>
     <dgm:cxn modelId="{03D97DCF-1082-4534-8B6A-0F4C3D73CAA0}" srcId="{6D9A60DC-AD23-4395-A2B6-098A85C95DAF}" destId="{EB43B6EF-5A5A-4A68-96D7-24989EB4F565}" srcOrd="2" destOrd="0" parTransId="{499405AF-CC85-48D8-8E6D-22C6B9CDDA23}" sibTransId="{72BE0F66-E742-44D1-B94F-41B3B8262BE8}"/>
     <dgm:cxn modelId="{C983FE68-AC44-4AF2-8B9A-F5A71BD5C399}" type="presOf" srcId="{60A634FA-D51E-4DFA-A8B7-6627332F3222}" destId="{193C265C-C4B1-48F6-97B8-E418DD8A9806}" srcOrd="1" destOrd="0" presId="urn:microsoft.com/office/officeart/2005/8/layout/process5"/>
@@ -13022,8 +13022,8 @@
     <dgm:cxn modelId="{5F869347-E138-4CB8-AB6E-C343C0009BAA}" type="presOf" srcId="{284B9274-2047-4B8C-9936-F9913333047C}" destId="{29AA9764-D645-4913-BA66-1A208AC75DAF}" srcOrd="0" destOrd="0" presId="urn:microsoft.com/office/officeart/2005/8/layout/radial4"/>
     <dgm:cxn modelId="{5C9438A1-7A30-4550-BB8B-90C0BDEBABC4}" type="presOf" srcId="{A6C49565-F519-4542-BF98-870261B124FA}" destId="{58C112E9-B04B-49F3-8D98-591AEB55C9C0}" srcOrd="0" destOrd="0" presId="urn:microsoft.com/office/officeart/2005/8/layout/radial4"/>
     <dgm:cxn modelId="{0772E6F0-39BA-44D5-9D2F-3A90A62E3B47}" type="presOf" srcId="{51404F99-6616-492C-86CE-352231288269}" destId="{A8D681BB-369D-4769-9F03-109FF3C39C96}" srcOrd="0" destOrd="0" presId="urn:microsoft.com/office/officeart/2005/8/layout/radial4"/>
+    <dgm:cxn modelId="{065FFCAA-41E6-4C85-AFAC-64A9EE77B730}" srcId="{F24FEC6D-07A1-47A1-96FC-ED8C83255B09}" destId="{4959CA43-C147-403A-AEC2-1032C38D1C08}" srcOrd="3" destOrd="0" parTransId="{284B9274-2047-4B8C-9936-F9913333047C}" sibTransId="{25FB47C5-60B0-40C1-819C-1A8643099C4B}"/>
     <dgm:cxn modelId="{9FFFD23D-47B5-47E1-AF28-88DE763D3267}" type="presOf" srcId="{0EE9F469-090F-46E1-ABC2-09BD96234DF3}" destId="{FBE4C170-3664-419C-B0EB-3DCEFB167F5C}" srcOrd="0" destOrd="0" presId="urn:microsoft.com/office/officeart/2005/8/layout/radial4"/>
-    <dgm:cxn modelId="{065FFCAA-41E6-4C85-AFAC-64A9EE77B730}" srcId="{F24FEC6D-07A1-47A1-96FC-ED8C83255B09}" destId="{4959CA43-C147-403A-AEC2-1032C38D1C08}" srcOrd="3" destOrd="0" parTransId="{284B9274-2047-4B8C-9936-F9913333047C}" sibTransId="{25FB47C5-60B0-40C1-819C-1A8643099C4B}"/>
     <dgm:cxn modelId="{419510B4-33AD-4C25-A6EC-430446607831}" srcId="{F24FEC6D-07A1-47A1-96FC-ED8C83255B09}" destId="{51404F99-6616-492C-86CE-352231288269}" srcOrd="1" destOrd="0" parTransId="{0EE9F469-090F-46E1-ABC2-09BD96234DF3}" sibTransId="{C57ABC00-3475-4454-BBE5-AF6787BAF720}"/>
     <dgm:cxn modelId="{4536C01F-ACD1-4559-97D8-F47ACB34EB8F}" type="presOf" srcId="{4959CA43-C147-403A-AEC2-1032C38D1C08}" destId="{EE01AE8D-B608-4914-9828-57481EE0CDA9}" srcOrd="0" destOrd="0" presId="urn:microsoft.com/office/officeart/2005/8/layout/radial4"/>
     <dgm:cxn modelId="{214E35C2-7D65-478A-8A8F-F36CB2AFBF83}" type="presOf" srcId="{23F37D44-4B1A-4BD6-9E75-C62E7D900C4A}" destId="{3A8DB876-3295-4771-915B-47CA1FB93B42}" srcOrd="0" destOrd="0" presId="urn:microsoft.com/office/officeart/2005/8/layout/radial4"/>
@@ -36199,6 +36199,7 @@
           <a:p>
             <a:fld id="{B4D587CB-4639-4B7A-9F0F-841F955FE3A0}" type="datetimeFigureOut">
               <a:rPr lang="en-US" smtClean="0"/>
+              <a:pPr/>
               <a:t>6/15/2013</a:t>
             </a:fld>
             <a:endParaRPr lang="en-US"/>
@@ -36360,6 +36361,7 @@
           <a:p>
             <a:fld id="{C7638540-05FF-4C33-A664-B971BAFF3076}" type="slidenum">
               <a:rPr lang="en-US" smtClean="0"/>
+              <a:pPr/>
               <a:t>‹#›</a:t>
             </a:fld>
             <a:endParaRPr lang="en-US"/>
@@ -36531,6 +36533,7 @@
           <a:p>
             <a:fld id="{C7638540-05FF-4C33-A664-B971BAFF3076}" type="slidenum">
               <a:rPr lang="en-US" smtClean="0"/>
+              <a:pPr/>
               <a:t>1</a:t>
             </a:fld>
             <a:endParaRPr lang="en-US"/>
@@ -36612,6 +36615,7 @@
           <a:p>
             <a:fld id="{C7638540-05FF-4C33-A664-B971BAFF3076}" type="slidenum">
               <a:rPr lang="en-US" smtClean="0"/>
+              <a:pPr/>
               <a:t>10</a:t>
             </a:fld>
             <a:endParaRPr lang="en-US"/>
@@ -36693,6 +36697,7 @@
           <a:p>
             <a:fld id="{C7638540-05FF-4C33-A664-B971BAFF3076}" type="slidenum">
               <a:rPr lang="en-US" smtClean="0"/>
+              <a:pPr/>
               <a:t>11</a:t>
             </a:fld>
             <a:endParaRPr lang="en-US"/>
@@ -36774,6 +36779,7 @@
           <a:p>
             <a:fld id="{C7638540-05FF-4C33-A664-B971BAFF3076}" type="slidenum">
               <a:rPr lang="en-US" smtClean="0"/>
+              <a:pPr/>
               <a:t>12</a:t>
             </a:fld>
             <a:endParaRPr lang="en-US"/>
@@ -36855,6 +36861,7 @@
           <a:p>
             <a:fld id="{C7638540-05FF-4C33-A664-B971BAFF3076}" type="slidenum">
               <a:rPr lang="en-US" smtClean="0"/>
+              <a:pPr/>
               <a:t>13</a:t>
             </a:fld>
             <a:endParaRPr lang="en-US"/>
@@ -36936,6 +36943,7 @@
           <a:p>
             <a:fld id="{C7638540-05FF-4C33-A664-B971BAFF3076}" type="slidenum">
               <a:rPr lang="en-US" smtClean="0"/>
+              <a:pPr/>
               <a:t>14</a:t>
             </a:fld>
             <a:endParaRPr lang="en-US"/>
@@ -37017,6 +37025,7 @@
           <a:p>
             <a:fld id="{C7638540-05FF-4C33-A664-B971BAFF3076}" type="slidenum">
               <a:rPr lang="en-US" smtClean="0"/>
+              <a:pPr/>
               <a:t>15</a:t>
             </a:fld>
             <a:endParaRPr lang="en-US"/>
@@ -37098,6 +37107,7 @@
           <a:p>
             <a:fld id="{C7638540-05FF-4C33-A664-B971BAFF3076}" type="slidenum">
               <a:rPr lang="en-US" smtClean="0"/>
+              <a:pPr/>
               <a:t>16</a:t>
             </a:fld>
             <a:endParaRPr lang="en-US"/>
@@ -37179,6 +37189,7 @@
           <a:p>
             <a:fld id="{C7638540-05FF-4C33-A664-B971BAFF3076}" type="slidenum">
               <a:rPr lang="en-US" smtClean="0"/>
+              <a:pPr/>
               <a:t>17</a:t>
             </a:fld>
             <a:endParaRPr lang="en-US"/>
@@ -37260,6 +37271,7 @@
           <a:p>
             <a:fld id="{C7638540-05FF-4C33-A664-B971BAFF3076}" type="slidenum">
               <a:rPr lang="en-US" smtClean="0"/>
+              <a:pPr/>
               <a:t>2</a:t>
             </a:fld>
             <a:endParaRPr lang="en-US"/>
@@ -37341,6 +37353,7 @@
           <a:p>
             <a:fld id="{C7638540-05FF-4C33-A664-B971BAFF3076}" type="slidenum">
               <a:rPr lang="en-US" smtClean="0"/>
+              <a:pPr/>
               <a:t>3</a:t>
             </a:fld>
             <a:endParaRPr lang="en-US"/>
@@ -37422,6 +37435,7 @@
           <a:p>
             <a:fld id="{C7638540-05FF-4C33-A664-B971BAFF3076}" type="slidenum">
               <a:rPr lang="en-US" smtClean="0"/>
+              <a:pPr/>
               <a:t>4</a:t>
             </a:fld>
             <a:endParaRPr lang="en-US"/>
@@ -37503,6 +37517,7 @@
           <a:p>
             <a:fld id="{C7638540-05FF-4C33-A664-B971BAFF3076}" type="slidenum">
               <a:rPr lang="en-US" smtClean="0"/>
+              <a:pPr/>
               <a:t>5</a:t>
             </a:fld>
             <a:endParaRPr lang="en-US"/>
@@ -37748,6 +37763,7 @@
           <a:p>
             <a:fld id="{C7638540-05FF-4C33-A664-B971BAFF3076}" type="slidenum">
               <a:rPr lang="en-US" smtClean="0"/>
+              <a:pPr/>
               <a:t>8</a:t>
             </a:fld>
             <a:endParaRPr lang="en-US"/>
@@ -37829,6 +37845,7 @@
           <a:p>
             <a:fld id="{C7638540-05FF-4C33-A664-B971BAFF3076}" type="slidenum">
               <a:rPr lang="en-US" smtClean="0"/>
+              <a:pPr/>
               <a:t>9</a:t>
             </a:fld>
             <a:endParaRPr lang="en-US"/>
@@ -38077,7 +38094,7 @@
     </p:spTree>
     <p:extLst>
       <p:ext uri="{BB962C8B-B14F-4D97-AF65-F5344CB8AC3E}">
-        <p14:creationId xmlns:p14="http://schemas.microsoft.com/office/powerpoint/2010/main" xmlns="" val="1359784228"/>
+        <p14:creationId xmlns="" xmlns:p14="http://schemas.microsoft.com/office/powerpoint/2010/main" val="1359784228"/>
       </p:ext>
     </p:extLst>
   </p:cSld>
@@ -38249,7 +38266,7 @@
     </p:spTree>
     <p:extLst>
       <p:ext uri="{BB962C8B-B14F-4D97-AF65-F5344CB8AC3E}">
-        <p14:creationId xmlns:p14="http://schemas.microsoft.com/office/powerpoint/2010/main" xmlns="" val="1535817038"/>
+        <p14:creationId xmlns="" xmlns:p14="http://schemas.microsoft.com/office/powerpoint/2010/main" val="1535817038"/>
       </p:ext>
     </p:extLst>
   </p:cSld>
@@ -38431,7 +38448,7 @@
     </p:spTree>
     <p:extLst>
       <p:ext uri="{BB962C8B-B14F-4D97-AF65-F5344CB8AC3E}">
-        <p14:creationId xmlns:p14="http://schemas.microsoft.com/office/powerpoint/2010/main" xmlns="" val="3305786099"/>
+        <p14:creationId xmlns="" xmlns:p14="http://schemas.microsoft.com/office/powerpoint/2010/main" val="3305786099"/>
       </p:ext>
     </p:extLst>
   </p:cSld>
@@ -38603,7 +38620,7 @@
     </p:spTree>
     <p:extLst>
       <p:ext uri="{BB962C8B-B14F-4D97-AF65-F5344CB8AC3E}">
-        <p14:creationId xmlns:p14="http://schemas.microsoft.com/office/powerpoint/2010/main" xmlns="" val="2808464794"/>
+        <p14:creationId xmlns="" xmlns:p14="http://schemas.microsoft.com/office/powerpoint/2010/main" val="2808464794"/>
       </p:ext>
     </p:extLst>
   </p:cSld>
@@ -38851,7 +38868,7 @@
     </p:spTree>
     <p:extLst>
       <p:ext uri="{BB962C8B-B14F-4D97-AF65-F5344CB8AC3E}">
-        <p14:creationId xmlns:p14="http://schemas.microsoft.com/office/powerpoint/2010/main" xmlns="" val="3350234395"/>
+        <p14:creationId xmlns="" xmlns:p14="http://schemas.microsoft.com/office/powerpoint/2010/main" val="3350234395"/>
       </p:ext>
     </p:extLst>
   </p:cSld>
@@ -39141,7 +39158,7 @@
     </p:spTree>
     <p:extLst>
       <p:ext uri="{BB962C8B-B14F-4D97-AF65-F5344CB8AC3E}">
-        <p14:creationId xmlns:p14="http://schemas.microsoft.com/office/powerpoint/2010/main" xmlns="" val="2876325978"/>
+        <p14:creationId xmlns="" xmlns:p14="http://schemas.microsoft.com/office/powerpoint/2010/main" val="2876325978"/>
       </p:ext>
     </p:extLst>
   </p:cSld>
@@ -39565,7 +39582,7 @@
     </p:spTree>
     <p:extLst>
       <p:ext uri="{BB962C8B-B14F-4D97-AF65-F5344CB8AC3E}">
-        <p14:creationId xmlns:p14="http://schemas.microsoft.com/office/powerpoint/2010/main" xmlns="" val="2581016330"/>
+        <p14:creationId xmlns="" xmlns:p14="http://schemas.microsoft.com/office/powerpoint/2010/main" val="2581016330"/>
       </p:ext>
     </p:extLst>
   </p:cSld>
@@ -39685,7 +39702,7 @@
     </p:spTree>
     <p:extLst>
       <p:ext uri="{BB962C8B-B14F-4D97-AF65-F5344CB8AC3E}">
-        <p14:creationId xmlns:p14="http://schemas.microsoft.com/office/powerpoint/2010/main" xmlns="" val="2219315351"/>
+        <p14:creationId xmlns="" xmlns:p14="http://schemas.microsoft.com/office/powerpoint/2010/main" val="2219315351"/>
       </p:ext>
     </p:extLst>
   </p:cSld>
@@ -39782,7 +39799,7 @@
     </p:spTree>
     <p:extLst>
       <p:ext uri="{BB962C8B-B14F-4D97-AF65-F5344CB8AC3E}">
-        <p14:creationId xmlns:p14="http://schemas.microsoft.com/office/powerpoint/2010/main" xmlns="" val="4149962164"/>
+        <p14:creationId xmlns="" xmlns:p14="http://schemas.microsoft.com/office/powerpoint/2010/main" val="4149962164"/>
       </p:ext>
     </p:extLst>
   </p:cSld>
@@ -40061,7 +40078,7 @@
     </p:spTree>
     <p:extLst>
       <p:ext uri="{BB962C8B-B14F-4D97-AF65-F5344CB8AC3E}">
-        <p14:creationId xmlns:p14="http://schemas.microsoft.com/office/powerpoint/2010/main" xmlns="" val="2318772332"/>
+        <p14:creationId xmlns="" xmlns:p14="http://schemas.microsoft.com/office/powerpoint/2010/main" val="2318772332"/>
       </p:ext>
     </p:extLst>
   </p:cSld>
@@ -40316,7 +40333,7 @@
     </p:spTree>
     <p:extLst>
       <p:ext uri="{BB962C8B-B14F-4D97-AF65-F5344CB8AC3E}">
-        <p14:creationId xmlns:p14="http://schemas.microsoft.com/office/powerpoint/2010/main" xmlns="" val="2574223405"/>
+        <p14:creationId xmlns="" xmlns:p14="http://schemas.microsoft.com/office/powerpoint/2010/main" val="2574223405"/>
       </p:ext>
     </p:extLst>
   </p:cSld>
@@ -40567,7 +40584,7 @@
     </p:spTree>
     <p:extLst>
       <p:ext uri="{BB962C8B-B14F-4D97-AF65-F5344CB8AC3E}">
-        <p14:creationId xmlns:p14="http://schemas.microsoft.com/office/powerpoint/2010/main" xmlns="" val="3383897187"/>
+        <p14:creationId xmlns="" xmlns:p14="http://schemas.microsoft.com/office/powerpoint/2010/main" val="3383897187"/>
       </p:ext>
     </p:extLst>
   </p:cSld>
@@ -40896,7 +40913,7 @@
     </p:spTree>
     <p:extLst>
       <p:ext uri="{BB962C8B-B14F-4D97-AF65-F5344CB8AC3E}">
-        <p14:creationId xmlns:p14="http://schemas.microsoft.com/office/powerpoint/2010/main" xmlns="" val="2398501569"/>
+        <p14:creationId xmlns="" xmlns:p14="http://schemas.microsoft.com/office/powerpoint/2010/main" val="2398501569"/>
       </p:ext>
     </p:extLst>
   </p:cSld>
@@ -40959,7 +40976,7 @@
             <p:ph idx="1"/>
             <p:extLst>
               <p:ext uri="{D42A27DB-BD31-4B8C-83A1-F6EECF244321}">
-                <p14:modId xmlns:p14="http://schemas.microsoft.com/office/powerpoint/2010/main" xmlns="" val="2177100673"/>
+                <p14:modId xmlns="" xmlns:p14="http://schemas.microsoft.com/office/powerpoint/2010/main" val="2177100673"/>
               </p:ext>
             </p:extLst>
           </p:nvPr>
@@ -40983,7 +41000,7 @@
           <p:nvPr>
             <p:extLst>
               <p:ext uri="{D42A27DB-BD31-4B8C-83A1-F6EECF244321}">
-                <p14:modId xmlns:p14="http://schemas.microsoft.com/office/powerpoint/2010/main" xmlns="" val="3880500600"/>
+                <p14:modId xmlns="" xmlns:p14="http://schemas.microsoft.com/office/powerpoint/2010/main" val="3880500600"/>
               </p:ext>
             </p:extLst>
           </p:nvPr>
@@ -41121,7 +41138,7 @@
     </p:spTree>
     <p:extLst>
       <p:ext uri="{BB962C8B-B14F-4D97-AF65-F5344CB8AC3E}">
-        <p14:creationId xmlns:p14="http://schemas.microsoft.com/office/powerpoint/2010/main" xmlns="" val="686433211"/>
+        <p14:creationId xmlns="" xmlns:p14="http://schemas.microsoft.com/office/powerpoint/2010/main" val="686433211"/>
       </p:ext>
     </p:extLst>
   </p:cSld>
@@ -41165,12 +41182,23 @@
             <p:ph type="title"/>
           </p:nvPr>
         </p:nvSpPr>
-        <p:spPr/>
+        <p:spPr>
+          <a:xfrm>
+            <a:off x="457200" y="274638"/>
+            <a:ext cx="8229600" cy="634082"/>
+          </a:xfrm>
+        </p:spPr>
         <p:txBody>
-          <a:bodyPr/>
+          <a:bodyPr>
+            <a:normAutofit fontScale="90000"/>
+          </a:bodyPr>
           <a:lstStyle/>
           <a:p>
-            <a:endParaRPr lang="en-US"/>
+            <a:r>
+              <a:rPr lang="en-US" dirty="0" smtClean="0"/>
+              <a:t>Cosim_flow.tif</a:t>
+            </a:r>
+            <a:endParaRPr lang="en-US" dirty="0"/>
           </a:p>
         </p:txBody>
       </p:sp>
@@ -41184,7 +41212,7 @@
             <p:ph idx="1"/>
             <p:extLst>
               <p:ext uri="{D42A27DB-BD31-4B8C-83A1-F6EECF244321}">
-                <p14:modId xmlns:p14="http://schemas.microsoft.com/office/powerpoint/2010/main" xmlns="" val="545708058"/>
+                <p14:modId xmlns="" xmlns:p14="http://schemas.microsoft.com/office/powerpoint/2010/main" val="545708058"/>
               </p:ext>
             </p:extLst>
           </p:nvPr>
@@ -41202,7 +41230,7 @@
     </p:spTree>
     <p:extLst>
       <p:ext uri="{BB962C8B-B14F-4D97-AF65-F5344CB8AC3E}">
-        <p14:creationId xmlns:p14="http://schemas.microsoft.com/office/powerpoint/2010/main" xmlns="" val="2992830619"/>
+        <p14:creationId xmlns="" xmlns:p14="http://schemas.microsoft.com/office/powerpoint/2010/main" val="2992830619"/>
       </p:ext>
     </p:extLst>
   </p:cSld>
@@ -41283,7 +41311,7 @@
           <p:nvPr>
             <p:extLst>
               <p:ext uri="{D42A27DB-BD31-4B8C-83A1-F6EECF244321}">
-                <p14:modId xmlns:p14="http://schemas.microsoft.com/office/powerpoint/2010/main" xmlns="" val="2621353938"/>
+                <p14:modId xmlns="" xmlns:p14="http://schemas.microsoft.com/office/powerpoint/2010/main" val="2621353938"/>
               </p:ext>
             </p:extLst>
           </p:nvPr>
@@ -41307,7 +41335,7 @@
           <p:nvPr>
             <p:extLst>
               <p:ext uri="{D42A27DB-BD31-4B8C-83A1-F6EECF244321}">
-                <p14:modId xmlns:p14="http://schemas.microsoft.com/office/powerpoint/2010/main" xmlns="" val="1248215537"/>
+                <p14:modId xmlns="" xmlns:p14="http://schemas.microsoft.com/office/powerpoint/2010/main" val="1248215537"/>
               </p:ext>
             </p:extLst>
           </p:nvPr>
@@ -41417,7 +41445,7 @@
     </p:spTree>
     <p:extLst>
       <p:ext uri="{BB962C8B-B14F-4D97-AF65-F5344CB8AC3E}">
-        <p14:creationId xmlns:p14="http://schemas.microsoft.com/office/powerpoint/2010/main" xmlns="" val="1557959741"/>
+        <p14:creationId xmlns="" xmlns:p14="http://schemas.microsoft.com/office/powerpoint/2010/main" val="1557959741"/>
       </p:ext>
     </p:extLst>
   </p:cSld>
@@ -41480,7 +41508,7 @@
             <p:ph idx="1"/>
             <p:extLst>
               <p:ext uri="{D42A27DB-BD31-4B8C-83A1-F6EECF244321}">
-                <p14:modId xmlns:p14="http://schemas.microsoft.com/office/powerpoint/2010/main" xmlns="" val="3607291589"/>
+                <p14:modId xmlns="" xmlns:p14="http://schemas.microsoft.com/office/powerpoint/2010/main" val="3607291589"/>
               </p:ext>
             </p:extLst>
           </p:nvPr>
@@ -41498,7 +41526,7 @@
     </p:spTree>
     <p:extLst>
       <p:ext uri="{BB962C8B-B14F-4D97-AF65-F5344CB8AC3E}">
-        <p14:creationId xmlns:p14="http://schemas.microsoft.com/office/powerpoint/2010/main" xmlns="" val="704232541"/>
+        <p14:creationId xmlns="" xmlns:p14="http://schemas.microsoft.com/office/powerpoint/2010/main" val="704232541"/>
       </p:ext>
     </p:extLst>
   </p:cSld>
@@ -43726,7 +43754,7 @@
     </p:spTree>
     <p:extLst>
       <p:ext uri="{BB962C8B-B14F-4D97-AF65-F5344CB8AC3E}">
-        <p14:creationId xmlns:p14="http://schemas.microsoft.com/office/powerpoint/2010/main" xmlns="" val="1650756672"/>
+        <p14:creationId xmlns="" xmlns:p14="http://schemas.microsoft.com/office/powerpoint/2010/main" val="1650756672"/>
       </p:ext>
     </p:extLst>
   </p:cSld>
@@ -43821,7 +43849,7 @@
             <p:nvPr>
               <p:extLst>
                 <p:ext uri="{D42A27DB-BD31-4B8C-83A1-F6EECF244321}">
-                  <p14:modId xmlns:p14="http://schemas.microsoft.com/office/powerpoint/2010/main" xmlns="" val="2598465583"/>
+                  <p14:modId xmlns="" xmlns:p14="http://schemas.microsoft.com/office/powerpoint/2010/main" val="2598465583"/>
                 </p:ext>
               </p:extLst>
             </p:nvPr>
@@ -44750,7 +44778,7 @@
     </p:spTree>
     <p:extLst>
       <p:ext uri="{BB962C8B-B14F-4D97-AF65-F5344CB8AC3E}">
-        <p14:creationId xmlns:p14="http://schemas.microsoft.com/office/powerpoint/2010/main" xmlns="" val="1633000113"/>
+        <p14:creationId xmlns="" xmlns:p14="http://schemas.microsoft.com/office/powerpoint/2010/main" val="1633000113"/>
       </p:ext>
     </p:extLst>
   </p:cSld>
@@ -44813,7 +44841,7 @@
             <p:ph idx="1"/>
             <p:extLst>
               <p:ext uri="{D42A27DB-BD31-4B8C-83A1-F6EECF244321}">
-                <p14:modId xmlns:p14="http://schemas.microsoft.com/office/powerpoint/2010/main" xmlns="" val="812163987"/>
+                <p14:modId xmlns="" xmlns:p14="http://schemas.microsoft.com/office/powerpoint/2010/main" val="812163987"/>
               </p:ext>
             </p:extLst>
           </p:nvPr>
@@ -44866,7 +44894,7 @@
     </p:spTree>
     <p:extLst>
       <p:ext uri="{BB962C8B-B14F-4D97-AF65-F5344CB8AC3E}">
-        <p14:creationId xmlns:p14="http://schemas.microsoft.com/office/powerpoint/2010/main" xmlns="" val="3929008511"/>
+        <p14:creationId xmlns="" xmlns:p14="http://schemas.microsoft.com/office/powerpoint/2010/main" val="3929008511"/>
       </p:ext>
     </p:extLst>
   </p:cSld>
@@ -45346,7 +45374,7 @@
             <p:ph idx="1"/>
             <p:extLst>
               <p:ext uri="{D42A27DB-BD31-4B8C-83A1-F6EECF244321}">
-                <p14:modId xmlns:p14="http://schemas.microsoft.com/office/powerpoint/2010/main" xmlns="" val="3537299332"/>
+                <p14:modId xmlns="" xmlns:p14="http://schemas.microsoft.com/office/powerpoint/2010/main" val="3537299332"/>
               </p:ext>
             </p:extLst>
           </p:nvPr>
@@ -45364,7 +45392,7 @@
     </p:spTree>
     <p:extLst>
       <p:ext uri="{BB962C8B-B14F-4D97-AF65-F5344CB8AC3E}">
-        <p14:creationId xmlns:p14="http://schemas.microsoft.com/office/powerpoint/2010/main" xmlns="" val="2350175017"/>
+        <p14:creationId xmlns="" xmlns:p14="http://schemas.microsoft.com/office/powerpoint/2010/main" val="2350175017"/>
       </p:ext>
     </p:extLst>
   </p:cSld>
@@ -45432,7 +45460,7 @@
             <p:ph idx="1"/>
             <p:extLst>
               <p:ext uri="{D42A27DB-BD31-4B8C-83A1-F6EECF244321}">
-                <p14:modId xmlns:p14="http://schemas.microsoft.com/office/powerpoint/2010/main" xmlns="" val="2475547916"/>
+                <p14:modId xmlns="" xmlns:p14="http://schemas.microsoft.com/office/powerpoint/2010/main" val="2475547916"/>
               </p:ext>
             </p:extLst>
           </p:nvPr>
@@ -45454,7 +45482,7 @@
           <p:nvPr>
             <p:extLst>
               <p:ext uri="{D42A27DB-BD31-4B8C-83A1-F6EECF244321}">
-                <p14:modId xmlns:p14="http://schemas.microsoft.com/office/powerpoint/2010/main" xmlns="" val="1761478570"/>
+                <p14:modId xmlns="" xmlns:p14="http://schemas.microsoft.com/office/powerpoint/2010/main" val="1761478570"/>
               </p:ext>
             </p:extLst>
           </p:nvPr>
@@ -45478,7 +45506,7 @@
           <p:nvPr>
             <p:extLst>
               <p:ext uri="{D42A27DB-BD31-4B8C-83A1-F6EECF244321}">
-                <p14:modId xmlns:p14="http://schemas.microsoft.com/office/powerpoint/2010/main" xmlns="" val="1111039397"/>
+                <p14:modId xmlns="" xmlns:p14="http://schemas.microsoft.com/office/powerpoint/2010/main" val="1111039397"/>
               </p:ext>
             </p:extLst>
           </p:nvPr>
@@ -45605,7 +45633,7 @@
     </p:spTree>
     <p:extLst>
       <p:ext uri="{BB962C8B-B14F-4D97-AF65-F5344CB8AC3E}">
-        <p14:creationId xmlns:p14="http://schemas.microsoft.com/office/powerpoint/2010/main" xmlns="" val="2434108879"/>
+        <p14:creationId xmlns="" xmlns:p14="http://schemas.microsoft.com/office/powerpoint/2010/main" val="2434108879"/>
       </p:ext>
     </p:extLst>
   </p:cSld>
@@ -49062,7 +49090,7 @@
     </p:spTree>
     <p:extLst>
       <p:ext uri="{BB962C8B-B14F-4D97-AF65-F5344CB8AC3E}">
-        <p14:creationId xmlns:p14="http://schemas.microsoft.com/office/powerpoint/2010/main" xmlns="" val="1734076018"/>
+        <p14:creationId xmlns="" xmlns:p14="http://schemas.microsoft.com/office/powerpoint/2010/main" val="1734076018"/>
       </p:ext>
     </p:extLst>
   </p:cSld>
@@ -49748,7 +49776,7 @@
     </p:spTree>
     <p:extLst>
       <p:ext uri="{BB962C8B-B14F-4D97-AF65-F5344CB8AC3E}">
-        <p14:creationId xmlns:p14="http://schemas.microsoft.com/office/powerpoint/2010/main" xmlns="" val="2601577110"/>
+        <p14:creationId xmlns="" xmlns:p14="http://schemas.microsoft.com/office/powerpoint/2010/main" val="2601577110"/>
       </p:ext>
     </p:extLst>
   </p:cSld>

--- a/pptFigures.pptx
+++ b/pptFigures.pptx
@@ -13155,17 +13155,17 @@
     </dgm:pt>
   </dgm:ptLst>
   <dgm:cxnLst>
+    <dgm:cxn modelId="{3616B001-E806-4D34-AA91-FE8665E4E628}" type="presOf" srcId="{88EC2CBB-9666-42CE-A1B2-02AAE54B3473}" destId="{64FB9533-3BCE-4314-B213-043AB87CC857}" srcOrd="1" destOrd="0" presId="urn:microsoft.com/office/officeart/2005/8/layout/process1"/>
+    <dgm:cxn modelId="{4A883A21-3A11-42E1-9549-FB001E47C41E}" type="presOf" srcId="{2EDCD22E-947A-43D0-91A9-7297886A3B93}" destId="{6EBD7517-7CA2-46FA-9668-C29FC2966AEF}" srcOrd="1" destOrd="0" presId="urn:microsoft.com/office/officeart/2005/8/layout/process1"/>
     <dgm:cxn modelId="{10776486-6492-40E5-A44D-E43F21A17C66}" type="presOf" srcId="{730EEAE0-9EE2-4120-BEB1-C512EB73C0D9}" destId="{C7D4D5CC-7CFD-45A4-A599-1B0437CCE134}" srcOrd="0" destOrd="0" presId="urn:microsoft.com/office/officeart/2005/8/layout/process1"/>
+    <dgm:cxn modelId="{2C4B3E49-399F-45E0-9795-F74F876792D2}" srcId="{76797018-2011-432C-A31B-8628685EEADA}" destId="{78E6CBFA-83BF-4CA9-8867-1524AD75B803}" srcOrd="0" destOrd="0" parTransId="{58B11131-469E-4D7D-8459-63252DDFAF48}" sibTransId="{2EDCD22E-947A-43D0-91A9-7297886A3B93}"/>
+    <dgm:cxn modelId="{DD9892AD-41A1-4B13-B04E-AE7C6AAB978F}" type="presOf" srcId="{76797018-2011-432C-A31B-8628685EEADA}" destId="{A2DB7F26-DC4C-465F-9F2F-ACFAB31B5C71}" srcOrd="0" destOrd="0" presId="urn:microsoft.com/office/officeart/2005/8/layout/process1"/>
     <dgm:cxn modelId="{6BEEA322-D0D7-4D41-B837-505D9D0F8FC8}" type="presOf" srcId="{78E6CBFA-83BF-4CA9-8867-1524AD75B803}" destId="{56511406-F64F-4E28-9382-44815A3844DE}" srcOrd="0" destOrd="0" presId="urn:microsoft.com/office/officeart/2005/8/layout/process1"/>
+    <dgm:cxn modelId="{CDF1D839-D9B4-4FCA-BEAE-737E0F0321EA}" srcId="{76797018-2011-432C-A31B-8628685EEADA}" destId="{4BECA1FE-E605-49F4-B154-D8A3D9F7D81F}" srcOrd="1" destOrd="0" parTransId="{5C67565C-016B-49F6-92FF-5A83F4E3D36B}" sibTransId="{88EC2CBB-9666-42CE-A1B2-02AAE54B3473}"/>
+    <dgm:cxn modelId="{2D4E6184-1C97-4B54-BC10-EBB149C63845}" srcId="{76797018-2011-432C-A31B-8628685EEADA}" destId="{730EEAE0-9EE2-4120-BEB1-C512EB73C0D9}" srcOrd="2" destOrd="0" parTransId="{D08ECE66-0F35-49BA-8472-9F7B25AE0353}" sibTransId="{827D7664-DB45-4D96-ADCF-60E954796151}"/>
+    <dgm:cxn modelId="{1FFD596D-EE98-49DF-9F53-586CE5D0B274}" type="presOf" srcId="{88EC2CBB-9666-42CE-A1B2-02AAE54B3473}" destId="{FA5582EA-7F1C-48E6-B9B3-C29909A9D6C2}" srcOrd="0" destOrd="0" presId="urn:microsoft.com/office/officeart/2005/8/layout/process1"/>
+    <dgm:cxn modelId="{E88BB607-AA85-4668-B1B0-15EEF1671FBE}" type="presOf" srcId="{2EDCD22E-947A-43D0-91A9-7297886A3B93}" destId="{35D29E25-0966-45A5-9F99-621D4207AB84}" srcOrd="0" destOrd="0" presId="urn:microsoft.com/office/officeart/2005/8/layout/process1"/>
     <dgm:cxn modelId="{5A4E449F-87E2-4E99-9D32-B9C6AA22128B}" type="presOf" srcId="{4BECA1FE-E605-49F4-B154-D8A3D9F7D81F}" destId="{61581FCC-C561-4977-A4CD-6B5760308E1F}" srcOrd="0" destOrd="0" presId="urn:microsoft.com/office/officeart/2005/8/layout/process1"/>
-    <dgm:cxn modelId="{2D4E6184-1C97-4B54-BC10-EBB149C63845}" srcId="{76797018-2011-432C-A31B-8628685EEADA}" destId="{730EEAE0-9EE2-4120-BEB1-C512EB73C0D9}" srcOrd="2" destOrd="0" parTransId="{D08ECE66-0F35-49BA-8472-9F7B25AE0353}" sibTransId="{827D7664-DB45-4D96-ADCF-60E954796151}"/>
-    <dgm:cxn modelId="{DD9892AD-41A1-4B13-B04E-AE7C6AAB978F}" type="presOf" srcId="{76797018-2011-432C-A31B-8628685EEADA}" destId="{A2DB7F26-DC4C-465F-9F2F-ACFAB31B5C71}" srcOrd="0" destOrd="0" presId="urn:microsoft.com/office/officeart/2005/8/layout/process1"/>
-    <dgm:cxn modelId="{4A883A21-3A11-42E1-9549-FB001E47C41E}" type="presOf" srcId="{2EDCD22E-947A-43D0-91A9-7297886A3B93}" destId="{6EBD7517-7CA2-46FA-9668-C29FC2966AEF}" srcOrd="1" destOrd="0" presId="urn:microsoft.com/office/officeart/2005/8/layout/process1"/>
-    <dgm:cxn modelId="{E88BB607-AA85-4668-B1B0-15EEF1671FBE}" type="presOf" srcId="{2EDCD22E-947A-43D0-91A9-7297886A3B93}" destId="{35D29E25-0966-45A5-9F99-621D4207AB84}" srcOrd="0" destOrd="0" presId="urn:microsoft.com/office/officeart/2005/8/layout/process1"/>
-    <dgm:cxn modelId="{2C4B3E49-399F-45E0-9795-F74F876792D2}" srcId="{76797018-2011-432C-A31B-8628685EEADA}" destId="{78E6CBFA-83BF-4CA9-8867-1524AD75B803}" srcOrd="0" destOrd="0" parTransId="{58B11131-469E-4D7D-8459-63252DDFAF48}" sibTransId="{2EDCD22E-947A-43D0-91A9-7297886A3B93}"/>
-    <dgm:cxn modelId="{CDF1D839-D9B4-4FCA-BEAE-737E0F0321EA}" srcId="{76797018-2011-432C-A31B-8628685EEADA}" destId="{4BECA1FE-E605-49F4-B154-D8A3D9F7D81F}" srcOrd="1" destOrd="0" parTransId="{5C67565C-016B-49F6-92FF-5A83F4E3D36B}" sibTransId="{88EC2CBB-9666-42CE-A1B2-02AAE54B3473}"/>
-    <dgm:cxn modelId="{1FFD596D-EE98-49DF-9F53-586CE5D0B274}" type="presOf" srcId="{88EC2CBB-9666-42CE-A1B2-02AAE54B3473}" destId="{FA5582EA-7F1C-48E6-B9B3-C29909A9D6C2}" srcOrd="0" destOrd="0" presId="urn:microsoft.com/office/officeart/2005/8/layout/process1"/>
-    <dgm:cxn modelId="{3616B001-E806-4D34-AA91-FE8665E4E628}" type="presOf" srcId="{88EC2CBB-9666-42CE-A1B2-02AAE54B3473}" destId="{64FB9533-3BCE-4314-B213-043AB87CC857}" srcOrd="1" destOrd="0" presId="urn:microsoft.com/office/officeart/2005/8/layout/process1"/>
     <dgm:cxn modelId="{58E1B84A-69E9-43D5-A248-667A32843B31}" type="presParOf" srcId="{A2DB7F26-DC4C-465F-9F2F-ACFAB31B5C71}" destId="{56511406-F64F-4E28-9382-44815A3844DE}" srcOrd="0" destOrd="0" presId="urn:microsoft.com/office/officeart/2005/8/layout/process1"/>
     <dgm:cxn modelId="{644EC9E3-2E06-4DED-B729-876B404184A3}" type="presParOf" srcId="{A2DB7F26-DC4C-465F-9F2F-ACFAB31B5C71}" destId="{35D29E25-0966-45A5-9F99-621D4207AB84}" srcOrd="1" destOrd="0" presId="urn:microsoft.com/office/officeart/2005/8/layout/process1"/>
     <dgm:cxn modelId="{59B7A1AF-61DF-46F5-8F6E-20E0E64782BC}" type="presParOf" srcId="{35D29E25-0966-45A5-9F99-621D4207AB84}" destId="{6EBD7517-7CA2-46FA-9668-C29FC2966AEF}" srcOrd="0" destOrd="0" presId="urn:microsoft.com/office/officeart/2005/8/layout/process1"/>
@@ -13193,7 +13193,7 @@
   </dgm:whole>
   <dgm:extLst>
     <a:ext uri="http://schemas.microsoft.com/office/drawing/2008/diagram">
-      <dsp:dataModelExt xmlns:dsp="http://schemas.microsoft.com/office/drawing/2008/diagram" relId="rId7" minVer="http://schemas.openxmlformats.org/drawingml/2006/diagram"/>
+      <dsp:dataModelExt xmlns:dsp="http://schemas.microsoft.com/office/drawing/2008/diagram" xmlns="" relId="rId7" minVer="http://schemas.openxmlformats.org/drawingml/2006/diagram"/>
     </a:ext>
   </dgm:extLst>
 </dgm:dataModel>
@@ -13225,14 +13225,7 @@
               <a:latin typeface="Times New Roman" pitchFamily="18" charset="0"/>
               <a:cs typeface="Times New Roman" pitchFamily="18" charset="0"/>
             </a:rPr>
-            <a:t>CYCLE </a:t>
-          </a:r>
-          <a:r>
-            <a:rPr lang="en-IN" baseline="0" dirty="0" smtClean="0">
-              <a:latin typeface="Times New Roman" pitchFamily="18" charset="0"/>
-              <a:cs typeface="Times New Roman" pitchFamily="18" charset="0"/>
-            </a:rPr>
-            <a:t>1</a:t>
+            <a:t>CYCLE 1</a:t>
           </a:r>
           <a:endParaRPr lang="en-IN" baseline="0" dirty="0">
             <a:latin typeface="Times New Roman" pitchFamily="18" charset="0"/>
@@ -13368,14 +13361,7 @@
               <a:latin typeface="Times New Roman" pitchFamily="18" charset="0"/>
               <a:cs typeface="Times New Roman" pitchFamily="18" charset="0"/>
             </a:rPr>
-            <a:t>CYCLE </a:t>
-          </a:r>
-          <a:r>
-            <a:rPr lang="en-IN" baseline="0" dirty="0" smtClean="0">
-              <a:latin typeface="Times New Roman" pitchFamily="18" charset="0"/>
-              <a:cs typeface="Times New Roman" pitchFamily="18" charset="0"/>
-            </a:rPr>
-            <a:t>x</a:t>
+            <a:t>CYCLE x</a:t>
           </a:r>
           <a:endParaRPr lang="en-IN" baseline="0" dirty="0">
             <a:latin typeface="Times New Roman" pitchFamily="18" charset="0"/>
@@ -13504,14 +13490,7 @@
               <a:latin typeface="Times New Roman" pitchFamily="18" charset="0"/>
               <a:cs typeface="Times New Roman" pitchFamily="18" charset="0"/>
             </a:rPr>
-            <a:t>CYCLE </a:t>
-          </a:r>
-          <a:r>
-            <a:rPr lang="en-IN" baseline="0" dirty="0" smtClean="0">
-              <a:latin typeface="Times New Roman" pitchFamily="18" charset="0"/>
-              <a:cs typeface="Times New Roman" pitchFamily="18" charset="0"/>
-            </a:rPr>
-            <a:t>n</a:t>
+            <a:t>CYCLE n</a:t>
           </a:r>
           <a:endParaRPr lang="en-IN" baseline="0" dirty="0">
             <a:latin typeface="Times New Roman" pitchFamily="18" charset="0"/>
@@ -14154,43 +14133,43 @@
     </dgm:pt>
   </dgm:ptLst>
   <dgm:cxnLst>
+    <dgm:cxn modelId="{9A1157AE-1BAE-45F2-9FCA-8448A31C4ED1}" srcId="{39EB69AF-086C-4F08-9188-08B527843E3B}" destId="{EF1E942D-56A6-41D5-87CA-926DDE1172C7}" srcOrd="2" destOrd="0" parTransId="{FF85DB10-C172-4F49-8C9D-7DD44495D86A}" sibTransId="{764C3426-3A5E-4DC5-BD64-133C73625487}"/>
+    <dgm:cxn modelId="{B23271F6-446B-4835-83C3-14852E259D5D}" type="presOf" srcId="{0FDEBC16-D2EE-4981-A9DD-8092B8DE080A}" destId="{0670FEEE-F7AF-4AED-9012-363BC48189C2}" srcOrd="0" destOrd="3" presId="urn:microsoft.com/office/officeart/2005/8/layout/vList5"/>
+    <dgm:cxn modelId="{C5145C18-CA9B-45DF-9586-C0627BFEB03B}" type="presOf" srcId="{31937294-9049-48EC-9054-8E8983AEF68C}" destId="{0670FEEE-F7AF-4AED-9012-363BC48189C2}" srcOrd="0" destOrd="4" presId="urn:microsoft.com/office/officeart/2005/8/layout/vList5"/>
+    <dgm:cxn modelId="{413614D5-8AFD-44E1-BDDB-4C7134F815FC}" type="presOf" srcId="{D609FB39-47BE-4C19-A8EB-2DE37BEF6055}" destId="{0670FEEE-F7AF-4AED-9012-363BC48189C2}" srcOrd="0" destOrd="7" presId="urn:microsoft.com/office/officeart/2005/8/layout/vList5"/>
+    <dgm:cxn modelId="{C42F3F6B-F910-4E72-9616-78BCED525250}" type="presOf" srcId="{6667FD57-DCCE-43ED-A04D-8934C86159D7}" destId="{0670FEEE-F7AF-4AED-9012-363BC48189C2}" srcOrd="0" destOrd="9" presId="urn:microsoft.com/office/officeart/2005/8/layout/vList5"/>
+    <dgm:cxn modelId="{9449FC74-B041-44CB-984A-6B82049BDD14}" type="presOf" srcId="{A73BAFCD-EF25-4935-A06A-B26ED8C4C3A5}" destId="{9A93DBA7-36F9-4CEB-8555-A1DD1399CFCB}" srcOrd="0" destOrd="0" presId="urn:microsoft.com/office/officeart/2005/8/layout/vList5"/>
+    <dgm:cxn modelId="{2FA3F369-955D-4B9F-B0F2-848BC95AF75F}" srcId="{BF89F98F-0A80-4F30-9DE4-C088946202B7}" destId="{499B4954-A313-4AF2-9233-36F9EB1F2E28}" srcOrd="0" destOrd="0" parTransId="{DBDA9EB4-E982-4C10-84B4-B5FDDF30F578}" sibTransId="{49D9A7F3-71DA-4580-817C-B1B1275AF8E6}"/>
+    <dgm:cxn modelId="{36872374-E634-4461-872E-46A5ABE5CB14}" type="presOf" srcId="{F36B2088-3179-46DA-9456-3BDEB8FCBA63}" destId="{9A93DBA7-36F9-4CEB-8555-A1DD1399CFCB}" srcOrd="0" destOrd="1" presId="urn:microsoft.com/office/officeart/2005/8/layout/vList5"/>
     <dgm:cxn modelId="{0E1B9511-60C0-48A6-B5C0-6C072B3DFBAC}" type="presOf" srcId="{DE63FD08-5E6E-4AD2-8235-0FC25D126364}" destId="{0670FEEE-F7AF-4AED-9012-363BC48189C2}" srcOrd="0" destOrd="0" presId="urn:microsoft.com/office/officeart/2005/8/layout/vList5"/>
+    <dgm:cxn modelId="{0B03D4CB-6A63-477F-9B8A-1663EC3DAC8D}" type="presOf" srcId="{BF89F98F-0A80-4F30-9DE4-C088946202B7}" destId="{95ABC759-3090-4CC9-B73B-90342CFBB381}" srcOrd="0" destOrd="0" presId="urn:microsoft.com/office/officeart/2005/8/layout/vList5"/>
+    <dgm:cxn modelId="{AF01E660-EC81-4AC5-A300-547F7BB042FA}" srcId="{62DA3143-94B0-43B7-8D3D-119FB3F6FCFE}" destId="{7CF64C3A-3FE2-4C56-819B-D7FC2CA1EAB3}" srcOrd="1" destOrd="0" parTransId="{BF6308D9-F409-4908-BAE3-89D3AD1FDC01}" sibTransId="{92686665-9936-432B-BA9C-C2EB8482E27D}"/>
+    <dgm:cxn modelId="{A4402CF1-D7F3-4A43-BD41-312AD0923CFA}" srcId="{499B4954-A313-4AF2-9233-36F9EB1F2E28}" destId="{F36B2088-3179-46DA-9456-3BDEB8FCBA63}" srcOrd="1" destOrd="0" parTransId="{32F82BB0-BE5B-4E09-ACC9-FB23E8743A44}" sibTransId="{57109239-AC17-43B5-8360-44E48BD9DD16}"/>
+    <dgm:cxn modelId="{9B306CFB-BEF2-492A-8592-7AB539F6FD18}" srcId="{39EB69AF-086C-4F08-9188-08B527843E3B}" destId="{DE63FD08-5E6E-4AD2-8235-0FC25D126364}" srcOrd="0" destOrd="0" parTransId="{5DA11DAD-630B-4FC6-A6E2-134D6E262BDF}" sibTransId="{C13F26B5-0F93-480E-B8C3-6D2157B3D73A}"/>
+    <dgm:cxn modelId="{B66509CD-B30A-4B06-A9CC-35B3109E6C65}" srcId="{39EB69AF-086C-4F08-9188-08B527843E3B}" destId="{6C009D2F-DD32-47CB-ADA2-EA14E61DB213}" srcOrd="6" destOrd="0" parTransId="{96FB080E-4BBC-4473-A9A9-B64DD64DE148}" sibTransId="{A43BB42C-1815-48A2-B54D-7E21C97C7DE5}"/>
+    <dgm:cxn modelId="{97DA21D2-B75E-4A35-83E7-76D512DA062D}" type="presOf" srcId="{291E5144-73A5-486F-9193-5D319AF3BE45}" destId="{0670FEEE-F7AF-4AED-9012-363BC48189C2}" srcOrd="0" destOrd="5" presId="urn:microsoft.com/office/officeart/2005/8/layout/vList5"/>
+    <dgm:cxn modelId="{E6E328FF-B29E-493B-9719-B08EAABF1866}" srcId="{BF89F98F-0A80-4F30-9DE4-C088946202B7}" destId="{62DA3143-94B0-43B7-8D3D-119FB3F6FCFE}" srcOrd="2" destOrd="0" parTransId="{85CB1296-35BF-4F3F-AA1E-7EE99638C09B}" sibTransId="{5B038825-474C-4FB7-8A4A-91B28F1180EA}"/>
     <dgm:cxn modelId="{1EAE050C-FBCF-456D-BFBE-57B25D6F1866}" srcId="{39EB69AF-086C-4F08-9188-08B527843E3B}" destId="{2C9C9533-E207-4AA1-A11A-FF5858616B92}" srcOrd="8" destOrd="0" parTransId="{6D4658D0-5265-4BC8-A81A-A692A04389FD}" sibTransId="{688D567A-C172-4460-992C-634905DCC8C5}"/>
+    <dgm:cxn modelId="{5236AF11-7EB1-43FC-9BB1-4A9F1EEF1AEA}" srcId="{39EB69AF-086C-4F08-9188-08B527843E3B}" destId="{31937294-9049-48EC-9054-8E8983AEF68C}" srcOrd="4" destOrd="0" parTransId="{91FD327A-85D5-4D98-BE2D-FD17BDAA3935}" sibTransId="{BA959089-491B-4625-AEA0-55A4373646CF}"/>
+    <dgm:cxn modelId="{B9899F36-0404-4991-BDFE-1953D319A924}" type="presOf" srcId="{2C9C9533-E207-4AA1-A11A-FF5858616B92}" destId="{0670FEEE-F7AF-4AED-9012-363BC48189C2}" srcOrd="0" destOrd="8" presId="urn:microsoft.com/office/officeart/2005/8/layout/vList5"/>
+    <dgm:cxn modelId="{943D47AF-DE2C-42A5-92C9-15C7BC3B9EC9}" type="presOf" srcId="{62DA3143-94B0-43B7-8D3D-119FB3F6FCFE}" destId="{C386F76F-043F-4D44-83DB-ACD58E698EB6}" srcOrd="0" destOrd="0" presId="urn:microsoft.com/office/officeart/2005/8/layout/vList5"/>
+    <dgm:cxn modelId="{906E9A3D-9F7C-4F76-982A-A0D087BD37DF}" type="presOf" srcId="{450BB2FB-E6F5-4FB7-932E-985994FE6A80}" destId="{0670FEEE-F7AF-4AED-9012-363BC48189C2}" srcOrd="0" destOrd="1" presId="urn:microsoft.com/office/officeart/2005/8/layout/vList5"/>
+    <dgm:cxn modelId="{5B8CBC26-737C-41D5-AFEA-C6E20AD2A44E}" type="presOf" srcId="{6C009D2F-DD32-47CB-ADA2-EA14E61DB213}" destId="{0670FEEE-F7AF-4AED-9012-363BC48189C2}" srcOrd="0" destOrd="6" presId="urn:microsoft.com/office/officeart/2005/8/layout/vList5"/>
+    <dgm:cxn modelId="{4A7CDE29-9355-411E-9469-D62078BF6560}" srcId="{39EB69AF-086C-4F08-9188-08B527843E3B}" destId="{D609FB39-47BE-4C19-A8EB-2DE37BEF6055}" srcOrd="7" destOrd="0" parTransId="{934E1166-3B87-40EC-A388-3DB6778640D9}" sibTransId="{E8FF6EA4-0B87-400E-A236-BB5B1BA0EB09}"/>
+    <dgm:cxn modelId="{3E57156B-4DA3-450E-A431-5FED2E1A6BC2}" srcId="{499B4954-A313-4AF2-9233-36F9EB1F2E28}" destId="{A73BAFCD-EF25-4935-A06A-B26ED8C4C3A5}" srcOrd="0" destOrd="0" parTransId="{4E817A58-C00D-4830-B074-030858C97C7C}" sibTransId="{B7E5E64E-D150-42A3-8200-8FEBEBE6A584}"/>
+    <dgm:cxn modelId="{F8B6A6FD-301B-407A-A5B0-C05CC789A441}" type="presOf" srcId="{7CF64C3A-3FE2-4C56-819B-D7FC2CA1EAB3}" destId="{03C447E2-9E25-435B-BEEA-50663D1FA8CF}" srcOrd="0" destOrd="1" presId="urn:microsoft.com/office/officeart/2005/8/layout/vList5"/>
+    <dgm:cxn modelId="{92C45B88-133A-42AC-93A7-CB0016CCBF48}" srcId="{39EB69AF-086C-4F08-9188-08B527843E3B}" destId="{6667FD57-DCCE-43ED-A04D-8934C86159D7}" srcOrd="9" destOrd="0" parTransId="{A2B3AB8B-6BE8-4195-9ACF-61385F302464}" sibTransId="{A714FA86-0085-4013-99F4-F73D78097216}"/>
+    <dgm:cxn modelId="{F1E0F924-944E-4522-9893-D302C721D2B7}" type="presOf" srcId="{C2FF67EB-9BDC-4D79-8339-437566B9C203}" destId="{03C447E2-9E25-435B-BEEA-50663D1FA8CF}" srcOrd="0" destOrd="0" presId="urn:microsoft.com/office/officeart/2005/8/layout/vList5"/>
+    <dgm:cxn modelId="{6C9DC1E1-AA32-4E69-BD7C-C6CFEC49DB65}" srcId="{39EB69AF-086C-4F08-9188-08B527843E3B}" destId="{6791B8C0-D89E-4C6D-8AFD-C5F0C0B2E2A5}" srcOrd="10" destOrd="0" parTransId="{0E752F86-96D5-4083-B085-50DCECFC2646}" sibTransId="{A1A9EB4E-5ABE-48A1-9C17-AE4229862013}"/>
+    <dgm:cxn modelId="{6DEA1F43-858A-4712-9A10-177A34B2EB1E}" type="presOf" srcId="{499B4954-A313-4AF2-9233-36F9EB1F2E28}" destId="{02488AD4-9946-4F35-8BA6-8E72F9CDB87E}" srcOrd="0" destOrd="0" presId="urn:microsoft.com/office/officeart/2005/8/layout/vList5"/>
+    <dgm:cxn modelId="{BB96A486-082C-4407-BF4C-3CA7813E7BDB}" srcId="{62DA3143-94B0-43B7-8D3D-119FB3F6FCFE}" destId="{C2FF67EB-9BDC-4D79-8339-437566B9C203}" srcOrd="0" destOrd="0" parTransId="{8F9D5CA3-DA3C-4DF9-948F-169FAFE64900}" sibTransId="{B6CB8224-F543-4C81-99B0-B2785612EC6B}"/>
+    <dgm:cxn modelId="{1E2AC893-2C52-4BC4-9D99-436745CEBA38}" srcId="{39EB69AF-086C-4F08-9188-08B527843E3B}" destId="{291E5144-73A5-486F-9193-5D319AF3BE45}" srcOrd="5" destOrd="0" parTransId="{7FF10263-9F84-4265-A544-45D5CD0870B9}" sibTransId="{32686A01-99A6-4708-99AA-0C32E7270378}"/>
+    <dgm:cxn modelId="{9B480DC6-37BB-4A56-BFFD-379E0DC4E0D1}" srcId="{BF89F98F-0A80-4F30-9DE4-C088946202B7}" destId="{39EB69AF-086C-4F08-9188-08B527843E3B}" srcOrd="1" destOrd="0" parTransId="{43FF8FF7-5F46-4F86-BFF0-CC138300F95E}" sibTransId="{D834F24A-157C-40CD-9171-3F3F6C20FE73}"/>
     <dgm:cxn modelId="{21119AE2-F8F5-43A1-AAC0-CA15116ECB60}" type="presOf" srcId="{EF1E942D-56A6-41D5-87CA-926DDE1172C7}" destId="{0670FEEE-F7AF-4AED-9012-363BC48189C2}" srcOrd="0" destOrd="2" presId="urn:microsoft.com/office/officeart/2005/8/layout/vList5"/>
-    <dgm:cxn modelId="{9449FC74-B041-44CB-984A-6B82049BDD14}" type="presOf" srcId="{A73BAFCD-EF25-4935-A06A-B26ED8C4C3A5}" destId="{9A93DBA7-36F9-4CEB-8555-A1DD1399CFCB}" srcOrd="0" destOrd="0" presId="urn:microsoft.com/office/officeart/2005/8/layout/vList5"/>
-    <dgm:cxn modelId="{B66509CD-B30A-4B06-A9CC-35B3109E6C65}" srcId="{39EB69AF-086C-4F08-9188-08B527843E3B}" destId="{6C009D2F-DD32-47CB-ADA2-EA14E61DB213}" srcOrd="6" destOrd="0" parTransId="{96FB080E-4BBC-4473-A9A9-B64DD64DE148}" sibTransId="{A43BB42C-1815-48A2-B54D-7E21C97C7DE5}"/>
-    <dgm:cxn modelId="{E6E328FF-B29E-493B-9719-B08EAABF1866}" srcId="{BF89F98F-0A80-4F30-9DE4-C088946202B7}" destId="{62DA3143-94B0-43B7-8D3D-119FB3F6FCFE}" srcOrd="2" destOrd="0" parTransId="{85CB1296-35BF-4F3F-AA1E-7EE99638C09B}" sibTransId="{5B038825-474C-4FB7-8A4A-91B28F1180EA}"/>
-    <dgm:cxn modelId="{BB96A486-082C-4407-BF4C-3CA7813E7BDB}" srcId="{62DA3143-94B0-43B7-8D3D-119FB3F6FCFE}" destId="{C2FF67EB-9BDC-4D79-8339-437566B9C203}" srcOrd="0" destOrd="0" parTransId="{8F9D5CA3-DA3C-4DF9-948F-169FAFE64900}" sibTransId="{B6CB8224-F543-4C81-99B0-B2785612EC6B}"/>
-    <dgm:cxn modelId="{9B480DC6-37BB-4A56-BFFD-379E0DC4E0D1}" srcId="{BF89F98F-0A80-4F30-9DE4-C088946202B7}" destId="{39EB69AF-086C-4F08-9188-08B527843E3B}" srcOrd="1" destOrd="0" parTransId="{43FF8FF7-5F46-4F86-BFF0-CC138300F95E}" sibTransId="{D834F24A-157C-40CD-9171-3F3F6C20FE73}"/>
-    <dgm:cxn modelId="{0B03D4CB-6A63-477F-9B8A-1663EC3DAC8D}" type="presOf" srcId="{BF89F98F-0A80-4F30-9DE4-C088946202B7}" destId="{95ABC759-3090-4CC9-B73B-90342CFBB381}" srcOrd="0" destOrd="0" presId="urn:microsoft.com/office/officeart/2005/8/layout/vList5"/>
-    <dgm:cxn modelId="{F8B6A6FD-301B-407A-A5B0-C05CC789A441}" type="presOf" srcId="{7CF64C3A-3FE2-4C56-819B-D7FC2CA1EAB3}" destId="{03C447E2-9E25-435B-BEEA-50663D1FA8CF}" srcOrd="0" destOrd="1" presId="urn:microsoft.com/office/officeart/2005/8/layout/vList5"/>
-    <dgm:cxn modelId="{906E9A3D-9F7C-4F76-982A-A0D087BD37DF}" type="presOf" srcId="{450BB2FB-E6F5-4FB7-932E-985994FE6A80}" destId="{0670FEEE-F7AF-4AED-9012-363BC48189C2}" srcOrd="0" destOrd="1" presId="urn:microsoft.com/office/officeart/2005/8/layout/vList5"/>
-    <dgm:cxn modelId="{B23271F6-446B-4835-83C3-14852E259D5D}" type="presOf" srcId="{0FDEBC16-D2EE-4981-A9DD-8092B8DE080A}" destId="{0670FEEE-F7AF-4AED-9012-363BC48189C2}" srcOrd="0" destOrd="3" presId="urn:microsoft.com/office/officeart/2005/8/layout/vList5"/>
-    <dgm:cxn modelId="{1E2AC893-2C52-4BC4-9D99-436745CEBA38}" srcId="{39EB69AF-086C-4F08-9188-08B527843E3B}" destId="{291E5144-73A5-486F-9193-5D319AF3BE45}" srcOrd="5" destOrd="0" parTransId="{7FF10263-9F84-4265-A544-45D5CD0870B9}" sibTransId="{32686A01-99A6-4708-99AA-0C32E7270378}"/>
-    <dgm:cxn modelId="{5236AF11-7EB1-43FC-9BB1-4A9F1EEF1AEA}" srcId="{39EB69AF-086C-4F08-9188-08B527843E3B}" destId="{31937294-9049-48EC-9054-8E8983AEF68C}" srcOrd="4" destOrd="0" parTransId="{91FD327A-85D5-4D98-BE2D-FD17BDAA3935}" sibTransId="{BA959089-491B-4625-AEA0-55A4373646CF}"/>
-    <dgm:cxn modelId="{413614D5-8AFD-44E1-BDDB-4C7134F815FC}" type="presOf" srcId="{D609FB39-47BE-4C19-A8EB-2DE37BEF6055}" destId="{0670FEEE-F7AF-4AED-9012-363BC48189C2}" srcOrd="0" destOrd="7" presId="urn:microsoft.com/office/officeart/2005/8/layout/vList5"/>
-    <dgm:cxn modelId="{97DA21D2-B75E-4A35-83E7-76D512DA062D}" type="presOf" srcId="{291E5144-73A5-486F-9193-5D319AF3BE45}" destId="{0670FEEE-F7AF-4AED-9012-363BC48189C2}" srcOrd="0" destOrd="5" presId="urn:microsoft.com/office/officeart/2005/8/layout/vList5"/>
     <dgm:cxn modelId="{D074C638-F60F-4CD9-9634-0B5E122BB25B}" type="presOf" srcId="{39EB69AF-086C-4F08-9188-08B527843E3B}" destId="{5AC14FB5-BFFF-42E7-80BB-5CB2D5CC2E48}" srcOrd="0" destOrd="0" presId="urn:microsoft.com/office/officeart/2005/8/layout/vList5"/>
-    <dgm:cxn modelId="{3E57156B-4DA3-450E-A431-5FED2E1A6BC2}" srcId="{499B4954-A313-4AF2-9233-36F9EB1F2E28}" destId="{A73BAFCD-EF25-4935-A06A-B26ED8C4C3A5}" srcOrd="0" destOrd="0" parTransId="{4E817A58-C00D-4830-B074-030858C97C7C}" sibTransId="{B7E5E64E-D150-42A3-8200-8FEBEBE6A584}"/>
-    <dgm:cxn modelId="{92C45B88-133A-42AC-93A7-CB0016CCBF48}" srcId="{39EB69AF-086C-4F08-9188-08B527843E3B}" destId="{6667FD57-DCCE-43ED-A04D-8934C86159D7}" srcOrd="9" destOrd="0" parTransId="{A2B3AB8B-6BE8-4195-9ACF-61385F302464}" sibTransId="{A714FA86-0085-4013-99F4-F73D78097216}"/>
-    <dgm:cxn modelId="{9B306CFB-BEF2-492A-8592-7AB539F6FD18}" srcId="{39EB69AF-086C-4F08-9188-08B527843E3B}" destId="{DE63FD08-5E6E-4AD2-8235-0FC25D126364}" srcOrd="0" destOrd="0" parTransId="{5DA11DAD-630B-4FC6-A6E2-134D6E262BDF}" sibTransId="{C13F26B5-0F93-480E-B8C3-6D2157B3D73A}"/>
-    <dgm:cxn modelId="{AF01E660-EC81-4AC5-A300-547F7BB042FA}" srcId="{62DA3143-94B0-43B7-8D3D-119FB3F6FCFE}" destId="{7CF64C3A-3FE2-4C56-819B-D7FC2CA1EAB3}" srcOrd="1" destOrd="0" parTransId="{BF6308D9-F409-4908-BAE3-89D3AD1FDC01}" sibTransId="{92686665-9936-432B-BA9C-C2EB8482E27D}"/>
+    <dgm:cxn modelId="{082F0C55-B4F9-4695-98C5-D7CDE2BCE3E2}" type="presOf" srcId="{6791B8C0-D89E-4C6D-8AFD-C5F0C0B2E2A5}" destId="{0670FEEE-F7AF-4AED-9012-363BC48189C2}" srcOrd="0" destOrd="10" presId="urn:microsoft.com/office/officeart/2005/8/layout/vList5"/>
     <dgm:cxn modelId="{4BA3B278-F188-4FBC-9961-F1FBAE94836D}" srcId="{39EB69AF-086C-4F08-9188-08B527843E3B}" destId="{450BB2FB-E6F5-4FB7-932E-985994FE6A80}" srcOrd="1" destOrd="0" parTransId="{9A8D3FB4-1BED-4DED-A73B-C395FE3D44B0}" sibTransId="{913C64AA-B237-46F8-B125-7E6DEB138BC7}"/>
-    <dgm:cxn modelId="{6DEA1F43-858A-4712-9A10-177A34B2EB1E}" type="presOf" srcId="{499B4954-A313-4AF2-9233-36F9EB1F2E28}" destId="{02488AD4-9946-4F35-8BA6-8E72F9CDB87E}" srcOrd="0" destOrd="0" presId="urn:microsoft.com/office/officeart/2005/8/layout/vList5"/>
-    <dgm:cxn modelId="{36872374-E634-4461-872E-46A5ABE5CB14}" type="presOf" srcId="{F36B2088-3179-46DA-9456-3BDEB8FCBA63}" destId="{9A93DBA7-36F9-4CEB-8555-A1DD1399CFCB}" srcOrd="0" destOrd="1" presId="urn:microsoft.com/office/officeart/2005/8/layout/vList5"/>
-    <dgm:cxn modelId="{F1E0F924-944E-4522-9893-D302C721D2B7}" type="presOf" srcId="{C2FF67EB-9BDC-4D79-8339-437566B9C203}" destId="{03C447E2-9E25-435B-BEEA-50663D1FA8CF}" srcOrd="0" destOrd="0" presId="urn:microsoft.com/office/officeart/2005/8/layout/vList5"/>
-    <dgm:cxn modelId="{5B8CBC26-737C-41D5-AFEA-C6E20AD2A44E}" type="presOf" srcId="{6C009D2F-DD32-47CB-ADA2-EA14E61DB213}" destId="{0670FEEE-F7AF-4AED-9012-363BC48189C2}" srcOrd="0" destOrd="6" presId="urn:microsoft.com/office/officeart/2005/8/layout/vList5"/>
-    <dgm:cxn modelId="{9A1157AE-1BAE-45F2-9FCA-8448A31C4ED1}" srcId="{39EB69AF-086C-4F08-9188-08B527843E3B}" destId="{EF1E942D-56A6-41D5-87CA-926DDE1172C7}" srcOrd="2" destOrd="0" parTransId="{FF85DB10-C172-4F49-8C9D-7DD44495D86A}" sibTransId="{764C3426-3A5E-4DC5-BD64-133C73625487}"/>
     <dgm:cxn modelId="{CDF7D60D-F239-44F7-80BC-B1C7467AAF90}" srcId="{39EB69AF-086C-4F08-9188-08B527843E3B}" destId="{0FDEBC16-D2EE-4981-A9DD-8092B8DE080A}" srcOrd="3" destOrd="0" parTransId="{ECA42086-11D5-47B9-AA4D-5F99A86E126E}" sibTransId="{94D33C98-09C9-473F-A343-4EC4A6A23F6B}"/>
-    <dgm:cxn modelId="{A4402CF1-D7F3-4A43-BD41-312AD0923CFA}" srcId="{499B4954-A313-4AF2-9233-36F9EB1F2E28}" destId="{F36B2088-3179-46DA-9456-3BDEB8FCBA63}" srcOrd="1" destOrd="0" parTransId="{32F82BB0-BE5B-4E09-ACC9-FB23E8743A44}" sibTransId="{57109239-AC17-43B5-8360-44E48BD9DD16}"/>
-    <dgm:cxn modelId="{4A7CDE29-9355-411E-9469-D62078BF6560}" srcId="{39EB69AF-086C-4F08-9188-08B527843E3B}" destId="{D609FB39-47BE-4C19-A8EB-2DE37BEF6055}" srcOrd="7" destOrd="0" parTransId="{934E1166-3B87-40EC-A388-3DB6778640D9}" sibTransId="{E8FF6EA4-0B87-400E-A236-BB5B1BA0EB09}"/>
-    <dgm:cxn modelId="{C42F3F6B-F910-4E72-9616-78BCED525250}" type="presOf" srcId="{6667FD57-DCCE-43ED-A04D-8934C86159D7}" destId="{0670FEEE-F7AF-4AED-9012-363BC48189C2}" srcOrd="0" destOrd="9" presId="urn:microsoft.com/office/officeart/2005/8/layout/vList5"/>
-    <dgm:cxn modelId="{C5145C18-CA9B-45DF-9586-C0627BFEB03B}" type="presOf" srcId="{31937294-9049-48EC-9054-8E8983AEF68C}" destId="{0670FEEE-F7AF-4AED-9012-363BC48189C2}" srcOrd="0" destOrd="4" presId="urn:microsoft.com/office/officeart/2005/8/layout/vList5"/>
-    <dgm:cxn modelId="{6C9DC1E1-AA32-4E69-BD7C-C6CFEC49DB65}" srcId="{39EB69AF-086C-4F08-9188-08B527843E3B}" destId="{6791B8C0-D89E-4C6D-8AFD-C5F0C0B2E2A5}" srcOrd="10" destOrd="0" parTransId="{0E752F86-96D5-4083-B085-50DCECFC2646}" sibTransId="{A1A9EB4E-5ABE-48A1-9C17-AE4229862013}"/>
-    <dgm:cxn modelId="{2FA3F369-955D-4B9F-B0F2-848BC95AF75F}" srcId="{BF89F98F-0A80-4F30-9DE4-C088946202B7}" destId="{499B4954-A313-4AF2-9233-36F9EB1F2E28}" srcOrd="0" destOrd="0" parTransId="{DBDA9EB4-E982-4C10-84B4-B5FDDF30F578}" sibTransId="{49D9A7F3-71DA-4580-817C-B1B1275AF8E6}"/>
-    <dgm:cxn modelId="{943D47AF-DE2C-42A5-92C9-15C7BC3B9EC9}" type="presOf" srcId="{62DA3143-94B0-43B7-8D3D-119FB3F6FCFE}" destId="{C386F76F-043F-4D44-83DB-ACD58E698EB6}" srcOrd="0" destOrd="0" presId="urn:microsoft.com/office/officeart/2005/8/layout/vList5"/>
-    <dgm:cxn modelId="{B9899F36-0404-4991-BDFE-1953D319A924}" type="presOf" srcId="{2C9C9533-E207-4AA1-A11A-FF5858616B92}" destId="{0670FEEE-F7AF-4AED-9012-363BC48189C2}" srcOrd="0" destOrd="8" presId="urn:microsoft.com/office/officeart/2005/8/layout/vList5"/>
-    <dgm:cxn modelId="{082F0C55-B4F9-4695-98C5-D7CDE2BCE3E2}" type="presOf" srcId="{6791B8C0-D89E-4C6D-8AFD-C5F0C0B2E2A5}" destId="{0670FEEE-F7AF-4AED-9012-363BC48189C2}" srcOrd="0" destOrd="10" presId="urn:microsoft.com/office/officeart/2005/8/layout/vList5"/>
     <dgm:cxn modelId="{A6FF804A-A5C1-4128-9226-14ABC5BA69FD}" type="presParOf" srcId="{95ABC759-3090-4CC9-B73B-90342CFBB381}" destId="{5B413501-42AE-40DD-BC1B-BCC50F73FD3C}" srcOrd="0" destOrd="0" presId="urn:microsoft.com/office/officeart/2005/8/layout/vList5"/>
     <dgm:cxn modelId="{AD57FF10-068E-4D18-9B7E-8863A51DA4E0}" type="presParOf" srcId="{5B413501-42AE-40DD-BC1B-BCC50F73FD3C}" destId="{02488AD4-9946-4F35-8BA6-8E72F9CDB87E}" srcOrd="0" destOrd="0" presId="urn:microsoft.com/office/officeart/2005/8/layout/vList5"/>
     <dgm:cxn modelId="{9F6537CB-DCB4-4759-BE60-2B2DD5F0F752}" type="presParOf" srcId="{5B413501-42AE-40DD-BC1B-BCC50F73FD3C}" destId="{9A93DBA7-36F9-4CEB-8555-A1DD1399CFCB}" srcOrd="1" destOrd="0" presId="urn:microsoft.com/office/officeart/2005/8/layout/vList5"/>
@@ -14219,7 +14198,7 @@
   </dgm:whole>
   <dgm:extLst>
     <a:ext uri="http://schemas.microsoft.com/office/drawing/2008/diagram">
-      <dsp:dataModelExt xmlns:dsp="http://schemas.microsoft.com/office/drawing/2008/diagram" relId="rId17" minVer="http://schemas.openxmlformats.org/drawingml/2006/diagram"/>
+      <dsp:dataModelExt xmlns:dsp="http://schemas.microsoft.com/office/drawing/2008/diagram" xmlns="" relId="rId17" minVer="http://schemas.openxmlformats.org/drawingml/2006/diagram"/>
     </a:ext>
   </dgm:extLst>
 </dgm:dataModel>
@@ -14399,13 +14378,13 @@
     </dgm:pt>
   </dgm:ptLst>
   <dgm:cxnLst>
+    <dgm:cxn modelId="{472FDC53-7742-4FC6-883C-A6D006178313}" type="presOf" srcId="{F857C67B-824B-40CE-A698-3AEA4AD9F969}" destId="{3987172C-B811-4773-995F-8978522EB406}" srcOrd="0" destOrd="0" presId="urn:microsoft.com/office/officeart/2005/8/layout/process1"/>
     <dgm:cxn modelId="{CF27219C-42B9-4653-88ED-2F83169427BA}" type="presOf" srcId="{95FB0FFD-8D39-4E12-925E-5006A9468E78}" destId="{F3B92CFB-CCCE-4BC2-81C0-C168EE61C560}" srcOrd="0" destOrd="0" presId="urn:microsoft.com/office/officeart/2005/8/layout/process1"/>
+    <dgm:cxn modelId="{CF42A7CC-35BB-4613-97B2-E02EE970E498}" type="presOf" srcId="{D3FB31C7-1F00-441E-AD8C-482317F4E01A}" destId="{DF06A2D1-F78F-4A1A-99C9-92AFDC5AB650}" srcOrd="0" destOrd="0" presId="urn:microsoft.com/office/officeart/2005/8/layout/process1"/>
+    <dgm:cxn modelId="{D153CECF-E439-4421-AAFF-C9DD032083A3}" srcId="{F857C67B-824B-40CE-A698-3AEA4AD9F969}" destId="{D3FB31C7-1F00-441E-AD8C-482317F4E01A}" srcOrd="0" destOrd="0" parTransId="{B141B223-E921-4E84-8E8F-2644A1F159B0}" sibTransId="{95FB0FFD-8D39-4E12-925E-5006A9468E78}"/>
     <dgm:cxn modelId="{BE2EBC8F-F65C-4F2E-AEE5-6C6D1C9884BB}" type="presOf" srcId="{95FB0FFD-8D39-4E12-925E-5006A9468E78}" destId="{7320EF33-BBB0-4C74-87BB-F94AC6998961}" srcOrd="1" destOrd="0" presId="urn:microsoft.com/office/officeart/2005/8/layout/process1"/>
     <dgm:cxn modelId="{2BCDAC85-D3DB-49A7-BEF5-10EDB684B5CD}" type="presOf" srcId="{1B9F2D15-F933-4F06-BBC5-33B7B59C0CEE}" destId="{CA81988A-48EA-4A63-BACE-B8FFA50DCF2A}" srcOrd="0" destOrd="0" presId="urn:microsoft.com/office/officeart/2005/8/layout/process1"/>
-    <dgm:cxn modelId="{D153CECF-E439-4421-AAFF-C9DD032083A3}" srcId="{F857C67B-824B-40CE-A698-3AEA4AD9F969}" destId="{D3FB31C7-1F00-441E-AD8C-482317F4E01A}" srcOrd="0" destOrd="0" parTransId="{B141B223-E921-4E84-8E8F-2644A1F159B0}" sibTransId="{95FB0FFD-8D39-4E12-925E-5006A9468E78}"/>
-    <dgm:cxn modelId="{472FDC53-7742-4FC6-883C-A6D006178313}" type="presOf" srcId="{F857C67B-824B-40CE-A698-3AEA4AD9F969}" destId="{3987172C-B811-4773-995F-8978522EB406}" srcOrd="0" destOrd="0" presId="urn:microsoft.com/office/officeart/2005/8/layout/process1"/>
     <dgm:cxn modelId="{B714A4B6-F5D9-423A-88DA-FB8C899F7A6E}" srcId="{F857C67B-824B-40CE-A698-3AEA4AD9F969}" destId="{1B9F2D15-F933-4F06-BBC5-33B7B59C0CEE}" srcOrd="1" destOrd="0" parTransId="{8E66DFE4-8476-4495-B48E-A775C4140727}" sibTransId="{FB8D6577-DE45-4520-B3D0-B8E729C3DF44}"/>
-    <dgm:cxn modelId="{CF42A7CC-35BB-4613-97B2-E02EE970E498}" type="presOf" srcId="{D3FB31C7-1F00-441E-AD8C-482317F4E01A}" destId="{DF06A2D1-F78F-4A1A-99C9-92AFDC5AB650}" srcOrd="0" destOrd="0" presId="urn:microsoft.com/office/officeart/2005/8/layout/process1"/>
     <dgm:cxn modelId="{422B30BB-B75B-4F0F-9FA1-997CC4F08EFE}" type="presParOf" srcId="{3987172C-B811-4773-995F-8978522EB406}" destId="{DF06A2D1-F78F-4A1A-99C9-92AFDC5AB650}" srcOrd="0" destOrd="0" presId="urn:microsoft.com/office/officeart/2005/8/layout/process1"/>
     <dgm:cxn modelId="{4423D302-E7AA-47DA-8FDE-8C7C745BDAB2}" type="presParOf" srcId="{3987172C-B811-4773-995F-8978522EB406}" destId="{F3B92CFB-CCCE-4BC2-81C0-C168EE61C560}" srcOrd="1" destOrd="0" presId="urn:microsoft.com/office/officeart/2005/8/layout/process1"/>
     <dgm:cxn modelId="{EBCEA75E-4D12-4705-BE00-BA83F51DB5C7}" type="presParOf" srcId="{F3B92CFB-CCCE-4BC2-81C0-C168EE61C560}" destId="{7320EF33-BBB0-4C74-87BB-F94AC6998961}" srcOrd="0" destOrd="0" presId="urn:microsoft.com/office/officeart/2005/8/layout/process1"/>
@@ -14421,7 +14400,7 @@
   <dgm:whole/>
   <dgm:extLst>
     <a:ext uri="http://schemas.microsoft.com/office/drawing/2008/diagram">
-      <dsp:dataModelExt xmlns:dsp="http://schemas.microsoft.com/office/drawing/2008/diagram" relId="rId7" minVer="http://schemas.openxmlformats.org/drawingml/2006/diagram"/>
+      <dsp:dataModelExt xmlns:dsp="http://schemas.microsoft.com/office/drawing/2008/diagram" xmlns="" relId="rId7" minVer="http://schemas.openxmlformats.org/drawingml/2006/diagram"/>
     </a:ext>
   </dgm:extLst>
 </dgm:dataModel>
@@ -14601,13 +14580,13 @@
     </dgm:pt>
   </dgm:ptLst>
   <dgm:cxnLst>
-    <dgm:cxn modelId="{A6BD2D43-F197-4397-94FB-EB30EF40F6A4}" type="presOf" srcId="{95FB0FFD-8D39-4E12-925E-5006A9468E78}" destId="{F3B92CFB-CCCE-4BC2-81C0-C168EE61C560}" srcOrd="0" destOrd="0" presId="urn:microsoft.com/office/officeart/2005/8/layout/process1"/>
-    <dgm:cxn modelId="{6FCF0C87-EE02-474C-A5F8-CC36BE5C3B34}" type="presOf" srcId="{F857C67B-824B-40CE-A698-3AEA4AD9F969}" destId="{3987172C-B811-4773-995F-8978522EB406}" srcOrd="0" destOrd="0" presId="urn:microsoft.com/office/officeart/2005/8/layout/process1"/>
     <dgm:cxn modelId="{F82FE2FF-CB65-41A3-BD88-5BBD63EE7F35}" type="presOf" srcId="{1B9F2D15-F933-4F06-BBC5-33B7B59C0CEE}" destId="{CA81988A-48EA-4A63-BACE-B8FFA50DCF2A}" srcOrd="0" destOrd="0" presId="urn:microsoft.com/office/officeart/2005/8/layout/process1"/>
     <dgm:cxn modelId="{5F7A6F0B-8AD9-49BD-A578-CCBCDEB89349}" type="presOf" srcId="{95FB0FFD-8D39-4E12-925E-5006A9468E78}" destId="{7320EF33-BBB0-4C74-87BB-F94AC6998961}" srcOrd="1" destOrd="0" presId="urn:microsoft.com/office/officeart/2005/8/layout/process1"/>
+    <dgm:cxn modelId="{A6BD2D43-F197-4397-94FB-EB30EF40F6A4}" type="presOf" srcId="{95FB0FFD-8D39-4E12-925E-5006A9468E78}" destId="{F3B92CFB-CCCE-4BC2-81C0-C168EE61C560}" srcOrd="0" destOrd="0" presId="urn:microsoft.com/office/officeart/2005/8/layout/process1"/>
+    <dgm:cxn modelId="{D153CECF-E439-4421-AAFF-C9DD032083A3}" srcId="{F857C67B-824B-40CE-A698-3AEA4AD9F969}" destId="{D3FB31C7-1F00-441E-AD8C-482317F4E01A}" srcOrd="0" destOrd="0" parTransId="{B141B223-E921-4E84-8E8F-2644A1F159B0}" sibTransId="{95FB0FFD-8D39-4E12-925E-5006A9468E78}"/>
+    <dgm:cxn modelId="{6FCF0C87-EE02-474C-A5F8-CC36BE5C3B34}" type="presOf" srcId="{F857C67B-824B-40CE-A698-3AEA4AD9F969}" destId="{3987172C-B811-4773-995F-8978522EB406}" srcOrd="0" destOrd="0" presId="urn:microsoft.com/office/officeart/2005/8/layout/process1"/>
+    <dgm:cxn modelId="{88241C08-4A94-44FF-B2DF-96711D78B711}" type="presOf" srcId="{D3FB31C7-1F00-441E-AD8C-482317F4E01A}" destId="{DF06A2D1-F78F-4A1A-99C9-92AFDC5AB650}" srcOrd="0" destOrd="0" presId="urn:microsoft.com/office/officeart/2005/8/layout/process1"/>
     <dgm:cxn modelId="{B714A4B6-F5D9-423A-88DA-FB8C899F7A6E}" srcId="{F857C67B-824B-40CE-A698-3AEA4AD9F969}" destId="{1B9F2D15-F933-4F06-BBC5-33B7B59C0CEE}" srcOrd="1" destOrd="0" parTransId="{8E66DFE4-8476-4495-B48E-A775C4140727}" sibTransId="{FB8D6577-DE45-4520-B3D0-B8E729C3DF44}"/>
-    <dgm:cxn modelId="{D153CECF-E439-4421-AAFF-C9DD032083A3}" srcId="{F857C67B-824B-40CE-A698-3AEA4AD9F969}" destId="{D3FB31C7-1F00-441E-AD8C-482317F4E01A}" srcOrd="0" destOrd="0" parTransId="{B141B223-E921-4E84-8E8F-2644A1F159B0}" sibTransId="{95FB0FFD-8D39-4E12-925E-5006A9468E78}"/>
-    <dgm:cxn modelId="{88241C08-4A94-44FF-B2DF-96711D78B711}" type="presOf" srcId="{D3FB31C7-1F00-441E-AD8C-482317F4E01A}" destId="{DF06A2D1-F78F-4A1A-99C9-92AFDC5AB650}" srcOrd="0" destOrd="0" presId="urn:microsoft.com/office/officeart/2005/8/layout/process1"/>
     <dgm:cxn modelId="{F18AF956-3D16-4599-A094-BBF0F48655ED}" type="presParOf" srcId="{3987172C-B811-4773-995F-8978522EB406}" destId="{DF06A2D1-F78F-4A1A-99C9-92AFDC5AB650}" srcOrd="0" destOrd="0" presId="urn:microsoft.com/office/officeart/2005/8/layout/process1"/>
     <dgm:cxn modelId="{7EAB49AD-A461-4C36-A66D-2683A5F9F961}" type="presParOf" srcId="{3987172C-B811-4773-995F-8978522EB406}" destId="{F3B92CFB-CCCE-4BC2-81C0-C168EE61C560}" srcOrd="1" destOrd="0" presId="urn:microsoft.com/office/officeart/2005/8/layout/process1"/>
     <dgm:cxn modelId="{8021ADF9-0C97-4A96-95A6-6FE3CB8687B9}" type="presParOf" srcId="{F3B92CFB-CCCE-4BC2-81C0-C168EE61C560}" destId="{7320EF33-BBB0-4C74-87BB-F94AC6998961}" srcOrd="0" destOrd="0" presId="urn:microsoft.com/office/officeart/2005/8/layout/process1"/>
@@ -14623,7 +14602,7 @@
   <dgm:whole/>
   <dgm:extLst>
     <a:ext uri="http://schemas.microsoft.com/office/drawing/2008/diagram">
-      <dsp:dataModelExt xmlns:dsp="http://schemas.microsoft.com/office/drawing/2008/diagram" relId="rId12" minVer="http://schemas.openxmlformats.org/drawingml/2006/diagram"/>
+      <dsp:dataModelExt xmlns:dsp="http://schemas.microsoft.com/office/drawing/2008/diagram" xmlns="" relId="rId12" minVer="http://schemas.openxmlformats.org/drawingml/2006/diagram"/>
     </a:ext>
   </dgm:extLst>
 </dgm:dataModel>
@@ -14895,17 +14874,17 @@
     </dgm:pt>
   </dgm:ptLst>
   <dgm:cxnLst>
+    <dgm:cxn modelId="{796BD7D4-D742-4645-A4A1-1CEA456E89AD}" srcId="{59F35A3C-A44D-499C-97C9-A69EEE6BD993}" destId="{1F9627F3-E19B-443C-A65C-27EB6D630BCC}" srcOrd="0" destOrd="0" parTransId="{DF267BAD-A938-4F2B-91E0-9513B7E79185}" sibTransId="{213682CD-5A0C-46D0-8D0A-A157EA3D75C4}"/>
+    <dgm:cxn modelId="{0222AB1C-ABD4-4CA9-B606-9BC629EC98EE}" srcId="{59F35A3C-A44D-499C-97C9-A69EEE6BD993}" destId="{464DAC7B-DAC2-48FC-B8A0-0505D7FAE28F}" srcOrd="2" destOrd="0" parTransId="{669272A2-C98F-482F-AD6F-206D6072CD07}" sibTransId="{60408868-E7AA-4815-B282-18BCF9650D72}"/>
+    <dgm:cxn modelId="{6376AC21-CA46-4FC0-A856-E6FD34DC2E25}" type="presOf" srcId="{0DEB4AF2-D7B6-4549-808C-B09289FC55F0}" destId="{356D6E8B-A560-45F2-9615-2AB1D1D8DD49}" srcOrd="0" destOrd="0" presId="urn:microsoft.com/office/officeart/2005/8/layout/process1"/>
     <dgm:cxn modelId="{69D974CF-9BFC-4E76-AA90-6A088E51EF1B}" type="presOf" srcId="{4E3C9D28-2339-48A4-BF97-62907CB98818}" destId="{40CD8A24-AE84-4699-9478-7D9CB074302D}" srcOrd="1" destOrd="0" presId="urn:microsoft.com/office/officeart/2005/8/layout/process1"/>
+    <dgm:cxn modelId="{7B8F5C17-65CC-49A4-9E6A-9D0FBA92DBD8}" type="presOf" srcId="{1F9627F3-E19B-443C-A65C-27EB6D630BCC}" destId="{3EF16662-8924-4B4A-8F00-CEBF630CD211}" srcOrd="0" destOrd="0" presId="urn:microsoft.com/office/officeart/2005/8/layout/process1"/>
+    <dgm:cxn modelId="{999A8577-77E2-49BA-A13C-B29E3455785D}" type="presOf" srcId="{213682CD-5A0C-46D0-8D0A-A157EA3D75C4}" destId="{ACDD777E-616D-4627-B044-7217812A7475}" srcOrd="0" destOrd="0" presId="urn:microsoft.com/office/officeart/2005/8/layout/process1"/>
     <dgm:cxn modelId="{309555B4-4D05-4067-A925-1FCD5D889A0D}" type="presOf" srcId="{464DAC7B-DAC2-48FC-B8A0-0505D7FAE28F}" destId="{8C681921-4B5F-47D7-969B-DA400ECA5000}" srcOrd="0" destOrd="0" presId="urn:microsoft.com/office/officeart/2005/8/layout/process1"/>
+    <dgm:cxn modelId="{910FA03D-7BDF-45E0-B397-F14F9740D504}" type="presOf" srcId="{213682CD-5A0C-46D0-8D0A-A157EA3D75C4}" destId="{2E552843-51B8-4539-867E-DB0008ECB290}" srcOrd="1" destOrd="0" presId="urn:microsoft.com/office/officeart/2005/8/layout/process1"/>
     <dgm:cxn modelId="{38F0D408-A48E-4941-B3B1-DC14D9C6B0D1}" type="presOf" srcId="{4E3C9D28-2339-48A4-BF97-62907CB98818}" destId="{44E1CC85-F952-463A-B4F5-84933423D36B}" srcOrd="0" destOrd="0" presId="urn:microsoft.com/office/officeart/2005/8/layout/process1"/>
-    <dgm:cxn modelId="{6376AC21-CA46-4FC0-A856-E6FD34DC2E25}" type="presOf" srcId="{0DEB4AF2-D7B6-4549-808C-B09289FC55F0}" destId="{356D6E8B-A560-45F2-9615-2AB1D1D8DD49}" srcOrd="0" destOrd="0" presId="urn:microsoft.com/office/officeart/2005/8/layout/process1"/>
-    <dgm:cxn modelId="{796BD7D4-D742-4645-A4A1-1CEA456E89AD}" srcId="{59F35A3C-A44D-499C-97C9-A69EEE6BD993}" destId="{1F9627F3-E19B-443C-A65C-27EB6D630BCC}" srcOrd="0" destOrd="0" parTransId="{DF267BAD-A938-4F2B-91E0-9513B7E79185}" sibTransId="{213682CD-5A0C-46D0-8D0A-A157EA3D75C4}"/>
-    <dgm:cxn modelId="{910FA03D-7BDF-45E0-B397-F14F9740D504}" type="presOf" srcId="{213682CD-5A0C-46D0-8D0A-A157EA3D75C4}" destId="{2E552843-51B8-4539-867E-DB0008ECB290}" srcOrd="1" destOrd="0" presId="urn:microsoft.com/office/officeart/2005/8/layout/process1"/>
-    <dgm:cxn modelId="{999A8577-77E2-49BA-A13C-B29E3455785D}" type="presOf" srcId="{213682CD-5A0C-46D0-8D0A-A157EA3D75C4}" destId="{ACDD777E-616D-4627-B044-7217812A7475}" srcOrd="0" destOrd="0" presId="urn:microsoft.com/office/officeart/2005/8/layout/process1"/>
-    <dgm:cxn modelId="{0222AB1C-ABD4-4CA9-B606-9BC629EC98EE}" srcId="{59F35A3C-A44D-499C-97C9-A69EEE6BD993}" destId="{464DAC7B-DAC2-48FC-B8A0-0505D7FAE28F}" srcOrd="2" destOrd="0" parTransId="{669272A2-C98F-482F-AD6F-206D6072CD07}" sibTransId="{60408868-E7AA-4815-B282-18BCF9650D72}"/>
+    <dgm:cxn modelId="{59A65549-11C3-4FE2-96B9-4C80E11B925D}" srcId="{59F35A3C-A44D-499C-97C9-A69EEE6BD993}" destId="{0DEB4AF2-D7B6-4549-808C-B09289FC55F0}" srcOrd="1" destOrd="0" parTransId="{0B070E1D-7CC9-4E47-B743-F84683593A6B}" sibTransId="{4E3C9D28-2339-48A4-BF97-62907CB98818}"/>
     <dgm:cxn modelId="{12A8E9DE-868F-4ABD-B979-8BC74D46837B}" type="presOf" srcId="{59F35A3C-A44D-499C-97C9-A69EEE6BD993}" destId="{4503D1D3-223F-4127-A7C1-A7178B02DD58}" srcOrd="0" destOrd="0" presId="urn:microsoft.com/office/officeart/2005/8/layout/process1"/>
-    <dgm:cxn modelId="{59A65549-11C3-4FE2-96B9-4C80E11B925D}" srcId="{59F35A3C-A44D-499C-97C9-A69EEE6BD993}" destId="{0DEB4AF2-D7B6-4549-808C-B09289FC55F0}" srcOrd="1" destOrd="0" parTransId="{0B070E1D-7CC9-4E47-B743-F84683593A6B}" sibTransId="{4E3C9D28-2339-48A4-BF97-62907CB98818}"/>
-    <dgm:cxn modelId="{7B8F5C17-65CC-49A4-9E6A-9D0FBA92DBD8}" type="presOf" srcId="{1F9627F3-E19B-443C-A65C-27EB6D630BCC}" destId="{3EF16662-8924-4B4A-8F00-CEBF630CD211}" srcOrd="0" destOrd="0" presId="urn:microsoft.com/office/officeart/2005/8/layout/process1"/>
     <dgm:cxn modelId="{30F4394C-D27B-4BE9-8D84-C6FB260B6953}" type="presParOf" srcId="{4503D1D3-223F-4127-A7C1-A7178B02DD58}" destId="{3EF16662-8924-4B4A-8F00-CEBF630CD211}" srcOrd="0" destOrd="0" presId="urn:microsoft.com/office/officeart/2005/8/layout/process1"/>
     <dgm:cxn modelId="{963DEC12-E2A8-494D-9E10-D89C16595C62}" type="presParOf" srcId="{4503D1D3-223F-4127-A7C1-A7178B02DD58}" destId="{ACDD777E-616D-4627-B044-7217812A7475}" srcOrd="1" destOrd="0" presId="urn:microsoft.com/office/officeart/2005/8/layout/process1"/>
     <dgm:cxn modelId="{3294050B-7DB9-47CB-8407-F9EE4DB50133}" type="presParOf" srcId="{ACDD777E-616D-4627-B044-7217812A7475}" destId="{2E552843-51B8-4539-867E-DB0008ECB290}" srcOrd="0" destOrd="0" presId="urn:microsoft.com/office/officeart/2005/8/layout/process1"/>
@@ -14924,7 +14903,7 @@
   <dgm:whole/>
   <dgm:extLst>
     <a:ext uri="http://schemas.microsoft.com/office/drawing/2008/diagram">
-      <dsp:dataModelExt xmlns:dsp="http://schemas.microsoft.com/office/drawing/2008/diagram" relId="rId7" minVer="http://schemas.openxmlformats.org/drawingml/2006/diagram"/>
+      <dsp:dataModelExt xmlns:dsp="http://schemas.microsoft.com/office/drawing/2008/diagram" xmlns="" relId="rId7" minVer="http://schemas.openxmlformats.org/drawingml/2006/diagram"/>
     </a:ext>
   </dgm:extLst>
 </dgm:dataModel>
@@ -15279,17 +15258,17 @@
     </dgm:pt>
   </dgm:ptLst>
   <dgm:cxnLst>
+    <dgm:cxn modelId="{A3D3F576-E0BE-4EC7-BCBC-A330B1C538AC}" type="presOf" srcId="{6DB6DE26-1159-4C42-AA9C-C2C9040357D2}" destId="{AC35DC6D-FD57-4788-921C-D646C6BA4865}" srcOrd="0" destOrd="0" presId="urn:microsoft.com/office/officeart/2005/8/layout/process5"/>
+    <dgm:cxn modelId="{B848B630-9E77-4F14-9D6C-6B7B345F5F7E}" type="presOf" srcId="{66694CC5-7120-4F35-9FF6-3EE8026C4947}" destId="{0AB4EDA0-9F54-4714-812F-071E44D53E91}" srcOrd="0" destOrd="0" presId="urn:microsoft.com/office/officeart/2005/8/layout/process5"/>
+    <dgm:cxn modelId="{7B4B5BF2-3BB0-4B6D-B656-F24D29AF1C4B}" type="presOf" srcId="{66694CC5-7120-4F35-9FF6-3EE8026C4947}" destId="{FB35634F-DB1F-469C-8A8F-6FBEF04C6C7B}" srcOrd="1" destOrd="0" presId="urn:microsoft.com/office/officeart/2005/8/layout/process5"/>
     <dgm:cxn modelId="{3D5DB84A-28AC-4B00-A322-344ACBD665A1}" type="presOf" srcId="{60A634FA-D51E-4DFA-A8B7-6627332F3222}" destId="{8D048A75-E83A-48D6-A855-C4FE5D533639}" srcOrd="0" destOrd="0" presId="urn:microsoft.com/office/officeart/2005/8/layout/process5"/>
-    <dgm:cxn modelId="{A3D3F576-E0BE-4EC7-BCBC-A330B1C538AC}" type="presOf" srcId="{6DB6DE26-1159-4C42-AA9C-C2C9040357D2}" destId="{AC35DC6D-FD57-4788-921C-D646C6BA4865}" srcOrd="0" destOrd="0" presId="urn:microsoft.com/office/officeart/2005/8/layout/process5"/>
-    <dgm:cxn modelId="{7B4B5BF2-3BB0-4B6D-B656-F24D29AF1C4B}" type="presOf" srcId="{66694CC5-7120-4F35-9FF6-3EE8026C4947}" destId="{FB35634F-DB1F-469C-8A8F-6FBEF04C6C7B}" srcOrd="1" destOrd="0" presId="urn:microsoft.com/office/officeart/2005/8/layout/process5"/>
-    <dgm:cxn modelId="{B848B630-9E77-4F14-9D6C-6B7B345F5F7E}" type="presOf" srcId="{66694CC5-7120-4F35-9FF6-3EE8026C4947}" destId="{0AB4EDA0-9F54-4714-812F-071E44D53E91}" srcOrd="0" destOrd="0" presId="urn:microsoft.com/office/officeart/2005/8/layout/process5"/>
+    <dgm:cxn modelId="{70746F17-67B3-49C6-ADF5-8DA5442091FE}" type="presOf" srcId="{6D9A60DC-AD23-4395-A2B6-098A85C95DAF}" destId="{53DC6053-EF4C-4ACD-B03F-8CF667438B89}" srcOrd="0" destOrd="0" presId="urn:microsoft.com/office/officeart/2005/8/layout/process5"/>
+    <dgm:cxn modelId="{C22CA8C5-D445-4FC2-A1B5-DF7B3C7C381E}" srcId="{6D9A60DC-AD23-4395-A2B6-098A85C95DAF}" destId="{6DB6DE26-1159-4C42-AA9C-C2C9040357D2}" srcOrd="1" destOrd="0" parTransId="{30913342-7ABF-4DA0-837F-C1F2F887444C}" sibTransId="{60A634FA-D51E-4DFA-A8B7-6627332F3222}"/>
     <dgm:cxn modelId="{14C0939A-1E32-4001-B316-3100411C1C85}" srcId="{6D9A60DC-AD23-4395-A2B6-098A85C95DAF}" destId="{3AD45C46-17C9-46AB-BDDD-469FA601C13C}" srcOrd="0" destOrd="0" parTransId="{FF2AF0DB-6D32-4F43-A798-AEA6016B4D3A}" sibTransId="{66694CC5-7120-4F35-9FF6-3EE8026C4947}"/>
+    <dgm:cxn modelId="{FE51332D-46FF-43BD-8477-AAFF77C5ECF4}" type="presOf" srcId="{EB43B6EF-5A5A-4A68-96D7-24989EB4F565}" destId="{08139FAF-B268-4BD6-BAAC-2DCE292E9DA9}" srcOrd="0" destOrd="0" presId="urn:microsoft.com/office/officeart/2005/8/layout/process5"/>
+    <dgm:cxn modelId="{03A4D65C-936F-4543-9246-EEACAE1F55F1}" type="presOf" srcId="{3AD45C46-17C9-46AB-BDDD-469FA601C13C}" destId="{C54D33F4-3F41-4981-8216-E1E6D78F10B6}" srcOrd="0" destOrd="0" presId="urn:microsoft.com/office/officeart/2005/8/layout/process5"/>
+    <dgm:cxn modelId="{03D97DCF-1082-4534-8B6A-0F4C3D73CAA0}" srcId="{6D9A60DC-AD23-4395-A2B6-098A85C95DAF}" destId="{EB43B6EF-5A5A-4A68-96D7-24989EB4F565}" srcOrd="2" destOrd="0" parTransId="{499405AF-CC85-48D8-8E6D-22C6B9CDDA23}" sibTransId="{72BE0F66-E742-44D1-B94F-41B3B8262BE8}"/>
     <dgm:cxn modelId="{C983FE68-AC44-4AF2-8B9A-F5A71BD5C399}" type="presOf" srcId="{60A634FA-D51E-4DFA-A8B7-6627332F3222}" destId="{193C265C-C4B1-48F6-97B8-E418DD8A9806}" srcOrd="1" destOrd="0" presId="urn:microsoft.com/office/officeart/2005/8/layout/process5"/>
-    <dgm:cxn modelId="{C22CA8C5-D445-4FC2-A1B5-DF7B3C7C381E}" srcId="{6D9A60DC-AD23-4395-A2B6-098A85C95DAF}" destId="{6DB6DE26-1159-4C42-AA9C-C2C9040357D2}" srcOrd="1" destOrd="0" parTransId="{30913342-7ABF-4DA0-837F-C1F2F887444C}" sibTransId="{60A634FA-D51E-4DFA-A8B7-6627332F3222}"/>
-    <dgm:cxn modelId="{03D97DCF-1082-4534-8B6A-0F4C3D73CAA0}" srcId="{6D9A60DC-AD23-4395-A2B6-098A85C95DAF}" destId="{EB43B6EF-5A5A-4A68-96D7-24989EB4F565}" srcOrd="2" destOrd="0" parTransId="{499405AF-CC85-48D8-8E6D-22C6B9CDDA23}" sibTransId="{72BE0F66-E742-44D1-B94F-41B3B8262BE8}"/>
-    <dgm:cxn modelId="{03A4D65C-936F-4543-9246-EEACAE1F55F1}" type="presOf" srcId="{3AD45C46-17C9-46AB-BDDD-469FA601C13C}" destId="{C54D33F4-3F41-4981-8216-E1E6D78F10B6}" srcOrd="0" destOrd="0" presId="urn:microsoft.com/office/officeart/2005/8/layout/process5"/>
-    <dgm:cxn modelId="{FE51332D-46FF-43BD-8477-AAFF77C5ECF4}" type="presOf" srcId="{EB43B6EF-5A5A-4A68-96D7-24989EB4F565}" destId="{08139FAF-B268-4BD6-BAAC-2DCE292E9DA9}" srcOrd="0" destOrd="0" presId="urn:microsoft.com/office/officeart/2005/8/layout/process5"/>
-    <dgm:cxn modelId="{70746F17-67B3-49C6-ADF5-8DA5442091FE}" type="presOf" srcId="{6D9A60DC-AD23-4395-A2B6-098A85C95DAF}" destId="{53DC6053-EF4C-4ACD-B03F-8CF667438B89}" srcOrd="0" destOrd="0" presId="urn:microsoft.com/office/officeart/2005/8/layout/process5"/>
     <dgm:cxn modelId="{100D9084-3CBF-45A3-A769-501E740C21D3}" type="presParOf" srcId="{53DC6053-EF4C-4ACD-B03F-8CF667438B89}" destId="{C54D33F4-3F41-4981-8216-E1E6D78F10B6}" srcOrd="0" destOrd="0" presId="urn:microsoft.com/office/officeart/2005/8/layout/process5"/>
     <dgm:cxn modelId="{DBA2A3D3-9832-4D34-A56C-C54DA6BF6901}" type="presParOf" srcId="{53DC6053-EF4C-4ACD-B03F-8CF667438B89}" destId="{0AB4EDA0-9F54-4714-812F-071E44D53E91}" srcOrd="1" destOrd="0" presId="urn:microsoft.com/office/officeart/2005/8/layout/process5"/>
     <dgm:cxn modelId="{2724C232-EC6A-4C11-86C2-9E20ED1C6D49}" type="presParOf" srcId="{0AB4EDA0-9F54-4714-812F-071E44D53E91}" destId="{FB35634F-DB1F-469C-8A8F-6FBEF04C6C7B}" srcOrd="0" destOrd="0" presId="urn:microsoft.com/office/officeart/2005/8/layout/process5"/>
@@ -15309,7 +15288,7 @@
   <dgm:whole/>
   <dgm:extLst>
     <a:ext uri="http://schemas.microsoft.com/office/drawing/2008/diagram">
-      <dsp:dataModelExt xmlns:dsp="http://schemas.microsoft.com/office/drawing/2008/diagram" relId="rId7" minVer="http://schemas.openxmlformats.org/drawingml/2006/diagram"/>
+      <dsp:dataModelExt xmlns:dsp="http://schemas.microsoft.com/office/drawing/2008/diagram" xmlns="" relId="rId7" minVer="http://schemas.openxmlformats.org/drawingml/2006/diagram"/>
     </a:ext>
   </dgm:extLst>
 </dgm:dataModel>
@@ -15450,7 +15429,7 @@
   <dgm:whole/>
   <dgm:extLst>
     <a:ext uri="http://schemas.microsoft.com/office/drawing/2008/diagram">
-      <dsp:dataModelExt xmlns:dsp="http://schemas.microsoft.com/office/drawing/2008/diagram" relId="rId12" minVer="http://schemas.openxmlformats.org/drawingml/2006/diagram"/>
+      <dsp:dataModelExt xmlns:dsp="http://schemas.microsoft.com/office/drawing/2008/diagram" xmlns="" relId="rId12" minVer="http://schemas.openxmlformats.org/drawingml/2006/diagram"/>
     </a:ext>
   </dgm:extLst>
 </dgm:dataModel>
@@ -15829,17 +15808,17 @@
     </dgm:pt>
   </dgm:ptLst>
   <dgm:cxnLst>
+    <dgm:cxn modelId="{67944321-9E16-4B68-82C5-5E5FD940C64E}" type="presOf" srcId="{59EF23FB-0B82-43C1-9B8D-4699E675E0FB}" destId="{3DD52E65-2217-47DF-A607-061BC38D9280}" srcOrd="0" destOrd="0" presId="urn:microsoft.com/office/officeart/2005/8/layout/venn3"/>
+    <dgm:cxn modelId="{7218BF9F-B6FA-41D3-8F5F-BA4D784091BA}" type="presOf" srcId="{E25F5A64-D615-441D-871C-2F98FD45C38A}" destId="{636A51F0-6295-4CA8-96A6-0D169E362853}" srcOrd="0" destOrd="0" presId="urn:microsoft.com/office/officeart/2005/8/layout/venn3"/>
+    <dgm:cxn modelId="{7FF114FF-3F69-49B0-B776-978A559B907E}" type="presOf" srcId="{8D4367E3-2529-46A2-BC03-6C4D59C546CF}" destId="{2F16B66C-A703-43E0-A87B-BDB5F215B3EC}" srcOrd="0" destOrd="0" presId="urn:microsoft.com/office/officeart/2005/8/layout/venn3"/>
+    <dgm:cxn modelId="{AC42AAD4-9116-4208-BFF2-484DD11CB82E}" srcId="{831A9A8B-77DF-458C-89B9-01BFAFC31E59}" destId="{8D4367E3-2529-46A2-BC03-6C4D59C546CF}" srcOrd="1" destOrd="0" parTransId="{C65B8FFD-7749-43A7-8258-1D175F603E75}" sibTransId="{565C72AF-DA91-4EFF-8D72-D3A895FAA89B}"/>
+    <dgm:cxn modelId="{6AF896A6-0BAA-4ABD-BAAB-3FA15BC652A6}" type="presOf" srcId="{831A9A8B-77DF-458C-89B9-01BFAFC31E59}" destId="{094B4B43-B41C-40A1-B00E-AA52CC6575B8}" srcOrd="0" destOrd="0" presId="urn:microsoft.com/office/officeart/2005/8/layout/venn3"/>
+    <dgm:cxn modelId="{31ADECD6-5F27-47CB-BCD0-8F4E585D7057}" type="presOf" srcId="{3A89A78D-EEE5-4464-ADCA-9AE16F74A365}" destId="{A9CDDF6E-DECC-441B-AB37-2DFAEC4BAD99}" srcOrd="0" destOrd="0" presId="urn:microsoft.com/office/officeart/2005/8/layout/venn3"/>
     <dgm:cxn modelId="{F8E55061-8FDB-4783-9BF9-6A540F478B05}" srcId="{831A9A8B-77DF-458C-89B9-01BFAFC31E59}" destId="{E25F5A64-D615-441D-871C-2F98FD45C38A}" srcOrd="0" destOrd="0" parTransId="{B8EE3BAE-AA5D-4B1B-9C07-8397D778A849}" sibTransId="{1963EF57-0EF1-4E2B-AB07-F7B9A2C9E0FB}"/>
-    <dgm:cxn modelId="{67944321-9E16-4B68-82C5-5E5FD940C64E}" type="presOf" srcId="{59EF23FB-0B82-43C1-9B8D-4699E675E0FB}" destId="{3DD52E65-2217-47DF-A607-061BC38D9280}" srcOrd="0" destOrd="0" presId="urn:microsoft.com/office/officeart/2005/8/layout/venn3"/>
+    <dgm:cxn modelId="{90C85B38-1D44-49ED-8A2B-0A933E964438}" srcId="{831A9A8B-77DF-458C-89B9-01BFAFC31E59}" destId="{3A89A78D-EEE5-4464-ADCA-9AE16F74A365}" srcOrd="4" destOrd="0" parTransId="{74F48581-1E01-4A29-BA3D-9E7CE457BE5D}" sibTransId="{F75D59D3-2836-48C5-A1BA-1DE86FCF6BD4}"/>
+    <dgm:cxn modelId="{043F98C3-41AC-4DA4-9386-54A271E4117E}" srcId="{831A9A8B-77DF-458C-89B9-01BFAFC31E59}" destId="{59EF23FB-0B82-43C1-9B8D-4699E675E0FB}" srcOrd="3" destOrd="0" parTransId="{815E8CDB-5D28-42DA-ABE4-32730E73959A}" sibTransId="{832EE177-EFB4-48EF-8E82-41D14DE19A0A}"/>
     <dgm:cxn modelId="{0B6C47A8-1E54-409E-9D64-3A3DBE8B3CD0}" type="presOf" srcId="{903A2478-20BB-4411-84C2-B0FA529AAB60}" destId="{ABFAB522-FA90-4144-98B8-19AD84267685}" srcOrd="0" destOrd="0" presId="urn:microsoft.com/office/officeart/2005/8/layout/venn3"/>
-    <dgm:cxn modelId="{AC42AAD4-9116-4208-BFF2-484DD11CB82E}" srcId="{831A9A8B-77DF-458C-89B9-01BFAFC31E59}" destId="{8D4367E3-2529-46A2-BC03-6C4D59C546CF}" srcOrd="1" destOrd="0" parTransId="{C65B8FFD-7749-43A7-8258-1D175F603E75}" sibTransId="{565C72AF-DA91-4EFF-8D72-D3A895FAA89B}"/>
-    <dgm:cxn modelId="{043F98C3-41AC-4DA4-9386-54A271E4117E}" srcId="{831A9A8B-77DF-458C-89B9-01BFAFC31E59}" destId="{59EF23FB-0B82-43C1-9B8D-4699E675E0FB}" srcOrd="3" destOrd="0" parTransId="{815E8CDB-5D28-42DA-ABE4-32730E73959A}" sibTransId="{832EE177-EFB4-48EF-8E82-41D14DE19A0A}"/>
-    <dgm:cxn modelId="{31ADECD6-5F27-47CB-BCD0-8F4E585D7057}" type="presOf" srcId="{3A89A78D-EEE5-4464-ADCA-9AE16F74A365}" destId="{A9CDDF6E-DECC-441B-AB37-2DFAEC4BAD99}" srcOrd="0" destOrd="0" presId="urn:microsoft.com/office/officeart/2005/8/layout/venn3"/>
-    <dgm:cxn modelId="{7FF114FF-3F69-49B0-B776-978A559B907E}" type="presOf" srcId="{8D4367E3-2529-46A2-BC03-6C4D59C546CF}" destId="{2F16B66C-A703-43E0-A87B-BDB5F215B3EC}" srcOrd="0" destOrd="0" presId="urn:microsoft.com/office/officeart/2005/8/layout/venn3"/>
     <dgm:cxn modelId="{DAC2B495-1E4A-4377-9782-74C5FE6A6270}" srcId="{831A9A8B-77DF-458C-89B9-01BFAFC31E59}" destId="{903A2478-20BB-4411-84C2-B0FA529AAB60}" srcOrd="2" destOrd="0" parTransId="{BA30126A-2109-450B-A7E9-C81E535B66B5}" sibTransId="{02820742-A529-4E00-A6F6-204773384FF8}"/>
-    <dgm:cxn modelId="{6AF896A6-0BAA-4ABD-BAAB-3FA15BC652A6}" type="presOf" srcId="{831A9A8B-77DF-458C-89B9-01BFAFC31E59}" destId="{094B4B43-B41C-40A1-B00E-AA52CC6575B8}" srcOrd="0" destOrd="0" presId="urn:microsoft.com/office/officeart/2005/8/layout/venn3"/>
-    <dgm:cxn modelId="{7218BF9F-B6FA-41D3-8F5F-BA4D784091BA}" type="presOf" srcId="{E25F5A64-D615-441D-871C-2F98FD45C38A}" destId="{636A51F0-6295-4CA8-96A6-0D169E362853}" srcOrd="0" destOrd="0" presId="urn:microsoft.com/office/officeart/2005/8/layout/venn3"/>
-    <dgm:cxn modelId="{90C85B38-1D44-49ED-8A2B-0A933E964438}" srcId="{831A9A8B-77DF-458C-89B9-01BFAFC31E59}" destId="{3A89A78D-EEE5-4464-ADCA-9AE16F74A365}" srcOrd="4" destOrd="0" parTransId="{74F48581-1E01-4A29-BA3D-9E7CE457BE5D}" sibTransId="{F75D59D3-2836-48C5-A1BA-1DE86FCF6BD4}"/>
     <dgm:cxn modelId="{48646377-5B48-4CC9-AF37-9D3EC4045BFC}" type="presParOf" srcId="{094B4B43-B41C-40A1-B00E-AA52CC6575B8}" destId="{636A51F0-6295-4CA8-96A6-0D169E362853}" srcOrd="0" destOrd="0" presId="urn:microsoft.com/office/officeart/2005/8/layout/venn3"/>
     <dgm:cxn modelId="{85421499-732C-44DD-9DF3-85297A0C4015}" type="presParOf" srcId="{094B4B43-B41C-40A1-B00E-AA52CC6575B8}" destId="{B03C5855-C102-4D49-B477-DE1D3ABA0085}" srcOrd="1" destOrd="0" presId="urn:microsoft.com/office/officeart/2005/8/layout/venn3"/>
     <dgm:cxn modelId="{272054C9-3737-4F8C-AF50-B7BCC830A9DC}" type="presParOf" srcId="{094B4B43-B41C-40A1-B00E-AA52CC6575B8}" destId="{2F16B66C-A703-43E0-A87B-BDB5F215B3EC}" srcOrd="2" destOrd="0" presId="urn:microsoft.com/office/officeart/2005/8/layout/venn3"/>
@@ -15854,7 +15833,7 @@
   <dgm:whole/>
   <dgm:extLst>
     <a:ext uri="http://schemas.microsoft.com/office/drawing/2008/diagram">
-      <dsp:dataModelExt xmlns:dsp="http://schemas.microsoft.com/office/drawing/2008/diagram" relId="rId7" minVer="http://schemas.openxmlformats.org/drawingml/2006/diagram"/>
+      <dsp:dataModelExt xmlns:dsp="http://schemas.microsoft.com/office/drawing/2008/diagram" xmlns="" relId="rId7" minVer="http://schemas.openxmlformats.org/drawingml/2006/diagram"/>
     </a:ext>
   </dgm:extLst>
 </dgm:dataModel>
@@ -16050,13 +16029,13 @@
     </dgm:pt>
   </dgm:ptLst>
   <dgm:cxnLst>
-    <dgm:cxn modelId="{F4D1A857-2B77-4A27-B8CC-1EA5B338F057}" type="presOf" srcId="{C65B8FFD-7749-43A7-8258-1D175F603E75}" destId="{515CDF60-CC45-4FBD-BFD0-1A94A474E676}" srcOrd="1" destOrd="0" presId="urn:microsoft.com/office/officeart/2005/8/layout/radial5"/>
+    <dgm:cxn modelId="{AC42AAD4-9116-4208-BFF2-484DD11CB82E}" srcId="{E25F5A64-D615-441D-871C-2F98FD45C38A}" destId="{8D4367E3-2529-46A2-BC03-6C4D59C546CF}" srcOrd="0" destOrd="0" parTransId="{C65B8FFD-7749-43A7-8258-1D175F603E75}" sibTransId="{565C72AF-DA91-4EFF-8D72-D3A895FAA89B}"/>
     <dgm:cxn modelId="{D21AD0A9-0B8D-4617-AA40-103334E006C1}" type="presOf" srcId="{C65B8FFD-7749-43A7-8258-1D175F603E75}" destId="{60818678-16B8-424C-B058-4B37B19986DD}" srcOrd="0" destOrd="0" presId="urn:microsoft.com/office/officeart/2005/8/layout/radial5"/>
     <dgm:cxn modelId="{F8E55061-8FDB-4783-9BF9-6A540F478B05}" srcId="{831A9A8B-77DF-458C-89B9-01BFAFC31E59}" destId="{E25F5A64-D615-441D-871C-2F98FD45C38A}" srcOrd="0" destOrd="0" parTransId="{B8EE3BAE-AA5D-4B1B-9C07-8397D778A849}" sibTransId="{1963EF57-0EF1-4E2B-AB07-F7B9A2C9E0FB}"/>
     <dgm:cxn modelId="{418404D4-664C-4EBF-8506-4F8F8F08062C}" type="presOf" srcId="{E25F5A64-D615-441D-871C-2F98FD45C38A}" destId="{41B33C7F-498B-404D-BCA2-F55E36982E6B}" srcOrd="0" destOrd="0" presId="urn:microsoft.com/office/officeart/2005/8/layout/radial5"/>
-    <dgm:cxn modelId="{AC42AAD4-9116-4208-BFF2-484DD11CB82E}" srcId="{E25F5A64-D615-441D-871C-2F98FD45C38A}" destId="{8D4367E3-2529-46A2-BC03-6C4D59C546CF}" srcOrd="0" destOrd="0" parTransId="{C65B8FFD-7749-43A7-8258-1D175F603E75}" sibTransId="{565C72AF-DA91-4EFF-8D72-D3A895FAA89B}"/>
+    <dgm:cxn modelId="{DCF3FA9B-C2EC-48C9-932E-0B1FC8ED0480}" type="presOf" srcId="{8D4367E3-2529-46A2-BC03-6C4D59C546CF}" destId="{4EAF56E9-1DD7-4CB7-87A1-A24E0435FB05}" srcOrd="0" destOrd="0" presId="urn:microsoft.com/office/officeart/2005/8/layout/radial5"/>
     <dgm:cxn modelId="{7B6548F0-F781-4D84-9CD1-36A0CD94F6C5}" type="presOf" srcId="{831A9A8B-77DF-458C-89B9-01BFAFC31E59}" destId="{E9C5A999-3778-4121-B93D-10AC77B59712}" srcOrd="0" destOrd="0" presId="urn:microsoft.com/office/officeart/2005/8/layout/radial5"/>
-    <dgm:cxn modelId="{DCF3FA9B-C2EC-48C9-932E-0B1FC8ED0480}" type="presOf" srcId="{8D4367E3-2529-46A2-BC03-6C4D59C546CF}" destId="{4EAF56E9-1DD7-4CB7-87A1-A24E0435FB05}" srcOrd="0" destOrd="0" presId="urn:microsoft.com/office/officeart/2005/8/layout/radial5"/>
+    <dgm:cxn modelId="{F4D1A857-2B77-4A27-B8CC-1EA5B338F057}" type="presOf" srcId="{C65B8FFD-7749-43A7-8258-1D175F603E75}" destId="{515CDF60-CC45-4FBD-BFD0-1A94A474E676}" srcOrd="1" destOrd="0" presId="urn:microsoft.com/office/officeart/2005/8/layout/radial5"/>
     <dgm:cxn modelId="{B95AB3E5-4B89-4EB4-BDF6-89AC8587F72E}" type="presParOf" srcId="{E9C5A999-3778-4121-B93D-10AC77B59712}" destId="{41B33C7F-498B-404D-BCA2-F55E36982E6B}" srcOrd="0" destOrd="0" presId="urn:microsoft.com/office/officeart/2005/8/layout/radial5"/>
     <dgm:cxn modelId="{AE20B47C-9640-4760-A9C3-2D94C5021A87}" type="presParOf" srcId="{E9C5A999-3778-4121-B93D-10AC77B59712}" destId="{60818678-16B8-424C-B058-4B37B19986DD}" srcOrd="1" destOrd="0" presId="urn:microsoft.com/office/officeart/2005/8/layout/radial5"/>
     <dgm:cxn modelId="{41B22264-8350-486C-A543-4FB3E75FCFAA}" type="presParOf" srcId="{60818678-16B8-424C-B058-4B37B19986DD}" destId="{515CDF60-CC45-4FBD-BFD0-1A94A474E676}" srcOrd="0" destOrd="0" presId="urn:microsoft.com/office/officeart/2005/8/layout/radial5"/>
@@ -16066,7 +16045,7 @@
   <dgm:whole/>
   <dgm:extLst>
     <a:ext uri="http://schemas.microsoft.com/office/drawing/2008/diagram">
-      <dsp:dataModelExt xmlns:dsp="http://schemas.microsoft.com/office/drawing/2008/diagram" relId="rId7" minVer="http://schemas.openxmlformats.org/drawingml/2006/diagram"/>
+      <dsp:dataModelExt xmlns:dsp="http://schemas.microsoft.com/office/drawing/2008/diagram" xmlns="" relId="rId7" minVer="http://schemas.openxmlformats.org/drawingml/2006/diagram"/>
     </a:ext>
   </dgm:extLst>
 </dgm:dataModel>
@@ -16154,7 +16133,7 @@
   <dgm:whole/>
   <dgm:extLst>
     <a:ext uri="http://schemas.microsoft.com/office/drawing/2008/diagram">
-      <dsp:dataModelExt xmlns:dsp="http://schemas.microsoft.com/office/drawing/2008/diagram" relId="rId7" minVer="http://schemas.openxmlformats.org/drawingml/2006/diagram"/>
+      <dsp:dataModelExt xmlns:dsp="http://schemas.microsoft.com/office/drawing/2008/diagram" xmlns="" relId="rId7" minVer="http://schemas.openxmlformats.org/drawingml/2006/diagram"/>
     </a:ext>
   </dgm:extLst>
 </dgm:dataModel>
@@ -16242,7 +16221,7 @@
   <dgm:whole/>
   <dgm:extLst>
     <a:ext uri="http://schemas.microsoft.com/office/drawing/2008/diagram">
-      <dsp:dataModelExt xmlns:dsp="http://schemas.microsoft.com/office/drawing/2008/diagram" relId="rId12" minVer="http://schemas.openxmlformats.org/drawingml/2006/diagram"/>
+      <dsp:dataModelExt xmlns:dsp="http://schemas.microsoft.com/office/drawing/2008/diagram" xmlns="" relId="rId12" minVer="http://schemas.openxmlformats.org/drawingml/2006/diagram"/>
     </a:ext>
   </dgm:extLst>
 </dgm:dataModel>
@@ -16693,20 +16672,20 @@
   </dgm:ptLst>
   <dgm:cxnLst>
     <dgm:cxn modelId="{459F3571-032A-4495-8ABC-19E5DC1ED144}" type="presOf" srcId="{BE00A5A6-308A-46D5-BD5A-0B323F47F13F}" destId="{A497B385-EBB7-4667-B86A-2C16F7685D0D}" srcOrd="0" destOrd="0" presId="urn:microsoft.com/office/officeart/2005/8/layout/radial4"/>
-    <dgm:cxn modelId="{214E35C2-7D65-478A-8A8F-F36CB2AFBF83}" type="presOf" srcId="{23F37D44-4B1A-4BD6-9E75-C62E7D900C4A}" destId="{3A8DB876-3295-4771-915B-47CA1FB93B42}" srcOrd="0" destOrd="0" presId="urn:microsoft.com/office/officeart/2005/8/layout/radial4"/>
-    <dgm:cxn modelId="{0772E6F0-39BA-44D5-9D2F-3A90A62E3B47}" type="presOf" srcId="{51404F99-6616-492C-86CE-352231288269}" destId="{A8D681BB-369D-4769-9F03-109FF3C39C96}" srcOrd="0" destOrd="0" presId="urn:microsoft.com/office/officeart/2005/8/layout/radial4"/>
-    <dgm:cxn modelId="{419510B4-33AD-4C25-A6EC-430446607831}" srcId="{F24FEC6D-07A1-47A1-96FC-ED8C83255B09}" destId="{51404F99-6616-492C-86CE-352231288269}" srcOrd="1" destOrd="0" parTransId="{0EE9F469-090F-46E1-ABC2-09BD96234DF3}" sibTransId="{C57ABC00-3475-4454-BBE5-AF6787BAF720}"/>
+    <dgm:cxn modelId="{35EFF5AA-4905-4B74-A3FF-BDEB83CE681E}" srcId="{23F37D44-4B1A-4BD6-9E75-C62E7D900C4A}" destId="{F24FEC6D-07A1-47A1-96FC-ED8C83255B09}" srcOrd="0" destOrd="0" parTransId="{23F32D5A-ED1B-41B8-B018-BE70F5E741E4}" sibTransId="{17562F94-EDA6-4FF3-9DFF-B8B5DC62AEB4}"/>
     <dgm:cxn modelId="{D51FCFCF-A099-403C-B6C3-E0443F0D15B2}" srcId="{F24FEC6D-07A1-47A1-96FC-ED8C83255B09}" destId="{6DF56DCD-3DDE-443C-910C-0F7AB24387BB}" srcOrd="2" destOrd="0" parTransId="{A6C49565-F519-4542-BF98-870261B124FA}" sibTransId="{850A4AA8-B279-457C-9C3C-EB8DD0772371}"/>
     <dgm:cxn modelId="{5F869347-E138-4CB8-AB6E-C343C0009BAA}" type="presOf" srcId="{284B9274-2047-4B8C-9936-F9913333047C}" destId="{29AA9764-D645-4913-BA66-1A208AC75DAF}" srcOrd="0" destOrd="0" presId="urn:microsoft.com/office/officeart/2005/8/layout/radial4"/>
+    <dgm:cxn modelId="{5C9438A1-7A30-4550-BB8B-90C0BDEBABC4}" type="presOf" srcId="{A6C49565-F519-4542-BF98-870261B124FA}" destId="{58C112E9-B04B-49F3-8D98-591AEB55C9C0}" srcOrd="0" destOrd="0" presId="urn:microsoft.com/office/officeart/2005/8/layout/radial4"/>
+    <dgm:cxn modelId="{0772E6F0-39BA-44D5-9D2F-3A90A62E3B47}" type="presOf" srcId="{51404F99-6616-492C-86CE-352231288269}" destId="{A8D681BB-369D-4769-9F03-109FF3C39C96}" srcOrd="0" destOrd="0" presId="urn:microsoft.com/office/officeart/2005/8/layout/radial4"/>
+    <dgm:cxn modelId="{9FFFD23D-47B5-47E1-AF28-88DE763D3267}" type="presOf" srcId="{0EE9F469-090F-46E1-ABC2-09BD96234DF3}" destId="{FBE4C170-3664-419C-B0EB-3DCEFB167F5C}" srcOrd="0" destOrd="0" presId="urn:microsoft.com/office/officeart/2005/8/layout/radial4"/>
+    <dgm:cxn modelId="{065FFCAA-41E6-4C85-AFAC-64A9EE77B730}" srcId="{F24FEC6D-07A1-47A1-96FC-ED8C83255B09}" destId="{4959CA43-C147-403A-AEC2-1032C38D1C08}" srcOrd="3" destOrd="0" parTransId="{284B9274-2047-4B8C-9936-F9913333047C}" sibTransId="{25FB47C5-60B0-40C1-819C-1A8643099C4B}"/>
+    <dgm:cxn modelId="{419510B4-33AD-4C25-A6EC-430446607831}" srcId="{F24FEC6D-07A1-47A1-96FC-ED8C83255B09}" destId="{51404F99-6616-492C-86CE-352231288269}" srcOrd="1" destOrd="0" parTransId="{0EE9F469-090F-46E1-ABC2-09BD96234DF3}" sibTransId="{C57ABC00-3475-4454-BBE5-AF6787BAF720}"/>
+    <dgm:cxn modelId="{4536C01F-ACD1-4559-97D8-F47ACB34EB8F}" type="presOf" srcId="{4959CA43-C147-403A-AEC2-1032C38D1C08}" destId="{EE01AE8D-B608-4914-9828-57481EE0CDA9}" srcOrd="0" destOrd="0" presId="urn:microsoft.com/office/officeart/2005/8/layout/radial4"/>
+    <dgm:cxn modelId="{214E35C2-7D65-478A-8A8F-F36CB2AFBF83}" type="presOf" srcId="{23F37D44-4B1A-4BD6-9E75-C62E7D900C4A}" destId="{3A8DB876-3295-4771-915B-47CA1FB93B42}" srcOrd="0" destOrd="0" presId="urn:microsoft.com/office/officeart/2005/8/layout/radial4"/>
+    <dgm:cxn modelId="{936775AD-2066-4278-A39E-F0712EA99F9D}" type="presOf" srcId="{995C6AA6-1A23-44A8-9C25-72A7CCD99CCC}" destId="{AA6BF470-6AC6-4764-A29C-A7248968739D}" srcOrd="0" destOrd="0" presId="urn:microsoft.com/office/officeart/2005/8/layout/radial4"/>
     <dgm:cxn modelId="{5030C186-072A-40D9-8256-6B41F838FC56}" type="presOf" srcId="{6DF56DCD-3DDE-443C-910C-0F7AB24387BB}" destId="{61797ADA-1213-49A1-A716-011E44B4ADD2}" srcOrd="0" destOrd="0" presId="urn:microsoft.com/office/officeart/2005/8/layout/radial4"/>
     <dgm:cxn modelId="{5C462583-14F3-4913-9AA5-1FCEADE8DE20}" srcId="{F24FEC6D-07A1-47A1-96FC-ED8C83255B09}" destId="{995C6AA6-1A23-44A8-9C25-72A7CCD99CCC}" srcOrd="0" destOrd="0" parTransId="{BE00A5A6-308A-46D5-BD5A-0B323F47F13F}" sibTransId="{909F1B93-E6E7-4D43-A528-EC7A9A812643}"/>
-    <dgm:cxn modelId="{9FFFD23D-47B5-47E1-AF28-88DE763D3267}" type="presOf" srcId="{0EE9F469-090F-46E1-ABC2-09BD96234DF3}" destId="{FBE4C170-3664-419C-B0EB-3DCEFB167F5C}" srcOrd="0" destOrd="0" presId="urn:microsoft.com/office/officeart/2005/8/layout/radial4"/>
-    <dgm:cxn modelId="{5C9438A1-7A30-4550-BB8B-90C0BDEBABC4}" type="presOf" srcId="{A6C49565-F519-4542-BF98-870261B124FA}" destId="{58C112E9-B04B-49F3-8D98-591AEB55C9C0}" srcOrd="0" destOrd="0" presId="urn:microsoft.com/office/officeart/2005/8/layout/radial4"/>
-    <dgm:cxn modelId="{936775AD-2066-4278-A39E-F0712EA99F9D}" type="presOf" srcId="{995C6AA6-1A23-44A8-9C25-72A7CCD99CCC}" destId="{AA6BF470-6AC6-4764-A29C-A7248968739D}" srcOrd="0" destOrd="0" presId="urn:microsoft.com/office/officeart/2005/8/layout/radial4"/>
     <dgm:cxn modelId="{2974A611-3558-4F85-A83D-FC56AA8DADF1}" type="presOf" srcId="{F24FEC6D-07A1-47A1-96FC-ED8C83255B09}" destId="{9730531C-F32D-4B76-B15A-D1C4FDB69FD3}" srcOrd="0" destOrd="0" presId="urn:microsoft.com/office/officeart/2005/8/layout/radial4"/>
-    <dgm:cxn modelId="{35EFF5AA-4905-4B74-A3FF-BDEB83CE681E}" srcId="{23F37D44-4B1A-4BD6-9E75-C62E7D900C4A}" destId="{F24FEC6D-07A1-47A1-96FC-ED8C83255B09}" srcOrd="0" destOrd="0" parTransId="{23F32D5A-ED1B-41B8-B018-BE70F5E741E4}" sibTransId="{17562F94-EDA6-4FF3-9DFF-B8B5DC62AEB4}"/>
-    <dgm:cxn modelId="{065FFCAA-41E6-4C85-AFAC-64A9EE77B730}" srcId="{F24FEC6D-07A1-47A1-96FC-ED8C83255B09}" destId="{4959CA43-C147-403A-AEC2-1032C38D1C08}" srcOrd="3" destOrd="0" parTransId="{284B9274-2047-4B8C-9936-F9913333047C}" sibTransId="{25FB47C5-60B0-40C1-819C-1A8643099C4B}"/>
-    <dgm:cxn modelId="{4536C01F-ACD1-4559-97D8-F47ACB34EB8F}" type="presOf" srcId="{4959CA43-C147-403A-AEC2-1032C38D1C08}" destId="{EE01AE8D-B608-4914-9828-57481EE0CDA9}" srcOrd="0" destOrd="0" presId="urn:microsoft.com/office/officeart/2005/8/layout/radial4"/>
     <dgm:cxn modelId="{F4052602-D9C6-4646-B718-F9896D18E6EC}" type="presParOf" srcId="{3A8DB876-3295-4771-915B-47CA1FB93B42}" destId="{9730531C-F32D-4B76-B15A-D1C4FDB69FD3}" srcOrd="0" destOrd="0" presId="urn:microsoft.com/office/officeart/2005/8/layout/radial4"/>
     <dgm:cxn modelId="{F1B8A726-112E-4973-86D9-CAE457C0720A}" type="presParOf" srcId="{3A8DB876-3295-4771-915B-47CA1FB93B42}" destId="{A497B385-EBB7-4667-B86A-2C16F7685D0D}" srcOrd="1" destOrd="0" presId="urn:microsoft.com/office/officeart/2005/8/layout/radial4"/>
     <dgm:cxn modelId="{389008DA-F171-4AFB-A6C9-2DA1903B27BA}" type="presParOf" srcId="{3A8DB876-3295-4771-915B-47CA1FB93B42}" destId="{AA6BF470-6AC6-4764-A29C-A7248968739D}" srcOrd="2" destOrd="0" presId="urn:microsoft.com/office/officeart/2005/8/layout/radial4"/>
@@ -16721,7 +16700,7 @@
   <dgm:whole/>
   <dgm:extLst>
     <a:ext uri="http://schemas.microsoft.com/office/drawing/2008/diagram">
-      <dsp:dataModelExt xmlns:dsp="http://schemas.microsoft.com/office/drawing/2008/diagram" relId="rId7" minVer="http://schemas.openxmlformats.org/drawingml/2006/diagram"/>
+      <dsp:dataModelExt xmlns:dsp="http://schemas.microsoft.com/office/drawing/2008/diagram" xmlns="" relId="rId7" minVer="http://schemas.openxmlformats.org/drawingml/2006/diagram"/>
     </a:ext>
   </dgm:extLst>
 </dgm:dataModel>
@@ -16813,7 +16792,7 @@
   <dgm:whole/>
   <dgm:extLst>
     <a:ext uri="http://schemas.microsoft.com/office/drawing/2008/diagram">
-      <dsp:dataModelExt xmlns:dsp="http://schemas.microsoft.com/office/drawing/2008/diagram" relId="rId7" minVer="http://schemas.openxmlformats.org/drawingml/2006/diagram"/>
+      <dsp:dataModelExt xmlns:dsp="http://schemas.microsoft.com/office/drawing/2008/diagram" xmlns="" relId="rId7" minVer="http://schemas.openxmlformats.org/drawingml/2006/diagram"/>
     </a:ext>
   </dgm:extLst>
 </dgm:dataModel>
@@ -16902,7 +16881,7 @@
   <dgm:whole/>
   <dgm:extLst>
     <a:ext uri="http://schemas.microsoft.com/office/drawing/2008/diagram">
-      <dsp:dataModelExt xmlns:dsp="http://schemas.microsoft.com/office/drawing/2008/diagram" relId="rId12" minVer="http://schemas.openxmlformats.org/drawingml/2006/diagram"/>
+      <dsp:dataModelExt xmlns:dsp="http://schemas.microsoft.com/office/drawing/2008/diagram" xmlns="" relId="rId12" minVer="http://schemas.openxmlformats.org/drawingml/2006/diagram"/>
     </a:ext>
   </dgm:extLst>
 </dgm:dataModel>
@@ -17434,25 +17413,25 @@
     </dgm:pt>
   </dgm:ptLst>
   <dgm:cxnLst>
-    <dgm:cxn modelId="{0D1D0075-53F8-45F9-B671-A4169E370B49}" type="presOf" srcId="{39EB69AF-086C-4F08-9188-08B527843E3B}" destId="{5AC14FB5-BFFF-42E7-80BB-5CB2D5CC2E48}" srcOrd="0" destOrd="0" presId="urn:microsoft.com/office/officeart/2005/8/layout/vList5"/>
-    <dgm:cxn modelId="{A4402CF1-D7F3-4A43-BD41-312AD0923CFA}" srcId="{499B4954-A313-4AF2-9233-36F9EB1F2E28}" destId="{F36B2088-3179-46DA-9456-3BDEB8FCBA63}" srcOrd="1" destOrd="0" parTransId="{32F82BB0-BE5B-4E09-ACC9-FB23E8743A44}" sibTransId="{57109239-AC17-43B5-8360-44E48BD9DD16}"/>
-    <dgm:cxn modelId="{C1B953F0-7653-48EC-94C8-0D1B318B198A}" type="presOf" srcId="{7CF64C3A-3FE2-4C56-819B-D7FC2CA1EAB3}" destId="{03C447E2-9E25-435B-BEEA-50663D1FA8CF}" srcOrd="0" destOrd="1" presId="urn:microsoft.com/office/officeart/2005/8/layout/vList5"/>
-    <dgm:cxn modelId="{43A68E9E-FEF4-4B7C-A618-4CE279261582}" type="presOf" srcId="{F36B2088-3179-46DA-9456-3BDEB8FCBA63}" destId="{9A93DBA7-36F9-4CEB-8555-A1DD1399CFCB}" srcOrd="0" destOrd="1" presId="urn:microsoft.com/office/officeart/2005/8/layout/vList5"/>
+    <dgm:cxn modelId="{B875B1BF-59F6-4244-9B23-FC3A17DFB386}" type="presOf" srcId="{450BB2FB-E6F5-4FB7-932E-985994FE6A80}" destId="{0670FEEE-F7AF-4AED-9012-363BC48189C2}" srcOrd="0" destOrd="0" presId="urn:microsoft.com/office/officeart/2005/8/layout/vList5"/>
+    <dgm:cxn modelId="{BB96A486-082C-4407-BF4C-3CA7813E7BDB}" srcId="{62DA3143-94B0-43B7-8D3D-119FB3F6FCFE}" destId="{C2FF67EB-9BDC-4D79-8339-437566B9C203}" srcOrd="0" destOrd="0" parTransId="{8F9D5CA3-DA3C-4DF9-948F-169FAFE64900}" sibTransId="{B6CB8224-F543-4C81-99B0-B2785612EC6B}"/>
+    <dgm:cxn modelId="{9B480DC6-37BB-4A56-BFFD-379E0DC4E0D1}" srcId="{BF89F98F-0A80-4F30-9DE4-C088946202B7}" destId="{39EB69AF-086C-4F08-9188-08B527843E3B}" srcOrd="1" destOrd="0" parTransId="{43FF8FF7-5F46-4F86-BFF0-CC138300F95E}" sibTransId="{D834F24A-157C-40CD-9171-3F3F6C20FE73}"/>
+    <dgm:cxn modelId="{3E57156B-4DA3-450E-A431-5FED2E1A6BC2}" srcId="{499B4954-A313-4AF2-9233-36F9EB1F2E28}" destId="{A73BAFCD-EF25-4935-A06A-B26ED8C4C3A5}" srcOrd="0" destOrd="0" parTransId="{4E817A58-C00D-4830-B074-030858C97C7C}" sibTransId="{B7E5E64E-D150-42A3-8200-8FEBEBE6A584}"/>
     <dgm:cxn modelId="{AF01E660-EC81-4AC5-A300-547F7BB042FA}" srcId="{62DA3143-94B0-43B7-8D3D-119FB3F6FCFE}" destId="{7CF64C3A-3FE2-4C56-819B-D7FC2CA1EAB3}" srcOrd="1" destOrd="0" parTransId="{BF6308D9-F409-4908-BAE3-89D3AD1FDC01}" sibTransId="{92686665-9936-432B-BA9C-C2EB8482E27D}"/>
-    <dgm:cxn modelId="{3E57156B-4DA3-450E-A431-5FED2E1A6BC2}" srcId="{499B4954-A313-4AF2-9233-36F9EB1F2E28}" destId="{A73BAFCD-EF25-4935-A06A-B26ED8C4C3A5}" srcOrd="0" destOrd="0" parTransId="{4E817A58-C00D-4830-B074-030858C97C7C}" sibTransId="{B7E5E64E-D150-42A3-8200-8FEBEBE6A584}"/>
-    <dgm:cxn modelId="{A09BDB71-147E-4D1B-BF4E-14A817314A81}" type="presOf" srcId="{A73BAFCD-EF25-4935-A06A-B26ED8C4C3A5}" destId="{9A93DBA7-36F9-4CEB-8555-A1DD1399CFCB}" srcOrd="0" destOrd="0" presId="urn:microsoft.com/office/officeart/2005/8/layout/vList5"/>
+    <dgm:cxn modelId="{4BA3B278-F188-4FBC-9961-F1FBAE94836D}" srcId="{39EB69AF-086C-4F08-9188-08B527843E3B}" destId="{450BB2FB-E6F5-4FB7-932E-985994FE6A80}" srcOrd="0" destOrd="0" parTransId="{9A8D3FB4-1BED-4DED-A73B-C395FE3D44B0}" sibTransId="{913C64AA-B237-46F8-B125-7E6DEB138BC7}"/>
+    <dgm:cxn modelId="{AA5E6032-CDB8-47D6-B1C9-4DAA057EE901}" type="presOf" srcId="{291E5144-73A5-486F-9193-5D319AF3BE45}" destId="{0670FEEE-F7AF-4AED-9012-363BC48189C2}" srcOrd="0" destOrd="1" presId="urn:microsoft.com/office/officeart/2005/8/layout/vList5"/>
     <dgm:cxn modelId="{7F09B8A0-1B3F-4320-A35C-4763F7777D9F}" type="presOf" srcId="{BF89F98F-0A80-4F30-9DE4-C088946202B7}" destId="{95ABC759-3090-4CC9-B73B-90342CFBB381}" srcOrd="0" destOrd="0" presId="urn:microsoft.com/office/officeart/2005/8/layout/vList5"/>
     <dgm:cxn modelId="{E6E328FF-B29E-493B-9719-B08EAABF1866}" srcId="{BF89F98F-0A80-4F30-9DE4-C088946202B7}" destId="{62DA3143-94B0-43B7-8D3D-119FB3F6FCFE}" srcOrd="2" destOrd="0" parTransId="{85CB1296-35BF-4F3F-AA1E-7EE99638C09B}" sibTransId="{5B038825-474C-4FB7-8A4A-91B28F1180EA}"/>
+    <dgm:cxn modelId="{2B52F338-087D-49EA-AB44-B5011E4C0870}" type="presOf" srcId="{499B4954-A313-4AF2-9233-36F9EB1F2E28}" destId="{02488AD4-9946-4F35-8BA6-8E72F9CDB87E}" srcOrd="0" destOrd="0" presId="urn:microsoft.com/office/officeart/2005/8/layout/vList5"/>
+    <dgm:cxn modelId="{43A68E9E-FEF4-4B7C-A618-4CE279261582}" type="presOf" srcId="{F36B2088-3179-46DA-9456-3BDEB8FCBA63}" destId="{9A93DBA7-36F9-4CEB-8555-A1DD1399CFCB}" srcOrd="0" destOrd="1" presId="urn:microsoft.com/office/officeart/2005/8/layout/vList5"/>
     <dgm:cxn modelId="{1E2AC893-2C52-4BC4-9D99-436745CEBA38}" srcId="{39EB69AF-086C-4F08-9188-08B527843E3B}" destId="{291E5144-73A5-486F-9193-5D319AF3BE45}" srcOrd="1" destOrd="0" parTransId="{7FF10263-9F84-4265-A544-45D5CD0870B9}" sibTransId="{32686A01-99A6-4708-99AA-0C32E7270378}"/>
+    <dgm:cxn modelId="{0BB31A5F-32E8-4965-9E6E-73264F069462}" type="presOf" srcId="{C2FF67EB-9BDC-4D79-8339-437566B9C203}" destId="{03C447E2-9E25-435B-BEEA-50663D1FA8CF}" srcOrd="0" destOrd="0" presId="urn:microsoft.com/office/officeart/2005/8/layout/vList5"/>
+    <dgm:cxn modelId="{5F68BE17-2F2A-43D3-8DD8-E3656EA30E1B}" type="presOf" srcId="{62DA3143-94B0-43B7-8D3D-119FB3F6FCFE}" destId="{C386F76F-043F-4D44-83DB-ACD58E698EB6}" srcOrd="0" destOrd="0" presId="urn:microsoft.com/office/officeart/2005/8/layout/vList5"/>
+    <dgm:cxn modelId="{C1B953F0-7653-48EC-94C8-0D1B318B198A}" type="presOf" srcId="{7CF64C3A-3FE2-4C56-819B-D7FC2CA1EAB3}" destId="{03C447E2-9E25-435B-BEEA-50663D1FA8CF}" srcOrd="0" destOrd="1" presId="urn:microsoft.com/office/officeart/2005/8/layout/vList5"/>
+    <dgm:cxn modelId="{0D1D0075-53F8-45F9-B671-A4169E370B49}" type="presOf" srcId="{39EB69AF-086C-4F08-9188-08B527843E3B}" destId="{5AC14FB5-BFFF-42E7-80BB-5CB2D5CC2E48}" srcOrd="0" destOrd="0" presId="urn:microsoft.com/office/officeart/2005/8/layout/vList5"/>
+    <dgm:cxn modelId="{A09BDB71-147E-4D1B-BF4E-14A817314A81}" type="presOf" srcId="{A73BAFCD-EF25-4935-A06A-B26ED8C4C3A5}" destId="{9A93DBA7-36F9-4CEB-8555-A1DD1399CFCB}" srcOrd="0" destOrd="0" presId="urn:microsoft.com/office/officeart/2005/8/layout/vList5"/>
+    <dgm:cxn modelId="{A4402CF1-D7F3-4A43-BD41-312AD0923CFA}" srcId="{499B4954-A313-4AF2-9233-36F9EB1F2E28}" destId="{F36B2088-3179-46DA-9456-3BDEB8FCBA63}" srcOrd="1" destOrd="0" parTransId="{32F82BB0-BE5B-4E09-ACC9-FB23E8743A44}" sibTransId="{57109239-AC17-43B5-8360-44E48BD9DD16}"/>
     <dgm:cxn modelId="{2FA3F369-955D-4B9F-B0F2-848BC95AF75F}" srcId="{BF89F98F-0A80-4F30-9DE4-C088946202B7}" destId="{499B4954-A313-4AF2-9233-36F9EB1F2E28}" srcOrd="0" destOrd="0" parTransId="{DBDA9EB4-E982-4C10-84B4-B5FDDF30F578}" sibTransId="{49D9A7F3-71DA-4580-817C-B1B1275AF8E6}"/>
-    <dgm:cxn modelId="{0BB31A5F-32E8-4965-9E6E-73264F069462}" type="presOf" srcId="{C2FF67EB-9BDC-4D79-8339-437566B9C203}" destId="{03C447E2-9E25-435B-BEEA-50663D1FA8CF}" srcOrd="0" destOrd="0" presId="urn:microsoft.com/office/officeart/2005/8/layout/vList5"/>
-    <dgm:cxn modelId="{2B52F338-087D-49EA-AB44-B5011E4C0870}" type="presOf" srcId="{499B4954-A313-4AF2-9233-36F9EB1F2E28}" destId="{02488AD4-9946-4F35-8BA6-8E72F9CDB87E}" srcOrd="0" destOrd="0" presId="urn:microsoft.com/office/officeart/2005/8/layout/vList5"/>
-    <dgm:cxn modelId="{BB96A486-082C-4407-BF4C-3CA7813E7BDB}" srcId="{62DA3143-94B0-43B7-8D3D-119FB3F6FCFE}" destId="{C2FF67EB-9BDC-4D79-8339-437566B9C203}" srcOrd="0" destOrd="0" parTransId="{8F9D5CA3-DA3C-4DF9-948F-169FAFE64900}" sibTransId="{B6CB8224-F543-4C81-99B0-B2785612EC6B}"/>
-    <dgm:cxn modelId="{5F68BE17-2F2A-43D3-8DD8-E3656EA30E1B}" type="presOf" srcId="{62DA3143-94B0-43B7-8D3D-119FB3F6FCFE}" destId="{C386F76F-043F-4D44-83DB-ACD58E698EB6}" srcOrd="0" destOrd="0" presId="urn:microsoft.com/office/officeart/2005/8/layout/vList5"/>
-    <dgm:cxn modelId="{4BA3B278-F188-4FBC-9961-F1FBAE94836D}" srcId="{39EB69AF-086C-4F08-9188-08B527843E3B}" destId="{450BB2FB-E6F5-4FB7-932E-985994FE6A80}" srcOrd="0" destOrd="0" parTransId="{9A8D3FB4-1BED-4DED-A73B-C395FE3D44B0}" sibTransId="{913C64AA-B237-46F8-B125-7E6DEB138BC7}"/>
-    <dgm:cxn modelId="{AA5E6032-CDB8-47D6-B1C9-4DAA057EE901}" type="presOf" srcId="{291E5144-73A5-486F-9193-5D319AF3BE45}" destId="{0670FEEE-F7AF-4AED-9012-363BC48189C2}" srcOrd="0" destOrd="1" presId="urn:microsoft.com/office/officeart/2005/8/layout/vList5"/>
-    <dgm:cxn modelId="{9B480DC6-37BB-4A56-BFFD-379E0DC4E0D1}" srcId="{BF89F98F-0A80-4F30-9DE4-C088946202B7}" destId="{39EB69AF-086C-4F08-9188-08B527843E3B}" srcOrd="1" destOrd="0" parTransId="{43FF8FF7-5F46-4F86-BFF0-CC138300F95E}" sibTransId="{D834F24A-157C-40CD-9171-3F3F6C20FE73}"/>
-    <dgm:cxn modelId="{B875B1BF-59F6-4244-9B23-FC3A17DFB386}" type="presOf" srcId="{450BB2FB-E6F5-4FB7-932E-985994FE6A80}" destId="{0670FEEE-F7AF-4AED-9012-363BC48189C2}" srcOrd="0" destOrd="0" presId="urn:microsoft.com/office/officeart/2005/8/layout/vList5"/>
     <dgm:cxn modelId="{CA10E1BA-F32D-41E6-9AE2-5DEBBA27AED6}" type="presParOf" srcId="{95ABC759-3090-4CC9-B73B-90342CFBB381}" destId="{5B413501-42AE-40DD-BC1B-BCC50F73FD3C}" srcOrd="0" destOrd="0" presId="urn:microsoft.com/office/officeart/2005/8/layout/vList5"/>
     <dgm:cxn modelId="{55F5D8F8-1ACE-4179-977F-8D6D46DC83E9}" type="presParOf" srcId="{5B413501-42AE-40DD-BC1B-BCC50F73FD3C}" destId="{02488AD4-9946-4F35-8BA6-8E72F9CDB87E}" srcOrd="0" destOrd="0" presId="urn:microsoft.com/office/officeart/2005/8/layout/vList5"/>
     <dgm:cxn modelId="{7B107423-196D-4A8F-ABE6-3ED0893D2192}" type="presParOf" srcId="{5B413501-42AE-40DD-BC1B-BCC50F73FD3C}" destId="{9A93DBA7-36F9-4CEB-8555-A1DD1399CFCB}" srcOrd="1" destOrd="0" presId="urn:microsoft.com/office/officeart/2005/8/layout/vList5"/>
@@ -17481,7 +17460,7 @@
   </dgm:whole>
   <dgm:extLst>
     <a:ext uri="http://schemas.microsoft.com/office/drawing/2008/diagram">
-      <dsp:dataModelExt xmlns:dsp="http://schemas.microsoft.com/office/drawing/2008/diagram" relId="rId17" minVer="http://schemas.openxmlformats.org/drawingml/2006/diagram"/>
+      <dsp:dataModelExt xmlns:dsp="http://schemas.microsoft.com/office/drawing/2008/diagram" xmlns="" relId="rId17" minVer="http://schemas.openxmlformats.org/drawingml/2006/diagram"/>
     </a:ext>
   </dgm:extLst>
 </dgm:dataModel>
@@ -17573,7 +17552,7 @@
   <dgm:whole/>
   <dgm:extLst>
     <a:ext uri="http://schemas.microsoft.com/office/drawing/2008/diagram">
-      <dsp:dataModelExt xmlns:dsp="http://schemas.microsoft.com/office/drawing/2008/diagram" relId="rId7" minVer="http://schemas.openxmlformats.org/drawingml/2006/diagram"/>
+      <dsp:dataModelExt xmlns:dsp="http://schemas.microsoft.com/office/drawing/2008/diagram" xmlns="" relId="rId7" minVer="http://schemas.openxmlformats.org/drawingml/2006/diagram"/>
     </a:ext>
   </dgm:extLst>
 </dgm:dataModel>
@@ -17662,14 +17641,14 @@
   <dgm:whole/>
   <dgm:extLst>
     <a:ext uri="http://schemas.microsoft.com/office/drawing/2008/diagram">
-      <dsp:dataModelExt xmlns:dsp="http://schemas.microsoft.com/office/drawing/2008/diagram" relId="rId12" minVer="http://schemas.openxmlformats.org/drawingml/2006/diagram"/>
+      <dsp:dataModelExt xmlns:dsp="http://schemas.microsoft.com/office/drawing/2008/diagram" xmlns="" relId="rId12" minVer="http://schemas.openxmlformats.org/drawingml/2006/diagram"/>
     </a:ext>
   </dgm:extLst>
 </dgm:dataModel>
 </file>
 
 <file path=ppt/diagrams/drawing1.xml><?xml version="1.0" encoding="utf-8"?>
-<dsp:drawing xmlns:dgm="http://schemas.openxmlformats.org/drawingml/2006/diagram" xmlns:dsp="http://schemas.microsoft.com/office/drawing/2008/diagram" xmlns:a="http://schemas.openxmlformats.org/drawingml/2006/main">
+<dsp:drawing xmlns:dgm="http://schemas.openxmlformats.org/drawingml/2006/diagram" xmlns:a="http://schemas.openxmlformats.org/drawingml/2006/main" xmlns:dsp="http://schemas.microsoft.com/office/drawing/2008/diagram">
   <dsp:spTree>
     <dsp:nvGrpSpPr>
       <dsp:cNvPr id="0" name=""/>
@@ -17754,8 +17733,8 @@
         </a:p>
       </dsp:txBody>
       <dsp:txXfrm>
-        <a:off x="37291" y="799293"/>
-        <a:ext cx="2047266" cy="1198529"/>
+        <a:off x="3" y="762005"/>
+        <a:ext cx="2121842" cy="1273105"/>
       </dsp:txXfrm>
     </dsp:sp>
     <dsp:sp modelId="{35D29E25-0966-45A5-9F99-621D4207AB84}">
@@ -17820,8 +17799,8 @@
         </a:p>
       </dsp:txBody>
       <dsp:txXfrm>
-        <a:off x="2334333" y="1240693"/>
-        <a:ext cx="315331" cy="315730"/>
+        <a:off x="2334333" y="1135450"/>
+        <a:ext cx="450473" cy="526216"/>
       </dsp:txXfrm>
     </dsp:sp>
     <dsp:sp modelId="{61581FCC-C561-4977-A4CD-6B5760308E1F}">
@@ -17902,8 +17881,8 @@
         </a:p>
       </dsp:txBody>
       <dsp:txXfrm>
-        <a:off x="3009084" y="799293"/>
-        <a:ext cx="2047266" cy="1198529"/>
+        <a:off x="2971796" y="762005"/>
+        <a:ext cx="2121842" cy="1273105"/>
       </dsp:txXfrm>
     </dsp:sp>
     <dsp:sp modelId="{FA5582EA-7F1C-48E6-B9B3-C29909A9D6C2}">
@@ -17968,8 +17947,8 @@
         </a:p>
       </dsp:txBody>
       <dsp:txXfrm>
-        <a:off x="5306129" y="1240693"/>
-        <a:ext cx="315335" cy="315730"/>
+        <a:off x="5306129" y="1135450"/>
+        <a:ext cx="450478" cy="526216"/>
       </dsp:txXfrm>
     </dsp:sp>
     <dsp:sp modelId="{C7D4D5CC-7CFD-45A4-A599-1B0437CCE134}">
@@ -18050,8 +18029,8 @@
         </a:p>
       </dsp:txBody>
       <dsp:txXfrm>
-        <a:off x="5980886" y="799293"/>
-        <a:ext cx="2047266" cy="1198529"/>
+        <a:off x="5943598" y="762005"/>
+        <a:ext cx="2121842" cy="1273105"/>
       </dsp:txXfrm>
     </dsp:sp>
   </dsp:spTree>
@@ -18059,7 +18038,7 @@
 </file>
 
 <file path=ppt/diagrams/drawing10.xml><?xml version="1.0" encoding="utf-8"?>
-<dsp:drawing xmlns:dgm="http://schemas.openxmlformats.org/drawingml/2006/diagram" xmlns:dsp="http://schemas.microsoft.com/office/drawing/2008/diagram" xmlns:a="http://schemas.openxmlformats.org/drawingml/2006/main">
+<dsp:drawing xmlns:dgm="http://schemas.openxmlformats.org/drawingml/2006/diagram" xmlns:a="http://schemas.openxmlformats.org/drawingml/2006/main" xmlns:dsp="http://schemas.microsoft.com/office/drawing/2008/diagram">
   <dsp:spTree>
     <dsp:nvGrpSpPr>
       <dsp:cNvPr id="0" name=""/>
@@ -18185,9 +18164,9 @@
           </a:endParaRPr>
         </a:p>
       </dsp:txBody>
-      <dsp:txXfrm rot="-5400000">
-        <a:off x="905241" y="97275"/>
-        <a:ext cx="1599290" cy="185360"/>
+      <dsp:txXfrm rot="5400000">
+        <a:off x="1607192" y="-614704"/>
+        <a:ext cx="205416" cy="1609318"/>
       </dsp:txXfrm>
     </dsp:sp>
     <dsp:sp modelId="{02488AD4-9946-4F35-8BA6-8E72F9CDB87E}">
@@ -18296,14 +18275,7 @@
               <a:latin typeface="Times New Roman" pitchFamily="18" charset="0"/>
               <a:cs typeface="Times New Roman" pitchFamily="18" charset="0"/>
             </a:rPr>
-            <a:t>CYCLE </a:t>
-          </a:r>
-          <a:r>
-            <a:rPr lang="en-IN" sz="1400" kern="1200" baseline="0" dirty="0" smtClean="0">
-              <a:latin typeface="Times New Roman" pitchFamily="18" charset="0"/>
-              <a:cs typeface="Times New Roman" pitchFamily="18" charset="0"/>
-            </a:rPr>
-            <a:t>1</a:t>
+            <a:t>CYCLE 1</a:t>
           </a:r>
           <a:endParaRPr lang="en-IN" sz="1400" kern="1200" baseline="0" dirty="0">
             <a:latin typeface="Times New Roman" pitchFamily="18" charset="0"/>
@@ -18312,8 +18284,8 @@
         </a:p>
       </dsp:txBody>
       <dsp:txXfrm>
-        <a:off x="18350" y="20353"/>
-        <a:ext cx="868541" cy="339203"/>
+        <a:off x="0" y="2003"/>
+        <a:ext cx="905241" cy="375903"/>
       </dsp:txXfrm>
     </dsp:sp>
     <dsp:sp modelId="{0670FEEE-F7AF-4AED-9012-363BC48189C2}">
@@ -18632,9 +18604,9 @@
           </a:endParaRPr>
         </a:p>
       </dsp:txBody>
-      <dsp:txXfrm rot="-5400000">
-        <a:off x="905241" y="998635"/>
-        <a:ext cx="1530758" cy="2734444"/>
+      <dsp:txXfrm rot="5400000">
+        <a:off x="264118" y="1561198"/>
+        <a:ext cx="2891564" cy="1609318"/>
       </dsp:txXfrm>
     </dsp:sp>
     <dsp:sp modelId="{5AC14FB5-BFFF-42E7-80BB-5CB2D5CC2E48}">
@@ -18743,14 +18715,7 @@
               <a:latin typeface="Times New Roman" pitchFamily="18" charset="0"/>
               <a:cs typeface="Times New Roman" pitchFamily="18" charset="0"/>
             </a:rPr>
-            <a:t>CYCLE </a:t>
-          </a:r>
-          <a:r>
-            <a:rPr lang="en-IN" sz="1400" kern="1200" baseline="0" dirty="0" smtClean="0">
-              <a:latin typeface="Times New Roman" pitchFamily="18" charset="0"/>
-              <a:cs typeface="Times New Roman" pitchFamily="18" charset="0"/>
-            </a:rPr>
-            <a:t>x</a:t>
+            <a:t>CYCLE x</a:t>
           </a:r>
           <a:endParaRPr lang="en-IN" sz="1400" kern="1200" baseline="0" dirty="0">
             <a:latin typeface="Times New Roman" pitchFamily="18" charset="0"/>
@@ -18759,8 +18724,8 @@
         </a:p>
       </dsp:txBody>
       <dsp:txXfrm>
-        <a:off x="44190" y="602819"/>
-        <a:ext cx="816861" cy="3526075"/>
+        <a:off x="0" y="558629"/>
+        <a:ext cx="905241" cy="3614455"/>
       </dsp:txXfrm>
     </dsp:sp>
     <dsp:sp modelId="{03C447E2-9E25-435B-BEEA-50663D1FA8CF}">
@@ -18882,9 +18847,9 @@
           </a:endParaRPr>
         </a:p>
       </dsp:txBody>
-      <dsp:txXfrm rot="-5400000">
-        <a:off x="905241" y="4457987"/>
-        <a:ext cx="1601164" cy="150737"/>
+      <dsp:txXfrm rot="5400000">
+        <a:off x="1626377" y="3728697"/>
+        <a:ext cx="167045" cy="1609318"/>
       </dsp:txXfrm>
     </dsp:sp>
     <dsp:sp modelId="{C386F76F-043F-4D44-83DB-ACD58E698EB6}">
@@ -18993,14 +18958,7 @@
               <a:latin typeface="Times New Roman" pitchFamily="18" charset="0"/>
               <a:cs typeface="Times New Roman" pitchFamily="18" charset="0"/>
             </a:rPr>
-            <a:t>CYCLE </a:t>
-          </a:r>
-          <a:r>
-            <a:rPr lang="en-IN" sz="1400" kern="1200" baseline="0" dirty="0" smtClean="0">
-              <a:latin typeface="Times New Roman" pitchFamily="18" charset="0"/>
-              <a:cs typeface="Times New Roman" pitchFamily="18" charset="0"/>
-            </a:rPr>
-            <a:t>n</a:t>
+            <a:t>CYCLE n</a:t>
           </a:r>
           <a:endParaRPr lang="en-IN" sz="1400" kern="1200" baseline="0" dirty="0">
             <a:latin typeface="Times New Roman" pitchFamily="18" charset="0"/>
@@ -19009,8 +18967,8 @@
         </a:p>
       </dsp:txBody>
       <dsp:txXfrm>
-        <a:off x="17530" y="4371338"/>
-        <a:ext cx="870181" cy="324036"/>
+        <a:off x="0" y="4353808"/>
+        <a:ext cx="905241" cy="359096"/>
       </dsp:txXfrm>
     </dsp:sp>
   </dsp:spTree>
@@ -19018,7 +18976,7 @@
 </file>
 
 <file path=ppt/diagrams/drawing11.xml><?xml version="1.0" encoding="utf-8"?>
-<dsp:drawing xmlns:dgm="http://schemas.openxmlformats.org/drawingml/2006/diagram" xmlns:dsp="http://schemas.microsoft.com/office/drawing/2008/diagram" xmlns:a="http://schemas.openxmlformats.org/drawingml/2006/main">
+<dsp:drawing xmlns:dgm="http://schemas.openxmlformats.org/drawingml/2006/diagram" xmlns:a="http://schemas.openxmlformats.org/drawingml/2006/main" xmlns:dsp="http://schemas.microsoft.com/office/drawing/2008/diagram">
   <dsp:spTree>
     <dsp:nvGrpSpPr>
       <dsp:cNvPr id="0" name=""/>
@@ -19112,8 +19070,8 @@
         </a:p>
       </dsp:txBody>
       <dsp:txXfrm>
-        <a:off x="37878" y="415181"/>
-        <a:ext cx="2025624" cy="1185859"/>
+        <a:off x="984" y="378287"/>
+        <a:ext cx="2099412" cy="1259647"/>
       </dsp:txXfrm>
     </dsp:sp>
     <dsp:sp modelId="{F3B92CFB-CCCE-4BC2-81C0-C168EE61C560}">
@@ -19177,8 +19135,8 @@
         </a:p>
       </dsp:txBody>
       <dsp:txXfrm>
-        <a:off x="2310338" y="851915"/>
-        <a:ext cx="311553" cy="312392"/>
+        <a:off x="2310338" y="747784"/>
+        <a:ext cx="445075" cy="520654"/>
       </dsp:txXfrm>
     </dsp:sp>
     <dsp:sp modelId="{CA81988A-48EA-4A63-BACE-B8FFA50DCF2A}">
@@ -19268,8 +19226,8 @@
         </a:p>
       </dsp:txBody>
       <dsp:txXfrm>
-        <a:off x="2977056" y="415181"/>
-        <a:ext cx="2025624" cy="1185859"/>
+        <a:off x="2940162" y="378287"/>
+        <a:ext cx="2099412" cy="1259647"/>
       </dsp:txXfrm>
     </dsp:sp>
   </dsp:spTree>
@@ -19277,7 +19235,7 @@
 </file>
 
 <file path=ppt/diagrams/drawing12.xml><?xml version="1.0" encoding="utf-8"?>
-<dsp:drawing xmlns:dgm="http://schemas.openxmlformats.org/drawingml/2006/diagram" xmlns:dsp="http://schemas.microsoft.com/office/drawing/2008/diagram" xmlns:a="http://schemas.openxmlformats.org/drawingml/2006/main">
+<dsp:drawing xmlns:dgm="http://schemas.openxmlformats.org/drawingml/2006/diagram" xmlns:a="http://schemas.openxmlformats.org/drawingml/2006/main" xmlns:dsp="http://schemas.microsoft.com/office/drawing/2008/diagram">
   <dsp:spTree>
     <dsp:nvGrpSpPr>
       <dsp:cNvPr id="0" name=""/>
@@ -19371,8 +19329,8 @@
         </a:p>
       </dsp:txBody>
       <dsp:txXfrm>
-        <a:off x="37878" y="415181"/>
-        <a:ext cx="2025624" cy="1185859"/>
+        <a:off x="984" y="378287"/>
+        <a:ext cx="2099412" cy="1259647"/>
       </dsp:txXfrm>
     </dsp:sp>
     <dsp:sp modelId="{F3B92CFB-CCCE-4BC2-81C0-C168EE61C560}">
@@ -19436,8 +19394,8 @@
         </a:p>
       </dsp:txBody>
       <dsp:txXfrm>
-        <a:off x="2310338" y="851915"/>
-        <a:ext cx="311553" cy="312392"/>
+        <a:off x="2310338" y="747784"/>
+        <a:ext cx="445075" cy="520654"/>
       </dsp:txXfrm>
     </dsp:sp>
     <dsp:sp modelId="{CA81988A-48EA-4A63-BACE-B8FFA50DCF2A}">
@@ -19527,8 +19485,8 @@
         </a:p>
       </dsp:txBody>
       <dsp:txXfrm>
-        <a:off x="2977056" y="415181"/>
-        <a:ext cx="2025624" cy="1185859"/>
+        <a:off x="2940162" y="378287"/>
+        <a:ext cx="2099412" cy="1259647"/>
       </dsp:txXfrm>
     </dsp:sp>
   </dsp:spTree>
@@ -19536,7 +19494,7 @@
 </file>
 
 <file path=ppt/diagrams/drawing13.xml><?xml version="1.0" encoding="utf-8"?>
-<dsp:drawing xmlns:dgm="http://schemas.openxmlformats.org/drawingml/2006/diagram" xmlns:dsp="http://schemas.microsoft.com/office/drawing/2008/diagram" xmlns:a="http://schemas.openxmlformats.org/drawingml/2006/main">
+<dsp:drawing xmlns:dgm="http://schemas.openxmlformats.org/drawingml/2006/diagram" xmlns:a="http://schemas.openxmlformats.org/drawingml/2006/main" xmlns:dsp="http://schemas.microsoft.com/office/drawing/2008/diagram">
   <dsp:spTree>
     <dsp:nvGrpSpPr>
       <dsp:cNvPr id="0" name=""/>
@@ -19630,8 +19588,8 @@
         </a:p>
       </dsp:txBody>
       <dsp:txXfrm>
-        <a:off x="45225" y="411840"/>
-        <a:ext cx="2085893" cy="1221142"/>
+        <a:off x="7233" y="373848"/>
+        <a:ext cx="2161877" cy="1297126"/>
       </dsp:txXfrm>
     </dsp:sp>
     <dsp:sp modelId="{ACDD777E-616D-4627-B044-7217812A7475}">
@@ -19695,8 +19653,8 @@
         </a:p>
       </dsp:txBody>
       <dsp:txXfrm>
-        <a:off x="2385298" y="861567"/>
-        <a:ext cx="320822" cy="321687"/>
+        <a:off x="2385298" y="754338"/>
+        <a:ext cx="458317" cy="536145"/>
       </dsp:txXfrm>
     </dsp:sp>
     <dsp:sp modelId="{356D6E8B-A560-45F2-9615-2AB1D1D8DD49}">
@@ -19786,8 +19744,8 @@
         </a:p>
       </dsp:txBody>
       <dsp:txXfrm>
-        <a:off x="3071853" y="411840"/>
-        <a:ext cx="2085893" cy="1221142"/>
+        <a:off x="3033861" y="373848"/>
+        <a:ext cx="2161877" cy="1297126"/>
       </dsp:txXfrm>
     </dsp:sp>
     <dsp:sp modelId="{44E1CC85-F952-463A-B4F5-84933423D36B}">
@@ -19851,8 +19809,8 @@
         </a:p>
       </dsp:txBody>
       <dsp:txXfrm>
-        <a:off x="5411926" y="861567"/>
-        <a:ext cx="320822" cy="321687"/>
+        <a:off x="5411926" y="754338"/>
+        <a:ext cx="458317" cy="536145"/>
       </dsp:txXfrm>
     </dsp:sp>
     <dsp:sp modelId="{8C681921-4B5F-47D7-969B-DA400ECA5000}">
@@ -19942,8 +19900,8 @@
         </a:p>
       </dsp:txBody>
       <dsp:txXfrm>
-        <a:off x="6098481" y="411840"/>
-        <a:ext cx="2085893" cy="1221142"/>
+        <a:off x="6060489" y="373848"/>
+        <a:ext cx="2161877" cy="1297126"/>
       </dsp:txXfrm>
     </dsp:sp>
   </dsp:spTree>
@@ -19951,7 +19909,7 @@
 </file>
 
 <file path=ppt/diagrams/drawing14.xml><?xml version="1.0" encoding="utf-8"?>
-<dsp:drawing xmlns:dgm="http://schemas.openxmlformats.org/drawingml/2006/diagram" xmlns:dsp="http://schemas.microsoft.com/office/drawing/2008/diagram" xmlns:a="http://schemas.openxmlformats.org/drawingml/2006/main">
+<dsp:drawing xmlns:dgm="http://schemas.openxmlformats.org/drawingml/2006/diagram" xmlns:a="http://schemas.openxmlformats.org/drawingml/2006/main" xmlns:dsp="http://schemas.microsoft.com/office/drawing/2008/diagram">
   <dsp:spTree>
     <dsp:nvGrpSpPr>
       <dsp:cNvPr id="0" name=""/>
@@ -20041,8 +19999,8 @@
         </a:p>
       </dsp:txBody>
       <dsp:txXfrm>
-        <a:off x="35497" y="837400"/>
-        <a:ext cx="1708749" cy="1000351"/>
+        <a:off x="4375" y="806278"/>
+        <a:ext cx="1770993" cy="1062595"/>
       </dsp:txXfrm>
     </dsp:sp>
     <dsp:sp modelId="{0AB4EDA0-9F54-4714-812F-071E44D53E91}">
@@ -20106,8 +20064,8 @@
         </a:p>
       </dsp:txBody>
       <dsp:txXfrm>
-        <a:off x="1931216" y="1205813"/>
-        <a:ext cx="262815" cy="263524"/>
+        <a:off x="1931216" y="1117972"/>
+        <a:ext cx="375450" cy="439206"/>
       </dsp:txXfrm>
     </dsp:sp>
     <dsp:sp modelId="{AC35DC6D-FD57-4788-921C-D646C6BA4865}">
@@ -20229,8 +20187,8 @@
         </a:p>
       </dsp:txBody>
       <dsp:txXfrm>
-        <a:off x="2530523" y="586132"/>
-        <a:ext cx="1887217" cy="1502887"/>
+        <a:off x="2483766" y="539375"/>
+        <a:ext cx="1980731" cy="1596401"/>
       </dsp:txXfrm>
     </dsp:sp>
     <dsp:sp modelId="{8D048A75-E83A-48D6-A855-C4FE5D533639}">
@@ -20294,8 +20252,8 @@
         </a:p>
       </dsp:txBody>
       <dsp:txXfrm>
-        <a:off x="4620345" y="1205813"/>
-        <a:ext cx="262815" cy="263524"/>
+        <a:off x="4620345" y="1117972"/>
+        <a:ext cx="375450" cy="439206"/>
       </dsp:txXfrm>
     </dsp:sp>
     <dsp:sp modelId="{08139FAF-B268-4BD6-BAAC-2DCE292E9DA9}">
@@ -20399,8 +20357,8 @@
         </a:p>
       </dsp:txBody>
       <dsp:txXfrm>
-        <a:off x="5204017" y="837400"/>
-        <a:ext cx="1708749" cy="1000351"/>
+        <a:off x="5172895" y="806278"/>
+        <a:ext cx="1770993" cy="1062595"/>
       </dsp:txXfrm>
     </dsp:sp>
   </dsp:spTree>
@@ -20408,7 +20366,7 @@
 </file>
 
 <file path=ppt/diagrams/drawing15.xml><?xml version="1.0" encoding="utf-8"?>
-<dsp:drawing xmlns:dgm="http://schemas.openxmlformats.org/drawingml/2006/diagram" xmlns:dsp="http://schemas.microsoft.com/office/drawing/2008/diagram" xmlns:a="http://schemas.openxmlformats.org/drawingml/2006/main">
+<dsp:drawing xmlns:dgm="http://schemas.openxmlformats.org/drawingml/2006/diagram" xmlns:a="http://schemas.openxmlformats.org/drawingml/2006/main" xmlns:dsp="http://schemas.microsoft.com/office/drawing/2008/diagram">
   <dsp:spTree>
     <dsp:nvGrpSpPr>
       <dsp:cNvPr id="0" name=""/>
@@ -20516,8 +20474,8 @@
         </a:p>
       </dsp:txBody>
       <dsp:txXfrm>
-        <a:off x="30347" y="849856"/>
-        <a:ext cx="1666195" cy="975439"/>
+        <a:off x="0" y="819509"/>
+        <a:ext cx="1726889" cy="1036133"/>
       </dsp:txXfrm>
     </dsp:sp>
   </dsp:spTree>
@@ -20525,7 +20483,7 @@
 </file>
 
 <file path=ppt/diagrams/drawing16.xml><?xml version="1.0" encoding="utf-8"?>
-<dsp:drawing xmlns:dgm="http://schemas.openxmlformats.org/drawingml/2006/diagram" xmlns:dsp="http://schemas.microsoft.com/office/drawing/2008/diagram" xmlns:a="http://schemas.openxmlformats.org/drawingml/2006/main">
+<dsp:drawing xmlns:dgm="http://schemas.openxmlformats.org/drawingml/2006/diagram" xmlns:a="http://schemas.openxmlformats.org/drawingml/2006/main" xmlns:dsp="http://schemas.microsoft.com/office/drawing/2008/diagram">
   <dsp:spTree>
     <dsp:nvGrpSpPr>
       <dsp:cNvPr id="0" name=""/>
@@ -20650,8 +20608,8 @@
         </a:p>
       </dsp:txBody>
       <dsp:txXfrm>
-        <a:off x="287886" y="1570388"/>
-        <a:ext cx="1385186" cy="1385186"/>
+        <a:off x="1004" y="1283506"/>
+        <a:ext cx="1958950" cy="1958950"/>
       </dsp:txXfrm>
     </dsp:sp>
     <dsp:sp modelId="{2F16B66C-A703-43E0-A87B-BDB5F215B3EC}">
@@ -20772,8 +20730,8 @@
         </a:p>
       </dsp:txBody>
       <dsp:txXfrm>
-        <a:off x="1855046" y="1570388"/>
-        <a:ext cx="1385186" cy="1385186"/>
+        <a:off x="1568164" y="1283506"/>
+        <a:ext cx="1958950" cy="1958950"/>
       </dsp:txXfrm>
     </dsp:sp>
     <dsp:sp modelId="{ABFAB522-FA90-4144-98B8-19AD84267685}">
@@ -20894,8 +20852,8 @@
         </a:p>
       </dsp:txBody>
       <dsp:txXfrm>
-        <a:off x="3422206" y="1570388"/>
-        <a:ext cx="1385186" cy="1385186"/>
+        <a:off x="3135324" y="1283506"/>
+        <a:ext cx="1958950" cy="1958950"/>
       </dsp:txXfrm>
     </dsp:sp>
     <dsp:sp modelId="{3DD52E65-2217-47DF-A607-061BC38D9280}">
@@ -21016,8 +20974,8 @@
         </a:p>
       </dsp:txBody>
       <dsp:txXfrm>
-        <a:off x="4989367" y="1570388"/>
-        <a:ext cx="1385186" cy="1385186"/>
+        <a:off x="4702485" y="1283506"/>
+        <a:ext cx="1958950" cy="1958950"/>
       </dsp:txXfrm>
     </dsp:sp>
     <dsp:sp modelId="{A9CDDF6E-DECC-441B-AB37-2DFAEC4BAD99}">
@@ -21145,8 +21103,8 @@
         </a:p>
       </dsp:txBody>
       <dsp:txXfrm>
-        <a:off x="6556527" y="1570388"/>
-        <a:ext cx="1385186" cy="1385186"/>
+        <a:off x="6269645" y="1283506"/>
+        <a:ext cx="1958950" cy="1958950"/>
       </dsp:txXfrm>
     </dsp:sp>
   </dsp:spTree>
@@ -21154,7 +21112,7 @@
 </file>
 
 <file path=ppt/diagrams/drawing17.xml><?xml version="1.0" encoding="utf-8"?>
-<dsp:drawing xmlns:dgm="http://schemas.openxmlformats.org/drawingml/2006/diagram" xmlns:dsp="http://schemas.microsoft.com/office/drawing/2008/diagram" xmlns:a="http://schemas.openxmlformats.org/drawingml/2006/main">
+<dsp:drawing xmlns:dgm="http://schemas.openxmlformats.org/drawingml/2006/diagram" xmlns:a="http://schemas.openxmlformats.org/drawingml/2006/main" xmlns:dsp="http://schemas.microsoft.com/office/drawing/2008/diagram">
   <dsp:spTree>
     <dsp:nvGrpSpPr>
       <dsp:cNvPr id="0" name=""/>
@@ -21251,8 +21209,8 @@
         </a:p>
       </dsp:txBody>
       <dsp:txXfrm>
-        <a:off x="762813" y="2383377"/>
-        <a:ext cx="1088504" cy="1088504"/>
+        <a:off x="537377" y="2157941"/>
+        <a:ext cx="1539376" cy="1539376"/>
       </dsp:txXfrm>
     </dsp:sp>
     <dsp:sp modelId="{60818678-16B8-424C-B058-4B37B19986DD}">
@@ -21365,9 +21323,9 @@
           <a:endParaRPr lang="en-US" sz="2200" kern="1200"/>
         </a:p>
       </dsp:txBody>
-      <dsp:txXfrm>
-        <a:off x="1192619" y="1750746"/>
-        <a:ext cx="228894" cy="314032"/>
+      <dsp:txXfrm rot="16200000">
+        <a:off x="1143570" y="1597019"/>
+        <a:ext cx="326991" cy="523388"/>
       </dsp:txXfrm>
     </dsp:sp>
     <dsp:sp modelId="{4EAF56E9-1DD7-4CB7-87A1-A24E0435FB05}">
@@ -21460,8 +21418,8 @@
         </a:p>
       </dsp:txBody>
       <dsp:txXfrm>
-        <a:off x="762813" y="227036"/>
-        <a:ext cx="1088504" cy="1088504"/>
+        <a:off x="537377" y="1600"/>
+        <a:ext cx="1539376" cy="1539376"/>
       </dsp:txXfrm>
     </dsp:sp>
   </dsp:spTree>
@@ -21469,7 +21427,7 @@
 </file>
 
 <file path=ppt/diagrams/drawing2.xml><?xml version="1.0" encoding="utf-8"?>
-<dsp:drawing xmlns:dgm="http://schemas.openxmlformats.org/drawingml/2006/diagram" xmlns:dsp="http://schemas.microsoft.com/office/drawing/2008/diagram" xmlns:a="http://schemas.openxmlformats.org/drawingml/2006/main">
+<dsp:drawing xmlns:dgm="http://schemas.openxmlformats.org/drawingml/2006/diagram" xmlns:a="http://schemas.openxmlformats.org/drawingml/2006/main" xmlns:dsp="http://schemas.microsoft.com/office/drawing/2008/diagram">
   <dsp:spTree>
     <dsp:nvGrpSpPr>
       <dsp:cNvPr id="0" name=""/>
@@ -21549,8 +21507,8 @@
         </a:p>
       </dsp:txBody>
       <dsp:txXfrm>
-        <a:off x="400053" y="0"/>
-        <a:ext cx="1200159" cy="800105"/>
+        <a:off x="0" y="0"/>
+        <a:ext cx="2000264" cy="800105"/>
       </dsp:txXfrm>
     </dsp:sp>
   </dsp:spTree>
@@ -21558,7 +21516,7 @@
 </file>
 
 <file path=ppt/diagrams/drawing3.xml><?xml version="1.0" encoding="utf-8"?>
-<dsp:drawing xmlns:dgm="http://schemas.openxmlformats.org/drawingml/2006/diagram" xmlns:dsp="http://schemas.microsoft.com/office/drawing/2008/diagram" xmlns:a="http://schemas.openxmlformats.org/drawingml/2006/main">
+<dsp:drawing xmlns:dgm="http://schemas.openxmlformats.org/drawingml/2006/diagram" xmlns:a="http://schemas.openxmlformats.org/drawingml/2006/main" xmlns:dsp="http://schemas.microsoft.com/office/drawing/2008/diagram">
   <dsp:spTree>
     <dsp:nvGrpSpPr>
       <dsp:cNvPr id="0" name=""/>
@@ -21638,8 +21596,8 @@
         </a:p>
       </dsp:txBody>
       <dsp:txXfrm>
-        <a:off x="400053" y="128588"/>
-        <a:ext cx="1200159" cy="800105"/>
+        <a:off x="0" y="128588"/>
+        <a:ext cx="2000264" cy="800105"/>
       </dsp:txXfrm>
     </dsp:sp>
   </dsp:spTree>
@@ -21647,7 +21605,7 @@
 </file>
 
 <file path=ppt/diagrams/drawing4.xml><?xml version="1.0" encoding="utf-8"?>
-<dsp:drawing xmlns:dgm="http://schemas.openxmlformats.org/drawingml/2006/diagram" xmlns:dsp="http://schemas.microsoft.com/office/drawing/2008/diagram" xmlns:a="http://schemas.openxmlformats.org/drawingml/2006/main">
+<dsp:drawing xmlns:dgm="http://schemas.openxmlformats.org/drawingml/2006/diagram" xmlns:a="http://schemas.openxmlformats.org/drawingml/2006/main" xmlns:dsp="http://schemas.microsoft.com/office/drawing/2008/diagram">
   <dsp:spTree>
     <dsp:nvGrpSpPr>
       <dsp:cNvPr id="0" name=""/>
@@ -21730,8 +21688,8 @@
         </a:p>
       </dsp:txBody>
       <dsp:txXfrm>
-        <a:off x="3525805" y="2077987"/>
-        <a:ext cx="1571186" cy="1571186"/>
+        <a:off x="3200402" y="1752584"/>
+        <a:ext cx="2221992" cy="2221992"/>
       </dsp:txXfrm>
     </dsp:sp>
     <dsp:sp modelId="{A497B385-EBB7-4667-B86A-2C16F7685D0D}">
@@ -21857,8 +21815,8 @@
         </a:p>
       </dsp:txBody>
       <dsp:txXfrm>
-        <a:off x="1192451" y="4011869"/>
-        <a:ext cx="2011970" cy="1589791"/>
+        <a:off x="1142990" y="3962408"/>
+        <a:ext cx="2110892" cy="1688713"/>
       </dsp:txXfrm>
     </dsp:sp>
     <dsp:sp modelId="{FBE4C170-3664-419C-B0EB-3DCEFB167F5C}">
@@ -21984,8 +21942,8 @@
         </a:p>
       </dsp:txBody>
       <dsp:txXfrm>
-        <a:off x="49469" y="2030655"/>
-        <a:ext cx="2011970" cy="1589791"/>
+        <a:off x="8" y="1981194"/>
+        <a:ext cx="2110892" cy="1688713"/>
       </dsp:txXfrm>
     </dsp:sp>
     <dsp:sp modelId="{58C112E9-B04B-49F3-8D98-591AEB55C9C0}">
@@ -22111,8 +22069,8 @@
         </a:p>
       </dsp:txBody>
       <dsp:txXfrm>
-        <a:off x="1192455" y="49461"/>
-        <a:ext cx="2011970" cy="1589791"/>
+        <a:off x="1142994" y="0"/>
+        <a:ext cx="2110892" cy="1688713"/>
       </dsp:txXfrm>
     </dsp:sp>
     <dsp:sp modelId="{29AA9764-D645-4913-BA66-1A208AC75DAF}">
@@ -22238,8 +22196,8 @@
         </a:p>
       </dsp:txBody>
       <dsp:txXfrm>
-        <a:off x="6145479" y="2106867"/>
-        <a:ext cx="2011970" cy="1589791"/>
+        <a:off x="6096018" y="2057406"/>
+        <a:ext cx="2110892" cy="1688713"/>
       </dsp:txXfrm>
     </dsp:sp>
   </dsp:spTree>
@@ -22247,7 +22205,7 @@
 </file>
 
 <file path=ppt/diagrams/drawing5.xml><?xml version="1.0" encoding="utf-8"?>
-<dsp:drawing xmlns:dgm="http://schemas.openxmlformats.org/drawingml/2006/diagram" xmlns:dsp="http://schemas.microsoft.com/office/drawing/2008/diagram" xmlns:a="http://schemas.openxmlformats.org/drawingml/2006/main">
+<dsp:drawing xmlns:dgm="http://schemas.openxmlformats.org/drawingml/2006/diagram" xmlns:a="http://schemas.openxmlformats.org/drawingml/2006/main" xmlns:dsp="http://schemas.microsoft.com/office/drawing/2008/diagram">
   <dsp:spTree>
     <dsp:nvGrpSpPr>
       <dsp:cNvPr id="0" name=""/>
@@ -22364,8 +22322,8 @@
         </a:p>
       </dsp:txBody>
       <dsp:txXfrm>
-        <a:off x="536674" y="0"/>
-        <a:ext cx="2282726" cy="1066799"/>
+        <a:off x="3274" y="0"/>
+        <a:ext cx="3349525" cy="1066799"/>
       </dsp:txXfrm>
     </dsp:sp>
   </dsp:spTree>
@@ -22373,7 +22331,7 @@
 </file>
 
 <file path=ppt/diagrams/drawing6.xml><?xml version="1.0" encoding="utf-8"?>
-<dsp:drawing xmlns:dgm="http://schemas.openxmlformats.org/drawingml/2006/diagram" xmlns:dsp="http://schemas.microsoft.com/office/drawing/2008/diagram" xmlns:a="http://schemas.openxmlformats.org/drawingml/2006/main">
+<dsp:drawing xmlns:dgm="http://schemas.openxmlformats.org/drawingml/2006/diagram" xmlns:a="http://schemas.openxmlformats.org/drawingml/2006/main" xmlns:dsp="http://schemas.microsoft.com/office/drawing/2008/diagram">
   <dsp:spTree>
     <dsp:nvGrpSpPr>
       <dsp:cNvPr id="0" name=""/>
@@ -22495,8 +22453,8 @@
         </a:p>
       </dsp:txBody>
       <dsp:txXfrm>
-        <a:off x="66955" y="219355"/>
-        <a:ext cx="2152090" cy="2812492"/>
+        <a:off x="0" y="152400"/>
+        <a:ext cx="2286000" cy="2946402"/>
       </dsp:txXfrm>
     </dsp:sp>
   </dsp:spTree>
@@ -22504,7 +22462,7 @@
 </file>
 
 <file path=ppt/diagrams/drawing7.xml><?xml version="1.0" encoding="utf-8"?>
-<dsp:drawing xmlns:dgm="http://schemas.openxmlformats.org/drawingml/2006/diagram" xmlns:dsp="http://schemas.microsoft.com/office/drawing/2008/diagram" xmlns:a="http://schemas.openxmlformats.org/drawingml/2006/main">
+<dsp:drawing xmlns:dgm="http://schemas.openxmlformats.org/drawingml/2006/diagram" xmlns:a="http://schemas.openxmlformats.org/drawingml/2006/main" xmlns:dsp="http://schemas.microsoft.com/office/drawing/2008/diagram">
   <dsp:spTree>
     <dsp:nvGrpSpPr>
       <dsp:cNvPr id="0" name=""/>
@@ -22615,9 +22573,9 @@
           <a:endParaRPr lang="en-IN" sz="1300" kern="1200" dirty="0"/>
         </a:p>
       </dsp:txBody>
-      <dsp:txXfrm rot="-5400000">
-        <a:off x="905241" y="187823"/>
-        <a:ext cx="1572123" cy="687543"/>
+      <dsp:txXfrm rot="5400000">
+        <a:off x="1328933" y="-273064"/>
+        <a:ext cx="761933" cy="1609318"/>
       </dsp:txXfrm>
     </dsp:sp>
     <dsp:sp modelId="{02488AD4-9946-4F35-8BA6-8E72F9CDB87E}">
@@ -22729,8 +22687,8 @@
         </a:p>
       </dsp:txBody>
       <dsp:txXfrm>
-        <a:off x="44190" y="46285"/>
-        <a:ext cx="816861" cy="970617"/>
+        <a:off x="0" y="2095"/>
+        <a:ext cx="905241" cy="1058997"/>
       </dsp:txXfrm>
     </dsp:sp>
     <dsp:sp modelId="{0670FEEE-F7AF-4AED-9012-363BC48189C2}">
@@ -22837,9 +22795,9 @@
           <a:endParaRPr lang="en-IN" sz="1800" kern="1200" dirty="0"/>
         </a:p>
       </dsp:txBody>
-      <dsp:txXfrm rot="-5400000">
-        <a:off x="905241" y="1504322"/>
-        <a:ext cx="1530758" cy="1787779"/>
+      <dsp:txXfrm rot="5400000">
+        <a:off x="737451" y="1593552"/>
+        <a:ext cx="1944899" cy="1609318"/>
       </dsp:txXfrm>
     </dsp:sp>
     <dsp:sp modelId="{5AC14FB5-BFFF-42E7-80BB-5CB2D5CC2E48}">
@@ -22951,8 +22909,8 @@
         </a:p>
       </dsp:txBody>
       <dsp:txXfrm>
-        <a:off x="44190" y="1226839"/>
-        <a:ext cx="816861" cy="2342744"/>
+        <a:off x="0" y="1182649"/>
+        <a:ext cx="905241" cy="2431124"/>
       </dsp:txXfrm>
     </dsp:sp>
     <dsp:sp modelId="{03C447E2-9E25-435B-BEEA-50663D1FA8CF}">
@@ -23059,9 +23017,9 @@
           <a:endParaRPr lang="en-IN" sz="1300" kern="1200" dirty="0"/>
         </a:p>
       </dsp:txBody>
-      <dsp:txXfrm rot="-5400000">
-        <a:off x="905241" y="3893426"/>
-        <a:ext cx="1573544" cy="661290"/>
+      <dsp:txXfrm rot="5400000">
+        <a:off x="1343481" y="3419412"/>
+        <a:ext cx="732838" cy="1609318"/>
       </dsp:txXfrm>
     </dsp:sp>
     <dsp:sp modelId="{C386F76F-043F-4D44-83DB-ACD58E698EB6}">
@@ -23173,8 +23131,8 @@
         </a:p>
       </dsp:txBody>
       <dsp:txXfrm>
-        <a:off x="44190" y="3779520"/>
-        <a:ext cx="816861" cy="889102"/>
+        <a:off x="0" y="3735330"/>
+        <a:ext cx="905241" cy="977482"/>
       </dsp:txXfrm>
     </dsp:sp>
   </dsp:spTree>
@@ -23182,7 +23140,7 @@
 </file>
 
 <file path=ppt/diagrams/drawing8.xml><?xml version="1.0" encoding="utf-8"?>
-<dsp:drawing xmlns:dgm="http://schemas.openxmlformats.org/drawingml/2006/diagram" xmlns:dsp="http://schemas.microsoft.com/office/drawing/2008/diagram" xmlns:a="http://schemas.openxmlformats.org/drawingml/2006/main">
+<dsp:drawing xmlns:dgm="http://schemas.openxmlformats.org/drawingml/2006/diagram" xmlns:a="http://schemas.openxmlformats.org/drawingml/2006/main" xmlns:dsp="http://schemas.microsoft.com/office/drawing/2008/diagram">
   <dsp:spTree>
     <dsp:nvGrpSpPr>
       <dsp:cNvPr id="0" name=""/>
@@ -23299,8 +23257,8 @@
         </a:p>
       </dsp:txBody>
       <dsp:txXfrm>
-        <a:off x="536674" y="0"/>
-        <a:ext cx="2282726" cy="1066799"/>
+        <a:off x="3274" y="0"/>
+        <a:ext cx="3349525" cy="1066799"/>
       </dsp:txXfrm>
     </dsp:sp>
   </dsp:spTree>
@@ -23308,7 +23266,7 @@
 </file>
 
 <file path=ppt/diagrams/drawing9.xml><?xml version="1.0" encoding="utf-8"?>
-<dsp:drawing xmlns:dgm="http://schemas.openxmlformats.org/drawingml/2006/diagram" xmlns:dsp="http://schemas.microsoft.com/office/drawing/2008/diagram" xmlns:a="http://schemas.openxmlformats.org/drawingml/2006/main">
+<dsp:drawing xmlns:dgm="http://schemas.openxmlformats.org/drawingml/2006/diagram" xmlns:a="http://schemas.openxmlformats.org/drawingml/2006/main" xmlns:dsp="http://schemas.microsoft.com/office/drawing/2008/diagram">
   <dsp:spTree>
     <dsp:nvGrpSpPr>
       <dsp:cNvPr id="0" name=""/>
@@ -23430,8 +23388,8 @@
         </a:p>
       </dsp:txBody>
       <dsp:txXfrm>
-        <a:off x="66955" y="219355"/>
-        <a:ext cx="2152090" cy="2812492"/>
+        <a:off x="0" y="152400"/>
+        <a:ext cx="2286000" cy="2946402"/>
       </dsp:txXfrm>
     </dsp:sp>
   </dsp:spTree>
@@ -44716,7 +44674,7 @@
             <a:fld id="{B4D587CB-4639-4B7A-9F0F-841F955FE3A0}" type="datetimeFigureOut">
               <a:rPr lang="en-US" smtClean="0"/>
               <a:pPr/>
-              <a:t>6/16/2013</a:t>
+              <a:t>6/17/2013</a:t>
             </a:fld>
             <a:endParaRPr lang="en-US"/>
           </a:p>
@@ -44887,7 +44845,7 @@
     </p:spTree>
     <p:extLst>
       <p:ext uri="{BB962C8B-B14F-4D97-AF65-F5344CB8AC3E}">
-        <p14:creationId xmlns:p14="http://schemas.microsoft.com/office/powerpoint/2010/main" val="2837288555"/>
+        <p14:creationId xmlns:p14="http://schemas.microsoft.com/office/powerpoint/2010/main" xmlns="" val="2837288555"/>
       </p:ext>
     </p:extLst>
   </p:cSld>
@@ -45793,6 +45751,88 @@
             <a:fld id="{C7638540-05FF-4C33-A664-B971BAFF3076}" type="slidenum">
               <a:rPr lang="en-US" smtClean="0"/>
               <a:pPr/>
+              <a:t>18</a:t>
+            </a:fld>
+            <a:endParaRPr lang="en-US"/>
+          </a:p>
+        </p:txBody>
+      </p:sp>
+    </p:spTree>
+  </p:cSld>
+  <p:clrMapOvr>
+    <a:masterClrMapping/>
+  </p:clrMapOvr>
+</p:notes>
+</file>
+
+<file path=ppt/notesSlides/notesSlide19.xml><?xml version="1.0" encoding="utf-8"?>
+<p:notes xmlns:a="http://schemas.openxmlformats.org/drawingml/2006/main" xmlns:r="http://schemas.openxmlformats.org/officeDocument/2006/relationships" xmlns:p="http://schemas.openxmlformats.org/presentationml/2006/main">
+  <p:cSld>
+    <p:spTree>
+      <p:nvGrpSpPr>
+        <p:cNvPr id="1" name=""/>
+        <p:cNvGrpSpPr/>
+        <p:nvPr/>
+      </p:nvGrpSpPr>
+      <p:grpSpPr>
+        <a:xfrm>
+          <a:off x="0" y="0"/>
+          <a:ext cx="0" cy="0"/>
+          <a:chOff x="0" y="0"/>
+          <a:chExt cx="0" cy="0"/>
+        </a:xfrm>
+      </p:grpSpPr>
+      <p:sp>
+        <p:nvSpPr>
+          <p:cNvPr id="2" name="Slide Image Placeholder 1"/>
+          <p:cNvSpPr>
+            <a:spLocks noGrp="1" noRot="1" noChangeAspect="1"/>
+          </p:cNvSpPr>
+          <p:nvPr>
+            <p:ph type="sldImg"/>
+          </p:nvPr>
+        </p:nvSpPr>
+        <p:spPr/>
+      </p:sp>
+      <p:sp>
+        <p:nvSpPr>
+          <p:cNvPr id="3" name="Notes Placeholder 2"/>
+          <p:cNvSpPr>
+            <a:spLocks noGrp="1"/>
+          </p:cNvSpPr>
+          <p:nvPr>
+            <p:ph type="body" idx="1"/>
+          </p:nvPr>
+        </p:nvSpPr>
+        <p:spPr/>
+        <p:txBody>
+          <a:bodyPr>
+            <a:normAutofit/>
+          </a:bodyPr>
+          <a:lstStyle/>
+          <a:p>
+            <a:endParaRPr lang="en-US"/>
+          </a:p>
+        </p:txBody>
+      </p:sp>
+      <p:sp>
+        <p:nvSpPr>
+          <p:cNvPr id="4" name="Slide Number Placeholder 3"/>
+          <p:cNvSpPr>
+            <a:spLocks noGrp="1"/>
+          </p:cNvSpPr>
+          <p:nvPr>
+            <p:ph type="sldNum" sz="quarter" idx="10"/>
+          </p:nvPr>
+        </p:nvSpPr>
+        <p:spPr/>
+        <p:txBody>
+          <a:bodyPr/>
+          <a:lstStyle/>
+          <a:p>
+            <a:fld id="{C7638540-05FF-4C33-A664-B971BAFF3076}" type="slidenum">
+              <a:rPr lang="en-US" smtClean="0"/>
+              <a:pPr/>
               <a:t>19</a:t>
             </a:fld>
             <a:endParaRPr lang="en-US"/>
@@ -45876,6 +45916,252 @@
               <a:rPr lang="en-US" smtClean="0"/>
               <a:pPr/>
               <a:t>2</a:t>
+            </a:fld>
+            <a:endParaRPr lang="en-US"/>
+          </a:p>
+        </p:txBody>
+      </p:sp>
+    </p:spTree>
+  </p:cSld>
+  <p:clrMapOvr>
+    <a:masterClrMapping/>
+  </p:clrMapOvr>
+</p:notes>
+</file>
+
+<file path=ppt/notesSlides/notesSlide20.xml><?xml version="1.0" encoding="utf-8"?>
+<p:notes xmlns:a="http://schemas.openxmlformats.org/drawingml/2006/main" xmlns:r="http://schemas.openxmlformats.org/officeDocument/2006/relationships" xmlns:p="http://schemas.openxmlformats.org/presentationml/2006/main">
+  <p:cSld>
+    <p:spTree>
+      <p:nvGrpSpPr>
+        <p:cNvPr id="1" name=""/>
+        <p:cNvGrpSpPr/>
+        <p:nvPr/>
+      </p:nvGrpSpPr>
+      <p:grpSpPr>
+        <a:xfrm>
+          <a:off x="0" y="0"/>
+          <a:ext cx="0" cy="0"/>
+          <a:chOff x="0" y="0"/>
+          <a:chExt cx="0" cy="0"/>
+        </a:xfrm>
+      </p:grpSpPr>
+      <p:sp>
+        <p:nvSpPr>
+          <p:cNvPr id="2" name="Slide Image Placeholder 1"/>
+          <p:cNvSpPr>
+            <a:spLocks noGrp="1" noRot="1" noChangeAspect="1"/>
+          </p:cNvSpPr>
+          <p:nvPr>
+            <p:ph type="sldImg"/>
+          </p:nvPr>
+        </p:nvSpPr>
+        <p:spPr/>
+      </p:sp>
+      <p:sp>
+        <p:nvSpPr>
+          <p:cNvPr id="3" name="Notes Placeholder 2"/>
+          <p:cNvSpPr>
+            <a:spLocks noGrp="1"/>
+          </p:cNvSpPr>
+          <p:nvPr>
+            <p:ph type="body" idx="1"/>
+          </p:nvPr>
+        </p:nvSpPr>
+        <p:spPr/>
+        <p:txBody>
+          <a:bodyPr>
+            <a:normAutofit/>
+          </a:bodyPr>
+          <a:lstStyle/>
+          <a:p>
+            <a:endParaRPr lang="en-US"/>
+          </a:p>
+        </p:txBody>
+      </p:sp>
+      <p:sp>
+        <p:nvSpPr>
+          <p:cNvPr id="4" name="Slide Number Placeholder 3"/>
+          <p:cNvSpPr>
+            <a:spLocks noGrp="1"/>
+          </p:cNvSpPr>
+          <p:nvPr>
+            <p:ph type="sldNum" sz="quarter" idx="10"/>
+          </p:nvPr>
+        </p:nvSpPr>
+        <p:spPr/>
+        <p:txBody>
+          <a:bodyPr/>
+          <a:lstStyle/>
+          <a:p>
+            <a:fld id="{C7638540-05FF-4C33-A664-B971BAFF3076}" type="slidenum">
+              <a:rPr lang="en-US" smtClean="0"/>
+              <a:pPr/>
+              <a:t>20</a:t>
+            </a:fld>
+            <a:endParaRPr lang="en-US"/>
+          </a:p>
+        </p:txBody>
+      </p:sp>
+    </p:spTree>
+  </p:cSld>
+  <p:clrMapOvr>
+    <a:masterClrMapping/>
+  </p:clrMapOvr>
+</p:notes>
+</file>
+
+<file path=ppt/notesSlides/notesSlide21.xml><?xml version="1.0" encoding="utf-8"?>
+<p:notes xmlns:a="http://schemas.openxmlformats.org/drawingml/2006/main" xmlns:r="http://schemas.openxmlformats.org/officeDocument/2006/relationships" xmlns:p="http://schemas.openxmlformats.org/presentationml/2006/main">
+  <p:cSld>
+    <p:spTree>
+      <p:nvGrpSpPr>
+        <p:cNvPr id="1" name=""/>
+        <p:cNvGrpSpPr/>
+        <p:nvPr/>
+      </p:nvGrpSpPr>
+      <p:grpSpPr>
+        <a:xfrm>
+          <a:off x="0" y="0"/>
+          <a:ext cx="0" cy="0"/>
+          <a:chOff x="0" y="0"/>
+          <a:chExt cx="0" cy="0"/>
+        </a:xfrm>
+      </p:grpSpPr>
+      <p:sp>
+        <p:nvSpPr>
+          <p:cNvPr id="2" name="Slide Image Placeholder 1"/>
+          <p:cNvSpPr>
+            <a:spLocks noGrp="1" noRot="1" noChangeAspect="1"/>
+          </p:cNvSpPr>
+          <p:nvPr>
+            <p:ph type="sldImg"/>
+          </p:nvPr>
+        </p:nvSpPr>
+        <p:spPr/>
+      </p:sp>
+      <p:sp>
+        <p:nvSpPr>
+          <p:cNvPr id="3" name="Notes Placeholder 2"/>
+          <p:cNvSpPr>
+            <a:spLocks noGrp="1"/>
+          </p:cNvSpPr>
+          <p:nvPr>
+            <p:ph type="body" idx="1"/>
+          </p:nvPr>
+        </p:nvSpPr>
+        <p:spPr/>
+        <p:txBody>
+          <a:bodyPr>
+            <a:normAutofit/>
+          </a:bodyPr>
+          <a:lstStyle/>
+          <a:p>
+            <a:endParaRPr lang="en-US"/>
+          </a:p>
+        </p:txBody>
+      </p:sp>
+      <p:sp>
+        <p:nvSpPr>
+          <p:cNvPr id="4" name="Slide Number Placeholder 3"/>
+          <p:cNvSpPr>
+            <a:spLocks noGrp="1"/>
+          </p:cNvSpPr>
+          <p:nvPr>
+            <p:ph type="sldNum" sz="quarter" idx="10"/>
+          </p:nvPr>
+        </p:nvSpPr>
+        <p:spPr/>
+        <p:txBody>
+          <a:bodyPr/>
+          <a:lstStyle/>
+          <a:p>
+            <a:fld id="{C7638540-05FF-4C33-A664-B971BAFF3076}" type="slidenum">
+              <a:rPr lang="en-US" smtClean="0"/>
+              <a:pPr/>
+              <a:t>21</a:t>
+            </a:fld>
+            <a:endParaRPr lang="en-US"/>
+          </a:p>
+        </p:txBody>
+      </p:sp>
+    </p:spTree>
+  </p:cSld>
+  <p:clrMapOvr>
+    <a:masterClrMapping/>
+  </p:clrMapOvr>
+</p:notes>
+</file>
+
+<file path=ppt/notesSlides/notesSlide22.xml><?xml version="1.0" encoding="utf-8"?>
+<p:notes xmlns:a="http://schemas.openxmlformats.org/drawingml/2006/main" xmlns:r="http://schemas.openxmlformats.org/officeDocument/2006/relationships" xmlns:p="http://schemas.openxmlformats.org/presentationml/2006/main">
+  <p:cSld>
+    <p:spTree>
+      <p:nvGrpSpPr>
+        <p:cNvPr id="1" name=""/>
+        <p:cNvGrpSpPr/>
+        <p:nvPr/>
+      </p:nvGrpSpPr>
+      <p:grpSpPr>
+        <a:xfrm>
+          <a:off x="0" y="0"/>
+          <a:ext cx="0" cy="0"/>
+          <a:chOff x="0" y="0"/>
+          <a:chExt cx="0" cy="0"/>
+        </a:xfrm>
+      </p:grpSpPr>
+      <p:sp>
+        <p:nvSpPr>
+          <p:cNvPr id="2" name="Slide Image Placeholder 1"/>
+          <p:cNvSpPr>
+            <a:spLocks noGrp="1" noRot="1" noChangeAspect="1"/>
+          </p:cNvSpPr>
+          <p:nvPr>
+            <p:ph type="sldImg"/>
+          </p:nvPr>
+        </p:nvSpPr>
+        <p:spPr/>
+      </p:sp>
+      <p:sp>
+        <p:nvSpPr>
+          <p:cNvPr id="3" name="Notes Placeholder 2"/>
+          <p:cNvSpPr>
+            <a:spLocks noGrp="1"/>
+          </p:cNvSpPr>
+          <p:nvPr>
+            <p:ph type="body" idx="1"/>
+          </p:nvPr>
+        </p:nvSpPr>
+        <p:spPr/>
+        <p:txBody>
+          <a:bodyPr>
+            <a:normAutofit/>
+          </a:bodyPr>
+          <a:lstStyle/>
+          <a:p>
+            <a:endParaRPr lang="en-US"/>
+          </a:p>
+        </p:txBody>
+      </p:sp>
+      <p:sp>
+        <p:nvSpPr>
+          <p:cNvPr id="4" name="Slide Number Placeholder 3"/>
+          <p:cNvSpPr>
+            <a:spLocks noGrp="1"/>
+          </p:cNvSpPr>
+          <p:nvPr>
+            <p:ph type="sldNum" sz="quarter" idx="10"/>
+          </p:nvPr>
+        </p:nvSpPr>
+        <p:spPr/>
+        <p:txBody>
+          <a:bodyPr/>
+          <a:lstStyle/>
+          <a:p>
+            <a:fld id="{C7638540-05FF-4C33-A664-B971BAFF3076}" type="slidenum">
+              <a:rPr lang="en-US" smtClean="0"/>
+              <a:pPr/>
+              <a:t>22</a:t>
             </a:fld>
             <a:endParaRPr lang="en-US"/>
           </a:p>
@@ -46645,7 +46931,7 @@
             <a:fld id="{DC12352C-5ED9-4E71-90CF-ECB7A4C6C11A}" type="datetimeFigureOut">
               <a:rPr lang="en-US" smtClean="0"/>
               <a:pPr/>
-              <a:t>6/16/2013</a:t>
+              <a:t>6/17/2013</a:t>
             </a:fld>
             <a:endParaRPr lang="en-US"/>
           </a:p>
@@ -46697,7 +46983,7 @@
     </p:spTree>
     <p:extLst>
       <p:ext uri="{BB962C8B-B14F-4D97-AF65-F5344CB8AC3E}">
-        <p14:creationId xmlns:p14="http://schemas.microsoft.com/office/powerpoint/2010/main" val="1359784228"/>
+        <p14:creationId xmlns:p14="http://schemas.microsoft.com/office/powerpoint/2010/main" xmlns="" val="1359784228"/>
       </p:ext>
     </p:extLst>
   </p:cSld>
@@ -46817,7 +47103,7 @@
             <a:fld id="{DC12352C-5ED9-4E71-90CF-ECB7A4C6C11A}" type="datetimeFigureOut">
               <a:rPr lang="en-US" smtClean="0"/>
               <a:pPr/>
-              <a:t>6/16/2013</a:t>
+              <a:t>6/17/2013</a:t>
             </a:fld>
             <a:endParaRPr lang="en-US"/>
           </a:p>
@@ -46869,7 +47155,7 @@
     </p:spTree>
     <p:extLst>
       <p:ext uri="{BB962C8B-B14F-4D97-AF65-F5344CB8AC3E}">
-        <p14:creationId xmlns:p14="http://schemas.microsoft.com/office/powerpoint/2010/main" val="1535817038"/>
+        <p14:creationId xmlns:p14="http://schemas.microsoft.com/office/powerpoint/2010/main" xmlns="" val="1535817038"/>
       </p:ext>
     </p:extLst>
   </p:cSld>
@@ -46999,7 +47285,7 @@
             <a:fld id="{DC12352C-5ED9-4E71-90CF-ECB7A4C6C11A}" type="datetimeFigureOut">
               <a:rPr lang="en-US" smtClean="0"/>
               <a:pPr/>
-              <a:t>6/16/2013</a:t>
+              <a:t>6/17/2013</a:t>
             </a:fld>
             <a:endParaRPr lang="en-US"/>
           </a:p>
@@ -47051,7 +47337,7 @@
     </p:spTree>
     <p:extLst>
       <p:ext uri="{BB962C8B-B14F-4D97-AF65-F5344CB8AC3E}">
-        <p14:creationId xmlns:p14="http://schemas.microsoft.com/office/powerpoint/2010/main" val="3305786099"/>
+        <p14:creationId xmlns:p14="http://schemas.microsoft.com/office/powerpoint/2010/main" xmlns="" val="3305786099"/>
       </p:ext>
     </p:extLst>
   </p:cSld>
@@ -47171,7 +47457,7 @@
             <a:fld id="{DC12352C-5ED9-4E71-90CF-ECB7A4C6C11A}" type="datetimeFigureOut">
               <a:rPr lang="en-US" smtClean="0"/>
               <a:pPr/>
-              <a:t>6/16/2013</a:t>
+              <a:t>6/17/2013</a:t>
             </a:fld>
             <a:endParaRPr lang="en-US"/>
           </a:p>
@@ -47223,7 +47509,7 @@
     </p:spTree>
     <p:extLst>
       <p:ext uri="{BB962C8B-B14F-4D97-AF65-F5344CB8AC3E}">
-        <p14:creationId xmlns:p14="http://schemas.microsoft.com/office/powerpoint/2010/main" val="2808464794"/>
+        <p14:creationId xmlns:p14="http://schemas.microsoft.com/office/powerpoint/2010/main" xmlns="" val="2808464794"/>
       </p:ext>
     </p:extLst>
   </p:cSld>
@@ -47419,7 +47705,7 @@
             <a:fld id="{DC12352C-5ED9-4E71-90CF-ECB7A4C6C11A}" type="datetimeFigureOut">
               <a:rPr lang="en-US" smtClean="0"/>
               <a:pPr/>
-              <a:t>6/16/2013</a:t>
+              <a:t>6/17/2013</a:t>
             </a:fld>
             <a:endParaRPr lang="en-US"/>
           </a:p>
@@ -47471,7 +47757,7 @@
     </p:spTree>
     <p:extLst>
       <p:ext uri="{BB962C8B-B14F-4D97-AF65-F5344CB8AC3E}">
-        <p14:creationId xmlns:p14="http://schemas.microsoft.com/office/powerpoint/2010/main" val="3350234395"/>
+        <p14:creationId xmlns:p14="http://schemas.microsoft.com/office/powerpoint/2010/main" xmlns="" val="3350234395"/>
       </p:ext>
     </p:extLst>
   </p:cSld>
@@ -47709,7 +47995,7 @@
             <a:fld id="{DC12352C-5ED9-4E71-90CF-ECB7A4C6C11A}" type="datetimeFigureOut">
               <a:rPr lang="en-US" smtClean="0"/>
               <a:pPr/>
-              <a:t>6/16/2013</a:t>
+              <a:t>6/17/2013</a:t>
             </a:fld>
             <a:endParaRPr lang="en-US"/>
           </a:p>
@@ -47761,7 +48047,7 @@
     </p:spTree>
     <p:extLst>
       <p:ext uri="{BB962C8B-B14F-4D97-AF65-F5344CB8AC3E}">
-        <p14:creationId xmlns:p14="http://schemas.microsoft.com/office/powerpoint/2010/main" val="2876325978"/>
+        <p14:creationId xmlns:p14="http://schemas.microsoft.com/office/powerpoint/2010/main" xmlns="" val="2876325978"/>
       </p:ext>
     </p:extLst>
   </p:cSld>
@@ -48133,7 +48419,7 @@
             <a:fld id="{DC12352C-5ED9-4E71-90CF-ECB7A4C6C11A}" type="datetimeFigureOut">
               <a:rPr lang="en-US" smtClean="0"/>
               <a:pPr/>
-              <a:t>6/16/2013</a:t>
+              <a:t>6/17/2013</a:t>
             </a:fld>
             <a:endParaRPr lang="en-US"/>
           </a:p>
@@ -48185,7 +48471,7 @@
     </p:spTree>
     <p:extLst>
       <p:ext uri="{BB962C8B-B14F-4D97-AF65-F5344CB8AC3E}">
-        <p14:creationId xmlns:p14="http://schemas.microsoft.com/office/powerpoint/2010/main" val="2581016330"/>
+        <p14:creationId xmlns:p14="http://schemas.microsoft.com/office/powerpoint/2010/main" xmlns="" val="2581016330"/>
       </p:ext>
     </p:extLst>
   </p:cSld>
@@ -48253,7 +48539,7 @@
             <a:fld id="{DC12352C-5ED9-4E71-90CF-ECB7A4C6C11A}" type="datetimeFigureOut">
               <a:rPr lang="en-US" smtClean="0"/>
               <a:pPr/>
-              <a:t>6/16/2013</a:t>
+              <a:t>6/17/2013</a:t>
             </a:fld>
             <a:endParaRPr lang="en-US"/>
           </a:p>
@@ -48305,7 +48591,7 @@
     </p:spTree>
     <p:extLst>
       <p:ext uri="{BB962C8B-B14F-4D97-AF65-F5344CB8AC3E}">
-        <p14:creationId xmlns:p14="http://schemas.microsoft.com/office/powerpoint/2010/main" val="2219315351"/>
+        <p14:creationId xmlns:p14="http://schemas.microsoft.com/office/powerpoint/2010/main" xmlns="" val="2219315351"/>
       </p:ext>
     </p:extLst>
   </p:cSld>
@@ -48350,7 +48636,7 @@
             <a:fld id="{DC12352C-5ED9-4E71-90CF-ECB7A4C6C11A}" type="datetimeFigureOut">
               <a:rPr lang="en-US" smtClean="0"/>
               <a:pPr/>
-              <a:t>6/16/2013</a:t>
+              <a:t>6/17/2013</a:t>
             </a:fld>
             <a:endParaRPr lang="en-US"/>
           </a:p>
@@ -48402,7 +48688,7 @@
     </p:spTree>
     <p:extLst>
       <p:ext uri="{BB962C8B-B14F-4D97-AF65-F5344CB8AC3E}">
-        <p14:creationId xmlns:p14="http://schemas.microsoft.com/office/powerpoint/2010/main" val="4149962164"/>
+        <p14:creationId xmlns:p14="http://schemas.microsoft.com/office/powerpoint/2010/main" xmlns="" val="4149962164"/>
       </p:ext>
     </p:extLst>
   </p:cSld>
@@ -48629,7 +48915,7 @@
             <a:fld id="{DC12352C-5ED9-4E71-90CF-ECB7A4C6C11A}" type="datetimeFigureOut">
               <a:rPr lang="en-US" smtClean="0"/>
               <a:pPr/>
-              <a:t>6/16/2013</a:t>
+              <a:t>6/17/2013</a:t>
             </a:fld>
             <a:endParaRPr lang="en-US"/>
           </a:p>
@@ -48681,7 +48967,7 @@
     </p:spTree>
     <p:extLst>
       <p:ext uri="{BB962C8B-B14F-4D97-AF65-F5344CB8AC3E}">
-        <p14:creationId xmlns:p14="http://schemas.microsoft.com/office/powerpoint/2010/main" val="2318772332"/>
+        <p14:creationId xmlns:p14="http://schemas.microsoft.com/office/powerpoint/2010/main" xmlns="" val="2318772332"/>
       </p:ext>
     </p:extLst>
   </p:cSld>
@@ -48884,7 +49170,7 @@
             <a:fld id="{DC12352C-5ED9-4E71-90CF-ECB7A4C6C11A}" type="datetimeFigureOut">
               <a:rPr lang="en-US" smtClean="0"/>
               <a:pPr/>
-              <a:t>6/16/2013</a:t>
+              <a:t>6/17/2013</a:t>
             </a:fld>
             <a:endParaRPr lang="en-US"/>
           </a:p>
@@ -48936,7 +49222,7 @@
     </p:spTree>
     <p:extLst>
       <p:ext uri="{BB962C8B-B14F-4D97-AF65-F5344CB8AC3E}">
-        <p14:creationId xmlns:p14="http://schemas.microsoft.com/office/powerpoint/2010/main" val="2574223405"/>
+        <p14:creationId xmlns:p14="http://schemas.microsoft.com/office/powerpoint/2010/main" xmlns="" val="2574223405"/>
       </p:ext>
     </p:extLst>
   </p:cSld>
@@ -49099,7 +49385,7 @@
             <a:fld id="{DC12352C-5ED9-4E71-90CF-ECB7A4C6C11A}" type="datetimeFigureOut">
               <a:rPr lang="en-US" smtClean="0"/>
               <a:pPr/>
-              <a:t>6/16/2013</a:t>
+              <a:t>6/17/2013</a:t>
             </a:fld>
             <a:endParaRPr lang="en-US"/>
           </a:p>
@@ -49187,7 +49473,7 @@
     </p:spTree>
     <p:extLst>
       <p:ext uri="{BB962C8B-B14F-4D97-AF65-F5344CB8AC3E}">
-        <p14:creationId xmlns:p14="http://schemas.microsoft.com/office/powerpoint/2010/main" val="3383897187"/>
+        <p14:creationId xmlns:p14="http://schemas.microsoft.com/office/powerpoint/2010/main" xmlns="" val="3383897187"/>
       </p:ext>
     </p:extLst>
   </p:cSld>
@@ -49516,7 +49802,7 @@
     </p:spTree>
     <p:extLst>
       <p:ext uri="{BB962C8B-B14F-4D97-AF65-F5344CB8AC3E}">
-        <p14:creationId xmlns:p14="http://schemas.microsoft.com/office/powerpoint/2010/main" val="2398501569"/>
+        <p14:creationId xmlns:p14="http://schemas.microsoft.com/office/powerpoint/2010/main" xmlns="" val="2398501569"/>
       </p:ext>
     </p:extLst>
   </p:cSld>
@@ -50209,7 +50495,7 @@
     </p:spTree>
     <p:extLst>
       <p:ext uri="{BB962C8B-B14F-4D97-AF65-F5344CB8AC3E}">
-        <p14:creationId xmlns:p14="http://schemas.microsoft.com/office/powerpoint/2010/main" val="2601577110"/>
+        <p14:creationId xmlns:p14="http://schemas.microsoft.com/office/powerpoint/2010/main" xmlns="" val="2601577110"/>
       </p:ext>
     </p:extLst>
   </p:cSld>
@@ -50272,7 +50558,7 @@
             <p:ph idx="1"/>
             <p:extLst>
               <p:ext uri="{D42A27DB-BD31-4B8C-83A1-F6EECF244321}">
-                <p14:modId xmlns:p14="http://schemas.microsoft.com/office/powerpoint/2010/main" val="2177100673"/>
+                <p14:modId xmlns:p14="http://schemas.microsoft.com/office/powerpoint/2010/main" xmlns="" val="2177100673"/>
               </p:ext>
             </p:extLst>
           </p:nvPr>
@@ -50296,7 +50582,7 @@
           <p:nvPr>
             <p:extLst>
               <p:ext uri="{D42A27DB-BD31-4B8C-83A1-F6EECF244321}">
-                <p14:modId xmlns:p14="http://schemas.microsoft.com/office/powerpoint/2010/main" val="3880500600"/>
+                <p14:modId xmlns:p14="http://schemas.microsoft.com/office/powerpoint/2010/main" xmlns="" val="3880500600"/>
               </p:ext>
             </p:extLst>
           </p:nvPr>
@@ -50434,7 +50720,7 @@
     </p:spTree>
     <p:extLst>
       <p:ext uri="{BB962C8B-B14F-4D97-AF65-F5344CB8AC3E}">
-        <p14:creationId xmlns:p14="http://schemas.microsoft.com/office/powerpoint/2010/main" val="686433211"/>
+        <p14:creationId xmlns:p14="http://schemas.microsoft.com/office/powerpoint/2010/main" xmlns="" val="686433211"/>
       </p:ext>
     </p:extLst>
   </p:cSld>
@@ -50508,7 +50794,7 @@
             <p:ph idx="1"/>
             <p:extLst>
               <p:ext uri="{D42A27DB-BD31-4B8C-83A1-F6EECF244321}">
-                <p14:modId xmlns:p14="http://schemas.microsoft.com/office/powerpoint/2010/main" val="545708058"/>
+                <p14:modId xmlns:p14="http://schemas.microsoft.com/office/powerpoint/2010/main" xmlns="" val="545708058"/>
               </p:ext>
             </p:extLst>
           </p:nvPr>
@@ -50526,7 +50812,7 @@
     </p:spTree>
     <p:extLst>
       <p:ext uri="{BB962C8B-B14F-4D97-AF65-F5344CB8AC3E}">
-        <p14:creationId xmlns:p14="http://schemas.microsoft.com/office/powerpoint/2010/main" val="2992830619"/>
+        <p14:creationId xmlns:p14="http://schemas.microsoft.com/office/powerpoint/2010/main" xmlns="" val="2992830619"/>
       </p:ext>
     </p:extLst>
   </p:cSld>
@@ -50607,7 +50893,7 @@
           <p:nvPr>
             <p:extLst>
               <p:ext uri="{D42A27DB-BD31-4B8C-83A1-F6EECF244321}">
-                <p14:modId xmlns:p14="http://schemas.microsoft.com/office/powerpoint/2010/main" val="2621353938"/>
+                <p14:modId xmlns:p14="http://schemas.microsoft.com/office/powerpoint/2010/main" xmlns="" val="2621353938"/>
               </p:ext>
             </p:extLst>
           </p:nvPr>
@@ -50631,7 +50917,7 @@
           <p:nvPr>
             <p:extLst>
               <p:ext uri="{D42A27DB-BD31-4B8C-83A1-F6EECF244321}">
-                <p14:modId xmlns:p14="http://schemas.microsoft.com/office/powerpoint/2010/main" val="1248215537"/>
+                <p14:modId xmlns:p14="http://schemas.microsoft.com/office/powerpoint/2010/main" xmlns="" val="1248215537"/>
               </p:ext>
             </p:extLst>
           </p:nvPr>
@@ -50741,7 +51027,7 @@
     </p:spTree>
     <p:extLst>
       <p:ext uri="{BB962C8B-B14F-4D97-AF65-F5344CB8AC3E}">
-        <p14:creationId xmlns:p14="http://schemas.microsoft.com/office/powerpoint/2010/main" val="1557959741"/>
+        <p14:creationId xmlns:p14="http://schemas.microsoft.com/office/powerpoint/2010/main" xmlns="" val="1557959741"/>
       </p:ext>
     </p:extLst>
   </p:cSld>
@@ -50804,7 +51090,7 @@
             <p:ph idx="1"/>
             <p:extLst>
               <p:ext uri="{D42A27DB-BD31-4B8C-83A1-F6EECF244321}">
-                <p14:modId xmlns:p14="http://schemas.microsoft.com/office/powerpoint/2010/main" val="3607291589"/>
+                <p14:modId xmlns:p14="http://schemas.microsoft.com/office/powerpoint/2010/main" xmlns="" val="3607291589"/>
               </p:ext>
             </p:extLst>
           </p:nvPr>
@@ -50822,7 +51108,7 @@
     </p:spTree>
     <p:extLst>
       <p:ext uri="{BB962C8B-B14F-4D97-AF65-F5344CB8AC3E}">
-        <p14:creationId xmlns:p14="http://schemas.microsoft.com/office/powerpoint/2010/main" val="704232541"/>
+        <p14:creationId xmlns:p14="http://schemas.microsoft.com/office/powerpoint/2010/main" xmlns="" val="704232541"/>
       </p:ext>
     </p:extLst>
   </p:cSld>
@@ -53050,7 +53336,7 @@
     </p:spTree>
     <p:extLst>
       <p:ext uri="{BB962C8B-B14F-4D97-AF65-F5344CB8AC3E}">
-        <p14:creationId xmlns:p14="http://schemas.microsoft.com/office/powerpoint/2010/main" val="1650756672"/>
+        <p14:creationId xmlns:p14="http://schemas.microsoft.com/office/powerpoint/2010/main" xmlns="" val="1650756672"/>
       </p:ext>
     </p:extLst>
   </p:cSld>
@@ -53434,7 +53720,7 @@
     </p:spTree>
     <p:extLst>
       <p:ext uri="{BB962C8B-B14F-4D97-AF65-F5344CB8AC3E}">
-        <p14:creationId xmlns:p14="http://schemas.microsoft.com/office/powerpoint/2010/main" val="2269612353"/>
+        <p14:creationId xmlns:p14="http://schemas.microsoft.com/office/powerpoint/2010/main" xmlns="" val="2269612353"/>
       </p:ext>
     </p:extLst>
   </p:cSld>
@@ -53522,7 +53808,7 @@
             <p:nvPr>
               <p:extLst>
                 <p:ext uri="{D42A27DB-BD31-4B8C-83A1-F6EECF244321}">
-                  <p14:modId xmlns:p14="http://schemas.microsoft.com/office/powerpoint/2010/main" val="2598465583"/>
+                  <p14:modId xmlns:p14="http://schemas.microsoft.com/office/powerpoint/2010/main" xmlns="" val="2598465583"/>
                 </p:ext>
               </p:extLst>
             </p:nvPr>
@@ -54451,7 +54737,7 @@
     </p:spTree>
     <p:extLst>
       <p:ext uri="{BB962C8B-B14F-4D97-AF65-F5344CB8AC3E}">
-        <p14:creationId xmlns:p14="http://schemas.microsoft.com/office/powerpoint/2010/main" val="1633000113"/>
+        <p14:creationId xmlns:p14="http://schemas.microsoft.com/office/powerpoint/2010/main" xmlns="" val="1633000113"/>
       </p:ext>
     </p:extLst>
   </p:cSld>
@@ -54514,7 +54800,7 @@
             <p:ph idx="1"/>
             <p:extLst>
               <p:ext uri="{D42A27DB-BD31-4B8C-83A1-F6EECF244321}">
-                <p14:modId xmlns:p14="http://schemas.microsoft.com/office/powerpoint/2010/main" val="812163987"/>
+                <p14:modId xmlns:p14="http://schemas.microsoft.com/office/powerpoint/2010/main" xmlns="" val="812163987"/>
               </p:ext>
             </p:extLst>
           </p:nvPr>
@@ -54567,7 +54853,7 @@
     </p:spTree>
     <p:extLst>
       <p:ext uri="{BB962C8B-B14F-4D97-AF65-F5344CB8AC3E}">
-        <p14:creationId xmlns:p14="http://schemas.microsoft.com/office/powerpoint/2010/main" val="3929008511"/>
+        <p14:creationId xmlns:p14="http://schemas.microsoft.com/office/powerpoint/2010/main" xmlns="" val="3929008511"/>
       </p:ext>
     </p:extLst>
   </p:cSld>
@@ -54616,25 +54902,10 @@
           <a:bodyPr/>
           <a:lstStyle/>
           <a:p>
-            <a:endParaRPr lang="en-US"/>
-          </a:p>
-        </p:txBody>
-      </p:sp>
-      <p:sp>
-        <p:nvSpPr>
-          <p:cNvPr id="3" name="Content Placeholder 2"/>
-          <p:cNvSpPr>
-            <a:spLocks noGrp="1"/>
-          </p:cNvSpPr>
-          <p:nvPr>
-            <p:ph idx="1"/>
-          </p:nvPr>
-        </p:nvSpPr>
-        <p:spPr/>
-        <p:txBody>
-          <a:bodyPr/>
-          <a:lstStyle/>
-          <a:p>
+            <a:r>
+              <a:rPr lang="en-US" dirty="0" smtClean="0"/>
+              <a:t>Dummy.tiff</a:t>
+            </a:r>
             <a:endParaRPr lang="en-US" dirty="0"/>
           </a:p>
         </p:txBody>
@@ -54712,7 +54983,7 @@
                 <a:latin typeface="Arabic Typesetting" pitchFamily="66" charset="-78"/>
                 <a:cs typeface="Arabic Typesetting" pitchFamily="66" charset="-78"/>
               </a:rPr>
-              <a:t>(</a:t>
+              <a:t>();</a:t>
             </a:r>
             <a:endParaRPr lang="en-US" sz="2000" dirty="0">
               <a:solidFill>
@@ -55143,14 +55414,14 @@
           </a:p>
           <a:p>
             <a:r>
-              <a:rPr lang="en-US" sz="2000" dirty="0" smtClean="0">
+              <a:rPr lang="en-US" sz="2000" dirty="0" err="1" smtClean="0">
                 <a:solidFill>
                   <a:schemeClr val="tx1"/>
                 </a:solidFill>
                 <a:latin typeface="Arabic Typesetting" pitchFamily="66" charset="-78"/>
                 <a:cs typeface="Arabic Typesetting" pitchFamily="66" charset="-78"/>
               </a:rPr>
-              <a:t>	);</a:t>
+              <a:t>endmodule</a:t>
             </a:r>
             <a:endParaRPr lang="en-US" sz="2000" dirty="0">
               <a:solidFill>
@@ -55165,7 +55436,7 @@
     </p:spTree>
     <p:extLst>
       <p:ext uri="{BB962C8B-B14F-4D97-AF65-F5344CB8AC3E}">
-        <p14:creationId xmlns:p14="http://schemas.microsoft.com/office/powerpoint/2010/main" val="2666438091"/>
+        <p14:creationId xmlns:p14="http://schemas.microsoft.com/office/powerpoint/2010/main" xmlns="" val="2666438091"/>
       </p:ext>
     </p:extLst>
   </p:cSld>
@@ -55215,25 +55486,6 @@
           <a:lstStyle/>
           <a:p>
             <a:endParaRPr lang="en-US"/>
-          </a:p>
-        </p:txBody>
-      </p:sp>
-      <p:sp>
-        <p:nvSpPr>
-          <p:cNvPr id="3" name="Content Placeholder 2"/>
-          <p:cNvSpPr>
-            <a:spLocks noGrp="1"/>
-          </p:cNvSpPr>
-          <p:nvPr>
-            <p:ph idx="1"/>
-          </p:nvPr>
-        </p:nvSpPr>
-        <p:spPr/>
-        <p:txBody>
-          <a:bodyPr/>
-          <a:lstStyle/>
-          <a:p>
-            <a:endParaRPr lang="en-US" dirty="0"/>
           </a:p>
         </p:txBody>
       </p:sp>
@@ -55295,8 +55547,25 @@
                 <a:latin typeface="Arabic Typesetting" pitchFamily="66" charset="-78"/>
                 <a:cs typeface="Arabic Typesetting" pitchFamily="66" charset="-78"/>
               </a:rPr>
-              <a:t> GATE (</a:t>
+              <a:t> GATE </a:t>
             </a:r>
+            <a:r>
+              <a:rPr lang="en-US" sz="2000" dirty="0" smtClean="0">
+                <a:solidFill>
+                  <a:schemeClr val="tx1"/>
+                </a:solidFill>
+                <a:latin typeface="Arabic Typesetting" pitchFamily="66" charset="-78"/>
+                <a:cs typeface="Arabic Typesetting" pitchFamily="66" charset="-78"/>
+              </a:rPr>
+              <a:t>(</a:t>
+            </a:r>
+            <a:endParaRPr lang="en-US" sz="2000" dirty="0">
+              <a:solidFill>
+                <a:schemeClr val="tx1"/>
+              </a:solidFill>
+              <a:latin typeface="Arabic Typesetting" pitchFamily="66" charset="-78"/>
+              <a:cs typeface="Arabic Typesetting" pitchFamily="66" charset="-78"/>
+            </a:endParaRPr>
           </a:p>
           <a:p>
             <a:r>
@@ -55616,7 +55885,7 @@
     </p:spTree>
     <p:extLst>
       <p:ext uri="{BB962C8B-B14F-4D97-AF65-F5344CB8AC3E}">
-        <p14:creationId xmlns:p14="http://schemas.microsoft.com/office/powerpoint/2010/main" val="4073241746"/>
+        <p14:creationId xmlns:p14="http://schemas.microsoft.com/office/powerpoint/2010/main" xmlns="" val="4073241746"/>
       </p:ext>
     </p:extLst>
   </p:cSld>
@@ -55666,25 +55935,6 @@
           <a:lstStyle/>
           <a:p>
             <a:endParaRPr lang="en-US"/>
-          </a:p>
-        </p:txBody>
-      </p:sp>
-      <p:sp>
-        <p:nvSpPr>
-          <p:cNvPr id="3" name="Content Placeholder 2"/>
-          <p:cNvSpPr>
-            <a:spLocks noGrp="1"/>
-          </p:cNvSpPr>
-          <p:nvPr>
-            <p:ph idx="1"/>
-          </p:nvPr>
-        </p:nvSpPr>
-        <p:spPr/>
-        <p:txBody>
-          <a:bodyPr/>
-          <a:lstStyle/>
-          <a:p>
-            <a:endParaRPr lang="en-US" dirty="0"/>
           </a:p>
         </p:txBody>
       </p:sp>
@@ -55911,7 +56161,7 @@
     </p:spTree>
     <p:extLst>
       <p:ext uri="{BB962C8B-B14F-4D97-AF65-F5344CB8AC3E}">
-        <p14:creationId xmlns:p14="http://schemas.microsoft.com/office/powerpoint/2010/main" val="296434353"/>
+        <p14:creationId xmlns:p14="http://schemas.microsoft.com/office/powerpoint/2010/main" xmlns="" val="296434353"/>
       </p:ext>
     </p:extLst>
   </p:cSld>
@@ -56384,7 +56634,7 @@
             <p:ph idx="1"/>
             <p:extLst>
               <p:ext uri="{D42A27DB-BD31-4B8C-83A1-F6EECF244321}">
-                <p14:modId xmlns:p14="http://schemas.microsoft.com/office/powerpoint/2010/main" val="3537299332"/>
+                <p14:modId xmlns:p14="http://schemas.microsoft.com/office/powerpoint/2010/main" xmlns="" val="3537299332"/>
               </p:ext>
             </p:extLst>
           </p:nvPr>
@@ -56402,7 +56652,7 @@
     </p:spTree>
     <p:extLst>
       <p:ext uri="{BB962C8B-B14F-4D97-AF65-F5344CB8AC3E}">
-        <p14:creationId xmlns:p14="http://schemas.microsoft.com/office/powerpoint/2010/main" val="2350175017"/>
+        <p14:creationId xmlns:p14="http://schemas.microsoft.com/office/powerpoint/2010/main" xmlns="" val="2350175017"/>
       </p:ext>
     </p:extLst>
   </p:cSld>
@@ -56470,7 +56720,7 @@
             <p:ph idx="1"/>
             <p:extLst>
               <p:ext uri="{D42A27DB-BD31-4B8C-83A1-F6EECF244321}">
-                <p14:modId xmlns:p14="http://schemas.microsoft.com/office/powerpoint/2010/main" val="2475547916"/>
+                <p14:modId xmlns:p14="http://schemas.microsoft.com/office/powerpoint/2010/main" xmlns="" val="2475547916"/>
               </p:ext>
             </p:extLst>
           </p:nvPr>
@@ -56492,7 +56742,7 @@
           <p:nvPr>
             <p:extLst>
               <p:ext uri="{D42A27DB-BD31-4B8C-83A1-F6EECF244321}">
-                <p14:modId xmlns:p14="http://schemas.microsoft.com/office/powerpoint/2010/main" val="1761478570"/>
+                <p14:modId xmlns:p14="http://schemas.microsoft.com/office/powerpoint/2010/main" xmlns="" val="1761478570"/>
               </p:ext>
             </p:extLst>
           </p:nvPr>
@@ -56516,7 +56766,7 @@
           <p:nvPr>
             <p:extLst>
               <p:ext uri="{D42A27DB-BD31-4B8C-83A1-F6EECF244321}">
-                <p14:modId xmlns:p14="http://schemas.microsoft.com/office/powerpoint/2010/main" val="1111039397"/>
+                <p14:modId xmlns:p14="http://schemas.microsoft.com/office/powerpoint/2010/main" xmlns="" val="1111039397"/>
               </p:ext>
             </p:extLst>
           </p:nvPr>
@@ -56631,14 +56881,7 @@
                 <a:latin typeface="Times New Roman" pitchFamily="18" charset="0"/>
                 <a:cs typeface="Times New Roman" pitchFamily="18" charset="0"/>
               </a:rPr>
-              <a:t>List file </a:t>
-            </a:r>
-            <a:r>
-              <a:rPr lang="en-IN" sz="2400" b="1" dirty="0" smtClean="0">
-                <a:latin typeface="Times New Roman" pitchFamily="18" charset="0"/>
-                <a:cs typeface="Times New Roman" pitchFamily="18" charset="0"/>
-              </a:rPr>
-              <a:t>objects</a:t>
+              <a:t>List file objects</a:t>
             </a:r>
             <a:endParaRPr lang="en-IN" sz="2400" b="1" dirty="0">
               <a:latin typeface="Times New Roman" pitchFamily="18" charset="0"/>
@@ -56650,7 +56893,7 @@
     </p:spTree>
     <p:extLst>
       <p:ext uri="{BB962C8B-B14F-4D97-AF65-F5344CB8AC3E}">
-        <p14:creationId xmlns:p14="http://schemas.microsoft.com/office/powerpoint/2010/main" val="2434108879"/>
+        <p14:creationId xmlns:p14="http://schemas.microsoft.com/office/powerpoint/2010/main" xmlns="" val="2434108879"/>
       </p:ext>
     </p:extLst>
   </p:cSld>
@@ -56718,7 +56961,7 @@
             <p:ph idx="1"/>
             <p:extLst>
               <p:ext uri="{D42A27DB-BD31-4B8C-83A1-F6EECF244321}">
-                <p14:modId xmlns:p14="http://schemas.microsoft.com/office/powerpoint/2010/main" val="1707743398"/>
+                <p14:modId xmlns:p14="http://schemas.microsoft.com/office/powerpoint/2010/main" xmlns="" val="1707743398"/>
               </p:ext>
             </p:extLst>
           </p:nvPr>
@@ -56740,7 +56983,7 @@
           <p:nvPr>
             <p:extLst>
               <p:ext uri="{D42A27DB-BD31-4B8C-83A1-F6EECF244321}">
-                <p14:modId xmlns:p14="http://schemas.microsoft.com/office/powerpoint/2010/main" val="3451522524"/>
+                <p14:modId xmlns:p14="http://schemas.microsoft.com/office/powerpoint/2010/main" xmlns="" val="3451522524"/>
               </p:ext>
             </p:extLst>
           </p:nvPr>
@@ -56764,7 +57007,7 @@
           <p:nvPr>
             <p:extLst>
               <p:ext uri="{D42A27DB-BD31-4B8C-83A1-F6EECF244321}">
-                <p14:modId xmlns:p14="http://schemas.microsoft.com/office/powerpoint/2010/main" val="874027869"/>
+                <p14:modId xmlns:p14="http://schemas.microsoft.com/office/powerpoint/2010/main" xmlns="" val="874027869"/>
               </p:ext>
             </p:extLst>
           </p:nvPr>
@@ -56879,21 +57122,7 @@
                 <a:latin typeface="Times New Roman" pitchFamily="18" charset="0"/>
                 <a:cs typeface="Times New Roman" pitchFamily="18" charset="0"/>
               </a:rPr>
-              <a:t>Log </a:t>
-            </a:r>
-            <a:r>
-              <a:rPr lang="en-IN" sz="2400" b="1" dirty="0" smtClean="0">
-                <a:latin typeface="Times New Roman" pitchFamily="18" charset="0"/>
-                <a:cs typeface="Times New Roman" pitchFamily="18" charset="0"/>
-              </a:rPr>
-              <a:t>file </a:t>
-            </a:r>
-            <a:r>
-              <a:rPr lang="en-IN" sz="2400" b="1" dirty="0" smtClean="0">
-                <a:latin typeface="Times New Roman" pitchFamily="18" charset="0"/>
-                <a:cs typeface="Times New Roman" pitchFamily="18" charset="0"/>
-              </a:rPr>
-              <a:t>objects</a:t>
+              <a:t>Log file objects</a:t>
             </a:r>
             <a:endParaRPr lang="en-IN" sz="2400" b="1" dirty="0">
               <a:latin typeface="Times New Roman" pitchFamily="18" charset="0"/>
@@ -56905,7 +57134,7 @@
     </p:spTree>
     <p:extLst>
       <p:ext uri="{BB962C8B-B14F-4D97-AF65-F5344CB8AC3E}">
-        <p14:creationId xmlns:p14="http://schemas.microsoft.com/office/powerpoint/2010/main" val="4105648671"/>
+        <p14:creationId xmlns:p14="http://schemas.microsoft.com/office/powerpoint/2010/main" xmlns="" val="4105648671"/>
       </p:ext>
     </p:extLst>
   </p:cSld>
@@ -60376,7 +60605,7 @@
     </p:spTree>
     <p:extLst>
       <p:ext uri="{BB962C8B-B14F-4D97-AF65-F5344CB8AC3E}">
-        <p14:creationId xmlns:p14="http://schemas.microsoft.com/office/powerpoint/2010/main" val="1734076018"/>
+        <p14:creationId xmlns:p14="http://schemas.microsoft.com/office/powerpoint/2010/main" xmlns="" val="1734076018"/>
       </p:ext>
     </p:extLst>
   </p:cSld>

--- a/pptFigures.pptx
+++ b/pptFigures.pptx
@@ -15264,8 +15264,8 @@
     <dgm:cxn modelId="{3D5DB84A-28AC-4B00-A322-344ACBD665A1}" type="presOf" srcId="{60A634FA-D51E-4DFA-A8B7-6627332F3222}" destId="{8D048A75-E83A-48D6-A855-C4FE5D533639}" srcOrd="0" destOrd="0" presId="urn:microsoft.com/office/officeart/2005/8/layout/process5"/>
     <dgm:cxn modelId="{70746F17-67B3-49C6-ADF5-8DA5442091FE}" type="presOf" srcId="{6D9A60DC-AD23-4395-A2B6-098A85C95DAF}" destId="{53DC6053-EF4C-4ACD-B03F-8CF667438B89}" srcOrd="0" destOrd="0" presId="urn:microsoft.com/office/officeart/2005/8/layout/process5"/>
     <dgm:cxn modelId="{C22CA8C5-D445-4FC2-A1B5-DF7B3C7C381E}" srcId="{6D9A60DC-AD23-4395-A2B6-098A85C95DAF}" destId="{6DB6DE26-1159-4C42-AA9C-C2C9040357D2}" srcOrd="1" destOrd="0" parTransId="{30913342-7ABF-4DA0-837F-C1F2F887444C}" sibTransId="{60A634FA-D51E-4DFA-A8B7-6627332F3222}"/>
+    <dgm:cxn modelId="{FE51332D-46FF-43BD-8477-AAFF77C5ECF4}" type="presOf" srcId="{EB43B6EF-5A5A-4A68-96D7-24989EB4F565}" destId="{08139FAF-B268-4BD6-BAAC-2DCE292E9DA9}" srcOrd="0" destOrd="0" presId="urn:microsoft.com/office/officeart/2005/8/layout/process5"/>
     <dgm:cxn modelId="{14C0939A-1E32-4001-B316-3100411C1C85}" srcId="{6D9A60DC-AD23-4395-A2B6-098A85C95DAF}" destId="{3AD45C46-17C9-46AB-BDDD-469FA601C13C}" srcOrd="0" destOrd="0" parTransId="{FF2AF0DB-6D32-4F43-A798-AEA6016B4D3A}" sibTransId="{66694CC5-7120-4F35-9FF6-3EE8026C4947}"/>
-    <dgm:cxn modelId="{FE51332D-46FF-43BD-8477-AAFF77C5ECF4}" type="presOf" srcId="{EB43B6EF-5A5A-4A68-96D7-24989EB4F565}" destId="{08139FAF-B268-4BD6-BAAC-2DCE292E9DA9}" srcOrd="0" destOrd="0" presId="urn:microsoft.com/office/officeart/2005/8/layout/process5"/>
     <dgm:cxn modelId="{03A4D65C-936F-4543-9246-EEACAE1F55F1}" type="presOf" srcId="{3AD45C46-17C9-46AB-BDDD-469FA601C13C}" destId="{C54D33F4-3F41-4981-8216-E1E6D78F10B6}" srcOrd="0" destOrd="0" presId="urn:microsoft.com/office/officeart/2005/8/layout/process5"/>
     <dgm:cxn modelId="{03D97DCF-1082-4534-8B6A-0F4C3D73CAA0}" srcId="{6D9A60DC-AD23-4395-A2B6-098A85C95DAF}" destId="{EB43B6EF-5A5A-4A68-96D7-24989EB4F565}" srcOrd="2" destOrd="0" parTransId="{499405AF-CC85-48D8-8E6D-22C6B9CDDA23}" sibTransId="{72BE0F66-E742-44D1-B94F-41B3B8262BE8}"/>
     <dgm:cxn modelId="{C983FE68-AC44-4AF2-8B9A-F5A71BD5C399}" type="presOf" srcId="{60A634FA-D51E-4DFA-A8B7-6627332F3222}" destId="{193C265C-C4B1-48F6-97B8-E418DD8A9806}" srcOrd="1" destOrd="0" presId="urn:microsoft.com/office/officeart/2005/8/layout/process5"/>
@@ -44674,7 +44674,7 @@
             <a:fld id="{B4D587CB-4639-4B7A-9F0F-841F955FE3A0}" type="datetimeFigureOut">
               <a:rPr lang="en-US" smtClean="0"/>
               <a:pPr/>
-              <a:t>6/17/2013</a:t>
+              <a:t>6/18/2013</a:t>
             </a:fld>
             <a:endParaRPr lang="en-US"/>
           </a:p>
@@ -46931,7 +46931,7 @@
             <a:fld id="{DC12352C-5ED9-4E71-90CF-ECB7A4C6C11A}" type="datetimeFigureOut">
               <a:rPr lang="en-US" smtClean="0"/>
               <a:pPr/>
-              <a:t>6/17/2013</a:t>
+              <a:t>6/18/2013</a:t>
             </a:fld>
             <a:endParaRPr lang="en-US"/>
           </a:p>
@@ -47103,7 +47103,7 @@
             <a:fld id="{DC12352C-5ED9-4E71-90CF-ECB7A4C6C11A}" type="datetimeFigureOut">
               <a:rPr lang="en-US" smtClean="0"/>
               <a:pPr/>
-              <a:t>6/17/2013</a:t>
+              <a:t>6/18/2013</a:t>
             </a:fld>
             <a:endParaRPr lang="en-US"/>
           </a:p>
@@ -47285,7 +47285,7 @@
             <a:fld id="{DC12352C-5ED9-4E71-90CF-ECB7A4C6C11A}" type="datetimeFigureOut">
               <a:rPr lang="en-US" smtClean="0"/>
               <a:pPr/>
-              <a:t>6/17/2013</a:t>
+              <a:t>6/18/2013</a:t>
             </a:fld>
             <a:endParaRPr lang="en-US"/>
           </a:p>
@@ -47457,7 +47457,7 @@
             <a:fld id="{DC12352C-5ED9-4E71-90CF-ECB7A4C6C11A}" type="datetimeFigureOut">
               <a:rPr lang="en-US" smtClean="0"/>
               <a:pPr/>
-              <a:t>6/17/2013</a:t>
+              <a:t>6/18/2013</a:t>
             </a:fld>
             <a:endParaRPr lang="en-US"/>
           </a:p>
@@ -47705,7 +47705,7 @@
             <a:fld id="{DC12352C-5ED9-4E71-90CF-ECB7A4C6C11A}" type="datetimeFigureOut">
               <a:rPr lang="en-US" smtClean="0"/>
               <a:pPr/>
-              <a:t>6/17/2013</a:t>
+              <a:t>6/18/2013</a:t>
             </a:fld>
             <a:endParaRPr lang="en-US"/>
           </a:p>
@@ -47995,7 +47995,7 @@
             <a:fld id="{DC12352C-5ED9-4E71-90CF-ECB7A4C6C11A}" type="datetimeFigureOut">
               <a:rPr lang="en-US" smtClean="0"/>
               <a:pPr/>
-              <a:t>6/17/2013</a:t>
+              <a:t>6/18/2013</a:t>
             </a:fld>
             <a:endParaRPr lang="en-US"/>
           </a:p>
@@ -48419,7 +48419,7 @@
             <a:fld id="{DC12352C-5ED9-4E71-90CF-ECB7A4C6C11A}" type="datetimeFigureOut">
               <a:rPr lang="en-US" smtClean="0"/>
               <a:pPr/>
-              <a:t>6/17/2013</a:t>
+              <a:t>6/18/2013</a:t>
             </a:fld>
             <a:endParaRPr lang="en-US"/>
           </a:p>
@@ -48539,7 +48539,7 @@
             <a:fld id="{DC12352C-5ED9-4E71-90CF-ECB7A4C6C11A}" type="datetimeFigureOut">
               <a:rPr lang="en-US" smtClean="0"/>
               <a:pPr/>
-              <a:t>6/17/2013</a:t>
+              <a:t>6/18/2013</a:t>
             </a:fld>
             <a:endParaRPr lang="en-US"/>
           </a:p>
@@ -48636,7 +48636,7 @@
             <a:fld id="{DC12352C-5ED9-4E71-90CF-ECB7A4C6C11A}" type="datetimeFigureOut">
               <a:rPr lang="en-US" smtClean="0"/>
               <a:pPr/>
-              <a:t>6/17/2013</a:t>
+              <a:t>6/18/2013</a:t>
             </a:fld>
             <a:endParaRPr lang="en-US"/>
           </a:p>
@@ -48915,7 +48915,7 @@
             <a:fld id="{DC12352C-5ED9-4E71-90CF-ECB7A4C6C11A}" type="datetimeFigureOut">
               <a:rPr lang="en-US" smtClean="0"/>
               <a:pPr/>
-              <a:t>6/17/2013</a:t>
+              <a:t>6/18/2013</a:t>
             </a:fld>
             <a:endParaRPr lang="en-US"/>
           </a:p>
@@ -49170,7 +49170,7 @@
             <a:fld id="{DC12352C-5ED9-4E71-90CF-ECB7A4C6C11A}" type="datetimeFigureOut">
               <a:rPr lang="en-US" smtClean="0"/>
               <a:pPr/>
-              <a:t>6/17/2013</a:t>
+              <a:t>6/18/2013</a:t>
             </a:fld>
             <a:endParaRPr lang="en-US"/>
           </a:p>
@@ -49385,7 +49385,7 @@
             <a:fld id="{DC12352C-5ED9-4E71-90CF-ECB7A4C6C11A}" type="datetimeFigureOut">
               <a:rPr lang="en-US" smtClean="0"/>
               <a:pPr/>
-              <a:t>6/17/2013</a:t>
+              <a:t>6/18/2013</a:t>
             </a:fld>
             <a:endParaRPr lang="en-US"/>
           </a:p>
@@ -53757,30 +53757,22 @@
             <p:ph type="title"/>
           </p:nvPr>
         </p:nvSpPr>
-        <p:spPr/>
+        <p:spPr>
+          <a:xfrm>
+            <a:off x="457200" y="274638"/>
+            <a:ext cx="8229600" cy="706090"/>
+          </a:xfrm>
+        </p:spPr>
         <p:txBody>
-          <a:bodyPr/>
+          <a:bodyPr>
+            <a:normAutofit fontScale="90000"/>
+          </a:bodyPr>
           <a:lstStyle/>
           <a:p>
-            <a:endParaRPr lang="en-US" dirty="0"/>
-          </a:p>
-        </p:txBody>
-      </p:sp>
-      <p:sp>
-        <p:nvSpPr>
-          <p:cNvPr id="3" name="Content Placeholder 2"/>
-          <p:cNvSpPr>
-            <a:spLocks noGrp="1"/>
-          </p:cNvSpPr>
-          <p:nvPr>
-            <p:ph idx="1"/>
-          </p:nvPr>
-        </p:nvSpPr>
-        <p:spPr/>
-        <p:txBody>
-          <a:bodyPr/>
-          <a:lstStyle/>
-          <a:p>
+            <a:r>
+              <a:rPr lang="en-US" dirty="0" err="1" smtClean="0"/>
+              <a:t>netlist_sim</a:t>
+            </a:r>
             <a:endParaRPr lang="en-US" dirty="0"/>
           </a:p>
         </p:txBody>
@@ -54734,6 +54726,258 @@
           </p:sp>
         </p:grpSp>
       </p:grpSp>
+      <p:sp>
+        <p:nvSpPr>
+          <p:cNvPr id="27" name="Flowchart: Connector 26"/>
+          <p:cNvSpPr/>
+          <p:nvPr/>
+        </p:nvSpPr>
+        <p:spPr>
+          <a:xfrm>
+            <a:off x="1475656" y="4077072"/>
+            <a:ext cx="216024" cy="216024"/>
+          </a:xfrm>
+          <a:prstGeom prst="flowChartConnector">
+            <a:avLst/>
+          </a:prstGeom>
+        </p:spPr>
+        <p:style>
+          <a:lnRef idx="1">
+            <a:schemeClr val="dk1"/>
+          </a:lnRef>
+          <a:fillRef idx="2">
+            <a:schemeClr val="dk1"/>
+          </a:fillRef>
+          <a:effectRef idx="1">
+            <a:schemeClr val="dk1"/>
+          </a:effectRef>
+          <a:fontRef idx="minor">
+            <a:schemeClr val="dk1"/>
+          </a:fontRef>
+        </p:style>
+        <p:txBody>
+          <a:bodyPr rtlCol="0" anchor="ctr"/>
+          <a:lstStyle/>
+          <a:p>
+            <a:pPr algn="ctr"/>
+            <a:r>
+              <a:rPr lang="en-US" sz="1400" dirty="0" smtClean="0"/>
+              <a:t>a</a:t>
+            </a:r>
+            <a:endParaRPr lang="en-US" sz="1400" dirty="0"/>
+          </a:p>
+        </p:txBody>
+      </p:sp>
+      <p:sp>
+        <p:nvSpPr>
+          <p:cNvPr id="28" name="Flowchart: Connector 27"/>
+          <p:cNvSpPr/>
+          <p:nvPr/>
+        </p:nvSpPr>
+        <p:spPr>
+          <a:xfrm>
+            <a:off x="1475656" y="3356992"/>
+            <a:ext cx="216024" cy="216024"/>
+          </a:xfrm>
+          <a:prstGeom prst="flowChartConnector">
+            <a:avLst/>
+          </a:prstGeom>
+        </p:spPr>
+        <p:style>
+          <a:lnRef idx="1">
+            <a:schemeClr val="dk1"/>
+          </a:lnRef>
+          <a:fillRef idx="2">
+            <a:schemeClr val="dk1"/>
+          </a:fillRef>
+          <a:effectRef idx="1">
+            <a:schemeClr val="dk1"/>
+          </a:effectRef>
+          <a:fontRef idx="minor">
+            <a:schemeClr val="dk1"/>
+          </a:fontRef>
+        </p:style>
+        <p:txBody>
+          <a:bodyPr rtlCol="0" anchor="ctr"/>
+          <a:lstStyle/>
+          <a:p>
+            <a:pPr algn="ctr"/>
+            <a:r>
+              <a:rPr lang="en-US" sz="1400" dirty="0" smtClean="0"/>
+              <a:t>b</a:t>
+            </a:r>
+            <a:endParaRPr lang="en-US" sz="1400" dirty="0"/>
+          </a:p>
+        </p:txBody>
+      </p:sp>
+      <p:sp>
+        <p:nvSpPr>
+          <p:cNvPr id="29" name="Flowchart: Connector 28"/>
+          <p:cNvSpPr/>
+          <p:nvPr/>
+        </p:nvSpPr>
+        <p:spPr>
+          <a:xfrm>
+            <a:off x="1835696" y="2780928"/>
+            <a:ext cx="216024" cy="216024"/>
+          </a:xfrm>
+          <a:prstGeom prst="flowChartConnector">
+            <a:avLst/>
+          </a:prstGeom>
+        </p:spPr>
+        <p:style>
+          <a:lnRef idx="1">
+            <a:schemeClr val="dk1"/>
+          </a:lnRef>
+          <a:fillRef idx="2">
+            <a:schemeClr val="dk1"/>
+          </a:fillRef>
+          <a:effectRef idx="1">
+            <a:schemeClr val="dk1"/>
+          </a:effectRef>
+          <a:fontRef idx="minor">
+            <a:schemeClr val="dk1"/>
+          </a:fontRef>
+        </p:style>
+        <p:txBody>
+          <a:bodyPr rtlCol="0" anchor="ctr"/>
+          <a:lstStyle/>
+          <a:p>
+            <a:pPr algn="ctr"/>
+            <a:r>
+              <a:rPr lang="en-US" sz="1400" dirty="0" smtClean="0"/>
+              <a:t>c</a:t>
+            </a:r>
+            <a:endParaRPr lang="en-US" sz="1400" dirty="0"/>
+          </a:p>
+        </p:txBody>
+      </p:sp>
+      <p:sp>
+        <p:nvSpPr>
+          <p:cNvPr id="30" name="Flowchart: Connector 29"/>
+          <p:cNvSpPr/>
+          <p:nvPr/>
+        </p:nvSpPr>
+        <p:spPr>
+          <a:xfrm>
+            <a:off x="3203848" y="2204864"/>
+            <a:ext cx="216024" cy="216024"/>
+          </a:xfrm>
+          <a:prstGeom prst="flowChartConnector">
+            <a:avLst/>
+          </a:prstGeom>
+        </p:spPr>
+        <p:style>
+          <a:lnRef idx="1">
+            <a:schemeClr val="dk1"/>
+          </a:lnRef>
+          <a:fillRef idx="2">
+            <a:schemeClr val="dk1"/>
+          </a:fillRef>
+          <a:effectRef idx="1">
+            <a:schemeClr val="dk1"/>
+          </a:effectRef>
+          <a:fontRef idx="minor">
+            <a:schemeClr val="dk1"/>
+          </a:fontRef>
+        </p:style>
+        <p:txBody>
+          <a:bodyPr rtlCol="0" anchor="ctr"/>
+          <a:lstStyle/>
+          <a:p>
+            <a:pPr algn="ctr"/>
+            <a:r>
+              <a:rPr lang="en-US" sz="1400" dirty="0" smtClean="0"/>
+              <a:t>d</a:t>
+            </a:r>
+            <a:endParaRPr lang="en-US" sz="1400" dirty="0"/>
+          </a:p>
+        </p:txBody>
+      </p:sp>
+      <p:sp>
+        <p:nvSpPr>
+          <p:cNvPr id="31" name="Flowchart: Connector 30"/>
+          <p:cNvSpPr/>
+          <p:nvPr/>
+        </p:nvSpPr>
+        <p:spPr>
+          <a:xfrm>
+            <a:off x="4499992" y="2780928"/>
+            <a:ext cx="216024" cy="216024"/>
+          </a:xfrm>
+          <a:prstGeom prst="flowChartConnector">
+            <a:avLst/>
+          </a:prstGeom>
+        </p:spPr>
+        <p:style>
+          <a:lnRef idx="1">
+            <a:schemeClr val="dk1"/>
+          </a:lnRef>
+          <a:fillRef idx="2">
+            <a:schemeClr val="dk1"/>
+          </a:fillRef>
+          <a:effectRef idx="1">
+            <a:schemeClr val="dk1"/>
+          </a:effectRef>
+          <a:fontRef idx="minor">
+            <a:schemeClr val="dk1"/>
+          </a:fontRef>
+        </p:style>
+        <p:txBody>
+          <a:bodyPr rtlCol="0" anchor="ctr"/>
+          <a:lstStyle/>
+          <a:p>
+            <a:pPr algn="ctr"/>
+            <a:r>
+              <a:rPr lang="en-US" sz="1400" dirty="0" smtClean="0"/>
+              <a:t>e</a:t>
+            </a:r>
+            <a:endParaRPr lang="en-US" sz="1400" dirty="0"/>
+          </a:p>
+        </p:txBody>
+      </p:sp>
+      <p:sp>
+        <p:nvSpPr>
+          <p:cNvPr id="32" name="Flowchart: Connector 31"/>
+          <p:cNvSpPr/>
+          <p:nvPr/>
+        </p:nvSpPr>
+        <p:spPr>
+          <a:xfrm>
+            <a:off x="4499992" y="5229200"/>
+            <a:ext cx="216024" cy="216024"/>
+          </a:xfrm>
+          <a:prstGeom prst="flowChartConnector">
+            <a:avLst/>
+          </a:prstGeom>
+        </p:spPr>
+        <p:style>
+          <a:lnRef idx="1">
+            <a:schemeClr val="dk1"/>
+          </a:lnRef>
+          <a:fillRef idx="2">
+            <a:schemeClr val="dk1"/>
+          </a:fillRef>
+          <a:effectRef idx="1">
+            <a:schemeClr val="dk1"/>
+          </a:effectRef>
+          <a:fontRef idx="minor">
+            <a:schemeClr val="dk1"/>
+          </a:fontRef>
+        </p:style>
+        <p:txBody>
+          <a:bodyPr rtlCol="0" anchor="ctr"/>
+          <a:lstStyle/>
+          <a:p>
+            <a:pPr algn="ctr"/>
+            <a:r>
+              <a:rPr lang="en-US" sz="1400" dirty="0" smtClean="0"/>
+              <a:t>f</a:t>
+            </a:r>
+            <a:endParaRPr lang="en-US" sz="1400" dirty="0"/>
+          </a:p>
+        </p:txBody>
+      </p:sp>
     </p:spTree>
     <p:extLst>
       <p:ext uri="{BB962C8B-B14F-4D97-AF65-F5344CB8AC3E}">

--- a/pptFigures.pptx
+++ b/pptFigures.pptx
@@ -5,7 +5,7 @@
     <p:sldMasterId id="2147483648" r:id="rId1"/>
   </p:sldMasterIdLst>
   <p:notesMasterIdLst>
-    <p:notesMasterId r:id="rId24"/>
+    <p:notesMasterId r:id="rId25"/>
   </p:notesMasterIdLst>
   <p:sldIdLst>
     <p:sldId id="256" r:id="rId2"/>
@@ -27,9 +27,10 @@
     <p:sldId id="272" r:id="rId18"/>
     <p:sldId id="281" r:id="rId19"/>
     <p:sldId id="271" r:id="rId20"/>
-    <p:sldId id="282" r:id="rId21"/>
-    <p:sldId id="284" r:id="rId22"/>
-    <p:sldId id="285" r:id="rId23"/>
+    <p:sldId id="286" r:id="rId21"/>
+    <p:sldId id="282" r:id="rId22"/>
+    <p:sldId id="284" r:id="rId23"/>
+    <p:sldId id="285" r:id="rId24"/>
   </p:sldIdLst>
   <p:sldSz cx="9144000" cy="6858000" type="screen4x3"/>
   <p:notesSz cx="6858000" cy="9144000"/>
@@ -6168,6 +6169,753 @@
 </file>
 
 <file path=ppt/diagrams/colors17.xml><?xml version="1.0" encoding="utf-8"?>
+<dgm:colorsDef xmlns:dgm="http://schemas.openxmlformats.org/drawingml/2006/diagram" xmlns:a="http://schemas.openxmlformats.org/drawingml/2006/main" uniqueId="urn:microsoft.com/office/officeart/2005/8/colors/accent1_2">
+  <dgm:title val=""/>
+  <dgm:desc val=""/>
+  <dgm:catLst>
+    <dgm:cat type="accent1" pri="11200"/>
+  </dgm:catLst>
+  <dgm:styleLbl name="node0">
+    <dgm:fillClrLst meth="repeat">
+      <a:schemeClr val="accent1"/>
+    </dgm:fillClrLst>
+    <dgm:linClrLst meth="repeat">
+      <a:schemeClr val="lt1"/>
+    </dgm:linClrLst>
+    <dgm:effectClrLst/>
+    <dgm:txLinClrLst/>
+    <dgm:txFillClrLst/>
+    <dgm:txEffectClrLst/>
+  </dgm:styleLbl>
+  <dgm:styleLbl name="alignNode1">
+    <dgm:fillClrLst meth="repeat">
+      <a:schemeClr val="accent1"/>
+    </dgm:fillClrLst>
+    <dgm:linClrLst meth="repeat">
+      <a:schemeClr val="accent1"/>
+    </dgm:linClrLst>
+    <dgm:effectClrLst/>
+    <dgm:txLinClrLst/>
+    <dgm:txFillClrLst/>
+    <dgm:txEffectClrLst/>
+  </dgm:styleLbl>
+  <dgm:styleLbl name="node1">
+    <dgm:fillClrLst meth="repeat">
+      <a:schemeClr val="accent1"/>
+    </dgm:fillClrLst>
+    <dgm:linClrLst meth="repeat">
+      <a:schemeClr val="lt1"/>
+    </dgm:linClrLst>
+    <dgm:effectClrLst/>
+    <dgm:txLinClrLst/>
+    <dgm:txFillClrLst/>
+    <dgm:txEffectClrLst/>
+  </dgm:styleLbl>
+  <dgm:styleLbl name="lnNode1">
+    <dgm:fillClrLst meth="repeat">
+      <a:schemeClr val="accent1"/>
+    </dgm:fillClrLst>
+    <dgm:linClrLst meth="repeat">
+      <a:schemeClr val="lt1"/>
+    </dgm:linClrLst>
+    <dgm:effectClrLst/>
+    <dgm:txLinClrLst/>
+    <dgm:txFillClrLst/>
+    <dgm:txEffectClrLst/>
+  </dgm:styleLbl>
+  <dgm:styleLbl name="vennNode1">
+    <dgm:fillClrLst meth="repeat">
+      <a:schemeClr val="accent1">
+        <a:alpha val="50000"/>
+      </a:schemeClr>
+    </dgm:fillClrLst>
+    <dgm:linClrLst meth="repeat">
+      <a:schemeClr val="lt1"/>
+    </dgm:linClrLst>
+    <dgm:effectClrLst/>
+    <dgm:txLinClrLst/>
+    <dgm:txFillClrLst/>
+    <dgm:txEffectClrLst/>
+  </dgm:styleLbl>
+  <dgm:styleLbl name="node2">
+    <dgm:fillClrLst meth="repeat">
+      <a:schemeClr val="accent1"/>
+    </dgm:fillClrLst>
+    <dgm:linClrLst meth="repeat">
+      <a:schemeClr val="lt1"/>
+    </dgm:linClrLst>
+    <dgm:effectClrLst/>
+    <dgm:txLinClrLst/>
+    <dgm:txFillClrLst/>
+    <dgm:txEffectClrLst/>
+  </dgm:styleLbl>
+  <dgm:styleLbl name="node3">
+    <dgm:fillClrLst meth="repeat">
+      <a:schemeClr val="accent1"/>
+    </dgm:fillClrLst>
+    <dgm:linClrLst meth="repeat">
+      <a:schemeClr val="lt1"/>
+    </dgm:linClrLst>
+    <dgm:effectClrLst/>
+    <dgm:txLinClrLst/>
+    <dgm:txFillClrLst/>
+    <dgm:txEffectClrLst/>
+  </dgm:styleLbl>
+  <dgm:styleLbl name="node4">
+    <dgm:fillClrLst meth="repeat">
+      <a:schemeClr val="accent1"/>
+    </dgm:fillClrLst>
+    <dgm:linClrLst meth="repeat">
+      <a:schemeClr val="lt1"/>
+    </dgm:linClrLst>
+    <dgm:effectClrLst/>
+    <dgm:txLinClrLst/>
+    <dgm:txFillClrLst/>
+    <dgm:txEffectClrLst/>
+  </dgm:styleLbl>
+  <dgm:styleLbl name="fgImgPlace1">
+    <dgm:fillClrLst meth="repeat">
+      <a:schemeClr val="accent1">
+        <a:tint val="50000"/>
+      </a:schemeClr>
+    </dgm:fillClrLst>
+    <dgm:linClrLst meth="repeat">
+      <a:schemeClr val="lt1"/>
+    </dgm:linClrLst>
+    <dgm:effectClrLst/>
+    <dgm:txLinClrLst/>
+    <dgm:txFillClrLst meth="repeat">
+      <a:schemeClr val="lt1"/>
+    </dgm:txFillClrLst>
+    <dgm:txEffectClrLst/>
+  </dgm:styleLbl>
+  <dgm:styleLbl name="alignImgPlace1">
+    <dgm:fillClrLst meth="repeat">
+      <a:schemeClr val="accent1">
+        <a:tint val="50000"/>
+      </a:schemeClr>
+    </dgm:fillClrLst>
+    <dgm:linClrLst meth="repeat">
+      <a:schemeClr val="lt1"/>
+    </dgm:linClrLst>
+    <dgm:effectClrLst/>
+    <dgm:txLinClrLst/>
+    <dgm:txFillClrLst meth="repeat">
+      <a:schemeClr val="lt1"/>
+    </dgm:txFillClrLst>
+    <dgm:txEffectClrLst/>
+  </dgm:styleLbl>
+  <dgm:styleLbl name="bgImgPlace1">
+    <dgm:fillClrLst meth="repeat">
+      <a:schemeClr val="accent1">
+        <a:tint val="50000"/>
+      </a:schemeClr>
+    </dgm:fillClrLst>
+    <dgm:linClrLst meth="repeat">
+      <a:schemeClr val="lt1"/>
+    </dgm:linClrLst>
+    <dgm:effectClrLst/>
+    <dgm:txLinClrLst/>
+    <dgm:txFillClrLst meth="repeat">
+      <a:schemeClr val="lt1"/>
+    </dgm:txFillClrLst>
+    <dgm:txEffectClrLst/>
+  </dgm:styleLbl>
+  <dgm:styleLbl name="sibTrans2D1">
+    <dgm:fillClrLst meth="repeat">
+      <a:schemeClr val="accent1">
+        <a:tint val="60000"/>
+      </a:schemeClr>
+    </dgm:fillClrLst>
+    <dgm:linClrLst meth="repeat">
+      <a:schemeClr val="accent1">
+        <a:tint val="60000"/>
+      </a:schemeClr>
+    </dgm:linClrLst>
+    <dgm:effectClrLst/>
+    <dgm:txLinClrLst/>
+    <dgm:txFillClrLst/>
+    <dgm:txEffectClrLst/>
+  </dgm:styleLbl>
+  <dgm:styleLbl name="fgSibTrans2D1">
+    <dgm:fillClrLst meth="repeat">
+      <a:schemeClr val="accent1">
+        <a:tint val="60000"/>
+      </a:schemeClr>
+    </dgm:fillClrLst>
+    <dgm:linClrLst meth="repeat">
+      <a:schemeClr val="accent1">
+        <a:tint val="60000"/>
+      </a:schemeClr>
+    </dgm:linClrLst>
+    <dgm:effectClrLst/>
+    <dgm:txLinClrLst/>
+    <dgm:txFillClrLst/>
+    <dgm:txEffectClrLst/>
+  </dgm:styleLbl>
+  <dgm:styleLbl name="bgSibTrans2D1">
+    <dgm:fillClrLst meth="repeat">
+      <a:schemeClr val="accent1">
+        <a:tint val="60000"/>
+      </a:schemeClr>
+    </dgm:fillClrLst>
+    <dgm:linClrLst meth="repeat">
+      <a:schemeClr val="accent1">
+        <a:tint val="60000"/>
+      </a:schemeClr>
+    </dgm:linClrLst>
+    <dgm:effectClrLst/>
+    <dgm:txLinClrLst/>
+    <dgm:txFillClrLst/>
+    <dgm:txEffectClrLst/>
+  </dgm:styleLbl>
+  <dgm:styleLbl name="sibTrans1D1">
+    <dgm:fillClrLst meth="repeat">
+      <a:schemeClr val="accent1"/>
+    </dgm:fillClrLst>
+    <dgm:linClrLst meth="repeat">
+      <a:schemeClr val="accent1"/>
+    </dgm:linClrLst>
+    <dgm:effectClrLst/>
+    <dgm:txLinClrLst/>
+    <dgm:txFillClrLst meth="repeat">
+      <a:schemeClr val="tx1"/>
+    </dgm:txFillClrLst>
+    <dgm:txEffectClrLst/>
+  </dgm:styleLbl>
+  <dgm:styleLbl name="callout">
+    <dgm:fillClrLst meth="repeat">
+      <a:schemeClr val="accent1"/>
+    </dgm:fillClrLst>
+    <dgm:linClrLst meth="repeat">
+      <a:schemeClr val="accent1">
+        <a:tint val="50000"/>
+      </a:schemeClr>
+    </dgm:linClrLst>
+    <dgm:effectClrLst/>
+    <dgm:txLinClrLst/>
+    <dgm:txFillClrLst meth="repeat">
+      <a:schemeClr val="tx1"/>
+    </dgm:txFillClrLst>
+    <dgm:txEffectClrLst/>
+  </dgm:styleLbl>
+  <dgm:styleLbl name="asst0">
+    <dgm:fillClrLst meth="repeat">
+      <a:schemeClr val="accent1"/>
+    </dgm:fillClrLst>
+    <dgm:linClrLst meth="repeat">
+      <a:schemeClr val="lt1"/>
+    </dgm:linClrLst>
+    <dgm:effectClrLst/>
+    <dgm:txLinClrLst/>
+    <dgm:txFillClrLst/>
+    <dgm:txEffectClrLst/>
+  </dgm:styleLbl>
+  <dgm:styleLbl name="asst1">
+    <dgm:fillClrLst meth="repeat">
+      <a:schemeClr val="accent1"/>
+    </dgm:fillClrLst>
+    <dgm:linClrLst meth="repeat">
+      <a:schemeClr val="lt1"/>
+    </dgm:linClrLst>
+    <dgm:effectClrLst/>
+    <dgm:txLinClrLst/>
+    <dgm:txFillClrLst/>
+    <dgm:txEffectClrLst/>
+  </dgm:styleLbl>
+  <dgm:styleLbl name="asst2">
+    <dgm:fillClrLst meth="repeat">
+      <a:schemeClr val="accent1"/>
+    </dgm:fillClrLst>
+    <dgm:linClrLst meth="repeat">
+      <a:schemeClr val="lt1"/>
+    </dgm:linClrLst>
+    <dgm:effectClrLst/>
+    <dgm:txLinClrLst/>
+    <dgm:txFillClrLst/>
+    <dgm:txEffectClrLst/>
+  </dgm:styleLbl>
+  <dgm:styleLbl name="asst3">
+    <dgm:fillClrLst meth="repeat">
+      <a:schemeClr val="accent1"/>
+    </dgm:fillClrLst>
+    <dgm:linClrLst meth="repeat">
+      <a:schemeClr val="lt1"/>
+    </dgm:linClrLst>
+    <dgm:effectClrLst/>
+    <dgm:txLinClrLst/>
+    <dgm:txFillClrLst/>
+    <dgm:txEffectClrLst/>
+  </dgm:styleLbl>
+  <dgm:styleLbl name="asst4">
+    <dgm:fillClrLst meth="repeat">
+      <a:schemeClr val="accent1"/>
+    </dgm:fillClrLst>
+    <dgm:linClrLst meth="repeat">
+      <a:schemeClr val="lt1"/>
+    </dgm:linClrLst>
+    <dgm:effectClrLst/>
+    <dgm:txLinClrLst/>
+    <dgm:txFillClrLst/>
+    <dgm:txEffectClrLst/>
+  </dgm:styleLbl>
+  <dgm:styleLbl name="parChTrans2D1">
+    <dgm:fillClrLst meth="repeat">
+      <a:schemeClr val="accent1">
+        <a:tint val="60000"/>
+      </a:schemeClr>
+    </dgm:fillClrLst>
+    <dgm:linClrLst meth="repeat">
+      <a:schemeClr val="accent1">
+        <a:tint val="60000"/>
+      </a:schemeClr>
+    </dgm:linClrLst>
+    <dgm:effectClrLst/>
+    <dgm:txLinClrLst/>
+    <dgm:txFillClrLst meth="repeat">
+      <a:schemeClr val="lt1"/>
+    </dgm:txFillClrLst>
+    <dgm:txEffectClrLst/>
+  </dgm:styleLbl>
+  <dgm:styleLbl name="parChTrans2D2">
+    <dgm:fillClrLst meth="repeat">
+      <a:schemeClr val="accent1"/>
+    </dgm:fillClrLst>
+    <dgm:linClrLst meth="repeat">
+      <a:schemeClr val="accent1"/>
+    </dgm:linClrLst>
+    <dgm:effectClrLst/>
+    <dgm:txLinClrLst/>
+    <dgm:txFillClrLst meth="repeat">
+      <a:schemeClr val="lt1"/>
+    </dgm:txFillClrLst>
+    <dgm:txEffectClrLst/>
+  </dgm:styleLbl>
+  <dgm:styleLbl name="parChTrans2D3">
+    <dgm:fillClrLst meth="repeat">
+      <a:schemeClr val="accent1"/>
+    </dgm:fillClrLst>
+    <dgm:linClrLst meth="repeat">
+      <a:schemeClr val="accent1"/>
+    </dgm:linClrLst>
+    <dgm:effectClrLst/>
+    <dgm:txLinClrLst/>
+    <dgm:txFillClrLst meth="repeat">
+      <a:schemeClr val="lt1"/>
+    </dgm:txFillClrLst>
+    <dgm:txEffectClrLst/>
+  </dgm:styleLbl>
+  <dgm:styleLbl name="parChTrans2D4">
+    <dgm:fillClrLst meth="repeat">
+      <a:schemeClr val="accent1"/>
+    </dgm:fillClrLst>
+    <dgm:linClrLst meth="repeat">
+      <a:schemeClr val="accent1"/>
+    </dgm:linClrLst>
+    <dgm:effectClrLst/>
+    <dgm:txLinClrLst/>
+    <dgm:txFillClrLst meth="repeat">
+      <a:schemeClr val="lt1"/>
+    </dgm:txFillClrLst>
+    <dgm:txEffectClrLst/>
+  </dgm:styleLbl>
+  <dgm:styleLbl name="parChTrans1D1">
+    <dgm:fillClrLst meth="repeat">
+      <a:schemeClr val="accent1"/>
+    </dgm:fillClrLst>
+    <dgm:linClrLst meth="repeat">
+      <a:schemeClr val="accent1">
+        <a:shade val="60000"/>
+      </a:schemeClr>
+    </dgm:linClrLst>
+    <dgm:effectClrLst/>
+    <dgm:txLinClrLst/>
+    <dgm:txFillClrLst meth="repeat">
+      <a:schemeClr val="tx1"/>
+    </dgm:txFillClrLst>
+    <dgm:txEffectClrLst/>
+  </dgm:styleLbl>
+  <dgm:styleLbl name="parChTrans1D2">
+    <dgm:fillClrLst meth="repeat">
+      <a:schemeClr val="accent1"/>
+    </dgm:fillClrLst>
+    <dgm:linClrLst meth="repeat">
+      <a:schemeClr val="accent1">
+        <a:shade val="60000"/>
+      </a:schemeClr>
+    </dgm:linClrLst>
+    <dgm:effectClrLst/>
+    <dgm:txLinClrLst/>
+    <dgm:txFillClrLst meth="repeat">
+      <a:schemeClr val="tx1"/>
+    </dgm:txFillClrLst>
+    <dgm:txEffectClrLst/>
+  </dgm:styleLbl>
+  <dgm:styleLbl name="parChTrans1D3">
+    <dgm:fillClrLst meth="repeat">
+      <a:schemeClr val="accent1"/>
+    </dgm:fillClrLst>
+    <dgm:linClrLst meth="repeat">
+      <a:schemeClr val="accent1">
+        <a:shade val="80000"/>
+      </a:schemeClr>
+    </dgm:linClrLst>
+    <dgm:effectClrLst/>
+    <dgm:txLinClrLst/>
+    <dgm:txFillClrLst meth="repeat">
+      <a:schemeClr val="tx1"/>
+    </dgm:txFillClrLst>
+    <dgm:txEffectClrLst/>
+  </dgm:styleLbl>
+  <dgm:styleLbl name="parChTrans1D4">
+    <dgm:fillClrLst meth="repeat">
+      <a:schemeClr val="accent1"/>
+    </dgm:fillClrLst>
+    <dgm:linClrLst meth="repeat">
+      <a:schemeClr val="accent1">
+        <a:shade val="80000"/>
+      </a:schemeClr>
+    </dgm:linClrLst>
+    <dgm:effectClrLst/>
+    <dgm:txLinClrLst/>
+    <dgm:txFillClrLst meth="repeat">
+      <a:schemeClr val="tx1"/>
+    </dgm:txFillClrLst>
+    <dgm:txEffectClrLst/>
+  </dgm:styleLbl>
+  <dgm:styleLbl name="fgAcc1">
+    <dgm:fillClrLst meth="repeat">
+      <a:schemeClr val="lt1">
+        <a:alpha val="90000"/>
+      </a:schemeClr>
+    </dgm:fillClrLst>
+    <dgm:linClrLst meth="repeat">
+      <a:schemeClr val="accent1"/>
+    </dgm:linClrLst>
+    <dgm:effectClrLst/>
+    <dgm:txLinClrLst/>
+    <dgm:txFillClrLst meth="repeat">
+      <a:schemeClr val="dk1"/>
+    </dgm:txFillClrLst>
+    <dgm:txEffectClrLst/>
+  </dgm:styleLbl>
+  <dgm:styleLbl name="conFgAcc1">
+    <dgm:fillClrLst meth="repeat">
+      <a:schemeClr val="lt1">
+        <a:alpha val="90000"/>
+      </a:schemeClr>
+    </dgm:fillClrLst>
+    <dgm:linClrLst meth="repeat">
+      <a:schemeClr val="accent1"/>
+    </dgm:linClrLst>
+    <dgm:effectClrLst/>
+    <dgm:txLinClrLst/>
+    <dgm:txFillClrLst meth="repeat">
+      <a:schemeClr val="dk1"/>
+    </dgm:txFillClrLst>
+    <dgm:txEffectClrLst/>
+  </dgm:styleLbl>
+  <dgm:styleLbl name="alignAcc1">
+    <dgm:fillClrLst meth="repeat">
+      <a:schemeClr val="lt1">
+        <a:alpha val="90000"/>
+      </a:schemeClr>
+    </dgm:fillClrLst>
+    <dgm:linClrLst meth="repeat">
+      <a:schemeClr val="accent1"/>
+    </dgm:linClrLst>
+    <dgm:effectClrLst/>
+    <dgm:txLinClrLst/>
+    <dgm:txFillClrLst meth="repeat">
+      <a:schemeClr val="dk1"/>
+    </dgm:txFillClrLst>
+    <dgm:txEffectClrLst/>
+  </dgm:styleLbl>
+  <dgm:styleLbl name="trAlignAcc1">
+    <dgm:fillClrLst meth="repeat">
+      <a:schemeClr val="lt1">
+        <a:alpha val="40000"/>
+      </a:schemeClr>
+    </dgm:fillClrLst>
+    <dgm:linClrLst meth="repeat">
+      <a:schemeClr val="accent1"/>
+    </dgm:linClrLst>
+    <dgm:effectClrLst/>
+    <dgm:txLinClrLst/>
+    <dgm:txFillClrLst meth="repeat">
+      <a:schemeClr val="dk1"/>
+    </dgm:txFillClrLst>
+    <dgm:txEffectClrLst/>
+  </dgm:styleLbl>
+  <dgm:styleLbl name="bgAcc1">
+    <dgm:fillClrLst meth="repeat">
+      <a:schemeClr val="lt1">
+        <a:alpha val="90000"/>
+      </a:schemeClr>
+    </dgm:fillClrLst>
+    <dgm:linClrLst meth="repeat">
+      <a:schemeClr val="accent1"/>
+    </dgm:linClrLst>
+    <dgm:effectClrLst/>
+    <dgm:txLinClrLst/>
+    <dgm:txFillClrLst meth="repeat">
+      <a:schemeClr val="dk1"/>
+    </dgm:txFillClrLst>
+    <dgm:txEffectClrLst/>
+  </dgm:styleLbl>
+  <dgm:styleLbl name="solidFgAcc1">
+    <dgm:fillClrLst meth="repeat">
+      <a:schemeClr val="lt1"/>
+    </dgm:fillClrLst>
+    <dgm:linClrLst meth="repeat">
+      <a:schemeClr val="accent1"/>
+    </dgm:linClrLst>
+    <dgm:effectClrLst/>
+    <dgm:txLinClrLst/>
+    <dgm:txFillClrLst meth="repeat">
+      <a:schemeClr val="dk1"/>
+    </dgm:txFillClrLst>
+    <dgm:txEffectClrLst/>
+  </dgm:styleLbl>
+  <dgm:styleLbl name="solidAlignAcc1">
+    <dgm:fillClrLst meth="repeat">
+      <a:schemeClr val="lt1"/>
+    </dgm:fillClrLst>
+    <dgm:linClrLst meth="repeat">
+      <a:schemeClr val="accent1"/>
+    </dgm:linClrLst>
+    <dgm:effectClrLst/>
+    <dgm:txLinClrLst/>
+    <dgm:txFillClrLst meth="repeat">
+      <a:schemeClr val="dk1"/>
+    </dgm:txFillClrLst>
+    <dgm:txEffectClrLst/>
+  </dgm:styleLbl>
+  <dgm:styleLbl name="solidBgAcc1">
+    <dgm:fillClrLst meth="repeat">
+      <a:schemeClr val="lt1"/>
+    </dgm:fillClrLst>
+    <dgm:linClrLst meth="repeat">
+      <a:schemeClr val="accent1"/>
+    </dgm:linClrLst>
+    <dgm:effectClrLst/>
+    <dgm:txLinClrLst/>
+    <dgm:txFillClrLst meth="repeat">
+      <a:schemeClr val="dk1"/>
+    </dgm:txFillClrLst>
+    <dgm:txEffectClrLst/>
+  </dgm:styleLbl>
+  <dgm:styleLbl name="fgAccFollowNode1">
+    <dgm:fillClrLst meth="repeat">
+      <a:schemeClr val="accent1">
+        <a:alpha val="90000"/>
+        <a:tint val="40000"/>
+      </a:schemeClr>
+    </dgm:fillClrLst>
+    <dgm:linClrLst meth="repeat">
+      <a:schemeClr val="accent1">
+        <a:alpha val="90000"/>
+        <a:tint val="40000"/>
+      </a:schemeClr>
+    </dgm:linClrLst>
+    <dgm:effectClrLst/>
+    <dgm:txLinClrLst/>
+    <dgm:txFillClrLst meth="repeat">
+      <a:schemeClr val="dk1"/>
+    </dgm:txFillClrLst>
+    <dgm:txEffectClrLst/>
+  </dgm:styleLbl>
+  <dgm:styleLbl name="alignAccFollowNode1">
+    <dgm:fillClrLst meth="repeat">
+      <a:schemeClr val="accent1">
+        <a:alpha val="90000"/>
+        <a:tint val="40000"/>
+      </a:schemeClr>
+    </dgm:fillClrLst>
+    <dgm:linClrLst meth="repeat">
+      <a:schemeClr val="accent1">
+        <a:alpha val="90000"/>
+        <a:tint val="40000"/>
+      </a:schemeClr>
+    </dgm:linClrLst>
+    <dgm:effectClrLst/>
+    <dgm:txLinClrLst/>
+    <dgm:txFillClrLst meth="repeat">
+      <a:schemeClr val="dk1"/>
+    </dgm:txFillClrLst>
+    <dgm:txEffectClrLst/>
+  </dgm:styleLbl>
+  <dgm:styleLbl name="bgAccFollowNode1">
+    <dgm:fillClrLst meth="repeat">
+      <a:schemeClr val="accent1">
+        <a:alpha val="90000"/>
+        <a:tint val="40000"/>
+      </a:schemeClr>
+    </dgm:fillClrLst>
+    <dgm:linClrLst meth="repeat">
+      <a:schemeClr val="accent1">
+        <a:alpha val="90000"/>
+        <a:tint val="40000"/>
+      </a:schemeClr>
+    </dgm:linClrLst>
+    <dgm:effectClrLst/>
+    <dgm:txLinClrLst/>
+    <dgm:txFillClrLst meth="repeat">
+      <a:schemeClr val="dk1"/>
+    </dgm:txFillClrLst>
+    <dgm:txEffectClrLst/>
+  </dgm:styleLbl>
+  <dgm:styleLbl name="fgAcc0">
+    <dgm:fillClrLst meth="repeat">
+      <a:schemeClr val="lt1">
+        <a:alpha val="90000"/>
+      </a:schemeClr>
+    </dgm:fillClrLst>
+    <dgm:linClrLst meth="repeat">
+      <a:schemeClr val="accent1"/>
+    </dgm:linClrLst>
+    <dgm:effectClrLst/>
+    <dgm:txLinClrLst/>
+    <dgm:txFillClrLst meth="repeat">
+      <a:schemeClr val="dk1"/>
+    </dgm:txFillClrLst>
+    <dgm:txEffectClrLst/>
+  </dgm:styleLbl>
+  <dgm:styleLbl name="fgAcc2">
+    <dgm:fillClrLst meth="repeat">
+      <a:schemeClr val="lt1">
+        <a:alpha val="90000"/>
+      </a:schemeClr>
+    </dgm:fillClrLst>
+    <dgm:linClrLst meth="repeat">
+      <a:schemeClr val="accent1"/>
+    </dgm:linClrLst>
+    <dgm:effectClrLst/>
+    <dgm:txLinClrLst/>
+    <dgm:txFillClrLst meth="repeat">
+      <a:schemeClr val="dk1"/>
+    </dgm:txFillClrLst>
+    <dgm:txEffectClrLst/>
+  </dgm:styleLbl>
+  <dgm:styleLbl name="fgAcc3">
+    <dgm:fillClrLst meth="repeat">
+      <a:schemeClr val="lt1">
+        <a:alpha val="90000"/>
+      </a:schemeClr>
+    </dgm:fillClrLst>
+    <dgm:linClrLst meth="repeat">
+      <a:schemeClr val="accent1"/>
+    </dgm:linClrLst>
+    <dgm:effectClrLst/>
+    <dgm:txLinClrLst/>
+    <dgm:txFillClrLst meth="repeat">
+      <a:schemeClr val="dk1"/>
+    </dgm:txFillClrLst>
+    <dgm:txEffectClrLst/>
+  </dgm:styleLbl>
+  <dgm:styleLbl name="fgAcc4">
+    <dgm:fillClrLst meth="repeat">
+      <a:schemeClr val="lt1">
+        <a:alpha val="90000"/>
+      </a:schemeClr>
+    </dgm:fillClrLst>
+    <dgm:linClrLst meth="repeat">
+      <a:schemeClr val="accent1"/>
+    </dgm:linClrLst>
+    <dgm:effectClrLst/>
+    <dgm:txLinClrLst/>
+    <dgm:txFillClrLst meth="repeat">
+      <a:schemeClr val="dk1"/>
+    </dgm:txFillClrLst>
+    <dgm:txEffectClrLst/>
+  </dgm:styleLbl>
+  <dgm:styleLbl name="bgShp">
+    <dgm:fillClrLst meth="repeat">
+      <a:schemeClr val="accent1">
+        <a:tint val="40000"/>
+      </a:schemeClr>
+    </dgm:fillClrLst>
+    <dgm:linClrLst meth="repeat">
+      <a:schemeClr val="accent1"/>
+    </dgm:linClrLst>
+    <dgm:effectClrLst/>
+    <dgm:txLinClrLst/>
+    <dgm:txFillClrLst meth="repeat">
+      <a:schemeClr val="dk1"/>
+    </dgm:txFillClrLst>
+    <dgm:txEffectClrLst/>
+  </dgm:styleLbl>
+  <dgm:styleLbl name="dkBgShp">
+    <dgm:fillClrLst meth="repeat">
+      <a:schemeClr val="accent1">
+        <a:shade val="80000"/>
+      </a:schemeClr>
+    </dgm:fillClrLst>
+    <dgm:linClrLst meth="repeat">
+      <a:schemeClr val="accent1"/>
+    </dgm:linClrLst>
+    <dgm:effectClrLst/>
+    <dgm:txLinClrLst/>
+    <dgm:txFillClrLst meth="repeat">
+      <a:schemeClr val="lt1"/>
+    </dgm:txFillClrLst>
+    <dgm:txEffectClrLst/>
+  </dgm:styleLbl>
+  <dgm:styleLbl name="trBgShp">
+    <dgm:fillClrLst meth="repeat">
+      <a:schemeClr val="accent1">
+        <a:tint val="50000"/>
+        <a:alpha val="40000"/>
+      </a:schemeClr>
+    </dgm:fillClrLst>
+    <dgm:linClrLst meth="repeat">
+      <a:schemeClr val="accent1"/>
+    </dgm:linClrLst>
+    <dgm:effectClrLst/>
+    <dgm:txLinClrLst/>
+    <dgm:txFillClrLst meth="repeat">
+      <a:schemeClr val="lt1"/>
+    </dgm:txFillClrLst>
+    <dgm:txEffectClrLst/>
+  </dgm:styleLbl>
+  <dgm:styleLbl name="fgShp">
+    <dgm:fillClrLst meth="repeat">
+      <a:schemeClr val="accent1">
+        <a:tint val="60000"/>
+      </a:schemeClr>
+    </dgm:fillClrLst>
+    <dgm:linClrLst meth="repeat">
+      <a:schemeClr val="lt1"/>
+    </dgm:linClrLst>
+    <dgm:effectClrLst/>
+    <dgm:txLinClrLst/>
+    <dgm:txFillClrLst meth="repeat">
+      <a:schemeClr val="dk1"/>
+    </dgm:txFillClrLst>
+    <dgm:txEffectClrLst/>
+  </dgm:styleLbl>
+  <dgm:styleLbl name="revTx">
+    <dgm:fillClrLst meth="repeat">
+      <a:schemeClr val="lt1">
+        <a:alpha val="0"/>
+      </a:schemeClr>
+    </dgm:fillClrLst>
+    <dgm:linClrLst meth="repeat">
+      <a:schemeClr val="dk1">
+        <a:alpha val="0"/>
+      </a:schemeClr>
+    </dgm:linClrLst>
+    <dgm:effectClrLst/>
+    <dgm:txLinClrLst/>
+    <dgm:txFillClrLst meth="repeat">
+      <a:schemeClr val="tx1"/>
+    </dgm:txFillClrLst>
+    <dgm:txEffectClrLst/>
+  </dgm:styleLbl>
+</dgm:colorsDef>
+</file>
+
+<file path=ppt/diagrams/colors18.xml><?xml version="1.0" encoding="utf-8"?>
 <dgm:colorsDef xmlns:dgm="http://schemas.openxmlformats.org/drawingml/2006/diagram" xmlns:a="http://schemas.openxmlformats.org/drawingml/2006/main" uniqueId="urn:microsoft.com/office/officeart/2005/8/colors/accent1_2">
   <dgm:title val=""/>
   <dgm:desc val=""/>
@@ -14166,8 +14914,8 @@
     <dgm:cxn modelId="{1E2AC893-2C52-4BC4-9D99-436745CEBA38}" srcId="{39EB69AF-086C-4F08-9188-08B527843E3B}" destId="{291E5144-73A5-486F-9193-5D319AF3BE45}" srcOrd="5" destOrd="0" parTransId="{7FF10263-9F84-4265-A544-45D5CD0870B9}" sibTransId="{32686A01-99A6-4708-99AA-0C32E7270378}"/>
     <dgm:cxn modelId="{9B480DC6-37BB-4A56-BFFD-379E0DC4E0D1}" srcId="{BF89F98F-0A80-4F30-9DE4-C088946202B7}" destId="{39EB69AF-086C-4F08-9188-08B527843E3B}" srcOrd="1" destOrd="0" parTransId="{43FF8FF7-5F46-4F86-BFF0-CC138300F95E}" sibTransId="{D834F24A-157C-40CD-9171-3F3F6C20FE73}"/>
     <dgm:cxn modelId="{21119AE2-F8F5-43A1-AAC0-CA15116ECB60}" type="presOf" srcId="{EF1E942D-56A6-41D5-87CA-926DDE1172C7}" destId="{0670FEEE-F7AF-4AED-9012-363BC48189C2}" srcOrd="0" destOrd="2" presId="urn:microsoft.com/office/officeart/2005/8/layout/vList5"/>
+    <dgm:cxn modelId="{082F0C55-B4F9-4695-98C5-D7CDE2BCE3E2}" type="presOf" srcId="{6791B8C0-D89E-4C6D-8AFD-C5F0C0B2E2A5}" destId="{0670FEEE-F7AF-4AED-9012-363BC48189C2}" srcOrd="0" destOrd="10" presId="urn:microsoft.com/office/officeart/2005/8/layout/vList5"/>
     <dgm:cxn modelId="{D074C638-F60F-4CD9-9634-0B5E122BB25B}" type="presOf" srcId="{39EB69AF-086C-4F08-9188-08B527843E3B}" destId="{5AC14FB5-BFFF-42E7-80BB-5CB2D5CC2E48}" srcOrd="0" destOrd="0" presId="urn:microsoft.com/office/officeart/2005/8/layout/vList5"/>
-    <dgm:cxn modelId="{082F0C55-B4F9-4695-98C5-D7CDE2BCE3E2}" type="presOf" srcId="{6791B8C0-D89E-4C6D-8AFD-C5F0C0B2E2A5}" destId="{0670FEEE-F7AF-4AED-9012-363BC48189C2}" srcOrd="0" destOrd="10" presId="urn:microsoft.com/office/officeart/2005/8/layout/vList5"/>
     <dgm:cxn modelId="{4BA3B278-F188-4FBC-9961-F1FBAE94836D}" srcId="{39EB69AF-086C-4F08-9188-08B527843E3B}" destId="{450BB2FB-E6F5-4FB7-932E-985994FE6A80}" srcOrd="1" destOrd="0" parTransId="{9A8D3FB4-1BED-4DED-A73B-C395FE3D44B0}" sibTransId="{913C64AA-B237-46F8-B125-7E6DEB138BC7}"/>
     <dgm:cxn modelId="{CDF7D60D-F239-44F7-80BC-B1C7467AAF90}" srcId="{39EB69AF-086C-4F08-9188-08B527843E3B}" destId="{0FDEBC16-D2EE-4981-A9DD-8092B8DE080A}" srcOrd="3" destOrd="0" parTransId="{ECA42086-11D5-47B9-AA4D-5F99A86E126E}" sibTransId="{94D33C98-09C9-473F-A343-4EC4A6A23F6B}"/>
     <dgm:cxn modelId="{A6FF804A-A5C1-4128-9226-14ABC5BA69FD}" type="presParOf" srcId="{95ABC759-3090-4CC9-B73B-90342CFBB381}" destId="{5B413501-42AE-40DD-BC1B-BCC50F73FD3C}" srcOrd="0" destOrd="0" presId="urn:microsoft.com/office/officeart/2005/8/layout/vList5"/>
@@ -15457,13 +16205,13 @@
         <a:lstStyle/>
         <a:p>
           <a:r>
-            <a:rPr lang="en-US" sz="1800" dirty="0" smtClean="0">
+            <a:rPr lang="en-US" sz="1600" dirty="0" smtClean="0">
               <a:latin typeface="Times New Roman" pitchFamily="18" charset="0"/>
               <a:cs typeface="Times New Roman" pitchFamily="18" charset="0"/>
             </a:rPr>
             <a:t>FSDB</a:t>
           </a:r>
-          <a:endParaRPr lang="en-US" sz="1800" dirty="0">
+          <a:endParaRPr lang="en-US" sz="1600" dirty="0">
             <a:latin typeface="Times New Roman" pitchFamily="18" charset="0"/>
             <a:cs typeface="Times New Roman" pitchFamily="18" charset="0"/>
           </a:endParaRPr>
@@ -15477,7 +16225,7 @@
         <a:bodyPr/>
         <a:lstStyle/>
         <a:p>
-          <a:endParaRPr lang="en-US"/>
+          <a:endParaRPr lang="en-US" sz="1600"/>
         </a:p>
       </dgm:t>
     </dgm:pt>
@@ -15488,7 +16236,7 @@
         <a:bodyPr/>
         <a:lstStyle/>
         <a:p>
-          <a:endParaRPr lang="en-US"/>
+          <a:endParaRPr lang="en-US" sz="1600"/>
         </a:p>
       </dgm:t>
     </dgm:pt>
@@ -15500,13 +16248,13 @@
         <a:lstStyle/>
         <a:p>
           <a:r>
-            <a:rPr lang="en-US" sz="1800" dirty="0" smtClean="0">
+            <a:rPr lang="en-US" sz="1600" dirty="0" smtClean="0">
               <a:latin typeface="Times New Roman" pitchFamily="18" charset="0"/>
               <a:cs typeface="Times New Roman" pitchFamily="18" charset="0"/>
             </a:rPr>
             <a:t>FSDB API provided by Verdi</a:t>
           </a:r>
-          <a:endParaRPr lang="en-US" sz="1800" dirty="0">
+          <a:endParaRPr lang="en-US" sz="1600" dirty="0">
             <a:latin typeface="Times New Roman" pitchFamily="18" charset="0"/>
             <a:cs typeface="Times New Roman" pitchFamily="18" charset="0"/>
           </a:endParaRPr>
@@ -15520,7 +16268,7 @@
         <a:bodyPr/>
         <a:lstStyle/>
         <a:p>
-          <a:endParaRPr lang="en-US"/>
+          <a:endParaRPr lang="en-US" sz="1600"/>
         </a:p>
       </dgm:t>
     </dgm:pt>
@@ -15531,7 +16279,7 @@
         <a:bodyPr/>
         <a:lstStyle/>
         <a:p>
-          <a:endParaRPr lang="en-US"/>
+          <a:endParaRPr lang="en-US" sz="1600"/>
         </a:p>
       </dgm:t>
     </dgm:pt>
@@ -15543,13 +16291,13 @@
         <a:lstStyle/>
         <a:p>
           <a:r>
-            <a:rPr lang="en-US" sz="1800" dirty="0" smtClean="0">
+            <a:rPr lang="en-US" sz="1600" dirty="0" smtClean="0">
               <a:latin typeface="Times New Roman" pitchFamily="18" charset="0"/>
               <a:cs typeface="Times New Roman" pitchFamily="18" charset="0"/>
             </a:rPr>
             <a:t>C++ routines to access FSDB values in time-based fashion</a:t>
           </a:r>
-          <a:endParaRPr lang="en-US" sz="1800" dirty="0">
+          <a:endParaRPr lang="en-US" sz="1600" dirty="0">
             <a:latin typeface="Times New Roman" pitchFamily="18" charset="0"/>
             <a:cs typeface="Times New Roman" pitchFamily="18" charset="0"/>
           </a:endParaRPr>
@@ -15563,7 +16311,7 @@
         <a:bodyPr/>
         <a:lstStyle/>
         <a:p>
-          <a:endParaRPr lang="en-US"/>
+          <a:endParaRPr lang="en-US" sz="1600"/>
         </a:p>
       </dgm:t>
     </dgm:pt>
@@ -15574,7 +16322,7 @@
         <a:bodyPr/>
         <a:lstStyle/>
         <a:p>
-          <a:endParaRPr lang="en-US"/>
+          <a:endParaRPr lang="en-US" sz="1600"/>
         </a:p>
       </dgm:t>
     </dgm:pt>
@@ -15586,20 +16334,20 @@
         <a:lstStyle/>
         <a:p>
           <a:r>
-            <a:rPr lang="en-US" sz="1800" dirty="0" err="1" smtClean="0">
+            <a:rPr lang="en-US" sz="1600" dirty="0" err="1" smtClean="0">
               <a:latin typeface="Times New Roman" pitchFamily="18" charset="0"/>
               <a:cs typeface="Times New Roman" pitchFamily="18" charset="0"/>
             </a:rPr>
             <a:t>Netlist</a:t>
           </a:r>
           <a:r>
-            <a:rPr lang="en-US" sz="1800" dirty="0" smtClean="0">
+            <a:rPr lang="en-US" sz="1600" dirty="0" smtClean="0">
               <a:latin typeface="Times New Roman" pitchFamily="18" charset="0"/>
               <a:cs typeface="Times New Roman" pitchFamily="18" charset="0"/>
             </a:rPr>
             <a:t> Simulation</a:t>
           </a:r>
-          <a:endParaRPr lang="en-US" sz="1800" dirty="0">
+          <a:endParaRPr lang="en-US" sz="1600" dirty="0">
             <a:latin typeface="Times New Roman" pitchFamily="18" charset="0"/>
             <a:cs typeface="Times New Roman" pitchFamily="18" charset="0"/>
           </a:endParaRPr>
@@ -15613,7 +16361,7 @@
         <a:bodyPr/>
         <a:lstStyle/>
         <a:p>
-          <a:endParaRPr lang="en-US"/>
+          <a:endParaRPr lang="en-US" sz="1600"/>
         </a:p>
       </dgm:t>
     </dgm:pt>
@@ -15624,7 +16372,7 @@
         <a:bodyPr/>
         <a:lstStyle/>
         <a:p>
-          <a:endParaRPr lang="en-US"/>
+          <a:endParaRPr lang="en-US" sz="1600"/>
         </a:p>
       </dgm:t>
     </dgm:pt>
@@ -15636,13 +16384,13 @@
         <a:lstStyle/>
         <a:p>
           <a:r>
-            <a:rPr lang="en-US" sz="1800" dirty="0" smtClean="0">
+            <a:rPr lang="en-US" sz="1600" dirty="0" smtClean="0">
               <a:latin typeface="Times New Roman" pitchFamily="18" charset="0"/>
               <a:cs typeface="Times New Roman" pitchFamily="18" charset="0"/>
             </a:rPr>
             <a:t>Convert values in FSDB format to DKI format</a:t>
           </a:r>
-          <a:endParaRPr lang="en-US" sz="1800" dirty="0">
+          <a:endParaRPr lang="en-US" sz="1600" dirty="0">
             <a:latin typeface="Times New Roman" pitchFamily="18" charset="0"/>
             <a:cs typeface="Times New Roman" pitchFamily="18" charset="0"/>
           </a:endParaRPr>
@@ -15656,7 +16404,7 @@
         <a:bodyPr/>
         <a:lstStyle/>
         <a:p>
-          <a:endParaRPr lang="en-US"/>
+          <a:endParaRPr lang="en-US" sz="1600"/>
         </a:p>
       </dgm:t>
     </dgm:pt>
@@ -15667,7 +16415,50 @@
         <a:bodyPr/>
         <a:lstStyle/>
         <a:p>
-          <a:endParaRPr lang="en-US"/>
+          <a:endParaRPr lang="en-US" sz="1600"/>
+        </a:p>
+      </dgm:t>
+    </dgm:pt>
+    <dgm:pt modelId="{591858FA-CEA1-49DB-AA82-438469D3826A}">
+      <dgm:prSet custT="1"/>
+      <dgm:spPr/>
+      <dgm:t>
+        <a:bodyPr/>
+        <a:lstStyle/>
+        <a:p>
+          <a:r>
+            <a:rPr lang="en-US" sz="1600" dirty="0" smtClean="0">
+              <a:latin typeface="Times New Roman" pitchFamily="18" charset="0"/>
+              <a:cs typeface="Times New Roman" pitchFamily="18" charset="0"/>
+            </a:rPr>
+            <a:t>PLI time based callbacks</a:t>
+          </a:r>
+          <a:endParaRPr lang="en-US" sz="1600" dirty="0">
+            <a:latin typeface="Times New Roman" pitchFamily="18" charset="0"/>
+            <a:cs typeface="Times New Roman" pitchFamily="18" charset="0"/>
+          </a:endParaRPr>
+        </a:p>
+      </dgm:t>
+    </dgm:pt>
+    <dgm:pt modelId="{BA6EE62F-8B1B-4509-930B-AF3B7537FCC1}" type="parTrans" cxnId="{7169B53C-752E-4DDC-818C-F8FCF96FD70D}">
+      <dgm:prSet/>
+      <dgm:spPr/>
+      <dgm:t>
+        <a:bodyPr/>
+        <a:lstStyle/>
+        <a:p>
+          <a:endParaRPr lang="en-US" sz="1600"/>
+        </a:p>
+      </dgm:t>
+    </dgm:pt>
+    <dgm:pt modelId="{9E1EB3D1-8528-4878-B3CD-6205482E52F0}" type="sibTrans" cxnId="{7169B53C-752E-4DDC-818C-F8FCF96FD70D}">
+      <dgm:prSet/>
+      <dgm:spPr/>
+      <dgm:t>
+        <a:bodyPr/>
+        <a:lstStyle/>
+        <a:p>
+          <a:endParaRPr lang="en-US" sz="1600"/>
         </a:p>
       </dgm:t>
     </dgm:pt>
@@ -15688,7 +16479,7 @@
       </dgm:t>
     </dgm:pt>
     <dgm:pt modelId="{636A51F0-6295-4CA8-96A6-0D169E362853}" type="pres">
-      <dgm:prSet presAssocID="{E25F5A64-D615-441D-871C-2F98FD45C38A}" presName="Name5" presStyleLbl="vennNode1" presStyleIdx="0" presStyleCnt="5">
+      <dgm:prSet presAssocID="{E25F5A64-D615-441D-871C-2F98FD45C38A}" presName="Name5" presStyleLbl="vennNode1" presStyleIdx="0" presStyleCnt="6">
         <dgm:presLayoutVars>
           <dgm:bulletEnabled val="1"/>
         </dgm:presLayoutVars>
@@ -15714,7 +16505,7 @@
       </dgm:t>
     </dgm:pt>
     <dgm:pt modelId="{2F16B66C-A703-43E0-A87B-BDB5F215B3EC}" type="pres">
-      <dgm:prSet presAssocID="{8D4367E3-2529-46A2-BC03-6C4D59C546CF}" presName="Name5" presStyleLbl="vennNode1" presStyleIdx="1" presStyleCnt="5">
+      <dgm:prSet presAssocID="{8D4367E3-2529-46A2-BC03-6C4D59C546CF}" presName="Name5" presStyleLbl="vennNode1" presStyleIdx="1" presStyleCnt="6">
         <dgm:presLayoutVars>
           <dgm:bulletEnabled val="1"/>
         </dgm:presLayoutVars>
@@ -15740,7 +16531,7 @@
       </dgm:t>
     </dgm:pt>
     <dgm:pt modelId="{ABFAB522-FA90-4144-98B8-19AD84267685}" type="pres">
-      <dgm:prSet presAssocID="{903A2478-20BB-4411-84C2-B0FA529AAB60}" presName="Name5" presStyleLbl="vennNode1" presStyleIdx="2" presStyleCnt="5">
+      <dgm:prSet presAssocID="{903A2478-20BB-4411-84C2-B0FA529AAB60}" presName="Name5" presStyleLbl="vennNode1" presStyleIdx="2" presStyleCnt="6">
         <dgm:presLayoutVars>
           <dgm:bulletEnabled val="1"/>
         </dgm:presLayoutVars>
@@ -15766,7 +16557,7 @@
       </dgm:t>
     </dgm:pt>
     <dgm:pt modelId="{3DD52E65-2217-47DF-A607-061BC38D9280}" type="pres">
-      <dgm:prSet presAssocID="{59EF23FB-0B82-43C1-9B8D-4699E675E0FB}" presName="Name5" presStyleLbl="vennNode1" presStyleIdx="3" presStyleCnt="5">
+      <dgm:prSet presAssocID="{59EF23FB-0B82-43C1-9B8D-4699E675E0FB}" presName="Name5" presStyleLbl="vennNode1" presStyleIdx="3" presStyleCnt="6">
         <dgm:presLayoutVars>
           <dgm:bulletEnabled val="1"/>
         </dgm:presLayoutVars>
@@ -15791,8 +16582,27 @@
         </a:p>
       </dgm:t>
     </dgm:pt>
+    <dgm:pt modelId="{0EB00A86-5C8D-4D03-B6AD-4EF11F5D25B3}" type="pres">
+      <dgm:prSet presAssocID="{591858FA-CEA1-49DB-AA82-438469D3826A}" presName="Name5" presStyleLbl="vennNode1" presStyleIdx="4" presStyleCnt="6">
+        <dgm:presLayoutVars>
+          <dgm:bulletEnabled val="1"/>
+        </dgm:presLayoutVars>
+      </dgm:prSet>
+      <dgm:spPr/>
+      <dgm:t>
+        <a:bodyPr/>
+        <a:lstStyle/>
+        <a:p>
+          <a:endParaRPr lang="en-US"/>
+        </a:p>
+      </dgm:t>
+    </dgm:pt>
+    <dgm:pt modelId="{A9BD37DC-F47F-4D86-8F35-A88C1940B8E0}" type="pres">
+      <dgm:prSet presAssocID="{9E1EB3D1-8528-4878-B3CD-6205482E52F0}" presName="space" presStyleCnt="0"/>
+      <dgm:spPr/>
+    </dgm:pt>
     <dgm:pt modelId="{A9CDDF6E-DECC-441B-AB37-2DFAEC4BAD99}" type="pres">
-      <dgm:prSet presAssocID="{3A89A78D-EEE5-4464-ADCA-9AE16F74A365}" presName="Name5" presStyleLbl="vennNode1" presStyleIdx="4" presStyleCnt="5">
+      <dgm:prSet presAssocID="{3A89A78D-EEE5-4464-ADCA-9AE16F74A365}" presName="Name5" presStyleLbl="vennNode1" presStyleIdx="5" presStyleCnt="6">
         <dgm:presLayoutVars>
           <dgm:bulletEnabled val="1"/>
         </dgm:presLayoutVars>
@@ -15815,10 +16625,12 @@
     <dgm:cxn modelId="{6AF896A6-0BAA-4ABD-BAAB-3FA15BC652A6}" type="presOf" srcId="{831A9A8B-77DF-458C-89B9-01BFAFC31E59}" destId="{094B4B43-B41C-40A1-B00E-AA52CC6575B8}" srcOrd="0" destOrd="0" presId="urn:microsoft.com/office/officeart/2005/8/layout/venn3"/>
     <dgm:cxn modelId="{31ADECD6-5F27-47CB-BCD0-8F4E585D7057}" type="presOf" srcId="{3A89A78D-EEE5-4464-ADCA-9AE16F74A365}" destId="{A9CDDF6E-DECC-441B-AB37-2DFAEC4BAD99}" srcOrd="0" destOrd="0" presId="urn:microsoft.com/office/officeart/2005/8/layout/venn3"/>
     <dgm:cxn modelId="{F8E55061-8FDB-4783-9BF9-6A540F478B05}" srcId="{831A9A8B-77DF-458C-89B9-01BFAFC31E59}" destId="{E25F5A64-D615-441D-871C-2F98FD45C38A}" srcOrd="0" destOrd="0" parTransId="{B8EE3BAE-AA5D-4B1B-9C07-8397D778A849}" sibTransId="{1963EF57-0EF1-4E2B-AB07-F7B9A2C9E0FB}"/>
-    <dgm:cxn modelId="{90C85B38-1D44-49ED-8A2B-0A933E964438}" srcId="{831A9A8B-77DF-458C-89B9-01BFAFC31E59}" destId="{3A89A78D-EEE5-4464-ADCA-9AE16F74A365}" srcOrd="4" destOrd="0" parTransId="{74F48581-1E01-4A29-BA3D-9E7CE457BE5D}" sibTransId="{F75D59D3-2836-48C5-A1BA-1DE86FCF6BD4}"/>
+    <dgm:cxn modelId="{90C85B38-1D44-49ED-8A2B-0A933E964438}" srcId="{831A9A8B-77DF-458C-89B9-01BFAFC31E59}" destId="{3A89A78D-EEE5-4464-ADCA-9AE16F74A365}" srcOrd="5" destOrd="0" parTransId="{74F48581-1E01-4A29-BA3D-9E7CE457BE5D}" sibTransId="{F75D59D3-2836-48C5-A1BA-1DE86FCF6BD4}"/>
+    <dgm:cxn modelId="{CBEB3635-8FE8-4607-8764-B3043095733F}" type="presOf" srcId="{591858FA-CEA1-49DB-AA82-438469D3826A}" destId="{0EB00A86-5C8D-4D03-B6AD-4EF11F5D25B3}" srcOrd="0" destOrd="0" presId="urn:microsoft.com/office/officeart/2005/8/layout/venn3"/>
     <dgm:cxn modelId="{043F98C3-41AC-4DA4-9386-54A271E4117E}" srcId="{831A9A8B-77DF-458C-89B9-01BFAFC31E59}" destId="{59EF23FB-0B82-43C1-9B8D-4699E675E0FB}" srcOrd="3" destOrd="0" parTransId="{815E8CDB-5D28-42DA-ABE4-32730E73959A}" sibTransId="{832EE177-EFB4-48EF-8E82-41D14DE19A0A}"/>
     <dgm:cxn modelId="{0B6C47A8-1E54-409E-9D64-3A3DBE8B3CD0}" type="presOf" srcId="{903A2478-20BB-4411-84C2-B0FA529AAB60}" destId="{ABFAB522-FA90-4144-98B8-19AD84267685}" srcOrd="0" destOrd="0" presId="urn:microsoft.com/office/officeart/2005/8/layout/venn3"/>
     <dgm:cxn modelId="{DAC2B495-1E4A-4377-9782-74C5FE6A6270}" srcId="{831A9A8B-77DF-458C-89B9-01BFAFC31E59}" destId="{903A2478-20BB-4411-84C2-B0FA529AAB60}" srcOrd="2" destOrd="0" parTransId="{BA30126A-2109-450B-A7E9-C81E535B66B5}" sibTransId="{02820742-A529-4E00-A6F6-204773384FF8}"/>
+    <dgm:cxn modelId="{7169B53C-752E-4DDC-818C-F8FCF96FD70D}" srcId="{831A9A8B-77DF-458C-89B9-01BFAFC31E59}" destId="{591858FA-CEA1-49DB-AA82-438469D3826A}" srcOrd="4" destOrd="0" parTransId="{BA6EE62F-8B1B-4509-930B-AF3B7537FCC1}" sibTransId="{9E1EB3D1-8528-4878-B3CD-6205482E52F0}"/>
     <dgm:cxn modelId="{48646377-5B48-4CC9-AF37-9D3EC4045BFC}" type="presParOf" srcId="{094B4B43-B41C-40A1-B00E-AA52CC6575B8}" destId="{636A51F0-6295-4CA8-96A6-0D169E362853}" srcOrd="0" destOrd="0" presId="urn:microsoft.com/office/officeart/2005/8/layout/venn3"/>
     <dgm:cxn modelId="{85421499-732C-44DD-9DF3-85297A0C4015}" type="presParOf" srcId="{094B4B43-B41C-40A1-B00E-AA52CC6575B8}" destId="{B03C5855-C102-4D49-B477-DE1D3ABA0085}" srcOrd="1" destOrd="0" presId="urn:microsoft.com/office/officeart/2005/8/layout/venn3"/>
     <dgm:cxn modelId="{272054C9-3737-4F8C-AF50-B7BCC830A9DC}" type="presParOf" srcId="{094B4B43-B41C-40A1-B00E-AA52CC6575B8}" destId="{2F16B66C-A703-43E0-A87B-BDB5F215B3EC}" srcOrd="2" destOrd="0" presId="urn:microsoft.com/office/officeart/2005/8/layout/venn3"/>
@@ -15827,7 +16639,9 @@
     <dgm:cxn modelId="{A96B9452-8B22-42D0-ACB3-698820568762}" type="presParOf" srcId="{094B4B43-B41C-40A1-B00E-AA52CC6575B8}" destId="{B469077B-DCE2-41AD-A4E5-288EC13F9980}" srcOrd="5" destOrd="0" presId="urn:microsoft.com/office/officeart/2005/8/layout/venn3"/>
     <dgm:cxn modelId="{CCF27CFF-1E87-4A11-899E-337359C29F46}" type="presParOf" srcId="{094B4B43-B41C-40A1-B00E-AA52CC6575B8}" destId="{3DD52E65-2217-47DF-A607-061BC38D9280}" srcOrd="6" destOrd="0" presId="urn:microsoft.com/office/officeart/2005/8/layout/venn3"/>
     <dgm:cxn modelId="{0DC167EF-B0EB-4D4D-9195-F9E7CA672D72}" type="presParOf" srcId="{094B4B43-B41C-40A1-B00E-AA52CC6575B8}" destId="{1F3BE61F-DC6A-4B1E-BE4D-051018D41823}" srcOrd="7" destOrd="0" presId="urn:microsoft.com/office/officeart/2005/8/layout/venn3"/>
-    <dgm:cxn modelId="{598DB3B1-0C0A-4480-B01D-9D48B3E48E16}" type="presParOf" srcId="{094B4B43-B41C-40A1-B00E-AA52CC6575B8}" destId="{A9CDDF6E-DECC-441B-AB37-2DFAEC4BAD99}" srcOrd="8" destOrd="0" presId="urn:microsoft.com/office/officeart/2005/8/layout/venn3"/>
+    <dgm:cxn modelId="{9927FF2A-05C8-47F7-8DC7-07DD5870DA6F}" type="presParOf" srcId="{094B4B43-B41C-40A1-B00E-AA52CC6575B8}" destId="{0EB00A86-5C8D-4D03-B6AD-4EF11F5D25B3}" srcOrd="8" destOrd="0" presId="urn:microsoft.com/office/officeart/2005/8/layout/venn3"/>
+    <dgm:cxn modelId="{FB0E5377-21D2-4BED-96B7-CED7200B6530}" type="presParOf" srcId="{094B4B43-B41C-40A1-B00E-AA52CC6575B8}" destId="{A9BD37DC-F47F-4D86-8F35-A88C1940B8E0}" srcOrd="9" destOrd="0" presId="urn:microsoft.com/office/officeart/2005/8/layout/venn3"/>
+    <dgm:cxn modelId="{598DB3B1-0C0A-4480-B01D-9D48B3E48E16}" type="presParOf" srcId="{094B4B43-B41C-40A1-B00E-AA52CC6575B8}" destId="{A9CDDF6E-DECC-441B-AB37-2DFAEC4BAD99}" srcOrd="10" destOrd="0" presId="urn:microsoft.com/office/officeart/2005/8/layout/venn3"/>
   </dgm:cxnLst>
   <dgm:bg/>
   <dgm:whole/>
@@ -16040,6 +16854,591 @@
     <dgm:cxn modelId="{AE20B47C-9640-4760-A9C3-2D94C5021A87}" type="presParOf" srcId="{E9C5A999-3778-4121-B93D-10AC77B59712}" destId="{60818678-16B8-424C-B058-4B37B19986DD}" srcOrd="1" destOrd="0" presId="urn:microsoft.com/office/officeart/2005/8/layout/radial5"/>
     <dgm:cxn modelId="{41B22264-8350-486C-A543-4FB3E75FCFAA}" type="presParOf" srcId="{60818678-16B8-424C-B058-4B37B19986DD}" destId="{515CDF60-CC45-4FBD-BFD0-1A94A474E676}" srcOrd="0" destOrd="0" presId="urn:microsoft.com/office/officeart/2005/8/layout/radial5"/>
     <dgm:cxn modelId="{2F43E4FD-E844-47FE-93B8-C46DF7C07DFA}" type="presParOf" srcId="{E9C5A999-3778-4121-B93D-10AC77B59712}" destId="{4EAF56E9-1DD7-4CB7-87A1-A24E0435FB05}" srcOrd="2" destOrd="0" presId="urn:microsoft.com/office/officeart/2005/8/layout/radial5"/>
+  </dgm:cxnLst>
+  <dgm:bg/>
+  <dgm:whole/>
+  <dgm:extLst>
+    <a:ext uri="http://schemas.microsoft.com/office/drawing/2008/diagram">
+      <dsp:dataModelExt xmlns:dsp="http://schemas.microsoft.com/office/drawing/2008/diagram" xmlns="" relId="rId7" minVer="http://schemas.openxmlformats.org/drawingml/2006/diagram"/>
+    </a:ext>
+  </dgm:extLst>
+</dgm:dataModel>
+</file>
+
+<file path=ppt/diagrams/data18.xml><?xml version="1.0" encoding="utf-8"?>
+<dgm:dataModel xmlns:dgm="http://schemas.openxmlformats.org/drawingml/2006/diagram" xmlns:a="http://schemas.openxmlformats.org/drawingml/2006/main">
+  <dgm:ptLst>
+    <dgm:pt modelId="{0263801E-6BF4-4BC6-88F6-3A681B6F0256}" type="doc">
+      <dgm:prSet loTypeId="urn:microsoft.com/office/officeart/2005/8/layout/hProcess6" loCatId="process" qsTypeId="urn:microsoft.com/office/officeart/2005/8/quickstyle/simple1" qsCatId="simple" csTypeId="urn:microsoft.com/office/officeart/2005/8/colors/accent1_2" csCatId="accent1" phldr="1"/>
+      <dgm:spPr/>
+      <dgm:t>
+        <a:bodyPr/>
+        <a:lstStyle/>
+        <a:p>
+          <a:endParaRPr lang="en-US"/>
+        </a:p>
+      </dgm:t>
+    </dgm:pt>
+    <dgm:pt modelId="{0D53AE23-7B1D-4F75-B0C9-811ADD1450E5}">
+      <dgm:prSet phldrT="[Text]"/>
+      <dgm:spPr/>
+      <dgm:t>
+        <a:bodyPr/>
+        <a:lstStyle/>
+        <a:p>
+          <a:r>
+            <a:rPr lang="en-US" dirty="0" smtClean="0"/>
+            <a:t>Time </a:t>
+          </a:r>
+          <a:r>
+            <a:rPr lang="en-US" dirty="0" smtClean="0"/>
+            <a:t>‘M’</a:t>
+          </a:r>
+          <a:endParaRPr lang="en-US" dirty="0"/>
+        </a:p>
+      </dgm:t>
+    </dgm:pt>
+    <dgm:pt modelId="{B3190658-5D0B-48A2-A545-BB51AA06FA98}" type="parTrans" cxnId="{1233550D-C6C3-4196-A684-C3854D2ABC54}">
+      <dgm:prSet/>
+      <dgm:spPr/>
+      <dgm:t>
+        <a:bodyPr/>
+        <a:lstStyle/>
+        <a:p>
+          <a:endParaRPr lang="en-US"/>
+        </a:p>
+      </dgm:t>
+    </dgm:pt>
+    <dgm:pt modelId="{F96C9355-A67A-4A46-A16F-5C578B20ACE8}" type="sibTrans" cxnId="{1233550D-C6C3-4196-A684-C3854D2ABC54}">
+      <dgm:prSet/>
+      <dgm:spPr/>
+      <dgm:t>
+        <a:bodyPr/>
+        <a:lstStyle/>
+        <a:p>
+          <a:endParaRPr lang="en-US"/>
+        </a:p>
+      </dgm:t>
+    </dgm:pt>
+    <dgm:pt modelId="{42914ECB-5E6C-47FC-81AC-C7B39E261CA1}">
+      <dgm:prSet phldrT="[Text]"/>
+      <dgm:spPr/>
+      <dgm:t>
+        <a:bodyPr/>
+        <a:lstStyle/>
+        <a:p>
+          <a:r>
+            <a:rPr lang="en-US" dirty="0" smtClean="0"/>
+            <a:t>Apply Stimulus</a:t>
+          </a:r>
+          <a:endParaRPr lang="en-US" dirty="0"/>
+        </a:p>
+      </dgm:t>
+    </dgm:pt>
+    <dgm:pt modelId="{C59DD97D-EF86-481A-9CD8-0E48CA3429CD}" type="parTrans" cxnId="{BABF9A86-9440-4EF0-AD1C-A244B024DCED}">
+      <dgm:prSet/>
+      <dgm:spPr/>
+      <dgm:t>
+        <a:bodyPr/>
+        <a:lstStyle/>
+        <a:p>
+          <a:endParaRPr lang="en-US"/>
+        </a:p>
+      </dgm:t>
+    </dgm:pt>
+    <dgm:pt modelId="{2C9D62BB-5518-4933-B246-B80C666EC721}" type="sibTrans" cxnId="{BABF9A86-9440-4EF0-AD1C-A244B024DCED}">
+      <dgm:prSet/>
+      <dgm:spPr/>
+      <dgm:t>
+        <a:bodyPr/>
+        <a:lstStyle/>
+        <a:p>
+          <a:endParaRPr lang="en-US"/>
+        </a:p>
+      </dgm:t>
+    </dgm:pt>
+    <dgm:pt modelId="{38B1D2F8-D4C9-4A1E-825D-21E7A5CB8BD1}">
+      <dgm:prSet phldrT="[Text]"/>
+      <dgm:spPr/>
+      <dgm:t>
+        <a:bodyPr/>
+        <a:lstStyle/>
+        <a:p>
+          <a:r>
+            <a:rPr lang="en-US" dirty="0" smtClean="0"/>
+            <a:t>Simulation Proceeds</a:t>
+          </a:r>
+          <a:endParaRPr lang="en-US" dirty="0"/>
+        </a:p>
+      </dgm:t>
+    </dgm:pt>
+    <dgm:pt modelId="{9BBFA439-77D4-4339-ACB7-CD36D005FA14}" type="parTrans" cxnId="{DAB32686-8279-4417-B321-F5EDF66703C6}">
+      <dgm:prSet/>
+      <dgm:spPr/>
+      <dgm:t>
+        <a:bodyPr/>
+        <a:lstStyle/>
+        <a:p>
+          <a:endParaRPr lang="en-US"/>
+        </a:p>
+      </dgm:t>
+    </dgm:pt>
+    <dgm:pt modelId="{CD6B4CBD-B420-4C45-A6F6-470370C462DB}" type="sibTrans" cxnId="{DAB32686-8279-4417-B321-F5EDF66703C6}">
+      <dgm:prSet/>
+      <dgm:spPr/>
+      <dgm:t>
+        <a:bodyPr/>
+        <a:lstStyle/>
+        <a:p>
+          <a:endParaRPr lang="en-US"/>
+        </a:p>
+      </dgm:t>
+    </dgm:pt>
+    <dgm:pt modelId="{3C11C1AF-E6EE-411B-88E8-52243CAB3C93}">
+      <dgm:prSet phldrT="[Text]"/>
+      <dgm:spPr/>
+      <dgm:t>
+        <a:bodyPr/>
+        <a:lstStyle/>
+        <a:p>
+          <a:r>
+            <a:rPr lang="en-US" smtClean="0"/>
+            <a:t>Time </a:t>
+          </a:r>
+          <a:r>
+            <a:rPr lang="en-US" smtClean="0"/>
+            <a:t>‘N’</a:t>
+          </a:r>
+          <a:endParaRPr lang="en-US" dirty="0"/>
+        </a:p>
+      </dgm:t>
+    </dgm:pt>
+    <dgm:pt modelId="{D4DEEC40-F684-413A-915E-2AD82B476D56}" type="parTrans" cxnId="{4673D825-82BB-4C22-B461-EFB4AE59F674}">
+      <dgm:prSet/>
+      <dgm:spPr/>
+      <dgm:t>
+        <a:bodyPr/>
+        <a:lstStyle/>
+        <a:p>
+          <a:endParaRPr lang="en-US"/>
+        </a:p>
+      </dgm:t>
+    </dgm:pt>
+    <dgm:pt modelId="{6608512F-F81E-4FD4-A1AC-4DC4DA0B7F77}" type="sibTrans" cxnId="{4673D825-82BB-4C22-B461-EFB4AE59F674}">
+      <dgm:prSet/>
+      <dgm:spPr/>
+      <dgm:t>
+        <a:bodyPr/>
+        <a:lstStyle/>
+        <a:p>
+          <a:endParaRPr lang="en-US"/>
+        </a:p>
+      </dgm:t>
+    </dgm:pt>
+    <dgm:pt modelId="{B17D05E7-8ED9-4D6A-9FE0-4E0747431AED}">
+      <dgm:prSet phldrT="[Text]"/>
+      <dgm:spPr/>
+      <dgm:t>
+        <a:bodyPr/>
+        <a:lstStyle/>
+        <a:p>
+          <a:r>
+            <a:rPr lang="en-US" dirty="0" smtClean="0"/>
+            <a:t>Apply Stimulus</a:t>
+          </a:r>
+          <a:endParaRPr lang="en-US" dirty="0"/>
+        </a:p>
+      </dgm:t>
+    </dgm:pt>
+    <dgm:pt modelId="{1BCC5187-AE54-4029-9199-818B5313270E}" type="parTrans" cxnId="{1D877D71-3A86-4B82-8A6F-E1C6A49F95DA}">
+      <dgm:prSet/>
+      <dgm:spPr/>
+      <dgm:t>
+        <a:bodyPr/>
+        <a:lstStyle/>
+        <a:p>
+          <a:endParaRPr lang="en-US"/>
+        </a:p>
+      </dgm:t>
+    </dgm:pt>
+    <dgm:pt modelId="{39D7020D-2BB0-42E7-8F2C-FCACE3BAB6C9}" type="sibTrans" cxnId="{1D877D71-3A86-4B82-8A6F-E1C6A49F95DA}">
+      <dgm:prSet/>
+      <dgm:spPr/>
+      <dgm:t>
+        <a:bodyPr/>
+        <a:lstStyle/>
+        <a:p>
+          <a:endParaRPr lang="en-US"/>
+        </a:p>
+      </dgm:t>
+    </dgm:pt>
+    <dgm:pt modelId="{929F9DB8-9416-4334-B242-69059376EDFC}">
+      <dgm:prSet phldrT="[Text]"/>
+      <dgm:spPr/>
+      <dgm:t>
+        <a:bodyPr/>
+        <a:lstStyle/>
+        <a:p>
+          <a:r>
+            <a:rPr lang="en-US" dirty="0" smtClean="0"/>
+            <a:t>Time ‘O’</a:t>
+          </a:r>
+          <a:endParaRPr lang="en-US" dirty="0"/>
+        </a:p>
+      </dgm:t>
+    </dgm:pt>
+    <dgm:pt modelId="{AEC81C9B-FB75-41D4-9C76-22B2C79014B7}" type="parTrans" cxnId="{9E344696-9115-4EE2-AC21-60EF4EFB2934}">
+      <dgm:prSet/>
+      <dgm:spPr/>
+      <dgm:t>
+        <a:bodyPr/>
+        <a:lstStyle/>
+        <a:p>
+          <a:endParaRPr lang="en-US"/>
+        </a:p>
+      </dgm:t>
+    </dgm:pt>
+    <dgm:pt modelId="{ADEC5062-3FAB-4B9A-96C9-2DC24F1EB5B1}" type="sibTrans" cxnId="{9E344696-9115-4EE2-AC21-60EF4EFB2934}">
+      <dgm:prSet/>
+      <dgm:spPr/>
+      <dgm:t>
+        <a:bodyPr/>
+        <a:lstStyle/>
+        <a:p>
+          <a:endParaRPr lang="en-US"/>
+        </a:p>
+      </dgm:t>
+    </dgm:pt>
+    <dgm:pt modelId="{08531574-C7F4-4000-ACA3-E3567FC97767}">
+      <dgm:prSet phldrT="[Text]"/>
+      <dgm:spPr/>
+      <dgm:t>
+        <a:bodyPr/>
+        <a:lstStyle/>
+        <a:p>
+          <a:r>
+            <a:rPr lang="en-US" dirty="0" smtClean="0"/>
+            <a:t>Apply Stimulus</a:t>
+          </a:r>
+          <a:endParaRPr lang="en-US" dirty="0"/>
+        </a:p>
+      </dgm:t>
+    </dgm:pt>
+    <dgm:pt modelId="{7562AA60-AC18-490F-91EE-A19AB12B95B7}" type="parTrans" cxnId="{8FA76765-026A-4B37-A6D7-71DE5D300848}">
+      <dgm:prSet/>
+      <dgm:spPr/>
+      <dgm:t>
+        <a:bodyPr/>
+        <a:lstStyle/>
+        <a:p>
+          <a:endParaRPr lang="en-US"/>
+        </a:p>
+      </dgm:t>
+    </dgm:pt>
+    <dgm:pt modelId="{BFD84242-63E0-4D87-965C-D6967130E7EC}" type="sibTrans" cxnId="{8FA76765-026A-4B37-A6D7-71DE5D300848}">
+      <dgm:prSet/>
+      <dgm:spPr/>
+      <dgm:t>
+        <a:bodyPr/>
+        <a:lstStyle/>
+        <a:p>
+          <a:endParaRPr lang="en-US"/>
+        </a:p>
+      </dgm:t>
+    </dgm:pt>
+    <dgm:pt modelId="{A5D6D5DF-8EF6-4A5B-A2E6-988236E641F7}">
+      <dgm:prSet phldrT="[Text]"/>
+      <dgm:spPr/>
+      <dgm:t>
+        <a:bodyPr/>
+        <a:lstStyle/>
+        <a:p>
+          <a:r>
+            <a:rPr lang="en-US" dirty="0" smtClean="0"/>
+            <a:t>Simulation Proceeds</a:t>
+          </a:r>
+          <a:endParaRPr lang="en-US" dirty="0"/>
+        </a:p>
+      </dgm:t>
+    </dgm:pt>
+    <dgm:pt modelId="{F5748C27-6B58-4766-8E2A-D2EC4BC35795}" type="parTrans" cxnId="{41E6588D-23B8-4908-B273-06E0C5E7B31F}">
+      <dgm:prSet/>
+      <dgm:spPr/>
+      <dgm:t>
+        <a:bodyPr/>
+        <a:lstStyle/>
+        <a:p>
+          <a:endParaRPr lang="en-US"/>
+        </a:p>
+      </dgm:t>
+    </dgm:pt>
+    <dgm:pt modelId="{B93F171A-7547-4967-809A-AC07B543F6A1}" type="sibTrans" cxnId="{41E6588D-23B8-4908-B273-06E0C5E7B31F}">
+      <dgm:prSet/>
+      <dgm:spPr/>
+      <dgm:t>
+        <a:bodyPr/>
+        <a:lstStyle/>
+        <a:p>
+          <a:endParaRPr lang="en-US"/>
+        </a:p>
+      </dgm:t>
+    </dgm:pt>
+    <dgm:pt modelId="{C85AADFB-788B-4406-A789-D88511352C92}">
+      <dgm:prSet phldrT="[Text]"/>
+      <dgm:spPr/>
+      <dgm:t>
+        <a:bodyPr/>
+        <a:lstStyle/>
+        <a:p>
+          <a:r>
+            <a:rPr lang="en-US" dirty="0" smtClean="0"/>
+            <a:t>Simulation Proceeds</a:t>
+          </a:r>
+          <a:endParaRPr lang="en-US" dirty="0"/>
+        </a:p>
+      </dgm:t>
+    </dgm:pt>
+    <dgm:pt modelId="{5FBE1F1E-31E9-4CCA-9AB1-83536B9F308F}" type="parTrans" cxnId="{0364C46C-22B7-4453-A81B-789061C4A11F}">
+      <dgm:prSet/>
+      <dgm:spPr/>
+      <dgm:t>
+        <a:bodyPr/>
+        <a:lstStyle/>
+        <a:p>
+          <a:endParaRPr lang="en-US"/>
+        </a:p>
+      </dgm:t>
+    </dgm:pt>
+    <dgm:pt modelId="{E7671341-7F65-43D8-ADB8-F37F53BC3148}" type="sibTrans" cxnId="{0364C46C-22B7-4453-A81B-789061C4A11F}">
+      <dgm:prSet/>
+      <dgm:spPr/>
+      <dgm:t>
+        <a:bodyPr/>
+        <a:lstStyle/>
+        <a:p>
+          <a:endParaRPr lang="en-US"/>
+        </a:p>
+      </dgm:t>
+    </dgm:pt>
+    <dgm:pt modelId="{13D32241-9504-4A2C-BAB7-34EEB6A6FE2D}" type="pres">
+      <dgm:prSet presAssocID="{0263801E-6BF4-4BC6-88F6-3A681B6F0256}" presName="theList" presStyleCnt="0">
+        <dgm:presLayoutVars>
+          <dgm:dir/>
+          <dgm:animLvl val="lvl"/>
+          <dgm:resizeHandles val="exact"/>
+        </dgm:presLayoutVars>
+      </dgm:prSet>
+      <dgm:spPr/>
+      <dgm:t>
+        <a:bodyPr/>
+        <a:lstStyle/>
+        <a:p>
+          <a:endParaRPr lang="en-US"/>
+        </a:p>
+      </dgm:t>
+    </dgm:pt>
+    <dgm:pt modelId="{DC3626AE-C1D3-4C4C-B518-68309FA5659C}" type="pres">
+      <dgm:prSet presAssocID="{0D53AE23-7B1D-4F75-B0C9-811ADD1450E5}" presName="compNode" presStyleCnt="0"/>
+      <dgm:spPr/>
+    </dgm:pt>
+    <dgm:pt modelId="{F10A0DA3-072E-4396-B002-FB0BE956C380}" type="pres">
+      <dgm:prSet presAssocID="{0D53AE23-7B1D-4F75-B0C9-811ADD1450E5}" presName="noGeometry" presStyleCnt="0"/>
+      <dgm:spPr/>
+    </dgm:pt>
+    <dgm:pt modelId="{7B806281-0297-4181-9E3F-131037759B04}" type="pres">
+      <dgm:prSet presAssocID="{0D53AE23-7B1D-4F75-B0C9-811ADD1450E5}" presName="childTextVisible" presStyleLbl="bgAccFollowNode1" presStyleIdx="0" presStyleCnt="3">
+        <dgm:presLayoutVars>
+          <dgm:bulletEnabled val="1"/>
+        </dgm:presLayoutVars>
+      </dgm:prSet>
+      <dgm:spPr/>
+      <dgm:t>
+        <a:bodyPr/>
+        <a:lstStyle/>
+        <a:p>
+          <a:endParaRPr lang="en-US"/>
+        </a:p>
+      </dgm:t>
+    </dgm:pt>
+    <dgm:pt modelId="{1B83ADFA-209B-4B28-B17F-D10A6D3801E6}" type="pres">
+      <dgm:prSet presAssocID="{0D53AE23-7B1D-4F75-B0C9-811ADD1450E5}" presName="childTextHidden" presStyleLbl="bgAccFollowNode1" presStyleIdx="0" presStyleCnt="3"/>
+      <dgm:spPr/>
+      <dgm:t>
+        <a:bodyPr/>
+        <a:lstStyle/>
+        <a:p>
+          <a:endParaRPr lang="en-US"/>
+        </a:p>
+      </dgm:t>
+    </dgm:pt>
+    <dgm:pt modelId="{3323C78C-5959-43A3-8333-6291B30DB1C7}" type="pres">
+      <dgm:prSet presAssocID="{0D53AE23-7B1D-4F75-B0C9-811ADD1450E5}" presName="parentText" presStyleLbl="node1" presStyleIdx="0" presStyleCnt="3">
+        <dgm:presLayoutVars>
+          <dgm:chMax val="1"/>
+          <dgm:bulletEnabled val="1"/>
+        </dgm:presLayoutVars>
+      </dgm:prSet>
+      <dgm:spPr/>
+      <dgm:t>
+        <a:bodyPr/>
+        <a:lstStyle/>
+        <a:p>
+          <a:endParaRPr lang="en-US"/>
+        </a:p>
+      </dgm:t>
+    </dgm:pt>
+    <dgm:pt modelId="{24C8E639-88BA-4B84-B5D7-FB2A54E1887B}" type="pres">
+      <dgm:prSet presAssocID="{0D53AE23-7B1D-4F75-B0C9-811ADD1450E5}" presName="aSpace" presStyleCnt="0"/>
+      <dgm:spPr/>
+    </dgm:pt>
+    <dgm:pt modelId="{F0F3EC9E-FBD5-43AB-8AD5-3C7578BC2EE3}" type="pres">
+      <dgm:prSet presAssocID="{3C11C1AF-E6EE-411B-88E8-52243CAB3C93}" presName="compNode" presStyleCnt="0"/>
+      <dgm:spPr/>
+    </dgm:pt>
+    <dgm:pt modelId="{F1BAAFBE-587D-42C7-A8D2-E7634332A0EF}" type="pres">
+      <dgm:prSet presAssocID="{3C11C1AF-E6EE-411B-88E8-52243CAB3C93}" presName="noGeometry" presStyleCnt="0"/>
+      <dgm:spPr/>
+    </dgm:pt>
+    <dgm:pt modelId="{2DDD2D22-A762-45A0-9949-31828912D06C}" type="pres">
+      <dgm:prSet presAssocID="{3C11C1AF-E6EE-411B-88E8-52243CAB3C93}" presName="childTextVisible" presStyleLbl="bgAccFollowNode1" presStyleIdx="1" presStyleCnt="3">
+        <dgm:presLayoutVars>
+          <dgm:bulletEnabled val="1"/>
+        </dgm:presLayoutVars>
+      </dgm:prSet>
+      <dgm:spPr/>
+      <dgm:t>
+        <a:bodyPr/>
+        <a:lstStyle/>
+        <a:p>
+          <a:endParaRPr lang="en-US"/>
+        </a:p>
+      </dgm:t>
+    </dgm:pt>
+    <dgm:pt modelId="{DB11807E-0A9B-4417-B0A2-EF636835E252}" type="pres">
+      <dgm:prSet presAssocID="{3C11C1AF-E6EE-411B-88E8-52243CAB3C93}" presName="childTextHidden" presStyleLbl="bgAccFollowNode1" presStyleIdx="1" presStyleCnt="3"/>
+      <dgm:spPr/>
+      <dgm:t>
+        <a:bodyPr/>
+        <a:lstStyle/>
+        <a:p>
+          <a:endParaRPr lang="en-US"/>
+        </a:p>
+      </dgm:t>
+    </dgm:pt>
+    <dgm:pt modelId="{A0B10877-C878-4F97-B58E-16E374CAD393}" type="pres">
+      <dgm:prSet presAssocID="{3C11C1AF-E6EE-411B-88E8-52243CAB3C93}" presName="parentText" presStyleLbl="node1" presStyleIdx="1" presStyleCnt="3">
+        <dgm:presLayoutVars>
+          <dgm:chMax val="1"/>
+          <dgm:bulletEnabled val="1"/>
+        </dgm:presLayoutVars>
+      </dgm:prSet>
+      <dgm:spPr/>
+      <dgm:t>
+        <a:bodyPr/>
+        <a:lstStyle/>
+        <a:p>
+          <a:endParaRPr lang="en-US"/>
+        </a:p>
+      </dgm:t>
+    </dgm:pt>
+    <dgm:pt modelId="{6EFF165C-470B-40D4-883A-FCE41B1B514D}" type="pres">
+      <dgm:prSet presAssocID="{3C11C1AF-E6EE-411B-88E8-52243CAB3C93}" presName="aSpace" presStyleCnt="0"/>
+      <dgm:spPr/>
+    </dgm:pt>
+    <dgm:pt modelId="{B2603BB4-7BF0-42C4-B17E-181E7F271895}" type="pres">
+      <dgm:prSet presAssocID="{929F9DB8-9416-4334-B242-69059376EDFC}" presName="compNode" presStyleCnt="0"/>
+      <dgm:spPr/>
+    </dgm:pt>
+    <dgm:pt modelId="{8548B971-A876-4E86-B84F-3B26187F028E}" type="pres">
+      <dgm:prSet presAssocID="{929F9DB8-9416-4334-B242-69059376EDFC}" presName="noGeometry" presStyleCnt="0"/>
+      <dgm:spPr/>
+    </dgm:pt>
+    <dgm:pt modelId="{4E60EA4B-21DD-4DDC-875F-3BE12FB00CDE}" type="pres">
+      <dgm:prSet presAssocID="{929F9DB8-9416-4334-B242-69059376EDFC}" presName="childTextVisible" presStyleLbl="bgAccFollowNode1" presStyleIdx="2" presStyleCnt="3">
+        <dgm:presLayoutVars>
+          <dgm:bulletEnabled val="1"/>
+        </dgm:presLayoutVars>
+      </dgm:prSet>
+      <dgm:spPr/>
+      <dgm:t>
+        <a:bodyPr/>
+        <a:lstStyle/>
+        <a:p>
+          <a:endParaRPr lang="en-US"/>
+        </a:p>
+      </dgm:t>
+    </dgm:pt>
+    <dgm:pt modelId="{5F067820-4173-4DCA-A79E-37F297BCA2A9}" type="pres">
+      <dgm:prSet presAssocID="{929F9DB8-9416-4334-B242-69059376EDFC}" presName="childTextHidden" presStyleLbl="bgAccFollowNode1" presStyleIdx="2" presStyleCnt="3"/>
+      <dgm:spPr/>
+      <dgm:t>
+        <a:bodyPr/>
+        <a:lstStyle/>
+        <a:p>
+          <a:endParaRPr lang="en-US"/>
+        </a:p>
+      </dgm:t>
+    </dgm:pt>
+    <dgm:pt modelId="{9EDE3C6D-A507-4130-BB59-0BE7C8A78BE8}" type="pres">
+      <dgm:prSet presAssocID="{929F9DB8-9416-4334-B242-69059376EDFC}" presName="parentText" presStyleLbl="node1" presStyleIdx="2" presStyleCnt="3">
+        <dgm:presLayoutVars>
+          <dgm:chMax val="1"/>
+          <dgm:bulletEnabled val="1"/>
+        </dgm:presLayoutVars>
+      </dgm:prSet>
+      <dgm:spPr/>
+      <dgm:t>
+        <a:bodyPr/>
+        <a:lstStyle/>
+        <a:p>
+          <a:endParaRPr lang="en-US"/>
+        </a:p>
+      </dgm:t>
+    </dgm:pt>
+  </dgm:ptLst>
+  <dgm:cxnLst>
+    <dgm:cxn modelId="{29D49475-1E9F-492A-BCF6-56E6F8F92951}" type="presOf" srcId="{C85AADFB-788B-4406-A789-D88511352C92}" destId="{4E60EA4B-21DD-4DDC-875F-3BE12FB00CDE}" srcOrd="0" destOrd="1" presId="urn:microsoft.com/office/officeart/2005/8/layout/hProcess6"/>
+    <dgm:cxn modelId="{AC2FCF21-904C-4488-B8AA-83F0DC6967ED}" type="presOf" srcId="{0263801E-6BF4-4BC6-88F6-3A681B6F0256}" destId="{13D32241-9504-4A2C-BAB7-34EEB6A6FE2D}" srcOrd="0" destOrd="0" presId="urn:microsoft.com/office/officeart/2005/8/layout/hProcess6"/>
+    <dgm:cxn modelId="{1B020AD7-40FB-4112-92DF-4D16CF7D01CE}" type="presOf" srcId="{42914ECB-5E6C-47FC-81AC-C7B39E261CA1}" destId="{7B806281-0297-4181-9E3F-131037759B04}" srcOrd="0" destOrd="0" presId="urn:microsoft.com/office/officeart/2005/8/layout/hProcess6"/>
+    <dgm:cxn modelId="{A7BF8CF3-F294-4D8A-943F-D90BCFB0D975}" type="presOf" srcId="{C85AADFB-788B-4406-A789-D88511352C92}" destId="{5F067820-4173-4DCA-A79E-37F297BCA2A9}" srcOrd="1" destOrd="1" presId="urn:microsoft.com/office/officeart/2005/8/layout/hProcess6"/>
+    <dgm:cxn modelId="{C8BB9639-69F5-4B87-9012-948986D00CAF}" type="presOf" srcId="{42914ECB-5E6C-47FC-81AC-C7B39E261CA1}" destId="{1B83ADFA-209B-4B28-B17F-D10A6D3801E6}" srcOrd="1" destOrd="0" presId="urn:microsoft.com/office/officeart/2005/8/layout/hProcess6"/>
+    <dgm:cxn modelId="{4F5D213B-E6DC-4808-AA74-B68D3C24218D}" type="presOf" srcId="{3C11C1AF-E6EE-411B-88E8-52243CAB3C93}" destId="{A0B10877-C878-4F97-B58E-16E374CAD393}" srcOrd="0" destOrd="0" presId="urn:microsoft.com/office/officeart/2005/8/layout/hProcess6"/>
+    <dgm:cxn modelId="{74968756-B7C1-4BC9-8C2B-74AAEE1A4481}" type="presOf" srcId="{38B1D2F8-D4C9-4A1E-825D-21E7A5CB8BD1}" destId="{7B806281-0297-4181-9E3F-131037759B04}" srcOrd="0" destOrd="1" presId="urn:microsoft.com/office/officeart/2005/8/layout/hProcess6"/>
+    <dgm:cxn modelId="{DAB32686-8279-4417-B321-F5EDF66703C6}" srcId="{0D53AE23-7B1D-4F75-B0C9-811ADD1450E5}" destId="{38B1D2F8-D4C9-4A1E-825D-21E7A5CB8BD1}" srcOrd="1" destOrd="0" parTransId="{9BBFA439-77D4-4339-ACB7-CD36D005FA14}" sibTransId="{CD6B4CBD-B420-4C45-A6F6-470370C462DB}"/>
+    <dgm:cxn modelId="{EDFE3AF9-FCA8-4366-9AD8-85C1521027EA}" type="presOf" srcId="{A5D6D5DF-8EF6-4A5B-A2E6-988236E641F7}" destId="{2DDD2D22-A762-45A0-9949-31828912D06C}" srcOrd="0" destOrd="1" presId="urn:microsoft.com/office/officeart/2005/8/layout/hProcess6"/>
+    <dgm:cxn modelId="{9E344696-9115-4EE2-AC21-60EF4EFB2934}" srcId="{0263801E-6BF4-4BC6-88F6-3A681B6F0256}" destId="{929F9DB8-9416-4334-B242-69059376EDFC}" srcOrd="2" destOrd="0" parTransId="{AEC81C9B-FB75-41D4-9C76-22B2C79014B7}" sibTransId="{ADEC5062-3FAB-4B9A-96C9-2DC24F1EB5B1}"/>
+    <dgm:cxn modelId="{41E6588D-23B8-4908-B273-06E0C5E7B31F}" srcId="{3C11C1AF-E6EE-411B-88E8-52243CAB3C93}" destId="{A5D6D5DF-8EF6-4A5B-A2E6-988236E641F7}" srcOrd="1" destOrd="0" parTransId="{F5748C27-6B58-4766-8E2A-D2EC4BC35795}" sibTransId="{B93F171A-7547-4967-809A-AC07B543F6A1}"/>
+    <dgm:cxn modelId="{BABF9A86-9440-4EF0-AD1C-A244B024DCED}" srcId="{0D53AE23-7B1D-4F75-B0C9-811ADD1450E5}" destId="{42914ECB-5E6C-47FC-81AC-C7B39E261CA1}" srcOrd="0" destOrd="0" parTransId="{C59DD97D-EF86-481A-9CD8-0E48CA3429CD}" sibTransId="{2C9D62BB-5518-4933-B246-B80C666EC721}"/>
+    <dgm:cxn modelId="{141DB2DB-A59F-4176-8090-EE68B32994B6}" type="presOf" srcId="{08531574-C7F4-4000-ACA3-E3567FC97767}" destId="{4E60EA4B-21DD-4DDC-875F-3BE12FB00CDE}" srcOrd="0" destOrd="0" presId="urn:microsoft.com/office/officeart/2005/8/layout/hProcess6"/>
+    <dgm:cxn modelId="{BFC94A15-D636-458C-B9D4-9C5B907DB6FF}" type="presOf" srcId="{A5D6D5DF-8EF6-4A5B-A2E6-988236E641F7}" destId="{DB11807E-0A9B-4417-B0A2-EF636835E252}" srcOrd="1" destOrd="1" presId="urn:microsoft.com/office/officeart/2005/8/layout/hProcess6"/>
+    <dgm:cxn modelId="{5B7126CB-694A-4072-926F-40D6E2EE25A2}" type="presOf" srcId="{929F9DB8-9416-4334-B242-69059376EDFC}" destId="{9EDE3C6D-A507-4130-BB59-0BE7C8A78BE8}" srcOrd="0" destOrd="0" presId="urn:microsoft.com/office/officeart/2005/8/layout/hProcess6"/>
+    <dgm:cxn modelId="{7B7B3683-D798-4D21-BBB2-576500785B33}" type="presOf" srcId="{B17D05E7-8ED9-4D6A-9FE0-4E0747431AED}" destId="{DB11807E-0A9B-4417-B0A2-EF636835E252}" srcOrd="1" destOrd="0" presId="urn:microsoft.com/office/officeart/2005/8/layout/hProcess6"/>
+    <dgm:cxn modelId="{4673D825-82BB-4C22-B461-EFB4AE59F674}" srcId="{0263801E-6BF4-4BC6-88F6-3A681B6F0256}" destId="{3C11C1AF-E6EE-411B-88E8-52243CAB3C93}" srcOrd="1" destOrd="0" parTransId="{D4DEEC40-F684-413A-915E-2AD82B476D56}" sibTransId="{6608512F-F81E-4FD4-A1AC-4DC4DA0B7F77}"/>
+    <dgm:cxn modelId="{84C744F5-6149-4B9A-BC28-E83D7606BCD3}" type="presOf" srcId="{38B1D2F8-D4C9-4A1E-825D-21E7A5CB8BD1}" destId="{1B83ADFA-209B-4B28-B17F-D10A6D3801E6}" srcOrd="1" destOrd="1" presId="urn:microsoft.com/office/officeart/2005/8/layout/hProcess6"/>
+    <dgm:cxn modelId="{1233550D-C6C3-4196-A684-C3854D2ABC54}" srcId="{0263801E-6BF4-4BC6-88F6-3A681B6F0256}" destId="{0D53AE23-7B1D-4F75-B0C9-811ADD1450E5}" srcOrd="0" destOrd="0" parTransId="{B3190658-5D0B-48A2-A545-BB51AA06FA98}" sibTransId="{F96C9355-A67A-4A46-A16F-5C578B20ACE8}"/>
+    <dgm:cxn modelId="{0364C46C-22B7-4453-A81B-789061C4A11F}" srcId="{929F9DB8-9416-4334-B242-69059376EDFC}" destId="{C85AADFB-788B-4406-A789-D88511352C92}" srcOrd="1" destOrd="0" parTransId="{5FBE1F1E-31E9-4CCA-9AB1-83536B9F308F}" sibTransId="{E7671341-7F65-43D8-ADB8-F37F53BC3148}"/>
+    <dgm:cxn modelId="{7AFF0E17-20E6-4648-8BB0-EA8378895D1F}" type="presOf" srcId="{08531574-C7F4-4000-ACA3-E3567FC97767}" destId="{5F067820-4173-4DCA-A79E-37F297BCA2A9}" srcOrd="1" destOrd="0" presId="urn:microsoft.com/office/officeart/2005/8/layout/hProcess6"/>
+    <dgm:cxn modelId="{595A0C0F-5D9F-4C8A-8B75-11F9701B7725}" type="presOf" srcId="{B17D05E7-8ED9-4D6A-9FE0-4E0747431AED}" destId="{2DDD2D22-A762-45A0-9949-31828912D06C}" srcOrd="0" destOrd="0" presId="urn:microsoft.com/office/officeart/2005/8/layout/hProcess6"/>
+    <dgm:cxn modelId="{CC5252A4-F556-4C61-850D-DEA877DE8731}" type="presOf" srcId="{0D53AE23-7B1D-4F75-B0C9-811ADD1450E5}" destId="{3323C78C-5959-43A3-8333-6291B30DB1C7}" srcOrd="0" destOrd="0" presId="urn:microsoft.com/office/officeart/2005/8/layout/hProcess6"/>
+    <dgm:cxn modelId="{8FA76765-026A-4B37-A6D7-71DE5D300848}" srcId="{929F9DB8-9416-4334-B242-69059376EDFC}" destId="{08531574-C7F4-4000-ACA3-E3567FC97767}" srcOrd="0" destOrd="0" parTransId="{7562AA60-AC18-490F-91EE-A19AB12B95B7}" sibTransId="{BFD84242-63E0-4D87-965C-D6967130E7EC}"/>
+    <dgm:cxn modelId="{1D877D71-3A86-4B82-8A6F-E1C6A49F95DA}" srcId="{3C11C1AF-E6EE-411B-88E8-52243CAB3C93}" destId="{B17D05E7-8ED9-4D6A-9FE0-4E0747431AED}" srcOrd="0" destOrd="0" parTransId="{1BCC5187-AE54-4029-9199-818B5313270E}" sibTransId="{39D7020D-2BB0-42E7-8F2C-FCACE3BAB6C9}"/>
+    <dgm:cxn modelId="{46639185-AFB8-4075-8E1F-8F082F574D46}" type="presParOf" srcId="{13D32241-9504-4A2C-BAB7-34EEB6A6FE2D}" destId="{DC3626AE-C1D3-4C4C-B518-68309FA5659C}" srcOrd="0" destOrd="0" presId="urn:microsoft.com/office/officeart/2005/8/layout/hProcess6"/>
+    <dgm:cxn modelId="{688D6119-CE0D-4B19-8E90-B109045D2600}" type="presParOf" srcId="{DC3626AE-C1D3-4C4C-B518-68309FA5659C}" destId="{F10A0DA3-072E-4396-B002-FB0BE956C380}" srcOrd="0" destOrd="0" presId="urn:microsoft.com/office/officeart/2005/8/layout/hProcess6"/>
+    <dgm:cxn modelId="{BE7CBC16-118C-4B44-8AF2-9E66051359DF}" type="presParOf" srcId="{DC3626AE-C1D3-4C4C-B518-68309FA5659C}" destId="{7B806281-0297-4181-9E3F-131037759B04}" srcOrd="1" destOrd="0" presId="urn:microsoft.com/office/officeart/2005/8/layout/hProcess6"/>
+    <dgm:cxn modelId="{E2EA17F7-8E3B-4260-BA58-235A2B818035}" type="presParOf" srcId="{DC3626AE-C1D3-4C4C-B518-68309FA5659C}" destId="{1B83ADFA-209B-4B28-B17F-D10A6D3801E6}" srcOrd="2" destOrd="0" presId="urn:microsoft.com/office/officeart/2005/8/layout/hProcess6"/>
+    <dgm:cxn modelId="{0D7BA918-CBDF-4566-A703-3371B39DD4DA}" type="presParOf" srcId="{DC3626AE-C1D3-4C4C-B518-68309FA5659C}" destId="{3323C78C-5959-43A3-8333-6291B30DB1C7}" srcOrd="3" destOrd="0" presId="urn:microsoft.com/office/officeart/2005/8/layout/hProcess6"/>
+    <dgm:cxn modelId="{9AB9BB1C-745B-43D2-9CCC-3140BDBDE878}" type="presParOf" srcId="{13D32241-9504-4A2C-BAB7-34EEB6A6FE2D}" destId="{24C8E639-88BA-4B84-B5D7-FB2A54E1887B}" srcOrd="1" destOrd="0" presId="urn:microsoft.com/office/officeart/2005/8/layout/hProcess6"/>
+    <dgm:cxn modelId="{0467A2D6-C1CC-4AF0-9644-B25C5B1211B5}" type="presParOf" srcId="{13D32241-9504-4A2C-BAB7-34EEB6A6FE2D}" destId="{F0F3EC9E-FBD5-43AB-8AD5-3C7578BC2EE3}" srcOrd="2" destOrd="0" presId="urn:microsoft.com/office/officeart/2005/8/layout/hProcess6"/>
+    <dgm:cxn modelId="{CDB62C57-D707-475D-8071-430B7F4916C2}" type="presParOf" srcId="{F0F3EC9E-FBD5-43AB-8AD5-3C7578BC2EE3}" destId="{F1BAAFBE-587D-42C7-A8D2-E7634332A0EF}" srcOrd="0" destOrd="0" presId="urn:microsoft.com/office/officeart/2005/8/layout/hProcess6"/>
+    <dgm:cxn modelId="{0B9F1F88-3AD0-452E-92C0-CAF414418373}" type="presParOf" srcId="{F0F3EC9E-FBD5-43AB-8AD5-3C7578BC2EE3}" destId="{2DDD2D22-A762-45A0-9949-31828912D06C}" srcOrd="1" destOrd="0" presId="urn:microsoft.com/office/officeart/2005/8/layout/hProcess6"/>
+    <dgm:cxn modelId="{454558C9-B4BD-4748-8D94-86A8171C1DDB}" type="presParOf" srcId="{F0F3EC9E-FBD5-43AB-8AD5-3C7578BC2EE3}" destId="{DB11807E-0A9B-4417-B0A2-EF636835E252}" srcOrd="2" destOrd="0" presId="urn:microsoft.com/office/officeart/2005/8/layout/hProcess6"/>
+    <dgm:cxn modelId="{0AA65989-1FB5-4FBA-B5FE-930836083306}" type="presParOf" srcId="{F0F3EC9E-FBD5-43AB-8AD5-3C7578BC2EE3}" destId="{A0B10877-C878-4F97-B58E-16E374CAD393}" srcOrd="3" destOrd="0" presId="urn:microsoft.com/office/officeart/2005/8/layout/hProcess6"/>
+    <dgm:cxn modelId="{6D4DEEFB-64DF-4B29-BB62-0F9B475B1F1F}" type="presParOf" srcId="{13D32241-9504-4A2C-BAB7-34EEB6A6FE2D}" destId="{6EFF165C-470B-40D4-883A-FCE41B1B514D}" srcOrd="3" destOrd="0" presId="urn:microsoft.com/office/officeart/2005/8/layout/hProcess6"/>
+    <dgm:cxn modelId="{6DE4A83E-0A85-45B9-A54A-E889CA577970}" type="presParOf" srcId="{13D32241-9504-4A2C-BAB7-34EEB6A6FE2D}" destId="{B2603BB4-7BF0-42C4-B17E-181E7F271895}" srcOrd="4" destOrd="0" presId="urn:microsoft.com/office/officeart/2005/8/layout/hProcess6"/>
+    <dgm:cxn modelId="{56D47E41-8C32-4250-B524-C568D57CF433}" type="presParOf" srcId="{B2603BB4-7BF0-42C4-B17E-181E7F271895}" destId="{8548B971-A876-4E86-B84F-3B26187F028E}" srcOrd="0" destOrd="0" presId="urn:microsoft.com/office/officeart/2005/8/layout/hProcess6"/>
+    <dgm:cxn modelId="{2BC14F95-047B-4F7D-974E-233A3471AC88}" type="presParOf" srcId="{B2603BB4-7BF0-42C4-B17E-181E7F271895}" destId="{4E60EA4B-21DD-4DDC-875F-3BE12FB00CDE}" srcOrd="1" destOrd="0" presId="urn:microsoft.com/office/officeart/2005/8/layout/hProcess6"/>
+    <dgm:cxn modelId="{75A8024E-06D0-40B2-A509-49FABDD715CE}" type="presParOf" srcId="{B2603BB4-7BF0-42C4-B17E-181E7F271895}" destId="{5F067820-4173-4DCA-A79E-37F297BCA2A9}" srcOrd="2" destOrd="0" presId="urn:microsoft.com/office/officeart/2005/8/layout/hProcess6"/>
+    <dgm:cxn modelId="{D30A6197-9076-4E56-9BFB-9CB950FCC2D8}" type="presParOf" srcId="{B2603BB4-7BF0-42C4-B17E-181E7F271895}" destId="{9EDE3C6D-A507-4130-BB59-0BE7C8A78BE8}" srcOrd="3" destOrd="0" presId="urn:microsoft.com/office/officeart/2005/8/layout/hProcess6"/>
   </dgm:cxnLst>
   <dgm:bg/>
   <dgm:whole/>
@@ -16677,8 +18076,8 @@
     <dgm:cxn modelId="{5F869347-E138-4CB8-AB6E-C343C0009BAA}" type="presOf" srcId="{284B9274-2047-4B8C-9936-F9913333047C}" destId="{29AA9764-D645-4913-BA66-1A208AC75DAF}" srcOrd="0" destOrd="0" presId="urn:microsoft.com/office/officeart/2005/8/layout/radial4"/>
     <dgm:cxn modelId="{5C9438A1-7A30-4550-BB8B-90C0BDEBABC4}" type="presOf" srcId="{A6C49565-F519-4542-BF98-870261B124FA}" destId="{58C112E9-B04B-49F3-8D98-591AEB55C9C0}" srcOrd="0" destOrd="0" presId="urn:microsoft.com/office/officeart/2005/8/layout/radial4"/>
     <dgm:cxn modelId="{0772E6F0-39BA-44D5-9D2F-3A90A62E3B47}" type="presOf" srcId="{51404F99-6616-492C-86CE-352231288269}" destId="{A8D681BB-369D-4769-9F03-109FF3C39C96}" srcOrd="0" destOrd="0" presId="urn:microsoft.com/office/officeart/2005/8/layout/radial4"/>
+    <dgm:cxn modelId="{065FFCAA-41E6-4C85-AFAC-64A9EE77B730}" srcId="{F24FEC6D-07A1-47A1-96FC-ED8C83255B09}" destId="{4959CA43-C147-403A-AEC2-1032C38D1C08}" srcOrd="3" destOrd="0" parTransId="{284B9274-2047-4B8C-9936-F9913333047C}" sibTransId="{25FB47C5-60B0-40C1-819C-1A8643099C4B}"/>
     <dgm:cxn modelId="{9FFFD23D-47B5-47E1-AF28-88DE763D3267}" type="presOf" srcId="{0EE9F469-090F-46E1-ABC2-09BD96234DF3}" destId="{FBE4C170-3664-419C-B0EB-3DCEFB167F5C}" srcOrd="0" destOrd="0" presId="urn:microsoft.com/office/officeart/2005/8/layout/radial4"/>
-    <dgm:cxn modelId="{065FFCAA-41E6-4C85-AFAC-64A9EE77B730}" srcId="{F24FEC6D-07A1-47A1-96FC-ED8C83255B09}" destId="{4959CA43-C147-403A-AEC2-1032C38D1C08}" srcOrd="3" destOrd="0" parTransId="{284B9274-2047-4B8C-9936-F9913333047C}" sibTransId="{25FB47C5-60B0-40C1-819C-1A8643099C4B}"/>
     <dgm:cxn modelId="{419510B4-33AD-4C25-A6EC-430446607831}" srcId="{F24FEC6D-07A1-47A1-96FC-ED8C83255B09}" destId="{51404F99-6616-492C-86CE-352231288269}" srcOrd="1" destOrd="0" parTransId="{0EE9F469-090F-46E1-ABC2-09BD96234DF3}" sibTransId="{C57ABC00-3475-4454-BBE5-AF6787BAF720}"/>
     <dgm:cxn modelId="{4536C01F-ACD1-4559-97D8-F47ACB34EB8F}" type="presOf" srcId="{4959CA43-C147-403A-AEC2-1032C38D1C08}" destId="{EE01AE8D-B608-4914-9828-57481EE0CDA9}" srcOrd="0" destOrd="0" presId="urn:microsoft.com/office/officeart/2005/8/layout/radial4"/>
     <dgm:cxn modelId="{214E35C2-7D65-478A-8A8F-F36CB2AFBF83}" type="presOf" srcId="{23F37D44-4B1A-4BD6-9E75-C62E7D900C4A}" destId="{3A8DB876-3295-4771-915B-47CA1FB93B42}" srcOrd="0" destOrd="0" presId="urn:microsoft.com/office/officeart/2005/8/layout/radial4"/>
@@ -20497,8 +21896,8 @@
       </dsp:nvSpPr>
       <dsp:spPr>
         <a:xfrm>
-          <a:off x="1004" y="1283506"/>
-          <a:ext cx="1958950" cy="1958950"/>
+          <a:off x="1004" y="149348"/>
+          <a:ext cx="1645518" cy="1645518"/>
         </a:xfrm>
         <a:prstGeom prst="ellipse">
           <a:avLst/>
@@ -20578,12 +21977,12 @@
         </a:fontRef>
       </dsp:style>
       <dsp:txBody>
-        <a:bodyPr spcFirstLastPara="0" vert="horz" wrap="square" lIns="107808" tIns="22860" rIns="107808" bIns="22860" numCol="1" spcCol="1270" anchor="ctr" anchorCtr="0">
+        <a:bodyPr spcFirstLastPara="0" vert="horz" wrap="square" lIns="90558" tIns="20320" rIns="90558" bIns="20320" numCol="1" spcCol="1270" anchor="ctr" anchorCtr="0">
           <a:noAutofit/>
         </a:bodyPr>
         <a:lstStyle/>
         <a:p>
-          <a:pPr lvl="0" algn="ctr" defTabSz="800100">
+          <a:pPr lvl="0" algn="ctr" defTabSz="711200">
             <a:lnSpc>
               <a:spcPct val="90000"/>
             </a:lnSpc>
@@ -20595,21 +21994,21 @@
             </a:spcAft>
           </a:pPr>
           <a:r>
-            <a:rPr lang="en-US" sz="1800" kern="1200" dirty="0" smtClean="0">
+            <a:rPr lang="en-US" sz="1600" kern="1200" dirty="0" smtClean="0">
               <a:latin typeface="Times New Roman" pitchFamily="18" charset="0"/>
               <a:cs typeface="Times New Roman" pitchFamily="18" charset="0"/>
             </a:rPr>
             <a:t>FSDB</a:t>
           </a:r>
-          <a:endParaRPr lang="en-US" sz="1800" kern="1200" dirty="0">
+          <a:endParaRPr lang="en-US" sz="1600" kern="1200" dirty="0">
             <a:latin typeface="Times New Roman" pitchFamily="18" charset="0"/>
             <a:cs typeface="Times New Roman" pitchFamily="18" charset="0"/>
           </a:endParaRPr>
         </a:p>
       </dsp:txBody>
       <dsp:txXfrm>
-        <a:off x="1004" y="1283506"/>
-        <a:ext cx="1958950" cy="1958950"/>
+        <a:off x="1004" y="149348"/>
+        <a:ext cx="1645518" cy="1645518"/>
       </dsp:txXfrm>
     </dsp:sp>
     <dsp:sp modelId="{2F16B66C-A703-43E0-A87B-BDB5F215B3EC}">
@@ -20619,8 +22018,8 @@
       </dsp:nvSpPr>
       <dsp:spPr>
         <a:xfrm>
-          <a:off x="1568164" y="1283506"/>
-          <a:ext cx="1958950" cy="1958950"/>
+          <a:off x="1317419" y="149348"/>
+          <a:ext cx="1645518" cy="1645518"/>
         </a:xfrm>
         <a:prstGeom prst="ellipse">
           <a:avLst/>
@@ -20700,12 +22099,12 @@
         </a:fontRef>
       </dsp:style>
       <dsp:txBody>
-        <a:bodyPr spcFirstLastPara="0" vert="horz" wrap="square" lIns="107808" tIns="22860" rIns="107808" bIns="22860" numCol="1" spcCol="1270" anchor="ctr" anchorCtr="0">
+        <a:bodyPr spcFirstLastPara="0" vert="horz" wrap="square" lIns="90558" tIns="20320" rIns="90558" bIns="20320" numCol="1" spcCol="1270" anchor="ctr" anchorCtr="0">
           <a:noAutofit/>
         </a:bodyPr>
         <a:lstStyle/>
         <a:p>
-          <a:pPr lvl="0" algn="ctr" defTabSz="800100">
+          <a:pPr lvl="0" algn="ctr" defTabSz="711200">
             <a:lnSpc>
               <a:spcPct val="90000"/>
             </a:lnSpc>
@@ -20717,21 +22116,21 @@
             </a:spcAft>
           </a:pPr>
           <a:r>
-            <a:rPr lang="en-US" sz="1800" kern="1200" dirty="0" smtClean="0">
+            <a:rPr lang="en-US" sz="1600" kern="1200" dirty="0" smtClean="0">
               <a:latin typeface="Times New Roman" pitchFamily="18" charset="0"/>
               <a:cs typeface="Times New Roman" pitchFamily="18" charset="0"/>
             </a:rPr>
             <a:t>FSDB API provided by Verdi</a:t>
           </a:r>
-          <a:endParaRPr lang="en-US" sz="1800" kern="1200" dirty="0">
+          <a:endParaRPr lang="en-US" sz="1600" kern="1200" dirty="0">
             <a:latin typeface="Times New Roman" pitchFamily="18" charset="0"/>
             <a:cs typeface="Times New Roman" pitchFamily="18" charset="0"/>
           </a:endParaRPr>
         </a:p>
       </dsp:txBody>
       <dsp:txXfrm>
-        <a:off x="1568164" y="1283506"/>
-        <a:ext cx="1958950" cy="1958950"/>
+        <a:off x="1317419" y="149348"/>
+        <a:ext cx="1645518" cy="1645518"/>
       </dsp:txXfrm>
     </dsp:sp>
     <dsp:sp modelId="{ABFAB522-FA90-4144-98B8-19AD84267685}">
@@ -20741,8 +22140,8 @@
       </dsp:nvSpPr>
       <dsp:spPr>
         <a:xfrm>
-          <a:off x="3135324" y="1283506"/>
-          <a:ext cx="1958950" cy="1958950"/>
+          <a:off x="2633833" y="149348"/>
+          <a:ext cx="1645518" cy="1645518"/>
         </a:xfrm>
         <a:prstGeom prst="ellipse">
           <a:avLst/>
@@ -20822,12 +22221,12 @@
         </a:fontRef>
       </dsp:style>
       <dsp:txBody>
-        <a:bodyPr spcFirstLastPara="0" vert="horz" wrap="square" lIns="107808" tIns="22860" rIns="107808" bIns="22860" numCol="1" spcCol="1270" anchor="ctr" anchorCtr="0">
+        <a:bodyPr spcFirstLastPara="0" vert="horz" wrap="square" lIns="90558" tIns="20320" rIns="90558" bIns="20320" numCol="1" spcCol="1270" anchor="ctr" anchorCtr="0">
           <a:noAutofit/>
         </a:bodyPr>
         <a:lstStyle/>
         <a:p>
-          <a:pPr lvl="0" algn="ctr" defTabSz="800100">
+          <a:pPr lvl="0" algn="ctr" defTabSz="711200">
             <a:lnSpc>
               <a:spcPct val="90000"/>
             </a:lnSpc>
@@ -20839,21 +22238,21 @@
             </a:spcAft>
           </a:pPr>
           <a:r>
-            <a:rPr lang="en-US" sz="1800" kern="1200" dirty="0" smtClean="0">
+            <a:rPr lang="en-US" sz="1600" kern="1200" dirty="0" smtClean="0">
               <a:latin typeface="Times New Roman" pitchFamily="18" charset="0"/>
               <a:cs typeface="Times New Roman" pitchFamily="18" charset="0"/>
             </a:rPr>
             <a:t>C++ routines to access FSDB values in time-based fashion</a:t>
           </a:r>
-          <a:endParaRPr lang="en-US" sz="1800" kern="1200" dirty="0">
+          <a:endParaRPr lang="en-US" sz="1600" kern="1200" dirty="0">
             <a:latin typeface="Times New Roman" pitchFamily="18" charset="0"/>
             <a:cs typeface="Times New Roman" pitchFamily="18" charset="0"/>
           </a:endParaRPr>
         </a:p>
       </dsp:txBody>
       <dsp:txXfrm>
-        <a:off x="3135324" y="1283506"/>
-        <a:ext cx="1958950" cy="1958950"/>
+        <a:off x="2633833" y="149348"/>
+        <a:ext cx="1645518" cy="1645518"/>
       </dsp:txXfrm>
     </dsp:sp>
     <dsp:sp modelId="{3DD52E65-2217-47DF-A607-061BC38D9280}">
@@ -20863,8 +22262,8 @@
       </dsp:nvSpPr>
       <dsp:spPr>
         <a:xfrm>
-          <a:off x="4702485" y="1283506"/>
-          <a:ext cx="1958950" cy="1958950"/>
+          <a:off x="3950248" y="149348"/>
+          <a:ext cx="1645518" cy="1645518"/>
         </a:xfrm>
         <a:prstGeom prst="ellipse">
           <a:avLst/>
@@ -20944,12 +22343,12 @@
         </a:fontRef>
       </dsp:style>
       <dsp:txBody>
-        <a:bodyPr spcFirstLastPara="0" vert="horz" wrap="square" lIns="107808" tIns="22860" rIns="107808" bIns="22860" numCol="1" spcCol="1270" anchor="ctr" anchorCtr="0">
+        <a:bodyPr spcFirstLastPara="0" vert="horz" wrap="square" lIns="90558" tIns="20320" rIns="90558" bIns="20320" numCol="1" spcCol="1270" anchor="ctr" anchorCtr="0">
           <a:noAutofit/>
         </a:bodyPr>
         <a:lstStyle/>
         <a:p>
-          <a:pPr lvl="0" algn="ctr" defTabSz="800100">
+          <a:pPr lvl="0" algn="ctr" defTabSz="711200">
             <a:lnSpc>
               <a:spcPct val="90000"/>
             </a:lnSpc>
@@ -20961,32 +22360,32 @@
             </a:spcAft>
           </a:pPr>
           <a:r>
-            <a:rPr lang="en-US" sz="1800" kern="1200" dirty="0" smtClean="0">
+            <a:rPr lang="en-US" sz="1600" kern="1200" dirty="0" smtClean="0">
               <a:latin typeface="Times New Roman" pitchFamily="18" charset="0"/>
               <a:cs typeface="Times New Roman" pitchFamily="18" charset="0"/>
             </a:rPr>
             <a:t>Convert values in FSDB format to DKI format</a:t>
           </a:r>
-          <a:endParaRPr lang="en-US" sz="1800" kern="1200" dirty="0">
+          <a:endParaRPr lang="en-US" sz="1600" kern="1200" dirty="0">
             <a:latin typeface="Times New Roman" pitchFamily="18" charset="0"/>
             <a:cs typeface="Times New Roman" pitchFamily="18" charset="0"/>
           </a:endParaRPr>
         </a:p>
       </dsp:txBody>
       <dsp:txXfrm>
-        <a:off x="4702485" y="1283506"/>
-        <a:ext cx="1958950" cy="1958950"/>
+        <a:off x="3950248" y="149348"/>
+        <a:ext cx="1645518" cy="1645518"/>
       </dsp:txXfrm>
     </dsp:sp>
-    <dsp:sp modelId="{A9CDDF6E-DECC-441B-AB37-2DFAEC4BAD99}">
+    <dsp:sp modelId="{0EB00A86-5C8D-4D03-B6AD-4EF11F5D25B3}">
       <dsp:nvSpPr>
         <dsp:cNvPr id="0" name=""/>
         <dsp:cNvSpPr/>
       </dsp:nvSpPr>
       <dsp:spPr>
         <a:xfrm>
-          <a:off x="6269645" y="1283506"/>
-          <a:ext cx="1958950" cy="1958950"/>
+          <a:off x="5266662" y="149348"/>
+          <a:ext cx="1645518" cy="1645518"/>
         </a:xfrm>
         <a:prstGeom prst="ellipse">
           <a:avLst/>
@@ -21066,12 +22465,12 @@
         </a:fontRef>
       </dsp:style>
       <dsp:txBody>
-        <a:bodyPr spcFirstLastPara="0" vert="horz" wrap="square" lIns="107808" tIns="22860" rIns="107808" bIns="22860" numCol="1" spcCol="1270" anchor="ctr" anchorCtr="0">
+        <a:bodyPr spcFirstLastPara="0" vert="horz" wrap="square" lIns="90558" tIns="20320" rIns="90558" bIns="20320" numCol="1" spcCol="1270" anchor="ctr" anchorCtr="0">
           <a:noAutofit/>
         </a:bodyPr>
         <a:lstStyle/>
         <a:p>
-          <a:pPr lvl="0" algn="ctr" defTabSz="800100">
+          <a:pPr lvl="0" algn="ctr" defTabSz="711200">
             <a:lnSpc>
               <a:spcPct val="90000"/>
             </a:lnSpc>
@@ -21083,28 +22482,150 @@
             </a:spcAft>
           </a:pPr>
           <a:r>
-            <a:rPr lang="en-US" sz="1800" kern="1200" dirty="0" err="1" smtClean="0">
+            <a:rPr lang="en-US" sz="1600" kern="1200" dirty="0" smtClean="0">
+              <a:latin typeface="Times New Roman" pitchFamily="18" charset="0"/>
+              <a:cs typeface="Times New Roman" pitchFamily="18" charset="0"/>
+            </a:rPr>
+            <a:t>PLI time based callbacks</a:t>
+          </a:r>
+          <a:endParaRPr lang="en-US" sz="1600" kern="1200" dirty="0">
+            <a:latin typeface="Times New Roman" pitchFamily="18" charset="0"/>
+            <a:cs typeface="Times New Roman" pitchFamily="18" charset="0"/>
+          </a:endParaRPr>
+        </a:p>
+      </dsp:txBody>
+      <dsp:txXfrm>
+        <a:off x="5266662" y="149348"/>
+        <a:ext cx="1645518" cy="1645518"/>
+      </dsp:txXfrm>
+    </dsp:sp>
+    <dsp:sp modelId="{A9CDDF6E-DECC-441B-AB37-2DFAEC4BAD99}">
+      <dsp:nvSpPr>
+        <dsp:cNvPr id="0" name=""/>
+        <dsp:cNvSpPr/>
+      </dsp:nvSpPr>
+      <dsp:spPr>
+        <a:xfrm>
+          <a:off x="6583077" y="149348"/>
+          <a:ext cx="1645518" cy="1645518"/>
+        </a:xfrm>
+        <a:prstGeom prst="ellipse">
+          <a:avLst/>
+        </a:prstGeom>
+        <a:gradFill rotWithShape="0">
+          <a:gsLst>
+            <a:gs pos="0">
+              <a:schemeClr val="accent1">
+                <a:alpha val="50000"/>
+                <a:hueOff val="0"/>
+                <a:satOff val="0"/>
+                <a:lumOff val="0"/>
+                <a:alphaOff val="0"/>
+                <a:shade val="51000"/>
+                <a:satMod val="130000"/>
+              </a:schemeClr>
+            </a:gs>
+            <a:gs pos="80000">
+              <a:schemeClr val="accent1">
+                <a:alpha val="50000"/>
+                <a:hueOff val="0"/>
+                <a:satOff val="0"/>
+                <a:lumOff val="0"/>
+                <a:alphaOff val="0"/>
+                <a:shade val="93000"/>
+                <a:satMod val="130000"/>
+              </a:schemeClr>
+            </a:gs>
+            <a:gs pos="100000">
+              <a:schemeClr val="accent1">
+                <a:alpha val="50000"/>
+                <a:hueOff val="0"/>
+                <a:satOff val="0"/>
+                <a:lumOff val="0"/>
+                <a:alphaOff val="0"/>
+                <a:shade val="94000"/>
+                <a:satMod val="135000"/>
+              </a:schemeClr>
+            </a:gs>
+          </a:gsLst>
+          <a:lin ang="16200000" scaled="0"/>
+        </a:gradFill>
+        <a:ln>
+          <a:noFill/>
+        </a:ln>
+        <a:effectLst>
+          <a:outerShdw blurRad="40000" dist="23000" dir="5400000" rotWithShape="0">
+            <a:srgbClr val="000000">
+              <a:alpha val="35000"/>
+            </a:srgbClr>
+          </a:outerShdw>
+        </a:effectLst>
+        <a:scene3d>
+          <a:camera prst="orthographicFront">
+            <a:rot lat="0" lon="0" rev="0"/>
+          </a:camera>
+          <a:lightRig rig="threePt" dir="t">
+            <a:rot lat="0" lon="0" rev="1200000"/>
+          </a:lightRig>
+        </a:scene3d>
+        <a:sp3d>
+          <a:bevelT w="63500" h="25400"/>
+        </a:sp3d>
+      </dsp:spPr>
+      <dsp:style>
+        <a:lnRef idx="0">
+          <a:scrgbClr r="0" g="0" b="0"/>
+        </a:lnRef>
+        <a:fillRef idx="3">
+          <a:scrgbClr r="0" g="0" b="0"/>
+        </a:fillRef>
+        <a:effectRef idx="3">
+          <a:scrgbClr r="0" g="0" b="0"/>
+        </a:effectRef>
+        <a:fontRef idx="minor">
+          <a:schemeClr val="tx1"/>
+        </a:fontRef>
+      </dsp:style>
+      <dsp:txBody>
+        <a:bodyPr spcFirstLastPara="0" vert="horz" wrap="square" lIns="90558" tIns="20320" rIns="90558" bIns="20320" numCol="1" spcCol="1270" anchor="ctr" anchorCtr="0">
+          <a:noAutofit/>
+        </a:bodyPr>
+        <a:lstStyle/>
+        <a:p>
+          <a:pPr lvl="0" algn="ctr" defTabSz="711200">
+            <a:lnSpc>
+              <a:spcPct val="90000"/>
+            </a:lnSpc>
+            <a:spcBef>
+              <a:spcPct val="0"/>
+            </a:spcBef>
+            <a:spcAft>
+              <a:spcPct val="35000"/>
+            </a:spcAft>
+          </a:pPr>
+          <a:r>
+            <a:rPr lang="en-US" sz="1600" kern="1200" dirty="0" err="1" smtClean="0">
               <a:latin typeface="Times New Roman" pitchFamily="18" charset="0"/>
               <a:cs typeface="Times New Roman" pitchFamily="18" charset="0"/>
             </a:rPr>
             <a:t>Netlist</a:t>
           </a:r>
           <a:r>
-            <a:rPr lang="en-US" sz="1800" kern="1200" dirty="0" smtClean="0">
+            <a:rPr lang="en-US" sz="1600" kern="1200" dirty="0" smtClean="0">
               <a:latin typeface="Times New Roman" pitchFamily="18" charset="0"/>
               <a:cs typeface="Times New Roman" pitchFamily="18" charset="0"/>
             </a:rPr>
             <a:t> Simulation</a:t>
           </a:r>
-          <a:endParaRPr lang="en-US" sz="1800" kern="1200" dirty="0">
+          <a:endParaRPr lang="en-US" sz="1600" kern="1200" dirty="0">
             <a:latin typeface="Times New Roman" pitchFamily="18" charset="0"/>
             <a:cs typeface="Times New Roman" pitchFamily="18" charset="0"/>
           </a:endParaRPr>
         </a:p>
       </dsp:txBody>
       <dsp:txXfrm>
-        <a:off x="6269645" y="1283506"/>
-        <a:ext cx="1958950" cy="1958950"/>
+        <a:off x="6583077" y="149348"/>
+        <a:ext cx="1645518" cy="1645518"/>
       </dsp:txXfrm>
     </dsp:sp>
   </dsp:spTree>
@@ -21420,6 +22941,563 @@
       <dsp:txXfrm>
         <a:off x="537377" y="1600"/>
         <a:ext cx="1539376" cy="1539376"/>
+      </dsp:txXfrm>
+    </dsp:sp>
+  </dsp:spTree>
+</dsp:drawing>
+</file>
+
+<file path=ppt/diagrams/drawing18.xml><?xml version="1.0" encoding="utf-8"?>
+<dsp:drawing xmlns:dgm="http://schemas.openxmlformats.org/drawingml/2006/diagram" xmlns:a="http://schemas.openxmlformats.org/drawingml/2006/main" xmlns:dsp="http://schemas.microsoft.com/office/drawing/2008/diagram">
+  <dsp:spTree>
+    <dsp:nvGrpSpPr>
+      <dsp:cNvPr id="0" name=""/>
+      <dsp:cNvGrpSpPr/>
+    </dsp:nvGrpSpPr>
+    <dsp:grpSpPr/>
+    <dsp:sp modelId="{7B806281-0297-4181-9E3F-131037759B04}">
+      <dsp:nvSpPr>
+        <dsp:cNvPr id="0" name=""/>
+        <dsp:cNvSpPr/>
+      </dsp:nvSpPr>
+      <dsp:spPr>
+        <a:xfrm>
+          <a:off x="542450" y="74789"/>
+          <a:ext cx="2153489" cy="1882420"/>
+        </a:xfrm>
+        <a:prstGeom prst="rightArrow">
+          <a:avLst>
+            <a:gd name="adj1" fmla="val 70000"/>
+            <a:gd name="adj2" fmla="val 50000"/>
+          </a:avLst>
+        </a:prstGeom>
+        <a:solidFill>
+          <a:schemeClr val="accent1">
+            <a:alpha val="90000"/>
+            <a:tint val="40000"/>
+            <a:hueOff val="0"/>
+            <a:satOff val="0"/>
+            <a:lumOff val="0"/>
+            <a:alphaOff val="0"/>
+          </a:schemeClr>
+        </a:solidFill>
+        <a:ln w="25400" cap="flat" cmpd="sng" algn="ctr">
+          <a:solidFill>
+            <a:schemeClr val="accent1">
+              <a:alpha val="90000"/>
+              <a:tint val="40000"/>
+              <a:hueOff val="0"/>
+              <a:satOff val="0"/>
+              <a:lumOff val="0"/>
+              <a:alphaOff val="0"/>
+            </a:schemeClr>
+          </a:solidFill>
+          <a:prstDash val="solid"/>
+        </a:ln>
+        <a:effectLst/>
+      </dsp:spPr>
+      <dsp:style>
+        <a:lnRef idx="2">
+          <a:scrgbClr r="0" g="0" b="0"/>
+        </a:lnRef>
+        <a:fillRef idx="1">
+          <a:scrgbClr r="0" g="0" b="0"/>
+        </a:fillRef>
+        <a:effectRef idx="0">
+          <a:scrgbClr r="0" g="0" b="0"/>
+        </a:effectRef>
+        <a:fontRef idx="minor"/>
+      </dsp:style>
+      <dsp:txBody>
+        <a:bodyPr spcFirstLastPara="0" vert="horz" wrap="square" lIns="38100" tIns="9525" rIns="19050" bIns="9525" numCol="1" spcCol="1270" anchor="ctr" anchorCtr="0">
+          <a:noAutofit/>
+        </a:bodyPr>
+        <a:lstStyle/>
+        <a:p>
+          <a:pPr marL="114300" lvl="1" indent="-114300" algn="l" defTabSz="666750">
+            <a:lnSpc>
+              <a:spcPct val="90000"/>
+            </a:lnSpc>
+            <a:spcBef>
+              <a:spcPct val="0"/>
+            </a:spcBef>
+            <a:spcAft>
+              <a:spcPct val="15000"/>
+            </a:spcAft>
+            <a:buChar char="••"/>
+          </a:pPr>
+          <a:r>
+            <a:rPr lang="en-US" sz="1500" kern="1200" dirty="0" smtClean="0"/>
+            <a:t>Apply Stimulus</a:t>
+          </a:r>
+          <a:endParaRPr lang="en-US" sz="1500" kern="1200" dirty="0"/>
+        </a:p>
+        <a:p>
+          <a:pPr marL="114300" lvl="1" indent="-114300" algn="l" defTabSz="666750">
+            <a:lnSpc>
+              <a:spcPct val="90000"/>
+            </a:lnSpc>
+            <a:spcBef>
+              <a:spcPct val="0"/>
+            </a:spcBef>
+            <a:spcAft>
+              <a:spcPct val="15000"/>
+            </a:spcAft>
+            <a:buChar char="••"/>
+          </a:pPr>
+          <a:r>
+            <a:rPr lang="en-US" sz="1500" kern="1200" dirty="0" smtClean="0"/>
+            <a:t>Simulation Proceeds</a:t>
+          </a:r>
+          <a:endParaRPr lang="en-US" sz="1500" kern="1200" dirty="0"/>
+        </a:p>
+      </dsp:txBody>
+      <dsp:txXfrm>
+        <a:off x="1080823" y="74789"/>
+        <a:ext cx="1615116" cy="1882420"/>
+      </dsp:txXfrm>
+    </dsp:sp>
+    <dsp:sp modelId="{3323C78C-5959-43A3-8333-6291B30DB1C7}">
+      <dsp:nvSpPr>
+        <dsp:cNvPr id="0" name=""/>
+        <dsp:cNvSpPr/>
+      </dsp:nvSpPr>
+      <dsp:spPr>
+        <a:xfrm>
+          <a:off x="4078" y="477627"/>
+          <a:ext cx="1076744" cy="1076744"/>
+        </a:xfrm>
+        <a:prstGeom prst="ellipse">
+          <a:avLst/>
+        </a:prstGeom>
+        <a:solidFill>
+          <a:schemeClr val="accent1">
+            <a:hueOff val="0"/>
+            <a:satOff val="0"/>
+            <a:lumOff val="0"/>
+            <a:alphaOff val="0"/>
+          </a:schemeClr>
+        </a:solidFill>
+        <a:ln w="25400" cap="flat" cmpd="sng" algn="ctr">
+          <a:solidFill>
+            <a:schemeClr val="lt1">
+              <a:hueOff val="0"/>
+              <a:satOff val="0"/>
+              <a:lumOff val="0"/>
+              <a:alphaOff val="0"/>
+            </a:schemeClr>
+          </a:solidFill>
+          <a:prstDash val="solid"/>
+        </a:ln>
+        <a:effectLst/>
+      </dsp:spPr>
+      <dsp:style>
+        <a:lnRef idx="2">
+          <a:scrgbClr r="0" g="0" b="0"/>
+        </a:lnRef>
+        <a:fillRef idx="1">
+          <a:scrgbClr r="0" g="0" b="0"/>
+        </a:fillRef>
+        <a:effectRef idx="0">
+          <a:scrgbClr r="0" g="0" b="0"/>
+        </a:effectRef>
+        <a:fontRef idx="minor">
+          <a:schemeClr val="lt1"/>
+        </a:fontRef>
+      </dsp:style>
+      <dsp:txBody>
+        <a:bodyPr spcFirstLastPara="0" vert="horz" wrap="square" lIns="16510" tIns="16510" rIns="16510" bIns="16510" numCol="1" spcCol="1270" anchor="ctr" anchorCtr="0">
+          <a:noAutofit/>
+        </a:bodyPr>
+        <a:lstStyle/>
+        <a:p>
+          <a:pPr lvl="0" algn="ctr" defTabSz="1155700">
+            <a:lnSpc>
+              <a:spcPct val="90000"/>
+            </a:lnSpc>
+            <a:spcBef>
+              <a:spcPct val="0"/>
+            </a:spcBef>
+            <a:spcAft>
+              <a:spcPct val="35000"/>
+            </a:spcAft>
+          </a:pPr>
+          <a:r>
+            <a:rPr lang="en-US" sz="2600" kern="1200" dirty="0" smtClean="0"/>
+            <a:t>Time </a:t>
+          </a:r>
+          <a:r>
+            <a:rPr lang="en-US" sz="2600" kern="1200" dirty="0" smtClean="0"/>
+            <a:t>‘M’</a:t>
+          </a:r>
+          <a:endParaRPr lang="en-US" sz="2600" kern="1200" dirty="0"/>
+        </a:p>
+      </dsp:txBody>
+      <dsp:txXfrm>
+        <a:off x="4078" y="477627"/>
+        <a:ext cx="1076744" cy="1076744"/>
+      </dsp:txXfrm>
+    </dsp:sp>
+    <dsp:sp modelId="{2DDD2D22-A762-45A0-9949-31828912D06C}">
+      <dsp:nvSpPr>
+        <dsp:cNvPr id="0" name=""/>
+        <dsp:cNvSpPr/>
+      </dsp:nvSpPr>
+      <dsp:spPr>
+        <a:xfrm>
+          <a:off x="3368905" y="74789"/>
+          <a:ext cx="2153489" cy="1882420"/>
+        </a:xfrm>
+        <a:prstGeom prst="rightArrow">
+          <a:avLst>
+            <a:gd name="adj1" fmla="val 70000"/>
+            <a:gd name="adj2" fmla="val 50000"/>
+          </a:avLst>
+        </a:prstGeom>
+        <a:solidFill>
+          <a:schemeClr val="accent1">
+            <a:alpha val="90000"/>
+            <a:tint val="40000"/>
+            <a:hueOff val="0"/>
+            <a:satOff val="0"/>
+            <a:lumOff val="0"/>
+            <a:alphaOff val="0"/>
+          </a:schemeClr>
+        </a:solidFill>
+        <a:ln w="25400" cap="flat" cmpd="sng" algn="ctr">
+          <a:solidFill>
+            <a:schemeClr val="accent1">
+              <a:alpha val="90000"/>
+              <a:tint val="40000"/>
+              <a:hueOff val="0"/>
+              <a:satOff val="0"/>
+              <a:lumOff val="0"/>
+              <a:alphaOff val="0"/>
+            </a:schemeClr>
+          </a:solidFill>
+          <a:prstDash val="solid"/>
+        </a:ln>
+        <a:effectLst/>
+      </dsp:spPr>
+      <dsp:style>
+        <a:lnRef idx="2">
+          <a:scrgbClr r="0" g="0" b="0"/>
+        </a:lnRef>
+        <a:fillRef idx="1">
+          <a:scrgbClr r="0" g="0" b="0"/>
+        </a:fillRef>
+        <a:effectRef idx="0">
+          <a:scrgbClr r="0" g="0" b="0"/>
+        </a:effectRef>
+        <a:fontRef idx="minor"/>
+      </dsp:style>
+      <dsp:txBody>
+        <a:bodyPr spcFirstLastPara="0" vert="horz" wrap="square" lIns="38100" tIns="9525" rIns="19050" bIns="9525" numCol="1" spcCol="1270" anchor="ctr" anchorCtr="0">
+          <a:noAutofit/>
+        </a:bodyPr>
+        <a:lstStyle/>
+        <a:p>
+          <a:pPr marL="114300" lvl="1" indent="-114300" algn="l" defTabSz="666750">
+            <a:lnSpc>
+              <a:spcPct val="90000"/>
+            </a:lnSpc>
+            <a:spcBef>
+              <a:spcPct val="0"/>
+            </a:spcBef>
+            <a:spcAft>
+              <a:spcPct val="15000"/>
+            </a:spcAft>
+            <a:buChar char="••"/>
+          </a:pPr>
+          <a:r>
+            <a:rPr lang="en-US" sz="1500" kern="1200" dirty="0" smtClean="0"/>
+            <a:t>Apply Stimulus</a:t>
+          </a:r>
+          <a:endParaRPr lang="en-US" sz="1500" kern="1200" dirty="0"/>
+        </a:p>
+        <a:p>
+          <a:pPr marL="114300" lvl="1" indent="-114300" algn="l" defTabSz="666750">
+            <a:lnSpc>
+              <a:spcPct val="90000"/>
+            </a:lnSpc>
+            <a:spcBef>
+              <a:spcPct val="0"/>
+            </a:spcBef>
+            <a:spcAft>
+              <a:spcPct val="15000"/>
+            </a:spcAft>
+            <a:buChar char="••"/>
+          </a:pPr>
+          <a:r>
+            <a:rPr lang="en-US" sz="1500" kern="1200" dirty="0" smtClean="0"/>
+            <a:t>Simulation Proceeds</a:t>
+          </a:r>
+          <a:endParaRPr lang="en-US" sz="1500" kern="1200" dirty="0"/>
+        </a:p>
+      </dsp:txBody>
+      <dsp:txXfrm>
+        <a:off x="3907277" y="74789"/>
+        <a:ext cx="1615116" cy="1882420"/>
+      </dsp:txXfrm>
+    </dsp:sp>
+    <dsp:sp modelId="{A0B10877-C878-4F97-B58E-16E374CAD393}">
+      <dsp:nvSpPr>
+        <dsp:cNvPr id="0" name=""/>
+        <dsp:cNvSpPr/>
+      </dsp:nvSpPr>
+      <dsp:spPr>
+        <a:xfrm>
+          <a:off x="2830533" y="477627"/>
+          <a:ext cx="1076744" cy="1076744"/>
+        </a:xfrm>
+        <a:prstGeom prst="ellipse">
+          <a:avLst/>
+        </a:prstGeom>
+        <a:solidFill>
+          <a:schemeClr val="accent1">
+            <a:hueOff val="0"/>
+            <a:satOff val="0"/>
+            <a:lumOff val="0"/>
+            <a:alphaOff val="0"/>
+          </a:schemeClr>
+        </a:solidFill>
+        <a:ln w="25400" cap="flat" cmpd="sng" algn="ctr">
+          <a:solidFill>
+            <a:schemeClr val="lt1">
+              <a:hueOff val="0"/>
+              <a:satOff val="0"/>
+              <a:lumOff val="0"/>
+              <a:alphaOff val="0"/>
+            </a:schemeClr>
+          </a:solidFill>
+          <a:prstDash val="solid"/>
+        </a:ln>
+        <a:effectLst/>
+      </dsp:spPr>
+      <dsp:style>
+        <a:lnRef idx="2">
+          <a:scrgbClr r="0" g="0" b="0"/>
+        </a:lnRef>
+        <a:fillRef idx="1">
+          <a:scrgbClr r="0" g="0" b="0"/>
+        </a:fillRef>
+        <a:effectRef idx="0">
+          <a:scrgbClr r="0" g="0" b="0"/>
+        </a:effectRef>
+        <a:fontRef idx="minor">
+          <a:schemeClr val="lt1"/>
+        </a:fontRef>
+      </dsp:style>
+      <dsp:txBody>
+        <a:bodyPr spcFirstLastPara="0" vert="horz" wrap="square" lIns="16510" tIns="16510" rIns="16510" bIns="16510" numCol="1" spcCol="1270" anchor="ctr" anchorCtr="0">
+          <a:noAutofit/>
+        </a:bodyPr>
+        <a:lstStyle/>
+        <a:p>
+          <a:pPr lvl="0" algn="ctr" defTabSz="1155700">
+            <a:lnSpc>
+              <a:spcPct val="90000"/>
+            </a:lnSpc>
+            <a:spcBef>
+              <a:spcPct val="0"/>
+            </a:spcBef>
+            <a:spcAft>
+              <a:spcPct val="35000"/>
+            </a:spcAft>
+          </a:pPr>
+          <a:r>
+            <a:rPr lang="en-US" sz="2600" kern="1200" smtClean="0"/>
+            <a:t>Time </a:t>
+          </a:r>
+          <a:r>
+            <a:rPr lang="en-US" sz="2600" kern="1200" smtClean="0"/>
+            <a:t>‘N’</a:t>
+          </a:r>
+          <a:endParaRPr lang="en-US" sz="2600" kern="1200" dirty="0"/>
+        </a:p>
+      </dsp:txBody>
+      <dsp:txXfrm>
+        <a:off x="2830533" y="477627"/>
+        <a:ext cx="1076744" cy="1076744"/>
+      </dsp:txXfrm>
+    </dsp:sp>
+    <dsp:sp modelId="{4E60EA4B-21DD-4DDC-875F-3BE12FB00CDE}">
+      <dsp:nvSpPr>
+        <dsp:cNvPr id="0" name=""/>
+        <dsp:cNvSpPr/>
+      </dsp:nvSpPr>
+      <dsp:spPr>
+        <a:xfrm>
+          <a:off x="6195360" y="74789"/>
+          <a:ext cx="2153489" cy="1882420"/>
+        </a:xfrm>
+        <a:prstGeom prst="rightArrow">
+          <a:avLst>
+            <a:gd name="adj1" fmla="val 70000"/>
+            <a:gd name="adj2" fmla="val 50000"/>
+          </a:avLst>
+        </a:prstGeom>
+        <a:solidFill>
+          <a:schemeClr val="accent1">
+            <a:alpha val="90000"/>
+            <a:tint val="40000"/>
+            <a:hueOff val="0"/>
+            <a:satOff val="0"/>
+            <a:lumOff val="0"/>
+            <a:alphaOff val="0"/>
+          </a:schemeClr>
+        </a:solidFill>
+        <a:ln w="25400" cap="flat" cmpd="sng" algn="ctr">
+          <a:solidFill>
+            <a:schemeClr val="accent1">
+              <a:alpha val="90000"/>
+              <a:tint val="40000"/>
+              <a:hueOff val="0"/>
+              <a:satOff val="0"/>
+              <a:lumOff val="0"/>
+              <a:alphaOff val="0"/>
+            </a:schemeClr>
+          </a:solidFill>
+          <a:prstDash val="solid"/>
+        </a:ln>
+        <a:effectLst/>
+      </dsp:spPr>
+      <dsp:style>
+        <a:lnRef idx="2">
+          <a:scrgbClr r="0" g="0" b="0"/>
+        </a:lnRef>
+        <a:fillRef idx="1">
+          <a:scrgbClr r="0" g="0" b="0"/>
+        </a:fillRef>
+        <a:effectRef idx="0">
+          <a:scrgbClr r="0" g="0" b="0"/>
+        </a:effectRef>
+        <a:fontRef idx="minor"/>
+      </dsp:style>
+      <dsp:txBody>
+        <a:bodyPr spcFirstLastPara="0" vert="horz" wrap="square" lIns="38100" tIns="9525" rIns="19050" bIns="9525" numCol="1" spcCol="1270" anchor="ctr" anchorCtr="0">
+          <a:noAutofit/>
+        </a:bodyPr>
+        <a:lstStyle/>
+        <a:p>
+          <a:pPr marL="114300" lvl="1" indent="-114300" algn="l" defTabSz="666750">
+            <a:lnSpc>
+              <a:spcPct val="90000"/>
+            </a:lnSpc>
+            <a:spcBef>
+              <a:spcPct val="0"/>
+            </a:spcBef>
+            <a:spcAft>
+              <a:spcPct val="15000"/>
+            </a:spcAft>
+            <a:buChar char="••"/>
+          </a:pPr>
+          <a:r>
+            <a:rPr lang="en-US" sz="1500" kern="1200" dirty="0" smtClean="0"/>
+            <a:t>Apply Stimulus</a:t>
+          </a:r>
+          <a:endParaRPr lang="en-US" sz="1500" kern="1200" dirty="0"/>
+        </a:p>
+        <a:p>
+          <a:pPr marL="114300" lvl="1" indent="-114300" algn="l" defTabSz="666750">
+            <a:lnSpc>
+              <a:spcPct val="90000"/>
+            </a:lnSpc>
+            <a:spcBef>
+              <a:spcPct val="0"/>
+            </a:spcBef>
+            <a:spcAft>
+              <a:spcPct val="15000"/>
+            </a:spcAft>
+            <a:buChar char="••"/>
+          </a:pPr>
+          <a:r>
+            <a:rPr lang="en-US" sz="1500" kern="1200" dirty="0" smtClean="0"/>
+            <a:t>Simulation Proceeds</a:t>
+          </a:r>
+          <a:endParaRPr lang="en-US" sz="1500" kern="1200" dirty="0"/>
+        </a:p>
+      </dsp:txBody>
+      <dsp:txXfrm>
+        <a:off x="6733732" y="74789"/>
+        <a:ext cx="1615116" cy="1882420"/>
+      </dsp:txXfrm>
+    </dsp:sp>
+    <dsp:sp modelId="{9EDE3C6D-A507-4130-BB59-0BE7C8A78BE8}">
+      <dsp:nvSpPr>
+        <dsp:cNvPr id="0" name=""/>
+        <dsp:cNvSpPr/>
+      </dsp:nvSpPr>
+      <dsp:spPr>
+        <a:xfrm>
+          <a:off x="5656987" y="477627"/>
+          <a:ext cx="1076744" cy="1076744"/>
+        </a:xfrm>
+        <a:prstGeom prst="ellipse">
+          <a:avLst/>
+        </a:prstGeom>
+        <a:solidFill>
+          <a:schemeClr val="accent1">
+            <a:hueOff val="0"/>
+            <a:satOff val="0"/>
+            <a:lumOff val="0"/>
+            <a:alphaOff val="0"/>
+          </a:schemeClr>
+        </a:solidFill>
+        <a:ln w="25400" cap="flat" cmpd="sng" algn="ctr">
+          <a:solidFill>
+            <a:schemeClr val="lt1">
+              <a:hueOff val="0"/>
+              <a:satOff val="0"/>
+              <a:lumOff val="0"/>
+              <a:alphaOff val="0"/>
+            </a:schemeClr>
+          </a:solidFill>
+          <a:prstDash val="solid"/>
+        </a:ln>
+        <a:effectLst/>
+      </dsp:spPr>
+      <dsp:style>
+        <a:lnRef idx="2">
+          <a:scrgbClr r="0" g="0" b="0"/>
+        </a:lnRef>
+        <a:fillRef idx="1">
+          <a:scrgbClr r="0" g="0" b="0"/>
+        </a:fillRef>
+        <a:effectRef idx="0">
+          <a:scrgbClr r="0" g="0" b="0"/>
+        </a:effectRef>
+        <a:fontRef idx="minor">
+          <a:schemeClr val="lt1"/>
+        </a:fontRef>
+      </dsp:style>
+      <dsp:txBody>
+        <a:bodyPr spcFirstLastPara="0" vert="horz" wrap="square" lIns="16510" tIns="16510" rIns="16510" bIns="16510" numCol="1" spcCol="1270" anchor="ctr" anchorCtr="0">
+          <a:noAutofit/>
+        </a:bodyPr>
+        <a:lstStyle/>
+        <a:p>
+          <a:pPr lvl="0" algn="ctr" defTabSz="1155700">
+            <a:lnSpc>
+              <a:spcPct val="90000"/>
+            </a:lnSpc>
+            <a:spcBef>
+              <a:spcPct val="0"/>
+            </a:spcBef>
+            <a:spcAft>
+              <a:spcPct val="35000"/>
+            </a:spcAft>
+          </a:pPr>
+          <a:r>
+            <a:rPr lang="en-US" sz="2600" kern="1200" dirty="0" smtClean="0"/>
+            <a:t>Time ‘O’</a:t>
+          </a:r>
+          <a:endParaRPr lang="en-US" sz="2600" kern="1200" dirty="0"/>
+        </a:p>
+      </dsp:txBody>
+      <dsp:txXfrm>
+        <a:off x="5656987" y="477627"/>
+        <a:ext cx="1076744" cy="1076744"/>
       </dsp:txXfrm>
     </dsp:sp>
   </dsp:spTree>
@@ -24930,6 +27008,300 @@
 </dgm:layoutDef>
 </file>
 
+<file path=ppt/diagrams/layout18.xml><?xml version="1.0" encoding="utf-8"?>
+<dgm:layoutDef xmlns:dgm="http://schemas.openxmlformats.org/drawingml/2006/diagram" xmlns:a="http://schemas.openxmlformats.org/drawingml/2006/main" uniqueId="urn:microsoft.com/office/officeart/2005/8/layout/hProcess6">
+  <dgm:title val=""/>
+  <dgm:desc val=""/>
+  <dgm:catLst>
+    <dgm:cat type="process" pri="7000"/>
+  </dgm:catLst>
+  <dgm:sampData>
+    <dgm:dataModel>
+      <dgm:ptLst>
+        <dgm:pt modelId="0" type="doc"/>
+        <dgm:pt modelId="1">
+          <dgm:prSet phldr="1"/>
+        </dgm:pt>
+        <dgm:pt modelId="11">
+          <dgm:prSet phldr="1"/>
+        </dgm:pt>
+        <dgm:pt modelId="12">
+          <dgm:prSet phldr="1"/>
+        </dgm:pt>
+        <dgm:pt modelId="2">
+          <dgm:prSet phldr="1"/>
+        </dgm:pt>
+        <dgm:pt modelId="21">
+          <dgm:prSet phldr="1"/>
+        </dgm:pt>
+        <dgm:pt modelId="22">
+          <dgm:prSet phldr="1"/>
+        </dgm:pt>
+        <dgm:pt modelId="3">
+          <dgm:prSet phldr="1"/>
+        </dgm:pt>
+        <dgm:pt modelId="31">
+          <dgm:prSet phldr="1"/>
+        </dgm:pt>
+        <dgm:pt modelId="32">
+          <dgm:prSet phldr="1"/>
+        </dgm:pt>
+      </dgm:ptLst>
+      <dgm:cxnLst>
+        <dgm:cxn modelId="4" srcId="0" destId="1" srcOrd="0" destOrd="0"/>
+        <dgm:cxn modelId="5" srcId="0" destId="2" srcOrd="1" destOrd="0"/>
+        <dgm:cxn modelId="13" srcId="1" destId="11" srcOrd="0" destOrd="0"/>
+        <dgm:cxn modelId="14" srcId="1" destId="12" srcOrd="0" destOrd="0"/>
+        <dgm:cxn modelId="23" srcId="2" destId="21" srcOrd="0" destOrd="0"/>
+        <dgm:cxn modelId="24" srcId="2" destId="22" srcOrd="0" destOrd="0"/>
+        <dgm:cxn modelId="33" srcId="3" destId="31" srcOrd="0" destOrd="0"/>
+        <dgm:cxn modelId="34" srcId="3" destId="32" srcOrd="0" destOrd="0"/>
+      </dgm:cxnLst>
+      <dgm:bg/>
+      <dgm:whole/>
+    </dgm:dataModel>
+  </dgm:sampData>
+  <dgm:styleData>
+    <dgm:dataModel>
+      <dgm:ptLst>
+        <dgm:pt modelId="0" type="doc"/>
+        <dgm:pt modelId="1"/>
+        <dgm:pt modelId="11"/>
+        <dgm:pt modelId="2"/>
+        <dgm:pt modelId="21"/>
+      </dgm:ptLst>
+      <dgm:cxnLst>
+        <dgm:cxn modelId="4" srcId="0" destId="1" srcOrd="0" destOrd="0"/>
+        <dgm:cxn modelId="5" srcId="0" destId="2" srcOrd="1" destOrd="0"/>
+        <dgm:cxn modelId="13" srcId="1" destId="11" srcOrd="0" destOrd="0"/>
+        <dgm:cxn modelId="23" srcId="2" destId="21" srcOrd="0" destOrd="0"/>
+      </dgm:cxnLst>
+      <dgm:bg/>
+      <dgm:whole/>
+    </dgm:dataModel>
+  </dgm:styleData>
+  <dgm:clrData>
+    <dgm:dataModel>
+      <dgm:ptLst>
+        <dgm:pt modelId="0" type="doc"/>
+        <dgm:pt modelId="1"/>
+        <dgm:pt modelId="11"/>
+        <dgm:pt modelId="2"/>
+        <dgm:pt modelId="21"/>
+        <dgm:pt modelId="3"/>
+        <dgm:pt modelId="31"/>
+        <dgm:pt modelId="4"/>
+        <dgm:pt modelId="41"/>
+      </dgm:ptLst>
+      <dgm:cxnLst>
+        <dgm:cxn modelId="5" srcId="0" destId="1" srcOrd="0" destOrd="0"/>
+        <dgm:cxn modelId="6" srcId="0" destId="2" srcOrd="1" destOrd="0"/>
+        <dgm:cxn modelId="7" srcId="0" destId="3" srcOrd="2" destOrd="0"/>
+        <dgm:cxn modelId="8" srcId="0" destId="4" srcOrd="3" destOrd="0"/>
+        <dgm:cxn modelId="13" srcId="1" destId="11" srcOrd="0" destOrd="0"/>
+        <dgm:cxn modelId="23" srcId="2" destId="21" srcOrd="0" destOrd="0"/>
+        <dgm:cxn modelId="33" srcId="3" destId="31" srcOrd="0" destOrd="0"/>
+        <dgm:cxn modelId="43" srcId="4" destId="41" srcOrd="0" destOrd="0"/>
+      </dgm:cxnLst>
+      <dgm:bg/>
+      <dgm:whole/>
+    </dgm:dataModel>
+  </dgm:clrData>
+  <dgm:layoutNode name="theList">
+    <dgm:varLst>
+      <dgm:dir/>
+      <dgm:animLvl val="lvl"/>
+      <dgm:resizeHandles val="exact"/>
+    </dgm:varLst>
+    <dgm:choose name="Name0">
+      <dgm:if name="Name1" func="var" arg="dir" op="equ" val="norm">
+        <dgm:alg type="lin">
+          <dgm:param type="linDir" val="fromL"/>
+          <dgm:param type="nodeHorzAlign" val="l"/>
+        </dgm:alg>
+      </dgm:if>
+      <dgm:else name="Name2">
+        <dgm:alg type="lin">
+          <dgm:param type="linDir" val="fromR"/>
+          <dgm:param type="nodeHorzAlign" val="r"/>
+        </dgm:alg>
+      </dgm:else>
+    </dgm:choose>
+    <dgm:shape xmlns:r="http://schemas.openxmlformats.org/officeDocument/2006/relationships" r:blip="">
+      <dgm:adjLst/>
+    </dgm:shape>
+    <dgm:presOf/>
+    <dgm:constrLst>
+      <dgm:constr type="w" for="ch" forName="compNode" refType="w"/>
+      <dgm:constr type="h" for="ch" forName="compNode" refType="w" refFor="ch" refForName="compNode" fact="0.7"/>
+      <dgm:constr type="ctrY" for="ch" forName="compNode" refType="h" fact="0.5"/>
+      <dgm:constr type="w" for="ch" forName="aSpace" refType="w" fact="0.05"/>
+      <dgm:constr type="primFontSz" for="des" forName="childTextHidden" op="equ" val="65"/>
+      <dgm:constr type="primFontSz" for="des" forName="parentText" op="equ"/>
+    </dgm:constrLst>
+    <dgm:ruleLst/>
+    <dgm:forEach name="aNodeForEach" axis="ch" ptType="node">
+      <dgm:layoutNode name="compNode">
+        <dgm:alg type="composite">
+          <dgm:param type="ar" val="1.43"/>
+        </dgm:alg>
+        <dgm:shape xmlns:r="http://schemas.openxmlformats.org/officeDocument/2006/relationships" r:blip="">
+          <dgm:adjLst/>
+        </dgm:shape>
+        <dgm:presOf/>
+        <dgm:choose name="Name3">
+          <dgm:if name="Name4" func="var" arg="dir" op="equ" val="norm">
+            <dgm:constrLst>
+              <dgm:constr type="w" for="ch" forName="childTextVisible" refType="w" fact="0.8"/>
+              <dgm:constr type="h" for="ch" forName="childTextVisible" refType="h"/>
+              <dgm:constr type="r" for="ch" forName="childTextVisible" refType="w"/>
+              <dgm:constr type="w" for="ch" forName="childTextHidden" refType="w" fact="0.6"/>
+              <dgm:constr type="h" for="ch" forName="childTextHidden" refType="h"/>
+              <dgm:constr type="r" for="ch" forName="childTextHidden" refType="w"/>
+              <dgm:constr type="l" for="ch" forName="parentText"/>
+              <dgm:constr type="w" for="ch" forName="parentText" refType="w" fact="0.4"/>
+              <dgm:constr type="h" for="ch" forName="parentText" refType="w" refFor="ch" refForName="parentText" op="equ"/>
+              <dgm:constr type="ctrY" for="ch" forName="parentText" refType="h" fact="0.5"/>
+            </dgm:constrLst>
+          </dgm:if>
+          <dgm:else name="Name5">
+            <dgm:constrLst>
+              <dgm:constr type="w" for="ch" forName="childTextVisible" refType="w" fact="0.8"/>
+              <dgm:constr type="h" for="ch" forName="childTextVisible" refType="h"/>
+              <dgm:constr type="l" for="ch" forName="childTextVisible"/>
+              <dgm:constr type="w" for="ch" forName="childTextHidden" refType="w" fact="0.6"/>
+              <dgm:constr type="h" for="ch" forName="childTextHidden" refType="h"/>
+              <dgm:constr type="l" for="ch" forName="childTextHidden"/>
+              <dgm:constr type="r" for="ch" forName="parentText" refType="w"/>
+              <dgm:constr type="w" for="ch" forName="parentText" refType="w" fact="0.4"/>
+              <dgm:constr type="h" for="ch" forName="parentText" refType="w" refFor="ch" refForName="parentText" op="equ"/>
+              <dgm:constr type="ctrY" for="ch" forName="parentText" refType="h" fact="0.5"/>
+            </dgm:constrLst>
+          </dgm:else>
+        </dgm:choose>
+        <dgm:ruleLst/>
+        <dgm:layoutNode name="noGeometry">
+          <dgm:alg type="sp"/>
+          <dgm:shape xmlns:r="http://schemas.openxmlformats.org/officeDocument/2006/relationships" r:blip="">
+            <dgm:adjLst/>
+          </dgm:shape>
+          <dgm:presOf/>
+          <dgm:constrLst/>
+          <dgm:ruleLst/>
+        </dgm:layoutNode>
+        <dgm:layoutNode name="childTextVisible" styleLbl="bgAccFollowNode1">
+          <dgm:varLst>
+            <dgm:bulletEnabled val="1"/>
+          </dgm:varLst>
+          <dgm:alg type="sp"/>
+          <dgm:choose name="Name6">
+            <dgm:if name="Name7" func="var" arg="dir" op="equ" val="norm">
+              <dgm:shape xmlns:r="http://schemas.openxmlformats.org/officeDocument/2006/relationships" type="rightArrow" r:blip="">
+                <dgm:adjLst>
+                  <dgm:adj idx="1" val="0.7"/>
+                  <dgm:adj idx="2" val="0.5"/>
+                </dgm:adjLst>
+              </dgm:shape>
+            </dgm:if>
+            <dgm:else name="Name8">
+              <dgm:shape xmlns:r="http://schemas.openxmlformats.org/officeDocument/2006/relationships" type="leftArrow" r:blip="">
+                <dgm:adjLst>
+                  <dgm:adj idx="1" val="0.7"/>
+                  <dgm:adj idx="2" val="0.5"/>
+                </dgm:adjLst>
+              </dgm:shape>
+            </dgm:else>
+          </dgm:choose>
+          <dgm:presOf axis="des" ptType="node"/>
+          <dgm:constrLst/>
+          <dgm:ruleLst/>
+        </dgm:layoutNode>
+        <dgm:layoutNode name="childTextHidden" styleLbl="bgAccFollowNode1">
+          <dgm:choose name="Name9">
+            <dgm:if name="Name10" axis="des followSib" ptType="node node" st="1 1" cnt="1 0" func="cnt" op="gte" val="1">
+              <dgm:alg type="tx">
+                <dgm:param type="stBulletLvl" val="1"/>
+                <dgm:param type="txAnchorVertCh" val="mid"/>
+              </dgm:alg>
+            </dgm:if>
+            <dgm:else name="Name11">
+              <dgm:alg type="tx">
+                <dgm:param type="stBulletLvl" val="2"/>
+                <dgm:param type="txAnchorVertCh" val="mid"/>
+              </dgm:alg>
+            </dgm:else>
+          </dgm:choose>
+          <dgm:choose name="Name12">
+            <dgm:if name="Name13" func="var" arg="dir" op="equ" val="norm">
+              <dgm:shape xmlns:r="http://schemas.openxmlformats.org/officeDocument/2006/relationships" type="rightArrow" r:blip="" hideGeom="1">
+                <dgm:adjLst>
+                  <dgm:adj idx="1" val="0.7"/>
+                  <dgm:adj idx="2" val="0.5"/>
+                </dgm:adjLst>
+              </dgm:shape>
+            </dgm:if>
+            <dgm:else name="Name14">
+              <dgm:shape xmlns:r="http://schemas.openxmlformats.org/officeDocument/2006/relationships" type="leftArrow" r:blip="" hideGeom="1">
+                <dgm:adjLst>
+                  <dgm:adj idx="1" val="0.7"/>
+                  <dgm:adj idx="2" val="0.5"/>
+                </dgm:adjLst>
+              </dgm:shape>
+            </dgm:else>
+          </dgm:choose>
+          <dgm:presOf axis="des" ptType="node"/>
+          <dgm:constrLst>
+            <dgm:constr type="secFontSz" refType="primFontSz"/>
+            <dgm:constr type="tMarg" refType="primFontSz" fact="0.05"/>
+            <dgm:constr type="bMarg" refType="primFontSz" fact="0.05"/>
+            <dgm:constr type="rMarg" refType="primFontSz" fact="0.1"/>
+            <dgm:constr type="lMarg" refType="primFontSz" fact="0.2"/>
+          </dgm:constrLst>
+          <dgm:ruleLst>
+            <dgm:rule type="primFontSz" val="5" fact="NaN" max="NaN"/>
+          </dgm:ruleLst>
+        </dgm:layoutNode>
+        <dgm:layoutNode name="parentText" styleLbl="node1">
+          <dgm:varLst>
+            <dgm:chMax val="1"/>
+            <dgm:bulletEnabled val="1"/>
+          </dgm:varLst>
+          <dgm:alg type="tx"/>
+          <dgm:shape xmlns:r="http://schemas.openxmlformats.org/officeDocument/2006/relationships" type="ellipse" r:blip="">
+            <dgm:adjLst/>
+          </dgm:shape>
+          <dgm:presOf axis="self"/>
+          <dgm:constrLst>
+            <dgm:constr type="primFontSz" val="65"/>
+            <dgm:constr type="tMarg" refType="primFontSz" fact="0.05"/>
+            <dgm:constr type="bMarg" refType="primFontSz" fact="0.05"/>
+            <dgm:constr type="lMarg" refType="primFontSz" fact="0.05"/>
+            <dgm:constr type="rMarg" refType="primFontSz" fact="0.05"/>
+          </dgm:constrLst>
+          <dgm:ruleLst>
+            <dgm:rule type="primFontSz" val="5" fact="NaN" max="NaN"/>
+          </dgm:ruleLst>
+        </dgm:layoutNode>
+      </dgm:layoutNode>
+      <dgm:choose name="Name15">
+        <dgm:if name="Name16" axis="self" ptType="node" func="revPos" op="gte" val="2">
+          <dgm:layoutNode name="aSpace">
+            <dgm:alg type="sp"/>
+            <dgm:shape xmlns:r="http://schemas.openxmlformats.org/officeDocument/2006/relationships" r:blip="">
+              <dgm:adjLst/>
+            </dgm:shape>
+            <dgm:presOf/>
+            <dgm:constrLst/>
+            <dgm:ruleLst/>
+          </dgm:layoutNode>
+        </dgm:if>
+        <dgm:else name="Name17"/>
+      </dgm:choose>
+    </dgm:forEach>
+  </dgm:layoutNode>
+</dgm:layoutDef>
+</file>
+
 <file path=ppt/diagrams/layout2.xml><?xml version="1.0" encoding="utf-8"?>
 <dgm:layoutDef xmlns:dgm="http://schemas.openxmlformats.org/drawingml/2006/diagram" xmlns:a="http://schemas.openxmlformats.org/drawingml/2006/main" uniqueId="urn:microsoft.com/office/officeart/2005/8/layout/chevron1">
   <dgm:title val=""/>
@@ -36153,6 +38525,1040 @@
 </dgm:styleDef>
 </file>
 
+<file path=ppt/diagrams/quickStyle18.xml><?xml version="1.0" encoding="utf-8"?>
+<dgm:styleDef xmlns:dgm="http://schemas.openxmlformats.org/drawingml/2006/diagram" xmlns:a="http://schemas.openxmlformats.org/drawingml/2006/main" uniqueId="urn:microsoft.com/office/officeart/2005/8/quickstyle/simple1">
+  <dgm:title val=""/>
+  <dgm:desc val=""/>
+  <dgm:catLst>
+    <dgm:cat type="simple" pri="10100"/>
+  </dgm:catLst>
+  <dgm:scene3d>
+    <a:camera prst="orthographicFront"/>
+    <a:lightRig rig="threePt" dir="t"/>
+  </dgm:scene3d>
+  <dgm:styleLbl name="node0">
+    <dgm:scene3d>
+      <a:camera prst="orthographicFront"/>
+      <a:lightRig rig="threePt" dir="t"/>
+    </dgm:scene3d>
+    <dgm:sp3d/>
+    <dgm:txPr/>
+    <dgm:style>
+      <a:lnRef idx="2">
+        <a:scrgbClr r="0" g="0" b="0"/>
+      </a:lnRef>
+      <a:fillRef idx="1">
+        <a:scrgbClr r="0" g="0" b="0"/>
+      </a:fillRef>
+      <a:effectRef idx="0">
+        <a:scrgbClr r="0" g="0" b="0"/>
+      </a:effectRef>
+      <a:fontRef idx="minor">
+        <a:schemeClr val="lt1"/>
+      </a:fontRef>
+    </dgm:style>
+  </dgm:styleLbl>
+  <dgm:styleLbl name="lnNode1">
+    <dgm:scene3d>
+      <a:camera prst="orthographicFront"/>
+      <a:lightRig rig="threePt" dir="t"/>
+    </dgm:scene3d>
+    <dgm:sp3d/>
+    <dgm:txPr/>
+    <dgm:style>
+      <a:lnRef idx="2">
+        <a:scrgbClr r="0" g="0" b="0"/>
+      </a:lnRef>
+      <a:fillRef idx="1">
+        <a:scrgbClr r="0" g="0" b="0"/>
+      </a:fillRef>
+      <a:effectRef idx="0">
+        <a:scrgbClr r="0" g="0" b="0"/>
+      </a:effectRef>
+      <a:fontRef idx="minor">
+        <a:schemeClr val="lt1"/>
+      </a:fontRef>
+    </dgm:style>
+  </dgm:styleLbl>
+  <dgm:styleLbl name="vennNode1">
+    <dgm:scene3d>
+      <a:camera prst="orthographicFront"/>
+      <a:lightRig rig="threePt" dir="t"/>
+    </dgm:scene3d>
+    <dgm:sp3d/>
+    <dgm:txPr/>
+    <dgm:style>
+      <a:lnRef idx="2">
+        <a:scrgbClr r="0" g="0" b="0"/>
+      </a:lnRef>
+      <a:fillRef idx="1">
+        <a:scrgbClr r="0" g="0" b="0"/>
+      </a:fillRef>
+      <a:effectRef idx="0">
+        <a:scrgbClr r="0" g="0" b="0"/>
+      </a:effectRef>
+      <a:fontRef idx="minor">
+        <a:schemeClr val="tx1"/>
+      </a:fontRef>
+    </dgm:style>
+  </dgm:styleLbl>
+  <dgm:styleLbl name="alignNode1">
+    <dgm:scene3d>
+      <a:camera prst="orthographicFront"/>
+      <a:lightRig rig="threePt" dir="t"/>
+    </dgm:scene3d>
+    <dgm:sp3d/>
+    <dgm:txPr/>
+    <dgm:style>
+      <a:lnRef idx="2">
+        <a:scrgbClr r="0" g="0" b="0"/>
+      </a:lnRef>
+      <a:fillRef idx="1">
+        <a:scrgbClr r="0" g="0" b="0"/>
+      </a:fillRef>
+      <a:effectRef idx="0">
+        <a:scrgbClr r="0" g="0" b="0"/>
+      </a:effectRef>
+      <a:fontRef idx="minor">
+        <a:schemeClr val="lt1"/>
+      </a:fontRef>
+    </dgm:style>
+  </dgm:styleLbl>
+  <dgm:styleLbl name="node1">
+    <dgm:scene3d>
+      <a:camera prst="orthographicFront"/>
+      <a:lightRig rig="threePt" dir="t"/>
+    </dgm:scene3d>
+    <dgm:sp3d/>
+    <dgm:txPr/>
+    <dgm:style>
+      <a:lnRef idx="2">
+        <a:scrgbClr r="0" g="0" b="0"/>
+      </a:lnRef>
+      <a:fillRef idx="1">
+        <a:scrgbClr r="0" g="0" b="0"/>
+      </a:fillRef>
+      <a:effectRef idx="0">
+        <a:scrgbClr r="0" g="0" b="0"/>
+      </a:effectRef>
+      <a:fontRef idx="minor">
+        <a:schemeClr val="lt1"/>
+      </a:fontRef>
+    </dgm:style>
+  </dgm:styleLbl>
+  <dgm:styleLbl name="node2">
+    <dgm:scene3d>
+      <a:camera prst="orthographicFront"/>
+      <a:lightRig rig="threePt" dir="t"/>
+    </dgm:scene3d>
+    <dgm:sp3d/>
+    <dgm:txPr/>
+    <dgm:style>
+      <a:lnRef idx="2">
+        <a:scrgbClr r="0" g="0" b="0"/>
+      </a:lnRef>
+      <a:fillRef idx="1">
+        <a:scrgbClr r="0" g="0" b="0"/>
+      </a:fillRef>
+      <a:effectRef idx="0">
+        <a:scrgbClr r="0" g="0" b="0"/>
+      </a:effectRef>
+      <a:fontRef idx="minor">
+        <a:schemeClr val="lt1"/>
+      </a:fontRef>
+    </dgm:style>
+  </dgm:styleLbl>
+  <dgm:styleLbl name="node3">
+    <dgm:scene3d>
+      <a:camera prst="orthographicFront"/>
+      <a:lightRig rig="threePt" dir="t"/>
+    </dgm:scene3d>
+    <dgm:sp3d/>
+    <dgm:txPr/>
+    <dgm:style>
+      <a:lnRef idx="2">
+        <a:scrgbClr r="0" g="0" b="0"/>
+      </a:lnRef>
+      <a:fillRef idx="1">
+        <a:scrgbClr r="0" g="0" b="0"/>
+      </a:fillRef>
+      <a:effectRef idx="0">
+        <a:scrgbClr r="0" g="0" b="0"/>
+      </a:effectRef>
+      <a:fontRef idx="minor">
+        <a:schemeClr val="lt1"/>
+      </a:fontRef>
+    </dgm:style>
+  </dgm:styleLbl>
+  <dgm:styleLbl name="node4">
+    <dgm:scene3d>
+      <a:camera prst="orthographicFront"/>
+      <a:lightRig rig="threePt" dir="t"/>
+    </dgm:scene3d>
+    <dgm:sp3d/>
+    <dgm:txPr/>
+    <dgm:style>
+      <a:lnRef idx="2">
+        <a:scrgbClr r="0" g="0" b="0"/>
+      </a:lnRef>
+      <a:fillRef idx="1">
+        <a:scrgbClr r="0" g="0" b="0"/>
+      </a:fillRef>
+      <a:effectRef idx="0">
+        <a:scrgbClr r="0" g="0" b="0"/>
+      </a:effectRef>
+      <a:fontRef idx="minor">
+        <a:schemeClr val="lt1"/>
+      </a:fontRef>
+    </dgm:style>
+  </dgm:styleLbl>
+  <dgm:styleLbl name="fgImgPlace1">
+    <dgm:scene3d>
+      <a:camera prst="orthographicFront"/>
+      <a:lightRig rig="threePt" dir="t"/>
+    </dgm:scene3d>
+    <dgm:sp3d/>
+    <dgm:txPr/>
+    <dgm:style>
+      <a:lnRef idx="2">
+        <a:scrgbClr r="0" g="0" b="0"/>
+      </a:lnRef>
+      <a:fillRef idx="1">
+        <a:scrgbClr r="0" g="0" b="0"/>
+      </a:fillRef>
+      <a:effectRef idx="0">
+        <a:scrgbClr r="0" g="0" b="0"/>
+      </a:effectRef>
+      <a:fontRef idx="minor"/>
+    </dgm:style>
+  </dgm:styleLbl>
+  <dgm:styleLbl name="alignImgPlace1">
+    <dgm:scene3d>
+      <a:camera prst="orthographicFront"/>
+      <a:lightRig rig="threePt" dir="t"/>
+    </dgm:scene3d>
+    <dgm:sp3d/>
+    <dgm:txPr/>
+    <dgm:style>
+      <a:lnRef idx="2">
+        <a:scrgbClr r="0" g="0" b="0"/>
+      </a:lnRef>
+      <a:fillRef idx="1">
+        <a:scrgbClr r="0" g="0" b="0"/>
+      </a:fillRef>
+      <a:effectRef idx="0">
+        <a:scrgbClr r="0" g="0" b="0"/>
+      </a:effectRef>
+      <a:fontRef idx="minor"/>
+    </dgm:style>
+  </dgm:styleLbl>
+  <dgm:styleLbl name="bgImgPlace1">
+    <dgm:scene3d>
+      <a:camera prst="orthographicFront"/>
+      <a:lightRig rig="threePt" dir="t"/>
+    </dgm:scene3d>
+    <dgm:sp3d/>
+    <dgm:txPr/>
+    <dgm:style>
+      <a:lnRef idx="2">
+        <a:scrgbClr r="0" g="0" b="0"/>
+      </a:lnRef>
+      <a:fillRef idx="1">
+        <a:scrgbClr r="0" g="0" b="0"/>
+      </a:fillRef>
+      <a:effectRef idx="0">
+        <a:scrgbClr r="0" g="0" b="0"/>
+      </a:effectRef>
+      <a:fontRef idx="minor"/>
+    </dgm:style>
+  </dgm:styleLbl>
+  <dgm:styleLbl name="sibTrans2D1">
+    <dgm:scene3d>
+      <a:camera prst="orthographicFront"/>
+      <a:lightRig rig="threePt" dir="t"/>
+    </dgm:scene3d>
+    <dgm:sp3d/>
+    <dgm:txPr/>
+    <dgm:style>
+      <a:lnRef idx="0">
+        <a:scrgbClr r="0" g="0" b="0"/>
+      </a:lnRef>
+      <a:fillRef idx="1">
+        <a:scrgbClr r="0" g="0" b="0"/>
+      </a:fillRef>
+      <a:effectRef idx="0">
+        <a:scrgbClr r="0" g="0" b="0"/>
+      </a:effectRef>
+      <a:fontRef idx="minor">
+        <a:schemeClr val="lt1"/>
+      </a:fontRef>
+    </dgm:style>
+  </dgm:styleLbl>
+  <dgm:styleLbl name="fgSibTrans2D1">
+    <dgm:scene3d>
+      <a:camera prst="orthographicFront"/>
+      <a:lightRig rig="threePt" dir="t"/>
+    </dgm:scene3d>
+    <dgm:sp3d/>
+    <dgm:txPr/>
+    <dgm:style>
+      <a:lnRef idx="0">
+        <a:scrgbClr r="0" g="0" b="0"/>
+      </a:lnRef>
+      <a:fillRef idx="1">
+        <a:scrgbClr r="0" g="0" b="0"/>
+      </a:fillRef>
+      <a:effectRef idx="0">
+        <a:scrgbClr r="0" g="0" b="0"/>
+      </a:effectRef>
+      <a:fontRef idx="minor">
+        <a:schemeClr val="lt1"/>
+      </a:fontRef>
+    </dgm:style>
+  </dgm:styleLbl>
+  <dgm:styleLbl name="bgSibTrans2D1">
+    <dgm:scene3d>
+      <a:camera prst="orthographicFront"/>
+      <a:lightRig rig="threePt" dir="t"/>
+    </dgm:scene3d>
+    <dgm:sp3d/>
+    <dgm:txPr/>
+    <dgm:style>
+      <a:lnRef idx="0">
+        <a:scrgbClr r="0" g="0" b="0"/>
+      </a:lnRef>
+      <a:fillRef idx="1">
+        <a:scrgbClr r="0" g="0" b="0"/>
+      </a:fillRef>
+      <a:effectRef idx="0">
+        <a:scrgbClr r="0" g="0" b="0"/>
+      </a:effectRef>
+      <a:fontRef idx="minor">
+        <a:schemeClr val="lt1"/>
+      </a:fontRef>
+    </dgm:style>
+  </dgm:styleLbl>
+  <dgm:styleLbl name="sibTrans1D1">
+    <dgm:scene3d>
+      <a:camera prst="orthographicFront"/>
+      <a:lightRig rig="threePt" dir="t"/>
+    </dgm:scene3d>
+    <dgm:sp3d/>
+    <dgm:txPr/>
+    <dgm:style>
+      <a:lnRef idx="1">
+        <a:scrgbClr r="0" g="0" b="0"/>
+      </a:lnRef>
+      <a:fillRef idx="0">
+        <a:scrgbClr r="0" g="0" b="0"/>
+      </a:fillRef>
+      <a:effectRef idx="0">
+        <a:scrgbClr r="0" g="0" b="0"/>
+      </a:effectRef>
+      <a:fontRef idx="minor"/>
+    </dgm:style>
+  </dgm:styleLbl>
+  <dgm:styleLbl name="callout">
+    <dgm:scene3d>
+      <a:camera prst="orthographicFront"/>
+      <a:lightRig rig="threePt" dir="t"/>
+    </dgm:scene3d>
+    <dgm:sp3d/>
+    <dgm:txPr/>
+    <dgm:style>
+      <a:lnRef idx="2">
+        <a:scrgbClr r="0" g="0" b="0"/>
+      </a:lnRef>
+      <a:fillRef idx="1">
+        <a:scrgbClr r="0" g="0" b="0"/>
+      </a:fillRef>
+      <a:effectRef idx="0">
+        <a:scrgbClr r="0" g="0" b="0"/>
+      </a:effectRef>
+      <a:fontRef idx="minor"/>
+    </dgm:style>
+  </dgm:styleLbl>
+  <dgm:styleLbl name="asst0">
+    <dgm:scene3d>
+      <a:camera prst="orthographicFront"/>
+      <a:lightRig rig="threePt" dir="t"/>
+    </dgm:scene3d>
+    <dgm:sp3d/>
+    <dgm:txPr/>
+    <dgm:style>
+      <a:lnRef idx="2">
+        <a:scrgbClr r="0" g="0" b="0"/>
+      </a:lnRef>
+      <a:fillRef idx="1">
+        <a:scrgbClr r="0" g="0" b="0"/>
+      </a:fillRef>
+      <a:effectRef idx="0">
+        <a:scrgbClr r="0" g="0" b="0"/>
+      </a:effectRef>
+      <a:fontRef idx="minor">
+        <a:schemeClr val="lt1"/>
+      </a:fontRef>
+    </dgm:style>
+  </dgm:styleLbl>
+  <dgm:styleLbl name="asst1">
+    <dgm:scene3d>
+      <a:camera prst="orthographicFront"/>
+      <a:lightRig rig="threePt" dir="t"/>
+    </dgm:scene3d>
+    <dgm:sp3d/>
+    <dgm:txPr/>
+    <dgm:style>
+      <a:lnRef idx="2">
+        <a:scrgbClr r="0" g="0" b="0"/>
+      </a:lnRef>
+      <a:fillRef idx="1">
+        <a:scrgbClr r="0" g="0" b="0"/>
+      </a:fillRef>
+      <a:effectRef idx="0">
+        <a:scrgbClr r="0" g="0" b="0"/>
+      </a:effectRef>
+      <a:fontRef idx="minor">
+        <a:schemeClr val="lt1"/>
+      </a:fontRef>
+    </dgm:style>
+  </dgm:styleLbl>
+  <dgm:styleLbl name="asst2">
+    <dgm:scene3d>
+      <a:camera prst="orthographicFront"/>
+      <a:lightRig rig="threePt" dir="t"/>
+    </dgm:scene3d>
+    <dgm:sp3d/>
+    <dgm:txPr/>
+    <dgm:style>
+      <a:lnRef idx="2">
+        <a:scrgbClr r="0" g="0" b="0"/>
+      </a:lnRef>
+      <a:fillRef idx="1">
+        <a:scrgbClr r="0" g="0" b="0"/>
+      </a:fillRef>
+      <a:effectRef idx="0">
+        <a:scrgbClr r="0" g="0" b="0"/>
+      </a:effectRef>
+      <a:fontRef idx="minor">
+        <a:schemeClr val="lt1"/>
+      </a:fontRef>
+    </dgm:style>
+  </dgm:styleLbl>
+  <dgm:styleLbl name="asst3">
+    <dgm:scene3d>
+      <a:camera prst="orthographicFront"/>
+      <a:lightRig rig="threePt" dir="t"/>
+    </dgm:scene3d>
+    <dgm:sp3d/>
+    <dgm:txPr/>
+    <dgm:style>
+      <a:lnRef idx="2">
+        <a:scrgbClr r="0" g="0" b="0"/>
+      </a:lnRef>
+      <a:fillRef idx="1">
+        <a:scrgbClr r="0" g="0" b="0"/>
+      </a:fillRef>
+      <a:effectRef idx="0">
+        <a:scrgbClr r="0" g="0" b="0"/>
+      </a:effectRef>
+      <a:fontRef idx="minor">
+        <a:schemeClr val="lt1"/>
+      </a:fontRef>
+    </dgm:style>
+  </dgm:styleLbl>
+  <dgm:styleLbl name="asst4">
+    <dgm:scene3d>
+      <a:camera prst="orthographicFront"/>
+      <a:lightRig rig="threePt" dir="t"/>
+    </dgm:scene3d>
+    <dgm:sp3d/>
+    <dgm:txPr/>
+    <dgm:style>
+      <a:lnRef idx="2">
+        <a:scrgbClr r="0" g="0" b="0"/>
+      </a:lnRef>
+      <a:fillRef idx="1">
+        <a:scrgbClr r="0" g="0" b="0"/>
+      </a:fillRef>
+      <a:effectRef idx="0">
+        <a:scrgbClr r="0" g="0" b="0"/>
+      </a:effectRef>
+      <a:fontRef idx="minor">
+        <a:schemeClr val="lt1"/>
+      </a:fontRef>
+    </dgm:style>
+  </dgm:styleLbl>
+  <dgm:styleLbl name="parChTrans2D1">
+    <dgm:scene3d>
+      <a:camera prst="orthographicFront"/>
+      <a:lightRig rig="threePt" dir="t"/>
+    </dgm:scene3d>
+    <dgm:sp3d/>
+    <dgm:txPr/>
+    <dgm:style>
+      <a:lnRef idx="2">
+        <a:scrgbClr r="0" g="0" b="0"/>
+      </a:lnRef>
+      <a:fillRef idx="1">
+        <a:scrgbClr r="0" g="0" b="0"/>
+      </a:fillRef>
+      <a:effectRef idx="0">
+        <a:scrgbClr r="0" g="0" b="0"/>
+      </a:effectRef>
+      <a:fontRef idx="minor">
+        <a:schemeClr val="lt1"/>
+      </a:fontRef>
+    </dgm:style>
+  </dgm:styleLbl>
+  <dgm:styleLbl name="parChTrans2D2">
+    <dgm:scene3d>
+      <a:camera prst="orthographicFront"/>
+      <a:lightRig rig="threePt" dir="t"/>
+    </dgm:scene3d>
+    <dgm:sp3d/>
+    <dgm:txPr/>
+    <dgm:style>
+      <a:lnRef idx="2">
+        <a:scrgbClr r="0" g="0" b="0"/>
+      </a:lnRef>
+      <a:fillRef idx="1">
+        <a:scrgbClr r="0" g="0" b="0"/>
+      </a:fillRef>
+      <a:effectRef idx="0">
+        <a:scrgbClr r="0" g="0" b="0"/>
+      </a:effectRef>
+      <a:fontRef idx="minor">
+        <a:schemeClr val="lt1"/>
+      </a:fontRef>
+    </dgm:style>
+  </dgm:styleLbl>
+  <dgm:styleLbl name="parChTrans2D3">
+    <dgm:scene3d>
+      <a:camera prst="orthographicFront"/>
+      <a:lightRig rig="threePt" dir="t"/>
+    </dgm:scene3d>
+    <dgm:sp3d/>
+    <dgm:txPr/>
+    <dgm:style>
+      <a:lnRef idx="2">
+        <a:scrgbClr r="0" g="0" b="0"/>
+      </a:lnRef>
+      <a:fillRef idx="1">
+        <a:scrgbClr r="0" g="0" b="0"/>
+      </a:fillRef>
+      <a:effectRef idx="0">
+        <a:scrgbClr r="0" g="0" b="0"/>
+      </a:effectRef>
+      <a:fontRef idx="minor">
+        <a:schemeClr val="lt1"/>
+      </a:fontRef>
+    </dgm:style>
+  </dgm:styleLbl>
+  <dgm:styleLbl name="parChTrans2D4">
+    <dgm:scene3d>
+      <a:camera prst="orthographicFront"/>
+      <a:lightRig rig="threePt" dir="t"/>
+    </dgm:scene3d>
+    <dgm:sp3d/>
+    <dgm:txPr/>
+    <dgm:style>
+      <a:lnRef idx="2">
+        <a:scrgbClr r="0" g="0" b="0"/>
+      </a:lnRef>
+      <a:fillRef idx="1">
+        <a:scrgbClr r="0" g="0" b="0"/>
+      </a:fillRef>
+      <a:effectRef idx="0">
+        <a:scrgbClr r="0" g="0" b="0"/>
+      </a:effectRef>
+      <a:fontRef idx="minor">
+        <a:schemeClr val="lt1"/>
+      </a:fontRef>
+    </dgm:style>
+  </dgm:styleLbl>
+  <dgm:styleLbl name="parChTrans1D1">
+    <dgm:scene3d>
+      <a:camera prst="orthographicFront"/>
+      <a:lightRig rig="threePt" dir="t"/>
+    </dgm:scene3d>
+    <dgm:sp3d/>
+    <dgm:txPr/>
+    <dgm:style>
+      <a:lnRef idx="2">
+        <a:scrgbClr r="0" g="0" b="0"/>
+      </a:lnRef>
+      <a:fillRef idx="0">
+        <a:scrgbClr r="0" g="0" b="0"/>
+      </a:fillRef>
+      <a:effectRef idx="0">
+        <a:scrgbClr r="0" g="0" b="0"/>
+      </a:effectRef>
+      <a:fontRef idx="minor"/>
+    </dgm:style>
+  </dgm:styleLbl>
+  <dgm:styleLbl name="parChTrans1D2">
+    <dgm:scene3d>
+      <a:camera prst="orthographicFront"/>
+      <a:lightRig rig="threePt" dir="t"/>
+    </dgm:scene3d>
+    <dgm:sp3d/>
+    <dgm:txPr/>
+    <dgm:style>
+      <a:lnRef idx="2">
+        <a:scrgbClr r="0" g="0" b="0"/>
+      </a:lnRef>
+      <a:fillRef idx="0">
+        <a:scrgbClr r="0" g="0" b="0"/>
+      </a:fillRef>
+      <a:effectRef idx="0">
+        <a:scrgbClr r="0" g="0" b="0"/>
+      </a:effectRef>
+      <a:fontRef idx="minor"/>
+    </dgm:style>
+  </dgm:styleLbl>
+  <dgm:styleLbl name="parChTrans1D3">
+    <dgm:scene3d>
+      <a:camera prst="orthographicFront"/>
+      <a:lightRig rig="threePt" dir="t"/>
+    </dgm:scene3d>
+    <dgm:sp3d/>
+    <dgm:txPr/>
+    <dgm:style>
+      <a:lnRef idx="2">
+        <a:scrgbClr r="0" g="0" b="0"/>
+      </a:lnRef>
+      <a:fillRef idx="0">
+        <a:scrgbClr r="0" g="0" b="0"/>
+      </a:fillRef>
+      <a:effectRef idx="0">
+        <a:scrgbClr r="0" g="0" b="0"/>
+      </a:effectRef>
+      <a:fontRef idx="minor"/>
+    </dgm:style>
+  </dgm:styleLbl>
+  <dgm:styleLbl name="parChTrans1D4">
+    <dgm:scene3d>
+      <a:camera prst="orthographicFront"/>
+      <a:lightRig rig="threePt" dir="t"/>
+    </dgm:scene3d>
+    <dgm:sp3d/>
+    <dgm:txPr/>
+    <dgm:style>
+      <a:lnRef idx="2">
+        <a:scrgbClr r="0" g="0" b="0"/>
+      </a:lnRef>
+      <a:fillRef idx="0">
+        <a:scrgbClr r="0" g="0" b="0"/>
+      </a:fillRef>
+      <a:effectRef idx="0">
+        <a:scrgbClr r="0" g="0" b="0"/>
+      </a:effectRef>
+      <a:fontRef idx="minor"/>
+    </dgm:style>
+  </dgm:styleLbl>
+  <dgm:styleLbl name="fgAcc1">
+    <dgm:scene3d>
+      <a:camera prst="orthographicFront"/>
+      <a:lightRig rig="threePt" dir="t"/>
+    </dgm:scene3d>
+    <dgm:sp3d/>
+    <dgm:txPr/>
+    <dgm:style>
+      <a:lnRef idx="2">
+        <a:scrgbClr r="0" g="0" b="0"/>
+      </a:lnRef>
+      <a:fillRef idx="1">
+        <a:scrgbClr r="0" g="0" b="0"/>
+      </a:fillRef>
+      <a:effectRef idx="0">
+        <a:scrgbClr r="0" g="0" b="0"/>
+      </a:effectRef>
+      <a:fontRef idx="minor"/>
+    </dgm:style>
+  </dgm:styleLbl>
+  <dgm:styleLbl name="conFgAcc1">
+    <dgm:scene3d>
+      <a:camera prst="orthographicFront"/>
+      <a:lightRig rig="threePt" dir="t"/>
+    </dgm:scene3d>
+    <dgm:sp3d/>
+    <dgm:txPr/>
+    <dgm:style>
+      <a:lnRef idx="2">
+        <a:scrgbClr r="0" g="0" b="0"/>
+      </a:lnRef>
+      <a:fillRef idx="1">
+        <a:scrgbClr r="0" g="0" b="0"/>
+      </a:fillRef>
+      <a:effectRef idx="0">
+        <a:scrgbClr r="0" g="0" b="0"/>
+      </a:effectRef>
+      <a:fontRef idx="minor"/>
+    </dgm:style>
+  </dgm:styleLbl>
+  <dgm:styleLbl name="alignAcc1">
+    <dgm:scene3d>
+      <a:camera prst="orthographicFront"/>
+      <a:lightRig rig="threePt" dir="t"/>
+    </dgm:scene3d>
+    <dgm:sp3d/>
+    <dgm:txPr/>
+    <dgm:style>
+      <a:lnRef idx="2">
+        <a:scrgbClr r="0" g="0" b="0"/>
+      </a:lnRef>
+      <a:fillRef idx="1">
+        <a:scrgbClr r="0" g="0" b="0"/>
+      </a:fillRef>
+      <a:effectRef idx="0">
+        <a:scrgbClr r="0" g="0" b="0"/>
+      </a:effectRef>
+      <a:fontRef idx="minor"/>
+    </dgm:style>
+  </dgm:styleLbl>
+  <dgm:styleLbl name="trAlignAcc1">
+    <dgm:scene3d>
+      <a:camera prst="orthographicFront"/>
+      <a:lightRig rig="threePt" dir="t"/>
+    </dgm:scene3d>
+    <dgm:sp3d/>
+    <dgm:txPr/>
+    <dgm:style>
+      <a:lnRef idx="1">
+        <a:scrgbClr r="0" g="0" b="0"/>
+      </a:lnRef>
+      <a:fillRef idx="1">
+        <a:scrgbClr r="0" g="0" b="0"/>
+      </a:fillRef>
+      <a:effectRef idx="0">
+        <a:scrgbClr r="0" g="0" b="0"/>
+      </a:effectRef>
+      <a:fontRef idx="minor"/>
+    </dgm:style>
+  </dgm:styleLbl>
+  <dgm:styleLbl name="bgAcc1">
+    <dgm:scene3d>
+      <a:camera prst="orthographicFront"/>
+      <a:lightRig rig="threePt" dir="t"/>
+    </dgm:scene3d>
+    <dgm:sp3d/>
+    <dgm:txPr/>
+    <dgm:style>
+      <a:lnRef idx="2">
+        <a:scrgbClr r="0" g="0" b="0"/>
+      </a:lnRef>
+      <a:fillRef idx="1">
+        <a:scrgbClr r="0" g="0" b="0"/>
+      </a:fillRef>
+      <a:effectRef idx="0">
+        <a:scrgbClr r="0" g="0" b="0"/>
+      </a:effectRef>
+      <a:fontRef idx="minor"/>
+    </dgm:style>
+  </dgm:styleLbl>
+  <dgm:styleLbl name="solidFgAcc1">
+    <dgm:scene3d>
+      <a:camera prst="orthographicFront"/>
+      <a:lightRig rig="threePt" dir="t"/>
+    </dgm:scene3d>
+    <dgm:sp3d/>
+    <dgm:txPr/>
+    <dgm:style>
+      <a:lnRef idx="2">
+        <a:scrgbClr r="0" g="0" b="0"/>
+      </a:lnRef>
+      <a:fillRef idx="1">
+        <a:scrgbClr r="0" g="0" b="0"/>
+      </a:fillRef>
+      <a:effectRef idx="0">
+        <a:scrgbClr r="0" g="0" b="0"/>
+      </a:effectRef>
+      <a:fontRef idx="minor"/>
+    </dgm:style>
+  </dgm:styleLbl>
+  <dgm:styleLbl name="solidAlignAcc1">
+    <dgm:scene3d>
+      <a:camera prst="orthographicFront"/>
+      <a:lightRig rig="threePt" dir="t"/>
+    </dgm:scene3d>
+    <dgm:sp3d/>
+    <dgm:txPr/>
+    <dgm:style>
+      <a:lnRef idx="2">
+        <a:scrgbClr r="0" g="0" b="0"/>
+      </a:lnRef>
+      <a:fillRef idx="1">
+        <a:scrgbClr r="0" g="0" b="0"/>
+      </a:fillRef>
+      <a:effectRef idx="0">
+        <a:scrgbClr r="0" g="0" b="0"/>
+      </a:effectRef>
+      <a:fontRef idx="minor"/>
+    </dgm:style>
+  </dgm:styleLbl>
+  <dgm:styleLbl name="solidBgAcc1">
+    <dgm:scene3d>
+      <a:camera prst="orthographicFront"/>
+      <a:lightRig rig="threePt" dir="t"/>
+    </dgm:scene3d>
+    <dgm:sp3d/>
+    <dgm:txPr/>
+    <dgm:style>
+      <a:lnRef idx="2">
+        <a:scrgbClr r="0" g="0" b="0"/>
+      </a:lnRef>
+      <a:fillRef idx="1">
+        <a:scrgbClr r="0" g="0" b="0"/>
+      </a:fillRef>
+      <a:effectRef idx="0">
+        <a:scrgbClr r="0" g="0" b="0"/>
+      </a:effectRef>
+      <a:fontRef idx="minor"/>
+    </dgm:style>
+  </dgm:styleLbl>
+  <dgm:styleLbl name="fgAccFollowNode1">
+    <dgm:scene3d>
+      <a:camera prst="orthographicFront"/>
+      <a:lightRig rig="threePt" dir="t"/>
+    </dgm:scene3d>
+    <dgm:sp3d/>
+    <dgm:txPr/>
+    <dgm:style>
+      <a:lnRef idx="2">
+        <a:scrgbClr r="0" g="0" b="0"/>
+      </a:lnRef>
+      <a:fillRef idx="1">
+        <a:scrgbClr r="0" g="0" b="0"/>
+      </a:fillRef>
+      <a:effectRef idx="0">
+        <a:scrgbClr r="0" g="0" b="0"/>
+      </a:effectRef>
+      <a:fontRef idx="minor"/>
+    </dgm:style>
+  </dgm:styleLbl>
+  <dgm:styleLbl name="alignAccFollowNode1">
+    <dgm:scene3d>
+      <a:camera prst="orthographicFront"/>
+      <a:lightRig rig="threePt" dir="t"/>
+    </dgm:scene3d>
+    <dgm:sp3d/>
+    <dgm:txPr/>
+    <dgm:style>
+      <a:lnRef idx="2">
+        <a:scrgbClr r="0" g="0" b="0"/>
+      </a:lnRef>
+      <a:fillRef idx="1">
+        <a:scrgbClr r="0" g="0" b="0"/>
+      </a:fillRef>
+      <a:effectRef idx="0">
+        <a:scrgbClr r="0" g="0" b="0"/>
+      </a:effectRef>
+      <a:fontRef idx="minor"/>
+    </dgm:style>
+  </dgm:styleLbl>
+  <dgm:styleLbl name="bgAccFollowNode1">
+    <dgm:scene3d>
+      <a:camera prst="orthographicFront"/>
+      <a:lightRig rig="threePt" dir="t"/>
+    </dgm:scene3d>
+    <dgm:sp3d/>
+    <dgm:txPr/>
+    <dgm:style>
+      <a:lnRef idx="2">
+        <a:scrgbClr r="0" g="0" b="0"/>
+      </a:lnRef>
+      <a:fillRef idx="1">
+        <a:scrgbClr r="0" g="0" b="0"/>
+      </a:fillRef>
+      <a:effectRef idx="0">
+        <a:scrgbClr r="0" g="0" b="0"/>
+      </a:effectRef>
+      <a:fontRef idx="minor"/>
+    </dgm:style>
+  </dgm:styleLbl>
+  <dgm:styleLbl name="fgAcc0">
+    <dgm:scene3d>
+      <a:camera prst="orthographicFront"/>
+      <a:lightRig rig="threePt" dir="t"/>
+    </dgm:scene3d>
+    <dgm:sp3d/>
+    <dgm:txPr/>
+    <dgm:style>
+      <a:lnRef idx="2">
+        <a:scrgbClr r="0" g="0" b="0"/>
+      </a:lnRef>
+      <a:fillRef idx="1">
+        <a:scrgbClr r="0" g="0" b="0"/>
+      </a:fillRef>
+      <a:effectRef idx="0">
+        <a:scrgbClr r="0" g="0" b="0"/>
+      </a:effectRef>
+      <a:fontRef idx="minor"/>
+    </dgm:style>
+  </dgm:styleLbl>
+  <dgm:styleLbl name="fgAcc2">
+    <dgm:scene3d>
+      <a:camera prst="orthographicFront"/>
+      <a:lightRig rig="threePt" dir="t"/>
+    </dgm:scene3d>
+    <dgm:sp3d/>
+    <dgm:txPr/>
+    <dgm:style>
+      <a:lnRef idx="2">
+        <a:scrgbClr r="0" g="0" b="0"/>
+      </a:lnRef>
+      <a:fillRef idx="1">
+        <a:scrgbClr r="0" g="0" b="0"/>
+      </a:fillRef>
+      <a:effectRef idx="0">
+        <a:scrgbClr r="0" g="0" b="0"/>
+      </a:effectRef>
+      <a:fontRef idx="minor"/>
+    </dgm:style>
+  </dgm:styleLbl>
+  <dgm:styleLbl name="fgAcc3">
+    <dgm:scene3d>
+      <a:camera prst="orthographicFront"/>
+      <a:lightRig rig="threePt" dir="t"/>
+    </dgm:scene3d>
+    <dgm:sp3d/>
+    <dgm:txPr/>
+    <dgm:style>
+      <a:lnRef idx="2">
+        <a:scrgbClr r="0" g="0" b="0"/>
+      </a:lnRef>
+      <a:fillRef idx="1">
+        <a:scrgbClr r="0" g="0" b="0"/>
+      </a:fillRef>
+      <a:effectRef idx="0">
+        <a:scrgbClr r="0" g="0" b="0"/>
+      </a:effectRef>
+      <a:fontRef idx="minor"/>
+    </dgm:style>
+  </dgm:styleLbl>
+  <dgm:styleLbl name="fgAcc4">
+    <dgm:scene3d>
+      <a:camera prst="orthographicFront"/>
+      <a:lightRig rig="threePt" dir="t"/>
+    </dgm:scene3d>
+    <dgm:sp3d/>
+    <dgm:txPr/>
+    <dgm:style>
+      <a:lnRef idx="2">
+        <a:scrgbClr r="0" g="0" b="0"/>
+      </a:lnRef>
+      <a:fillRef idx="1">
+        <a:scrgbClr r="0" g="0" b="0"/>
+      </a:fillRef>
+      <a:effectRef idx="0">
+        <a:scrgbClr r="0" g="0" b="0"/>
+      </a:effectRef>
+      <a:fontRef idx="minor"/>
+    </dgm:style>
+  </dgm:styleLbl>
+  <dgm:styleLbl name="bgShp">
+    <dgm:scene3d>
+      <a:camera prst="orthographicFront"/>
+      <a:lightRig rig="threePt" dir="t"/>
+    </dgm:scene3d>
+    <dgm:sp3d/>
+    <dgm:txPr/>
+    <dgm:style>
+      <a:lnRef idx="0">
+        <a:scrgbClr r="0" g="0" b="0"/>
+      </a:lnRef>
+      <a:fillRef idx="1">
+        <a:scrgbClr r="0" g="0" b="0"/>
+      </a:fillRef>
+      <a:effectRef idx="0">
+        <a:scrgbClr r="0" g="0" b="0"/>
+      </a:effectRef>
+      <a:fontRef idx="minor"/>
+    </dgm:style>
+  </dgm:styleLbl>
+  <dgm:styleLbl name="dkBgShp">
+    <dgm:scene3d>
+      <a:camera prst="orthographicFront"/>
+      <a:lightRig rig="threePt" dir="t"/>
+    </dgm:scene3d>
+    <dgm:sp3d/>
+    <dgm:txPr/>
+    <dgm:style>
+      <a:lnRef idx="0">
+        <a:scrgbClr r="0" g="0" b="0"/>
+      </a:lnRef>
+      <a:fillRef idx="1">
+        <a:scrgbClr r="0" g="0" b="0"/>
+      </a:fillRef>
+      <a:effectRef idx="0">
+        <a:scrgbClr r="0" g="0" b="0"/>
+      </a:effectRef>
+      <a:fontRef idx="minor"/>
+    </dgm:style>
+  </dgm:styleLbl>
+  <dgm:styleLbl name="trBgShp">
+    <dgm:scene3d>
+      <a:camera prst="orthographicFront"/>
+      <a:lightRig rig="threePt" dir="t"/>
+    </dgm:scene3d>
+    <dgm:sp3d/>
+    <dgm:txPr/>
+    <dgm:style>
+      <a:lnRef idx="0">
+        <a:scrgbClr r="0" g="0" b="0"/>
+      </a:lnRef>
+      <a:fillRef idx="1">
+        <a:scrgbClr r="0" g="0" b="0"/>
+      </a:fillRef>
+      <a:effectRef idx="0">
+        <a:scrgbClr r="0" g="0" b="0"/>
+      </a:effectRef>
+      <a:fontRef idx="minor"/>
+    </dgm:style>
+  </dgm:styleLbl>
+  <dgm:styleLbl name="fgShp">
+    <dgm:scene3d>
+      <a:camera prst="orthographicFront"/>
+      <a:lightRig rig="threePt" dir="t"/>
+    </dgm:scene3d>
+    <dgm:sp3d/>
+    <dgm:txPr/>
+    <dgm:style>
+      <a:lnRef idx="2">
+        <a:scrgbClr r="0" g="0" b="0"/>
+      </a:lnRef>
+      <a:fillRef idx="1">
+        <a:scrgbClr r="0" g="0" b="0"/>
+      </a:fillRef>
+      <a:effectRef idx="0">
+        <a:scrgbClr r="0" g="0" b="0"/>
+      </a:effectRef>
+      <a:fontRef idx="minor"/>
+    </dgm:style>
+  </dgm:styleLbl>
+  <dgm:styleLbl name="revTx">
+    <dgm:scene3d>
+      <a:camera prst="orthographicFront"/>
+      <a:lightRig rig="threePt" dir="t"/>
+    </dgm:scene3d>
+    <dgm:sp3d/>
+    <dgm:txPr/>
+    <dgm:style>
+      <a:lnRef idx="0">
+        <a:scrgbClr r="0" g="0" b="0"/>
+      </a:lnRef>
+      <a:fillRef idx="0">
+        <a:scrgbClr r="0" g="0" b="0"/>
+      </a:fillRef>
+      <a:effectRef idx="0">
+        <a:scrgbClr r="0" g="0" b="0"/>
+      </a:effectRef>
+      <a:fontRef idx="minor"/>
+    </dgm:style>
+  </dgm:styleLbl>
+</dgm:styleDef>
+</file>
+
 <file path=ppt/diagrams/quickStyle2.xml><?xml version="1.0" encoding="utf-8"?>
 <dgm:styleDef xmlns:dgm="http://schemas.openxmlformats.org/drawingml/2006/diagram" xmlns:a="http://schemas.openxmlformats.org/drawingml/2006/main" uniqueId="urn:microsoft.com/office/officeart/2005/8/quickstyle/simple1">
   <dgm:title val=""/>
@@ -44845,7 +48251,7 @@
     </p:spTree>
     <p:extLst>
       <p:ext uri="{BB962C8B-B14F-4D97-AF65-F5344CB8AC3E}">
-        <p14:creationId xmlns:p14="http://schemas.microsoft.com/office/powerpoint/2010/main" xmlns="" val="2837288555"/>
+        <p14:creationId xmlns="" xmlns:p14="http://schemas.microsoft.com/office/powerpoint/2010/main" val="2837288555"/>
       </p:ext>
     </p:extLst>
   </p:cSld>
@@ -46175,6 +49581,88 @@
 </p:notes>
 </file>
 
+<file path=ppt/notesSlides/notesSlide23.xml><?xml version="1.0" encoding="utf-8"?>
+<p:notes xmlns:a="http://schemas.openxmlformats.org/drawingml/2006/main" xmlns:r="http://schemas.openxmlformats.org/officeDocument/2006/relationships" xmlns:p="http://schemas.openxmlformats.org/presentationml/2006/main">
+  <p:cSld>
+    <p:spTree>
+      <p:nvGrpSpPr>
+        <p:cNvPr id="1" name=""/>
+        <p:cNvGrpSpPr/>
+        <p:nvPr/>
+      </p:nvGrpSpPr>
+      <p:grpSpPr>
+        <a:xfrm>
+          <a:off x="0" y="0"/>
+          <a:ext cx="0" cy="0"/>
+          <a:chOff x="0" y="0"/>
+          <a:chExt cx="0" cy="0"/>
+        </a:xfrm>
+      </p:grpSpPr>
+      <p:sp>
+        <p:nvSpPr>
+          <p:cNvPr id="2" name="Slide Image Placeholder 1"/>
+          <p:cNvSpPr>
+            <a:spLocks noGrp="1" noRot="1" noChangeAspect="1"/>
+          </p:cNvSpPr>
+          <p:nvPr>
+            <p:ph type="sldImg"/>
+          </p:nvPr>
+        </p:nvSpPr>
+        <p:spPr/>
+      </p:sp>
+      <p:sp>
+        <p:nvSpPr>
+          <p:cNvPr id="3" name="Notes Placeholder 2"/>
+          <p:cNvSpPr>
+            <a:spLocks noGrp="1"/>
+          </p:cNvSpPr>
+          <p:nvPr>
+            <p:ph type="body" idx="1"/>
+          </p:nvPr>
+        </p:nvSpPr>
+        <p:spPr/>
+        <p:txBody>
+          <a:bodyPr>
+            <a:normAutofit/>
+          </a:bodyPr>
+          <a:lstStyle/>
+          <a:p>
+            <a:endParaRPr lang="en-US"/>
+          </a:p>
+        </p:txBody>
+      </p:sp>
+      <p:sp>
+        <p:nvSpPr>
+          <p:cNvPr id="4" name="Slide Number Placeholder 3"/>
+          <p:cNvSpPr>
+            <a:spLocks noGrp="1"/>
+          </p:cNvSpPr>
+          <p:nvPr>
+            <p:ph type="sldNum" sz="quarter" idx="10"/>
+          </p:nvPr>
+        </p:nvSpPr>
+        <p:spPr/>
+        <p:txBody>
+          <a:bodyPr/>
+          <a:lstStyle/>
+          <a:p>
+            <a:fld id="{C7638540-05FF-4C33-A664-B971BAFF3076}" type="slidenum">
+              <a:rPr lang="en-US" smtClean="0"/>
+              <a:pPr/>
+              <a:t>23</a:t>
+            </a:fld>
+            <a:endParaRPr lang="en-US"/>
+          </a:p>
+        </p:txBody>
+      </p:sp>
+    </p:spTree>
+  </p:cSld>
+  <p:clrMapOvr>
+    <a:masterClrMapping/>
+  </p:clrMapOvr>
+</p:notes>
+</file>
+
 <file path=ppt/notesSlides/notesSlide3.xml><?xml version="1.0" encoding="utf-8"?>
 <p:notes xmlns:a="http://schemas.openxmlformats.org/drawingml/2006/main" xmlns:r="http://schemas.openxmlformats.org/officeDocument/2006/relationships" xmlns:p="http://schemas.openxmlformats.org/presentationml/2006/main">
   <p:cSld>
@@ -46983,7 +50471,7 @@
     </p:spTree>
     <p:extLst>
       <p:ext uri="{BB962C8B-B14F-4D97-AF65-F5344CB8AC3E}">
-        <p14:creationId xmlns:p14="http://schemas.microsoft.com/office/powerpoint/2010/main" xmlns="" val="1359784228"/>
+        <p14:creationId xmlns="" xmlns:p14="http://schemas.microsoft.com/office/powerpoint/2010/main" val="1359784228"/>
       </p:ext>
     </p:extLst>
   </p:cSld>
@@ -47155,7 +50643,7 @@
     </p:spTree>
     <p:extLst>
       <p:ext uri="{BB962C8B-B14F-4D97-AF65-F5344CB8AC3E}">
-        <p14:creationId xmlns:p14="http://schemas.microsoft.com/office/powerpoint/2010/main" xmlns="" val="1535817038"/>
+        <p14:creationId xmlns="" xmlns:p14="http://schemas.microsoft.com/office/powerpoint/2010/main" val="1535817038"/>
       </p:ext>
     </p:extLst>
   </p:cSld>
@@ -47337,7 +50825,7 @@
     </p:spTree>
     <p:extLst>
       <p:ext uri="{BB962C8B-B14F-4D97-AF65-F5344CB8AC3E}">
-        <p14:creationId xmlns:p14="http://schemas.microsoft.com/office/powerpoint/2010/main" xmlns="" val="3305786099"/>
+        <p14:creationId xmlns="" xmlns:p14="http://schemas.microsoft.com/office/powerpoint/2010/main" val="3305786099"/>
       </p:ext>
     </p:extLst>
   </p:cSld>
@@ -47509,7 +50997,7 @@
     </p:spTree>
     <p:extLst>
       <p:ext uri="{BB962C8B-B14F-4D97-AF65-F5344CB8AC3E}">
-        <p14:creationId xmlns:p14="http://schemas.microsoft.com/office/powerpoint/2010/main" xmlns="" val="2808464794"/>
+        <p14:creationId xmlns="" xmlns:p14="http://schemas.microsoft.com/office/powerpoint/2010/main" val="2808464794"/>
       </p:ext>
     </p:extLst>
   </p:cSld>
@@ -47757,7 +51245,7 @@
     </p:spTree>
     <p:extLst>
       <p:ext uri="{BB962C8B-B14F-4D97-AF65-F5344CB8AC3E}">
-        <p14:creationId xmlns:p14="http://schemas.microsoft.com/office/powerpoint/2010/main" xmlns="" val="3350234395"/>
+        <p14:creationId xmlns="" xmlns:p14="http://schemas.microsoft.com/office/powerpoint/2010/main" val="3350234395"/>
       </p:ext>
     </p:extLst>
   </p:cSld>
@@ -48047,7 +51535,7 @@
     </p:spTree>
     <p:extLst>
       <p:ext uri="{BB962C8B-B14F-4D97-AF65-F5344CB8AC3E}">
-        <p14:creationId xmlns:p14="http://schemas.microsoft.com/office/powerpoint/2010/main" xmlns="" val="2876325978"/>
+        <p14:creationId xmlns="" xmlns:p14="http://schemas.microsoft.com/office/powerpoint/2010/main" val="2876325978"/>
       </p:ext>
     </p:extLst>
   </p:cSld>
@@ -48471,7 +51959,7 @@
     </p:spTree>
     <p:extLst>
       <p:ext uri="{BB962C8B-B14F-4D97-AF65-F5344CB8AC3E}">
-        <p14:creationId xmlns:p14="http://schemas.microsoft.com/office/powerpoint/2010/main" xmlns="" val="2581016330"/>
+        <p14:creationId xmlns="" xmlns:p14="http://schemas.microsoft.com/office/powerpoint/2010/main" val="2581016330"/>
       </p:ext>
     </p:extLst>
   </p:cSld>
@@ -48591,7 +52079,7 @@
     </p:spTree>
     <p:extLst>
       <p:ext uri="{BB962C8B-B14F-4D97-AF65-F5344CB8AC3E}">
-        <p14:creationId xmlns:p14="http://schemas.microsoft.com/office/powerpoint/2010/main" xmlns="" val="2219315351"/>
+        <p14:creationId xmlns="" xmlns:p14="http://schemas.microsoft.com/office/powerpoint/2010/main" val="2219315351"/>
       </p:ext>
     </p:extLst>
   </p:cSld>
@@ -48688,7 +52176,7 @@
     </p:spTree>
     <p:extLst>
       <p:ext uri="{BB962C8B-B14F-4D97-AF65-F5344CB8AC3E}">
-        <p14:creationId xmlns:p14="http://schemas.microsoft.com/office/powerpoint/2010/main" xmlns="" val="4149962164"/>
+        <p14:creationId xmlns="" xmlns:p14="http://schemas.microsoft.com/office/powerpoint/2010/main" val="4149962164"/>
       </p:ext>
     </p:extLst>
   </p:cSld>
@@ -48967,7 +52455,7 @@
     </p:spTree>
     <p:extLst>
       <p:ext uri="{BB962C8B-B14F-4D97-AF65-F5344CB8AC3E}">
-        <p14:creationId xmlns:p14="http://schemas.microsoft.com/office/powerpoint/2010/main" xmlns="" val="2318772332"/>
+        <p14:creationId xmlns="" xmlns:p14="http://schemas.microsoft.com/office/powerpoint/2010/main" val="2318772332"/>
       </p:ext>
     </p:extLst>
   </p:cSld>
@@ -49222,7 +52710,7 @@
     </p:spTree>
     <p:extLst>
       <p:ext uri="{BB962C8B-B14F-4D97-AF65-F5344CB8AC3E}">
-        <p14:creationId xmlns:p14="http://schemas.microsoft.com/office/powerpoint/2010/main" xmlns="" val="2574223405"/>
+        <p14:creationId xmlns="" xmlns:p14="http://schemas.microsoft.com/office/powerpoint/2010/main" val="2574223405"/>
       </p:ext>
     </p:extLst>
   </p:cSld>
@@ -49473,7 +52961,7 @@
     </p:spTree>
     <p:extLst>
       <p:ext uri="{BB962C8B-B14F-4D97-AF65-F5344CB8AC3E}">
-        <p14:creationId xmlns:p14="http://schemas.microsoft.com/office/powerpoint/2010/main" xmlns="" val="3383897187"/>
+        <p14:creationId xmlns="" xmlns:p14="http://schemas.microsoft.com/office/powerpoint/2010/main" val="3383897187"/>
       </p:ext>
     </p:extLst>
   </p:cSld>
@@ -49802,7 +53290,7 @@
     </p:spTree>
     <p:extLst>
       <p:ext uri="{BB962C8B-B14F-4D97-AF65-F5344CB8AC3E}">
-        <p14:creationId xmlns:p14="http://schemas.microsoft.com/office/powerpoint/2010/main" xmlns="" val="2398501569"/>
+        <p14:creationId xmlns="" xmlns:p14="http://schemas.microsoft.com/office/powerpoint/2010/main" val="2398501569"/>
       </p:ext>
     </p:extLst>
   </p:cSld>
@@ -50495,7 +53983,7 @@
     </p:spTree>
     <p:extLst>
       <p:ext uri="{BB962C8B-B14F-4D97-AF65-F5344CB8AC3E}">
-        <p14:creationId xmlns:p14="http://schemas.microsoft.com/office/powerpoint/2010/main" xmlns="" val="2601577110"/>
+        <p14:creationId xmlns="" xmlns:p14="http://schemas.microsoft.com/office/powerpoint/2010/main" val="2601577110"/>
       </p:ext>
     </p:extLst>
   </p:cSld>
@@ -50558,7 +54046,7 @@
             <p:ph idx="1"/>
             <p:extLst>
               <p:ext uri="{D42A27DB-BD31-4B8C-83A1-F6EECF244321}">
-                <p14:modId xmlns:p14="http://schemas.microsoft.com/office/powerpoint/2010/main" xmlns="" val="2177100673"/>
+                <p14:modId xmlns="" xmlns:p14="http://schemas.microsoft.com/office/powerpoint/2010/main" val="2177100673"/>
               </p:ext>
             </p:extLst>
           </p:nvPr>
@@ -50582,7 +54070,7 @@
           <p:nvPr>
             <p:extLst>
               <p:ext uri="{D42A27DB-BD31-4B8C-83A1-F6EECF244321}">
-                <p14:modId xmlns:p14="http://schemas.microsoft.com/office/powerpoint/2010/main" xmlns="" val="3880500600"/>
+                <p14:modId xmlns="" xmlns:p14="http://schemas.microsoft.com/office/powerpoint/2010/main" val="3880500600"/>
               </p:ext>
             </p:extLst>
           </p:nvPr>
@@ -50720,7 +54208,7 @@
     </p:spTree>
     <p:extLst>
       <p:ext uri="{BB962C8B-B14F-4D97-AF65-F5344CB8AC3E}">
-        <p14:creationId xmlns:p14="http://schemas.microsoft.com/office/powerpoint/2010/main" xmlns="" val="686433211"/>
+        <p14:creationId xmlns="" xmlns:p14="http://schemas.microsoft.com/office/powerpoint/2010/main" val="686433211"/>
       </p:ext>
     </p:extLst>
   </p:cSld>
@@ -50794,7 +54282,7 @@
             <p:ph idx="1"/>
             <p:extLst>
               <p:ext uri="{D42A27DB-BD31-4B8C-83A1-F6EECF244321}">
-                <p14:modId xmlns:p14="http://schemas.microsoft.com/office/powerpoint/2010/main" xmlns="" val="545708058"/>
+                <p14:modId xmlns="" xmlns:p14="http://schemas.microsoft.com/office/powerpoint/2010/main" val="545708058"/>
               </p:ext>
             </p:extLst>
           </p:nvPr>
@@ -50812,7 +54300,7 @@
     </p:spTree>
     <p:extLst>
       <p:ext uri="{BB962C8B-B14F-4D97-AF65-F5344CB8AC3E}">
-        <p14:creationId xmlns:p14="http://schemas.microsoft.com/office/powerpoint/2010/main" xmlns="" val="2992830619"/>
+        <p14:creationId xmlns="" xmlns:p14="http://schemas.microsoft.com/office/powerpoint/2010/main" val="2992830619"/>
       </p:ext>
     </p:extLst>
   </p:cSld>
@@ -50893,7 +54381,7 @@
           <p:nvPr>
             <p:extLst>
               <p:ext uri="{D42A27DB-BD31-4B8C-83A1-F6EECF244321}">
-                <p14:modId xmlns:p14="http://schemas.microsoft.com/office/powerpoint/2010/main" xmlns="" val="2621353938"/>
+                <p14:modId xmlns="" xmlns:p14="http://schemas.microsoft.com/office/powerpoint/2010/main" val="2621353938"/>
               </p:ext>
             </p:extLst>
           </p:nvPr>
@@ -50917,7 +54405,7 @@
           <p:nvPr>
             <p:extLst>
               <p:ext uri="{D42A27DB-BD31-4B8C-83A1-F6EECF244321}">
-                <p14:modId xmlns:p14="http://schemas.microsoft.com/office/powerpoint/2010/main" xmlns="" val="1248215537"/>
+                <p14:modId xmlns="" xmlns:p14="http://schemas.microsoft.com/office/powerpoint/2010/main" val="1248215537"/>
               </p:ext>
             </p:extLst>
           </p:nvPr>
@@ -51027,7 +54515,7 @@
     </p:spTree>
     <p:extLst>
       <p:ext uri="{BB962C8B-B14F-4D97-AF65-F5344CB8AC3E}">
-        <p14:creationId xmlns:p14="http://schemas.microsoft.com/office/powerpoint/2010/main" xmlns="" val="1557959741"/>
+        <p14:creationId xmlns="" xmlns:p14="http://schemas.microsoft.com/office/powerpoint/2010/main" val="1557959741"/>
       </p:ext>
     </p:extLst>
   </p:cSld>
@@ -51090,14 +54578,14 @@
             <p:ph idx="1"/>
             <p:extLst>
               <p:ext uri="{D42A27DB-BD31-4B8C-83A1-F6EECF244321}">
-                <p14:modId xmlns:p14="http://schemas.microsoft.com/office/powerpoint/2010/main" xmlns="" val="3607291589"/>
+                <p14:modId xmlns="" xmlns:p14="http://schemas.microsoft.com/office/powerpoint/2010/main" val="3607291589"/>
               </p:ext>
             </p:extLst>
           </p:nvPr>
         </p:nvGraphicFramePr>
         <p:xfrm>
-          <a:off x="457200" y="1600200"/>
-          <a:ext cx="8229600" cy="4525963"/>
+          <a:off x="457200" y="2420889"/>
+          <a:ext cx="8229600" cy="1944215"/>
         </p:xfrm>
         <a:graphic>
           <a:graphicData uri="http://schemas.openxmlformats.org/drawingml/2006/diagram">
@@ -51108,7 +54596,7 @@
     </p:spTree>
     <p:extLst>
       <p:ext uri="{BB962C8B-B14F-4D97-AF65-F5344CB8AC3E}">
-        <p14:creationId xmlns:p14="http://schemas.microsoft.com/office/powerpoint/2010/main" xmlns="" val="704232541"/>
+        <p14:creationId xmlns="" xmlns:p14="http://schemas.microsoft.com/office/powerpoint/2010/main" val="704232541"/>
       </p:ext>
     </p:extLst>
   </p:cSld>
@@ -53336,7 +56824,7 @@
     </p:spTree>
     <p:extLst>
       <p:ext uri="{BB962C8B-B14F-4D97-AF65-F5344CB8AC3E}">
-        <p14:creationId xmlns:p14="http://schemas.microsoft.com/office/powerpoint/2010/main" xmlns="" val="1650756672"/>
+        <p14:creationId xmlns="" xmlns:p14="http://schemas.microsoft.com/office/powerpoint/2010/main" val="1650756672"/>
       </p:ext>
     </p:extLst>
   </p:cSld>
@@ -53720,7 +57208,7 @@
     </p:spTree>
     <p:extLst>
       <p:ext uri="{BB962C8B-B14F-4D97-AF65-F5344CB8AC3E}">
-        <p14:creationId xmlns:p14="http://schemas.microsoft.com/office/powerpoint/2010/main" xmlns="" val="2269612353"/>
+        <p14:creationId xmlns="" xmlns:p14="http://schemas.microsoft.com/office/powerpoint/2010/main" val="2269612353"/>
       </p:ext>
     </p:extLst>
   </p:cSld>
@@ -53800,7 +57288,7 @@
             <p:nvPr>
               <p:extLst>
                 <p:ext uri="{D42A27DB-BD31-4B8C-83A1-F6EECF244321}">
-                  <p14:modId xmlns:p14="http://schemas.microsoft.com/office/powerpoint/2010/main" xmlns="" val="2598465583"/>
+                  <p14:modId xmlns="" xmlns:p14="http://schemas.microsoft.com/office/powerpoint/2010/main" val="2598465583"/>
                 </p:ext>
               </p:extLst>
             </p:nvPr>
@@ -54981,7 +58469,7 @@
     </p:spTree>
     <p:extLst>
       <p:ext uri="{BB962C8B-B14F-4D97-AF65-F5344CB8AC3E}">
-        <p14:creationId xmlns:p14="http://schemas.microsoft.com/office/powerpoint/2010/main" xmlns="" val="1633000113"/>
+        <p14:creationId xmlns="" xmlns:p14="http://schemas.microsoft.com/office/powerpoint/2010/main" val="1633000113"/>
       </p:ext>
     </p:extLst>
   </p:cSld>
@@ -55044,7 +58532,7 @@
             <p:ph idx="1"/>
             <p:extLst>
               <p:ext uri="{D42A27DB-BD31-4B8C-83A1-F6EECF244321}">
-                <p14:modId xmlns:p14="http://schemas.microsoft.com/office/powerpoint/2010/main" xmlns="" val="812163987"/>
+                <p14:modId xmlns="" xmlns:p14="http://schemas.microsoft.com/office/powerpoint/2010/main" val="812163987"/>
               </p:ext>
             </p:extLst>
           </p:nvPr>
@@ -55097,7 +58585,7 @@
     </p:spTree>
     <p:extLst>
       <p:ext uri="{BB962C8B-B14F-4D97-AF65-F5344CB8AC3E}">
-        <p14:creationId xmlns:p14="http://schemas.microsoft.com/office/powerpoint/2010/main" xmlns="" val="3929008511"/>
+        <p14:creationId xmlns="" xmlns:p14="http://schemas.microsoft.com/office/powerpoint/2010/main" val="3929008511"/>
       </p:ext>
     </p:extLst>
   </p:cSld>
@@ -55115,6 +58603,77 @@
 </file>
 
 <file path=ppt/slides/slide20.xml><?xml version="1.0" encoding="utf-8"?>
+<p:sld xmlns:a="http://schemas.openxmlformats.org/drawingml/2006/main" xmlns:r="http://schemas.openxmlformats.org/officeDocument/2006/relationships" xmlns:p="http://schemas.openxmlformats.org/presentationml/2006/main">
+  <p:cSld>
+    <p:spTree>
+      <p:nvGrpSpPr>
+        <p:cNvPr id="1" name=""/>
+        <p:cNvGrpSpPr/>
+        <p:nvPr/>
+      </p:nvGrpSpPr>
+      <p:grpSpPr>
+        <a:xfrm>
+          <a:off x="0" y="0"/>
+          <a:ext cx="0" cy="0"/>
+          <a:chOff x="0" y="0"/>
+          <a:chExt cx="0" cy="0"/>
+        </a:xfrm>
+      </p:grpSpPr>
+      <p:sp>
+        <p:nvSpPr>
+          <p:cNvPr id="2" name="Title 1"/>
+          <p:cNvSpPr>
+            <a:spLocks noGrp="1"/>
+          </p:cNvSpPr>
+          <p:nvPr>
+            <p:ph type="title"/>
+          </p:nvPr>
+        </p:nvSpPr>
+        <p:spPr>
+          <a:xfrm>
+            <a:off x="457200" y="274638"/>
+            <a:ext cx="8229600" cy="562074"/>
+          </a:xfrm>
+        </p:spPr>
+        <p:txBody>
+          <a:bodyPr>
+            <a:normAutofit fontScale="90000"/>
+          </a:bodyPr>
+          <a:lstStyle/>
+          <a:p>
+            <a:r>
+              <a:rPr lang="en-US" dirty="0" err="1" smtClean="0"/>
+              <a:t>Time_access</a:t>
+            </a:r>
+            <a:endParaRPr lang="en-US" dirty="0"/>
+          </a:p>
+        </p:txBody>
+      </p:sp>
+      <p:graphicFrame>
+        <p:nvGraphicFramePr>
+          <p:cNvPr id="4" name="Diagram 3"/>
+          <p:cNvGraphicFramePr/>
+          <p:nvPr/>
+        </p:nvGraphicFramePr>
+        <p:xfrm>
+          <a:off x="251520" y="1397000"/>
+          <a:ext cx="8352928" cy="2032000"/>
+        </p:xfrm>
+        <a:graphic>
+          <a:graphicData uri="http://schemas.openxmlformats.org/drawingml/2006/diagram">
+            <dgm:relIds xmlns:dgm="http://schemas.openxmlformats.org/drawingml/2006/diagram" xmlns:r="http://schemas.openxmlformats.org/officeDocument/2006/relationships" r:dm="rId3" r:lo="rId4" r:qs="rId5" r:cs="rId6"/>
+          </a:graphicData>
+        </a:graphic>
+      </p:graphicFrame>
+    </p:spTree>
+  </p:cSld>
+  <p:clrMapOvr>
+    <a:masterClrMapping/>
+  </p:clrMapOvr>
+</p:sld>
+</file>
+
+<file path=ppt/slides/slide21.xml><?xml version="1.0" encoding="utf-8"?>
 <p:sld xmlns:a="http://schemas.openxmlformats.org/drawingml/2006/main" xmlns:r="http://schemas.openxmlformats.org/officeDocument/2006/relationships" xmlns:p="http://schemas.openxmlformats.org/presentationml/2006/main">
   <p:cSld>
     <p:spTree>
@@ -55680,7 +59239,7 @@
     </p:spTree>
     <p:extLst>
       <p:ext uri="{BB962C8B-B14F-4D97-AF65-F5344CB8AC3E}">
-        <p14:creationId xmlns:p14="http://schemas.microsoft.com/office/powerpoint/2010/main" xmlns="" val="2666438091"/>
+        <p14:creationId xmlns="" xmlns:p14="http://schemas.microsoft.com/office/powerpoint/2010/main" val="2666438091"/>
       </p:ext>
     </p:extLst>
   </p:cSld>
@@ -55697,7 +59256,7 @@
 </p:sld>
 </file>
 
-<file path=ppt/slides/slide21.xml><?xml version="1.0" encoding="utf-8"?>
+<file path=ppt/slides/slide22.xml><?xml version="1.0" encoding="utf-8"?>
 <p:sld xmlns:a="http://schemas.openxmlformats.org/drawingml/2006/main" xmlns:r="http://schemas.openxmlformats.org/officeDocument/2006/relationships" xmlns:p="http://schemas.openxmlformats.org/presentationml/2006/main">
   <p:cSld>
     <p:spTree>
@@ -56129,7 +59688,7 @@
     </p:spTree>
     <p:extLst>
       <p:ext uri="{BB962C8B-B14F-4D97-AF65-F5344CB8AC3E}">
-        <p14:creationId xmlns:p14="http://schemas.microsoft.com/office/powerpoint/2010/main" xmlns="" val="4073241746"/>
+        <p14:creationId xmlns="" xmlns:p14="http://schemas.microsoft.com/office/powerpoint/2010/main" val="4073241746"/>
       </p:ext>
     </p:extLst>
   </p:cSld>
@@ -56146,7 +59705,7 @@
 </p:sld>
 </file>
 
-<file path=ppt/slides/slide22.xml><?xml version="1.0" encoding="utf-8"?>
+<file path=ppt/slides/slide23.xml><?xml version="1.0" encoding="utf-8"?>
 <p:sld xmlns:a="http://schemas.openxmlformats.org/drawingml/2006/main" xmlns:r="http://schemas.openxmlformats.org/officeDocument/2006/relationships" xmlns:p="http://schemas.openxmlformats.org/presentationml/2006/main">
   <p:cSld>
     <p:spTree>
@@ -56405,7 +59964,7 @@
     </p:spTree>
     <p:extLst>
       <p:ext uri="{BB962C8B-B14F-4D97-AF65-F5344CB8AC3E}">
-        <p14:creationId xmlns:p14="http://schemas.microsoft.com/office/powerpoint/2010/main" xmlns="" val="296434353"/>
+        <p14:creationId xmlns="" xmlns:p14="http://schemas.microsoft.com/office/powerpoint/2010/main" val="296434353"/>
       </p:ext>
     </p:extLst>
   </p:cSld>
@@ -56878,7 +60437,7 @@
             <p:ph idx="1"/>
             <p:extLst>
               <p:ext uri="{D42A27DB-BD31-4B8C-83A1-F6EECF244321}">
-                <p14:modId xmlns:p14="http://schemas.microsoft.com/office/powerpoint/2010/main" xmlns="" val="3537299332"/>
+                <p14:modId xmlns="" xmlns:p14="http://schemas.microsoft.com/office/powerpoint/2010/main" val="3537299332"/>
               </p:ext>
             </p:extLst>
           </p:nvPr>
@@ -56896,7 +60455,7 @@
     </p:spTree>
     <p:extLst>
       <p:ext uri="{BB962C8B-B14F-4D97-AF65-F5344CB8AC3E}">
-        <p14:creationId xmlns:p14="http://schemas.microsoft.com/office/powerpoint/2010/main" xmlns="" val="2350175017"/>
+        <p14:creationId xmlns="" xmlns:p14="http://schemas.microsoft.com/office/powerpoint/2010/main" val="2350175017"/>
       </p:ext>
     </p:extLst>
   </p:cSld>
@@ -56964,7 +60523,7 @@
             <p:ph idx="1"/>
             <p:extLst>
               <p:ext uri="{D42A27DB-BD31-4B8C-83A1-F6EECF244321}">
-                <p14:modId xmlns:p14="http://schemas.microsoft.com/office/powerpoint/2010/main" xmlns="" val="2475547916"/>
+                <p14:modId xmlns="" xmlns:p14="http://schemas.microsoft.com/office/powerpoint/2010/main" val="2475547916"/>
               </p:ext>
             </p:extLst>
           </p:nvPr>
@@ -56986,7 +60545,7 @@
           <p:nvPr>
             <p:extLst>
               <p:ext uri="{D42A27DB-BD31-4B8C-83A1-F6EECF244321}">
-                <p14:modId xmlns:p14="http://schemas.microsoft.com/office/powerpoint/2010/main" xmlns="" val="1761478570"/>
+                <p14:modId xmlns="" xmlns:p14="http://schemas.microsoft.com/office/powerpoint/2010/main" val="1761478570"/>
               </p:ext>
             </p:extLst>
           </p:nvPr>
@@ -57010,7 +60569,7 @@
           <p:nvPr>
             <p:extLst>
               <p:ext uri="{D42A27DB-BD31-4B8C-83A1-F6EECF244321}">
-                <p14:modId xmlns:p14="http://schemas.microsoft.com/office/powerpoint/2010/main" xmlns="" val="1111039397"/>
+                <p14:modId xmlns="" xmlns:p14="http://schemas.microsoft.com/office/powerpoint/2010/main" val="1111039397"/>
               </p:ext>
             </p:extLst>
           </p:nvPr>
@@ -57137,7 +60696,7 @@
     </p:spTree>
     <p:extLst>
       <p:ext uri="{BB962C8B-B14F-4D97-AF65-F5344CB8AC3E}">
-        <p14:creationId xmlns:p14="http://schemas.microsoft.com/office/powerpoint/2010/main" xmlns="" val="2434108879"/>
+        <p14:creationId xmlns="" xmlns:p14="http://schemas.microsoft.com/office/powerpoint/2010/main" val="2434108879"/>
       </p:ext>
     </p:extLst>
   </p:cSld>
@@ -57205,7 +60764,7 @@
             <p:ph idx="1"/>
             <p:extLst>
               <p:ext uri="{D42A27DB-BD31-4B8C-83A1-F6EECF244321}">
-                <p14:modId xmlns:p14="http://schemas.microsoft.com/office/powerpoint/2010/main" xmlns="" val="1707743398"/>
+                <p14:modId xmlns="" xmlns:p14="http://schemas.microsoft.com/office/powerpoint/2010/main" val="1707743398"/>
               </p:ext>
             </p:extLst>
           </p:nvPr>
@@ -57227,7 +60786,7 @@
           <p:nvPr>
             <p:extLst>
               <p:ext uri="{D42A27DB-BD31-4B8C-83A1-F6EECF244321}">
-                <p14:modId xmlns:p14="http://schemas.microsoft.com/office/powerpoint/2010/main" xmlns="" val="3451522524"/>
+                <p14:modId xmlns="" xmlns:p14="http://schemas.microsoft.com/office/powerpoint/2010/main" val="3451522524"/>
               </p:ext>
             </p:extLst>
           </p:nvPr>
@@ -57251,7 +60810,7 @@
           <p:nvPr>
             <p:extLst>
               <p:ext uri="{D42A27DB-BD31-4B8C-83A1-F6EECF244321}">
-                <p14:modId xmlns:p14="http://schemas.microsoft.com/office/powerpoint/2010/main" xmlns="" val="874027869"/>
+                <p14:modId xmlns="" xmlns:p14="http://schemas.microsoft.com/office/powerpoint/2010/main" val="874027869"/>
               </p:ext>
             </p:extLst>
           </p:nvPr>
@@ -57378,7 +60937,7 @@
     </p:spTree>
     <p:extLst>
       <p:ext uri="{BB962C8B-B14F-4D97-AF65-F5344CB8AC3E}">
-        <p14:creationId xmlns:p14="http://schemas.microsoft.com/office/powerpoint/2010/main" xmlns="" val="4105648671"/>
+        <p14:creationId xmlns="" xmlns:p14="http://schemas.microsoft.com/office/powerpoint/2010/main" val="4105648671"/>
       </p:ext>
     </p:extLst>
   </p:cSld>
@@ -60849,7 +64408,7 @@
     </p:spTree>
     <p:extLst>
       <p:ext uri="{BB962C8B-B14F-4D97-AF65-F5344CB8AC3E}">
-        <p14:creationId xmlns:p14="http://schemas.microsoft.com/office/powerpoint/2010/main" xmlns="" val="1734076018"/>
+        <p14:creationId xmlns="" xmlns:p14="http://schemas.microsoft.com/office/powerpoint/2010/main" val="1734076018"/>
       </p:ext>
     </p:extLst>
   </p:cSld>
